--- a/powerpoint/09_套件與存取修飾子.pptx
+++ b/powerpoint/09_套件與存取修飾子.pptx
@@ -4,10 +4,16 @@
   <p:sldMasterIdLst>
     <p:sldMasterId id="2147483660" r:id="rId1"/>
   </p:sldMasterIdLst>
+  <p:notesMasterIdLst>
+    <p:notesMasterId r:id="rId8"/>
+  </p:notesMasterIdLst>
   <p:sldIdLst>
     <p:sldId id="256" r:id="rId2"/>
     <p:sldId id="257" r:id="rId3"/>
     <p:sldId id="258" r:id="rId4"/>
+    <p:sldId id="260" r:id="rId5"/>
+    <p:sldId id="259" r:id="rId6"/>
+    <p:sldId id="261" r:id="rId7"/>
   </p:sldIdLst>
   <p:sldSz cx="12192000" cy="6858000"/>
   <p:notesSz cx="6858000" cy="9144000"/>
@@ -112,6 +118,523 @@
     </p:ext>
   </p:extLst>
 </p:presentation>
+</file>
+
+<file path=ppt/notesMasters/notesMaster1.xml><?xml version="1.0" encoding="utf-8"?>
+<p:notesMaster xmlns:a="http://schemas.openxmlformats.org/drawingml/2006/main" xmlns:r="http://schemas.openxmlformats.org/officeDocument/2006/relationships" xmlns:p="http://schemas.openxmlformats.org/presentationml/2006/main">
+  <p:cSld>
+    <p:bg>
+      <p:bgRef idx="1001">
+        <a:schemeClr val="bg1"/>
+      </p:bgRef>
+    </p:bg>
+    <p:spTree>
+      <p:nvGrpSpPr>
+        <p:cNvPr id="1" name=""/>
+        <p:cNvGrpSpPr/>
+        <p:nvPr/>
+      </p:nvGrpSpPr>
+      <p:grpSpPr>
+        <a:xfrm>
+          <a:off x="0" y="0"/>
+          <a:ext cx="0" cy="0"/>
+          <a:chOff x="0" y="0"/>
+          <a:chExt cx="0" cy="0"/>
+        </a:xfrm>
+      </p:grpSpPr>
+      <p:sp>
+        <p:nvSpPr>
+          <p:cNvPr id="2" name="頁首版面配置區 1"/>
+          <p:cNvSpPr>
+            <a:spLocks noGrp="1"/>
+          </p:cNvSpPr>
+          <p:nvPr>
+            <p:ph type="hdr" sz="quarter"/>
+          </p:nvPr>
+        </p:nvSpPr>
+        <p:spPr>
+          <a:xfrm>
+            <a:off x="0" y="0"/>
+            <a:ext cx="2971800" cy="458788"/>
+          </a:xfrm>
+          <a:prstGeom prst="rect">
+            <a:avLst/>
+          </a:prstGeom>
+        </p:spPr>
+        <p:txBody>
+          <a:bodyPr vert="horz" lIns="91440" tIns="45720" rIns="91440" bIns="45720" rtlCol="0"/>
+          <a:lstStyle>
+            <a:lvl1pPr algn="l">
+              <a:defRPr sz="1200"/>
+            </a:lvl1pPr>
+          </a:lstStyle>
+          <a:p>
+            <a:endParaRPr lang="zh-TW" altLang="en-US"/>
+          </a:p>
+        </p:txBody>
+      </p:sp>
+      <p:sp>
+        <p:nvSpPr>
+          <p:cNvPr id="3" name="日期版面配置區 2"/>
+          <p:cNvSpPr>
+            <a:spLocks noGrp="1"/>
+          </p:cNvSpPr>
+          <p:nvPr>
+            <p:ph type="dt" idx="1"/>
+          </p:nvPr>
+        </p:nvSpPr>
+        <p:spPr>
+          <a:xfrm>
+            <a:off x="3884613" y="0"/>
+            <a:ext cx="2971800" cy="458788"/>
+          </a:xfrm>
+          <a:prstGeom prst="rect">
+            <a:avLst/>
+          </a:prstGeom>
+        </p:spPr>
+        <p:txBody>
+          <a:bodyPr vert="horz" lIns="91440" tIns="45720" rIns="91440" bIns="45720" rtlCol="0"/>
+          <a:lstStyle>
+            <a:lvl1pPr algn="r">
+              <a:defRPr sz="1200"/>
+            </a:lvl1pPr>
+          </a:lstStyle>
+          <a:p>
+            <a:fld id="{13944194-6483-4812-93AF-B4D587E71D5A}" type="datetimeFigureOut">
+              <a:rPr lang="zh-TW" altLang="en-US" smtClean="0"/>
+              <a:t>2024/8/18</a:t>
+            </a:fld>
+            <a:endParaRPr lang="zh-TW" altLang="en-US"/>
+          </a:p>
+        </p:txBody>
+      </p:sp>
+      <p:sp>
+        <p:nvSpPr>
+          <p:cNvPr id="4" name="投影片影像版面配置區 3"/>
+          <p:cNvSpPr>
+            <a:spLocks noGrp="1" noRot="1" noChangeAspect="1"/>
+          </p:cNvSpPr>
+          <p:nvPr>
+            <p:ph type="sldImg" idx="2"/>
+          </p:nvPr>
+        </p:nvSpPr>
+        <p:spPr>
+          <a:xfrm>
+            <a:off x="685800" y="1143000"/>
+            <a:ext cx="5486400" cy="3086100"/>
+          </a:xfrm>
+          <a:prstGeom prst="rect">
+            <a:avLst/>
+          </a:prstGeom>
+          <a:noFill/>
+          <a:ln w="12700">
+            <a:solidFill>
+              <a:prstClr val="black"/>
+            </a:solidFill>
+          </a:ln>
+        </p:spPr>
+        <p:txBody>
+          <a:bodyPr vert="horz" lIns="91440" tIns="45720" rIns="91440" bIns="45720" rtlCol="0" anchor="ctr"/>
+          <a:lstStyle/>
+          <a:p>
+            <a:endParaRPr lang="zh-TW" altLang="en-US"/>
+          </a:p>
+        </p:txBody>
+      </p:sp>
+      <p:sp>
+        <p:nvSpPr>
+          <p:cNvPr id="5" name="備忘稿版面配置區 4"/>
+          <p:cNvSpPr>
+            <a:spLocks noGrp="1"/>
+          </p:cNvSpPr>
+          <p:nvPr>
+            <p:ph type="body" sz="quarter" idx="3"/>
+          </p:nvPr>
+        </p:nvSpPr>
+        <p:spPr>
+          <a:xfrm>
+            <a:off x="685800" y="4400550"/>
+            <a:ext cx="5486400" cy="3600450"/>
+          </a:xfrm>
+          <a:prstGeom prst="rect">
+            <a:avLst/>
+          </a:prstGeom>
+        </p:spPr>
+        <p:txBody>
+          <a:bodyPr vert="horz" lIns="91440" tIns="45720" rIns="91440" bIns="45720" rtlCol="0"/>
+          <a:lstStyle/>
+          <a:p>
+            <a:pPr lvl="0"/>
+            <a:r>
+              <a:rPr lang="zh-TW" altLang="en-US"/>
+              <a:t>按一下以編輯母片文字樣式</a:t>
+            </a:r>
+          </a:p>
+          <a:p>
+            <a:pPr lvl="1"/>
+            <a:r>
+              <a:rPr lang="zh-TW" altLang="en-US"/>
+              <a:t>第二層</a:t>
+            </a:r>
+          </a:p>
+          <a:p>
+            <a:pPr lvl="2"/>
+            <a:r>
+              <a:rPr lang="zh-TW" altLang="en-US"/>
+              <a:t>第三層</a:t>
+            </a:r>
+          </a:p>
+          <a:p>
+            <a:pPr lvl="3"/>
+            <a:r>
+              <a:rPr lang="zh-TW" altLang="en-US"/>
+              <a:t>第四層</a:t>
+            </a:r>
+          </a:p>
+          <a:p>
+            <a:pPr lvl="4"/>
+            <a:r>
+              <a:rPr lang="zh-TW" altLang="en-US"/>
+              <a:t>第五層</a:t>
+            </a:r>
+          </a:p>
+        </p:txBody>
+      </p:sp>
+      <p:sp>
+        <p:nvSpPr>
+          <p:cNvPr id="6" name="頁尾版面配置區 5"/>
+          <p:cNvSpPr>
+            <a:spLocks noGrp="1"/>
+          </p:cNvSpPr>
+          <p:nvPr>
+            <p:ph type="ftr" sz="quarter" idx="4"/>
+          </p:nvPr>
+        </p:nvSpPr>
+        <p:spPr>
+          <a:xfrm>
+            <a:off x="0" y="8685213"/>
+            <a:ext cx="2971800" cy="458787"/>
+          </a:xfrm>
+          <a:prstGeom prst="rect">
+            <a:avLst/>
+          </a:prstGeom>
+        </p:spPr>
+        <p:txBody>
+          <a:bodyPr vert="horz" lIns="91440" tIns="45720" rIns="91440" bIns="45720" rtlCol="0" anchor="b"/>
+          <a:lstStyle>
+            <a:lvl1pPr algn="l">
+              <a:defRPr sz="1200"/>
+            </a:lvl1pPr>
+          </a:lstStyle>
+          <a:p>
+            <a:endParaRPr lang="zh-TW" altLang="en-US"/>
+          </a:p>
+        </p:txBody>
+      </p:sp>
+      <p:sp>
+        <p:nvSpPr>
+          <p:cNvPr id="7" name="投影片編號版面配置區 6"/>
+          <p:cNvSpPr>
+            <a:spLocks noGrp="1"/>
+          </p:cNvSpPr>
+          <p:nvPr>
+            <p:ph type="sldNum" sz="quarter" idx="5"/>
+          </p:nvPr>
+        </p:nvSpPr>
+        <p:spPr>
+          <a:xfrm>
+            <a:off x="3884613" y="8685213"/>
+            <a:ext cx="2971800" cy="458787"/>
+          </a:xfrm>
+          <a:prstGeom prst="rect">
+            <a:avLst/>
+          </a:prstGeom>
+        </p:spPr>
+        <p:txBody>
+          <a:bodyPr vert="horz" lIns="91440" tIns="45720" rIns="91440" bIns="45720" rtlCol="0" anchor="b"/>
+          <a:lstStyle>
+            <a:lvl1pPr algn="r">
+              <a:defRPr sz="1200"/>
+            </a:lvl1pPr>
+          </a:lstStyle>
+          <a:p>
+            <a:fld id="{EF6D794F-D260-40E9-BC79-955A8FD7C099}" type="slidenum">
+              <a:rPr lang="zh-TW" altLang="en-US" smtClean="0"/>
+              <a:t>‹#›</a:t>
+            </a:fld>
+            <a:endParaRPr lang="zh-TW" altLang="en-US"/>
+          </a:p>
+        </p:txBody>
+      </p:sp>
+    </p:spTree>
+    <p:extLst>
+      <p:ext uri="{BB962C8B-B14F-4D97-AF65-F5344CB8AC3E}">
+        <p14:creationId xmlns:p14="http://schemas.microsoft.com/office/powerpoint/2010/main" val="1628598134"/>
+      </p:ext>
+    </p:extLst>
+  </p:cSld>
+  <p:clrMap bg1="lt1" tx1="dk1" bg2="lt2" tx2="dk2" accent1="accent1" accent2="accent2" accent3="accent3" accent4="accent4" accent5="accent5" accent6="accent6" hlink="hlink" folHlink="folHlink"/>
+  <p:notesStyle>
+    <a:lvl1pPr marL="0" algn="l" defTabSz="914400" rtl="0" eaLnBrk="1" latinLnBrk="0" hangingPunct="1">
+      <a:defRPr sz="1200" kern="1200">
+        <a:solidFill>
+          <a:schemeClr val="tx1"/>
+        </a:solidFill>
+        <a:latin typeface="+mn-lt"/>
+        <a:ea typeface="+mn-ea"/>
+        <a:cs typeface="+mn-cs"/>
+      </a:defRPr>
+    </a:lvl1pPr>
+    <a:lvl2pPr marL="457200" algn="l" defTabSz="914400" rtl="0" eaLnBrk="1" latinLnBrk="0" hangingPunct="1">
+      <a:defRPr sz="1200" kern="1200">
+        <a:solidFill>
+          <a:schemeClr val="tx1"/>
+        </a:solidFill>
+        <a:latin typeface="+mn-lt"/>
+        <a:ea typeface="+mn-ea"/>
+        <a:cs typeface="+mn-cs"/>
+      </a:defRPr>
+    </a:lvl2pPr>
+    <a:lvl3pPr marL="914400" algn="l" defTabSz="914400" rtl="0" eaLnBrk="1" latinLnBrk="0" hangingPunct="1">
+      <a:defRPr sz="1200" kern="1200">
+        <a:solidFill>
+          <a:schemeClr val="tx1"/>
+        </a:solidFill>
+        <a:latin typeface="+mn-lt"/>
+        <a:ea typeface="+mn-ea"/>
+        <a:cs typeface="+mn-cs"/>
+      </a:defRPr>
+    </a:lvl3pPr>
+    <a:lvl4pPr marL="1371600" algn="l" defTabSz="914400" rtl="0" eaLnBrk="1" latinLnBrk="0" hangingPunct="1">
+      <a:defRPr sz="1200" kern="1200">
+        <a:solidFill>
+          <a:schemeClr val="tx1"/>
+        </a:solidFill>
+        <a:latin typeface="+mn-lt"/>
+        <a:ea typeface="+mn-ea"/>
+        <a:cs typeface="+mn-cs"/>
+      </a:defRPr>
+    </a:lvl4pPr>
+    <a:lvl5pPr marL="1828800" algn="l" defTabSz="914400" rtl="0" eaLnBrk="1" latinLnBrk="0" hangingPunct="1">
+      <a:defRPr sz="1200" kern="1200">
+        <a:solidFill>
+          <a:schemeClr val="tx1"/>
+        </a:solidFill>
+        <a:latin typeface="+mn-lt"/>
+        <a:ea typeface="+mn-ea"/>
+        <a:cs typeface="+mn-cs"/>
+      </a:defRPr>
+    </a:lvl5pPr>
+    <a:lvl6pPr marL="2286000" algn="l" defTabSz="914400" rtl="0" eaLnBrk="1" latinLnBrk="0" hangingPunct="1">
+      <a:defRPr sz="1200" kern="1200">
+        <a:solidFill>
+          <a:schemeClr val="tx1"/>
+        </a:solidFill>
+        <a:latin typeface="+mn-lt"/>
+        <a:ea typeface="+mn-ea"/>
+        <a:cs typeface="+mn-cs"/>
+      </a:defRPr>
+    </a:lvl6pPr>
+    <a:lvl7pPr marL="2743200" algn="l" defTabSz="914400" rtl="0" eaLnBrk="1" latinLnBrk="0" hangingPunct="1">
+      <a:defRPr sz="1200" kern="1200">
+        <a:solidFill>
+          <a:schemeClr val="tx1"/>
+        </a:solidFill>
+        <a:latin typeface="+mn-lt"/>
+        <a:ea typeface="+mn-ea"/>
+        <a:cs typeface="+mn-cs"/>
+      </a:defRPr>
+    </a:lvl7pPr>
+    <a:lvl8pPr marL="3200400" algn="l" defTabSz="914400" rtl="0" eaLnBrk="1" latinLnBrk="0" hangingPunct="1">
+      <a:defRPr sz="1200" kern="1200">
+        <a:solidFill>
+          <a:schemeClr val="tx1"/>
+        </a:solidFill>
+        <a:latin typeface="+mn-lt"/>
+        <a:ea typeface="+mn-ea"/>
+        <a:cs typeface="+mn-cs"/>
+      </a:defRPr>
+    </a:lvl8pPr>
+    <a:lvl9pPr marL="3657600" algn="l" defTabSz="914400" rtl="0" eaLnBrk="1" latinLnBrk="0" hangingPunct="1">
+      <a:defRPr sz="1200" kern="1200">
+        <a:solidFill>
+          <a:schemeClr val="tx1"/>
+        </a:solidFill>
+        <a:latin typeface="+mn-lt"/>
+        <a:ea typeface="+mn-ea"/>
+        <a:cs typeface="+mn-cs"/>
+      </a:defRPr>
+    </a:lvl9pPr>
+  </p:notesStyle>
+</p:notesMaster>
+</file>
+
+<file path=ppt/notesSlides/notesSlide1.xml><?xml version="1.0" encoding="utf-8"?>
+<p:notes xmlns:a="http://schemas.openxmlformats.org/drawingml/2006/main" xmlns:r="http://schemas.openxmlformats.org/officeDocument/2006/relationships" xmlns:p="http://schemas.openxmlformats.org/presentationml/2006/main">
+  <p:cSld>
+    <p:spTree>
+      <p:nvGrpSpPr>
+        <p:cNvPr id="1" name=""/>
+        <p:cNvGrpSpPr/>
+        <p:nvPr/>
+      </p:nvGrpSpPr>
+      <p:grpSpPr>
+        <a:xfrm>
+          <a:off x="0" y="0"/>
+          <a:ext cx="0" cy="0"/>
+          <a:chOff x="0" y="0"/>
+          <a:chExt cx="0" cy="0"/>
+        </a:xfrm>
+      </p:grpSpPr>
+      <p:sp>
+        <p:nvSpPr>
+          <p:cNvPr id="2" name="投影片影像版面配置區 1"/>
+          <p:cNvSpPr>
+            <a:spLocks noGrp="1" noRot="1" noChangeAspect="1"/>
+          </p:cNvSpPr>
+          <p:nvPr>
+            <p:ph type="sldImg"/>
+          </p:nvPr>
+        </p:nvSpPr>
+        <p:spPr/>
+      </p:sp>
+      <p:sp>
+        <p:nvSpPr>
+          <p:cNvPr id="3" name="備忘稿版面配置區 2"/>
+          <p:cNvSpPr>
+            <a:spLocks noGrp="1"/>
+          </p:cNvSpPr>
+          <p:nvPr>
+            <p:ph type="body" idx="1"/>
+          </p:nvPr>
+        </p:nvSpPr>
+        <p:spPr/>
+        <p:txBody>
+          <a:bodyPr/>
+          <a:lstStyle/>
+          <a:p>
+            <a:endParaRPr lang="zh-TW" altLang="en-US"/>
+          </a:p>
+        </p:txBody>
+      </p:sp>
+      <p:sp>
+        <p:nvSpPr>
+          <p:cNvPr id="4" name="投影片編號版面配置區 3"/>
+          <p:cNvSpPr>
+            <a:spLocks noGrp="1"/>
+          </p:cNvSpPr>
+          <p:nvPr>
+            <p:ph type="sldNum" sz="quarter" idx="5"/>
+          </p:nvPr>
+        </p:nvSpPr>
+        <p:spPr/>
+        <p:txBody>
+          <a:bodyPr/>
+          <a:lstStyle/>
+          <a:p>
+            <a:fld id="{EF6D794F-D260-40E9-BC79-955A8FD7C099}" type="slidenum">
+              <a:rPr lang="zh-TW" altLang="en-US" smtClean="0"/>
+              <a:t>3</a:t>
+            </a:fld>
+            <a:endParaRPr lang="zh-TW" altLang="en-US"/>
+          </a:p>
+        </p:txBody>
+      </p:sp>
+    </p:spTree>
+    <p:extLst>
+      <p:ext uri="{BB962C8B-B14F-4D97-AF65-F5344CB8AC3E}">
+        <p14:creationId xmlns:p14="http://schemas.microsoft.com/office/powerpoint/2010/main" val="2341127932"/>
+      </p:ext>
+    </p:extLst>
+  </p:cSld>
+  <p:clrMapOvr>
+    <a:masterClrMapping/>
+  </p:clrMapOvr>
+</p:notes>
+</file>
+
+<file path=ppt/notesSlides/notesSlide2.xml><?xml version="1.0" encoding="utf-8"?>
+<p:notes xmlns:a="http://schemas.openxmlformats.org/drawingml/2006/main" xmlns:r="http://schemas.openxmlformats.org/officeDocument/2006/relationships" xmlns:p="http://schemas.openxmlformats.org/presentationml/2006/main">
+  <p:cSld>
+    <p:spTree>
+      <p:nvGrpSpPr>
+        <p:cNvPr id="1" name=""/>
+        <p:cNvGrpSpPr/>
+        <p:nvPr/>
+      </p:nvGrpSpPr>
+      <p:grpSpPr>
+        <a:xfrm>
+          <a:off x="0" y="0"/>
+          <a:ext cx="0" cy="0"/>
+          <a:chOff x="0" y="0"/>
+          <a:chExt cx="0" cy="0"/>
+        </a:xfrm>
+      </p:grpSpPr>
+      <p:sp>
+        <p:nvSpPr>
+          <p:cNvPr id="2" name="投影片影像版面配置區 1"/>
+          <p:cNvSpPr>
+            <a:spLocks noGrp="1" noRot="1" noChangeAspect="1"/>
+          </p:cNvSpPr>
+          <p:nvPr>
+            <p:ph type="sldImg"/>
+          </p:nvPr>
+        </p:nvSpPr>
+        <p:spPr/>
+      </p:sp>
+      <p:sp>
+        <p:nvSpPr>
+          <p:cNvPr id="3" name="備忘稿版面配置區 2"/>
+          <p:cNvSpPr>
+            <a:spLocks noGrp="1"/>
+          </p:cNvSpPr>
+          <p:nvPr>
+            <p:ph type="body" idx="1"/>
+          </p:nvPr>
+        </p:nvSpPr>
+        <p:spPr/>
+        <p:txBody>
+          <a:bodyPr/>
+          <a:lstStyle/>
+          <a:p>
+            <a:endParaRPr lang="zh-TW" altLang="en-US"/>
+          </a:p>
+        </p:txBody>
+      </p:sp>
+      <p:sp>
+        <p:nvSpPr>
+          <p:cNvPr id="4" name="投影片編號版面配置區 3"/>
+          <p:cNvSpPr>
+            <a:spLocks noGrp="1"/>
+          </p:cNvSpPr>
+          <p:nvPr>
+            <p:ph type="sldNum" sz="quarter" idx="5"/>
+          </p:nvPr>
+        </p:nvSpPr>
+        <p:spPr/>
+        <p:txBody>
+          <a:bodyPr/>
+          <a:lstStyle/>
+          <a:p>
+            <a:fld id="{EF6D794F-D260-40E9-BC79-955A8FD7C099}" type="slidenum">
+              <a:rPr lang="zh-TW" altLang="en-US" smtClean="0"/>
+              <a:t>6</a:t>
+            </a:fld>
+            <a:endParaRPr lang="zh-TW" altLang="en-US"/>
+          </a:p>
+        </p:txBody>
+      </p:sp>
+    </p:spTree>
+    <p:extLst>
+      <p:ext uri="{BB962C8B-B14F-4D97-AF65-F5344CB8AC3E}">
+        <p14:creationId xmlns:p14="http://schemas.microsoft.com/office/powerpoint/2010/main" val="3339611369"/>
+      </p:ext>
+    </p:extLst>
+  </p:cSld>
+  <p:clrMapOvr>
+    <a:masterClrMapping/>
+  </p:clrMapOvr>
+</p:notes>
 </file>
 
 <file path=ppt/slideLayouts/slideLayout1.xml><?xml version="1.0" encoding="utf-8"?>
@@ -8093,7 +8616,19 @@
           <a:p>
             <a:r>
               <a:rPr lang="zh-TW" altLang="en-US"/>
-              <a:t>不同</a:t>
+              <a:t>表示</a:t>
+            </a:r>
+            <a:r>
+              <a:rPr lang="zh-TW" altLang="en-US">
+                <a:solidFill>
+                  <a:srgbClr val="00B0F0"/>
+                </a:solidFill>
+              </a:rPr>
+              <a:t>套件</a:t>
+            </a:r>
+            <a:r>
+              <a:rPr lang="zh-TW" altLang="en-US"/>
+              <a:t>時，不同</a:t>
             </a:r>
             <a:r>
               <a:rPr lang="zh-TW" altLang="en-US">
@@ -8214,7 +8749,7 @@
           <a:p>
             <a:r>
               <a:rPr lang="zh-TW" altLang="en-US"/>
-              <a:t>以作者或組織名稱命名新增幾層</a:t>
+              <a:t>以作者和功能命名新增幾層</a:t>
             </a:r>
             <a:r>
               <a:rPr lang="zh-TW" altLang="en-US">
@@ -8253,7 +8788,7 @@
                   <a:srgbClr val="92D050"/>
                 </a:solidFill>
               </a:rPr>
-              <a:t>org.tyic</a:t>
+              <a:t>me.tyic.main</a:t>
             </a:r>
             <a:r>
               <a:rPr lang="zh-TW" altLang="en-US"/>
@@ -8265,19 +8800,7 @@
                   <a:srgbClr val="92D050"/>
                 </a:solidFill>
               </a:rPr>
-              <a:t>me.myster</a:t>
-            </a:r>
-            <a:r>
-              <a:rPr lang="zh-TW" altLang="en-US"/>
-              <a:t>、</a:t>
-            </a:r>
-            <a:r>
-              <a:rPr lang="en-US" altLang="zh-TW">
-                <a:solidFill>
-                  <a:srgbClr val="92D050"/>
-                </a:solidFill>
-              </a:rPr>
-              <a:t>com.example</a:t>
+              <a:t>com.example.hello</a:t>
             </a:r>
           </a:p>
           <a:p>
@@ -8291,7 +8814,7 @@
             </a:r>
             <a:r>
               <a:rPr lang="zh-TW" altLang="en-US"/>
-              <a:t>之下的</a:t>
+              <a:t>下的</a:t>
             </a:r>
             <a:r>
               <a:rPr lang="zh-TW" altLang="en-US">
@@ -8303,7 +8826,7 @@
             </a:r>
             <a:r>
               <a:rPr lang="zh-TW" altLang="en-US"/>
-              <a:t>名稱才依功能命名，如：</a:t>
+              <a:t>名稱依功能命名，如：</a:t>
             </a:r>
             <a:r>
               <a:rPr lang="en-US" altLang="zh-TW">
@@ -8311,7 +8834,7 @@
                   <a:srgbClr val="92D050"/>
                 </a:solidFill>
               </a:rPr>
-              <a:t>org.tyic.util</a:t>
+              <a:t>me.tyic.main.util</a:t>
             </a:r>
             <a:endParaRPr lang="en-US" altLang="zh-TW"/>
           </a:p>
@@ -8339,6 +8862,18 @@
                 </a:solidFill>
               </a:rPr>
               <a:t>初始套件</a:t>
+            </a:r>
+            <a:r>
+              <a:rPr lang="zh-TW" altLang="en-US"/>
+              <a:t>及其</a:t>
+            </a:r>
+            <a:r>
+              <a:rPr lang="zh-TW" altLang="en-US">
+                <a:solidFill>
+                  <a:srgbClr val="00B0F0"/>
+                </a:solidFill>
+              </a:rPr>
+              <a:t>子套件</a:t>
             </a:r>
             <a:r>
               <a:rPr lang="zh-TW" altLang="en-US"/>
@@ -8380,6 +8915,105 @@
           <a:chExt cx="0" cy="0"/>
         </a:xfrm>
       </p:grpSpPr>
+      <p:pic>
+        <p:nvPicPr>
+          <p:cNvPr id="7" name="圖片 6">
+            <a:extLst>
+              <a:ext uri="{FF2B5EF4-FFF2-40B4-BE49-F238E27FC236}">
+                <a16:creationId xmlns:a16="http://schemas.microsoft.com/office/drawing/2014/main" id="{E8F5D752-9E13-4BA2-B298-6FDF2B6B0167}"/>
+              </a:ext>
+            </a:extLst>
+          </p:cNvPr>
+          <p:cNvPicPr>
+            <a:picLocks noChangeAspect="1"/>
+          </p:cNvPicPr>
+          <p:nvPr/>
+        </p:nvPicPr>
+        <p:blipFill rotWithShape="1">
+          <a:blip r:embed="rId3"/>
+          <a:srcRect r="-17"/>
+          <a:stretch/>
+        </p:blipFill>
+        <p:spPr>
+          <a:xfrm>
+            <a:off x="3379944" y="1690688"/>
+            <a:ext cx="8393434" cy="4510675"/>
+          </a:xfrm>
+          <a:prstGeom prst="rect">
+            <a:avLst/>
+          </a:prstGeom>
+        </p:spPr>
+      </p:pic>
+      <p:pic>
+        <p:nvPicPr>
+          <p:cNvPr id="33" name="圖片 32">
+            <a:extLst>
+              <a:ext uri="{FF2B5EF4-FFF2-40B4-BE49-F238E27FC236}">
+                <a16:creationId xmlns:a16="http://schemas.microsoft.com/office/drawing/2014/main" id="{4A5AC189-082B-4D6F-AD6A-E15767ED517B}"/>
+              </a:ext>
+            </a:extLst>
+          </p:cNvPr>
+          <p:cNvPicPr>
+            <a:picLocks noChangeAspect="1"/>
+          </p:cNvPicPr>
+          <p:nvPr/>
+        </p:nvPicPr>
+        <p:blipFill>
+          <a:blip r:embed="rId4"/>
+          <a:stretch>
+            <a:fillRect/>
+          </a:stretch>
+        </p:blipFill>
+        <p:spPr>
+          <a:xfrm>
+            <a:off x="8630727" y="1691042"/>
+            <a:ext cx="3137743" cy="2417828"/>
+          </a:xfrm>
+          <a:prstGeom prst="rect">
+            <a:avLst/>
+          </a:prstGeom>
+          <a:ln>
+            <a:solidFill>
+              <a:schemeClr val="tx1"/>
+            </a:solidFill>
+          </a:ln>
+        </p:spPr>
+      </p:pic>
+      <p:pic>
+        <p:nvPicPr>
+          <p:cNvPr id="10" name="圖片 9">
+            <a:extLst>
+              <a:ext uri="{FF2B5EF4-FFF2-40B4-BE49-F238E27FC236}">
+                <a16:creationId xmlns:a16="http://schemas.microsoft.com/office/drawing/2014/main" id="{5E3996C8-BDBF-48E4-A2E0-EE6542783F27}"/>
+              </a:ext>
+            </a:extLst>
+          </p:cNvPr>
+          <p:cNvPicPr>
+            <a:picLocks noChangeAspect="1"/>
+          </p:cNvPicPr>
+          <p:nvPr/>
+        </p:nvPicPr>
+        <p:blipFill>
+          <a:blip r:embed="rId5"/>
+          <a:stretch>
+            <a:fillRect/>
+          </a:stretch>
+        </p:blipFill>
+        <p:spPr>
+          <a:xfrm>
+            <a:off x="7133764" y="5173906"/>
+            <a:ext cx="4639614" cy="1024216"/>
+          </a:xfrm>
+          <a:prstGeom prst="rect">
+            <a:avLst/>
+          </a:prstGeom>
+          <a:ln>
+            <a:solidFill>
+              <a:schemeClr val="accent1"/>
+            </a:solidFill>
+          </a:ln>
+        </p:spPr>
+      </p:pic>
       <p:sp>
         <p:nvSpPr>
           <p:cNvPr id="2" name="標題 1">
@@ -8396,7 +9030,12 @@
             <p:ph type="title"/>
           </p:nvPr>
         </p:nvSpPr>
-        <p:spPr/>
+        <p:spPr>
+          <a:xfrm>
+            <a:off x="838200" y="365125"/>
+            <a:ext cx="10515600" cy="1325563"/>
+          </a:xfrm>
+        </p:spPr>
         <p:txBody>
           <a:bodyPr/>
           <a:lstStyle/>
@@ -8408,42 +9047,12 @@
           </a:p>
         </p:txBody>
       </p:sp>
-      <p:pic>
-        <p:nvPicPr>
-          <p:cNvPr id="4" name="圖片 3">
+      <p:sp>
+        <p:nvSpPr>
+          <p:cNvPr id="8" name="內容版面配置區 7">
             <a:extLst>
               <a:ext uri="{FF2B5EF4-FFF2-40B4-BE49-F238E27FC236}">
-                <a16:creationId xmlns:a16="http://schemas.microsoft.com/office/drawing/2014/main" id="{B9FD70B6-E74F-45CD-B656-82688BE26A84}"/>
-              </a:ext>
-            </a:extLst>
-          </p:cNvPr>
-          <p:cNvPicPr>
-            <a:picLocks noChangeAspect="1"/>
-          </p:cNvPicPr>
-          <p:nvPr/>
-        </p:nvPicPr>
-        <p:blipFill>
-          <a:blip r:embed="rId2"/>
-          <a:stretch>
-            <a:fillRect/>
-          </a:stretch>
-        </p:blipFill>
-        <p:spPr>
-          <a:xfrm>
-            <a:off x="8276123" y="365125"/>
-            <a:ext cx="3743847" cy="4496427"/>
-          </a:xfrm>
-          <a:prstGeom prst="rect">
-            <a:avLst/>
-          </a:prstGeom>
-        </p:spPr>
-      </p:pic>
-      <p:sp>
-        <p:nvSpPr>
-          <p:cNvPr id="9" name="內容版面配置區 8">
-            <a:extLst>
-              <a:ext uri="{FF2B5EF4-FFF2-40B4-BE49-F238E27FC236}">
-                <a16:creationId xmlns:a16="http://schemas.microsoft.com/office/drawing/2014/main" id="{02628C93-62CD-4C0B-883C-62F4543EA18D}"/>
+                <a16:creationId xmlns:a16="http://schemas.microsoft.com/office/drawing/2014/main" id="{0446704E-A6B2-4AD1-AAA3-781FD05CD547}"/>
               </a:ext>
             </a:extLst>
           </p:cNvPr>
@@ -8454,45 +9063,250 @@
             <p:ph idx="1"/>
           </p:nvPr>
         </p:nvSpPr>
-        <p:spPr/>
+        <p:spPr>
+          <a:xfrm>
+            <a:off x="292142" y="2140659"/>
+            <a:ext cx="3070162" cy="3624916"/>
+          </a:xfrm>
+        </p:spPr>
         <p:txBody>
           <a:bodyPr/>
           <a:lstStyle/>
           <a:p>
+            <a:r>
+              <a:rPr lang="zh-TW" altLang="en-US"/>
+              <a:t>要新增 </a:t>
+            </a:r>
+            <a:r>
+              <a:rPr lang="en-US" altLang="zh-TW">
+                <a:solidFill>
+                  <a:srgbClr val="00B0F0"/>
+                </a:solidFill>
+              </a:rPr>
+              <a:t>package</a:t>
+            </a:r>
+          </a:p>
+          <a:p>
+            <a:r>
+              <a:rPr lang="zh-TW" altLang="en-US"/>
+              <a:t>只需要在資料夾上</a:t>
+            </a:r>
+            <a:endParaRPr lang="en-US" altLang="zh-TW"/>
+          </a:p>
+          <a:p>
+            <a:r>
+              <a:rPr lang="zh-TW" altLang="en-US">
+                <a:solidFill>
+                  <a:srgbClr val="92D050"/>
+                </a:solidFill>
+              </a:rPr>
+              <a:t>右鍵 </a:t>
+            </a:r>
+            <a:r>
+              <a:rPr lang="en-US" altLang="zh-TW">
+                <a:solidFill>
+                  <a:srgbClr val="92D050"/>
+                </a:solidFill>
+              </a:rPr>
+              <a:t>-&gt; New</a:t>
+            </a:r>
+          </a:p>
+          <a:p>
+            <a:r>
+              <a:rPr lang="en-US" altLang="zh-TW">
+                <a:solidFill>
+                  <a:srgbClr val="92D050"/>
+                </a:solidFill>
+              </a:rPr>
+              <a:t>-&gt; Package</a:t>
+            </a:r>
+          </a:p>
+          <a:p>
+            <a:r>
+              <a:rPr lang="zh-TW" altLang="en-US"/>
+              <a:t>填入類別名稱</a:t>
+            </a:r>
+            <a:endParaRPr lang="en-US" altLang="zh-TW"/>
+          </a:p>
+          <a:p>
+            <a:r>
+              <a:rPr lang="zh-TW" altLang="en-US"/>
+              <a:t>按下 </a:t>
+            </a:r>
+            <a:r>
+              <a:rPr lang="en-US" altLang="zh-TW">
+                <a:solidFill>
+                  <a:srgbClr val="92D050"/>
+                </a:solidFill>
+              </a:rPr>
+              <a:t>Enter</a:t>
+            </a:r>
+          </a:p>
+          <a:p>
+            <a:r>
+              <a:rPr lang="zh-TW" altLang="en-US"/>
+              <a:t>即可創建</a:t>
+            </a:r>
+            <a:endParaRPr lang="en-US" altLang="zh-TW"/>
+          </a:p>
+        </p:txBody>
+      </p:sp>
+      <p:sp>
+        <p:nvSpPr>
+          <p:cNvPr id="23" name="矩形: 圓角 22">
+            <a:extLst>
+              <a:ext uri="{FF2B5EF4-FFF2-40B4-BE49-F238E27FC236}">
+                <a16:creationId xmlns:a16="http://schemas.microsoft.com/office/drawing/2014/main" id="{70A7B49C-6719-4320-BDCF-D6535D5FB777}"/>
+              </a:ext>
+            </a:extLst>
+          </p:cNvPr>
+          <p:cNvSpPr/>
+          <p:nvPr/>
+        </p:nvSpPr>
+        <p:spPr>
+          <a:xfrm>
+            <a:off x="3668798" y="2737809"/>
+            <a:ext cx="1528678" cy="130969"/>
+          </a:xfrm>
+          <a:prstGeom prst="roundRect">
+            <a:avLst/>
+          </a:prstGeom>
+          <a:noFill/>
+          <a:ln w="28575">
+            <a:solidFill>
+              <a:srgbClr val="FFC000"/>
+            </a:solidFill>
+          </a:ln>
+        </p:spPr>
+        <p:style>
+          <a:lnRef idx="2">
+            <a:schemeClr val="accent1">
+              <a:shade val="50000"/>
+            </a:schemeClr>
+          </a:lnRef>
+          <a:fillRef idx="1">
+            <a:schemeClr val="accent1"/>
+          </a:fillRef>
+          <a:effectRef idx="0">
+            <a:schemeClr val="accent1"/>
+          </a:effectRef>
+          <a:fontRef idx="minor">
+            <a:schemeClr val="lt1"/>
+          </a:fontRef>
+        </p:style>
+        <p:txBody>
+          <a:bodyPr rtlCol="0" anchor="ctr"/>
+          <a:lstStyle/>
+          <a:p>
+            <a:pPr algn="ctr"/>
             <a:endParaRPr lang="zh-TW" altLang="en-US"/>
           </a:p>
         </p:txBody>
       </p:sp>
-      <p:pic>
-        <p:nvPicPr>
-          <p:cNvPr id="13" name="圖片 12">
+      <p:sp>
+        <p:nvSpPr>
+          <p:cNvPr id="24" name="矩形: 圓角 23">
             <a:extLst>
               <a:ext uri="{FF2B5EF4-FFF2-40B4-BE49-F238E27FC236}">
-                <a16:creationId xmlns:a16="http://schemas.microsoft.com/office/drawing/2014/main" id="{2E3EF1A2-6090-48F6-AC77-CF13B767CD6B}"/>
+                <a16:creationId xmlns:a16="http://schemas.microsoft.com/office/drawing/2014/main" id="{E5E4FF39-DD91-4527-B479-0B6C0B9DB185}"/>
               </a:ext>
             </a:extLst>
           </p:cNvPr>
-          <p:cNvPicPr>
-            <a:picLocks noChangeAspect="1"/>
-          </p:cNvPicPr>
+          <p:cNvSpPr/>
           <p:nvPr/>
-        </p:nvPicPr>
-        <p:blipFill>
-          <a:blip r:embed="rId3"/>
-          <a:stretch>
-            <a:fillRect/>
-          </a:stretch>
-        </p:blipFill>
+        </p:nvSpPr>
         <p:spPr>
           <a:xfrm>
-            <a:off x="838200" y="2728432"/>
-            <a:ext cx="4486901" cy="3448531"/>
+            <a:off x="5272967" y="1918588"/>
+            <a:ext cx="1594558" cy="130969"/>
           </a:xfrm>
-          <a:prstGeom prst="rect">
+          <a:prstGeom prst="roundRect">
             <a:avLst/>
           </a:prstGeom>
+          <a:noFill/>
+          <a:ln w="28575">
+            <a:solidFill>
+              <a:srgbClr val="FFC000"/>
+            </a:solidFill>
+          </a:ln>
         </p:spPr>
-      </p:pic>
+        <p:style>
+          <a:lnRef idx="2">
+            <a:schemeClr val="accent1">
+              <a:shade val="50000"/>
+            </a:schemeClr>
+          </a:lnRef>
+          <a:fillRef idx="1">
+            <a:schemeClr val="accent1"/>
+          </a:fillRef>
+          <a:effectRef idx="0">
+            <a:schemeClr val="accent1"/>
+          </a:effectRef>
+          <a:fontRef idx="minor">
+            <a:schemeClr val="lt1"/>
+          </a:fontRef>
+        </p:style>
+        <p:txBody>
+          <a:bodyPr rtlCol="0" anchor="ctr"/>
+          <a:lstStyle/>
+          <a:p>
+            <a:pPr algn="ctr"/>
+            <a:endParaRPr lang="zh-TW" altLang="en-US"/>
+          </a:p>
+        </p:txBody>
+      </p:sp>
+      <p:sp>
+        <p:nvSpPr>
+          <p:cNvPr id="25" name="矩形: 圓角 24">
+            <a:extLst>
+              <a:ext uri="{FF2B5EF4-FFF2-40B4-BE49-F238E27FC236}">
+                <a16:creationId xmlns:a16="http://schemas.microsoft.com/office/drawing/2014/main" id="{FE6D7D6D-CC24-464B-8D13-2C5838A7728B}"/>
+              </a:ext>
+            </a:extLst>
+          </p:cNvPr>
+          <p:cNvSpPr/>
+          <p:nvPr/>
+        </p:nvSpPr>
+        <p:spPr>
+          <a:xfrm>
+            <a:off x="6962605" y="2624755"/>
+            <a:ext cx="1594558" cy="130969"/>
+          </a:xfrm>
+          <a:prstGeom prst="roundRect">
+            <a:avLst/>
+          </a:prstGeom>
+          <a:noFill/>
+          <a:ln w="28575">
+            <a:solidFill>
+              <a:srgbClr val="FFC000"/>
+            </a:solidFill>
+          </a:ln>
+        </p:spPr>
+        <p:style>
+          <a:lnRef idx="2">
+            <a:schemeClr val="accent1">
+              <a:shade val="50000"/>
+            </a:schemeClr>
+          </a:lnRef>
+          <a:fillRef idx="1">
+            <a:schemeClr val="accent1"/>
+          </a:fillRef>
+          <a:effectRef idx="0">
+            <a:schemeClr val="accent1"/>
+          </a:effectRef>
+          <a:fontRef idx="minor">
+            <a:schemeClr val="lt1"/>
+          </a:fontRef>
+        </p:style>
+        <p:txBody>
+          <a:bodyPr rtlCol="0" anchor="ctr"/>
+          <a:lstStyle/>
+          <a:p>
+            <a:pPr algn="ctr"/>
+            <a:endParaRPr lang="zh-TW" altLang="en-US"/>
+          </a:p>
+        </p:txBody>
+      </p:sp>
       <p:sp>
         <p:nvSpPr>
           <p:cNvPr id="14" name="矩形: 圓角 13">
@@ -8507,16 +9321,16 @@
         </p:nvSpPr>
         <p:spPr>
           <a:xfrm>
-            <a:off x="1129554" y="3808552"/>
-            <a:ext cx="1882588" cy="1722672"/>
+            <a:off x="8910137" y="2420417"/>
+            <a:ext cx="637680" cy="173576"/>
           </a:xfrm>
           <a:prstGeom prst="roundRect">
             <a:avLst>
-              <a:gd name="adj" fmla="val 13545"/>
+              <a:gd name="adj" fmla="val 23977"/>
             </a:avLst>
           </a:prstGeom>
           <a:noFill/>
-          <a:ln w="38100">
+          <a:ln w="19050">
             <a:solidFill>
               <a:srgbClr val="FFC000"/>
             </a:solidFill>
@@ -8561,8 +9375,7940 @@
         </p:nvSpPr>
         <p:spPr>
           <a:xfrm>
-            <a:off x="3081650" y="4399887"/>
-            <a:ext cx="2031325" cy="461665"/>
+            <a:off x="9543724" y="2326060"/>
+            <a:ext cx="1715971" cy="366961"/>
+          </a:xfrm>
+          <a:prstGeom prst="rect">
+            <a:avLst/>
+          </a:prstGeom>
+          <a:noFill/>
+        </p:spPr>
+        <p:txBody>
+          <a:bodyPr wrap="square" rtlCol="0">
+            <a:spAutoFit/>
+          </a:bodyPr>
+          <a:lstStyle/>
+          <a:p>
+            <a:r>
+              <a:rPr lang="zh-TW" altLang="en-US">
+                <a:solidFill>
+                  <a:srgbClr val="FFC000"/>
+                </a:solidFill>
+              </a:rPr>
+              <a:t>原始碼根目錄</a:t>
+            </a:r>
+          </a:p>
+        </p:txBody>
+      </p:sp>
+      <p:sp>
+        <p:nvSpPr>
+          <p:cNvPr id="17" name="矩形: 圓角 16">
+            <a:extLst>
+              <a:ext uri="{FF2B5EF4-FFF2-40B4-BE49-F238E27FC236}">
+                <a16:creationId xmlns:a16="http://schemas.microsoft.com/office/drawing/2014/main" id="{9866CB55-C8C3-4352-A67E-9D7D16480587}"/>
+              </a:ext>
+            </a:extLst>
+          </p:cNvPr>
+          <p:cNvSpPr/>
+          <p:nvPr/>
+        </p:nvSpPr>
+        <p:spPr>
+          <a:xfrm>
+            <a:off x="9106235" y="2665670"/>
+            <a:ext cx="1166355" cy="173577"/>
+          </a:xfrm>
+          <a:prstGeom prst="roundRect">
+            <a:avLst>
+              <a:gd name="adj" fmla="val 23030"/>
+            </a:avLst>
+          </a:prstGeom>
+          <a:noFill/>
+          <a:ln w="19050">
+            <a:solidFill>
+              <a:srgbClr val="92D050"/>
+            </a:solidFill>
+          </a:ln>
+        </p:spPr>
+        <p:style>
+          <a:lnRef idx="2">
+            <a:schemeClr val="accent1">
+              <a:shade val="50000"/>
+            </a:schemeClr>
+          </a:lnRef>
+          <a:fillRef idx="1">
+            <a:schemeClr val="accent1"/>
+          </a:fillRef>
+          <a:effectRef idx="0">
+            <a:schemeClr val="accent1"/>
+          </a:effectRef>
+          <a:fontRef idx="minor">
+            <a:schemeClr val="lt1"/>
+          </a:fontRef>
+        </p:style>
+        <p:txBody>
+          <a:bodyPr rtlCol="0" anchor="ctr"/>
+          <a:lstStyle/>
+          <a:p>
+            <a:pPr algn="ctr"/>
+            <a:endParaRPr lang="zh-TW" altLang="en-US"/>
+          </a:p>
+        </p:txBody>
+      </p:sp>
+      <p:sp>
+        <p:nvSpPr>
+          <p:cNvPr id="18" name="文字方塊 17">
+            <a:extLst>
+              <a:ext uri="{FF2B5EF4-FFF2-40B4-BE49-F238E27FC236}">
+                <a16:creationId xmlns:a16="http://schemas.microsoft.com/office/drawing/2014/main" id="{BA559A6D-CEA8-4A3B-BA54-6CC97896B638}"/>
+              </a:ext>
+            </a:extLst>
+          </p:cNvPr>
+          <p:cNvSpPr txBox="1"/>
+          <p:nvPr/>
+        </p:nvSpPr>
+        <p:spPr>
+          <a:xfrm>
+            <a:off x="10255922" y="2574493"/>
+            <a:ext cx="1253113" cy="366961"/>
+          </a:xfrm>
+          <a:prstGeom prst="rect">
+            <a:avLst/>
+          </a:prstGeom>
+          <a:noFill/>
+        </p:spPr>
+        <p:txBody>
+          <a:bodyPr wrap="square" rtlCol="0">
+            <a:spAutoFit/>
+          </a:bodyPr>
+          <a:lstStyle/>
+          <a:p>
+            <a:r>
+              <a:rPr lang="zh-TW" altLang="en-US">
+                <a:solidFill>
+                  <a:srgbClr val="92D050"/>
+                </a:solidFill>
+              </a:rPr>
+              <a:t>初始套件</a:t>
+            </a:r>
+          </a:p>
+        </p:txBody>
+      </p:sp>
+      <p:sp>
+        <p:nvSpPr>
+          <p:cNvPr id="20" name="矩形: 圓角 19">
+            <a:extLst>
+              <a:ext uri="{FF2B5EF4-FFF2-40B4-BE49-F238E27FC236}">
+                <a16:creationId xmlns:a16="http://schemas.microsoft.com/office/drawing/2014/main" id="{16DB158C-EC10-46F5-A470-7036CAE97A24}"/>
+              </a:ext>
+            </a:extLst>
+          </p:cNvPr>
+          <p:cNvSpPr/>
+          <p:nvPr/>
+        </p:nvSpPr>
+        <p:spPr>
+          <a:xfrm>
+            <a:off x="9290887" y="2906933"/>
+            <a:ext cx="657255" cy="173576"/>
+          </a:xfrm>
+          <a:prstGeom prst="roundRect">
+            <a:avLst>
+              <a:gd name="adj" fmla="val 22462"/>
+            </a:avLst>
+          </a:prstGeom>
+          <a:noFill/>
+          <a:ln w="19050">
+            <a:solidFill>
+              <a:srgbClr val="00B0F0"/>
+            </a:solidFill>
+          </a:ln>
+        </p:spPr>
+        <p:style>
+          <a:lnRef idx="2">
+            <a:schemeClr val="accent1">
+              <a:shade val="50000"/>
+            </a:schemeClr>
+          </a:lnRef>
+          <a:fillRef idx="1">
+            <a:schemeClr val="accent1"/>
+          </a:fillRef>
+          <a:effectRef idx="0">
+            <a:schemeClr val="accent1"/>
+          </a:effectRef>
+          <a:fontRef idx="minor">
+            <a:schemeClr val="lt1"/>
+          </a:fontRef>
+        </p:style>
+        <p:txBody>
+          <a:bodyPr rtlCol="0" anchor="ctr"/>
+          <a:lstStyle/>
+          <a:p>
+            <a:pPr algn="ctr"/>
+            <a:endParaRPr lang="zh-TW" altLang="en-US"/>
+          </a:p>
+        </p:txBody>
+      </p:sp>
+      <p:sp>
+        <p:nvSpPr>
+          <p:cNvPr id="21" name="文字方塊 20">
+            <a:extLst>
+              <a:ext uri="{FF2B5EF4-FFF2-40B4-BE49-F238E27FC236}">
+                <a16:creationId xmlns:a16="http://schemas.microsoft.com/office/drawing/2014/main" id="{C2323D32-3B3D-48E3-8BA3-AC8369C25CBE}"/>
+              </a:ext>
+            </a:extLst>
+          </p:cNvPr>
+          <p:cNvSpPr txBox="1"/>
+          <p:nvPr/>
+        </p:nvSpPr>
+        <p:spPr>
+          <a:xfrm>
+            <a:off x="9891919" y="2803383"/>
+            <a:ext cx="1016159" cy="366961"/>
+          </a:xfrm>
+          <a:prstGeom prst="rect">
+            <a:avLst/>
+          </a:prstGeom>
+          <a:noFill/>
+        </p:spPr>
+        <p:txBody>
+          <a:bodyPr wrap="square" rtlCol="0">
+            <a:spAutoFit/>
+          </a:bodyPr>
+          <a:lstStyle/>
+          <a:p>
+            <a:r>
+              <a:rPr lang="zh-TW" altLang="en-US">
+                <a:solidFill>
+                  <a:srgbClr val="00B0F0"/>
+                </a:solidFill>
+              </a:rPr>
+              <a:t>子套件</a:t>
+            </a:r>
+          </a:p>
+        </p:txBody>
+      </p:sp>
+      <p:cxnSp>
+        <p:nvCxnSpPr>
+          <p:cNvPr id="4" name="直線接點 3">
+            <a:extLst>
+              <a:ext uri="{FF2B5EF4-FFF2-40B4-BE49-F238E27FC236}">
+                <a16:creationId xmlns:a16="http://schemas.microsoft.com/office/drawing/2014/main" id="{33A23E5E-9696-4A5D-A08F-B9D3378C287E}"/>
+              </a:ext>
+            </a:extLst>
+          </p:cNvPr>
+          <p:cNvCxnSpPr>
+            <a:cxnSpLocks/>
+          </p:cNvCxnSpPr>
+          <p:nvPr/>
+        </p:nvCxnSpPr>
+        <p:spPr>
+          <a:xfrm>
+            <a:off x="9061449" y="2585700"/>
+            <a:ext cx="0" cy="997920"/>
+          </a:xfrm>
+          <a:prstGeom prst="line">
+            <a:avLst/>
+          </a:prstGeom>
+          <a:ln w="19050">
+            <a:solidFill>
+              <a:srgbClr val="FFC000"/>
+            </a:solidFill>
+          </a:ln>
+        </p:spPr>
+        <p:style>
+          <a:lnRef idx="1">
+            <a:schemeClr val="accent1"/>
+          </a:lnRef>
+          <a:fillRef idx="0">
+            <a:schemeClr val="accent1"/>
+          </a:fillRef>
+          <a:effectRef idx="0">
+            <a:schemeClr val="accent1"/>
+          </a:effectRef>
+          <a:fontRef idx="minor">
+            <a:schemeClr val="tx1"/>
+          </a:fontRef>
+        </p:style>
+      </p:cxnSp>
+      <p:cxnSp>
+        <p:nvCxnSpPr>
+          <p:cNvPr id="12" name="直線接點 11">
+            <a:extLst>
+              <a:ext uri="{FF2B5EF4-FFF2-40B4-BE49-F238E27FC236}">
+                <a16:creationId xmlns:a16="http://schemas.microsoft.com/office/drawing/2014/main" id="{F83834C1-A1E7-4885-8CAD-D300367C46B2}"/>
+              </a:ext>
+            </a:extLst>
+          </p:cNvPr>
+          <p:cNvCxnSpPr/>
+          <p:nvPr/>
+        </p:nvCxnSpPr>
+        <p:spPr>
+          <a:xfrm>
+            <a:off x="9051131" y="3586795"/>
+            <a:ext cx="1204791" cy="0"/>
+          </a:xfrm>
+          <a:prstGeom prst="line">
+            <a:avLst/>
+          </a:prstGeom>
+          <a:ln w="19050">
+            <a:solidFill>
+              <a:srgbClr val="FFC000"/>
+            </a:solidFill>
+          </a:ln>
+        </p:spPr>
+        <p:style>
+          <a:lnRef idx="1">
+            <a:schemeClr val="accent1"/>
+          </a:lnRef>
+          <a:fillRef idx="0">
+            <a:schemeClr val="accent1"/>
+          </a:fillRef>
+          <a:effectRef idx="0">
+            <a:schemeClr val="accent1"/>
+          </a:effectRef>
+          <a:fontRef idx="minor">
+            <a:schemeClr val="tx1"/>
+          </a:fontRef>
+        </p:style>
+      </p:cxnSp>
+      <p:cxnSp>
+        <p:nvCxnSpPr>
+          <p:cNvPr id="26" name="直線接點 25">
+            <a:extLst>
+              <a:ext uri="{FF2B5EF4-FFF2-40B4-BE49-F238E27FC236}">
+                <a16:creationId xmlns:a16="http://schemas.microsoft.com/office/drawing/2014/main" id="{04841707-FC7D-443A-9741-B9E861E8B061}"/>
+              </a:ext>
+            </a:extLst>
+          </p:cNvPr>
+          <p:cNvCxnSpPr>
+            <a:cxnSpLocks/>
+          </p:cNvCxnSpPr>
+          <p:nvPr/>
+        </p:nvCxnSpPr>
+        <p:spPr>
+          <a:xfrm>
+            <a:off x="9240042" y="2834485"/>
+            <a:ext cx="0" cy="744373"/>
+          </a:xfrm>
+          <a:prstGeom prst="line">
+            <a:avLst/>
+          </a:prstGeom>
+          <a:ln w="19050">
+            <a:solidFill>
+              <a:srgbClr val="92D050"/>
+            </a:solidFill>
+          </a:ln>
+        </p:spPr>
+        <p:style>
+          <a:lnRef idx="1">
+            <a:schemeClr val="accent1"/>
+          </a:lnRef>
+          <a:fillRef idx="0">
+            <a:schemeClr val="accent1"/>
+          </a:fillRef>
+          <a:effectRef idx="0">
+            <a:schemeClr val="accent1"/>
+          </a:effectRef>
+          <a:fontRef idx="minor">
+            <a:schemeClr val="tx1"/>
+          </a:fontRef>
+        </p:style>
+      </p:cxnSp>
+      <p:cxnSp>
+        <p:nvCxnSpPr>
+          <p:cNvPr id="27" name="直線接點 26">
+            <a:extLst>
+              <a:ext uri="{FF2B5EF4-FFF2-40B4-BE49-F238E27FC236}">
+                <a16:creationId xmlns:a16="http://schemas.microsoft.com/office/drawing/2014/main" id="{F5DE71E4-979E-4700-BAF1-EBFE0EFAB351}"/>
+              </a:ext>
+            </a:extLst>
+          </p:cNvPr>
+          <p:cNvCxnSpPr>
+            <a:cxnSpLocks/>
+          </p:cNvCxnSpPr>
+          <p:nvPr/>
+        </p:nvCxnSpPr>
+        <p:spPr>
+          <a:xfrm>
+            <a:off x="9454355" y="3075747"/>
+            <a:ext cx="0" cy="271336"/>
+          </a:xfrm>
+          <a:prstGeom prst="line">
+            <a:avLst/>
+          </a:prstGeom>
+          <a:ln w="19050">
+            <a:solidFill>
+              <a:srgbClr val="00B0F0"/>
+            </a:solidFill>
+          </a:ln>
+        </p:spPr>
+        <p:style>
+          <a:lnRef idx="1">
+            <a:schemeClr val="accent1"/>
+          </a:lnRef>
+          <a:fillRef idx="0">
+            <a:schemeClr val="accent1"/>
+          </a:fillRef>
+          <a:effectRef idx="0">
+            <a:schemeClr val="accent1"/>
+          </a:effectRef>
+          <a:fontRef idx="minor">
+            <a:schemeClr val="tx1"/>
+          </a:fontRef>
+        </p:style>
+      </p:cxnSp>
+      <p:cxnSp>
+        <p:nvCxnSpPr>
+          <p:cNvPr id="30" name="直線接點 29">
+            <a:extLst>
+              <a:ext uri="{FF2B5EF4-FFF2-40B4-BE49-F238E27FC236}">
+                <a16:creationId xmlns:a16="http://schemas.microsoft.com/office/drawing/2014/main" id="{51B7735C-2D44-4CD6-9D9E-AC6EF2CC8904}"/>
+              </a:ext>
+            </a:extLst>
+          </p:cNvPr>
+          <p:cNvCxnSpPr>
+            <a:cxnSpLocks/>
+          </p:cNvCxnSpPr>
+          <p:nvPr/>
+        </p:nvCxnSpPr>
+        <p:spPr>
+          <a:xfrm>
+            <a:off x="9454355" y="3336764"/>
+            <a:ext cx="801567" cy="0"/>
+          </a:xfrm>
+          <a:prstGeom prst="line">
+            <a:avLst/>
+          </a:prstGeom>
+          <a:ln w="19050">
+            <a:solidFill>
+              <a:srgbClr val="00B0F0"/>
+            </a:solidFill>
+          </a:ln>
+        </p:spPr>
+        <p:style>
+          <a:lnRef idx="1">
+            <a:schemeClr val="accent1"/>
+          </a:lnRef>
+          <a:fillRef idx="0">
+            <a:schemeClr val="accent1"/>
+          </a:fillRef>
+          <a:effectRef idx="0">
+            <a:schemeClr val="accent1"/>
+          </a:effectRef>
+          <a:fontRef idx="minor">
+            <a:schemeClr val="tx1"/>
+          </a:fontRef>
+        </p:style>
+      </p:cxnSp>
+    </p:spTree>
+    <p:extLst>
+      <p:ext uri="{BB962C8B-B14F-4D97-AF65-F5344CB8AC3E}">
+        <p14:creationId xmlns:p14="http://schemas.microsoft.com/office/powerpoint/2010/main" val="2887999555"/>
+      </p:ext>
+    </p:extLst>
+  </p:cSld>
+  <p:clrMapOvr>
+    <a:masterClrMapping/>
+  </p:clrMapOvr>
+  <p:transition spd="slow">
+    <p:push dir="u"/>
+  </p:transition>
+</p:sld>
+</file>
+
+<file path=ppt/slides/slide4.xml><?xml version="1.0" encoding="utf-8"?>
+<p:sld xmlns:a="http://schemas.openxmlformats.org/drawingml/2006/main" xmlns:r="http://schemas.openxmlformats.org/officeDocument/2006/relationships" xmlns:p="http://schemas.openxmlformats.org/presentationml/2006/main">
+  <p:cSld>
+    <p:spTree>
+      <p:nvGrpSpPr>
+        <p:cNvPr id="1" name=""/>
+        <p:cNvGrpSpPr/>
+        <p:nvPr/>
+      </p:nvGrpSpPr>
+      <p:grpSpPr>
+        <a:xfrm>
+          <a:off x="0" y="0"/>
+          <a:ext cx="0" cy="0"/>
+          <a:chOff x="0" y="0"/>
+          <a:chExt cx="0" cy="0"/>
+        </a:xfrm>
+      </p:grpSpPr>
+      <p:sp>
+        <p:nvSpPr>
+          <p:cNvPr id="2" name="標題 1">
+            <a:extLst>
+              <a:ext uri="{FF2B5EF4-FFF2-40B4-BE49-F238E27FC236}">
+                <a16:creationId xmlns:a16="http://schemas.microsoft.com/office/drawing/2014/main" id="{7E843F1B-5FBA-470A-B626-CADBE26BFCC0}"/>
+              </a:ext>
+            </a:extLst>
+          </p:cNvPr>
+          <p:cNvSpPr>
+            <a:spLocks noGrp="1"/>
+          </p:cNvSpPr>
+          <p:nvPr>
+            <p:ph type="title"/>
+          </p:nvPr>
+        </p:nvSpPr>
+        <p:spPr>
+          <a:xfrm>
+            <a:off x="838200" y="0"/>
+            <a:ext cx="10515600" cy="1325563"/>
+          </a:xfrm>
+        </p:spPr>
+        <p:txBody>
+          <a:bodyPr/>
+          <a:lstStyle/>
+          <a:p>
+            <a:r>
+              <a:rPr lang="zh-TW" altLang="en-US"/>
+              <a:t>套件</a:t>
+            </a:r>
+          </a:p>
+        </p:txBody>
+      </p:sp>
+      <p:sp>
+        <p:nvSpPr>
+          <p:cNvPr id="3" name="內容版面配置區 2">
+            <a:extLst>
+              <a:ext uri="{FF2B5EF4-FFF2-40B4-BE49-F238E27FC236}">
+                <a16:creationId xmlns:a16="http://schemas.microsoft.com/office/drawing/2014/main" id="{A402A9D3-EBC3-48DD-BA8C-FA80BA4E6F15}"/>
+              </a:ext>
+            </a:extLst>
+          </p:cNvPr>
+          <p:cNvSpPr>
+            <a:spLocks noGrp="1"/>
+          </p:cNvSpPr>
+          <p:nvPr>
+            <p:ph idx="1"/>
+          </p:nvPr>
+        </p:nvSpPr>
+        <p:spPr>
+          <a:xfrm>
+            <a:off x="402336" y="1024761"/>
+            <a:ext cx="11387328" cy="513709"/>
+          </a:xfrm>
+        </p:spPr>
+        <p:txBody>
+          <a:bodyPr/>
+          <a:lstStyle/>
+          <a:p>
+            <a:r>
+              <a:rPr lang="zh-TW" altLang="en-US"/>
+              <a:t>若有使用</a:t>
+            </a:r>
+            <a:r>
+              <a:rPr lang="zh-TW" altLang="en-US">
+                <a:solidFill>
+                  <a:srgbClr val="00B0F0"/>
+                </a:solidFill>
+              </a:rPr>
+              <a:t>套件</a:t>
+            </a:r>
+            <a:r>
+              <a:rPr lang="zh-TW" altLang="en-US"/>
+              <a:t>，需要在每個檔案最上方加上一行標示：</a:t>
+            </a:r>
+          </a:p>
+        </p:txBody>
+      </p:sp>
+      <p:grpSp>
+        <p:nvGrpSpPr>
+          <p:cNvPr id="7" name="群組 6">
+            <a:extLst>
+              <a:ext uri="{FF2B5EF4-FFF2-40B4-BE49-F238E27FC236}">
+                <a16:creationId xmlns:a16="http://schemas.microsoft.com/office/drawing/2014/main" id="{C12D9EAD-2FDB-44FA-8403-36A07BEDE6E3}"/>
+              </a:ext>
+            </a:extLst>
+          </p:cNvPr>
+          <p:cNvGrpSpPr/>
+          <p:nvPr/>
+        </p:nvGrpSpPr>
+        <p:grpSpPr>
+          <a:xfrm>
+            <a:off x="402336" y="1452055"/>
+            <a:ext cx="11384280" cy="488825"/>
+            <a:chOff x="-36774" y="2331089"/>
+            <a:chExt cx="11466774" cy="488825"/>
+          </a:xfrm>
+        </p:grpSpPr>
+        <p:sp>
+          <p:nvSpPr>
+            <p:cNvPr id="8" name="Rectangle 1">
+              <a:extLst>
+                <a:ext uri="{FF2B5EF4-FFF2-40B4-BE49-F238E27FC236}">
+                  <a16:creationId xmlns:a16="http://schemas.microsoft.com/office/drawing/2014/main" id="{5AD38C38-D39F-4ACF-A898-EE9C45D09C0B}"/>
+                </a:ext>
+              </a:extLst>
+            </p:cNvPr>
+            <p:cNvSpPr>
+              <a:spLocks noChangeArrowheads="1"/>
+            </p:cNvSpPr>
+            <p:nvPr/>
+          </p:nvSpPr>
+          <p:spPr bwMode="auto">
+            <a:xfrm>
+              <a:off x="-36774" y="2331089"/>
+              <a:ext cx="11466774" cy="461665"/>
+            </a:xfrm>
+            <a:prstGeom prst="rect">
+              <a:avLst/>
+            </a:prstGeom>
+            <a:solidFill>
+              <a:srgbClr val="1E1F22"/>
+            </a:solidFill>
+            <a:ln>
+              <a:noFill/>
+            </a:ln>
+            <a:effectLst/>
+            <a:extLst>
+              <a:ext uri="{91240B29-F687-4F45-9708-019B960494DF}">
+                <a14:hiddenLine xmlns:a14="http://schemas.microsoft.com/office/drawing/2010/main" w="9525">
+                  <a:solidFill>
+                    <a:schemeClr val="tx1"/>
+                  </a:solidFill>
+                  <a:miter lim="800000"/>
+                  <a:headEnd/>
+                  <a:tailEnd/>
+                </a14:hiddenLine>
+              </a:ext>
+              <a:ext uri="{AF507438-7753-43E0-B8FC-AC1667EBCBE1}">
+                <a14:hiddenEffects xmlns:a14="http://schemas.microsoft.com/office/drawing/2010/main">
+                  <a:effectLst>
+                    <a:outerShdw dist="35921" dir="2700000" algn="ctr" rotWithShape="0">
+                      <a:schemeClr val="bg2"/>
+                    </a:outerShdw>
+                  </a:effectLst>
+                </a14:hiddenEffects>
+              </a:ext>
+            </a:extLst>
+          </p:spPr>
+          <p:txBody>
+            <a:bodyPr vert="horz" wrap="square" lIns="91440" tIns="45720" rIns="91440" bIns="45720" numCol="1" anchor="ctr" anchorCtr="0" compatLnSpc="1">
+              <a:prstTxWarp prst="textNoShape">
+                <a:avLst/>
+              </a:prstTxWarp>
+              <a:spAutoFit/>
+            </a:bodyPr>
+            <a:lstStyle/>
+            <a:p>
+              <a:pPr marL="0" marR="0" lvl="0" indent="0" algn="l" defTabSz="914400" rtl="0" eaLnBrk="0" fontAlgn="base" latinLnBrk="0" hangingPunct="0">
+                <a:lnSpc>
+                  <a:spcPct val="100000"/>
+                </a:lnSpc>
+                <a:spcBef>
+                  <a:spcPct val="0"/>
+                </a:spcBef>
+                <a:spcAft>
+                  <a:spcPct val="0"/>
+                </a:spcAft>
+                <a:buClrTx/>
+                <a:buSzTx/>
+                <a:buFontTx/>
+                <a:buNone/>
+                <a:tabLst/>
+              </a:pPr>
+              <a:r>
+                <a:rPr lang="en-US" altLang="zh-TW" sz="2400">
+                  <a:solidFill>
+                    <a:srgbClr val="CF8E6D"/>
+                  </a:solidFill>
+                  <a:latin typeface="+mj-lt"/>
+                  <a:cs typeface="JetBrains Mono" panose="02000009000000000000" pitchFamily="49" charset="0"/>
+                </a:rPr>
+                <a:t>package</a:t>
+              </a:r>
+              <a:r>
+                <a:rPr lang="zh-TW" altLang="en-US" sz="2400">
+                  <a:solidFill>
+                    <a:srgbClr val="CF8E6D"/>
+                  </a:solidFill>
+                  <a:latin typeface="+mj-lt"/>
+                  <a:cs typeface="JetBrains Mono" panose="02000009000000000000" pitchFamily="49" charset="0"/>
+                </a:rPr>
+                <a:t> </a:t>
+              </a:r>
+              <a:r>
+                <a:rPr lang="zh-TW" altLang="en-US" sz="2400">
+                  <a:solidFill>
+                    <a:srgbClr val="00B0F0"/>
+                  </a:solidFill>
+                  <a:latin typeface="+mj-lt"/>
+                  <a:ea typeface="微軟正黑體" panose="020B0604030504040204" pitchFamily="34" charset="-120"/>
+                  <a:cs typeface="JetBrains Mono" panose="02000009000000000000" pitchFamily="49" charset="0"/>
+                </a:rPr>
+                <a:t>檔案</a:t>
+              </a:r>
+              <a:r>
+                <a:rPr kumimoji="0" lang="zh-TW" altLang="en-US" sz="2400" b="0" i="0" u="none" strike="noStrike" cap="none" normalizeH="0" baseline="0">
+                  <a:ln>
+                    <a:noFill/>
+                  </a:ln>
+                  <a:solidFill>
+                    <a:srgbClr val="00B0F0"/>
+                  </a:solidFill>
+                  <a:effectLst/>
+                  <a:latin typeface="+mj-lt"/>
+                  <a:ea typeface="微軟正黑體" panose="020B0604030504040204" pitchFamily="34" charset="-120"/>
+                  <a:cs typeface="JetBrains Mono" panose="02000009000000000000" pitchFamily="49" charset="0"/>
+                </a:rPr>
+                <a:t>所屬套件</a:t>
+              </a:r>
+              <a:r>
+                <a:rPr lang="en-US" altLang="zh-TW" sz="2400">
+                  <a:solidFill>
+                    <a:srgbClr val="BCBEC4"/>
+                  </a:solidFill>
+                  <a:latin typeface="+mj-lt"/>
+                  <a:cs typeface="JetBrains Mono" panose="02000009000000000000" pitchFamily="49" charset="0"/>
+                </a:rPr>
+                <a:t>;</a:t>
+              </a:r>
+              <a:endParaRPr kumimoji="0" lang="zh-TW" altLang="zh-TW" sz="4000" b="0" i="0" u="none" strike="noStrike" cap="none" normalizeH="0" baseline="0">
+                <a:ln>
+                  <a:noFill/>
+                </a:ln>
+                <a:solidFill>
+                  <a:schemeClr val="tx1"/>
+                </a:solidFill>
+                <a:effectLst/>
+                <a:latin typeface="+mj-lt"/>
+              </a:endParaRPr>
+            </a:p>
+          </p:txBody>
+        </p:sp>
+        <p:sp>
+          <p:nvSpPr>
+            <p:cNvPr id="9" name="文字方塊 8">
+              <a:extLst>
+                <a:ext uri="{FF2B5EF4-FFF2-40B4-BE49-F238E27FC236}">
+                  <a16:creationId xmlns:a16="http://schemas.microsoft.com/office/drawing/2014/main" id="{A5ED489E-DA30-4488-8518-22D1014266A8}"/>
+                </a:ext>
+              </a:extLst>
+            </p:cNvPr>
+            <p:cNvSpPr txBox="1"/>
+            <p:nvPr/>
+          </p:nvSpPr>
+          <p:spPr>
+            <a:xfrm>
+              <a:off x="10796493" y="2481360"/>
+              <a:ext cx="633507" cy="338554"/>
+            </a:xfrm>
+            <a:prstGeom prst="rect">
+              <a:avLst/>
+            </a:prstGeom>
+            <a:noFill/>
+          </p:spPr>
+          <p:txBody>
+            <a:bodyPr wrap="none" rtlCol="0">
+              <a:spAutoFit/>
+            </a:bodyPr>
+            <a:lstStyle/>
+            <a:p>
+              <a:r>
+                <a:rPr lang="en-US" altLang="zh-TW" sz="1600">
+                  <a:solidFill>
+                    <a:schemeClr val="accent3"/>
+                  </a:solidFill>
+                </a:rPr>
+                <a:t>java</a:t>
+              </a:r>
+              <a:endParaRPr lang="zh-TW" altLang="en-US" sz="1600">
+                <a:solidFill>
+                  <a:schemeClr val="accent3"/>
+                </a:solidFill>
+              </a:endParaRPr>
+            </a:p>
+          </p:txBody>
+        </p:sp>
+      </p:grpSp>
+      <p:grpSp>
+        <p:nvGrpSpPr>
+          <p:cNvPr id="19" name="群組 18">
+            <a:extLst>
+              <a:ext uri="{FF2B5EF4-FFF2-40B4-BE49-F238E27FC236}">
+                <a16:creationId xmlns:a16="http://schemas.microsoft.com/office/drawing/2014/main" id="{7EC05713-5F06-4E54-8209-5546A2784D37}"/>
+              </a:ext>
+            </a:extLst>
+          </p:cNvPr>
+          <p:cNvGrpSpPr/>
+          <p:nvPr/>
+        </p:nvGrpSpPr>
+        <p:grpSpPr>
+          <a:xfrm>
+            <a:off x="402336" y="2004736"/>
+            <a:ext cx="6811480" cy="4524315"/>
+            <a:chOff x="402336" y="2004736"/>
+            <a:chExt cx="6811480" cy="4524315"/>
+          </a:xfrm>
+        </p:grpSpPr>
+        <p:sp>
+          <p:nvSpPr>
+            <p:cNvPr id="12" name="Rectangle 1">
+              <a:extLst>
+                <a:ext uri="{FF2B5EF4-FFF2-40B4-BE49-F238E27FC236}">
+                  <a16:creationId xmlns:a16="http://schemas.microsoft.com/office/drawing/2014/main" id="{2669532F-4126-44F4-A37F-C6BD58D1C666}"/>
+                </a:ext>
+              </a:extLst>
+            </p:cNvPr>
+            <p:cNvSpPr>
+              <a:spLocks noChangeArrowheads="1"/>
+            </p:cNvSpPr>
+            <p:nvPr/>
+          </p:nvSpPr>
+          <p:spPr bwMode="auto">
+            <a:xfrm>
+              <a:off x="402336" y="2004736"/>
+              <a:ext cx="6811480" cy="4524315"/>
+            </a:xfrm>
+            <a:prstGeom prst="rect">
+              <a:avLst/>
+            </a:prstGeom>
+            <a:solidFill>
+              <a:srgbClr val="1E1F22"/>
+            </a:solidFill>
+            <a:ln>
+              <a:noFill/>
+            </a:ln>
+            <a:effectLst/>
+            <a:extLst>
+              <a:ext uri="{91240B29-F687-4F45-9708-019B960494DF}">
+                <a14:hiddenLine xmlns:a14="http://schemas.microsoft.com/office/drawing/2010/main" w="9525">
+                  <a:solidFill>
+                    <a:schemeClr val="tx1"/>
+                  </a:solidFill>
+                  <a:miter lim="800000"/>
+                  <a:headEnd/>
+                  <a:tailEnd/>
+                </a14:hiddenLine>
+              </a:ext>
+              <a:ext uri="{AF507438-7753-43E0-B8FC-AC1667EBCBE1}">
+                <a14:hiddenEffects xmlns:a14="http://schemas.microsoft.com/office/drawing/2010/main">
+                  <a:effectLst>
+                    <a:outerShdw dist="35921" dir="2700000" algn="ctr" rotWithShape="0">
+                      <a:schemeClr val="bg2"/>
+                    </a:outerShdw>
+                  </a:effectLst>
+                </a14:hiddenEffects>
+              </a:ext>
+            </a:extLst>
+          </p:spPr>
+          <p:txBody>
+            <a:bodyPr vert="horz" wrap="none" lIns="91440" tIns="45720" rIns="91440" bIns="45720" numCol="1" anchor="ctr" anchorCtr="0" compatLnSpc="1">
+              <a:prstTxWarp prst="textNoShape">
+                <a:avLst/>
+              </a:prstTxWarp>
+              <a:spAutoFit/>
+            </a:bodyPr>
+            <a:lstStyle/>
+            <a:p>
+              <a:pPr marL="0" marR="0" lvl="0" indent="0" algn="l" defTabSz="914400" rtl="0" eaLnBrk="0" fontAlgn="base" latinLnBrk="0" hangingPunct="0">
+                <a:lnSpc>
+                  <a:spcPct val="100000"/>
+                </a:lnSpc>
+                <a:spcBef>
+                  <a:spcPct val="0"/>
+                </a:spcBef>
+                <a:spcAft>
+                  <a:spcPct val="0"/>
+                </a:spcAft>
+                <a:buClrTx/>
+                <a:buSzTx/>
+                <a:buFontTx/>
+                <a:buNone/>
+                <a:tabLst/>
+              </a:pPr>
+              <a:r>
+                <a:rPr kumimoji="0" lang="zh-TW" altLang="zh-TW" sz="1200" b="0" i="0" u="none" strike="noStrike" cap="none" normalizeH="0" baseline="0">
+                  <a:ln>
+                    <a:noFill/>
+                  </a:ln>
+                  <a:solidFill>
+                    <a:srgbClr val="CF8E6D"/>
+                  </a:solidFill>
+                  <a:effectLst/>
+                  <a:latin typeface="+mj-lt"/>
+                  <a:cs typeface="JetBrains Mono" panose="02000009000000000000" pitchFamily="49" charset="0"/>
+                </a:rPr>
+                <a:t>package </a:t>
+              </a:r>
+              <a:r>
+                <a:rPr kumimoji="0" lang="zh-TW" altLang="zh-TW" sz="1200" b="0" i="0" u="none" strike="noStrike" cap="none" normalizeH="0" baseline="0">
+                  <a:ln>
+                    <a:noFill/>
+                  </a:ln>
+                  <a:solidFill>
+                    <a:srgbClr val="BCBEC4"/>
+                  </a:solidFill>
+                  <a:effectLst/>
+                  <a:latin typeface="+mj-lt"/>
+                  <a:cs typeface="JetBrains Mono" panose="02000009000000000000" pitchFamily="49" charset="0"/>
+                </a:rPr>
+                <a:t>me.tyic.main;</a:t>
+              </a:r>
+              <a:br>
+                <a:rPr kumimoji="0" lang="zh-TW" altLang="zh-TW" sz="1200" b="0" i="0" u="none" strike="noStrike" cap="none" normalizeH="0" baseline="0">
+                  <a:ln>
+                    <a:noFill/>
+                  </a:ln>
+                  <a:solidFill>
+                    <a:srgbClr val="BCBEC4"/>
+                  </a:solidFill>
+                  <a:effectLst/>
+                  <a:latin typeface="+mj-lt"/>
+                  <a:cs typeface="JetBrains Mono" panose="02000009000000000000" pitchFamily="49" charset="0"/>
+                </a:rPr>
+              </a:br>
+              <a:br>
+                <a:rPr kumimoji="0" lang="zh-TW" altLang="zh-TW" sz="1200" b="0" i="0" u="none" strike="noStrike" cap="none" normalizeH="0" baseline="0">
+                  <a:ln>
+                    <a:noFill/>
+                  </a:ln>
+                  <a:solidFill>
+                    <a:srgbClr val="BCBEC4"/>
+                  </a:solidFill>
+                  <a:effectLst/>
+                  <a:latin typeface="+mj-lt"/>
+                  <a:cs typeface="JetBrains Mono" panose="02000009000000000000" pitchFamily="49" charset="0"/>
+                </a:rPr>
+              </a:br>
+              <a:r>
+                <a:rPr kumimoji="0" lang="zh-TW" altLang="zh-TW" sz="1200" b="0" i="0" u="none" strike="noStrike" cap="none" normalizeH="0" baseline="0">
+                  <a:ln>
+                    <a:noFill/>
+                  </a:ln>
+                  <a:solidFill>
+                    <a:srgbClr val="CF8E6D"/>
+                  </a:solidFill>
+                  <a:effectLst/>
+                  <a:latin typeface="+mj-lt"/>
+                  <a:cs typeface="JetBrains Mono" panose="02000009000000000000" pitchFamily="49" charset="0"/>
+                </a:rPr>
+                <a:t>import </a:t>
+              </a:r>
+              <a:r>
+                <a:rPr kumimoji="0" lang="zh-TW" altLang="zh-TW" sz="1200" b="0" i="0" u="none" strike="noStrike" cap="none" normalizeH="0" baseline="0">
+                  <a:ln>
+                    <a:noFill/>
+                  </a:ln>
+                  <a:solidFill>
+                    <a:srgbClr val="BCBEC4"/>
+                  </a:solidFill>
+                  <a:effectLst/>
+                  <a:latin typeface="+mj-lt"/>
+                  <a:cs typeface="JetBrains Mono" panose="02000009000000000000" pitchFamily="49" charset="0"/>
+                </a:rPr>
+                <a:t>me.tyic.main.util.Util;</a:t>
+              </a:r>
+              <a:br>
+                <a:rPr kumimoji="0" lang="zh-TW" altLang="zh-TW" sz="1200" b="0" i="0" u="none" strike="noStrike" cap="none" normalizeH="0" baseline="0">
+                  <a:ln>
+                    <a:noFill/>
+                  </a:ln>
+                  <a:solidFill>
+                    <a:srgbClr val="BCBEC4"/>
+                  </a:solidFill>
+                  <a:effectLst/>
+                  <a:latin typeface="+mj-lt"/>
+                  <a:cs typeface="JetBrains Mono" panose="02000009000000000000" pitchFamily="49" charset="0"/>
+                </a:rPr>
+              </a:br>
+              <a:br>
+                <a:rPr kumimoji="0" lang="zh-TW" altLang="zh-TW" sz="1200" b="0" i="0" u="none" strike="noStrike" cap="none" normalizeH="0" baseline="0">
+                  <a:ln>
+                    <a:noFill/>
+                  </a:ln>
+                  <a:solidFill>
+                    <a:srgbClr val="BCBEC4"/>
+                  </a:solidFill>
+                  <a:effectLst/>
+                  <a:latin typeface="+mj-lt"/>
+                  <a:cs typeface="JetBrains Mono" panose="02000009000000000000" pitchFamily="49" charset="0"/>
+                </a:rPr>
+              </a:br>
+              <a:r>
+                <a:rPr kumimoji="0" lang="zh-TW" altLang="zh-TW" sz="1200" b="0" i="0" u="none" strike="noStrike" cap="none" normalizeH="0" baseline="0">
+                  <a:ln>
+                    <a:noFill/>
+                  </a:ln>
+                  <a:solidFill>
+                    <a:srgbClr val="CF8E6D"/>
+                  </a:solidFill>
+                  <a:effectLst/>
+                  <a:latin typeface="+mj-lt"/>
+                  <a:cs typeface="JetBrains Mono" panose="02000009000000000000" pitchFamily="49" charset="0"/>
+                </a:rPr>
+                <a:t>import </a:t>
+              </a:r>
+              <a:r>
+                <a:rPr kumimoji="0" lang="zh-TW" altLang="zh-TW" sz="1200" b="0" i="0" u="none" strike="noStrike" cap="none" normalizeH="0" baseline="0">
+                  <a:ln>
+                    <a:noFill/>
+                  </a:ln>
+                  <a:solidFill>
+                    <a:srgbClr val="BCBEC4"/>
+                  </a:solidFill>
+                  <a:effectLst/>
+                  <a:latin typeface="+mj-lt"/>
+                  <a:cs typeface="JetBrains Mono" panose="02000009000000000000" pitchFamily="49" charset="0"/>
+                </a:rPr>
+                <a:t>java.util.Scanner;</a:t>
+              </a:r>
+              <a:br>
+                <a:rPr kumimoji="0" lang="zh-TW" altLang="zh-TW" sz="1200" b="0" i="0" u="none" strike="noStrike" cap="none" normalizeH="0" baseline="0">
+                  <a:ln>
+                    <a:noFill/>
+                  </a:ln>
+                  <a:solidFill>
+                    <a:srgbClr val="BCBEC4"/>
+                  </a:solidFill>
+                  <a:effectLst/>
+                  <a:latin typeface="+mj-lt"/>
+                  <a:cs typeface="JetBrains Mono" panose="02000009000000000000" pitchFamily="49" charset="0"/>
+                </a:rPr>
+              </a:br>
+              <a:br>
+                <a:rPr kumimoji="0" lang="zh-TW" altLang="zh-TW" sz="1200" b="0" i="0" u="none" strike="noStrike" cap="none" normalizeH="0" baseline="0">
+                  <a:ln>
+                    <a:noFill/>
+                  </a:ln>
+                  <a:solidFill>
+                    <a:srgbClr val="BCBEC4"/>
+                  </a:solidFill>
+                  <a:effectLst/>
+                  <a:latin typeface="+mj-lt"/>
+                  <a:cs typeface="JetBrains Mono" panose="02000009000000000000" pitchFamily="49" charset="0"/>
+                </a:rPr>
+              </a:br>
+              <a:r>
+                <a:rPr kumimoji="0" lang="zh-TW" altLang="zh-TW" sz="1200" b="0" i="0" u="none" strike="noStrike" cap="none" normalizeH="0" baseline="0">
+                  <a:ln>
+                    <a:noFill/>
+                  </a:ln>
+                  <a:solidFill>
+                    <a:srgbClr val="CF8E6D"/>
+                  </a:solidFill>
+                  <a:effectLst/>
+                  <a:latin typeface="+mj-lt"/>
+                  <a:cs typeface="JetBrains Mono" panose="02000009000000000000" pitchFamily="49" charset="0"/>
+                </a:rPr>
+                <a:t>public class </a:t>
+              </a:r>
+              <a:r>
+                <a:rPr kumimoji="0" lang="zh-TW" altLang="zh-TW" sz="1200" b="0" i="0" u="none" strike="noStrike" cap="none" normalizeH="0" baseline="0">
+                  <a:ln>
+                    <a:noFill/>
+                  </a:ln>
+                  <a:solidFill>
+                    <a:srgbClr val="BCBEC4"/>
+                  </a:solidFill>
+                  <a:effectLst/>
+                  <a:latin typeface="+mj-lt"/>
+                  <a:cs typeface="JetBrains Mono" panose="02000009000000000000" pitchFamily="49" charset="0"/>
+                </a:rPr>
+                <a:t>Main {</a:t>
+              </a:r>
+              <a:br>
+                <a:rPr kumimoji="0" lang="zh-TW" altLang="zh-TW" sz="1200" b="0" i="0" u="none" strike="noStrike" cap="none" normalizeH="0" baseline="0">
+                  <a:ln>
+                    <a:noFill/>
+                  </a:ln>
+                  <a:solidFill>
+                    <a:srgbClr val="BCBEC4"/>
+                  </a:solidFill>
+                  <a:effectLst/>
+                  <a:latin typeface="+mj-lt"/>
+                  <a:cs typeface="JetBrains Mono" panose="02000009000000000000" pitchFamily="49" charset="0"/>
+                </a:rPr>
+              </a:br>
+              <a:r>
+                <a:rPr kumimoji="0" lang="zh-TW" altLang="zh-TW" sz="1200" b="0" i="0" u="none" strike="noStrike" cap="none" normalizeH="0" baseline="0">
+                  <a:ln>
+                    <a:noFill/>
+                  </a:ln>
+                  <a:solidFill>
+                    <a:srgbClr val="BCBEC4"/>
+                  </a:solidFill>
+                  <a:effectLst/>
+                  <a:latin typeface="+mj-lt"/>
+                  <a:cs typeface="JetBrains Mono" panose="02000009000000000000" pitchFamily="49" charset="0"/>
+                </a:rPr>
+                <a:t>    </a:t>
+              </a:r>
+              <a:r>
+                <a:rPr kumimoji="0" lang="zh-TW" altLang="zh-TW" sz="1200" b="0" i="0" u="none" strike="noStrike" cap="none" normalizeH="0" baseline="0">
+                  <a:ln>
+                    <a:noFill/>
+                  </a:ln>
+                  <a:solidFill>
+                    <a:srgbClr val="CF8E6D"/>
+                  </a:solidFill>
+                  <a:effectLst/>
+                  <a:latin typeface="+mj-lt"/>
+                  <a:cs typeface="JetBrains Mono" panose="02000009000000000000" pitchFamily="49" charset="0"/>
+                </a:rPr>
+                <a:t>static void </a:t>
+              </a:r>
+              <a:r>
+                <a:rPr kumimoji="0" lang="zh-TW" altLang="zh-TW" sz="1200" b="0" i="0" u="none" strike="noStrike" cap="none" normalizeH="0" baseline="0">
+                  <a:ln>
+                    <a:noFill/>
+                  </a:ln>
+                  <a:solidFill>
+                    <a:srgbClr val="56A8F5"/>
+                  </a:solidFill>
+                  <a:effectLst/>
+                  <a:latin typeface="+mj-lt"/>
+                  <a:cs typeface="JetBrains Mono" panose="02000009000000000000" pitchFamily="49" charset="0"/>
+                </a:rPr>
+                <a:t>printIsPrime</a:t>
+              </a:r>
+              <a:r>
+                <a:rPr kumimoji="0" lang="zh-TW" altLang="zh-TW" sz="1200" b="0" i="0" u="none" strike="noStrike" cap="none" normalizeH="0" baseline="0">
+                  <a:ln>
+                    <a:noFill/>
+                  </a:ln>
+                  <a:solidFill>
+                    <a:srgbClr val="BCBEC4"/>
+                  </a:solidFill>
+                  <a:effectLst/>
+                  <a:latin typeface="+mj-lt"/>
+                  <a:cs typeface="JetBrains Mono" panose="02000009000000000000" pitchFamily="49" charset="0"/>
+                </a:rPr>
+                <a:t>(</a:t>
+              </a:r>
+              <a:r>
+                <a:rPr kumimoji="0" lang="zh-TW" altLang="zh-TW" sz="1200" b="0" i="0" u="none" strike="noStrike" cap="none" normalizeH="0" baseline="0">
+                  <a:ln>
+                    <a:noFill/>
+                  </a:ln>
+                  <a:solidFill>
+                    <a:srgbClr val="CF8E6D"/>
+                  </a:solidFill>
+                  <a:effectLst/>
+                  <a:latin typeface="+mj-lt"/>
+                  <a:cs typeface="JetBrains Mono" panose="02000009000000000000" pitchFamily="49" charset="0"/>
+                </a:rPr>
+                <a:t>int </a:t>
+              </a:r>
+              <a:r>
+                <a:rPr kumimoji="0" lang="zh-TW" altLang="zh-TW" sz="1200" b="0" i="0" u="none" strike="noStrike" cap="none" normalizeH="0" baseline="0">
+                  <a:ln>
+                    <a:noFill/>
+                  </a:ln>
+                  <a:solidFill>
+                    <a:srgbClr val="BCBEC4"/>
+                  </a:solidFill>
+                  <a:effectLst/>
+                  <a:latin typeface="+mj-lt"/>
+                  <a:cs typeface="JetBrains Mono" panose="02000009000000000000" pitchFamily="49" charset="0"/>
+                </a:rPr>
+                <a:t>number) {</a:t>
+              </a:r>
+              <a:br>
+                <a:rPr kumimoji="0" lang="zh-TW" altLang="zh-TW" sz="1200" b="0" i="0" u="none" strike="noStrike" cap="none" normalizeH="0" baseline="0">
+                  <a:ln>
+                    <a:noFill/>
+                  </a:ln>
+                  <a:solidFill>
+                    <a:srgbClr val="BCBEC4"/>
+                  </a:solidFill>
+                  <a:effectLst/>
+                  <a:latin typeface="+mj-lt"/>
+                  <a:cs typeface="JetBrains Mono" panose="02000009000000000000" pitchFamily="49" charset="0"/>
+                </a:rPr>
+              </a:br>
+              <a:r>
+                <a:rPr kumimoji="0" lang="zh-TW" altLang="zh-TW" sz="1200" b="0" i="0" u="none" strike="noStrike" cap="none" normalizeH="0" baseline="0">
+                  <a:ln>
+                    <a:noFill/>
+                  </a:ln>
+                  <a:solidFill>
+                    <a:srgbClr val="BCBEC4"/>
+                  </a:solidFill>
+                  <a:effectLst/>
+                  <a:latin typeface="+mj-lt"/>
+                  <a:cs typeface="JetBrains Mono" panose="02000009000000000000" pitchFamily="49" charset="0"/>
+                </a:rPr>
+                <a:t>        </a:t>
+              </a:r>
+              <a:r>
+                <a:rPr kumimoji="0" lang="zh-TW" altLang="zh-TW" sz="1200" b="0" i="0" u="none" strike="noStrike" cap="none" normalizeH="0" baseline="0">
+                  <a:ln>
+                    <a:noFill/>
+                  </a:ln>
+                  <a:solidFill>
+                    <a:srgbClr val="CF8E6D"/>
+                  </a:solidFill>
+                  <a:effectLst/>
+                  <a:latin typeface="+mj-lt"/>
+                  <a:cs typeface="JetBrains Mono" panose="02000009000000000000" pitchFamily="49" charset="0"/>
+                </a:rPr>
+                <a:t>if </a:t>
+              </a:r>
+              <a:r>
+                <a:rPr kumimoji="0" lang="zh-TW" altLang="zh-TW" sz="1200" b="0" i="0" u="none" strike="noStrike" cap="none" normalizeH="0" baseline="0">
+                  <a:ln>
+                    <a:noFill/>
+                  </a:ln>
+                  <a:solidFill>
+                    <a:srgbClr val="BCBEC4"/>
+                  </a:solidFill>
+                  <a:effectLst/>
+                  <a:latin typeface="+mj-lt"/>
+                  <a:cs typeface="JetBrains Mono" panose="02000009000000000000" pitchFamily="49" charset="0"/>
+                </a:rPr>
+                <a:t>(Util.</a:t>
+              </a:r>
+              <a:r>
+                <a:rPr kumimoji="0" lang="zh-TW" altLang="zh-TW" sz="1200" b="0" i="1" u="none" strike="noStrike" cap="none" normalizeH="0" baseline="0">
+                  <a:ln>
+                    <a:noFill/>
+                  </a:ln>
+                  <a:solidFill>
+                    <a:srgbClr val="BCBEC4"/>
+                  </a:solidFill>
+                  <a:effectLst/>
+                  <a:latin typeface="+mj-lt"/>
+                  <a:cs typeface="JetBrains Mono" panose="02000009000000000000" pitchFamily="49" charset="0"/>
+                </a:rPr>
+                <a:t>isPrime</a:t>
+              </a:r>
+              <a:r>
+                <a:rPr kumimoji="0" lang="zh-TW" altLang="zh-TW" sz="1200" b="0" i="0" u="none" strike="noStrike" cap="none" normalizeH="0" baseline="0">
+                  <a:ln>
+                    <a:noFill/>
+                  </a:ln>
+                  <a:solidFill>
+                    <a:srgbClr val="BCBEC4"/>
+                  </a:solidFill>
+                  <a:effectLst/>
+                  <a:latin typeface="+mj-lt"/>
+                  <a:cs typeface="JetBrains Mono" panose="02000009000000000000" pitchFamily="49" charset="0"/>
+                </a:rPr>
+                <a:t>(number)) {</a:t>
+              </a:r>
+              <a:br>
+                <a:rPr kumimoji="0" lang="zh-TW" altLang="zh-TW" sz="1200" b="0" i="0" u="none" strike="noStrike" cap="none" normalizeH="0" baseline="0">
+                  <a:ln>
+                    <a:noFill/>
+                  </a:ln>
+                  <a:solidFill>
+                    <a:srgbClr val="BCBEC4"/>
+                  </a:solidFill>
+                  <a:effectLst/>
+                  <a:latin typeface="+mj-lt"/>
+                  <a:cs typeface="JetBrains Mono" panose="02000009000000000000" pitchFamily="49" charset="0"/>
+                </a:rPr>
+              </a:br>
+              <a:r>
+                <a:rPr kumimoji="0" lang="zh-TW" altLang="zh-TW" sz="1200" b="0" i="0" u="none" strike="noStrike" cap="none" normalizeH="0" baseline="0">
+                  <a:ln>
+                    <a:noFill/>
+                  </a:ln>
+                  <a:solidFill>
+                    <a:srgbClr val="BCBEC4"/>
+                  </a:solidFill>
+                  <a:effectLst/>
+                  <a:latin typeface="+mj-lt"/>
+                  <a:cs typeface="JetBrains Mono" panose="02000009000000000000" pitchFamily="49" charset="0"/>
+                </a:rPr>
+                <a:t>            System.</a:t>
+              </a:r>
+              <a:r>
+                <a:rPr kumimoji="0" lang="zh-TW" altLang="zh-TW" sz="1200" b="0" i="1" u="none" strike="noStrike" cap="none" normalizeH="0" baseline="0">
+                  <a:ln>
+                    <a:noFill/>
+                  </a:ln>
+                  <a:solidFill>
+                    <a:srgbClr val="C77DBB"/>
+                  </a:solidFill>
+                  <a:effectLst/>
+                  <a:latin typeface="+mj-lt"/>
+                  <a:cs typeface="JetBrains Mono" panose="02000009000000000000" pitchFamily="49" charset="0"/>
+                </a:rPr>
+                <a:t>out</a:t>
+              </a:r>
+              <a:r>
+                <a:rPr kumimoji="0" lang="zh-TW" altLang="zh-TW" sz="1200" b="0" i="0" u="none" strike="noStrike" cap="none" normalizeH="0" baseline="0">
+                  <a:ln>
+                    <a:noFill/>
+                  </a:ln>
+                  <a:solidFill>
+                    <a:srgbClr val="BCBEC4"/>
+                  </a:solidFill>
+                  <a:effectLst/>
+                  <a:latin typeface="+mj-lt"/>
+                  <a:cs typeface="JetBrains Mono" panose="02000009000000000000" pitchFamily="49" charset="0"/>
+                </a:rPr>
+                <a:t>.printf(</a:t>
+              </a:r>
+              <a:r>
+                <a:rPr kumimoji="0" lang="zh-TW" altLang="zh-TW" sz="1200" b="0" i="0" u="none" strike="noStrike" cap="none" normalizeH="0" baseline="0">
+                  <a:ln>
+                    <a:noFill/>
+                  </a:ln>
+                  <a:solidFill>
+                    <a:srgbClr val="6AAB73"/>
+                  </a:solidFill>
+                  <a:effectLst/>
+                  <a:latin typeface="+mj-lt"/>
+                  <a:cs typeface="JetBrains Mono" panose="02000009000000000000" pitchFamily="49" charset="0"/>
+                </a:rPr>
+                <a:t>"%d is prime%n"</a:t>
+              </a:r>
+              <a:r>
+                <a:rPr kumimoji="0" lang="zh-TW" altLang="zh-TW" sz="1200" b="0" i="0" u="none" strike="noStrike" cap="none" normalizeH="0" baseline="0">
+                  <a:ln>
+                    <a:noFill/>
+                  </a:ln>
+                  <a:solidFill>
+                    <a:srgbClr val="BCBEC4"/>
+                  </a:solidFill>
+                  <a:effectLst/>
+                  <a:latin typeface="+mj-lt"/>
+                  <a:cs typeface="JetBrains Mono" panose="02000009000000000000" pitchFamily="49" charset="0"/>
+                </a:rPr>
+                <a:t>, number);</a:t>
+              </a:r>
+              <a:br>
+                <a:rPr kumimoji="0" lang="zh-TW" altLang="zh-TW" sz="1200" b="0" i="0" u="none" strike="noStrike" cap="none" normalizeH="0" baseline="0">
+                  <a:ln>
+                    <a:noFill/>
+                  </a:ln>
+                  <a:solidFill>
+                    <a:srgbClr val="BCBEC4"/>
+                  </a:solidFill>
+                  <a:effectLst/>
+                  <a:latin typeface="+mj-lt"/>
+                  <a:cs typeface="JetBrains Mono" panose="02000009000000000000" pitchFamily="49" charset="0"/>
+                </a:rPr>
+              </a:br>
+              <a:r>
+                <a:rPr kumimoji="0" lang="zh-TW" altLang="zh-TW" sz="1200" b="0" i="0" u="none" strike="noStrike" cap="none" normalizeH="0" baseline="0">
+                  <a:ln>
+                    <a:noFill/>
+                  </a:ln>
+                  <a:solidFill>
+                    <a:srgbClr val="BCBEC4"/>
+                  </a:solidFill>
+                  <a:effectLst/>
+                  <a:latin typeface="+mj-lt"/>
+                  <a:cs typeface="JetBrains Mono" panose="02000009000000000000" pitchFamily="49" charset="0"/>
+                </a:rPr>
+                <a:t>            </a:t>
+              </a:r>
+              <a:r>
+                <a:rPr kumimoji="0" lang="zh-TW" altLang="zh-TW" sz="1200" b="0" i="0" u="none" strike="noStrike" cap="none" normalizeH="0" baseline="0">
+                  <a:ln>
+                    <a:noFill/>
+                  </a:ln>
+                  <a:solidFill>
+                    <a:srgbClr val="CF8E6D"/>
+                  </a:solidFill>
+                  <a:effectLst/>
+                  <a:latin typeface="+mj-lt"/>
+                  <a:cs typeface="JetBrains Mono" panose="02000009000000000000" pitchFamily="49" charset="0"/>
+                </a:rPr>
+                <a:t>return</a:t>
+              </a:r>
+              <a:r>
+                <a:rPr kumimoji="0" lang="zh-TW" altLang="zh-TW" sz="1200" b="0" i="0" u="none" strike="noStrike" cap="none" normalizeH="0" baseline="0">
+                  <a:ln>
+                    <a:noFill/>
+                  </a:ln>
+                  <a:solidFill>
+                    <a:srgbClr val="BCBEC4"/>
+                  </a:solidFill>
+                  <a:effectLst/>
+                  <a:latin typeface="+mj-lt"/>
+                  <a:cs typeface="JetBrains Mono" panose="02000009000000000000" pitchFamily="49" charset="0"/>
+                </a:rPr>
+                <a:t>;</a:t>
+              </a:r>
+              <a:br>
+                <a:rPr kumimoji="0" lang="zh-TW" altLang="zh-TW" sz="1200" b="0" i="0" u="none" strike="noStrike" cap="none" normalizeH="0" baseline="0">
+                  <a:ln>
+                    <a:noFill/>
+                  </a:ln>
+                  <a:solidFill>
+                    <a:srgbClr val="BCBEC4"/>
+                  </a:solidFill>
+                  <a:effectLst/>
+                  <a:latin typeface="+mj-lt"/>
+                  <a:cs typeface="JetBrains Mono" panose="02000009000000000000" pitchFamily="49" charset="0"/>
+                </a:rPr>
+              </a:br>
+              <a:r>
+                <a:rPr kumimoji="0" lang="zh-TW" altLang="zh-TW" sz="1200" b="0" i="0" u="none" strike="noStrike" cap="none" normalizeH="0" baseline="0">
+                  <a:ln>
+                    <a:noFill/>
+                  </a:ln>
+                  <a:solidFill>
+                    <a:srgbClr val="BCBEC4"/>
+                  </a:solidFill>
+                  <a:effectLst/>
+                  <a:latin typeface="+mj-lt"/>
+                  <a:cs typeface="JetBrains Mono" panose="02000009000000000000" pitchFamily="49" charset="0"/>
+                </a:rPr>
+                <a:t>        }</a:t>
+              </a:r>
+              <a:br>
+                <a:rPr kumimoji="0" lang="zh-TW" altLang="zh-TW" sz="1200" b="0" i="0" u="none" strike="noStrike" cap="none" normalizeH="0" baseline="0">
+                  <a:ln>
+                    <a:noFill/>
+                  </a:ln>
+                  <a:solidFill>
+                    <a:srgbClr val="BCBEC4"/>
+                  </a:solidFill>
+                  <a:effectLst/>
+                  <a:latin typeface="+mj-lt"/>
+                  <a:cs typeface="JetBrains Mono" panose="02000009000000000000" pitchFamily="49" charset="0"/>
+                </a:rPr>
+              </a:br>
+              <a:r>
+                <a:rPr kumimoji="0" lang="zh-TW" altLang="zh-TW" sz="1200" b="0" i="0" u="none" strike="noStrike" cap="none" normalizeH="0" baseline="0">
+                  <a:ln>
+                    <a:noFill/>
+                  </a:ln>
+                  <a:solidFill>
+                    <a:srgbClr val="BCBEC4"/>
+                  </a:solidFill>
+                  <a:effectLst/>
+                  <a:latin typeface="+mj-lt"/>
+                  <a:cs typeface="JetBrains Mono" panose="02000009000000000000" pitchFamily="49" charset="0"/>
+                </a:rPr>
+                <a:t>        System.</a:t>
+              </a:r>
+              <a:r>
+                <a:rPr kumimoji="0" lang="zh-TW" altLang="zh-TW" sz="1200" b="0" i="1" u="none" strike="noStrike" cap="none" normalizeH="0" baseline="0">
+                  <a:ln>
+                    <a:noFill/>
+                  </a:ln>
+                  <a:solidFill>
+                    <a:srgbClr val="C77DBB"/>
+                  </a:solidFill>
+                  <a:effectLst/>
+                  <a:latin typeface="+mj-lt"/>
+                  <a:cs typeface="JetBrains Mono" panose="02000009000000000000" pitchFamily="49" charset="0"/>
+                </a:rPr>
+                <a:t>out</a:t>
+              </a:r>
+              <a:r>
+                <a:rPr kumimoji="0" lang="zh-TW" altLang="zh-TW" sz="1200" b="0" i="0" u="none" strike="noStrike" cap="none" normalizeH="0" baseline="0">
+                  <a:ln>
+                    <a:noFill/>
+                  </a:ln>
+                  <a:solidFill>
+                    <a:srgbClr val="BCBEC4"/>
+                  </a:solidFill>
+                  <a:effectLst/>
+                  <a:latin typeface="+mj-lt"/>
+                  <a:cs typeface="JetBrains Mono" panose="02000009000000000000" pitchFamily="49" charset="0"/>
+                </a:rPr>
+                <a:t>.printf(</a:t>
+              </a:r>
+              <a:r>
+                <a:rPr kumimoji="0" lang="zh-TW" altLang="zh-TW" sz="1200" b="0" i="0" u="none" strike="noStrike" cap="none" normalizeH="0" baseline="0">
+                  <a:ln>
+                    <a:noFill/>
+                  </a:ln>
+                  <a:solidFill>
+                    <a:srgbClr val="6AAB73"/>
+                  </a:solidFill>
+                  <a:effectLst/>
+                  <a:latin typeface="+mj-lt"/>
+                  <a:cs typeface="JetBrains Mono" panose="02000009000000000000" pitchFamily="49" charset="0"/>
+                </a:rPr>
+                <a:t>"%d is not prime%n"</a:t>
+              </a:r>
+              <a:r>
+                <a:rPr kumimoji="0" lang="zh-TW" altLang="zh-TW" sz="1200" b="0" i="0" u="none" strike="noStrike" cap="none" normalizeH="0" baseline="0">
+                  <a:ln>
+                    <a:noFill/>
+                  </a:ln>
+                  <a:solidFill>
+                    <a:srgbClr val="BCBEC4"/>
+                  </a:solidFill>
+                  <a:effectLst/>
+                  <a:latin typeface="+mj-lt"/>
+                  <a:cs typeface="JetBrains Mono" panose="02000009000000000000" pitchFamily="49" charset="0"/>
+                </a:rPr>
+                <a:t>, number);</a:t>
+              </a:r>
+              <a:br>
+                <a:rPr kumimoji="0" lang="zh-TW" altLang="zh-TW" sz="1200" b="0" i="0" u="none" strike="noStrike" cap="none" normalizeH="0" baseline="0">
+                  <a:ln>
+                    <a:noFill/>
+                  </a:ln>
+                  <a:solidFill>
+                    <a:srgbClr val="BCBEC4"/>
+                  </a:solidFill>
+                  <a:effectLst/>
+                  <a:latin typeface="+mj-lt"/>
+                  <a:cs typeface="JetBrains Mono" panose="02000009000000000000" pitchFamily="49" charset="0"/>
+                </a:rPr>
+              </a:br>
+              <a:r>
+                <a:rPr kumimoji="0" lang="zh-TW" altLang="zh-TW" sz="1200" b="0" i="0" u="none" strike="noStrike" cap="none" normalizeH="0" baseline="0">
+                  <a:ln>
+                    <a:noFill/>
+                  </a:ln>
+                  <a:solidFill>
+                    <a:srgbClr val="BCBEC4"/>
+                  </a:solidFill>
+                  <a:effectLst/>
+                  <a:latin typeface="+mj-lt"/>
+                  <a:cs typeface="JetBrains Mono" panose="02000009000000000000" pitchFamily="49" charset="0"/>
+                </a:rPr>
+                <a:t>    }</a:t>
+              </a:r>
+              <a:br>
+                <a:rPr kumimoji="0" lang="zh-TW" altLang="zh-TW" sz="1200" b="0" i="0" u="none" strike="noStrike" cap="none" normalizeH="0" baseline="0">
+                  <a:ln>
+                    <a:noFill/>
+                  </a:ln>
+                  <a:solidFill>
+                    <a:srgbClr val="BCBEC4"/>
+                  </a:solidFill>
+                  <a:effectLst/>
+                  <a:latin typeface="+mj-lt"/>
+                  <a:cs typeface="JetBrains Mono" panose="02000009000000000000" pitchFamily="49" charset="0"/>
+                </a:rPr>
+              </a:br>
+              <a:br>
+                <a:rPr kumimoji="0" lang="zh-TW" altLang="zh-TW" sz="1200" b="0" i="0" u="none" strike="noStrike" cap="none" normalizeH="0" baseline="0">
+                  <a:ln>
+                    <a:noFill/>
+                  </a:ln>
+                  <a:solidFill>
+                    <a:srgbClr val="BCBEC4"/>
+                  </a:solidFill>
+                  <a:effectLst/>
+                  <a:latin typeface="+mj-lt"/>
+                  <a:cs typeface="JetBrains Mono" panose="02000009000000000000" pitchFamily="49" charset="0"/>
+                </a:rPr>
+              </a:br>
+              <a:r>
+                <a:rPr kumimoji="0" lang="zh-TW" altLang="zh-TW" sz="1200" b="0" i="0" u="none" strike="noStrike" cap="none" normalizeH="0" baseline="0">
+                  <a:ln>
+                    <a:noFill/>
+                  </a:ln>
+                  <a:solidFill>
+                    <a:srgbClr val="BCBEC4"/>
+                  </a:solidFill>
+                  <a:effectLst/>
+                  <a:latin typeface="+mj-lt"/>
+                  <a:cs typeface="JetBrains Mono" panose="02000009000000000000" pitchFamily="49" charset="0"/>
+                </a:rPr>
+                <a:t>    </a:t>
+              </a:r>
+              <a:r>
+                <a:rPr kumimoji="0" lang="zh-TW" altLang="zh-TW" sz="1200" b="0" i="0" u="none" strike="noStrike" cap="none" normalizeH="0" baseline="0">
+                  <a:ln>
+                    <a:noFill/>
+                  </a:ln>
+                  <a:solidFill>
+                    <a:srgbClr val="CF8E6D"/>
+                  </a:solidFill>
+                  <a:effectLst/>
+                  <a:latin typeface="+mj-lt"/>
+                  <a:cs typeface="JetBrains Mono" panose="02000009000000000000" pitchFamily="49" charset="0"/>
+                </a:rPr>
+                <a:t>public static void </a:t>
+              </a:r>
+              <a:r>
+                <a:rPr kumimoji="0" lang="zh-TW" altLang="zh-TW" sz="1200" b="0" i="0" u="none" strike="noStrike" cap="none" normalizeH="0" baseline="0">
+                  <a:ln>
+                    <a:noFill/>
+                  </a:ln>
+                  <a:solidFill>
+                    <a:srgbClr val="56A8F5"/>
+                  </a:solidFill>
+                  <a:effectLst/>
+                  <a:latin typeface="+mj-lt"/>
+                  <a:cs typeface="JetBrains Mono" panose="02000009000000000000" pitchFamily="49" charset="0"/>
+                </a:rPr>
+                <a:t>main</a:t>
+              </a:r>
+              <a:r>
+                <a:rPr kumimoji="0" lang="zh-TW" altLang="zh-TW" sz="1200" b="0" i="0" u="none" strike="noStrike" cap="none" normalizeH="0" baseline="0">
+                  <a:ln>
+                    <a:noFill/>
+                  </a:ln>
+                  <a:solidFill>
+                    <a:srgbClr val="BCBEC4"/>
+                  </a:solidFill>
+                  <a:effectLst/>
+                  <a:latin typeface="+mj-lt"/>
+                  <a:cs typeface="JetBrains Mono" panose="02000009000000000000" pitchFamily="49" charset="0"/>
+                </a:rPr>
+                <a:t>(String[] args) {</a:t>
+              </a:r>
+              <a:br>
+                <a:rPr kumimoji="0" lang="zh-TW" altLang="zh-TW" sz="1200" b="0" i="0" u="none" strike="noStrike" cap="none" normalizeH="0" baseline="0">
+                  <a:ln>
+                    <a:noFill/>
+                  </a:ln>
+                  <a:solidFill>
+                    <a:srgbClr val="BCBEC4"/>
+                  </a:solidFill>
+                  <a:effectLst/>
+                  <a:latin typeface="+mj-lt"/>
+                  <a:cs typeface="JetBrains Mono" panose="02000009000000000000" pitchFamily="49" charset="0"/>
+                </a:rPr>
+              </a:br>
+              <a:r>
+                <a:rPr kumimoji="0" lang="zh-TW" altLang="zh-TW" sz="1200" b="0" i="0" u="none" strike="noStrike" cap="none" normalizeH="0" baseline="0">
+                  <a:ln>
+                    <a:noFill/>
+                  </a:ln>
+                  <a:solidFill>
+                    <a:srgbClr val="BCBEC4"/>
+                  </a:solidFill>
+                  <a:effectLst/>
+                  <a:latin typeface="+mj-lt"/>
+                  <a:cs typeface="JetBrains Mono" panose="02000009000000000000" pitchFamily="49" charset="0"/>
+                </a:rPr>
+                <a:t>        Scanner scanner = </a:t>
+              </a:r>
+              <a:r>
+                <a:rPr kumimoji="0" lang="zh-TW" altLang="zh-TW" sz="1200" b="0" i="0" u="none" strike="noStrike" cap="none" normalizeH="0" baseline="0">
+                  <a:ln>
+                    <a:noFill/>
+                  </a:ln>
+                  <a:solidFill>
+                    <a:srgbClr val="CF8E6D"/>
+                  </a:solidFill>
+                  <a:effectLst/>
+                  <a:latin typeface="+mj-lt"/>
+                  <a:cs typeface="JetBrains Mono" panose="02000009000000000000" pitchFamily="49" charset="0"/>
+                </a:rPr>
+                <a:t>new </a:t>
+              </a:r>
+              <a:r>
+                <a:rPr kumimoji="0" lang="zh-TW" altLang="zh-TW" sz="1200" b="0" i="0" u="none" strike="noStrike" cap="none" normalizeH="0" baseline="0">
+                  <a:ln>
+                    <a:noFill/>
+                  </a:ln>
+                  <a:solidFill>
+                    <a:srgbClr val="BCBEC4"/>
+                  </a:solidFill>
+                  <a:effectLst/>
+                  <a:latin typeface="+mj-lt"/>
+                  <a:cs typeface="JetBrains Mono" panose="02000009000000000000" pitchFamily="49" charset="0"/>
+                </a:rPr>
+                <a:t>Scanner(System.</a:t>
+              </a:r>
+              <a:r>
+                <a:rPr kumimoji="0" lang="zh-TW" altLang="zh-TW" sz="1200" b="0" i="1" u="none" strike="noStrike" cap="none" normalizeH="0" baseline="0">
+                  <a:ln>
+                    <a:noFill/>
+                  </a:ln>
+                  <a:solidFill>
+                    <a:srgbClr val="C77DBB"/>
+                  </a:solidFill>
+                  <a:effectLst/>
+                  <a:latin typeface="+mj-lt"/>
+                  <a:cs typeface="JetBrains Mono" panose="02000009000000000000" pitchFamily="49" charset="0"/>
+                </a:rPr>
+                <a:t>in</a:t>
+              </a:r>
+              <a:r>
+                <a:rPr kumimoji="0" lang="zh-TW" altLang="zh-TW" sz="1200" b="0" i="0" u="none" strike="noStrike" cap="none" normalizeH="0" baseline="0">
+                  <a:ln>
+                    <a:noFill/>
+                  </a:ln>
+                  <a:solidFill>
+                    <a:srgbClr val="BCBEC4"/>
+                  </a:solidFill>
+                  <a:effectLst/>
+                  <a:latin typeface="+mj-lt"/>
+                  <a:cs typeface="JetBrains Mono" panose="02000009000000000000" pitchFamily="49" charset="0"/>
+                </a:rPr>
+                <a:t>);</a:t>
+              </a:r>
+              <a:br>
+                <a:rPr kumimoji="0" lang="zh-TW" altLang="zh-TW" sz="1200" b="0" i="0" u="none" strike="noStrike" cap="none" normalizeH="0" baseline="0">
+                  <a:ln>
+                    <a:noFill/>
+                  </a:ln>
+                  <a:solidFill>
+                    <a:srgbClr val="BCBEC4"/>
+                  </a:solidFill>
+                  <a:effectLst/>
+                  <a:latin typeface="+mj-lt"/>
+                  <a:cs typeface="JetBrains Mono" panose="02000009000000000000" pitchFamily="49" charset="0"/>
+                </a:rPr>
+              </a:br>
+              <a:r>
+                <a:rPr kumimoji="0" lang="zh-TW" altLang="zh-TW" sz="1200" b="0" i="0" u="none" strike="noStrike" cap="none" normalizeH="0" baseline="0">
+                  <a:ln>
+                    <a:noFill/>
+                  </a:ln>
+                  <a:solidFill>
+                    <a:srgbClr val="BCBEC4"/>
+                  </a:solidFill>
+                  <a:effectLst/>
+                  <a:latin typeface="+mj-lt"/>
+                  <a:cs typeface="JetBrains Mono" panose="02000009000000000000" pitchFamily="49" charset="0"/>
+                </a:rPr>
+                <a:t>        </a:t>
+              </a:r>
+              <a:r>
+                <a:rPr kumimoji="0" lang="zh-TW" altLang="zh-TW" sz="1200" b="0" i="0" u="none" strike="noStrike" cap="none" normalizeH="0" baseline="0">
+                  <a:ln>
+                    <a:noFill/>
+                  </a:ln>
+                  <a:solidFill>
+                    <a:srgbClr val="CF8E6D"/>
+                  </a:solidFill>
+                  <a:effectLst/>
+                  <a:latin typeface="+mj-lt"/>
+                  <a:cs typeface="JetBrains Mono" panose="02000009000000000000" pitchFamily="49" charset="0"/>
+                </a:rPr>
+                <a:t>int </a:t>
+              </a:r>
+              <a:r>
+                <a:rPr kumimoji="0" lang="zh-TW" altLang="zh-TW" sz="1200" b="0" i="0" u="none" strike="noStrike" cap="none" normalizeH="0" baseline="0">
+                  <a:ln>
+                    <a:noFill/>
+                  </a:ln>
+                  <a:solidFill>
+                    <a:srgbClr val="BCBEC4"/>
+                  </a:solidFill>
+                  <a:effectLst/>
+                  <a:latin typeface="+mj-lt"/>
+                  <a:cs typeface="JetBrains Mono" panose="02000009000000000000" pitchFamily="49" charset="0"/>
+                </a:rPr>
+                <a:t>base = scanner.nextInt();</a:t>
+              </a:r>
+              <a:br>
+                <a:rPr kumimoji="0" lang="zh-TW" altLang="zh-TW" sz="1200" b="0" i="0" u="none" strike="noStrike" cap="none" normalizeH="0" baseline="0">
+                  <a:ln>
+                    <a:noFill/>
+                  </a:ln>
+                  <a:solidFill>
+                    <a:srgbClr val="BCBEC4"/>
+                  </a:solidFill>
+                  <a:effectLst/>
+                  <a:latin typeface="+mj-lt"/>
+                  <a:cs typeface="JetBrains Mono" panose="02000009000000000000" pitchFamily="49" charset="0"/>
+                </a:rPr>
+              </a:br>
+              <a:r>
+                <a:rPr kumimoji="0" lang="zh-TW" altLang="zh-TW" sz="1200" b="0" i="0" u="none" strike="noStrike" cap="none" normalizeH="0" baseline="0">
+                  <a:ln>
+                    <a:noFill/>
+                  </a:ln>
+                  <a:solidFill>
+                    <a:srgbClr val="BCBEC4"/>
+                  </a:solidFill>
+                  <a:effectLst/>
+                  <a:latin typeface="+mj-lt"/>
+                  <a:cs typeface="JetBrains Mono" panose="02000009000000000000" pitchFamily="49" charset="0"/>
+                </a:rPr>
+                <a:t>        </a:t>
+              </a:r>
+              <a:r>
+                <a:rPr kumimoji="0" lang="zh-TW" altLang="zh-TW" sz="1200" b="0" i="0" u="none" strike="noStrike" cap="none" normalizeH="0" baseline="0">
+                  <a:ln>
+                    <a:noFill/>
+                  </a:ln>
+                  <a:solidFill>
+                    <a:srgbClr val="CF8E6D"/>
+                  </a:solidFill>
+                  <a:effectLst/>
+                  <a:latin typeface="+mj-lt"/>
+                  <a:cs typeface="JetBrains Mono" panose="02000009000000000000" pitchFamily="49" charset="0"/>
+                </a:rPr>
+                <a:t>int </a:t>
+              </a:r>
+              <a:r>
+                <a:rPr kumimoji="0" lang="zh-TW" altLang="zh-TW" sz="1200" b="0" i="0" u="none" strike="noStrike" cap="none" normalizeH="0" baseline="0">
+                  <a:ln>
+                    <a:noFill/>
+                  </a:ln>
+                  <a:solidFill>
+                    <a:srgbClr val="BCBEC4"/>
+                  </a:solidFill>
+                  <a:effectLst/>
+                  <a:latin typeface="+mj-lt"/>
+                  <a:cs typeface="JetBrains Mono" panose="02000009000000000000" pitchFamily="49" charset="0"/>
+                </a:rPr>
+                <a:t>power = scanner.nextInt();</a:t>
+              </a:r>
+              <a:br>
+                <a:rPr kumimoji="0" lang="zh-TW" altLang="zh-TW" sz="1200" b="0" i="0" u="none" strike="noStrike" cap="none" normalizeH="0" baseline="0">
+                  <a:ln>
+                    <a:noFill/>
+                  </a:ln>
+                  <a:solidFill>
+                    <a:srgbClr val="BCBEC4"/>
+                  </a:solidFill>
+                  <a:effectLst/>
+                  <a:latin typeface="+mj-lt"/>
+                  <a:cs typeface="JetBrains Mono" panose="02000009000000000000" pitchFamily="49" charset="0"/>
+                </a:rPr>
+              </a:br>
+              <a:r>
+                <a:rPr kumimoji="0" lang="zh-TW" altLang="zh-TW" sz="1200" b="0" i="0" u="none" strike="noStrike" cap="none" normalizeH="0" baseline="0">
+                  <a:ln>
+                    <a:noFill/>
+                  </a:ln>
+                  <a:solidFill>
+                    <a:srgbClr val="BCBEC4"/>
+                  </a:solidFill>
+                  <a:effectLst/>
+                  <a:latin typeface="+mj-lt"/>
+                  <a:cs typeface="JetBrains Mono" panose="02000009000000000000" pitchFamily="49" charset="0"/>
+                </a:rPr>
+                <a:t>        </a:t>
+              </a:r>
+              <a:r>
+                <a:rPr kumimoji="0" lang="zh-TW" altLang="zh-TW" sz="1200" b="0" i="1" u="none" strike="noStrike" cap="none" normalizeH="0" baseline="0">
+                  <a:ln>
+                    <a:noFill/>
+                  </a:ln>
+                  <a:solidFill>
+                    <a:srgbClr val="BCBEC4"/>
+                  </a:solidFill>
+                  <a:effectLst/>
+                  <a:latin typeface="+mj-lt"/>
+                  <a:cs typeface="JetBrains Mono" panose="02000009000000000000" pitchFamily="49" charset="0"/>
+                </a:rPr>
+                <a:t>printIsPrime</a:t>
+              </a:r>
+              <a:r>
+                <a:rPr kumimoji="0" lang="zh-TW" altLang="zh-TW" sz="1200" b="0" i="0" u="none" strike="noStrike" cap="none" normalizeH="0" baseline="0">
+                  <a:ln>
+                    <a:noFill/>
+                  </a:ln>
+                  <a:solidFill>
+                    <a:srgbClr val="BCBEC4"/>
+                  </a:solidFill>
+                  <a:effectLst/>
+                  <a:latin typeface="+mj-lt"/>
+                  <a:cs typeface="JetBrains Mono" panose="02000009000000000000" pitchFamily="49" charset="0"/>
+                </a:rPr>
+                <a:t>(base);</a:t>
+              </a:r>
+              <a:br>
+                <a:rPr kumimoji="0" lang="zh-TW" altLang="zh-TW" sz="1200" b="0" i="0" u="none" strike="noStrike" cap="none" normalizeH="0" baseline="0">
+                  <a:ln>
+                    <a:noFill/>
+                  </a:ln>
+                  <a:solidFill>
+                    <a:srgbClr val="BCBEC4"/>
+                  </a:solidFill>
+                  <a:effectLst/>
+                  <a:latin typeface="+mj-lt"/>
+                  <a:cs typeface="JetBrains Mono" panose="02000009000000000000" pitchFamily="49" charset="0"/>
+                </a:rPr>
+              </a:br>
+              <a:r>
+                <a:rPr kumimoji="0" lang="zh-TW" altLang="zh-TW" sz="1200" b="0" i="0" u="none" strike="noStrike" cap="none" normalizeH="0" baseline="0">
+                  <a:ln>
+                    <a:noFill/>
+                  </a:ln>
+                  <a:solidFill>
+                    <a:srgbClr val="BCBEC4"/>
+                  </a:solidFill>
+                  <a:effectLst/>
+                  <a:latin typeface="+mj-lt"/>
+                  <a:cs typeface="JetBrains Mono" panose="02000009000000000000" pitchFamily="49" charset="0"/>
+                </a:rPr>
+                <a:t>        </a:t>
+              </a:r>
+              <a:r>
+                <a:rPr kumimoji="0" lang="zh-TW" altLang="zh-TW" sz="1200" b="0" i="1" u="none" strike="noStrike" cap="none" normalizeH="0" baseline="0">
+                  <a:ln>
+                    <a:noFill/>
+                  </a:ln>
+                  <a:solidFill>
+                    <a:srgbClr val="BCBEC4"/>
+                  </a:solidFill>
+                  <a:effectLst/>
+                  <a:latin typeface="+mj-lt"/>
+                  <a:cs typeface="JetBrains Mono" panose="02000009000000000000" pitchFamily="49" charset="0"/>
+                </a:rPr>
+                <a:t>printIsPrime</a:t>
+              </a:r>
+              <a:r>
+                <a:rPr kumimoji="0" lang="zh-TW" altLang="zh-TW" sz="1200" b="0" i="0" u="none" strike="noStrike" cap="none" normalizeH="0" baseline="0">
+                  <a:ln>
+                    <a:noFill/>
+                  </a:ln>
+                  <a:solidFill>
+                    <a:srgbClr val="BCBEC4"/>
+                  </a:solidFill>
+                  <a:effectLst/>
+                  <a:latin typeface="+mj-lt"/>
+                  <a:cs typeface="JetBrains Mono" panose="02000009000000000000" pitchFamily="49" charset="0"/>
+                </a:rPr>
+                <a:t>(power);</a:t>
+              </a:r>
+              <a:br>
+                <a:rPr kumimoji="0" lang="zh-TW" altLang="zh-TW" sz="1200" b="0" i="0" u="none" strike="noStrike" cap="none" normalizeH="0" baseline="0">
+                  <a:ln>
+                    <a:noFill/>
+                  </a:ln>
+                  <a:solidFill>
+                    <a:srgbClr val="BCBEC4"/>
+                  </a:solidFill>
+                  <a:effectLst/>
+                  <a:latin typeface="+mj-lt"/>
+                  <a:cs typeface="JetBrains Mono" panose="02000009000000000000" pitchFamily="49" charset="0"/>
+                </a:rPr>
+              </a:br>
+              <a:r>
+                <a:rPr kumimoji="0" lang="zh-TW" altLang="zh-TW" sz="1200" b="0" i="0" u="none" strike="noStrike" cap="none" normalizeH="0" baseline="0">
+                  <a:ln>
+                    <a:noFill/>
+                  </a:ln>
+                  <a:solidFill>
+                    <a:srgbClr val="BCBEC4"/>
+                  </a:solidFill>
+                  <a:effectLst/>
+                  <a:latin typeface="+mj-lt"/>
+                  <a:cs typeface="JetBrains Mono" panose="02000009000000000000" pitchFamily="49" charset="0"/>
+                </a:rPr>
+                <a:t>        System.</a:t>
+              </a:r>
+              <a:r>
+                <a:rPr kumimoji="0" lang="zh-TW" altLang="zh-TW" sz="1200" b="0" i="1" u="none" strike="noStrike" cap="none" normalizeH="0" baseline="0">
+                  <a:ln>
+                    <a:noFill/>
+                  </a:ln>
+                  <a:solidFill>
+                    <a:srgbClr val="C77DBB"/>
+                  </a:solidFill>
+                  <a:effectLst/>
+                  <a:latin typeface="+mj-lt"/>
+                  <a:cs typeface="JetBrains Mono" panose="02000009000000000000" pitchFamily="49" charset="0"/>
+                </a:rPr>
+                <a:t>out</a:t>
+              </a:r>
+              <a:r>
+                <a:rPr kumimoji="0" lang="zh-TW" altLang="zh-TW" sz="1200" b="0" i="0" u="none" strike="noStrike" cap="none" normalizeH="0" baseline="0">
+                  <a:ln>
+                    <a:noFill/>
+                  </a:ln>
+                  <a:solidFill>
+                    <a:srgbClr val="BCBEC4"/>
+                  </a:solidFill>
+                  <a:effectLst/>
+                  <a:latin typeface="+mj-lt"/>
+                  <a:cs typeface="JetBrains Mono" panose="02000009000000000000" pitchFamily="49" charset="0"/>
+                </a:rPr>
+                <a:t>.printf(</a:t>
+              </a:r>
+              <a:r>
+                <a:rPr kumimoji="0" lang="zh-TW" altLang="zh-TW" sz="1200" b="0" i="0" u="none" strike="noStrike" cap="none" normalizeH="0" baseline="0">
+                  <a:ln>
+                    <a:noFill/>
+                  </a:ln>
+                  <a:solidFill>
+                    <a:srgbClr val="6AAB73"/>
+                  </a:solidFill>
+                  <a:effectLst/>
+                  <a:latin typeface="+mj-lt"/>
+                  <a:cs typeface="JetBrains Mono" panose="02000009000000000000" pitchFamily="49" charset="0"/>
+                </a:rPr>
+                <a:t>"%d ^ %d = %d"</a:t>
+              </a:r>
+              <a:r>
+                <a:rPr kumimoji="0" lang="zh-TW" altLang="zh-TW" sz="1200" b="0" i="0" u="none" strike="noStrike" cap="none" normalizeH="0" baseline="0">
+                  <a:ln>
+                    <a:noFill/>
+                  </a:ln>
+                  <a:solidFill>
+                    <a:srgbClr val="BCBEC4"/>
+                  </a:solidFill>
+                  <a:effectLst/>
+                  <a:latin typeface="+mj-lt"/>
+                  <a:cs typeface="JetBrains Mono" panose="02000009000000000000" pitchFamily="49" charset="0"/>
+                </a:rPr>
+                <a:t>, base, power, Util.</a:t>
+              </a:r>
+              <a:r>
+                <a:rPr kumimoji="0" lang="zh-TW" altLang="zh-TW" sz="1200" b="0" i="1" u="none" strike="noStrike" cap="none" normalizeH="0" baseline="0">
+                  <a:ln>
+                    <a:noFill/>
+                  </a:ln>
+                  <a:solidFill>
+                    <a:srgbClr val="BCBEC4"/>
+                  </a:solidFill>
+                  <a:effectLst/>
+                  <a:latin typeface="+mj-lt"/>
+                  <a:cs typeface="JetBrains Mono" panose="02000009000000000000" pitchFamily="49" charset="0"/>
+                </a:rPr>
+                <a:t>pow</a:t>
+              </a:r>
+              <a:r>
+                <a:rPr kumimoji="0" lang="zh-TW" altLang="zh-TW" sz="1200" b="0" i="0" u="none" strike="noStrike" cap="none" normalizeH="0" baseline="0">
+                  <a:ln>
+                    <a:noFill/>
+                  </a:ln>
+                  <a:solidFill>
+                    <a:srgbClr val="BCBEC4"/>
+                  </a:solidFill>
+                  <a:effectLst/>
+                  <a:latin typeface="+mj-lt"/>
+                  <a:cs typeface="JetBrains Mono" panose="02000009000000000000" pitchFamily="49" charset="0"/>
+                </a:rPr>
+                <a:t>(base, power));</a:t>
+              </a:r>
+              <a:br>
+                <a:rPr kumimoji="0" lang="zh-TW" altLang="zh-TW" sz="1200" b="0" i="0" u="none" strike="noStrike" cap="none" normalizeH="0" baseline="0">
+                  <a:ln>
+                    <a:noFill/>
+                  </a:ln>
+                  <a:solidFill>
+                    <a:srgbClr val="BCBEC4"/>
+                  </a:solidFill>
+                  <a:effectLst/>
+                  <a:latin typeface="+mj-lt"/>
+                  <a:cs typeface="JetBrains Mono" panose="02000009000000000000" pitchFamily="49" charset="0"/>
+                </a:rPr>
+              </a:br>
+              <a:r>
+                <a:rPr kumimoji="0" lang="zh-TW" altLang="zh-TW" sz="1200" b="0" i="0" u="none" strike="noStrike" cap="none" normalizeH="0" baseline="0">
+                  <a:ln>
+                    <a:noFill/>
+                  </a:ln>
+                  <a:solidFill>
+                    <a:srgbClr val="BCBEC4"/>
+                  </a:solidFill>
+                  <a:effectLst/>
+                  <a:latin typeface="+mj-lt"/>
+                  <a:cs typeface="JetBrains Mono" panose="02000009000000000000" pitchFamily="49" charset="0"/>
+                </a:rPr>
+                <a:t>    }</a:t>
+              </a:r>
+              <a:br>
+                <a:rPr kumimoji="0" lang="zh-TW" altLang="zh-TW" sz="1200" b="0" i="0" u="none" strike="noStrike" cap="none" normalizeH="0" baseline="0">
+                  <a:ln>
+                    <a:noFill/>
+                  </a:ln>
+                  <a:solidFill>
+                    <a:srgbClr val="BCBEC4"/>
+                  </a:solidFill>
+                  <a:effectLst/>
+                  <a:latin typeface="+mj-lt"/>
+                  <a:cs typeface="JetBrains Mono" panose="02000009000000000000" pitchFamily="49" charset="0"/>
+                </a:rPr>
+              </a:br>
+              <a:r>
+                <a:rPr kumimoji="0" lang="zh-TW" altLang="zh-TW" sz="1200" b="0" i="0" u="none" strike="noStrike" cap="none" normalizeH="0" baseline="0">
+                  <a:ln>
+                    <a:noFill/>
+                  </a:ln>
+                  <a:solidFill>
+                    <a:srgbClr val="BCBEC4"/>
+                  </a:solidFill>
+                  <a:effectLst/>
+                  <a:latin typeface="+mj-lt"/>
+                  <a:cs typeface="JetBrains Mono" panose="02000009000000000000" pitchFamily="49" charset="0"/>
+                </a:rPr>
+                <a:t>}</a:t>
+              </a:r>
+              <a:endParaRPr kumimoji="0" lang="zh-TW" altLang="zh-TW" sz="2000" b="0" i="0" u="none" strike="noStrike" cap="none" normalizeH="0" baseline="0">
+                <a:ln>
+                  <a:noFill/>
+                </a:ln>
+                <a:solidFill>
+                  <a:schemeClr val="tx1"/>
+                </a:solidFill>
+                <a:effectLst/>
+                <a:latin typeface="+mj-lt"/>
+              </a:endParaRPr>
+            </a:p>
+          </p:txBody>
+        </p:sp>
+        <p:sp>
+          <p:nvSpPr>
+            <p:cNvPr id="13" name="文字方塊 12">
+              <a:extLst>
+                <a:ext uri="{FF2B5EF4-FFF2-40B4-BE49-F238E27FC236}">
+                  <a16:creationId xmlns:a16="http://schemas.microsoft.com/office/drawing/2014/main" id="{907BCEA8-28CD-49E0-9A32-DE5203BB6409}"/>
+                </a:ext>
+              </a:extLst>
+            </p:cNvPr>
+            <p:cNvSpPr txBox="1"/>
+            <p:nvPr/>
+          </p:nvSpPr>
+          <p:spPr>
+            <a:xfrm>
+              <a:off x="6584867" y="6190497"/>
+              <a:ext cx="628949" cy="338554"/>
+            </a:xfrm>
+            <a:prstGeom prst="rect">
+              <a:avLst/>
+            </a:prstGeom>
+            <a:noFill/>
+          </p:spPr>
+          <p:txBody>
+            <a:bodyPr wrap="none" rtlCol="0">
+              <a:spAutoFit/>
+            </a:bodyPr>
+            <a:lstStyle/>
+            <a:p>
+              <a:r>
+                <a:rPr lang="en-US" altLang="zh-TW" sz="1600">
+                  <a:solidFill>
+                    <a:schemeClr val="accent3"/>
+                  </a:solidFill>
+                </a:rPr>
+                <a:t>java</a:t>
+              </a:r>
+              <a:endParaRPr lang="zh-TW" altLang="en-US" sz="1600">
+                <a:solidFill>
+                  <a:schemeClr val="accent3"/>
+                </a:solidFill>
+              </a:endParaRPr>
+            </a:p>
+          </p:txBody>
+        </p:sp>
+        <p:pic>
+          <p:nvPicPr>
+            <p:cNvPr id="15" name="圖片 14">
+              <a:hlinkClick r:id="rId2"/>
+              <a:extLst>
+                <a:ext uri="{FF2B5EF4-FFF2-40B4-BE49-F238E27FC236}">
+                  <a16:creationId xmlns:a16="http://schemas.microsoft.com/office/drawing/2014/main" id="{9931660B-7D41-4152-B872-B0FE2061969B}"/>
+                </a:ext>
+              </a:extLst>
+            </p:cNvPr>
+            <p:cNvPicPr>
+              <a:picLocks noChangeAspect="1"/>
+            </p:cNvPicPr>
+            <p:nvPr/>
+          </p:nvPicPr>
+          <p:blipFill>
+            <a:blip r:embed="rId3">
+              <a:extLst>
+                <a:ext uri="{28A0092B-C50C-407E-A947-70E740481C1C}">
+                  <a14:useLocalDpi xmlns:a14="http://schemas.microsoft.com/office/drawing/2010/main" val="0"/>
+                </a:ext>
+              </a:extLst>
+            </a:blip>
+            <a:stretch>
+              <a:fillRect/>
+            </a:stretch>
+          </p:blipFill>
+          <p:spPr>
+            <a:xfrm>
+              <a:off x="6830568" y="2004736"/>
+              <a:ext cx="383248" cy="374916"/>
+            </a:xfrm>
+            <a:prstGeom prst="rect">
+              <a:avLst/>
+            </a:prstGeom>
+          </p:spPr>
+        </p:pic>
+      </p:grpSp>
+      <p:grpSp>
+        <p:nvGrpSpPr>
+          <p:cNvPr id="20" name="群組 19">
+            <a:extLst>
+              <a:ext uri="{FF2B5EF4-FFF2-40B4-BE49-F238E27FC236}">
+                <a16:creationId xmlns:a16="http://schemas.microsoft.com/office/drawing/2014/main" id="{62D7C4D7-A497-4134-B526-0C4B57EB3BF7}"/>
+              </a:ext>
+            </a:extLst>
+          </p:cNvPr>
+          <p:cNvGrpSpPr/>
+          <p:nvPr/>
+        </p:nvGrpSpPr>
+        <p:grpSpPr>
+          <a:xfrm>
+            <a:off x="7526959" y="2004736"/>
+            <a:ext cx="4262705" cy="4524315"/>
+            <a:chOff x="7526959" y="2004736"/>
+            <a:chExt cx="4262705" cy="4524315"/>
+          </a:xfrm>
+        </p:grpSpPr>
+        <p:sp>
+          <p:nvSpPr>
+            <p:cNvPr id="11" name="Rectangle 3">
+              <a:extLst>
+                <a:ext uri="{FF2B5EF4-FFF2-40B4-BE49-F238E27FC236}">
+                  <a16:creationId xmlns:a16="http://schemas.microsoft.com/office/drawing/2014/main" id="{43E6FA10-F97D-44BD-9357-F862E60A1DD7}"/>
+                </a:ext>
+              </a:extLst>
+            </p:cNvPr>
+            <p:cNvSpPr>
+              <a:spLocks noChangeArrowheads="1"/>
+            </p:cNvSpPr>
+            <p:nvPr/>
+          </p:nvSpPr>
+          <p:spPr bwMode="auto">
+            <a:xfrm>
+              <a:off x="7526959" y="2004736"/>
+              <a:ext cx="4262705" cy="4524315"/>
+            </a:xfrm>
+            <a:prstGeom prst="rect">
+              <a:avLst/>
+            </a:prstGeom>
+            <a:solidFill>
+              <a:srgbClr val="1E1F22"/>
+            </a:solidFill>
+            <a:ln>
+              <a:noFill/>
+            </a:ln>
+            <a:effectLst/>
+            <a:extLst>
+              <a:ext uri="{91240B29-F687-4F45-9708-019B960494DF}">
+                <a14:hiddenLine xmlns:a14="http://schemas.microsoft.com/office/drawing/2010/main" w="9525">
+                  <a:solidFill>
+                    <a:schemeClr val="tx1"/>
+                  </a:solidFill>
+                  <a:miter lim="800000"/>
+                  <a:headEnd/>
+                  <a:tailEnd/>
+                </a14:hiddenLine>
+              </a:ext>
+              <a:ext uri="{AF507438-7753-43E0-B8FC-AC1667EBCBE1}">
+                <a14:hiddenEffects xmlns:a14="http://schemas.microsoft.com/office/drawing/2010/main">
+                  <a:effectLst>
+                    <a:outerShdw dist="35921" dir="2700000" algn="ctr" rotWithShape="0">
+                      <a:schemeClr val="bg2"/>
+                    </a:outerShdw>
+                  </a:effectLst>
+                </a14:hiddenEffects>
+              </a:ext>
+            </a:extLst>
+          </p:spPr>
+          <p:txBody>
+            <a:bodyPr vert="horz" wrap="none" lIns="91440" tIns="45720" rIns="91440" bIns="45720" numCol="1" anchor="ctr" anchorCtr="0" compatLnSpc="1">
+              <a:prstTxWarp prst="textNoShape">
+                <a:avLst/>
+              </a:prstTxWarp>
+              <a:spAutoFit/>
+            </a:bodyPr>
+            <a:lstStyle/>
+            <a:p>
+              <a:pPr marL="0" marR="0" lvl="0" indent="0" algn="l" defTabSz="914400" rtl="0" eaLnBrk="0" fontAlgn="base" latinLnBrk="0" hangingPunct="0">
+                <a:lnSpc>
+                  <a:spcPct val="100000"/>
+                </a:lnSpc>
+                <a:spcBef>
+                  <a:spcPct val="0"/>
+                </a:spcBef>
+                <a:spcAft>
+                  <a:spcPct val="0"/>
+                </a:spcAft>
+                <a:buClrTx/>
+                <a:buSzTx/>
+                <a:buFontTx/>
+                <a:buNone/>
+                <a:tabLst/>
+              </a:pPr>
+              <a:r>
+                <a:rPr kumimoji="0" lang="zh-TW" altLang="zh-TW" sz="1200" b="0" i="0" u="none" strike="noStrike" cap="none" normalizeH="0" baseline="0">
+                  <a:ln>
+                    <a:noFill/>
+                  </a:ln>
+                  <a:solidFill>
+                    <a:srgbClr val="CF8E6D"/>
+                  </a:solidFill>
+                  <a:effectLst/>
+                  <a:latin typeface="+mj-lt"/>
+                  <a:cs typeface="JetBrains Mono" panose="02000009000000000000" pitchFamily="49" charset="0"/>
+                </a:rPr>
+                <a:t>package </a:t>
+              </a:r>
+              <a:r>
+                <a:rPr kumimoji="0" lang="zh-TW" altLang="zh-TW" sz="1200" b="0" i="0" u="none" strike="noStrike" cap="none" normalizeH="0" baseline="0">
+                  <a:ln>
+                    <a:noFill/>
+                  </a:ln>
+                  <a:solidFill>
+                    <a:srgbClr val="BCBEC4"/>
+                  </a:solidFill>
+                  <a:effectLst/>
+                  <a:latin typeface="+mj-lt"/>
+                  <a:cs typeface="JetBrains Mono" panose="02000009000000000000" pitchFamily="49" charset="0"/>
+                </a:rPr>
+                <a:t>me.tyic.main.util;</a:t>
+              </a:r>
+              <a:br>
+                <a:rPr kumimoji="0" lang="zh-TW" altLang="zh-TW" sz="1200" b="0" i="0" u="none" strike="noStrike" cap="none" normalizeH="0" baseline="0">
+                  <a:ln>
+                    <a:noFill/>
+                  </a:ln>
+                  <a:solidFill>
+                    <a:srgbClr val="BCBEC4"/>
+                  </a:solidFill>
+                  <a:effectLst/>
+                  <a:latin typeface="+mj-lt"/>
+                  <a:cs typeface="JetBrains Mono" panose="02000009000000000000" pitchFamily="49" charset="0"/>
+                </a:rPr>
+              </a:br>
+              <a:br>
+                <a:rPr kumimoji="0" lang="zh-TW" altLang="zh-TW" sz="1200" b="0" i="0" u="none" strike="noStrike" cap="none" normalizeH="0" baseline="0">
+                  <a:ln>
+                    <a:noFill/>
+                  </a:ln>
+                  <a:solidFill>
+                    <a:srgbClr val="BCBEC4"/>
+                  </a:solidFill>
+                  <a:effectLst/>
+                  <a:latin typeface="+mj-lt"/>
+                  <a:cs typeface="JetBrains Mono" panose="02000009000000000000" pitchFamily="49" charset="0"/>
+                </a:rPr>
+              </a:br>
+              <a:r>
+                <a:rPr kumimoji="0" lang="zh-TW" altLang="zh-TW" sz="1200" b="0" i="0" u="none" strike="noStrike" cap="none" normalizeH="0" baseline="0">
+                  <a:ln>
+                    <a:noFill/>
+                  </a:ln>
+                  <a:solidFill>
+                    <a:srgbClr val="CF8E6D"/>
+                  </a:solidFill>
+                  <a:effectLst/>
+                  <a:latin typeface="+mj-lt"/>
+                  <a:cs typeface="JetBrains Mono" panose="02000009000000000000" pitchFamily="49" charset="0"/>
+                </a:rPr>
+                <a:t>public abstract class </a:t>
+              </a:r>
+              <a:r>
+                <a:rPr kumimoji="0" lang="zh-TW" altLang="zh-TW" sz="1200" b="0" i="0" u="none" strike="noStrike" cap="none" normalizeH="0" baseline="0">
+                  <a:ln>
+                    <a:noFill/>
+                  </a:ln>
+                  <a:solidFill>
+                    <a:srgbClr val="BCBEC4"/>
+                  </a:solidFill>
+                  <a:effectLst/>
+                  <a:latin typeface="+mj-lt"/>
+                  <a:cs typeface="JetBrains Mono" panose="02000009000000000000" pitchFamily="49" charset="0"/>
+                </a:rPr>
+                <a:t>Util {</a:t>
+              </a:r>
+              <a:br>
+                <a:rPr kumimoji="0" lang="zh-TW" altLang="zh-TW" sz="1200" b="0" i="0" u="none" strike="noStrike" cap="none" normalizeH="0" baseline="0">
+                  <a:ln>
+                    <a:noFill/>
+                  </a:ln>
+                  <a:solidFill>
+                    <a:srgbClr val="BCBEC4"/>
+                  </a:solidFill>
+                  <a:effectLst/>
+                  <a:latin typeface="+mj-lt"/>
+                  <a:cs typeface="JetBrains Mono" panose="02000009000000000000" pitchFamily="49" charset="0"/>
+                </a:rPr>
+              </a:br>
+              <a:r>
+                <a:rPr kumimoji="0" lang="zh-TW" altLang="zh-TW" sz="1200" b="0" i="0" u="none" strike="noStrike" cap="none" normalizeH="0" baseline="0">
+                  <a:ln>
+                    <a:noFill/>
+                  </a:ln>
+                  <a:solidFill>
+                    <a:srgbClr val="BCBEC4"/>
+                  </a:solidFill>
+                  <a:effectLst/>
+                  <a:latin typeface="+mj-lt"/>
+                  <a:cs typeface="JetBrains Mono" panose="02000009000000000000" pitchFamily="49" charset="0"/>
+                </a:rPr>
+                <a:t>    </a:t>
+              </a:r>
+              <a:r>
+                <a:rPr kumimoji="0" lang="zh-TW" altLang="zh-TW" sz="1200" b="0" i="0" u="none" strike="noStrike" cap="none" normalizeH="0" baseline="0">
+                  <a:ln>
+                    <a:noFill/>
+                  </a:ln>
+                  <a:solidFill>
+                    <a:srgbClr val="CF8E6D"/>
+                  </a:solidFill>
+                  <a:effectLst/>
+                  <a:latin typeface="+mj-lt"/>
+                  <a:cs typeface="JetBrains Mono" panose="02000009000000000000" pitchFamily="49" charset="0"/>
+                </a:rPr>
+                <a:t>public static boolean </a:t>
+              </a:r>
+              <a:r>
+                <a:rPr kumimoji="0" lang="zh-TW" altLang="zh-TW" sz="1200" b="0" i="0" u="none" strike="noStrike" cap="none" normalizeH="0" baseline="0">
+                  <a:ln>
+                    <a:noFill/>
+                  </a:ln>
+                  <a:solidFill>
+                    <a:srgbClr val="56A8F5"/>
+                  </a:solidFill>
+                  <a:effectLst/>
+                  <a:latin typeface="+mj-lt"/>
+                  <a:cs typeface="JetBrains Mono" panose="02000009000000000000" pitchFamily="49" charset="0"/>
+                </a:rPr>
+                <a:t>isPrime</a:t>
+              </a:r>
+              <a:r>
+                <a:rPr kumimoji="0" lang="zh-TW" altLang="zh-TW" sz="1200" b="0" i="0" u="none" strike="noStrike" cap="none" normalizeH="0" baseline="0">
+                  <a:ln>
+                    <a:noFill/>
+                  </a:ln>
+                  <a:solidFill>
+                    <a:srgbClr val="BCBEC4"/>
+                  </a:solidFill>
+                  <a:effectLst/>
+                  <a:latin typeface="+mj-lt"/>
+                  <a:cs typeface="JetBrains Mono" panose="02000009000000000000" pitchFamily="49" charset="0"/>
+                </a:rPr>
+                <a:t>(</a:t>
+              </a:r>
+              <a:r>
+                <a:rPr kumimoji="0" lang="zh-TW" altLang="zh-TW" sz="1200" b="0" i="0" u="none" strike="noStrike" cap="none" normalizeH="0" baseline="0">
+                  <a:ln>
+                    <a:noFill/>
+                  </a:ln>
+                  <a:solidFill>
+                    <a:srgbClr val="CF8E6D"/>
+                  </a:solidFill>
+                  <a:effectLst/>
+                  <a:latin typeface="+mj-lt"/>
+                  <a:cs typeface="JetBrains Mono" panose="02000009000000000000" pitchFamily="49" charset="0"/>
+                </a:rPr>
+                <a:t>int </a:t>
+              </a:r>
+              <a:r>
+                <a:rPr kumimoji="0" lang="zh-TW" altLang="zh-TW" sz="1200" b="0" i="0" u="none" strike="noStrike" cap="none" normalizeH="0" baseline="0">
+                  <a:ln>
+                    <a:noFill/>
+                  </a:ln>
+                  <a:solidFill>
+                    <a:srgbClr val="BCBEC4"/>
+                  </a:solidFill>
+                  <a:effectLst/>
+                  <a:latin typeface="+mj-lt"/>
+                  <a:cs typeface="JetBrains Mono" panose="02000009000000000000" pitchFamily="49" charset="0"/>
+                </a:rPr>
+                <a:t>number) {</a:t>
+              </a:r>
+              <a:br>
+                <a:rPr kumimoji="0" lang="zh-TW" altLang="zh-TW" sz="1200" b="0" i="0" u="none" strike="noStrike" cap="none" normalizeH="0" baseline="0">
+                  <a:ln>
+                    <a:noFill/>
+                  </a:ln>
+                  <a:solidFill>
+                    <a:srgbClr val="BCBEC4"/>
+                  </a:solidFill>
+                  <a:effectLst/>
+                  <a:latin typeface="+mj-lt"/>
+                  <a:cs typeface="JetBrains Mono" panose="02000009000000000000" pitchFamily="49" charset="0"/>
+                </a:rPr>
+              </a:br>
+              <a:r>
+                <a:rPr kumimoji="0" lang="zh-TW" altLang="zh-TW" sz="1200" b="0" i="0" u="none" strike="noStrike" cap="none" normalizeH="0" baseline="0">
+                  <a:ln>
+                    <a:noFill/>
+                  </a:ln>
+                  <a:solidFill>
+                    <a:srgbClr val="BCBEC4"/>
+                  </a:solidFill>
+                  <a:effectLst/>
+                  <a:latin typeface="+mj-lt"/>
+                  <a:cs typeface="JetBrains Mono" panose="02000009000000000000" pitchFamily="49" charset="0"/>
+                </a:rPr>
+                <a:t>        </a:t>
+              </a:r>
+              <a:r>
+                <a:rPr kumimoji="0" lang="zh-TW" altLang="zh-TW" sz="1200" b="0" i="0" u="none" strike="noStrike" cap="none" normalizeH="0" baseline="0">
+                  <a:ln>
+                    <a:noFill/>
+                  </a:ln>
+                  <a:solidFill>
+                    <a:srgbClr val="CF8E6D"/>
+                  </a:solidFill>
+                  <a:effectLst/>
+                  <a:latin typeface="+mj-lt"/>
+                  <a:cs typeface="JetBrains Mono" panose="02000009000000000000" pitchFamily="49" charset="0"/>
+                </a:rPr>
+                <a:t>for </a:t>
+              </a:r>
+              <a:r>
+                <a:rPr kumimoji="0" lang="zh-TW" altLang="zh-TW" sz="1200" b="0" i="0" u="none" strike="noStrike" cap="none" normalizeH="0" baseline="0">
+                  <a:ln>
+                    <a:noFill/>
+                  </a:ln>
+                  <a:solidFill>
+                    <a:srgbClr val="BCBEC4"/>
+                  </a:solidFill>
+                  <a:effectLst/>
+                  <a:latin typeface="+mj-lt"/>
+                  <a:cs typeface="JetBrains Mono" panose="02000009000000000000" pitchFamily="49" charset="0"/>
+                </a:rPr>
+                <a:t>(</a:t>
+              </a:r>
+              <a:r>
+                <a:rPr kumimoji="0" lang="zh-TW" altLang="zh-TW" sz="1200" b="0" i="0" u="none" strike="noStrike" cap="none" normalizeH="0" baseline="0">
+                  <a:ln>
+                    <a:noFill/>
+                  </a:ln>
+                  <a:solidFill>
+                    <a:srgbClr val="CF8E6D"/>
+                  </a:solidFill>
+                  <a:effectLst/>
+                  <a:latin typeface="+mj-lt"/>
+                  <a:cs typeface="JetBrains Mono" panose="02000009000000000000" pitchFamily="49" charset="0"/>
+                </a:rPr>
+                <a:t>int </a:t>
+              </a:r>
+              <a:r>
+                <a:rPr kumimoji="0" lang="zh-TW" altLang="zh-TW" sz="1200" b="0" i="0" u="none" strike="noStrike" cap="none" normalizeH="0" baseline="0">
+                  <a:ln>
+                    <a:noFill/>
+                  </a:ln>
+                  <a:solidFill>
+                    <a:srgbClr val="BCBEC4"/>
+                  </a:solidFill>
+                  <a:effectLst/>
+                  <a:latin typeface="+mj-lt"/>
+                  <a:cs typeface="JetBrains Mono" panose="02000009000000000000" pitchFamily="49" charset="0"/>
+                </a:rPr>
+                <a:t>i = </a:t>
+              </a:r>
+              <a:r>
+                <a:rPr kumimoji="0" lang="zh-TW" altLang="zh-TW" sz="1200" b="0" i="0" u="none" strike="noStrike" cap="none" normalizeH="0" baseline="0">
+                  <a:ln>
+                    <a:noFill/>
+                  </a:ln>
+                  <a:solidFill>
+                    <a:srgbClr val="2AACB8"/>
+                  </a:solidFill>
+                  <a:effectLst/>
+                  <a:latin typeface="+mj-lt"/>
+                  <a:cs typeface="JetBrains Mono" panose="02000009000000000000" pitchFamily="49" charset="0"/>
+                </a:rPr>
+                <a:t>2</a:t>
+              </a:r>
+              <a:r>
+                <a:rPr kumimoji="0" lang="zh-TW" altLang="zh-TW" sz="1200" b="0" i="0" u="none" strike="noStrike" cap="none" normalizeH="0" baseline="0">
+                  <a:ln>
+                    <a:noFill/>
+                  </a:ln>
+                  <a:solidFill>
+                    <a:srgbClr val="BCBEC4"/>
+                  </a:solidFill>
+                  <a:effectLst/>
+                  <a:latin typeface="+mj-lt"/>
+                  <a:cs typeface="JetBrains Mono" panose="02000009000000000000" pitchFamily="49" charset="0"/>
+                </a:rPr>
+                <a:t>; i * i &lt;= number; i++) {</a:t>
+              </a:r>
+              <a:br>
+                <a:rPr kumimoji="0" lang="zh-TW" altLang="zh-TW" sz="1200" b="0" i="0" u="none" strike="noStrike" cap="none" normalizeH="0" baseline="0">
+                  <a:ln>
+                    <a:noFill/>
+                  </a:ln>
+                  <a:solidFill>
+                    <a:srgbClr val="BCBEC4"/>
+                  </a:solidFill>
+                  <a:effectLst/>
+                  <a:latin typeface="+mj-lt"/>
+                  <a:cs typeface="JetBrains Mono" panose="02000009000000000000" pitchFamily="49" charset="0"/>
+                </a:rPr>
+              </a:br>
+              <a:r>
+                <a:rPr kumimoji="0" lang="zh-TW" altLang="zh-TW" sz="1200" b="0" i="0" u="none" strike="noStrike" cap="none" normalizeH="0" baseline="0">
+                  <a:ln>
+                    <a:noFill/>
+                  </a:ln>
+                  <a:solidFill>
+                    <a:srgbClr val="BCBEC4"/>
+                  </a:solidFill>
+                  <a:effectLst/>
+                  <a:latin typeface="+mj-lt"/>
+                  <a:cs typeface="JetBrains Mono" panose="02000009000000000000" pitchFamily="49" charset="0"/>
+                </a:rPr>
+                <a:t>            </a:t>
+              </a:r>
+              <a:r>
+                <a:rPr kumimoji="0" lang="zh-TW" altLang="zh-TW" sz="1200" b="0" i="0" u="none" strike="noStrike" cap="none" normalizeH="0" baseline="0">
+                  <a:ln>
+                    <a:noFill/>
+                  </a:ln>
+                  <a:solidFill>
+                    <a:srgbClr val="CF8E6D"/>
+                  </a:solidFill>
+                  <a:effectLst/>
+                  <a:latin typeface="+mj-lt"/>
+                  <a:cs typeface="JetBrains Mono" panose="02000009000000000000" pitchFamily="49" charset="0"/>
+                </a:rPr>
+                <a:t>if </a:t>
+              </a:r>
+              <a:r>
+                <a:rPr kumimoji="0" lang="zh-TW" altLang="zh-TW" sz="1200" b="0" i="0" u="none" strike="noStrike" cap="none" normalizeH="0" baseline="0">
+                  <a:ln>
+                    <a:noFill/>
+                  </a:ln>
+                  <a:solidFill>
+                    <a:srgbClr val="BCBEC4"/>
+                  </a:solidFill>
+                  <a:effectLst/>
+                  <a:latin typeface="+mj-lt"/>
+                  <a:cs typeface="JetBrains Mono" panose="02000009000000000000" pitchFamily="49" charset="0"/>
+                </a:rPr>
+                <a:t>(number % i == </a:t>
+              </a:r>
+              <a:r>
+                <a:rPr kumimoji="0" lang="zh-TW" altLang="zh-TW" sz="1200" b="0" i="0" u="none" strike="noStrike" cap="none" normalizeH="0" baseline="0">
+                  <a:ln>
+                    <a:noFill/>
+                  </a:ln>
+                  <a:solidFill>
+                    <a:srgbClr val="2AACB8"/>
+                  </a:solidFill>
+                  <a:effectLst/>
+                  <a:latin typeface="+mj-lt"/>
+                  <a:cs typeface="JetBrains Mono" panose="02000009000000000000" pitchFamily="49" charset="0"/>
+                </a:rPr>
+                <a:t>0</a:t>
+              </a:r>
+              <a:r>
+                <a:rPr kumimoji="0" lang="zh-TW" altLang="zh-TW" sz="1200" b="0" i="0" u="none" strike="noStrike" cap="none" normalizeH="0" baseline="0">
+                  <a:ln>
+                    <a:noFill/>
+                  </a:ln>
+                  <a:solidFill>
+                    <a:srgbClr val="BCBEC4"/>
+                  </a:solidFill>
+                  <a:effectLst/>
+                  <a:latin typeface="+mj-lt"/>
+                  <a:cs typeface="JetBrains Mono" panose="02000009000000000000" pitchFamily="49" charset="0"/>
+                </a:rPr>
+                <a:t>) </a:t>
+              </a:r>
+              <a:r>
+                <a:rPr kumimoji="0" lang="zh-TW" altLang="zh-TW" sz="1200" b="0" i="0" u="none" strike="noStrike" cap="none" normalizeH="0" baseline="0">
+                  <a:ln>
+                    <a:noFill/>
+                  </a:ln>
+                  <a:solidFill>
+                    <a:srgbClr val="CF8E6D"/>
+                  </a:solidFill>
+                  <a:effectLst/>
+                  <a:latin typeface="+mj-lt"/>
+                  <a:cs typeface="JetBrains Mono" panose="02000009000000000000" pitchFamily="49" charset="0"/>
+                </a:rPr>
+                <a:t>return false</a:t>
+              </a:r>
+              <a:r>
+                <a:rPr kumimoji="0" lang="zh-TW" altLang="zh-TW" sz="1200" b="0" i="0" u="none" strike="noStrike" cap="none" normalizeH="0" baseline="0">
+                  <a:ln>
+                    <a:noFill/>
+                  </a:ln>
+                  <a:solidFill>
+                    <a:srgbClr val="BCBEC4"/>
+                  </a:solidFill>
+                  <a:effectLst/>
+                  <a:latin typeface="+mj-lt"/>
+                  <a:cs typeface="JetBrains Mono" panose="02000009000000000000" pitchFamily="49" charset="0"/>
+                </a:rPr>
+                <a:t>;</a:t>
+              </a:r>
+              <a:br>
+                <a:rPr kumimoji="0" lang="zh-TW" altLang="zh-TW" sz="1200" b="0" i="0" u="none" strike="noStrike" cap="none" normalizeH="0" baseline="0">
+                  <a:ln>
+                    <a:noFill/>
+                  </a:ln>
+                  <a:solidFill>
+                    <a:srgbClr val="BCBEC4"/>
+                  </a:solidFill>
+                  <a:effectLst/>
+                  <a:latin typeface="+mj-lt"/>
+                  <a:cs typeface="JetBrains Mono" panose="02000009000000000000" pitchFamily="49" charset="0"/>
+                </a:rPr>
+              </a:br>
+              <a:r>
+                <a:rPr kumimoji="0" lang="zh-TW" altLang="zh-TW" sz="1200" b="0" i="0" u="none" strike="noStrike" cap="none" normalizeH="0" baseline="0">
+                  <a:ln>
+                    <a:noFill/>
+                  </a:ln>
+                  <a:solidFill>
+                    <a:srgbClr val="BCBEC4"/>
+                  </a:solidFill>
+                  <a:effectLst/>
+                  <a:latin typeface="+mj-lt"/>
+                  <a:cs typeface="JetBrains Mono" panose="02000009000000000000" pitchFamily="49" charset="0"/>
+                </a:rPr>
+                <a:t>        }</a:t>
+              </a:r>
+              <a:br>
+                <a:rPr kumimoji="0" lang="zh-TW" altLang="zh-TW" sz="1200" b="0" i="0" u="none" strike="noStrike" cap="none" normalizeH="0" baseline="0">
+                  <a:ln>
+                    <a:noFill/>
+                  </a:ln>
+                  <a:solidFill>
+                    <a:srgbClr val="BCBEC4"/>
+                  </a:solidFill>
+                  <a:effectLst/>
+                  <a:latin typeface="+mj-lt"/>
+                  <a:cs typeface="JetBrains Mono" panose="02000009000000000000" pitchFamily="49" charset="0"/>
+                </a:rPr>
+              </a:br>
+              <a:r>
+                <a:rPr kumimoji="0" lang="zh-TW" altLang="zh-TW" sz="1200" b="0" i="0" u="none" strike="noStrike" cap="none" normalizeH="0" baseline="0">
+                  <a:ln>
+                    <a:noFill/>
+                  </a:ln>
+                  <a:solidFill>
+                    <a:srgbClr val="BCBEC4"/>
+                  </a:solidFill>
+                  <a:effectLst/>
+                  <a:latin typeface="+mj-lt"/>
+                  <a:cs typeface="JetBrains Mono" panose="02000009000000000000" pitchFamily="49" charset="0"/>
+                </a:rPr>
+                <a:t>        </a:t>
+              </a:r>
+              <a:r>
+                <a:rPr kumimoji="0" lang="zh-TW" altLang="zh-TW" sz="1200" b="0" i="0" u="none" strike="noStrike" cap="none" normalizeH="0" baseline="0">
+                  <a:ln>
+                    <a:noFill/>
+                  </a:ln>
+                  <a:solidFill>
+                    <a:srgbClr val="CF8E6D"/>
+                  </a:solidFill>
+                  <a:effectLst/>
+                  <a:latin typeface="+mj-lt"/>
+                  <a:cs typeface="JetBrains Mono" panose="02000009000000000000" pitchFamily="49" charset="0"/>
+                </a:rPr>
+                <a:t>return true</a:t>
+              </a:r>
+              <a:r>
+                <a:rPr kumimoji="0" lang="zh-TW" altLang="zh-TW" sz="1200" b="0" i="0" u="none" strike="noStrike" cap="none" normalizeH="0" baseline="0">
+                  <a:ln>
+                    <a:noFill/>
+                  </a:ln>
+                  <a:solidFill>
+                    <a:srgbClr val="BCBEC4"/>
+                  </a:solidFill>
+                  <a:effectLst/>
+                  <a:latin typeface="+mj-lt"/>
+                  <a:cs typeface="JetBrains Mono" panose="02000009000000000000" pitchFamily="49" charset="0"/>
+                </a:rPr>
+                <a:t>;</a:t>
+              </a:r>
+              <a:br>
+                <a:rPr kumimoji="0" lang="zh-TW" altLang="zh-TW" sz="1200" b="0" i="0" u="none" strike="noStrike" cap="none" normalizeH="0" baseline="0">
+                  <a:ln>
+                    <a:noFill/>
+                  </a:ln>
+                  <a:solidFill>
+                    <a:srgbClr val="BCBEC4"/>
+                  </a:solidFill>
+                  <a:effectLst/>
+                  <a:latin typeface="+mj-lt"/>
+                  <a:cs typeface="JetBrains Mono" panose="02000009000000000000" pitchFamily="49" charset="0"/>
+                </a:rPr>
+              </a:br>
+              <a:r>
+                <a:rPr kumimoji="0" lang="zh-TW" altLang="zh-TW" sz="1200" b="0" i="0" u="none" strike="noStrike" cap="none" normalizeH="0" baseline="0">
+                  <a:ln>
+                    <a:noFill/>
+                  </a:ln>
+                  <a:solidFill>
+                    <a:srgbClr val="BCBEC4"/>
+                  </a:solidFill>
+                  <a:effectLst/>
+                  <a:latin typeface="+mj-lt"/>
+                  <a:cs typeface="JetBrains Mono" panose="02000009000000000000" pitchFamily="49" charset="0"/>
+                </a:rPr>
+                <a:t>    }</a:t>
+              </a:r>
+              <a:br>
+                <a:rPr kumimoji="0" lang="zh-TW" altLang="zh-TW" sz="1200" b="0" i="0" u="none" strike="noStrike" cap="none" normalizeH="0" baseline="0">
+                  <a:ln>
+                    <a:noFill/>
+                  </a:ln>
+                  <a:solidFill>
+                    <a:srgbClr val="BCBEC4"/>
+                  </a:solidFill>
+                  <a:effectLst/>
+                  <a:latin typeface="+mj-lt"/>
+                  <a:cs typeface="JetBrains Mono" panose="02000009000000000000" pitchFamily="49" charset="0"/>
+                </a:rPr>
+              </a:br>
+              <a:br>
+                <a:rPr kumimoji="0" lang="zh-TW" altLang="zh-TW" sz="1200" b="0" i="0" u="none" strike="noStrike" cap="none" normalizeH="0" baseline="0">
+                  <a:ln>
+                    <a:noFill/>
+                  </a:ln>
+                  <a:solidFill>
+                    <a:srgbClr val="BCBEC4"/>
+                  </a:solidFill>
+                  <a:effectLst/>
+                  <a:latin typeface="+mj-lt"/>
+                  <a:cs typeface="JetBrains Mono" panose="02000009000000000000" pitchFamily="49" charset="0"/>
+                </a:rPr>
+              </a:br>
+              <a:r>
+                <a:rPr kumimoji="0" lang="zh-TW" altLang="zh-TW" sz="1200" b="0" i="0" u="none" strike="noStrike" cap="none" normalizeH="0" baseline="0">
+                  <a:ln>
+                    <a:noFill/>
+                  </a:ln>
+                  <a:solidFill>
+                    <a:srgbClr val="BCBEC4"/>
+                  </a:solidFill>
+                  <a:effectLst/>
+                  <a:latin typeface="+mj-lt"/>
+                  <a:cs typeface="JetBrains Mono" panose="02000009000000000000" pitchFamily="49" charset="0"/>
+                </a:rPr>
+                <a:t>    </a:t>
+              </a:r>
+              <a:r>
+                <a:rPr kumimoji="0" lang="zh-TW" altLang="zh-TW" sz="1200" b="0" i="0" u="none" strike="noStrike" cap="none" normalizeH="0" baseline="0">
+                  <a:ln>
+                    <a:noFill/>
+                  </a:ln>
+                  <a:solidFill>
+                    <a:srgbClr val="CF8E6D"/>
+                  </a:solidFill>
+                  <a:effectLst/>
+                  <a:latin typeface="+mj-lt"/>
+                  <a:cs typeface="JetBrains Mono" panose="02000009000000000000" pitchFamily="49" charset="0"/>
+                </a:rPr>
+                <a:t>public static int </a:t>
+              </a:r>
+              <a:r>
+                <a:rPr kumimoji="0" lang="zh-TW" altLang="zh-TW" sz="1200" b="0" i="0" u="none" strike="noStrike" cap="none" normalizeH="0" baseline="0">
+                  <a:ln>
+                    <a:noFill/>
+                  </a:ln>
+                  <a:solidFill>
+                    <a:srgbClr val="56A8F5"/>
+                  </a:solidFill>
+                  <a:effectLst/>
+                  <a:latin typeface="+mj-lt"/>
+                  <a:cs typeface="JetBrains Mono" panose="02000009000000000000" pitchFamily="49" charset="0"/>
+                </a:rPr>
+                <a:t>pow</a:t>
+              </a:r>
+              <a:r>
+                <a:rPr kumimoji="0" lang="zh-TW" altLang="zh-TW" sz="1200" b="0" i="0" u="none" strike="noStrike" cap="none" normalizeH="0" baseline="0">
+                  <a:ln>
+                    <a:noFill/>
+                  </a:ln>
+                  <a:solidFill>
+                    <a:srgbClr val="BCBEC4"/>
+                  </a:solidFill>
+                  <a:effectLst/>
+                  <a:latin typeface="+mj-lt"/>
+                  <a:cs typeface="JetBrains Mono" panose="02000009000000000000" pitchFamily="49" charset="0"/>
+                </a:rPr>
+                <a:t>(</a:t>
+              </a:r>
+              <a:r>
+                <a:rPr kumimoji="0" lang="zh-TW" altLang="zh-TW" sz="1200" b="0" i="0" u="none" strike="noStrike" cap="none" normalizeH="0" baseline="0">
+                  <a:ln>
+                    <a:noFill/>
+                  </a:ln>
+                  <a:solidFill>
+                    <a:srgbClr val="CF8E6D"/>
+                  </a:solidFill>
+                  <a:effectLst/>
+                  <a:latin typeface="+mj-lt"/>
+                  <a:cs typeface="JetBrains Mono" panose="02000009000000000000" pitchFamily="49" charset="0"/>
+                </a:rPr>
+                <a:t>int </a:t>
+              </a:r>
+              <a:r>
+                <a:rPr kumimoji="0" lang="zh-TW" altLang="zh-TW" sz="1200" b="0" i="0" u="none" strike="noStrike" cap="none" normalizeH="0" baseline="0">
+                  <a:ln>
+                    <a:noFill/>
+                  </a:ln>
+                  <a:solidFill>
+                    <a:srgbClr val="BCBEC4"/>
+                  </a:solidFill>
+                  <a:effectLst/>
+                  <a:latin typeface="+mj-lt"/>
+                  <a:cs typeface="JetBrains Mono" panose="02000009000000000000" pitchFamily="49" charset="0"/>
+                </a:rPr>
+                <a:t>base, </a:t>
+              </a:r>
+              <a:r>
+                <a:rPr kumimoji="0" lang="zh-TW" altLang="zh-TW" sz="1200" b="0" i="0" u="none" strike="noStrike" cap="none" normalizeH="0" baseline="0">
+                  <a:ln>
+                    <a:noFill/>
+                  </a:ln>
+                  <a:solidFill>
+                    <a:srgbClr val="CF8E6D"/>
+                  </a:solidFill>
+                  <a:effectLst/>
+                  <a:latin typeface="+mj-lt"/>
+                  <a:cs typeface="JetBrains Mono" panose="02000009000000000000" pitchFamily="49" charset="0"/>
+                </a:rPr>
+                <a:t>int </a:t>
+              </a:r>
+              <a:r>
+                <a:rPr kumimoji="0" lang="zh-TW" altLang="zh-TW" sz="1200" b="0" i="0" u="none" strike="noStrike" cap="none" normalizeH="0" baseline="0">
+                  <a:ln>
+                    <a:noFill/>
+                  </a:ln>
+                  <a:solidFill>
+                    <a:srgbClr val="BCBEC4"/>
+                  </a:solidFill>
+                  <a:effectLst/>
+                  <a:latin typeface="+mj-lt"/>
+                  <a:cs typeface="JetBrains Mono" panose="02000009000000000000" pitchFamily="49" charset="0"/>
+                </a:rPr>
+                <a:t>power) {</a:t>
+              </a:r>
+              <a:br>
+                <a:rPr kumimoji="0" lang="zh-TW" altLang="zh-TW" sz="1200" b="0" i="0" u="none" strike="noStrike" cap="none" normalizeH="0" baseline="0">
+                  <a:ln>
+                    <a:noFill/>
+                  </a:ln>
+                  <a:solidFill>
+                    <a:srgbClr val="BCBEC4"/>
+                  </a:solidFill>
+                  <a:effectLst/>
+                  <a:latin typeface="+mj-lt"/>
+                  <a:cs typeface="JetBrains Mono" panose="02000009000000000000" pitchFamily="49" charset="0"/>
+                </a:rPr>
+              </a:br>
+              <a:r>
+                <a:rPr kumimoji="0" lang="zh-TW" altLang="zh-TW" sz="1200" b="0" i="0" u="none" strike="noStrike" cap="none" normalizeH="0" baseline="0">
+                  <a:ln>
+                    <a:noFill/>
+                  </a:ln>
+                  <a:solidFill>
+                    <a:srgbClr val="BCBEC4"/>
+                  </a:solidFill>
+                  <a:effectLst/>
+                  <a:latin typeface="+mj-lt"/>
+                  <a:cs typeface="JetBrains Mono" panose="02000009000000000000" pitchFamily="49" charset="0"/>
+                </a:rPr>
+                <a:t>        </a:t>
+              </a:r>
+              <a:r>
+                <a:rPr kumimoji="0" lang="zh-TW" altLang="zh-TW" sz="1200" b="0" i="0" u="none" strike="noStrike" cap="none" normalizeH="0" baseline="0">
+                  <a:ln>
+                    <a:noFill/>
+                  </a:ln>
+                  <a:solidFill>
+                    <a:srgbClr val="CF8E6D"/>
+                  </a:solidFill>
+                  <a:effectLst/>
+                  <a:latin typeface="+mj-lt"/>
+                  <a:cs typeface="JetBrains Mono" panose="02000009000000000000" pitchFamily="49" charset="0"/>
+                </a:rPr>
+                <a:t>int </a:t>
+              </a:r>
+              <a:r>
+                <a:rPr kumimoji="0" lang="zh-TW" altLang="zh-TW" sz="1200" b="0" i="0" u="none" strike="noStrike" cap="none" normalizeH="0" baseline="0">
+                  <a:ln>
+                    <a:noFill/>
+                  </a:ln>
+                  <a:solidFill>
+                    <a:srgbClr val="BCBEC4"/>
+                  </a:solidFill>
+                  <a:effectLst/>
+                  <a:latin typeface="+mj-lt"/>
+                  <a:cs typeface="JetBrains Mono" panose="02000009000000000000" pitchFamily="49" charset="0"/>
+                </a:rPr>
+                <a:t>result = </a:t>
+              </a:r>
+              <a:r>
+                <a:rPr kumimoji="0" lang="zh-TW" altLang="zh-TW" sz="1200" b="0" i="0" u="none" strike="noStrike" cap="none" normalizeH="0" baseline="0">
+                  <a:ln>
+                    <a:noFill/>
+                  </a:ln>
+                  <a:solidFill>
+                    <a:srgbClr val="2AACB8"/>
+                  </a:solidFill>
+                  <a:effectLst/>
+                  <a:latin typeface="+mj-lt"/>
+                  <a:cs typeface="JetBrains Mono" panose="02000009000000000000" pitchFamily="49" charset="0"/>
+                </a:rPr>
+                <a:t>1</a:t>
+              </a:r>
+              <a:r>
+                <a:rPr kumimoji="0" lang="zh-TW" altLang="zh-TW" sz="1200" b="0" i="0" u="none" strike="noStrike" cap="none" normalizeH="0" baseline="0">
+                  <a:ln>
+                    <a:noFill/>
+                  </a:ln>
+                  <a:solidFill>
+                    <a:srgbClr val="BCBEC4"/>
+                  </a:solidFill>
+                  <a:effectLst/>
+                  <a:latin typeface="+mj-lt"/>
+                  <a:cs typeface="JetBrains Mono" panose="02000009000000000000" pitchFamily="49" charset="0"/>
+                </a:rPr>
+                <a:t>;</a:t>
+              </a:r>
+              <a:br>
+                <a:rPr kumimoji="0" lang="zh-TW" altLang="zh-TW" sz="1200" b="0" i="0" u="none" strike="noStrike" cap="none" normalizeH="0" baseline="0">
+                  <a:ln>
+                    <a:noFill/>
+                  </a:ln>
+                  <a:solidFill>
+                    <a:srgbClr val="BCBEC4"/>
+                  </a:solidFill>
+                  <a:effectLst/>
+                  <a:latin typeface="+mj-lt"/>
+                  <a:cs typeface="JetBrains Mono" panose="02000009000000000000" pitchFamily="49" charset="0"/>
+                </a:rPr>
+              </a:br>
+              <a:r>
+                <a:rPr kumimoji="0" lang="zh-TW" altLang="zh-TW" sz="1200" b="0" i="0" u="none" strike="noStrike" cap="none" normalizeH="0" baseline="0">
+                  <a:ln>
+                    <a:noFill/>
+                  </a:ln>
+                  <a:solidFill>
+                    <a:srgbClr val="BCBEC4"/>
+                  </a:solidFill>
+                  <a:effectLst/>
+                  <a:latin typeface="+mj-lt"/>
+                  <a:cs typeface="JetBrains Mono" panose="02000009000000000000" pitchFamily="49" charset="0"/>
+                </a:rPr>
+                <a:t>        </a:t>
+              </a:r>
+              <a:r>
+                <a:rPr kumimoji="0" lang="zh-TW" altLang="zh-TW" sz="1200" b="0" i="0" u="none" strike="noStrike" cap="none" normalizeH="0" baseline="0">
+                  <a:ln>
+                    <a:noFill/>
+                  </a:ln>
+                  <a:solidFill>
+                    <a:srgbClr val="CF8E6D"/>
+                  </a:solidFill>
+                  <a:effectLst/>
+                  <a:latin typeface="+mj-lt"/>
+                  <a:cs typeface="JetBrains Mono" panose="02000009000000000000" pitchFamily="49" charset="0"/>
+                </a:rPr>
+                <a:t>if </a:t>
+              </a:r>
+              <a:r>
+                <a:rPr kumimoji="0" lang="zh-TW" altLang="zh-TW" sz="1200" b="0" i="0" u="none" strike="noStrike" cap="none" normalizeH="0" baseline="0">
+                  <a:ln>
+                    <a:noFill/>
+                  </a:ln>
+                  <a:solidFill>
+                    <a:srgbClr val="BCBEC4"/>
+                  </a:solidFill>
+                  <a:effectLst/>
+                  <a:latin typeface="+mj-lt"/>
+                  <a:cs typeface="JetBrains Mono" panose="02000009000000000000" pitchFamily="49" charset="0"/>
+                </a:rPr>
+                <a:t>(power &gt;= </a:t>
+              </a:r>
+              <a:r>
+                <a:rPr kumimoji="0" lang="zh-TW" altLang="zh-TW" sz="1200" b="0" i="0" u="none" strike="noStrike" cap="none" normalizeH="0" baseline="0">
+                  <a:ln>
+                    <a:noFill/>
+                  </a:ln>
+                  <a:solidFill>
+                    <a:srgbClr val="2AACB8"/>
+                  </a:solidFill>
+                  <a:effectLst/>
+                  <a:latin typeface="+mj-lt"/>
+                  <a:cs typeface="JetBrains Mono" panose="02000009000000000000" pitchFamily="49" charset="0"/>
+                </a:rPr>
+                <a:t>0</a:t>
+              </a:r>
+              <a:r>
+                <a:rPr kumimoji="0" lang="zh-TW" altLang="zh-TW" sz="1200" b="0" i="0" u="none" strike="noStrike" cap="none" normalizeH="0" baseline="0">
+                  <a:ln>
+                    <a:noFill/>
+                  </a:ln>
+                  <a:solidFill>
+                    <a:srgbClr val="BCBEC4"/>
+                  </a:solidFill>
+                  <a:effectLst/>
+                  <a:latin typeface="+mj-lt"/>
+                  <a:cs typeface="JetBrains Mono" panose="02000009000000000000" pitchFamily="49" charset="0"/>
+                </a:rPr>
+                <a:t>) {</a:t>
+              </a:r>
+              <a:br>
+                <a:rPr kumimoji="0" lang="zh-TW" altLang="zh-TW" sz="1200" b="0" i="0" u="none" strike="noStrike" cap="none" normalizeH="0" baseline="0">
+                  <a:ln>
+                    <a:noFill/>
+                  </a:ln>
+                  <a:solidFill>
+                    <a:srgbClr val="BCBEC4"/>
+                  </a:solidFill>
+                  <a:effectLst/>
+                  <a:latin typeface="+mj-lt"/>
+                  <a:cs typeface="JetBrains Mono" panose="02000009000000000000" pitchFamily="49" charset="0"/>
+                </a:rPr>
+              </a:br>
+              <a:r>
+                <a:rPr kumimoji="0" lang="zh-TW" altLang="zh-TW" sz="1200" b="0" i="0" u="none" strike="noStrike" cap="none" normalizeH="0" baseline="0">
+                  <a:ln>
+                    <a:noFill/>
+                  </a:ln>
+                  <a:solidFill>
+                    <a:srgbClr val="BCBEC4"/>
+                  </a:solidFill>
+                  <a:effectLst/>
+                  <a:latin typeface="+mj-lt"/>
+                  <a:cs typeface="JetBrains Mono" panose="02000009000000000000" pitchFamily="49" charset="0"/>
+                </a:rPr>
+                <a:t>            </a:t>
+              </a:r>
+              <a:r>
+                <a:rPr kumimoji="0" lang="zh-TW" altLang="zh-TW" sz="1200" b="0" i="0" u="none" strike="noStrike" cap="none" normalizeH="0" baseline="0">
+                  <a:ln>
+                    <a:noFill/>
+                  </a:ln>
+                  <a:solidFill>
+                    <a:srgbClr val="CF8E6D"/>
+                  </a:solidFill>
+                  <a:effectLst/>
+                  <a:latin typeface="+mj-lt"/>
+                  <a:cs typeface="JetBrains Mono" panose="02000009000000000000" pitchFamily="49" charset="0"/>
+                </a:rPr>
+                <a:t>for </a:t>
+              </a:r>
+              <a:r>
+                <a:rPr kumimoji="0" lang="zh-TW" altLang="zh-TW" sz="1200" b="0" i="0" u="none" strike="noStrike" cap="none" normalizeH="0" baseline="0">
+                  <a:ln>
+                    <a:noFill/>
+                  </a:ln>
+                  <a:solidFill>
+                    <a:srgbClr val="BCBEC4"/>
+                  </a:solidFill>
+                  <a:effectLst/>
+                  <a:latin typeface="+mj-lt"/>
+                  <a:cs typeface="JetBrains Mono" panose="02000009000000000000" pitchFamily="49" charset="0"/>
+                </a:rPr>
+                <a:t>(</a:t>
+              </a:r>
+              <a:r>
+                <a:rPr kumimoji="0" lang="zh-TW" altLang="zh-TW" sz="1200" b="0" i="0" u="none" strike="noStrike" cap="none" normalizeH="0" baseline="0">
+                  <a:ln>
+                    <a:noFill/>
+                  </a:ln>
+                  <a:solidFill>
+                    <a:srgbClr val="CF8E6D"/>
+                  </a:solidFill>
+                  <a:effectLst/>
+                  <a:latin typeface="+mj-lt"/>
+                  <a:cs typeface="JetBrains Mono" panose="02000009000000000000" pitchFamily="49" charset="0"/>
+                </a:rPr>
+                <a:t>int </a:t>
+              </a:r>
+              <a:r>
+                <a:rPr kumimoji="0" lang="zh-TW" altLang="zh-TW" sz="1200" b="0" i="0" u="none" strike="noStrike" cap="none" normalizeH="0" baseline="0">
+                  <a:ln>
+                    <a:noFill/>
+                  </a:ln>
+                  <a:solidFill>
+                    <a:srgbClr val="BCBEC4"/>
+                  </a:solidFill>
+                  <a:effectLst/>
+                  <a:latin typeface="+mj-lt"/>
+                  <a:cs typeface="JetBrains Mono" panose="02000009000000000000" pitchFamily="49" charset="0"/>
+                </a:rPr>
+                <a:t>i = </a:t>
+              </a:r>
+              <a:r>
+                <a:rPr kumimoji="0" lang="zh-TW" altLang="zh-TW" sz="1200" b="0" i="0" u="none" strike="noStrike" cap="none" normalizeH="0" baseline="0">
+                  <a:ln>
+                    <a:noFill/>
+                  </a:ln>
+                  <a:solidFill>
+                    <a:srgbClr val="2AACB8"/>
+                  </a:solidFill>
+                  <a:effectLst/>
+                  <a:latin typeface="+mj-lt"/>
+                  <a:cs typeface="JetBrains Mono" panose="02000009000000000000" pitchFamily="49" charset="0"/>
+                </a:rPr>
+                <a:t>0</a:t>
+              </a:r>
+              <a:r>
+                <a:rPr kumimoji="0" lang="zh-TW" altLang="zh-TW" sz="1200" b="0" i="0" u="none" strike="noStrike" cap="none" normalizeH="0" baseline="0">
+                  <a:ln>
+                    <a:noFill/>
+                  </a:ln>
+                  <a:solidFill>
+                    <a:srgbClr val="BCBEC4"/>
+                  </a:solidFill>
+                  <a:effectLst/>
+                  <a:latin typeface="+mj-lt"/>
+                  <a:cs typeface="JetBrains Mono" panose="02000009000000000000" pitchFamily="49" charset="0"/>
+                </a:rPr>
+                <a:t>; i &lt; power; i++) {</a:t>
+              </a:r>
+              <a:br>
+                <a:rPr kumimoji="0" lang="zh-TW" altLang="zh-TW" sz="1200" b="0" i="0" u="none" strike="noStrike" cap="none" normalizeH="0" baseline="0">
+                  <a:ln>
+                    <a:noFill/>
+                  </a:ln>
+                  <a:solidFill>
+                    <a:srgbClr val="BCBEC4"/>
+                  </a:solidFill>
+                  <a:effectLst/>
+                  <a:latin typeface="+mj-lt"/>
+                  <a:cs typeface="JetBrains Mono" panose="02000009000000000000" pitchFamily="49" charset="0"/>
+                </a:rPr>
+              </a:br>
+              <a:r>
+                <a:rPr kumimoji="0" lang="zh-TW" altLang="zh-TW" sz="1200" b="0" i="0" u="none" strike="noStrike" cap="none" normalizeH="0" baseline="0">
+                  <a:ln>
+                    <a:noFill/>
+                  </a:ln>
+                  <a:solidFill>
+                    <a:srgbClr val="BCBEC4"/>
+                  </a:solidFill>
+                  <a:effectLst/>
+                  <a:latin typeface="+mj-lt"/>
+                  <a:cs typeface="JetBrains Mono" panose="02000009000000000000" pitchFamily="49" charset="0"/>
+                </a:rPr>
+                <a:t>                result *= base;</a:t>
+              </a:r>
+              <a:br>
+                <a:rPr kumimoji="0" lang="zh-TW" altLang="zh-TW" sz="1200" b="0" i="0" u="none" strike="noStrike" cap="none" normalizeH="0" baseline="0">
+                  <a:ln>
+                    <a:noFill/>
+                  </a:ln>
+                  <a:solidFill>
+                    <a:srgbClr val="BCBEC4"/>
+                  </a:solidFill>
+                  <a:effectLst/>
+                  <a:latin typeface="+mj-lt"/>
+                  <a:cs typeface="JetBrains Mono" panose="02000009000000000000" pitchFamily="49" charset="0"/>
+                </a:rPr>
+              </a:br>
+              <a:r>
+                <a:rPr kumimoji="0" lang="zh-TW" altLang="zh-TW" sz="1200" b="0" i="0" u="none" strike="noStrike" cap="none" normalizeH="0" baseline="0">
+                  <a:ln>
+                    <a:noFill/>
+                  </a:ln>
+                  <a:solidFill>
+                    <a:srgbClr val="BCBEC4"/>
+                  </a:solidFill>
+                  <a:effectLst/>
+                  <a:latin typeface="+mj-lt"/>
+                  <a:cs typeface="JetBrains Mono" panose="02000009000000000000" pitchFamily="49" charset="0"/>
+                </a:rPr>
+                <a:t>            }</a:t>
+              </a:r>
+              <a:br>
+                <a:rPr kumimoji="0" lang="zh-TW" altLang="zh-TW" sz="1200" b="0" i="0" u="none" strike="noStrike" cap="none" normalizeH="0" baseline="0">
+                  <a:ln>
+                    <a:noFill/>
+                  </a:ln>
+                  <a:solidFill>
+                    <a:srgbClr val="BCBEC4"/>
+                  </a:solidFill>
+                  <a:effectLst/>
+                  <a:latin typeface="+mj-lt"/>
+                  <a:cs typeface="JetBrains Mono" panose="02000009000000000000" pitchFamily="49" charset="0"/>
+                </a:rPr>
+              </a:br>
+              <a:r>
+                <a:rPr kumimoji="0" lang="zh-TW" altLang="zh-TW" sz="1200" b="0" i="0" u="none" strike="noStrike" cap="none" normalizeH="0" baseline="0">
+                  <a:ln>
+                    <a:noFill/>
+                  </a:ln>
+                  <a:solidFill>
+                    <a:srgbClr val="BCBEC4"/>
+                  </a:solidFill>
+                  <a:effectLst/>
+                  <a:latin typeface="+mj-lt"/>
+                  <a:cs typeface="JetBrains Mono" panose="02000009000000000000" pitchFamily="49" charset="0"/>
+                </a:rPr>
+                <a:t>            </a:t>
+              </a:r>
+              <a:r>
+                <a:rPr kumimoji="0" lang="zh-TW" altLang="zh-TW" sz="1200" b="0" i="0" u="none" strike="noStrike" cap="none" normalizeH="0" baseline="0">
+                  <a:ln>
+                    <a:noFill/>
+                  </a:ln>
+                  <a:solidFill>
+                    <a:srgbClr val="CF8E6D"/>
+                  </a:solidFill>
+                  <a:effectLst/>
+                  <a:latin typeface="+mj-lt"/>
+                  <a:cs typeface="JetBrains Mono" panose="02000009000000000000" pitchFamily="49" charset="0"/>
+                </a:rPr>
+                <a:t>return </a:t>
+              </a:r>
+              <a:r>
+                <a:rPr kumimoji="0" lang="zh-TW" altLang="zh-TW" sz="1200" b="0" i="0" u="none" strike="noStrike" cap="none" normalizeH="0" baseline="0">
+                  <a:ln>
+                    <a:noFill/>
+                  </a:ln>
+                  <a:solidFill>
+                    <a:srgbClr val="BCBEC4"/>
+                  </a:solidFill>
+                  <a:effectLst/>
+                  <a:latin typeface="+mj-lt"/>
+                  <a:cs typeface="JetBrains Mono" panose="02000009000000000000" pitchFamily="49" charset="0"/>
+                </a:rPr>
+                <a:t>result;</a:t>
+              </a:r>
+              <a:br>
+                <a:rPr kumimoji="0" lang="zh-TW" altLang="zh-TW" sz="1200" b="0" i="0" u="none" strike="noStrike" cap="none" normalizeH="0" baseline="0">
+                  <a:ln>
+                    <a:noFill/>
+                  </a:ln>
+                  <a:solidFill>
+                    <a:srgbClr val="BCBEC4"/>
+                  </a:solidFill>
+                  <a:effectLst/>
+                  <a:latin typeface="+mj-lt"/>
+                  <a:cs typeface="JetBrains Mono" panose="02000009000000000000" pitchFamily="49" charset="0"/>
+                </a:rPr>
+              </a:br>
+              <a:r>
+                <a:rPr kumimoji="0" lang="zh-TW" altLang="zh-TW" sz="1200" b="0" i="0" u="none" strike="noStrike" cap="none" normalizeH="0" baseline="0">
+                  <a:ln>
+                    <a:noFill/>
+                  </a:ln>
+                  <a:solidFill>
+                    <a:srgbClr val="BCBEC4"/>
+                  </a:solidFill>
+                  <a:effectLst/>
+                  <a:latin typeface="+mj-lt"/>
+                  <a:cs typeface="JetBrains Mono" panose="02000009000000000000" pitchFamily="49" charset="0"/>
+                </a:rPr>
+                <a:t>        }</a:t>
+              </a:r>
+              <a:br>
+                <a:rPr kumimoji="0" lang="zh-TW" altLang="zh-TW" sz="1200" b="0" i="0" u="none" strike="noStrike" cap="none" normalizeH="0" baseline="0">
+                  <a:ln>
+                    <a:noFill/>
+                  </a:ln>
+                  <a:solidFill>
+                    <a:srgbClr val="BCBEC4"/>
+                  </a:solidFill>
+                  <a:effectLst/>
+                  <a:latin typeface="+mj-lt"/>
+                  <a:cs typeface="JetBrains Mono" panose="02000009000000000000" pitchFamily="49" charset="0"/>
+                </a:rPr>
+              </a:br>
+              <a:r>
+                <a:rPr kumimoji="0" lang="zh-TW" altLang="zh-TW" sz="1200" b="0" i="0" u="none" strike="noStrike" cap="none" normalizeH="0" baseline="0">
+                  <a:ln>
+                    <a:noFill/>
+                  </a:ln>
+                  <a:solidFill>
+                    <a:srgbClr val="BCBEC4"/>
+                  </a:solidFill>
+                  <a:effectLst/>
+                  <a:latin typeface="+mj-lt"/>
+                  <a:cs typeface="JetBrains Mono" panose="02000009000000000000" pitchFamily="49" charset="0"/>
+                </a:rPr>
+                <a:t>        </a:t>
+              </a:r>
+              <a:r>
+                <a:rPr kumimoji="0" lang="zh-TW" altLang="zh-TW" sz="1200" b="0" i="0" u="none" strike="noStrike" cap="none" normalizeH="0" baseline="0">
+                  <a:ln>
+                    <a:noFill/>
+                  </a:ln>
+                  <a:solidFill>
+                    <a:srgbClr val="CF8E6D"/>
+                  </a:solidFill>
+                  <a:effectLst/>
+                  <a:latin typeface="+mj-lt"/>
+                  <a:cs typeface="JetBrains Mono" panose="02000009000000000000" pitchFamily="49" charset="0"/>
+                </a:rPr>
+                <a:t>for </a:t>
+              </a:r>
+              <a:r>
+                <a:rPr kumimoji="0" lang="zh-TW" altLang="zh-TW" sz="1200" b="0" i="0" u="none" strike="noStrike" cap="none" normalizeH="0" baseline="0">
+                  <a:ln>
+                    <a:noFill/>
+                  </a:ln>
+                  <a:solidFill>
+                    <a:srgbClr val="BCBEC4"/>
+                  </a:solidFill>
+                  <a:effectLst/>
+                  <a:latin typeface="+mj-lt"/>
+                  <a:cs typeface="JetBrains Mono" panose="02000009000000000000" pitchFamily="49" charset="0"/>
+                </a:rPr>
+                <a:t>(</a:t>
+              </a:r>
+              <a:r>
+                <a:rPr kumimoji="0" lang="zh-TW" altLang="zh-TW" sz="1200" b="0" i="0" u="none" strike="noStrike" cap="none" normalizeH="0" baseline="0">
+                  <a:ln>
+                    <a:noFill/>
+                  </a:ln>
+                  <a:solidFill>
+                    <a:srgbClr val="CF8E6D"/>
+                  </a:solidFill>
+                  <a:effectLst/>
+                  <a:latin typeface="+mj-lt"/>
+                  <a:cs typeface="JetBrains Mono" panose="02000009000000000000" pitchFamily="49" charset="0"/>
+                </a:rPr>
+                <a:t>int </a:t>
+              </a:r>
+              <a:r>
+                <a:rPr kumimoji="0" lang="zh-TW" altLang="zh-TW" sz="1200" b="0" i="0" u="none" strike="noStrike" cap="none" normalizeH="0" baseline="0">
+                  <a:ln>
+                    <a:noFill/>
+                  </a:ln>
+                  <a:solidFill>
+                    <a:srgbClr val="BCBEC4"/>
+                  </a:solidFill>
+                  <a:effectLst/>
+                  <a:latin typeface="+mj-lt"/>
+                  <a:cs typeface="JetBrains Mono" panose="02000009000000000000" pitchFamily="49" charset="0"/>
+                </a:rPr>
+                <a:t>i = -power; i &gt; </a:t>
+              </a:r>
+              <a:r>
+                <a:rPr kumimoji="0" lang="zh-TW" altLang="zh-TW" sz="1200" b="0" i="0" u="none" strike="noStrike" cap="none" normalizeH="0" baseline="0">
+                  <a:ln>
+                    <a:noFill/>
+                  </a:ln>
+                  <a:solidFill>
+                    <a:srgbClr val="2AACB8"/>
+                  </a:solidFill>
+                  <a:effectLst/>
+                  <a:latin typeface="+mj-lt"/>
+                  <a:cs typeface="JetBrains Mono" panose="02000009000000000000" pitchFamily="49" charset="0"/>
+                </a:rPr>
+                <a:t>0</a:t>
+              </a:r>
+              <a:r>
+                <a:rPr kumimoji="0" lang="zh-TW" altLang="zh-TW" sz="1200" b="0" i="0" u="none" strike="noStrike" cap="none" normalizeH="0" baseline="0">
+                  <a:ln>
+                    <a:noFill/>
+                  </a:ln>
+                  <a:solidFill>
+                    <a:srgbClr val="BCBEC4"/>
+                  </a:solidFill>
+                  <a:effectLst/>
+                  <a:latin typeface="+mj-lt"/>
+                  <a:cs typeface="JetBrains Mono" panose="02000009000000000000" pitchFamily="49" charset="0"/>
+                </a:rPr>
+                <a:t>; i--) {</a:t>
+              </a:r>
+              <a:br>
+                <a:rPr kumimoji="0" lang="zh-TW" altLang="zh-TW" sz="1200" b="0" i="0" u="none" strike="noStrike" cap="none" normalizeH="0" baseline="0">
+                  <a:ln>
+                    <a:noFill/>
+                  </a:ln>
+                  <a:solidFill>
+                    <a:srgbClr val="BCBEC4"/>
+                  </a:solidFill>
+                  <a:effectLst/>
+                  <a:latin typeface="+mj-lt"/>
+                  <a:cs typeface="JetBrains Mono" panose="02000009000000000000" pitchFamily="49" charset="0"/>
+                </a:rPr>
+              </a:br>
+              <a:r>
+                <a:rPr kumimoji="0" lang="zh-TW" altLang="zh-TW" sz="1200" b="0" i="0" u="none" strike="noStrike" cap="none" normalizeH="0" baseline="0">
+                  <a:ln>
+                    <a:noFill/>
+                  </a:ln>
+                  <a:solidFill>
+                    <a:srgbClr val="BCBEC4"/>
+                  </a:solidFill>
+                  <a:effectLst/>
+                  <a:latin typeface="+mj-lt"/>
+                  <a:cs typeface="JetBrains Mono" panose="02000009000000000000" pitchFamily="49" charset="0"/>
+                </a:rPr>
+                <a:t>            result *= base;</a:t>
+              </a:r>
+              <a:br>
+                <a:rPr kumimoji="0" lang="zh-TW" altLang="zh-TW" sz="1200" b="0" i="0" u="none" strike="noStrike" cap="none" normalizeH="0" baseline="0">
+                  <a:ln>
+                    <a:noFill/>
+                  </a:ln>
+                  <a:solidFill>
+                    <a:srgbClr val="BCBEC4"/>
+                  </a:solidFill>
+                  <a:effectLst/>
+                  <a:latin typeface="+mj-lt"/>
+                  <a:cs typeface="JetBrains Mono" panose="02000009000000000000" pitchFamily="49" charset="0"/>
+                </a:rPr>
+              </a:br>
+              <a:r>
+                <a:rPr kumimoji="0" lang="zh-TW" altLang="zh-TW" sz="1200" b="0" i="0" u="none" strike="noStrike" cap="none" normalizeH="0" baseline="0">
+                  <a:ln>
+                    <a:noFill/>
+                  </a:ln>
+                  <a:solidFill>
+                    <a:srgbClr val="BCBEC4"/>
+                  </a:solidFill>
+                  <a:effectLst/>
+                  <a:latin typeface="+mj-lt"/>
+                  <a:cs typeface="JetBrains Mono" panose="02000009000000000000" pitchFamily="49" charset="0"/>
+                </a:rPr>
+                <a:t>        }</a:t>
+              </a:r>
+              <a:br>
+                <a:rPr kumimoji="0" lang="zh-TW" altLang="zh-TW" sz="1200" b="0" i="0" u="none" strike="noStrike" cap="none" normalizeH="0" baseline="0">
+                  <a:ln>
+                    <a:noFill/>
+                  </a:ln>
+                  <a:solidFill>
+                    <a:srgbClr val="BCBEC4"/>
+                  </a:solidFill>
+                  <a:effectLst/>
+                  <a:latin typeface="+mj-lt"/>
+                  <a:cs typeface="JetBrains Mono" panose="02000009000000000000" pitchFamily="49" charset="0"/>
+                </a:rPr>
+              </a:br>
+              <a:r>
+                <a:rPr kumimoji="0" lang="zh-TW" altLang="zh-TW" sz="1200" b="0" i="0" u="none" strike="noStrike" cap="none" normalizeH="0" baseline="0">
+                  <a:ln>
+                    <a:noFill/>
+                  </a:ln>
+                  <a:solidFill>
+                    <a:srgbClr val="BCBEC4"/>
+                  </a:solidFill>
+                  <a:effectLst/>
+                  <a:latin typeface="+mj-lt"/>
+                  <a:cs typeface="JetBrains Mono" panose="02000009000000000000" pitchFamily="49" charset="0"/>
+                </a:rPr>
+                <a:t>        </a:t>
+              </a:r>
+              <a:r>
+                <a:rPr kumimoji="0" lang="zh-TW" altLang="zh-TW" sz="1200" b="0" i="0" u="none" strike="noStrike" cap="none" normalizeH="0" baseline="0">
+                  <a:ln>
+                    <a:noFill/>
+                  </a:ln>
+                  <a:solidFill>
+                    <a:srgbClr val="CF8E6D"/>
+                  </a:solidFill>
+                  <a:effectLst/>
+                  <a:latin typeface="+mj-lt"/>
+                  <a:cs typeface="JetBrains Mono" panose="02000009000000000000" pitchFamily="49" charset="0"/>
+                </a:rPr>
+                <a:t>return </a:t>
+              </a:r>
+              <a:r>
+                <a:rPr kumimoji="0" lang="zh-TW" altLang="zh-TW" sz="1200" b="0" i="0" u="none" strike="noStrike" cap="none" normalizeH="0" baseline="0">
+                  <a:ln>
+                    <a:noFill/>
+                  </a:ln>
+                  <a:solidFill>
+                    <a:srgbClr val="2AACB8"/>
+                  </a:solidFill>
+                  <a:effectLst/>
+                  <a:latin typeface="+mj-lt"/>
+                  <a:cs typeface="JetBrains Mono" panose="02000009000000000000" pitchFamily="49" charset="0"/>
+                </a:rPr>
+                <a:t>1 </a:t>
+              </a:r>
+              <a:r>
+                <a:rPr kumimoji="0" lang="zh-TW" altLang="zh-TW" sz="1200" b="0" i="0" u="none" strike="noStrike" cap="none" normalizeH="0" baseline="0">
+                  <a:ln>
+                    <a:noFill/>
+                  </a:ln>
+                  <a:solidFill>
+                    <a:srgbClr val="BCBEC4"/>
+                  </a:solidFill>
+                  <a:effectLst/>
+                  <a:latin typeface="+mj-lt"/>
+                  <a:cs typeface="JetBrains Mono" panose="02000009000000000000" pitchFamily="49" charset="0"/>
+                </a:rPr>
+                <a:t>/ result;</a:t>
+              </a:r>
+              <a:br>
+                <a:rPr kumimoji="0" lang="zh-TW" altLang="zh-TW" sz="1200" b="0" i="0" u="none" strike="noStrike" cap="none" normalizeH="0" baseline="0">
+                  <a:ln>
+                    <a:noFill/>
+                  </a:ln>
+                  <a:solidFill>
+                    <a:srgbClr val="BCBEC4"/>
+                  </a:solidFill>
+                  <a:effectLst/>
+                  <a:latin typeface="+mj-lt"/>
+                  <a:cs typeface="JetBrains Mono" panose="02000009000000000000" pitchFamily="49" charset="0"/>
+                </a:rPr>
+              </a:br>
+              <a:r>
+                <a:rPr kumimoji="0" lang="zh-TW" altLang="zh-TW" sz="1200" b="0" i="0" u="none" strike="noStrike" cap="none" normalizeH="0" baseline="0">
+                  <a:ln>
+                    <a:noFill/>
+                  </a:ln>
+                  <a:solidFill>
+                    <a:srgbClr val="BCBEC4"/>
+                  </a:solidFill>
+                  <a:effectLst/>
+                  <a:latin typeface="+mj-lt"/>
+                  <a:cs typeface="JetBrains Mono" panose="02000009000000000000" pitchFamily="49" charset="0"/>
+                </a:rPr>
+                <a:t>    }</a:t>
+              </a:r>
+              <a:br>
+                <a:rPr kumimoji="0" lang="zh-TW" altLang="zh-TW" sz="1200" b="0" i="0" u="none" strike="noStrike" cap="none" normalizeH="0" baseline="0">
+                  <a:ln>
+                    <a:noFill/>
+                  </a:ln>
+                  <a:solidFill>
+                    <a:srgbClr val="BCBEC4"/>
+                  </a:solidFill>
+                  <a:effectLst/>
+                  <a:latin typeface="+mj-lt"/>
+                  <a:cs typeface="JetBrains Mono" panose="02000009000000000000" pitchFamily="49" charset="0"/>
+                </a:rPr>
+              </a:br>
+              <a:r>
+                <a:rPr kumimoji="0" lang="zh-TW" altLang="zh-TW" sz="1200" b="0" i="0" u="none" strike="noStrike" cap="none" normalizeH="0" baseline="0">
+                  <a:ln>
+                    <a:noFill/>
+                  </a:ln>
+                  <a:solidFill>
+                    <a:srgbClr val="BCBEC4"/>
+                  </a:solidFill>
+                  <a:effectLst/>
+                  <a:latin typeface="+mj-lt"/>
+                  <a:cs typeface="JetBrains Mono" panose="02000009000000000000" pitchFamily="49" charset="0"/>
+                </a:rPr>
+                <a:t>}</a:t>
+              </a:r>
+              <a:endParaRPr kumimoji="0" lang="zh-TW" altLang="zh-TW" sz="2000" b="0" i="0" u="none" strike="noStrike" cap="none" normalizeH="0" baseline="0">
+                <a:ln>
+                  <a:noFill/>
+                </a:ln>
+                <a:solidFill>
+                  <a:schemeClr val="tx1"/>
+                </a:solidFill>
+                <a:effectLst/>
+                <a:latin typeface="+mj-lt"/>
+              </a:endParaRPr>
+            </a:p>
+          </p:txBody>
+        </p:sp>
+        <p:sp>
+          <p:nvSpPr>
+            <p:cNvPr id="14" name="文字方塊 13">
+              <a:extLst>
+                <a:ext uri="{FF2B5EF4-FFF2-40B4-BE49-F238E27FC236}">
+                  <a16:creationId xmlns:a16="http://schemas.microsoft.com/office/drawing/2014/main" id="{C9594A1D-A1DB-4F62-B733-BC26055C8A5B}"/>
+                </a:ext>
+              </a:extLst>
+            </p:cNvPr>
+            <p:cNvSpPr txBox="1"/>
+            <p:nvPr/>
+          </p:nvSpPr>
+          <p:spPr>
+            <a:xfrm>
+              <a:off x="11157666" y="6190497"/>
+              <a:ext cx="628949" cy="338554"/>
+            </a:xfrm>
+            <a:prstGeom prst="rect">
+              <a:avLst/>
+            </a:prstGeom>
+            <a:noFill/>
+          </p:spPr>
+          <p:txBody>
+            <a:bodyPr wrap="none" rtlCol="0">
+              <a:spAutoFit/>
+            </a:bodyPr>
+            <a:lstStyle/>
+            <a:p>
+              <a:r>
+                <a:rPr lang="en-US" altLang="zh-TW" sz="1600">
+                  <a:solidFill>
+                    <a:schemeClr val="accent3"/>
+                  </a:solidFill>
+                </a:rPr>
+                <a:t>java</a:t>
+              </a:r>
+              <a:endParaRPr lang="zh-TW" altLang="en-US" sz="1600">
+                <a:solidFill>
+                  <a:schemeClr val="accent3"/>
+                </a:solidFill>
+              </a:endParaRPr>
+            </a:p>
+          </p:txBody>
+        </p:sp>
+        <p:pic>
+          <p:nvPicPr>
+            <p:cNvPr id="16" name="圖片 15">
+              <a:hlinkClick r:id="rId4"/>
+              <a:extLst>
+                <a:ext uri="{FF2B5EF4-FFF2-40B4-BE49-F238E27FC236}">
+                  <a16:creationId xmlns:a16="http://schemas.microsoft.com/office/drawing/2014/main" id="{937CA96F-4CE8-4966-9E4C-CA0BA75DFE69}"/>
+                </a:ext>
+              </a:extLst>
+            </p:cNvPr>
+            <p:cNvPicPr>
+              <a:picLocks noChangeAspect="1"/>
+            </p:cNvPicPr>
+            <p:nvPr/>
+          </p:nvPicPr>
+          <p:blipFill>
+            <a:blip r:embed="rId3">
+              <a:extLst>
+                <a:ext uri="{28A0092B-C50C-407E-A947-70E740481C1C}">
+                  <a14:useLocalDpi xmlns:a14="http://schemas.microsoft.com/office/drawing/2010/main" val="0"/>
+                </a:ext>
+              </a:extLst>
+            </a:blip>
+            <a:stretch>
+              <a:fillRect/>
+            </a:stretch>
+          </p:blipFill>
+          <p:spPr>
+            <a:xfrm>
+              <a:off x="11403367" y="2004736"/>
+              <a:ext cx="383248" cy="374916"/>
+            </a:xfrm>
+            <a:prstGeom prst="rect">
+              <a:avLst/>
+            </a:prstGeom>
+          </p:spPr>
+        </p:pic>
+      </p:grpSp>
+      <p:grpSp>
+        <p:nvGrpSpPr>
+          <p:cNvPr id="24" name="群組 23">
+            <a:extLst>
+              <a:ext uri="{FF2B5EF4-FFF2-40B4-BE49-F238E27FC236}">
+                <a16:creationId xmlns:a16="http://schemas.microsoft.com/office/drawing/2014/main" id="{EF61CB90-8F65-4F57-B5FD-1E5A52956504}"/>
+              </a:ext>
+            </a:extLst>
+          </p:cNvPr>
+          <p:cNvGrpSpPr/>
+          <p:nvPr/>
+        </p:nvGrpSpPr>
+        <p:grpSpPr>
+          <a:xfrm>
+            <a:off x="4621492" y="2492791"/>
+            <a:ext cx="2592324" cy="1077218"/>
+            <a:chOff x="8761475" y="5244726"/>
+            <a:chExt cx="2592324" cy="1077218"/>
+          </a:xfrm>
+        </p:grpSpPr>
+        <p:sp>
+          <p:nvSpPr>
+            <p:cNvPr id="22" name="Rectangle 4">
+              <a:extLst>
+                <a:ext uri="{FF2B5EF4-FFF2-40B4-BE49-F238E27FC236}">
+                  <a16:creationId xmlns:a16="http://schemas.microsoft.com/office/drawing/2014/main" id="{E1BFF7D0-DCD0-4CE4-B126-6953E947288E}"/>
+                </a:ext>
+              </a:extLst>
+            </p:cNvPr>
+            <p:cNvSpPr>
+              <a:spLocks noChangeArrowheads="1"/>
+            </p:cNvSpPr>
+            <p:nvPr/>
+          </p:nvSpPr>
+          <p:spPr bwMode="auto">
+            <a:xfrm>
+              <a:off x="8761475" y="5244726"/>
+              <a:ext cx="2592324" cy="1077218"/>
+            </a:xfrm>
+            <a:prstGeom prst="rect">
+              <a:avLst/>
+            </a:prstGeom>
+            <a:solidFill>
+              <a:srgbClr val="1E1F22"/>
+            </a:solidFill>
+            <a:ln w="9525">
+              <a:solidFill>
+                <a:schemeClr val="tx1"/>
+              </a:solidFill>
+              <a:miter lim="800000"/>
+              <a:headEnd/>
+              <a:tailEnd/>
+            </a:ln>
+            <a:effectLst/>
+            <a:extLst>
+              <a:ext uri="{AF507438-7753-43E0-B8FC-AC1667EBCBE1}">
+                <a14:hiddenEffects xmlns:a14="http://schemas.microsoft.com/office/drawing/2010/main">
+                  <a:effectLst>
+                    <a:outerShdw dist="35921" dir="2700000" algn="ctr" rotWithShape="0">
+                      <a:schemeClr val="bg2"/>
+                    </a:outerShdw>
+                  </a:effectLst>
+                </a14:hiddenEffects>
+              </a:ext>
+            </a:extLst>
+          </p:spPr>
+          <p:txBody>
+            <a:bodyPr vert="horz" wrap="square" lIns="91440" tIns="45720" rIns="91440" bIns="45720" numCol="1" anchor="ctr" anchorCtr="0" compatLnSpc="1">
+              <a:prstTxWarp prst="textNoShape">
+                <a:avLst/>
+              </a:prstTxWarp>
+              <a:spAutoFit/>
+            </a:bodyPr>
+            <a:lstStyle/>
+            <a:p>
+              <a:pPr marL="0" marR="0" lvl="0" indent="0" algn="l" defTabSz="914400" rtl="0" eaLnBrk="0" fontAlgn="base" latinLnBrk="0" hangingPunct="0">
+                <a:lnSpc>
+                  <a:spcPct val="100000"/>
+                </a:lnSpc>
+                <a:spcBef>
+                  <a:spcPct val="0"/>
+                </a:spcBef>
+                <a:spcAft>
+                  <a:spcPct val="0"/>
+                </a:spcAft>
+                <a:buClrTx/>
+                <a:buSzTx/>
+                <a:buFontTx/>
+                <a:buNone/>
+                <a:tabLst/>
+              </a:pPr>
+              <a:r>
+                <a:rPr kumimoji="0" lang="en-US" altLang="zh-TW" sz="1600" b="0" i="0" u="none" strike="noStrike" cap="none" normalizeH="0" baseline="0">
+                  <a:ln>
+                    <a:noFill/>
+                  </a:ln>
+                  <a:solidFill>
+                    <a:srgbClr val="92D050"/>
+                  </a:solidFill>
+                  <a:effectLst/>
+                  <a:latin typeface="+mj-lt"/>
+                  <a:cs typeface="JetBrains Mono" panose="02000009000000000000" pitchFamily="49" charset="0"/>
+                </a:rPr>
+                <a:t>2 4</a:t>
+              </a:r>
+            </a:p>
+            <a:p>
+              <a:pPr marL="0" marR="0" lvl="0" indent="0" algn="l" defTabSz="914400" rtl="0" eaLnBrk="0" fontAlgn="base" latinLnBrk="0" hangingPunct="0">
+                <a:lnSpc>
+                  <a:spcPct val="100000"/>
+                </a:lnSpc>
+                <a:spcBef>
+                  <a:spcPct val="0"/>
+                </a:spcBef>
+                <a:spcAft>
+                  <a:spcPct val="0"/>
+                </a:spcAft>
+                <a:buClrTx/>
+                <a:buSzTx/>
+                <a:buFontTx/>
+                <a:buNone/>
+                <a:tabLst/>
+              </a:pPr>
+              <a:r>
+                <a:rPr kumimoji="0" lang="en-US" altLang="zh-TW" sz="1600" b="0" i="0" u="none" strike="noStrike" cap="none" normalizeH="0" baseline="0">
+                  <a:ln>
+                    <a:noFill/>
+                  </a:ln>
+                  <a:solidFill>
+                    <a:srgbClr val="BCBEC4"/>
+                  </a:solidFill>
+                  <a:effectLst/>
+                  <a:latin typeface="+mj-lt"/>
+                  <a:cs typeface="JetBrains Mono" panose="02000009000000000000" pitchFamily="49" charset="0"/>
+                </a:rPr>
+                <a:t>2 is prime</a:t>
+              </a:r>
+            </a:p>
+            <a:p>
+              <a:pPr marL="0" marR="0" lvl="0" indent="0" algn="l" defTabSz="914400" rtl="0" eaLnBrk="0" fontAlgn="base" latinLnBrk="0" hangingPunct="0">
+                <a:lnSpc>
+                  <a:spcPct val="100000"/>
+                </a:lnSpc>
+                <a:spcBef>
+                  <a:spcPct val="0"/>
+                </a:spcBef>
+                <a:spcAft>
+                  <a:spcPct val="0"/>
+                </a:spcAft>
+                <a:buClrTx/>
+                <a:buSzTx/>
+                <a:buFontTx/>
+                <a:buNone/>
+                <a:tabLst/>
+              </a:pPr>
+              <a:r>
+                <a:rPr kumimoji="0" lang="en-US" altLang="zh-TW" sz="1600" b="0" i="0" u="none" strike="noStrike" cap="none" normalizeH="0" baseline="0">
+                  <a:ln>
+                    <a:noFill/>
+                  </a:ln>
+                  <a:solidFill>
+                    <a:srgbClr val="BCBEC4"/>
+                  </a:solidFill>
+                  <a:effectLst/>
+                  <a:latin typeface="+mj-lt"/>
+                  <a:cs typeface="JetBrains Mono" panose="02000009000000000000" pitchFamily="49" charset="0"/>
+                </a:rPr>
+                <a:t>4 is not prime</a:t>
+              </a:r>
+            </a:p>
+            <a:p>
+              <a:pPr marL="0" marR="0" lvl="0" indent="0" algn="l" defTabSz="914400" rtl="0" eaLnBrk="0" fontAlgn="base" latinLnBrk="0" hangingPunct="0">
+                <a:lnSpc>
+                  <a:spcPct val="100000"/>
+                </a:lnSpc>
+                <a:spcBef>
+                  <a:spcPct val="0"/>
+                </a:spcBef>
+                <a:spcAft>
+                  <a:spcPct val="0"/>
+                </a:spcAft>
+                <a:buClrTx/>
+                <a:buSzTx/>
+                <a:buFontTx/>
+                <a:buNone/>
+                <a:tabLst/>
+              </a:pPr>
+              <a:r>
+                <a:rPr kumimoji="0" lang="en-US" altLang="zh-TW" sz="1600" b="0" i="0" u="none" strike="noStrike" cap="none" normalizeH="0" baseline="0">
+                  <a:ln>
+                    <a:noFill/>
+                  </a:ln>
+                  <a:solidFill>
+                    <a:srgbClr val="BCBEC4"/>
+                  </a:solidFill>
+                  <a:effectLst/>
+                  <a:latin typeface="+mj-lt"/>
+                  <a:cs typeface="JetBrains Mono" panose="02000009000000000000" pitchFamily="49" charset="0"/>
+                </a:rPr>
+                <a:t>2 ^ 4 = 16</a:t>
+              </a:r>
+              <a:endParaRPr kumimoji="0" lang="zh-TW" altLang="zh-TW" sz="2800" b="0" i="0" u="none" strike="noStrike" cap="none" normalizeH="0" baseline="0">
+                <a:ln>
+                  <a:noFill/>
+                </a:ln>
+                <a:solidFill>
+                  <a:schemeClr val="tx1"/>
+                </a:solidFill>
+                <a:effectLst/>
+                <a:latin typeface="+mj-lt"/>
+              </a:endParaRPr>
+            </a:p>
+          </p:txBody>
+        </p:sp>
+        <p:sp>
+          <p:nvSpPr>
+            <p:cNvPr id="23" name="文字方塊 22">
+              <a:extLst>
+                <a:ext uri="{FF2B5EF4-FFF2-40B4-BE49-F238E27FC236}">
+                  <a16:creationId xmlns:a16="http://schemas.microsoft.com/office/drawing/2014/main" id="{8CCF592F-936C-4505-B893-211E41A1687E}"/>
+                </a:ext>
+              </a:extLst>
+            </p:cNvPr>
+            <p:cNvSpPr txBox="1"/>
+            <p:nvPr/>
+          </p:nvSpPr>
+          <p:spPr>
+            <a:xfrm>
+              <a:off x="10473430" y="6014167"/>
+              <a:ext cx="880369" cy="307777"/>
+            </a:xfrm>
+            <a:prstGeom prst="rect">
+              <a:avLst/>
+            </a:prstGeom>
+            <a:noFill/>
+          </p:spPr>
+          <p:txBody>
+            <a:bodyPr wrap="none" rtlCol="0">
+              <a:spAutoFit/>
+            </a:bodyPr>
+            <a:lstStyle/>
+            <a:p>
+              <a:r>
+                <a:rPr lang="en-US" altLang="zh-TW" sz="1400">
+                  <a:solidFill>
+                    <a:schemeClr val="accent3"/>
+                  </a:solidFill>
+                </a:rPr>
+                <a:t>console</a:t>
+              </a:r>
+              <a:endParaRPr lang="zh-TW" altLang="en-US" sz="1400">
+                <a:solidFill>
+                  <a:schemeClr val="accent3"/>
+                </a:solidFill>
+              </a:endParaRPr>
+            </a:p>
+          </p:txBody>
+        </p:sp>
+      </p:grpSp>
+    </p:spTree>
+    <p:extLst>
+      <p:ext uri="{BB962C8B-B14F-4D97-AF65-F5344CB8AC3E}">
+        <p14:creationId xmlns:p14="http://schemas.microsoft.com/office/powerpoint/2010/main" val="2626727138"/>
+      </p:ext>
+    </p:extLst>
+  </p:cSld>
+  <p:clrMapOvr>
+    <a:masterClrMapping/>
+  </p:clrMapOvr>
+  <p:transition spd="slow">
+    <p:push dir="u"/>
+  </p:transition>
+</p:sld>
+</file>
+
+<file path=ppt/slides/slide5.xml><?xml version="1.0" encoding="utf-8"?>
+<p:sld xmlns:a="http://schemas.openxmlformats.org/drawingml/2006/main" xmlns:r="http://schemas.openxmlformats.org/officeDocument/2006/relationships" xmlns:p="http://schemas.openxmlformats.org/presentationml/2006/main">
+  <p:cSld>
+    <p:spTree>
+      <p:nvGrpSpPr>
+        <p:cNvPr id="1" name=""/>
+        <p:cNvGrpSpPr/>
+        <p:nvPr/>
+      </p:nvGrpSpPr>
+      <p:grpSpPr>
+        <a:xfrm>
+          <a:off x="0" y="0"/>
+          <a:ext cx="0" cy="0"/>
+          <a:chOff x="0" y="0"/>
+          <a:chExt cx="0" cy="0"/>
+        </a:xfrm>
+      </p:grpSpPr>
+      <p:sp>
+        <p:nvSpPr>
+          <p:cNvPr id="2" name="標題 1">
+            <a:extLst>
+              <a:ext uri="{FF2B5EF4-FFF2-40B4-BE49-F238E27FC236}">
+                <a16:creationId xmlns:a16="http://schemas.microsoft.com/office/drawing/2014/main" id="{D2BF3F47-E5D5-46D2-87DA-C069F6CABDD8}"/>
+              </a:ext>
+            </a:extLst>
+          </p:cNvPr>
+          <p:cNvSpPr>
+            <a:spLocks noGrp="1"/>
+          </p:cNvSpPr>
+          <p:nvPr>
+            <p:ph type="title"/>
+          </p:nvPr>
+        </p:nvSpPr>
+        <p:spPr/>
+        <p:txBody>
+          <a:bodyPr/>
+          <a:lstStyle/>
+          <a:p>
+            <a:r>
+              <a:rPr lang="zh-TW" altLang="en-US"/>
+              <a:t>載入</a:t>
+            </a:r>
+          </a:p>
+        </p:txBody>
+      </p:sp>
+      <p:sp>
+        <p:nvSpPr>
+          <p:cNvPr id="3" name="內容版面配置區 2">
+            <a:extLst>
+              <a:ext uri="{FF2B5EF4-FFF2-40B4-BE49-F238E27FC236}">
+                <a16:creationId xmlns:a16="http://schemas.microsoft.com/office/drawing/2014/main" id="{CB657882-59A1-4BAD-90E5-0CBE76652BA9}"/>
+              </a:ext>
+            </a:extLst>
+          </p:cNvPr>
+          <p:cNvSpPr>
+            <a:spLocks noGrp="1"/>
+          </p:cNvSpPr>
+          <p:nvPr>
+            <p:ph idx="1"/>
+          </p:nvPr>
+        </p:nvSpPr>
+        <p:spPr>
+          <a:xfrm>
+            <a:off x="838200" y="1518269"/>
+            <a:ext cx="10515600" cy="483813"/>
+          </a:xfrm>
+        </p:spPr>
+        <p:txBody>
+          <a:bodyPr>
+            <a:normAutofit/>
+          </a:bodyPr>
+          <a:lstStyle/>
+          <a:p>
+            <a:r>
+              <a:rPr lang="zh-TW" altLang="en-US"/>
+              <a:t>若要使用其他</a:t>
+            </a:r>
+            <a:r>
+              <a:rPr lang="zh-TW" altLang="en-US">
+                <a:solidFill>
+                  <a:srgbClr val="00B0F0"/>
+                </a:solidFill>
+              </a:rPr>
+              <a:t>套件</a:t>
+            </a:r>
+            <a:r>
+              <a:rPr lang="zh-TW" altLang="en-US"/>
+              <a:t>的</a:t>
+            </a:r>
+            <a:r>
+              <a:rPr lang="zh-TW" altLang="en-US">
+                <a:solidFill>
+                  <a:srgbClr val="00B0F0"/>
+                </a:solidFill>
+              </a:rPr>
+              <a:t>類別</a:t>
+            </a:r>
+            <a:r>
+              <a:rPr lang="zh-TW" altLang="en-US"/>
+              <a:t>或</a:t>
+            </a:r>
+            <a:r>
+              <a:rPr lang="zh-TW" altLang="en-US">
+                <a:solidFill>
+                  <a:srgbClr val="00B0F0"/>
+                </a:solidFill>
+              </a:rPr>
+              <a:t>介面</a:t>
+            </a:r>
+            <a:r>
+              <a:rPr lang="zh-TW" altLang="en-US"/>
+              <a:t>，須使用以下格式：</a:t>
+            </a:r>
+            <a:endParaRPr lang="en-US" altLang="zh-TW"/>
+          </a:p>
+        </p:txBody>
+      </p:sp>
+      <p:grpSp>
+        <p:nvGrpSpPr>
+          <p:cNvPr id="12" name="群組 11">
+            <a:extLst>
+              <a:ext uri="{FF2B5EF4-FFF2-40B4-BE49-F238E27FC236}">
+                <a16:creationId xmlns:a16="http://schemas.microsoft.com/office/drawing/2014/main" id="{FFBA29E3-2C6A-41E2-A284-B3CAED0D2B05}"/>
+              </a:ext>
+            </a:extLst>
+          </p:cNvPr>
+          <p:cNvGrpSpPr/>
+          <p:nvPr/>
+        </p:nvGrpSpPr>
+        <p:grpSpPr>
+          <a:xfrm>
+            <a:off x="838200" y="2989071"/>
+            <a:ext cx="10515600" cy="488825"/>
+            <a:chOff x="838201" y="2331089"/>
+            <a:chExt cx="10591799" cy="488825"/>
+          </a:xfrm>
+        </p:grpSpPr>
+        <p:sp>
+          <p:nvSpPr>
+            <p:cNvPr id="13" name="Rectangle 1">
+              <a:extLst>
+                <a:ext uri="{FF2B5EF4-FFF2-40B4-BE49-F238E27FC236}">
+                  <a16:creationId xmlns:a16="http://schemas.microsoft.com/office/drawing/2014/main" id="{F7E7A0A0-28C6-4597-B544-7E302C015870}"/>
+                </a:ext>
+              </a:extLst>
+            </p:cNvPr>
+            <p:cNvSpPr>
+              <a:spLocks noChangeArrowheads="1"/>
+            </p:cNvSpPr>
+            <p:nvPr/>
+          </p:nvSpPr>
+          <p:spPr bwMode="auto">
+            <a:xfrm>
+              <a:off x="838201" y="2331089"/>
+              <a:ext cx="10591799" cy="461665"/>
+            </a:xfrm>
+            <a:prstGeom prst="rect">
+              <a:avLst/>
+            </a:prstGeom>
+            <a:solidFill>
+              <a:srgbClr val="1E1F22"/>
+            </a:solidFill>
+            <a:ln>
+              <a:noFill/>
+            </a:ln>
+            <a:effectLst/>
+            <a:extLst>
+              <a:ext uri="{91240B29-F687-4F45-9708-019B960494DF}">
+                <a14:hiddenLine xmlns:a14="http://schemas.microsoft.com/office/drawing/2010/main" w="9525">
+                  <a:solidFill>
+                    <a:schemeClr val="tx1"/>
+                  </a:solidFill>
+                  <a:miter lim="800000"/>
+                  <a:headEnd/>
+                  <a:tailEnd/>
+                </a14:hiddenLine>
+              </a:ext>
+              <a:ext uri="{AF507438-7753-43E0-B8FC-AC1667EBCBE1}">
+                <a14:hiddenEffects xmlns:a14="http://schemas.microsoft.com/office/drawing/2010/main">
+                  <a:effectLst>
+                    <a:outerShdw dist="35921" dir="2700000" algn="ctr" rotWithShape="0">
+                      <a:schemeClr val="bg2"/>
+                    </a:outerShdw>
+                  </a:effectLst>
+                </a14:hiddenEffects>
+              </a:ext>
+            </a:extLst>
+          </p:spPr>
+          <p:txBody>
+            <a:bodyPr vert="horz" wrap="square" lIns="91440" tIns="45720" rIns="91440" bIns="45720" numCol="1" anchor="ctr" anchorCtr="0" compatLnSpc="1">
+              <a:prstTxWarp prst="textNoShape">
+                <a:avLst/>
+              </a:prstTxWarp>
+              <a:spAutoFit/>
+            </a:bodyPr>
+            <a:lstStyle/>
+            <a:p>
+              <a:pPr marL="0" marR="0" lvl="0" indent="0" algn="l" defTabSz="914400" rtl="0" eaLnBrk="0" fontAlgn="base" latinLnBrk="0" hangingPunct="0">
+                <a:lnSpc>
+                  <a:spcPct val="100000"/>
+                </a:lnSpc>
+                <a:spcBef>
+                  <a:spcPct val="0"/>
+                </a:spcBef>
+                <a:spcAft>
+                  <a:spcPct val="0"/>
+                </a:spcAft>
+                <a:buClrTx/>
+                <a:buSzTx/>
+                <a:buFontTx/>
+                <a:buNone/>
+                <a:tabLst/>
+              </a:pPr>
+              <a:r>
+                <a:rPr lang="en-US" altLang="zh-TW" sz="2400">
+                  <a:solidFill>
+                    <a:srgbClr val="CF8E6D"/>
+                  </a:solidFill>
+                  <a:latin typeface="+mj-lt"/>
+                  <a:cs typeface="JetBrains Mono" panose="02000009000000000000" pitchFamily="49" charset="0"/>
+                </a:rPr>
+                <a:t>import</a:t>
+              </a:r>
+              <a:r>
+                <a:rPr lang="zh-TW" altLang="en-US" sz="2400">
+                  <a:solidFill>
+                    <a:srgbClr val="CF8E6D"/>
+                  </a:solidFill>
+                  <a:latin typeface="+mj-lt"/>
+                  <a:cs typeface="JetBrains Mono" panose="02000009000000000000" pitchFamily="49" charset="0"/>
+                </a:rPr>
+                <a:t> </a:t>
+              </a:r>
+              <a:r>
+                <a:rPr lang="zh-TW" altLang="en-US" sz="2400">
+                  <a:solidFill>
+                    <a:srgbClr val="00B0F0"/>
+                  </a:solidFill>
+                  <a:latin typeface="+mj-lt"/>
+                  <a:ea typeface="微軟正黑體" panose="020B0604030504040204" pitchFamily="34" charset="-120"/>
+                  <a:cs typeface="JetBrains Mono" panose="02000009000000000000" pitchFamily="49" charset="0"/>
+                </a:rPr>
+                <a:t>套件</a:t>
+              </a:r>
+              <a:r>
+                <a:rPr lang="en-US" altLang="zh-TW" sz="2400">
+                  <a:solidFill>
+                    <a:srgbClr val="BCBEC4"/>
+                  </a:solidFill>
+                  <a:latin typeface="+mj-lt"/>
+                  <a:cs typeface="JetBrains Mono" panose="02000009000000000000" pitchFamily="49" charset="0"/>
+                </a:rPr>
+                <a:t>.</a:t>
+              </a:r>
+              <a:r>
+                <a:rPr lang="zh-TW" altLang="en-US" sz="2400">
+                  <a:solidFill>
+                    <a:srgbClr val="00B0F0"/>
+                  </a:solidFill>
+                  <a:latin typeface="+mj-lt"/>
+                  <a:ea typeface="微軟正黑體" panose="020B0604030504040204" pitchFamily="34" charset="-120"/>
+                  <a:cs typeface="JetBrains Mono" panose="02000009000000000000" pitchFamily="49" charset="0"/>
+                </a:rPr>
+                <a:t>套件中的類別或介面</a:t>
+              </a:r>
+              <a:r>
+                <a:rPr lang="en-US" altLang="zh-TW" sz="2400">
+                  <a:solidFill>
+                    <a:srgbClr val="BCBEC4"/>
+                  </a:solidFill>
+                  <a:latin typeface="+mj-lt"/>
+                  <a:cs typeface="JetBrains Mono" panose="02000009000000000000" pitchFamily="49" charset="0"/>
+                </a:rPr>
+                <a:t>;</a:t>
+              </a:r>
+              <a:endParaRPr kumimoji="0" lang="zh-TW" altLang="zh-TW" sz="4000" b="0" i="0" u="none" strike="noStrike" cap="none" normalizeH="0" baseline="0">
+                <a:ln>
+                  <a:noFill/>
+                </a:ln>
+                <a:solidFill>
+                  <a:schemeClr val="tx1"/>
+                </a:solidFill>
+                <a:effectLst/>
+                <a:latin typeface="+mj-lt"/>
+              </a:endParaRPr>
+            </a:p>
+          </p:txBody>
+        </p:sp>
+        <p:sp>
+          <p:nvSpPr>
+            <p:cNvPr id="14" name="文字方塊 13">
+              <a:extLst>
+                <a:ext uri="{FF2B5EF4-FFF2-40B4-BE49-F238E27FC236}">
+                  <a16:creationId xmlns:a16="http://schemas.microsoft.com/office/drawing/2014/main" id="{175CA7DA-CDC3-4531-BA3A-FD9B28E269F9}"/>
+                </a:ext>
+              </a:extLst>
+            </p:cNvPr>
+            <p:cNvSpPr txBox="1"/>
+            <p:nvPr/>
+          </p:nvSpPr>
+          <p:spPr>
+            <a:xfrm>
+              <a:off x="10796493" y="2481360"/>
+              <a:ext cx="633507" cy="338554"/>
+            </a:xfrm>
+            <a:prstGeom prst="rect">
+              <a:avLst/>
+            </a:prstGeom>
+            <a:noFill/>
+          </p:spPr>
+          <p:txBody>
+            <a:bodyPr wrap="none" rtlCol="0">
+              <a:spAutoFit/>
+            </a:bodyPr>
+            <a:lstStyle/>
+            <a:p>
+              <a:r>
+                <a:rPr lang="en-US" altLang="zh-TW" sz="1600">
+                  <a:solidFill>
+                    <a:schemeClr val="accent3"/>
+                  </a:solidFill>
+                </a:rPr>
+                <a:t>java</a:t>
+              </a:r>
+              <a:endParaRPr lang="zh-TW" altLang="en-US" sz="1600">
+                <a:solidFill>
+                  <a:schemeClr val="accent3"/>
+                </a:solidFill>
+              </a:endParaRPr>
+            </a:p>
+          </p:txBody>
+        </p:sp>
+      </p:grpSp>
+      <p:sp>
+        <p:nvSpPr>
+          <p:cNvPr id="15" name="內容版面配置區 2">
+            <a:extLst>
+              <a:ext uri="{FF2B5EF4-FFF2-40B4-BE49-F238E27FC236}">
+                <a16:creationId xmlns:a16="http://schemas.microsoft.com/office/drawing/2014/main" id="{A93FD157-ADA7-45B8-9327-14EACD69A98F}"/>
+              </a:ext>
+            </a:extLst>
+          </p:cNvPr>
+          <p:cNvSpPr txBox="1">
+            <a:spLocks/>
+          </p:cNvSpPr>
+          <p:nvPr/>
+        </p:nvSpPr>
+        <p:spPr>
+          <a:xfrm>
+            <a:off x="838200" y="3450736"/>
+            <a:ext cx="10515600" cy="495110"/>
+          </a:xfrm>
+          <a:prstGeom prst="rect">
+            <a:avLst/>
+          </a:prstGeom>
+        </p:spPr>
+        <p:txBody>
+          <a:bodyPr vert="horz" lIns="91440" tIns="45720" rIns="91440" bIns="45720" rtlCol="0">
+            <a:normAutofit/>
+          </a:bodyPr>
+          <a:lstStyle>
+            <a:lvl1pPr marL="0" indent="0" algn="l" defTabSz="914400" rtl="0" eaLnBrk="1" latinLnBrk="0" hangingPunct="1">
+              <a:lnSpc>
+                <a:spcPct val="90000"/>
+              </a:lnSpc>
+              <a:spcBef>
+                <a:spcPts val="1000"/>
+              </a:spcBef>
+              <a:buFont typeface="Arial" panose="020B0604020202020204" pitchFamily="34" charset="0"/>
+              <a:buNone/>
+              <a:defRPr sz="2800" kern="1200">
+                <a:solidFill>
+                  <a:schemeClr val="tx1"/>
+                </a:solidFill>
+                <a:latin typeface="+mn-lt"/>
+                <a:ea typeface="+mn-ea"/>
+                <a:cs typeface="+mn-cs"/>
+              </a:defRPr>
+            </a:lvl1pPr>
+            <a:lvl2pPr marL="457200" indent="0" algn="l" defTabSz="914400" rtl="0" eaLnBrk="1" latinLnBrk="0" hangingPunct="1">
+              <a:lnSpc>
+                <a:spcPct val="90000"/>
+              </a:lnSpc>
+              <a:spcBef>
+                <a:spcPts val="500"/>
+              </a:spcBef>
+              <a:buFont typeface="Arial" panose="020B0604020202020204" pitchFamily="34" charset="0"/>
+              <a:buNone/>
+              <a:defRPr sz="2400" kern="1200">
+                <a:solidFill>
+                  <a:schemeClr val="tx1"/>
+                </a:solidFill>
+                <a:latin typeface="+mn-lt"/>
+                <a:ea typeface="+mn-ea"/>
+                <a:cs typeface="+mn-cs"/>
+              </a:defRPr>
+            </a:lvl2pPr>
+            <a:lvl3pPr marL="914400" indent="0" algn="l" defTabSz="914400" rtl="0" eaLnBrk="1" latinLnBrk="0" hangingPunct="1">
+              <a:lnSpc>
+                <a:spcPct val="90000"/>
+              </a:lnSpc>
+              <a:spcBef>
+                <a:spcPts val="500"/>
+              </a:spcBef>
+              <a:buFont typeface="Arial" panose="020B0604020202020204" pitchFamily="34" charset="0"/>
+              <a:buNone/>
+              <a:defRPr sz="2000" kern="1200">
+                <a:solidFill>
+                  <a:schemeClr val="tx1"/>
+                </a:solidFill>
+                <a:latin typeface="+mn-lt"/>
+                <a:ea typeface="+mn-ea"/>
+                <a:cs typeface="+mn-cs"/>
+              </a:defRPr>
+            </a:lvl3pPr>
+            <a:lvl4pPr marL="1371600" indent="0" algn="l" defTabSz="914400" rtl="0" eaLnBrk="1" latinLnBrk="0" hangingPunct="1">
+              <a:lnSpc>
+                <a:spcPct val="90000"/>
+              </a:lnSpc>
+              <a:spcBef>
+                <a:spcPts val="500"/>
+              </a:spcBef>
+              <a:buFont typeface="Arial" panose="020B0604020202020204" pitchFamily="34" charset="0"/>
+              <a:buNone/>
+              <a:defRPr sz="1800" kern="1200">
+                <a:solidFill>
+                  <a:schemeClr val="tx1"/>
+                </a:solidFill>
+                <a:latin typeface="+mn-lt"/>
+                <a:ea typeface="+mn-ea"/>
+                <a:cs typeface="+mn-cs"/>
+              </a:defRPr>
+            </a:lvl4pPr>
+            <a:lvl5pPr marL="1828800" indent="0" algn="l" defTabSz="914400" rtl="0" eaLnBrk="1" latinLnBrk="0" hangingPunct="1">
+              <a:lnSpc>
+                <a:spcPct val="90000"/>
+              </a:lnSpc>
+              <a:spcBef>
+                <a:spcPts val="500"/>
+              </a:spcBef>
+              <a:buFont typeface="Arial" panose="020B0604020202020204" pitchFamily="34" charset="0"/>
+              <a:buNone/>
+              <a:defRPr sz="1800" kern="1200">
+                <a:solidFill>
+                  <a:schemeClr val="tx1"/>
+                </a:solidFill>
+                <a:latin typeface="+mn-lt"/>
+                <a:ea typeface="+mn-ea"/>
+                <a:cs typeface="+mn-cs"/>
+              </a:defRPr>
+            </a:lvl5pPr>
+            <a:lvl6pPr marL="2514600" indent="-228600" algn="l" defTabSz="914400" rtl="0" eaLnBrk="1" latinLnBrk="0" hangingPunct="1">
+              <a:lnSpc>
+                <a:spcPct val="90000"/>
+              </a:lnSpc>
+              <a:spcBef>
+                <a:spcPts val="500"/>
+              </a:spcBef>
+              <a:buFont typeface="Arial" panose="020B0604020202020204" pitchFamily="34" charset="0"/>
+              <a:buChar char="•"/>
+              <a:defRPr sz="1800" kern="1200">
+                <a:solidFill>
+                  <a:schemeClr val="tx1"/>
+                </a:solidFill>
+                <a:latin typeface="+mn-lt"/>
+                <a:ea typeface="+mn-ea"/>
+                <a:cs typeface="+mn-cs"/>
+              </a:defRPr>
+            </a:lvl6pPr>
+            <a:lvl7pPr marL="2971800" indent="-228600" algn="l" defTabSz="914400" rtl="0" eaLnBrk="1" latinLnBrk="0" hangingPunct="1">
+              <a:lnSpc>
+                <a:spcPct val="90000"/>
+              </a:lnSpc>
+              <a:spcBef>
+                <a:spcPts val="500"/>
+              </a:spcBef>
+              <a:buFont typeface="Arial" panose="020B0604020202020204" pitchFamily="34" charset="0"/>
+              <a:buChar char="•"/>
+              <a:defRPr sz="1800" kern="1200">
+                <a:solidFill>
+                  <a:schemeClr val="tx1"/>
+                </a:solidFill>
+                <a:latin typeface="+mn-lt"/>
+                <a:ea typeface="+mn-ea"/>
+                <a:cs typeface="+mn-cs"/>
+              </a:defRPr>
+            </a:lvl7pPr>
+            <a:lvl8pPr marL="3429000" indent="-228600" algn="l" defTabSz="914400" rtl="0" eaLnBrk="1" latinLnBrk="0" hangingPunct="1">
+              <a:lnSpc>
+                <a:spcPct val="90000"/>
+              </a:lnSpc>
+              <a:spcBef>
+                <a:spcPts val="500"/>
+              </a:spcBef>
+              <a:buFont typeface="Arial" panose="020B0604020202020204" pitchFamily="34" charset="0"/>
+              <a:buChar char="•"/>
+              <a:defRPr sz="1800" kern="1200">
+                <a:solidFill>
+                  <a:schemeClr val="tx1"/>
+                </a:solidFill>
+                <a:latin typeface="+mn-lt"/>
+                <a:ea typeface="+mn-ea"/>
+                <a:cs typeface="+mn-cs"/>
+              </a:defRPr>
+            </a:lvl8pPr>
+            <a:lvl9pPr marL="3886200" indent="-228600" algn="l" defTabSz="914400" rtl="0" eaLnBrk="1" latinLnBrk="0" hangingPunct="1">
+              <a:lnSpc>
+                <a:spcPct val="90000"/>
+              </a:lnSpc>
+              <a:spcBef>
+                <a:spcPts val="500"/>
+              </a:spcBef>
+              <a:buFont typeface="Arial" panose="020B0604020202020204" pitchFamily="34" charset="0"/>
+              <a:buChar char="•"/>
+              <a:defRPr sz="1800" kern="1200">
+                <a:solidFill>
+                  <a:schemeClr val="tx1"/>
+                </a:solidFill>
+                <a:latin typeface="+mn-lt"/>
+                <a:ea typeface="+mn-ea"/>
+                <a:cs typeface="+mn-cs"/>
+              </a:defRPr>
+            </a:lvl9pPr>
+          </a:lstStyle>
+          <a:p>
+            <a:r>
+              <a:rPr lang="zh-TW" altLang="en-US"/>
+              <a:t>若想要</a:t>
+            </a:r>
+            <a:r>
+              <a:rPr lang="zh-TW" altLang="en-US">
+                <a:solidFill>
+                  <a:srgbClr val="FFC000"/>
+                </a:solidFill>
+              </a:rPr>
+              <a:t>載入</a:t>
+            </a:r>
+            <a:r>
+              <a:rPr lang="zh-TW" altLang="en-US"/>
+              <a:t>套件中的所有</a:t>
+            </a:r>
+            <a:r>
+              <a:rPr lang="zh-TW" altLang="en-US">
+                <a:solidFill>
+                  <a:srgbClr val="00B0F0"/>
+                </a:solidFill>
+              </a:rPr>
+              <a:t>類別</a:t>
+            </a:r>
+            <a:r>
+              <a:rPr lang="zh-TW" altLang="en-US"/>
+              <a:t>或</a:t>
+            </a:r>
+            <a:r>
+              <a:rPr lang="zh-TW" altLang="en-US">
+                <a:solidFill>
+                  <a:srgbClr val="00B0F0"/>
+                </a:solidFill>
+              </a:rPr>
+              <a:t>介面</a:t>
+            </a:r>
+            <a:r>
+              <a:rPr lang="zh-TW" altLang="en-US"/>
+              <a:t>，可以使用以下格式：</a:t>
+            </a:r>
+          </a:p>
+        </p:txBody>
+      </p:sp>
+      <p:grpSp>
+        <p:nvGrpSpPr>
+          <p:cNvPr id="16" name="群組 15">
+            <a:extLst>
+              <a:ext uri="{FF2B5EF4-FFF2-40B4-BE49-F238E27FC236}">
+                <a16:creationId xmlns:a16="http://schemas.microsoft.com/office/drawing/2014/main" id="{B48012DE-589B-475F-8F6A-DCBF2578B761}"/>
+              </a:ext>
+            </a:extLst>
+          </p:cNvPr>
+          <p:cNvGrpSpPr/>
+          <p:nvPr/>
+        </p:nvGrpSpPr>
+        <p:grpSpPr>
+          <a:xfrm>
+            <a:off x="838200" y="3945846"/>
+            <a:ext cx="10515600" cy="488825"/>
+            <a:chOff x="838201" y="2331089"/>
+            <a:chExt cx="10591799" cy="488825"/>
+          </a:xfrm>
+        </p:grpSpPr>
+        <p:sp>
+          <p:nvSpPr>
+            <p:cNvPr id="17" name="Rectangle 1">
+              <a:extLst>
+                <a:ext uri="{FF2B5EF4-FFF2-40B4-BE49-F238E27FC236}">
+                  <a16:creationId xmlns:a16="http://schemas.microsoft.com/office/drawing/2014/main" id="{BD2FF24E-5981-435E-9CD0-1D3DD2388AD3}"/>
+                </a:ext>
+              </a:extLst>
+            </p:cNvPr>
+            <p:cNvSpPr>
+              <a:spLocks noChangeArrowheads="1"/>
+            </p:cNvSpPr>
+            <p:nvPr/>
+          </p:nvSpPr>
+          <p:spPr bwMode="auto">
+            <a:xfrm>
+              <a:off x="838201" y="2331089"/>
+              <a:ext cx="10591799" cy="461665"/>
+            </a:xfrm>
+            <a:prstGeom prst="rect">
+              <a:avLst/>
+            </a:prstGeom>
+            <a:solidFill>
+              <a:srgbClr val="1E1F22"/>
+            </a:solidFill>
+            <a:ln>
+              <a:noFill/>
+            </a:ln>
+            <a:effectLst/>
+            <a:extLst>
+              <a:ext uri="{91240B29-F687-4F45-9708-019B960494DF}">
+                <a14:hiddenLine xmlns:a14="http://schemas.microsoft.com/office/drawing/2010/main" w="9525">
+                  <a:solidFill>
+                    <a:schemeClr val="tx1"/>
+                  </a:solidFill>
+                  <a:miter lim="800000"/>
+                  <a:headEnd/>
+                  <a:tailEnd/>
+                </a14:hiddenLine>
+              </a:ext>
+              <a:ext uri="{AF507438-7753-43E0-B8FC-AC1667EBCBE1}">
+                <a14:hiddenEffects xmlns:a14="http://schemas.microsoft.com/office/drawing/2010/main">
+                  <a:effectLst>
+                    <a:outerShdw dist="35921" dir="2700000" algn="ctr" rotWithShape="0">
+                      <a:schemeClr val="bg2"/>
+                    </a:outerShdw>
+                  </a:effectLst>
+                </a14:hiddenEffects>
+              </a:ext>
+            </a:extLst>
+          </p:spPr>
+          <p:txBody>
+            <a:bodyPr vert="horz" wrap="square" lIns="91440" tIns="45720" rIns="91440" bIns="45720" numCol="1" anchor="ctr" anchorCtr="0" compatLnSpc="1">
+              <a:prstTxWarp prst="textNoShape">
+                <a:avLst/>
+              </a:prstTxWarp>
+              <a:spAutoFit/>
+            </a:bodyPr>
+            <a:lstStyle/>
+            <a:p>
+              <a:pPr marL="0" marR="0" lvl="0" indent="0" algn="l" defTabSz="914400" rtl="0" eaLnBrk="0" fontAlgn="base" latinLnBrk="0" hangingPunct="0">
+                <a:lnSpc>
+                  <a:spcPct val="100000"/>
+                </a:lnSpc>
+                <a:spcBef>
+                  <a:spcPct val="0"/>
+                </a:spcBef>
+                <a:spcAft>
+                  <a:spcPct val="0"/>
+                </a:spcAft>
+                <a:buClrTx/>
+                <a:buSzTx/>
+                <a:buFontTx/>
+                <a:buNone/>
+                <a:tabLst/>
+              </a:pPr>
+              <a:r>
+                <a:rPr lang="en-US" altLang="zh-TW" sz="2400">
+                  <a:solidFill>
+                    <a:srgbClr val="CF8E6D"/>
+                  </a:solidFill>
+                  <a:latin typeface="+mj-lt"/>
+                  <a:cs typeface="JetBrains Mono" panose="02000009000000000000" pitchFamily="49" charset="0"/>
+                </a:rPr>
+                <a:t>import</a:t>
+              </a:r>
+              <a:r>
+                <a:rPr lang="zh-TW" altLang="en-US" sz="2400">
+                  <a:solidFill>
+                    <a:srgbClr val="CF8E6D"/>
+                  </a:solidFill>
+                  <a:latin typeface="+mj-lt"/>
+                  <a:cs typeface="JetBrains Mono" panose="02000009000000000000" pitchFamily="49" charset="0"/>
+                </a:rPr>
+                <a:t> </a:t>
+              </a:r>
+              <a:r>
+                <a:rPr lang="zh-TW" altLang="en-US" sz="2400">
+                  <a:solidFill>
+                    <a:srgbClr val="00B0F0"/>
+                  </a:solidFill>
+                  <a:latin typeface="+mj-lt"/>
+                  <a:ea typeface="微軟正黑體" panose="020B0604030504040204" pitchFamily="34" charset="-120"/>
+                  <a:cs typeface="JetBrains Mono" panose="02000009000000000000" pitchFamily="49" charset="0"/>
+                </a:rPr>
+                <a:t>套件</a:t>
+              </a:r>
+              <a:r>
+                <a:rPr lang="en-US" altLang="zh-TW" sz="2400">
+                  <a:solidFill>
+                    <a:srgbClr val="BCBEC4"/>
+                  </a:solidFill>
+                  <a:latin typeface="+mj-lt"/>
+                  <a:cs typeface="JetBrains Mono" panose="02000009000000000000" pitchFamily="49" charset="0"/>
+                </a:rPr>
+                <a:t>.*;</a:t>
+              </a:r>
+              <a:endParaRPr kumimoji="0" lang="zh-TW" altLang="zh-TW" sz="4000" b="0" i="0" u="none" strike="noStrike" cap="none" normalizeH="0" baseline="0">
+                <a:ln>
+                  <a:noFill/>
+                </a:ln>
+                <a:solidFill>
+                  <a:schemeClr val="tx1"/>
+                </a:solidFill>
+                <a:effectLst/>
+                <a:latin typeface="+mj-lt"/>
+              </a:endParaRPr>
+            </a:p>
+          </p:txBody>
+        </p:sp>
+        <p:sp>
+          <p:nvSpPr>
+            <p:cNvPr id="18" name="文字方塊 17">
+              <a:extLst>
+                <a:ext uri="{FF2B5EF4-FFF2-40B4-BE49-F238E27FC236}">
+                  <a16:creationId xmlns:a16="http://schemas.microsoft.com/office/drawing/2014/main" id="{871723A2-4CAD-4DDD-AEC3-FD044E45B6D1}"/>
+                </a:ext>
+              </a:extLst>
+            </p:cNvPr>
+            <p:cNvSpPr txBox="1"/>
+            <p:nvPr/>
+          </p:nvSpPr>
+          <p:spPr>
+            <a:xfrm>
+              <a:off x="10796493" y="2481360"/>
+              <a:ext cx="633507" cy="338554"/>
+            </a:xfrm>
+            <a:prstGeom prst="rect">
+              <a:avLst/>
+            </a:prstGeom>
+            <a:noFill/>
+          </p:spPr>
+          <p:txBody>
+            <a:bodyPr wrap="none" rtlCol="0">
+              <a:spAutoFit/>
+            </a:bodyPr>
+            <a:lstStyle/>
+            <a:p>
+              <a:r>
+                <a:rPr lang="en-US" altLang="zh-TW" sz="1600">
+                  <a:solidFill>
+                    <a:schemeClr val="accent3"/>
+                  </a:solidFill>
+                </a:rPr>
+                <a:t>java</a:t>
+              </a:r>
+              <a:endParaRPr lang="zh-TW" altLang="en-US" sz="1600">
+                <a:solidFill>
+                  <a:schemeClr val="accent3"/>
+                </a:solidFill>
+              </a:endParaRPr>
+            </a:p>
+          </p:txBody>
+        </p:sp>
+      </p:grpSp>
+      <p:sp>
+        <p:nvSpPr>
+          <p:cNvPr id="19" name="內容版面配置區 2">
+            <a:extLst>
+              <a:ext uri="{FF2B5EF4-FFF2-40B4-BE49-F238E27FC236}">
+                <a16:creationId xmlns:a16="http://schemas.microsoft.com/office/drawing/2014/main" id="{C2DDC16D-4B17-4B07-A32D-1CE5967F0B3C}"/>
+              </a:ext>
+            </a:extLst>
+          </p:cNvPr>
+          <p:cNvSpPr txBox="1">
+            <a:spLocks/>
+          </p:cNvSpPr>
+          <p:nvPr/>
+        </p:nvSpPr>
+        <p:spPr>
+          <a:xfrm>
+            <a:off x="838200" y="4407511"/>
+            <a:ext cx="10515600" cy="2085553"/>
+          </a:xfrm>
+          <a:prstGeom prst="rect">
+            <a:avLst/>
+          </a:prstGeom>
+        </p:spPr>
+        <p:txBody>
+          <a:bodyPr vert="horz" lIns="91440" tIns="45720" rIns="91440" bIns="45720" rtlCol="0">
+            <a:normAutofit/>
+          </a:bodyPr>
+          <a:lstStyle>
+            <a:lvl1pPr marL="0" indent="0" algn="l" defTabSz="914400" rtl="0" eaLnBrk="1" latinLnBrk="0" hangingPunct="1">
+              <a:lnSpc>
+                <a:spcPct val="90000"/>
+              </a:lnSpc>
+              <a:spcBef>
+                <a:spcPts val="1000"/>
+              </a:spcBef>
+              <a:buFont typeface="Arial" panose="020B0604020202020204" pitchFamily="34" charset="0"/>
+              <a:buNone/>
+              <a:defRPr sz="2800" kern="1200">
+                <a:solidFill>
+                  <a:schemeClr val="tx1"/>
+                </a:solidFill>
+                <a:latin typeface="+mn-lt"/>
+                <a:ea typeface="+mn-ea"/>
+                <a:cs typeface="+mn-cs"/>
+              </a:defRPr>
+            </a:lvl1pPr>
+            <a:lvl2pPr marL="457200" indent="0" algn="l" defTabSz="914400" rtl="0" eaLnBrk="1" latinLnBrk="0" hangingPunct="1">
+              <a:lnSpc>
+                <a:spcPct val="90000"/>
+              </a:lnSpc>
+              <a:spcBef>
+                <a:spcPts val="500"/>
+              </a:spcBef>
+              <a:buFont typeface="Arial" panose="020B0604020202020204" pitchFamily="34" charset="0"/>
+              <a:buNone/>
+              <a:defRPr sz="2400" kern="1200">
+                <a:solidFill>
+                  <a:schemeClr val="tx1"/>
+                </a:solidFill>
+                <a:latin typeface="+mn-lt"/>
+                <a:ea typeface="+mn-ea"/>
+                <a:cs typeface="+mn-cs"/>
+              </a:defRPr>
+            </a:lvl2pPr>
+            <a:lvl3pPr marL="914400" indent="0" algn="l" defTabSz="914400" rtl="0" eaLnBrk="1" latinLnBrk="0" hangingPunct="1">
+              <a:lnSpc>
+                <a:spcPct val="90000"/>
+              </a:lnSpc>
+              <a:spcBef>
+                <a:spcPts val="500"/>
+              </a:spcBef>
+              <a:buFont typeface="Arial" panose="020B0604020202020204" pitchFamily="34" charset="0"/>
+              <a:buNone/>
+              <a:defRPr sz="2000" kern="1200">
+                <a:solidFill>
+                  <a:schemeClr val="tx1"/>
+                </a:solidFill>
+                <a:latin typeface="+mn-lt"/>
+                <a:ea typeface="+mn-ea"/>
+                <a:cs typeface="+mn-cs"/>
+              </a:defRPr>
+            </a:lvl3pPr>
+            <a:lvl4pPr marL="1371600" indent="0" algn="l" defTabSz="914400" rtl="0" eaLnBrk="1" latinLnBrk="0" hangingPunct="1">
+              <a:lnSpc>
+                <a:spcPct val="90000"/>
+              </a:lnSpc>
+              <a:spcBef>
+                <a:spcPts val="500"/>
+              </a:spcBef>
+              <a:buFont typeface="Arial" panose="020B0604020202020204" pitchFamily="34" charset="0"/>
+              <a:buNone/>
+              <a:defRPr sz="1800" kern="1200">
+                <a:solidFill>
+                  <a:schemeClr val="tx1"/>
+                </a:solidFill>
+                <a:latin typeface="+mn-lt"/>
+                <a:ea typeface="+mn-ea"/>
+                <a:cs typeface="+mn-cs"/>
+              </a:defRPr>
+            </a:lvl4pPr>
+            <a:lvl5pPr marL="1828800" indent="0" algn="l" defTabSz="914400" rtl="0" eaLnBrk="1" latinLnBrk="0" hangingPunct="1">
+              <a:lnSpc>
+                <a:spcPct val="90000"/>
+              </a:lnSpc>
+              <a:spcBef>
+                <a:spcPts val="500"/>
+              </a:spcBef>
+              <a:buFont typeface="Arial" panose="020B0604020202020204" pitchFamily="34" charset="0"/>
+              <a:buNone/>
+              <a:defRPr sz="1800" kern="1200">
+                <a:solidFill>
+                  <a:schemeClr val="tx1"/>
+                </a:solidFill>
+                <a:latin typeface="+mn-lt"/>
+                <a:ea typeface="+mn-ea"/>
+                <a:cs typeface="+mn-cs"/>
+              </a:defRPr>
+            </a:lvl5pPr>
+            <a:lvl6pPr marL="2514600" indent="-228600" algn="l" defTabSz="914400" rtl="0" eaLnBrk="1" latinLnBrk="0" hangingPunct="1">
+              <a:lnSpc>
+                <a:spcPct val="90000"/>
+              </a:lnSpc>
+              <a:spcBef>
+                <a:spcPts val="500"/>
+              </a:spcBef>
+              <a:buFont typeface="Arial" panose="020B0604020202020204" pitchFamily="34" charset="0"/>
+              <a:buChar char="•"/>
+              <a:defRPr sz="1800" kern="1200">
+                <a:solidFill>
+                  <a:schemeClr val="tx1"/>
+                </a:solidFill>
+                <a:latin typeface="+mn-lt"/>
+                <a:ea typeface="+mn-ea"/>
+                <a:cs typeface="+mn-cs"/>
+              </a:defRPr>
+            </a:lvl6pPr>
+            <a:lvl7pPr marL="2971800" indent="-228600" algn="l" defTabSz="914400" rtl="0" eaLnBrk="1" latinLnBrk="0" hangingPunct="1">
+              <a:lnSpc>
+                <a:spcPct val="90000"/>
+              </a:lnSpc>
+              <a:spcBef>
+                <a:spcPts val="500"/>
+              </a:spcBef>
+              <a:buFont typeface="Arial" panose="020B0604020202020204" pitchFamily="34" charset="0"/>
+              <a:buChar char="•"/>
+              <a:defRPr sz="1800" kern="1200">
+                <a:solidFill>
+                  <a:schemeClr val="tx1"/>
+                </a:solidFill>
+                <a:latin typeface="+mn-lt"/>
+                <a:ea typeface="+mn-ea"/>
+                <a:cs typeface="+mn-cs"/>
+              </a:defRPr>
+            </a:lvl7pPr>
+            <a:lvl8pPr marL="3429000" indent="-228600" algn="l" defTabSz="914400" rtl="0" eaLnBrk="1" latinLnBrk="0" hangingPunct="1">
+              <a:lnSpc>
+                <a:spcPct val="90000"/>
+              </a:lnSpc>
+              <a:spcBef>
+                <a:spcPts val="500"/>
+              </a:spcBef>
+              <a:buFont typeface="Arial" panose="020B0604020202020204" pitchFamily="34" charset="0"/>
+              <a:buChar char="•"/>
+              <a:defRPr sz="1800" kern="1200">
+                <a:solidFill>
+                  <a:schemeClr val="tx1"/>
+                </a:solidFill>
+                <a:latin typeface="+mn-lt"/>
+                <a:ea typeface="+mn-ea"/>
+                <a:cs typeface="+mn-cs"/>
+              </a:defRPr>
+            </a:lvl8pPr>
+            <a:lvl9pPr marL="3886200" indent="-228600" algn="l" defTabSz="914400" rtl="0" eaLnBrk="1" latinLnBrk="0" hangingPunct="1">
+              <a:lnSpc>
+                <a:spcPct val="90000"/>
+              </a:lnSpc>
+              <a:spcBef>
+                <a:spcPts val="500"/>
+              </a:spcBef>
+              <a:buFont typeface="Arial" panose="020B0604020202020204" pitchFamily="34" charset="0"/>
+              <a:buChar char="•"/>
+              <a:defRPr sz="1800" kern="1200">
+                <a:solidFill>
+                  <a:schemeClr val="tx1"/>
+                </a:solidFill>
+                <a:latin typeface="+mn-lt"/>
+                <a:ea typeface="+mn-ea"/>
+                <a:cs typeface="+mn-cs"/>
+              </a:defRPr>
+            </a:lvl9pPr>
+          </a:lstStyle>
+          <a:p>
+            <a:r>
+              <a:rPr lang="zh-TW" altLang="en-US"/>
+              <a:t>若是在同一</a:t>
+            </a:r>
+            <a:r>
+              <a:rPr lang="zh-TW" altLang="en-US">
+                <a:solidFill>
+                  <a:srgbClr val="00B0F0"/>
+                </a:solidFill>
+              </a:rPr>
+              <a:t>套件</a:t>
+            </a:r>
+            <a:r>
+              <a:rPr lang="zh-TW" altLang="en-US"/>
+              <a:t>下，則不需要</a:t>
+            </a:r>
+            <a:r>
+              <a:rPr lang="zh-TW" altLang="en-US">
+                <a:solidFill>
+                  <a:srgbClr val="FFC000"/>
+                </a:solidFill>
+              </a:rPr>
+              <a:t>載入</a:t>
+            </a:r>
+            <a:r>
+              <a:rPr lang="zh-TW" altLang="en-US"/>
+              <a:t>即可直接使用</a:t>
+            </a:r>
+            <a:endParaRPr lang="en-US" altLang="zh-TW"/>
+          </a:p>
+          <a:p>
+            <a:r>
+              <a:rPr lang="zh-TW" altLang="en-US">
+                <a:solidFill>
+                  <a:srgbClr val="00B0F0"/>
+                </a:solidFill>
+              </a:rPr>
+              <a:t>編譯器</a:t>
+            </a:r>
+            <a:r>
+              <a:rPr lang="zh-TW" altLang="en-US"/>
+              <a:t>會自動載入 </a:t>
+            </a:r>
+            <a:r>
+              <a:rPr lang="en-US" altLang="zh-TW">
+                <a:solidFill>
+                  <a:srgbClr val="00B0F0"/>
+                </a:solidFill>
+              </a:rPr>
+              <a:t>java</a:t>
+            </a:r>
+            <a:r>
+              <a:rPr lang="en-US" altLang="zh-TW">
+                <a:solidFill>
+                  <a:srgbClr val="92D050"/>
+                </a:solidFill>
+              </a:rPr>
+              <a:t>.</a:t>
+            </a:r>
+            <a:r>
+              <a:rPr lang="en-US" altLang="zh-TW">
+                <a:solidFill>
+                  <a:srgbClr val="FFFF00"/>
+                </a:solidFill>
+              </a:rPr>
+              <a:t>lang</a:t>
+            </a:r>
+            <a:r>
+              <a:rPr lang="en-US" altLang="zh-TW">
+                <a:solidFill>
+                  <a:srgbClr val="92D050"/>
+                </a:solidFill>
+              </a:rPr>
+              <a:t>.</a:t>
+            </a:r>
+            <a:r>
+              <a:rPr lang="en-US" altLang="zh-TW">
+                <a:solidFill>
+                  <a:srgbClr val="FFC000"/>
+                </a:solidFill>
+              </a:rPr>
+              <a:t>*</a:t>
+            </a:r>
+          </a:p>
+          <a:p>
+            <a:r>
+              <a:rPr lang="zh-TW" altLang="en-US"/>
+              <a:t>所以該套件內的</a:t>
+            </a:r>
+            <a:r>
+              <a:rPr lang="zh-TW" altLang="en-US">
+                <a:solidFill>
+                  <a:srgbClr val="00B0F0"/>
+                </a:solidFill>
+              </a:rPr>
+              <a:t>類別</a:t>
+            </a:r>
+            <a:r>
+              <a:rPr lang="zh-TW" altLang="en-US"/>
+              <a:t>和</a:t>
+            </a:r>
+            <a:r>
+              <a:rPr lang="zh-TW" altLang="en-US">
+                <a:solidFill>
+                  <a:srgbClr val="00B0F0"/>
+                </a:solidFill>
+              </a:rPr>
+              <a:t>介面</a:t>
+            </a:r>
+            <a:r>
+              <a:rPr lang="zh-TW" altLang="en-US"/>
+              <a:t>皆可直接使用</a:t>
+            </a:r>
+            <a:endParaRPr lang="en-US" altLang="zh-TW"/>
+          </a:p>
+          <a:p>
+            <a:r>
+              <a:rPr lang="zh-TW" altLang="en-US"/>
+              <a:t>如：</a:t>
+            </a:r>
+            <a:r>
+              <a:rPr lang="en-US" altLang="zh-TW">
+                <a:solidFill>
+                  <a:srgbClr val="FFC000"/>
+                </a:solidFill>
+              </a:rPr>
+              <a:t>System</a:t>
+            </a:r>
+            <a:r>
+              <a:rPr lang="zh-TW" altLang="en-US"/>
+              <a:t>、</a:t>
+            </a:r>
+            <a:r>
+              <a:rPr lang="en-US" altLang="zh-TW">
+                <a:solidFill>
+                  <a:srgbClr val="FFC000"/>
+                </a:solidFill>
+              </a:rPr>
+              <a:t>String</a:t>
+            </a:r>
+            <a:r>
+              <a:rPr lang="zh-TW" altLang="en-US"/>
+              <a:t>、</a:t>
+            </a:r>
+            <a:r>
+              <a:rPr lang="en-US" altLang="zh-TW">
+                <a:solidFill>
+                  <a:srgbClr val="FFC000"/>
+                </a:solidFill>
+              </a:rPr>
+              <a:t>Object</a:t>
+            </a:r>
+            <a:r>
+              <a:rPr lang="zh-TW" altLang="en-US"/>
+              <a:t>、</a:t>
+            </a:r>
+            <a:r>
+              <a:rPr lang="zh-TW" altLang="en-US">
+                <a:solidFill>
+                  <a:srgbClr val="00B0F0"/>
+                </a:solidFill>
+              </a:rPr>
+              <a:t>包裝類別</a:t>
+            </a:r>
+            <a:r>
+              <a:rPr lang="en-US" altLang="zh-TW">
+                <a:solidFill>
+                  <a:srgbClr val="00B0F0"/>
+                </a:solidFill>
+              </a:rPr>
+              <a:t>(wrapper class)</a:t>
+            </a:r>
+            <a:r>
+              <a:rPr lang="zh-TW" altLang="en-US"/>
+              <a:t>等</a:t>
+            </a:r>
+          </a:p>
+        </p:txBody>
+      </p:sp>
+      <p:sp>
+        <p:nvSpPr>
+          <p:cNvPr id="20" name="內容版面配置區 2">
+            <a:extLst>
+              <a:ext uri="{FF2B5EF4-FFF2-40B4-BE49-F238E27FC236}">
+                <a16:creationId xmlns:a16="http://schemas.microsoft.com/office/drawing/2014/main" id="{CCD026EE-3ADC-4A91-9111-CECB71F72974}"/>
+              </a:ext>
+            </a:extLst>
+          </p:cNvPr>
+          <p:cNvSpPr txBox="1">
+            <a:spLocks/>
+          </p:cNvSpPr>
+          <p:nvPr/>
+        </p:nvSpPr>
+        <p:spPr>
+          <a:xfrm>
+            <a:off x="838200" y="2483092"/>
+            <a:ext cx="10515600" cy="483813"/>
+          </a:xfrm>
+          <a:prstGeom prst="rect">
+            <a:avLst/>
+          </a:prstGeom>
+        </p:spPr>
+        <p:txBody>
+          <a:bodyPr vert="horz" lIns="91440" tIns="45720" rIns="91440" bIns="45720" rtlCol="0">
+            <a:normAutofit/>
+          </a:bodyPr>
+          <a:lstStyle>
+            <a:lvl1pPr marL="0" indent="0" algn="l" defTabSz="914400" rtl="0" eaLnBrk="1" latinLnBrk="0" hangingPunct="1">
+              <a:lnSpc>
+                <a:spcPct val="90000"/>
+              </a:lnSpc>
+              <a:spcBef>
+                <a:spcPts val="1000"/>
+              </a:spcBef>
+              <a:buFont typeface="Arial" panose="020B0604020202020204" pitchFamily="34" charset="0"/>
+              <a:buNone/>
+              <a:defRPr sz="2800" kern="1200">
+                <a:solidFill>
+                  <a:schemeClr val="tx1"/>
+                </a:solidFill>
+                <a:latin typeface="+mn-lt"/>
+                <a:ea typeface="+mn-ea"/>
+                <a:cs typeface="+mn-cs"/>
+              </a:defRPr>
+            </a:lvl1pPr>
+            <a:lvl2pPr marL="457200" indent="0" algn="l" defTabSz="914400" rtl="0" eaLnBrk="1" latinLnBrk="0" hangingPunct="1">
+              <a:lnSpc>
+                <a:spcPct val="90000"/>
+              </a:lnSpc>
+              <a:spcBef>
+                <a:spcPts val="500"/>
+              </a:spcBef>
+              <a:buFont typeface="Arial" panose="020B0604020202020204" pitchFamily="34" charset="0"/>
+              <a:buNone/>
+              <a:defRPr sz="2400" kern="1200">
+                <a:solidFill>
+                  <a:schemeClr val="tx1"/>
+                </a:solidFill>
+                <a:latin typeface="+mn-lt"/>
+                <a:ea typeface="+mn-ea"/>
+                <a:cs typeface="+mn-cs"/>
+              </a:defRPr>
+            </a:lvl2pPr>
+            <a:lvl3pPr marL="914400" indent="0" algn="l" defTabSz="914400" rtl="0" eaLnBrk="1" latinLnBrk="0" hangingPunct="1">
+              <a:lnSpc>
+                <a:spcPct val="90000"/>
+              </a:lnSpc>
+              <a:spcBef>
+                <a:spcPts val="500"/>
+              </a:spcBef>
+              <a:buFont typeface="Arial" panose="020B0604020202020204" pitchFamily="34" charset="0"/>
+              <a:buNone/>
+              <a:defRPr sz="2000" kern="1200">
+                <a:solidFill>
+                  <a:schemeClr val="tx1"/>
+                </a:solidFill>
+                <a:latin typeface="+mn-lt"/>
+                <a:ea typeface="+mn-ea"/>
+                <a:cs typeface="+mn-cs"/>
+              </a:defRPr>
+            </a:lvl3pPr>
+            <a:lvl4pPr marL="1371600" indent="0" algn="l" defTabSz="914400" rtl="0" eaLnBrk="1" latinLnBrk="0" hangingPunct="1">
+              <a:lnSpc>
+                <a:spcPct val="90000"/>
+              </a:lnSpc>
+              <a:spcBef>
+                <a:spcPts val="500"/>
+              </a:spcBef>
+              <a:buFont typeface="Arial" panose="020B0604020202020204" pitchFamily="34" charset="0"/>
+              <a:buNone/>
+              <a:defRPr sz="1800" kern="1200">
+                <a:solidFill>
+                  <a:schemeClr val="tx1"/>
+                </a:solidFill>
+                <a:latin typeface="+mn-lt"/>
+                <a:ea typeface="+mn-ea"/>
+                <a:cs typeface="+mn-cs"/>
+              </a:defRPr>
+            </a:lvl4pPr>
+            <a:lvl5pPr marL="1828800" indent="0" algn="l" defTabSz="914400" rtl="0" eaLnBrk="1" latinLnBrk="0" hangingPunct="1">
+              <a:lnSpc>
+                <a:spcPct val="90000"/>
+              </a:lnSpc>
+              <a:spcBef>
+                <a:spcPts val="500"/>
+              </a:spcBef>
+              <a:buFont typeface="Arial" panose="020B0604020202020204" pitchFamily="34" charset="0"/>
+              <a:buNone/>
+              <a:defRPr sz="1800" kern="1200">
+                <a:solidFill>
+                  <a:schemeClr val="tx1"/>
+                </a:solidFill>
+                <a:latin typeface="+mn-lt"/>
+                <a:ea typeface="+mn-ea"/>
+                <a:cs typeface="+mn-cs"/>
+              </a:defRPr>
+            </a:lvl5pPr>
+            <a:lvl6pPr marL="2514600" indent="-228600" algn="l" defTabSz="914400" rtl="0" eaLnBrk="1" latinLnBrk="0" hangingPunct="1">
+              <a:lnSpc>
+                <a:spcPct val="90000"/>
+              </a:lnSpc>
+              <a:spcBef>
+                <a:spcPts val="500"/>
+              </a:spcBef>
+              <a:buFont typeface="Arial" panose="020B0604020202020204" pitchFamily="34" charset="0"/>
+              <a:buChar char="•"/>
+              <a:defRPr sz="1800" kern="1200">
+                <a:solidFill>
+                  <a:schemeClr val="tx1"/>
+                </a:solidFill>
+                <a:latin typeface="+mn-lt"/>
+                <a:ea typeface="+mn-ea"/>
+                <a:cs typeface="+mn-cs"/>
+              </a:defRPr>
+            </a:lvl6pPr>
+            <a:lvl7pPr marL="2971800" indent="-228600" algn="l" defTabSz="914400" rtl="0" eaLnBrk="1" latinLnBrk="0" hangingPunct="1">
+              <a:lnSpc>
+                <a:spcPct val="90000"/>
+              </a:lnSpc>
+              <a:spcBef>
+                <a:spcPts val="500"/>
+              </a:spcBef>
+              <a:buFont typeface="Arial" panose="020B0604020202020204" pitchFamily="34" charset="0"/>
+              <a:buChar char="•"/>
+              <a:defRPr sz="1800" kern="1200">
+                <a:solidFill>
+                  <a:schemeClr val="tx1"/>
+                </a:solidFill>
+                <a:latin typeface="+mn-lt"/>
+                <a:ea typeface="+mn-ea"/>
+                <a:cs typeface="+mn-cs"/>
+              </a:defRPr>
+            </a:lvl7pPr>
+            <a:lvl8pPr marL="3429000" indent="-228600" algn="l" defTabSz="914400" rtl="0" eaLnBrk="1" latinLnBrk="0" hangingPunct="1">
+              <a:lnSpc>
+                <a:spcPct val="90000"/>
+              </a:lnSpc>
+              <a:spcBef>
+                <a:spcPts val="500"/>
+              </a:spcBef>
+              <a:buFont typeface="Arial" panose="020B0604020202020204" pitchFamily="34" charset="0"/>
+              <a:buChar char="•"/>
+              <a:defRPr sz="1800" kern="1200">
+                <a:solidFill>
+                  <a:schemeClr val="tx1"/>
+                </a:solidFill>
+                <a:latin typeface="+mn-lt"/>
+                <a:ea typeface="+mn-ea"/>
+                <a:cs typeface="+mn-cs"/>
+              </a:defRPr>
+            </a:lvl8pPr>
+            <a:lvl9pPr marL="3886200" indent="-228600" algn="l" defTabSz="914400" rtl="0" eaLnBrk="1" latinLnBrk="0" hangingPunct="1">
+              <a:lnSpc>
+                <a:spcPct val="90000"/>
+              </a:lnSpc>
+              <a:spcBef>
+                <a:spcPts val="500"/>
+              </a:spcBef>
+              <a:buFont typeface="Arial" panose="020B0604020202020204" pitchFamily="34" charset="0"/>
+              <a:buChar char="•"/>
+              <a:defRPr sz="1800" kern="1200">
+                <a:solidFill>
+                  <a:schemeClr val="tx1"/>
+                </a:solidFill>
+                <a:latin typeface="+mn-lt"/>
+                <a:ea typeface="+mn-ea"/>
+                <a:cs typeface="+mn-cs"/>
+              </a:defRPr>
+            </a:lvl9pPr>
+          </a:lstStyle>
+          <a:p>
+            <a:r>
+              <a:rPr lang="zh-TW" altLang="en-US"/>
+              <a:t>若想省略前方的</a:t>
+            </a:r>
+            <a:r>
+              <a:rPr lang="zh-TW" altLang="en-US">
+                <a:solidFill>
+                  <a:srgbClr val="00B0F0"/>
+                </a:solidFill>
+              </a:rPr>
+              <a:t>套件</a:t>
+            </a:r>
+            <a:r>
+              <a:rPr lang="zh-TW" altLang="en-US"/>
+              <a:t>，就必須先</a:t>
+            </a:r>
+            <a:r>
+              <a:rPr lang="zh-TW" altLang="en-US">
+                <a:solidFill>
+                  <a:srgbClr val="FFC000"/>
+                </a:solidFill>
+              </a:rPr>
+              <a:t>載入</a:t>
+            </a:r>
+            <a:r>
+              <a:rPr lang="en-US" altLang="zh-TW">
+                <a:solidFill>
+                  <a:srgbClr val="FFC000"/>
+                </a:solidFill>
+              </a:rPr>
+              <a:t>(import)</a:t>
+            </a:r>
+            <a:endParaRPr lang="zh-TW" altLang="en-US"/>
+          </a:p>
+        </p:txBody>
+      </p:sp>
+      <p:grpSp>
+        <p:nvGrpSpPr>
+          <p:cNvPr id="21" name="群組 20">
+            <a:extLst>
+              <a:ext uri="{FF2B5EF4-FFF2-40B4-BE49-F238E27FC236}">
+                <a16:creationId xmlns:a16="http://schemas.microsoft.com/office/drawing/2014/main" id="{C8AEB344-B993-42AC-B929-0FDEF567EBDF}"/>
+              </a:ext>
+            </a:extLst>
+          </p:cNvPr>
+          <p:cNvGrpSpPr/>
+          <p:nvPr/>
+        </p:nvGrpSpPr>
+        <p:grpSpPr>
+          <a:xfrm>
+            <a:off x="838200" y="1974922"/>
+            <a:ext cx="10515600" cy="488825"/>
+            <a:chOff x="838201" y="2331089"/>
+            <a:chExt cx="10591799" cy="488825"/>
+          </a:xfrm>
+        </p:grpSpPr>
+        <p:sp>
+          <p:nvSpPr>
+            <p:cNvPr id="22" name="Rectangle 1">
+              <a:extLst>
+                <a:ext uri="{FF2B5EF4-FFF2-40B4-BE49-F238E27FC236}">
+                  <a16:creationId xmlns:a16="http://schemas.microsoft.com/office/drawing/2014/main" id="{8BF7DDFF-87C9-41F3-A98C-E202AE7F4211}"/>
+                </a:ext>
+              </a:extLst>
+            </p:cNvPr>
+            <p:cNvSpPr>
+              <a:spLocks noChangeArrowheads="1"/>
+            </p:cNvSpPr>
+            <p:nvPr/>
+          </p:nvSpPr>
+          <p:spPr bwMode="auto">
+            <a:xfrm>
+              <a:off x="838201" y="2331089"/>
+              <a:ext cx="10591799" cy="461665"/>
+            </a:xfrm>
+            <a:prstGeom prst="rect">
+              <a:avLst/>
+            </a:prstGeom>
+            <a:solidFill>
+              <a:srgbClr val="1E1F22"/>
+            </a:solidFill>
+            <a:ln>
+              <a:noFill/>
+            </a:ln>
+            <a:effectLst/>
+            <a:extLst>
+              <a:ext uri="{91240B29-F687-4F45-9708-019B960494DF}">
+                <a14:hiddenLine xmlns:a14="http://schemas.microsoft.com/office/drawing/2010/main" w="9525">
+                  <a:solidFill>
+                    <a:schemeClr val="tx1"/>
+                  </a:solidFill>
+                  <a:miter lim="800000"/>
+                  <a:headEnd/>
+                  <a:tailEnd/>
+                </a14:hiddenLine>
+              </a:ext>
+              <a:ext uri="{AF507438-7753-43E0-B8FC-AC1667EBCBE1}">
+                <a14:hiddenEffects xmlns:a14="http://schemas.microsoft.com/office/drawing/2010/main">
+                  <a:effectLst>
+                    <a:outerShdw dist="35921" dir="2700000" algn="ctr" rotWithShape="0">
+                      <a:schemeClr val="bg2"/>
+                    </a:outerShdw>
+                  </a:effectLst>
+                </a14:hiddenEffects>
+              </a:ext>
+            </a:extLst>
+          </p:spPr>
+          <p:txBody>
+            <a:bodyPr vert="horz" wrap="square" lIns="91440" tIns="45720" rIns="91440" bIns="45720" numCol="1" anchor="ctr" anchorCtr="0" compatLnSpc="1">
+              <a:prstTxWarp prst="textNoShape">
+                <a:avLst/>
+              </a:prstTxWarp>
+              <a:spAutoFit/>
+            </a:bodyPr>
+            <a:lstStyle/>
+            <a:p>
+              <a:pPr marL="0" marR="0" lvl="0" indent="0" algn="l" defTabSz="914400" rtl="0" eaLnBrk="0" fontAlgn="base" latinLnBrk="0" hangingPunct="0">
+                <a:lnSpc>
+                  <a:spcPct val="100000"/>
+                </a:lnSpc>
+                <a:spcBef>
+                  <a:spcPct val="0"/>
+                </a:spcBef>
+                <a:spcAft>
+                  <a:spcPct val="0"/>
+                </a:spcAft>
+                <a:buClrTx/>
+                <a:buSzTx/>
+                <a:buFontTx/>
+                <a:buNone/>
+                <a:tabLst/>
+              </a:pPr>
+              <a:r>
+                <a:rPr lang="zh-TW" altLang="en-US" sz="2400">
+                  <a:solidFill>
+                    <a:srgbClr val="00B0F0"/>
+                  </a:solidFill>
+                  <a:latin typeface="+mj-lt"/>
+                  <a:ea typeface="微軟正黑體" panose="020B0604030504040204" pitchFamily="34" charset="-120"/>
+                  <a:cs typeface="JetBrains Mono" panose="02000009000000000000" pitchFamily="49" charset="0"/>
+                </a:rPr>
+                <a:t>套件</a:t>
+              </a:r>
+              <a:r>
+                <a:rPr lang="en-US" altLang="zh-TW" sz="2400">
+                  <a:solidFill>
+                    <a:srgbClr val="BCBEC4"/>
+                  </a:solidFill>
+                  <a:latin typeface="+mj-lt"/>
+                  <a:cs typeface="JetBrains Mono" panose="02000009000000000000" pitchFamily="49" charset="0"/>
+                </a:rPr>
+                <a:t>.</a:t>
+              </a:r>
+              <a:r>
+                <a:rPr lang="zh-TW" altLang="en-US" sz="2400">
+                  <a:solidFill>
+                    <a:srgbClr val="00B0F0"/>
+                  </a:solidFill>
+                  <a:latin typeface="+mj-lt"/>
+                  <a:ea typeface="微軟正黑體" panose="020B0604030504040204" pitchFamily="34" charset="-120"/>
+                  <a:cs typeface="JetBrains Mono" panose="02000009000000000000" pitchFamily="49" charset="0"/>
+                </a:rPr>
+                <a:t>套件中的類別或介面</a:t>
+              </a:r>
+              <a:endParaRPr kumimoji="0" lang="zh-TW" altLang="zh-TW" sz="4000" b="0" i="0" u="none" strike="noStrike" cap="none" normalizeH="0" baseline="0">
+                <a:ln>
+                  <a:noFill/>
+                </a:ln>
+                <a:solidFill>
+                  <a:schemeClr val="tx1"/>
+                </a:solidFill>
+                <a:effectLst/>
+                <a:latin typeface="+mj-lt"/>
+              </a:endParaRPr>
+            </a:p>
+          </p:txBody>
+        </p:sp>
+        <p:sp>
+          <p:nvSpPr>
+            <p:cNvPr id="23" name="文字方塊 22">
+              <a:extLst>
+                <a:ext uri="{FF2B5EF4-FFF2-40B4-BE49-F238E27FC236}">
+                  <a16:creationId xmlns:a16="http://schemas.microsoft.com/office/drawing/2014/main" id="{21E26B29-1863-4EB4-BE22-FE25BFEFB0A5}"/>
+                </a:ext>
+              </a:extLst>
+            </p:cNvPr>
+            <p:cNvSpPr txBox="1"/>
+            <p:nvPr/>
+          </p:nvSpPr>
+          <p:spPr>
+            <a:xfrm>
+              <a:off x="10796493" y="2481360"/>
+              <a:ext cx="633507" cy="338554"/>
+            </a:xfrm>
+            <a:prstGeom prst="rect">
+              <a:avLst/>
+            </a:prstGeom>
+            <a:noFill/>
+          </p:spPr>
+          <p:txBody>
+            <a:bodyPr wrap="none" rtlCol="0">
+              <a:spAutoFit/>
+            </a:bodyPr>
+            <a:lstStyle/>
+            <a:p>
+              <a:r>
+                <a:rPr lang="en-US" altLang="zh-TW" sz="1600">
+                  <a:solidFill>
+                    <a:schemeClr val="accent3"/>
+                  </a:solidFill>
+                </a:rPr>
+                <a:t>java</a:t>
+              </a:r>
+              <a:endParaRPr lang="zh-TW" altLang="en-US" sz="1600">
+                <a:solidFill>
+                  <a:schemeClr val="accent3"/>
+                </a:solidFill>
+              </a:endParaRPr>
+            </a:p>
+          </p:txBody>
+        </p:sp>
+      </p:grpSp>
+    </p:spTree>
+    <p:extLst>
+      <p:ext uri="{BB962C8B-B14F-4D97-AF65-F5344CB8AC3E}">
+        <p14:creationId xmlns:p14="http://schemas.microsoft.com/office/powerpoint/2010/main" val="1143400079"/>
+      </p:ext>
+    </p:extLst>
+  </p:cSld>
+  <p:clrMapOvr>
+    <a:masterClrMapping/>
+  </p:clrMapOvr>
+  <p:transition spd="slow">
+    <p:push dir="u"/>
+  </p:transition>
+</p:sld>
+</file>
+
+<file path=ppt/slides/slide6.xml><?xml version="1.0" encoding="utf-8"?>
+<p:sld xmlns:a="http://schemas.openxmlformats.org/drawingml/2006/main" xmlns:r="http://schemas.openxmlformats.org/officeDocument/2006/relationships" xmlns:p="http://schemas.openxmlformats.org/presentationml/2006/main">
+  <p:cSld>
+    <p:spTree>
+      <p:nvGrpSpPr>
+        <p:cNvPr id="1" name=""/>
+        <p:cNvGrpSpPr/>
+        <p:nvPr/>
+      </p:nvGrpSpPr>
+      <p:grpSpPr>
+        <a:xfrm>
+          <a:off x="0" y="0"/>
+          <a:ext cx="0" cy="0"/>
+          <a:chOff x="0" y="0"/>
+          <a:chExt cx="0" cy="0"/>
+        </a:xfrm>
+      </p:grpSpPr>
+      <p:sp>
+        <p:nvSpPr>
+          <p:cNvPr id="2" name="標題 1">
+            <a:extLst>
+              <a:ext uri="{FF2B5EF4-FFF2-40B4-BE49-F238E27FC236}">
+                <a16:creationId xmlns:a16="http://schemas.microsoft.com/office/drawing/2014/main" id="{457E84F2-5C82-49C0-AAD9-BE5BA32330F6}"/>
+              </a:ext>
+            </a:extLst>
+          </p:cNvPr>
+          <p:cNvSpPr>
+            <a:spLocks noGrp="1"/>
+          </p:cNvSpPr>
+          <p:nvPr>
+            <p:ph type="title"/>
+          </p:nvPr>
+        </p:nvSpPr>
+        <p:spPr/>
+        <p:txBody>
+          <a:bodyPr/>
+          <a:lstStyle/>
+          <a:p>
+            <a:r>
+              <a:rPr lang="zh-TW" altLang="en-US"/>
+              <a:t>存取修飾子</a:t>
+            </a:r>
+          </a:p>
+        </p:txBody>
+      </p:sp>
+      <p:sp>
+        <p:nvSpPr>
+          <p:cNvPr id="3" name="內容版面配置區 2">
+            <a:extLst>
+              <a:ext uri="{FF2B5EF4-FFF2-40B4-BE49-F238E27FC236}">
+                <a16:creationId xmlns:a16="http://schemas.microsoft.com/office/drawing/2014/main" id="{BD55122E-F5F9-4702-BFFD-29888D6EF848}"/>
+              </a:ext>
+            </a:extLst>
+          </p:cNvPr>
+          <p:cNvSpPr>
+            <a:spLocks noGrp="1"/>
+          </p:cNvSpPr>
+          <p:nvPr>
+            <p:ph idx="1"/>
+          </p:nvPr>
+        </p:nvSpPr>
+        <p:spPr>
+          <a:xfrm>
+            <a:off x="838200" y="1825625"/>
+            <a:ext cx="10515600" cy="628703"/>
+          </a:xfrm>
+        </p:spPr>
+        <p:txBody>
+          <a:bodyPr/>
+          <a:lstStyle/>
+          <a:p>
+            <a:r>
+              <a:rPr lang="zh-TW" altLang="en-US">
+                <a:solidFill>
+                  <a:srgbClr val="00B0F0"/>
+                </a:solidFill>
+              </a:rPr>
+              <a:t>存取修飾子</a:t>
+            </a:r>
+            <a:r>
+              <a:rPr lang="zh-TW" altLang="en-US"/>
+              <a:t>有四種：</a:t>
+            </a:r>
+          </a:p>
+        </p:txBody>
+      </p:sp>
+      <p:sp>
+        <p:nvSpPr>
+          <p:cNvPr id="55" name="手繪多邊形: 圖案 54">
+            <a:extLst>
+              <a:ext uri="{FF2B5EF4-FFF2-40B4-BE49-F238E27FC236}">
+                <a16:creationId xmlns:a16="http://schemas.microsoft.com/office/drawing/2014/main" id="{52901F14-AEE9-4BE2-A950-7284F9E07FF0}"/>
+              </a:ext>
+            </a:extLst>
+          </p:cNvPr>
+          <p:cNvSpPr/>
+          <p:nvPr/>
+        </p:nvSpPr>
+        <p:spPr>
+          <a:xfrm>
+            <a:off x="1550738" y="3174887"/>
+            <a:ext cx="7538395" cy="505360"/>
+          </a:xfrm>
+          <a:custGeom>
+            <a:avLst/>
+            <a:gdLst>
+              <a:gd name="connsiteX0" fmla="*/ 0 w 7967655"/>
+              <a:gd name="connsiteY0" fmla="*/ 0 h 505360"/>
+              <a:gd name="connsiteX1" fmla="*/ 934875 w 7967655"/>
+              <a:gd name="connsiteY1" fmla="*/ 0 h 505360"/>
+              <a:gd name="connsiteX2" fmla="*/ 1121104 w 7967655"/>
+              <a:gd name="connsiteY2" fmla="*/ 0 h 505360"/>
+              <a:gd name="connsiteX3" fmla="*/ 2055979 w 7967655"/>
+              <a:gd name="connsiteY3" fmla="*/ 0 h 505360"/>
+              <a:gd name="connsiteX4" fmla="*/ 4991408 w 7967655"/>
+              <a:gd name="connsiteY4" fmla="*/ 0 h 505360"/>
+              <a:gd name="connsiteX5" fmla="*/ 5085983 w 7967655"/>
+              <a:gd name="connsiteY5" fmla="*/ 0 h 505360"/>
+              <a:gd name="connsiteX6" fmla="*/ 5735085 w 7967655"/>
+              <a:gd name="connsiteY6" fmla="*/ 0 h 505360"/>
+              <a:gd name="connsiteX7" fmla="*/ 5829660 w 7967655"/>
+              <a:gd name="connsiteY7" fmla="*/ 0 h 505360"/>
+              <a:gd name="connsiteX8" fmla="*/ 5911676 w 7967655"/>
+              <a:gd name="connsiteY8" fmla="*/ 0 h 505360"/>
+              <a:gd name="connsiteX9" fmla="*/ 5926283 w 7967655"/>
+              <a:gd name="connsiteY9" fmla="*/ 0 h 505360"/>
+              <a:gd name="connsiteX10" fmla="*/ 6020858 w 7967655"/>
+              <a:gd name="connsiteY10" fmla="*/ 0 h 505360"/>
+              <a:gd name="connsiteX11" fmla="*/ 6112512 w 7967655"/>
+              <a:gd name="connsiteY11" fmla="*/ 0 h 505360"/>
+              <a:gd name="connsiteX12" fmla="*/ 6207087 w 7967655"/>
+              <a:gd name="connsiteY12" fmla="*/ 0 h 505360"/>
+              <a:gd name="connsiteX13" fmla="*/ 6669960 w 7967655"/>
+              <a:gd name="connsiteY13" fmla="*/ 0 h 505360"/>
+              <a:gd name="connsiteX14" fmla="*/ 6764535 w 7967655"/>
+              <a:gd name="connsiteY14" fmla="*/ 0 h 505360"/>
+              <a:gd name="connsiteX15" fmla="*/ 6846551 w 7967655"/>
+              <a:gd name="connsiteY15" fmla="*/ 0 h 505360"/>
+              <a:gd name="connsiteX16" fmla="*/ 6856189 w 7967655"/>
+              <a:gd name="connsiteY16" fmla="*/ 0 h 505360"/>
+              <a:gd name="connsiteX17" fmla="*/ 6950764 w 7967655"/>
+              <a:gd name="connsiteY17" fmla="*/ 0 h 505360"/>
+              <a:gd name="connsiteX18" fmla="*/ 7032780 w 7967655"/>
+              <a:gd name="connsiteY18" fmla="*/ 0 h 505360"/>
+              <a:gd name="connsiteX19" fmla="*/ 7047387 w 7967655"/>
+              <a:gd name="connsiteY19" fmla="*/ 0 h 505360"/>
+              <a:gd name="connsiteX20" fmla="*/ 7141962 w 7967655"/>
+              <a:gd name="connsiteY20" fmla="*/ 0 h 505360"/>
+              <a:gd name="connsiteX21" fmla="*/ 7791064 w 7967655"/>
+              <a:gd name="connsiteY21" fmla="*/ 0 h 505360"/>
+              <a:gd name="connsiteX22" fmla="*/ 7885639 w 7967655"/>
+              <a:gd name="connsiteY22" fmla="*/ 0 h 505360"/>
+              <a:gd name="connsiteX23" fmla="*/ 7967655 w 7967655"/>
+              <a:gd name="connsiteY23" fmla="*/ 0 h 505360"/>
+              <a:gd name="connsiteX24" fmla="*/ 7967655 w 7967655"/>
+              <a:gd name="connsiteY24" fmla="*/ 505360 h 505360"/>
+              <a:gd name="connsiteX25" fmla="*/ 7885639 w 7967655"/>
+              <a:gd name="connsiteY25" fmla="*/ 505360 h 505360"/>
+              <a:gd name="connsiteX26" fmla="*/ 7791064 w 7967655"/>
+              <a:gd name="connsiteY26" fmla="*/ 505360 h 505360"/>
+              <a:gd name="connsiteX27" fmla="*/ 7141962 w 7967655"/>
+              <a:gd name="connsiteY27" fmla="*/ 505360 h 505360"/>
+              <a:gd name="connsiteX28" fmla="*/ 7047387 w 7967655"/>
+              <a:gd name="connsiteY28" fmla="*/ 505360 h 505360"/>
+              <a:gd name="connsiteX29" fmla="*/ 7032780 w 7967655"/>
+              <a:gd name="connsiteY29" fmla="*/ 505360 h 505360"/>
+              <a:gd name="connsiteX30" fmla="*/ 6950764 w 7967655"/>
+              <a:gd name="connsiteY30" fmla="*/ 505360 h 505360"/>
+              <a:gd name="connsiteX31" fmla="*/ 6856189 w 7967655"/>
+              <a:gd name="connsiteY31" fmla="*/ 505360 h 505360"/>
+              <a:gd name="connsiteX32" fmla="*/ 6846551 w 7967655"/>
+              <a:gd name="connsiteY32" fmla="*/ 505360 h 505360"/>
+              <a:gd name="connsiteX33" fmla="*/ 6764535 w 7967655"/>
+              <a:gd name="connsiteY33" fmla="*/ 505360 h 505360"/>
+              <a:gd name="connsiteX34" fmla="*/ 6669960 w 7967655"/>
+              <a:gd name="connsiteY34" fmla="*/ 505360 h 505360"/>
+              <a:gd name="connsiteX35" fmla="*/ 6207087 w 7967655"/>
+              <a:gd name="connsiteY35" fmla="*/ 505360 h 505360"/>
+              <a:gd name="connsiteX36" fmla="*/ 6112512 w 7967655"/>
+              <a:gd name="connsiteY36" fmla="*/ 505360 h 505360"/>
+              <a:gd name="connsiteX37" fmla="*/ 6020858 w 7967655"/>
+              <a:gd name="connsiteY37" fmla="*/ 505360 h 505360"/>
+              <a:gd name="connsiteX38" fmla="*/ 5926283 w 7967655"/>
+              <a:gd name="connsiteY38" fmla="*/ 505360 h 505360"/>
+              <a:gd name="connsiteX39" fmla="*/ 5911676 w 7967655"/>
+              <a:gd name="connsiteY39" fmla="*/ 505360 h 505360"/>
+              <a:gd name="connsiteX40" fmla="*/ 5829660 w 7967655"/>
+              <a:gd name="connsiteY40" fmla="*/ 505360 h 505360"/>
+              <a:gd name="connsiteX41" fmla="*/ 5735085 w 7967655"/>
+              <a:gd name="connsiteY41" fmla="*/ 505360 h 505360"/>
+              <a:gd name="connsiteX42" fmla="*/ 5085983 w 7967655"/>
+              <a:gd name="connsiteY42" fmla="*/ 505360 h 505360"/>
+              <a:gd name="connsiteX43" fmla="*/ 4991408 w 7967655"/>
+              <a:gd name="connsiteY43" fmla="*/ 505360 h 505360"/>
+              <a:gd name="connsiteX44" fmla="*/ 2055979 w 7967655"/>
+              <a:gd name="connsiteY44" fmla="*/ 505360 h 505360"/>
+              <a:gd name="connsiteX45" fmla="*/ 1121104 w 7967655"/>
+              <a:gd name="connsiteY45" fmla="*/ 505360 h 505360"/>
+              <a:gd name="connsiteX46" fmla="*/ 934875 w 7967655"/>
+              <a:gd name="connsiteY46" fmla="*/ 505360 h 505360"/>
+              <a:gd name="connsiteX47" fmla="*/ 0 w 7967655"/>
+              <a:gd name="connsiteY47" fmla="*/ 505360 h 505360"/>
+            </a:gdLst>
+            <a:ahLst/>
+            <a:cxnLst>
+              <a:cxn ang="0">
+                <a:pos x="connsiteX0" y="connsiteY0"/>
+              </a:cxn>
+              <a:cxn ang="0">
+                <a:pos x="connsiteX1" y="connsiteY1"/>
+              </a:cxn>
+              <a:cxn ang="0">
+                <a:pos x="connsiteX2" y="connsiteY2"/>
+              </a:cxn>
+              <a:cxn ang="0">
+                <a:pos x="connsiteX3" y="connsiteY3"/>
+              </a:cxn>
+              <a:cxn ang="0">
+                <a:pos x="connsiteX4" y="connsiteY4"/>
+              </a:cxn>
+              <a:cxn ang="0">
+                <a:pos x="connsiteX5" y="connsiteY5"/>
+              </a:cxn>
+              <a:cxn ang="0">
+                <a:pos x="connsiteX6" y="connsiteY6"/>
+              </a:cxn>
+              <a:cxn ang="0">
+                <a:pos x="connsiteX7" y="connsiteY7"/>
+              </a:cxn>
+              <a:cxn ang="0">
+                <a:pos x="connsiteX8" y="connsiteY8"/>
+              </a:cxn>
+              <a:cxn ang="0">
+                <a:pos x="connsiteX9" y="connsiteY9"/>
+              </a:cxn>
+              <a:cxn ang="0">
+                <a:pos x="connsiteX10" y="connsiteY10"/>
+              </a:cxn>
+              <a:cxn ang="0">
+                <a:pos x="connsiteX11" y="connsiteY11"/>
+              </a:cxn>
+              <a:cxn ang="0">
+                <a:pos x="connsiteX12" y="connsiteY12"/>
+              </a:cxn>
+              <a:cxn ang="0">
+                <a:pos x="connsiteX13" y="connsiteY13"/>
+              </a:cxn>
+              <a:cxn ang="0">
+                <a:pos x="connsiteX14" y="connsiteY14"/>
+              </a:cxn>
+              <a:cxn ang="0">
+                <a:pos x="connsiteX15" y="connsiteY15"/>
+              </a:cxn>
+              <a:cxn ang="0">
+                <a:pos x="connsiteX16" y="connsiteY16"/>
+              </a:cxn>
+              <a:cxn ang="0">
+                <a:pos x="connsiteX17" y="connsiteY17"/>
+              </a:cxn>
+              <a:cxn ang="0">
+                <a:pos x="connsiteX18" y="connsiteY18"/>
+              </a:cxn>
+              <a:cxn ang="0">
+                <a:pos x="connsiteX19" y="connsiteY19"/>
+              </a:cxn>
+              <a:cxn ang="0">
+                <a:pos x="connsiteX20" y="connsiteY20"/>
+              </a:cxn>
+              <a:cxn ang="0">
+                <a:pos x="connsiteX21" y="connsiteY21"/>
+              </a:cxn>
+              <a:cxn ang="0">
+                <a:pos x="connsiteX22" y="connsiteY22"/>
+              </a:cxn>
+              <a:cxn ang="0">
+                <a:pos x="connsiteX23" y="connsiteY23"/>
+              </a:cxn>
+              <a:cxn ang="0">
+                <a:pos x="connsiteX24" y="connsiteY24"/>
+              </a:cxn>
+              <a:cxn ang="0">
+                <a:pos x="connsiteX25" y="connsiteY25"/>
+              </a:cxn>
+              <a:cxn ang="0">
+                <a:pos x="connsiteX26" y="connsiteY26"/>
+              </a:cxn>
+              <a:cxn ang="0">
+                <a:pos x="connsiteX27" y="connsiteY27"/>
+              </a:cxn>
+              <a:cxn ang="0">
+                <a:pos x="connsiteX28" y="connsiteY28"/>
+              </a:cxn>
+              <a:cxn ang="0">
+                <a:pos x="connsiteX29" y="connsiteY29"/>
+              </a:cxn>
+              <a:cxn ang="0">
+                <a:pos x="connsiteX30" y="connsiteY30"/>
+              </a:cxn>
+              <a:cxn ang="0">
+                <a:pos x="connsiteX31" y="connsiteY31"/>
+              </a:cxn>
+              <a:cxn ang="0">
+                <a:pos x="connsiteX32" y="connsiteY32"/>
+              </a:cxn>
+              <a:cxn ang="0">
+                <a:pos x="connsiteX33" y="connsiteY33"/>
+              </a:cxn>
+              <a:cxn ang="0">
+                <a:pos x="connsiteX34" y="connsiteY34"/>
+              </a:cxn>
+              <a:cxn ang="0">
+                <a:pos x="connsiteX35" y="connsiteY35"/>
+              </a:cxn>
+              <a:cxn ang="0">
+                <a:pos x="connsiteX36" y="connsiteY36"/>
+              </a:cxn>
+              <a:cxn ang="0">
+                <a:pos x="connsiteX37" y="connsiteY37"/>
+              </a:cxn>
+              <a:cxn ang="0">
+                <a:pos x="connsiteX38" y="connsiteY38"/>
+              </a:cxn>
+              <a:cxn ang="0">
+                <a:pos x="connsiteX39" y="connsiteY39"/>
+              </a:cxn>
+              <a:cxn ang="0">
+                <a:pos x="connsiteX40" y="connsiteY40"/>
+              </a:cxn>
+              <a:cxn ang="0">
+                <a:pos x="connsiteX41" y="connsiteY41"/>
+              </a:cxn>
+              <a:cxn ang="0">
+                <a:pos x="connsiteX42" y="connsiteY42"/>
+              </a:cxn>
+              <a:cxn ang="0">
+                <a:pos x="connsiteX43" y="connsiteY43"/>
+              </a:cxn>
+              <a:cxn ang="0">
+                <a:pos x="connsiteX44" y="connsiteY44"/>
+              </a:cxn>
+              <a:cxn ang="0">
+                <a:pos x="connsiteX45" y="connsiteY45"/>
+              </a:cxn>
+              <a:cxn ang="0">
+                <a:pos x="connsiteX46" y="connsiteY46"/>
+              </a:cxn>
+              <a:cxn ang="0">
+                <a:pos x="connsiteX47" y="connsiteY47"/>
+              </a:cxn>
+            </a:cxnLst>
+            <a:rect l="l" t="t" r="r" b="b"/>
+            <a:pathLst>
+              <a:path w="7967655" h="505360">
+                <a:moveTo>
+                  <a:pt x="0" y="0"/>
+                </a:moveTo>
+                <a:lnTo>
+                  <a:pt x="934875" y="0"/>
+                </a:lnTo>
+                <a:lnTo>
+                  <a:pt x="1121104" y="0"/>
+                </a:lnTo>
+                <a:lnTo>
+                  <a:pt x="2055979" y="0"/>
+                </a:lnTo>
+                <a:lnTo>
+                  <a:pt x="4991408" y="0"/>
+                </a:lnTo>
+                <a:lnTo>
+                  <a:pt x="5085983" y="0"/>
+                </a:lnTo>
+                <a:lnTo>
+                  <a:pt x="5735085" y="0"/>
+                </a:lnTo>
+                <a:lnTo>
+                  <a:pt x="5829660" y="0"/>
+                </a:lnTo>
+                <a:lnTo>
+                  <a:pt x="5911676" y="0"/>
+                </a:lnTo>
+                <a:lnTo>
+                  <a:pt x="5926283" y="0"/>
+                </a:lnTo>
+                <a:lnTo>
+                  <a:pt x="6020858" y="0"/>
+                </a:lnTo>
+                <a:lnTo>
+                  <a:pt x="6112512" y="0"/>
+                </a:lnTo>
+                <a:lnTo>
+                  <a:pt x="6207087" y="0"/>
+                </a:lnTo>
+                <a:lnTo>
+                  <a:pt x="6669960" y="0"/>
+                </a:lnTo>
+                <a:lnTo>
+                  <a:pt x="6764535" y="0"/>
+                </a:lnTo>
+                <a:lnTo>
+                  <a:pt x="6846551" y="0"/>
+                </a:lnTo>
+                <a:lnTo>
+                  <a:pt x="6856189" y="0"/>
+                </a:lnTo>
+                <a:lnTo>
+                  <a:pt x="6950764" y="0"/>
+                </a:lnTo>
+                <a:lnTo>
+                  <a:pt x="7032780" y="0"/>
+                </a:lnTo>
+                <a:lnTo>
+                  <a:pt x="7047387" y="0"/>
+                </a:lnTo>
+                <a:lnTo>
+                  <a:pt x="7141962" y="0"/>
+                </a:lnTo>
+                <a:lnTo>
+                  <a:pt x="7791064" y="0"/>
+                </a:lnTo>
+                <a:lnTo>
+                  <a:pt x="7885639" y="0"/>
+                </a:lnTo>
+                <a:lnTo>
+                  <a:pt x="7967655" y="0"/>
+                </a:lnTo>
+                <a:lnTo>
+                  <a:pt x="7967655" y="505360"/>
+                </a:lnTo>
+                <a:lnTo>
+                  <a:pt x="7885639" y="505360"/>
+                </a:lnTo>
+                <a:lnTo>
+                  <a:pt x="7791064" y="505360"/>
+                </a:lnTo>
+                <a:lnTo>
+                  <a:pt x="7141962" y="505360"/>
+                </a:lnTo>
+                <a:lnTo>
+                  <a:pt x="7047387" y="505360"/>
+                </a:lnTo>
+                <a:lnTo>
+                  <a:pt x="7032780" y="505360"/>
+                </a:lnTo>
+                <a:lnTo>
+                  <a:pt x="6950764" y="505360"/>
+                </a:lnTo>
+                <a:lnTo>
+                  <a:pt x="6856189" y="505360"/>
+                </a:lnTo>
+                <a:lnTo>
+                  <a:pt x="6846551" y="505360"/>
+                </a:lnTo>
+                <a:lnTo>
+                  <a:pt x="6764535" y="505360"/>
+                </a:lnTo>
+                <a:lnTo>
+                  <a:pt x="6669960" y="505360"/>
+                </a:lnTo>
+                <a:lnTo>
+                  <a:pt x="6207087" y="505360"/>
+                </a:lnTo>
+                <a:lnTo>
+                  <a:pt x="6112512" y="505360"/>
+                </a:lnTo>
+                <a:lnTo>
+                  <a:pt x="6020858" y="505360"/>
+                </a:lnTo>
+                <a:lnTo>
+                  <a:pt x="5926283" y="505360"/>
+                </a:lnTo>
+                <a:lnTo>
+                  <a:pt x="5911676" y="505360"/>
+                </a:lnTo>
+                <a:lnTo>
+                  <a:pt x="5829660" y="505360"/>
+                </a:lnTo>
+                <a:lnTo>
+                  <a:pt x="5735085" y="505360"/>
+                </a:lnTo>
+                <a:lnTo>
+                  <a:pt x="5085983" y="505360"/>
+                </a:lnTo>
+                <a:lnTo>
+                  <a:pt x="4991408" y="505360"/>
+                </a:lnTo>
+                <a:lnTo>
+                  <a:pt x="2055979" y="505360"/>
+                </a:lnTo>
+                <a:lnTo>
+                  <a:pt x="1121104" y="505360"/>
+                </a:lnTo>
+                <a:lnTo>
+                  <a:pt x="934875" y="505360"/>
+                </a:lnTo>
+                <a:lnTo>
+                  <a:pt x="0" y="505360"/>
+                </a:lnTo>
+                <a:close/>
+              </a:path>
+            </a:pathLst>
+          </a:custGeom>
+          <a:solidFill>
+            <a:srgbClr val="FFFFCC"/>
+          </a:solidFill>
+          <a:ln>
+            <a:noFill/>
+          </a:ln>
+        </p:spPr>
+        <p:style>
+          <a:lnRef idx="2">
+            <a:schemeClr val="accent1">
+              <a:shade val="50000"/>
+            </a:schemeClr>
+          </a:lnRef>
+          <a:fillRef idx="1">
+            <a:schemeClr val="accent1"/>
+          </a:fillRef>
+          <a:effectRef idx="0">
+            <a:schemeClr val="accent1"/>
+          </a:effectRef>
+          <a:fontRef idx="minor">
+            <a:schemeClr val="lt1"/>
+          </a:fontRef>
+        </p:style>
+        <p:txBody>
+          <a:bodyPr wrap="square" rtlCol="0" anchor="ctr">
+            <a:noAutofit/>
+          </a:bodyPr>
+          <a:lstStyle/>
+          <a:p>
+            <a:pPr algn="ctr"/>
+            <a:endParaRPr lang="zh-TW" altLang="en-US"/>
+          </a:p>
+        </p:txBody>
+      </p:sp>
+      <p:sp>
+        <p:nvSpPr>
+          <p:cNvPr id="57" name="手繪多邊形: 圖案 56">
+            <a:extLst>
+              <a:ext uri="{FF2B5EF4-FFF2-40B4-BE49-F238E27FC236}">
+                <a16:creationId xmlns:a16="http://schemas.microsoft.com/office/drawing/2014/main" id="{FEF69D7E-DA28-450B-A9A3-C628077E1312}"/>
+              </a:ext>
+            </a:extLst>
+          </p:cNvPr>
+          <p:cNvSpPr/>
+          <p:nvPr/>
+        </p:nvSpPr>
+        <p:spPr>
+          <a:xfrm>
+            <a:off x="1550738" y="3679141"/>
+            <a:ext cx="7538395" cy="589605"/>
+          </a:xfrm>
+          <a:custGeom>
+            <a:avLst/>
+            <a:gdLst>
+              <a:gd name="connsiteX0" fmla="*/ 0 w 7967655"/>
+              <a:gd name="connsiteY0" fmla="*/ 0 h 824756"/>
+              <a:gd name="connsiteX1" fmla="*/ 934875 w 7967655"/>
+              <a:gd name="connsiteY1" fmla="*/ 0 h 824756"/>
+              <a:gd name="connsiteX2" fmla="*/ 1121104 w 7967655"/>
+              <a:gd name="connsiteY2" fmla="*/ 0 h 824756"/>
+              <a:gd name="connsiteX3" fmla="*/ 2055979 w 7967655"/>
+              <a:gd name="connsiteY3" fmla="*/ 0 h 824756"/>
+              <a:gd name="connsiteX4" fmla="*/ 4991408 w 7967655"/>
+              <a:gd name="connsiteY4" fmla="*/ 0 h 824756"/>
+              <a:gd name="connsiteX5" fmla="*/ 5085983 w 7967655"/>
+              <a:gd name="connsiteY5" fmla="*/ 0 h 824756"/>
+              <a:gd name="connsiteX6" fmla="*/ 5735085 w 7967655"/>
+              <a:gd name="connsiteY6" fmla="*/ 0 h 824756"/>
+              <a:gd name="connsiteX7" fmla="*/ 5829660 w 7967655"/>
+              <a:gd name="connsiteY7" fmla="*/ 0 h 824756"/>
+              <a:gd name="connsiteX8" fmla="*/ 5911676 w 7967655"/>
+              <a:gd name="connsiteY8" fmla="*/ 0 h 824756"/>
+              <a:gd name="connsiteX9" fmla="*/ 5926283 w 7967655"/>
+              <a:gd name="connsiteY9" fmla="*/ 0 h 824756"/>
+              <a:gd name="connsiteX10" fmla="*/ 6020858 w 7967655"/>
+              <a:gd name="connsiteY10" fmla="*/ 0 h 824756"/>
+              <a:gd name="connsiteX11" fmla="*/ 6112512 w 7967655"/>
+              <a:gd name="connsiteY11" fmla="*/ 0 h 824756"/>
+              <a:gd name="connsiteX12" fmla="*/ 6207087 w 7967655"/>
+              <a:gd name="connsiteY12" fmla="*/ 0 h 824756"/>
+              <a:gd name="connsiteX13" fmla="*/ 6669960 w 7967655"/>
+              <a:gd name="connsiteY13" fmla="*/ 0 h 824756"/>
+              <a:gd name="connsiteX14" fmla="*/ 6764535 w 7967655"/>
+              <a:gd name="connsiteY14" fmla="*/ 0 h 824756"/>
+              <a:gd name="connsiteX15" fmla="*/ 6846551 w 7967655"/>
+              <a:gd name="connsiteY15" fmla="*/ 0 h 824756"/>
+              <a:gd name="connsiteX16" fmla="*/ 6856189 w 7967655"/>
+              <a:gd name="connsiteY16" fmla="*/ 0 h 824756"/>
+              <a:gd name="connsiteX17" fmla="*/ 6950764 w 7967655"/>
+              <a:gd name="connsiteY17" fmla="*/ 0 h 824756"/>
+              <a:gd name="connsiteX18" fmla="*/ 7032780 w 7967655"/>
+              <a:gd name="connsiteY18" fmla="*/ 0 h 824756"/>
+              <a:gd name="connsiteX19" fmla="*/ 7047387 w 7967655"/>
+              <a:gd name="connsiteY19" fmla="*/ 0 h 824756"/>
+              <a:gd name="connsiteX20" fmla="*/ 7141962 w 7967655"/>
+              <a:gd name="connsiteY20" fmla="*/ 0 h 824756"/>
+              <a:gd name="connsiteX21" fmla="*/ 7791064 w 7967655"/>
+              <a:gd name="connsiteY21" fmla="*/ 0 h 824756"/>
+              <a:gd name="connsiteX22" fmla="*/ 7885639 w 7967655"/>
+              <a:gd name="connsiteY22" fmla="*/ 0 h 824756"/>
+              <a:gd name="connsiteX23" fmla="*/ 7967655 w 7967655"/>
+              <a:gd name="connsiteY23" fmla="*/ 0 h 824756"/>
+              <a:gd name="connsiteX24" fmla="*/ 7967655 w 7967655"/>
+              <a:gd name="connsiteY24" fmla="*/ 824756 h 824756"/>
+              <a:gd name="connsiteX25" fmla="*/ 7885639 w 7967655"/>
+              <a:gd name="connsiteY25" fmla="*/ 824756 h 824756"/>
+              <a:gd name="connsiteX26" fmla="*/ 7791064 w 7967655"/>
+              <a:gd name="connsiteY26" fmla="*/ 824756 h 824756"/>
+              <a:gd name="connsiteX27" fmla="*/ 7141962 w 7967655"/>
+              <a:gd name="connsiteY27" fmla="*/ 824756 h 824756"/>
+              <a:gd name="connsiteX28" fmla="*/ 7047387 w 7967655"/>
+              <a:gd name="connsiteY28" fmla="*/ 824756 h 824756"/>
+              <a:gd name="connsiteX29" fmla="*/ 7032780 w 7967655"/>
+              <a:gd name="connsiteY29" fmla="*/ 824756 h 824756"/>
+              <a:gd name="connsiteX30" fmla="*/ 6950764 w 7967655"/>
+              <a:gd name="connsiteY30" fmla="*/ 824756 h 824756"/>
+              <a:gd name="connsiteX31" fmla="*/ 6856189 w 7967655"/>
+              <a:gd name="connsiteY31" fmla="*/ 824756 h 824756"/>
+              <a:gd name="connsiteX32" fmla="*/ 6846551 w 7967655"/>
+              <a:gd name="connsiteY32" fmla="*/ 824756 h 824756"/>
+              <a:gd name="connsiteX33" fmla="*/ 6764535 w 7967655"/>
+              <a:gd name="connsiteY33" fmla="*/ 824756 h 824756"/>
+              <a:gd name="connsiteX34" fmla="*/ 6669960 w 7967655"/>
+              <a:gd name="connsiteY34" fmla="*/ 824756 h 824756"/>
+              <a:gd name="connsiteX35" fmla="*/ 6207087 w 7967655"/>
+              <a:gd name="connsiteY35" fmla="*/ 824756 h 824756"/>
+              <a:gd name="connsiteX36" fmla="*/ 6112512 w 7967655"/>
+              <a:gd name="connsiteY36" fmla="*/ 824756 h 824756"/>
+              <a:gd name="connsiteX37" fmla="*/ 6020858 w 7967655"/>
+              <a:gd name="connsiteY37" fmla="*/ 824756 h 824756"/>
+              <a:gd name="connsiteX38" fmla="*/ 5926283 w 7967655"/>
+              <a:gd name="connsiteY38" fmla="*/ 824756 h 824756"/>
+              <a:gd name="connsiteX39" fmla="*/ 5911676 w 7967655"/>
+              <a:gd name="connsiteY39" fmla="*/ 824756 h 824756"/>
+              <a:gd name="connsiteX40" fmla="*/ 5829660 w 7967655"/>
+              <a:gd name="connsiteY40" fmla="*/ 824756 h 824756"/>
+              <a:gd name="connsiteX41" fmla="*/ 5735085 w 7967655"/>
+              <a:gd name="connsiteY41" fmla="*/ 824756 h 824756"/>
+              <a:gd name="connsiteX42" fmla="*/ 5085983 w 7967655"/>
+              <a:gd name="connsiteY42" fmla="*/ 824756 h 824756"/>
+              <a:gd name="connsiteX43" fmla="*/ 4991408 w 7967655"/>
+              <a:gd name="connsiteY43" fmla="*/ 824756 h 824756"/>
+              <a:gd name="connsiteX44" fmla="*/ 2055979 w 7967655"/>
+              <a:gd name="connsiteY44" fmla="*/ 824756 h 824756"/>
+              <a:gd name="connsiteX45" fmla="*/ 1121104 w 7967655"/>
+              <a:gd name="connsiteY45" fmla="*/ 824756 h 824756"/>
+              <a:gd name="connsiteX46" fmla="*/ 934875 w 7967655"/>
+              <a:gd name="connsiteY46" fmla="*/ 824756 h 824756"/>
+              <a:gd name="connsiteX47" fmla="*/ 0 w 7967655"/>
+              <a:gd name="connsiteY47" fmla="*/ 824756 h 824756"/>
+            </a:gdLst>
+            <a:ahLst/>
+            <a:cxnLst>
+              <a:cxn ang="0">
+                <a:pos x="connsiteX0" y="connsiteY0"/>
+              </a:cxn>
+              <a:cxn ang="0">
+                <a:pos x="connsiteX1" y="connsiteY1"/>
+              </a:cxn>
+              <a:cxn ang="0">
+                <a:pos x="connsiteX2" y="connsiteY2"/>
+              </a:cxn>
+              <a:cxn ang="0">
+                <a:pos x="connsiteX3" y="connsiteY3"/>
+              </a:cxn>
+              <a:cxn ang="0">
+                <a:pos x="connsiteX4" y="connsiteY4"/>
+              </a:cxn>
+              <a:cxn ang="0">
+                <a:pos x="connsiteX5" y="connsiteY5"/>
+              </a:cxn>
+              <a:cxn ang="0">
+                <a:pos x="connsiteX6" y="connsiteY6"/>
+              </a:cxn>
+              <a:cxn ang="0">
+                <a:pos x="connsiteX7" y="connsiteY7"/>
+              </a:cxn>
+              <a:cxn ang="0">
+                <a:pos x="connsiteX8" y="connsiteY8"/>
+              </a:cxn>
+              <a:cxn ang="0">
+                <a:pos x="connsiteX9" y="connsiteY9"/>
+              </a:cxn>
+              <a:cxn ang="0">
+                <a:pos x="connsiteX10" y="connsiteY10"/>
+              </a:cxn>
+              <a:cxn ang="0">
+                <a:pos x="connsiteX11" y="connsiteY11"/>
+              </a:cxn>
+              <a:cxn ang="0">
+                <a:pos x="connsiteX12" y="connsiteY12"/>
+              </a:cxn>
+              <a:cxn ang="0">
+                <a:pos x="connsiteX13" y="connsiteY13"/>
+              </a:cxn>
+              <a:cxn ang="0">
+                <a:pos x="connsiteX14" y="connsiteY14"/>
+              </a:cxn>
+              <a:cxn ang="0">
+                <a:pos x="connsiteX15" y="connsiteY15"/>
+              </a:cxn>
+              <a:cxn ang="0">
+                <a:pos x="connsiteX16" y="connsiteY16"/>
+              </a:cxn>
+              <a:cxn ang="0">
+                <a:pos x="connsiteX17" y="connsiteY17"/>
+              </a:cxn>
+              <a:cxn ang="0">
+                <a:pos x="connsiteX18" y="connsiteY18"/>
+              </a:cxn>
+              <a:cxn ang="0">
+                <a:pos x="connsiteX19" y="connsiteY19"/>
+              </a:cxn>
+              <a:cxn ang="0">
+                <a:pos x="connsiteX20" y="connsiteY20"/>
+              </a:cxn>
+              <a:cxn ang="0">
+                <a:pos x="connsiteX21" y="connsiteY21"/>
+              </a:cxn>
+              <a:cxn ang="0">
+                <a:pos x="connsiteX22" y="connsiteY22"/>
+              </a:cxn>
+              <a:cxn ang="0">
+                <a:pos x="connsiteX23" y="connsiteY23"/>
+              </a:cxn>
+              <a:cxn ang="0">
+                <a:pos x="connsiteX24" y="connsiteY24"/>
+              </a:cxn>
+              <a:cxn ang="0">
+                <a:pos x="connsiteX25" y="connsiteY25"/>
+              </a:cxn>
+              <a:cxn ang="0">
+                <a:pos x="connsiteX26" y="connsiteY26"/>
+              </a:cxn>
+              <a:cxn ang="0">
+                <a:pos x="connsiteX27" y="connsiteY27"/>
+              </a:cxn>
+              <a:cxn ang="0">
+                <a:pos x="connsiteX28" y="connsiteY28"/>
+              </a:cxn>
+              <a:cxn ang="0">
+                <a:pos x="connsiteX29" y="connsiteY29"/>
+              </a:cxn>
+              <a:cxn ang="0">
+                <a:pos x="connsiteX30" y="connsiteY30"/>
+              </a:cxn>
+              <a:cxn ang="0">
+                <a:pos x="connsiteX31" y="connsiteY31"/>
+              </a:cxn>
+              <a:cxn ang="0">
+                <a:pos x="connsiteX32" y="connsiteY32"/>
+              </a:cxn>
+              <a:cxn ang="0">
+                <a:pos x="connsiteX33" y="connsiteY33"/>
+              </a:cxn>
+              <a:cxn ang="0">
+                <a:pos x="connsiteX34" y="connsiteY34"/>
+              </a:cxn>
+              <a:cxn ang="0">
+                <a:pos x="connsiteX35" y="connsiteY35"/>
+              </a:cxn>
+              <a:cxn ang="0">
+                <a:pos x="connsiteX36" y="connsiteY36"/>
+              </a:cxn>
+              <a:cxn ang="0">
+                <a:pos x="connsiteX37" y="connsiteY37"/>
+              </a:cxn>
+              <a:cxn ang="0">
+                <a:pos x="connsiteX38" y="connsiteY38"/>
+              </a:cxn>
+              <a:cxn ang="0">
+                <a:pos x="connsiteX39" y="connsiteY39"/>
+              </a:cxn>
+              <a:cxn ang="0">
+                <a:pos x="connsiteX40" y="connsiteY40"/>
+              </a:cxn>
+              <a:cxn ang="0">
+                <a:pos x="connsiteX41" y="connsiteY41"/>
+              </a:cxn>
+              <a:cxn ang="0">
+                <a:pos x="connsiteX42" y="connsiteY42"/>
+              </a:cxn>
+              <a:cxn ang="0">
+                <a:pos x="connsiteX43" y="connsiteY43"/>
+              </a:cxn>
+              <a:cxn ang="0">
+                <a:pos x="connsiteX44" y="connsiteY44"/>
+              </a:cxn>
+              <a:cxn ang="0">
+                <a:pos x="connsiteX45" y="connsiteY45"/>
+              </a:cxn>
+              <a:cxn ang="0">
+                <a:pos x="connsiteX46" y="connsiteY46"/>
+              </a:cxn>
+              <a:cxn ang="0">
+                <a:pos x="connsiteX47" y="connsiteY47"/>
+              </a:cxn>
+            </a:cxnLst>
+            <a:rect l="l" t="t" r="r" b="b"/>
+            <a:pathLst>
+              <a:path w="7967655" h="824756">
+                <a:moveTo>
+                  <a:pt x="0" y="0"/>
+                </a:moveTo>
+                <a:lnTo>
+                  <a:pt x="934875" y="0"/>
+                </a:lnTo>
+                <a:lnTo>
+                  <a:pt x="1121104" y="0"/>
+                </a:lnTo>
+                <a:lnTo>
+                  <a:pt x="2055979" y="0"/>
+                </a:lnTo>
+                <a:lnTo>
+                  <a:pt x="4991408" y="0"/>
+                </a:lnTo>
+                <a:lnTo>
+                  <a:pt x="5085983" y="0"/>
+                </a:lnTo>
+                <a:lnTo>
+                  <a:pt x="5735085" y="0"/>
+                </a:lnTo>
+                <a:lnTo>
+                  <a:pt x="5829660" y="0"/>
+                </a:lnTo>
+                <a:lnTo>
+                  <a:pt x="5911676" y="0"/>
+                </a:lnTo>
+                <a:lnTo>
+                  <a:pt x="5926283" y="0"/>
+                </a:lnTo>
+                <a:lnTo>
+                  <a:pt x="6020858" y="0"/>
+                </a:lnTo>
+                <a:lnTo>
+                  <a:pt x="6112512" y="0"/>
+                </a:lnTo>
+                <a:lnTo>
+                  <a:pt x="6207087" y="0"/>
+                </a:lnTo>
+                <a:lnTo>
+                  <a:pt x="6669960" y="0"/>
+                </a:lnTo>
+                <a:lnTo>
+                  <a:pt x="6764535" y="0"/>
+                </a:lnTo>
+                <a:lnTo>
+                  <a:pt x="6846551" y="0"/>
+                </a:lnTo>
+                <a:lnTo>
+                  <a:pt x="6856189" y="0"/>
+                </a:lnTo>
+                <a:lnTo>
+                  <a:pt x="6950764" y="0"/>
+                </a:lnTo>
+                <a:lnTo>
+                  <a:pt x="7032780" y="0"/>
+                </a:lnTo>
+                <a:lnTo>
+                  <a:pt x="7047387" y="0"/>
+                </a:lnTo>
+                <a:lnTo>
+                  <a:pt x="7141962" y="0"/>
+                </a:lnTo>
+                <a:lnTo>
+                  <a:pt x="7791064" y="0"/>
+                </a:lnTo>
+                <a:lnTo>
+                  <a:pt x="7885639" y="0"/>
+                </a:lnTo>
+                <a:lnTo>
+                  <a:pt x="7967655" y="0"/>
+                </a:lnTo>
+                <a:lnTo>
+                  <a:pt x="7967655" y="824756"/>
+                </a:lnTo>
+                <a:lnTo>
+                  <a:pt x="7885639" y="824756"/>
+                </a:lnTo>
+                <a:lnTo>
+                  <a:pt x="7791064" y="824756"/>
+                </a:lnTo>
+                <a:lnTo>
+                  <a:pt x="7141962" y="824756"/>
+                </a:lnTo>
+                <a:lnTo>
+                  <a:pt x="7047387" y="824756"/>
+                </a:lnTo>
+                <a:lnTo>
+                  <a:pt x="7032780" y="824756"/>
+                </a:lnTo>
+                <a:lnTo>
+                  <a:pt x="6950764" y="824756"/>
+                </a:lnTo>
+                <a:lnTo>
+                  <a:pt x="6856189" y="824756"/>
+                </a:lnTo>
+                <a:lnTo>
+                  <a:pt x="6846551" y="824756"/>
+                </a:lnTo>
+                <a:lnTo>
+                  <a:pt x="6764535" y="824756"/>
+                </a:lnTo>
+                <a:lnTo>
+                  <a:pt x="6669960" y="824756"/>
+                </a:lnTo>
+                <a:lnTo>
+                  <a:pt x="6207087" y="824756"/>
+                </a:lnTo>
+                <a:lnTo>
+                  <a:pt x="6112512" y="824756"/>
+                </a:lnTo>
+                <a:lnTo>
+                  <a:pt x="6020858" y="824756"/>
+                </a:lnTo>
+                <a:lnTo>
+                  <a:pt x="5926283" y="824756"/>
+                </a:lnTo>
+                <a:lnTo>
+                  <a:pt x="5911676" y="824756"/>
+                </a:lnTo>
+                <a:lnTo>
+                  <a:pt x="5829660" y="824756"/>
+                </a:lnTo>
+                <a:lnTo>
+                  <a:pt x="5735085" y="824756"/>
+                </a:lnTo>
+                <a:lnTo>
+                  <a:pt x="5085983" y="824756"/>
+                </a:lnTo>
+                <a:lnTo>
+                  <a:pt x="4991408" y="824756"/>
+                </a:lnTo>
+                <a:lnTo>
+                  <a:pt x="2055979" y="824756"/>
+                </a:lnTo>
+                <a:lnTo>
+                  <a:pt x="1121104" y="824756"/>
+                </a:lnTo>
+                <a:lnTo>
+                  <a:pt x="934875" y="824756"/>
+                </a:lnTo>
+                <a:lnTo>
+                  <a:pt x="0" y="824756"/>
+                </a:lnTo>
+                <a:close/>
+              </a:path>
+            </a:pathLst>
+          </a:custGeom>
+          <a:solidFill>
+            <a:srgbClr val="CCFFCC"/>
+          </a:solidFill>
+          <a:ln>
+            <a:noFill/>
+          </a:ln>
+        </p:spPr>
+        <p:style>
+          <a:lnRef idx="2">
+            <a:schemeClr val="accent1">
+              <a:shade val="50000"/>
+            </a:schemeClr>
+          </a:lnRef>
+          <a:fillRef idx="1">
+            <a:schemeClr val="accent1"/>
+          </a:fillRef>
+          <a:effectRef idx="0">
+            <a:schemeClr val="accent1"/>
+          </a:effectRef>
+          <a:fontRef idx="minor">
+            <a:schemeClr val="lt1"/>
+          </a:fontRef>
+        </p:style>
+        <p:txBody>
+          <a:bodyPr wrap="square" rtlCol="0" anchor="ctr">
+            <a:noAutofit/>
+          </a:bodyPr>
+          <a:lstStyle/>
+          <a:p>
+            <a:pPr algn="ctr"/>
+            <a:endParaRPr lang="zh-TW" altLang="en-US"/>
+          </a:p>
+        </p:txBody>
+      </p:sp>
+      <p:sp>
+        <p:nvSpPr>
+          <p:cNvPr id="58" name="手繪多邊形: 圖案 57">
+            <a:extLst>
+              <a:ext uri="{FF2B5EF4-FFF2-40B4-BE49-F238E27FC236}">
+                <a16:creationId xmlns:a16="http://schemas.microsoft.com/office/drawing/2014/main" id="{A476492C-0B27-4FBC-97EA-2842E5438941}"/>
+              </a:ext>
+            </a:extLst>
+          </p:cNvPr>
+          <p:cNvSpPr/>
+          <p:nvPr/>
+        </p:nvSpPr>
+        <p:spPr>
+          <a:xfrm>
+            <a:off x="1550737" y="4254673"/>
+            <a:ext cx="7538395" cy="1252283"/>
+          </a:xfrm>
+          <a:custGeom>
+            <a:avLst/>
+            <a:gdLst>
+              <a:gd name="connsiteX0" fmla="*/ 0 w 7967655"/>
+              <a:gd name="connsiteY0" fmla="*/ 0 h 791685"/>
+              <a:gd name="connsiteX1" fmla="*/ 934875 w 7967655"/>
+              <a:gd name="connsiteY1" fmla="*/ 0 h 791685"/>
+              <a:gd name="connsiteX2" fmla="*/ 1121104 w 7967655"/>
+              <a:gd name="connsiteY2" fmla="*/ 0 h 791685"/>
+              <a:gd name="connsiteX3" fmla="*/ 2055979 w 7967655"/>
+              <a:gd name="connsiteY3" fmla="*/ 0 h 791685"/>
+              <a:gd name="connsiteX4" fmla="*/ 4991408 w 7967655"/>
+              <a:gd name="connsiteY4" fmla="*/ 0 h 791685"/>
+              <a:gd name="connsiteX5" fmla="*/ 5085983 w 7967655"/>
+              <a:gd name="connsiteY5" fmla="*/ 0 h 791685"/>
+              <a:gd name="connsiteX6" fmla="*/ 5735085 w 7967655"/>
+              <a:gd name="connsiteY6" fmla="*/ 0 h 791685"/>
+              <a:gd name="connsiteX7" fmla="*/ 5829660 w 7967655"/>
+              <a:gd name="connsiteY7" fmla="*/ 0 h 791685"/>
+              <a:gd name="connsiteX8" fmla="*/ 5911676 w 7967655"/>
+              <a:gd name="connsiteY8" fmla="*/ 0 h 791685"/>
+              <a:gd name="connsiteX9" fmla="*/ 5926283 w 7967655"/>
+              <a:gd name="connsiteY9" fmla="*/ 0 h 791685"/>
+              <a:gd name="connsiteX10" fmla="*/ 6020858 w 7967655"/>
+              <a:gd name="connsiteY10" fmla="*/ 0 h 791685"/>
+              <a:gd name="connsiteX11" fmla="*/ 6112512 w 7967655"/>
+              <a:gd name="connsiteY11" fmla="*/ 0 h 791685"/>
+              <a:gd name="connsiteX12" fmla="*/ 6207087 w 7967655"/>
+              <a:gd name="connsiteY12" fmla="*/ 0 h 791685"/>
+              <a:gd name="connsiteX13" fmla="*/ 6669960 w 7967655"/>
+              <a:gd name="connsiteY13" fmla="*/ 0 h 791685"/>
+              <a:gd name="connsiteX14" fmla="*/ 6764535 w 7967655"/>
+              <a:gd name="connsiteY14" fmla="*/ 0 h 791685"/>
+              <a:gd name="connsiteX15" fmla="*/ 6846551 w 7967655"/>
+              <a:gd name="connsiteY15" fmla="*/ 0 h 791685"/>
+              <a:gd name="connsiteX16" fmla="*/ 6856189 w 7967655"/>
+              <a:gd name="connsiteY16" fmla="*/ 0 h 791685"/>
+              <a:gd name="connsiteX17" fmla="*/ 6950764 w 7967655"/>
+              <a:gd name="connsiteY17" fmla="*/ 0 h 791685"/>
+              <a:gd name="connsiteX18" fmla="*/ 7032780 w 7967655"/>
+              <a:gd name="connsiteY18" fmla="*/ 0 h 791685"/>
+              <a:gd name="connsiteX19" fmla="*/ 7047387 w 7967655"/>
+              <a:gd name="connsiteY19" fmla="*/ 0 h 791685"/>
+              <a:gd name="connsiteX20" fmla="*/ 7141962 w 7967655"/>
+              <a:gd name="connsiteY20" fmla="*/ 0 h 791685"/>
+              <a:gd name="connsiteX21" fmla="*/ 7791064 w 7967655"/>
+              <a:gd name="connsiteY21" fmla="*/ 0 h 791685"/>
+              <a:gd name="connsiteX22" fmla="*/ 7885639 w 7967655"/>
+              <a:gd name="connsiteY22" fmla="*/ 0 h 791685"/>
+              <a:gd name="connsiteX23" fmla="*/ 7967655 w 7967655"/>
+              <a:gd name="connsiteY23" fmla="*/ 0 h 791685"/>
+              <a:gd name="connsiteX24" fmla="*/ 7967655 w 7967655"/>
+              <a:gd name="connsiteY24" fmla="*/ 791685 h 791685"/>
+              <a:gd name="connsiteX25" fmla="*/ 7885639 w 7967655"/>
+              <a:gd name="connsiteY25" fmla="*/ 791685 h 791685"/>
+              <a:gd name="connsiteX26" fmla="*/ 7791064 w 7967655"/>
+              <a:gd name="connsiteY26" fmla="*/ 791685 h 791685"/>
+              <a:gd name="connsiteX27" fmla="*/ 7141962 w 7967655"/>
+              <a:gd name="connsiteY27" fmla="*/ 791685 h 791685"/>
+              <a:gd name="connsiteX28" fmla="*/ 7047387 w 7967655"/>
+              <a:gd name="connsiteY28" fmla="*/ 791685 h 791685"/>
+              <a:gd name="connsiteX29" fmla="*/ 7032780 w 7967655"/>
+              <a:gd name="connsiteY29" fmla="*/ 791685 h 791685"/>
+              <a:gd name="connsiteX30" fmla="*/ 6950764 w 7967655"/>
+              <a:gd name="connsiteY30" fmla="*/ 791685 h 791685"/>
+              <a:gd name="connsiteX31" fmla="*/ 6856189 w 7967655"/>
+              <a:gd name="connsiteY31" fmla="*/ 791685 h 791685"/>
+              <a:gd name="connsiteX32" fmla="*/ 6846551 w 7967655"/>
+              <a:gd name="connsiteY32" fmla="*/ 791685 h 791685"/>
+              <a:gd name="connsiteX33" fmla="*/ 6764535 w 7967655"/>
+              <a:gd name="connsiteY33" fmla="*/ 791685 h 791685"/>
+              <a:gd name="connsiteX34" fmla="*/ 6669960 w 7967655"/>
+              <a:gd name="connsiteY34" fmla="*/ 791685 h 791685"/>
+              <a:gd name="connsiteX35" fmla="*/ 6207087 w 7967655"/>
+              <a:gd name="connsiteY35" fmla="*/ 791685 h 791685"/>
+              <a:gd name="connsiteX36" fmla="*/ 6112512 w 7967655"/>
+              <a:gd name="connsiteY36" fmla="*/ 791685 h 791685"/>
+              <a:gd name="connsiteX37" fmla="*/ 6020858 w 7967655"/>
+              <a:gd name="connsiteY37" fmla="*/ 791685 h 791685"/>
+              <a:gd name="connsiteX38" fmla="*/ 5926283 w 7967655"/>
+              <a:gd name="connsiteY38" fmla="*/ 791685 h 791685"/>
+              <a:gd name="connsiteX39" fmla="*/ 5911676 w 7967655"/>
+              <a:gd name="connsiteY39" fmla="*/ 791685 h 791685"/>
+              <a:gd name="connsiteX40" fmla="*/ 5829660 w 7967655"/>
+              <a:gd name="connsiteY40" fmla="*/ 791685 h 791685"/>
+              <a:gd name="connsiteX41" fmla="*/ 5735085 w 7967655"/>
+              <a:gd name="connsiteY41" fmla="*/ 791685 h 791685"/>
+              <a:gd name="connsiteX42" fmla="*/ 5085983 w 7967655"/>
+              <a:gd name="connsiteY42" fmla="*/ 791685 h 791685"/>
+              <a:gd name="connsiteX43" fmla="*/ 4991408 w 7967655"/>
+              <a:gd name="connsiteY43" fmla="*/ 791685 h 791685"/>
+              <a:gd name="connsiteX44" fmla="*/ 2055979 w 7967655"/>
+              <a:gd name="connsiteY44" fmla="*/ 791685 h 791685"/>
+              <a:gd name="connsiteX45" fmla="*/ 1121104 w 7967655"/>
+              <a:gd name="connsiteY45" fmla="*/ 791685 h 791685"/>
+              <a:gd name="connsiteX46" fmla="*/ 934875 w 7967655"/>
+              <a:gd name="connsiteY46" fmla="*/ 791685 h 791685"/>
+              <a:gd name="connsiteX47" fmla="*/ 0 w 7967655"/>
+              <a:gd name="connsiteY47" fmla="*/ 791685 h 791685"/>
+            </a:gdLst>
+            <a:ahLst/>
+            <a:cxnLst>
+              <a:cxn ang="0">
+                <a:pos x="connsiteX0" y="connsiteY0"/>
+              </a:cxn>
+              <a:cxn ang="0">
+                <a:pos x="connsiteX1" y="connsiteY1"/>
+              </a:cxn>
+              <a:cxn ang="0">
+                <a:pos x="connsiteX2" y="connsiteY2"/>
+              </a:cxn>
+              <a:cxn ang="0">
+                <a:pos x="connsiteX3" y="connsiteY3"/>
+              </a:cxn>
+              <a:cxn ang="0">
+                <a:pos x="connsiteX4" y="connsiteY4"/>
+              </a:cxn>
+              <a:cxn ang="0">
+                <a:pos x="connsiteX5" y="connsiteY5"/>
+              </a:cxn>
+              <a:cxn ang="0">
+                <a:pos x="connsiteX6" y="connsiteY6"/>
+              </a:cxn>
+              <a:cxn ang="0">
+                <a:pos x="connsiteX7" y="connsiteY7"/>
+              </a:cxn>
+              <a:cxn ang="0">
+                <a:pos x="connsiteX8" y="connsiteY8"/>
+              </a:cxn>
+              <a:cxn ang="0">
+                <a:pos x="connsiteX9" y="connsiteY9"/>
+              </a:cxn>
+              <a:cxn ang="0">
+                <a:pos x="connsiteX10" y="connsiteY10"/>
+              </a:cxn>
+              <a:cxn ang="0">
+                <a:pos x="connsiteX11" y="connsiteY11"/>
+              </a:cxn>
+              <a:cxn ang="0">
+                <a:pos x="connsiteX12" y="connsiteY12"/>
+              </a:cxn>
+              <a:cxn ang="0">
+                <a:pos x="connsiteX13" y="connsiteY13"/>
+              </a:cxn>
+              <a:cxn ang="0">
+                <a:pos x="connsiteX14" y="connsiteY14"/>
+              </a:cxn>
+              <a:cxn ang="0">
+                <a:pos x="connsiteX15" y="connsiteY15"/>
+              </a:cxn>
+              <a:cxn ang="0">
+                <a:pos x="connsiteX16" y="connsiteY16"/>
+              </a:cxn>
+              <a:cxn ang="0">
+                <a:pos x="connsiteX17" y="connsiteY17"/>
+              </a:cxn>
+              <a:cxn ang="0">
+                <a:pos x="connsiteX18" y="connsiteY18"/>
+              </a:cxn>
+              <a:cxn ang="0">
+                <a:pos x="connsiteX19" y="connsiteY19"/>
+              </a:cxn>
+              <a:cxn ang="0">
+                <a:pos x="connsiteX20" y="connsiteY20"/>
+              </a:cxn>
+              <a:cxn ang="0">
+                <a:pos x="connsiteX21" y="connsiteY21"/>
+              </a:cxn>
+              <a:cxn ang="0">
+                <a:pos x="connsiteX22" y="connsiteY22"/>
+              </a:cxn>
+              <a:cxn ang="0">
+                <a:pos x="connsiteX23" y="connsiteY23"/>
+              </a:cxn>
+              <a:cxn ang="0">
+                <a:pos x="connsiteX24" y="connsiteY24"/>
+              </a:cxn>
+              <a:cxn ang="0">
+                <a:pos x="connsiteX25" y="connsiteY25"/>
+              </a:cxn>
+              <a:cxn ang="0">
+                <a:pos x="connsiteX26" y="connsiteY26"/>
+              </a:cxn>
+              <a:cxn ang="0">
+                <a:pos x="connsiteX27" y="connsiteY27"/>
+              </a:cxn>
+              <a:cxn ang="0">
+                <a:pos x="connsiteX28" y="connsiteY28"/>
+              </a:cxn>
+              <a:cxn ang="0">
+                <a:pos x="connsiteX29" y="connsiteY29"/>
+              </a:cxn>
+              <a:cxn ang="0">
+                <a:pos x="connsiteX30" y="connsiteY30"/>
+              </a:cxn>
+              <a:cxn ang="0">
+                <a:pos x="connsiteX31" y="connsiteY31"/>
+              </a:cxn>
+              <a:cxn ang="0">
+                <a:pos x="connsiteX32" y="connsiteY32"/>
+              </a:cxn>
+              <a:cxn ang="0">
+                <a:pos x="connsiteX33" y="connsiteY33"/>
+              </a:cxn>
+              <a:cxn ang="0">
+                <a:pos x="connsiteX34" y="connsiteY34"/>
+              </a:cxn>
+              <a:cxn ang="0">
+                <a:pos x="connsiteX35" y="connsiteY35"/>
+              </a:cxn>
+              <a:cxn ang="0">
+                <a:pos x="connsiteX36" y="connsiteY36"/>
+              </a:cxn>
+              <a:cxn ang="0">
+                <a:pos x="connsiteX37" y="connsiteY37"/>
+              </a:cxn>
+              <a:cxn ang="0">
+                <a:pos x="connsiteX38" y="connsiteY38"/>
+              </a:cxn>
+              <a:cxn ang="0">
+                <a:pos x="connsiteX39" y="connsiteY39"/>
+              </a:cxn>
+              <a:cxn ang="0">
+                <a:pos x="connsiteX40" y="connsiteY40"/>
+              </a:cxn>
+              <a:cxn ang="0">
+                <a:pos x="connsiteX41" y="connsiteY41"/>
+              </a:cxn>
+              <a:cxn ang="0">
+                <a:pos x="connsiteX42" y="connsiteY42"/>
+              </a:cxn>
+              <a:cxn ang="0">
+                <a:pos x="connsiteX43" y="connsiteY43"/>
+              </a:cxn>
+              <a:cxn ang="0">
+                <a:pos x="connsiteX44" y="connsiteY44"/>
+              </a:cxn>
+              <a:cxn ang="0">
+                <a:pos x="connsiteX45" y="connsiteY45"/>
+              </a:cxn>
+              <a:cxn ang="0">
+                <a:pos x="connsiteX46" y="connsiteY46"/>
+              </a:cxn>
+              <a:cxn ang="0">
+                <a:pos x="connsiteX47" y="connsiteY47"/>
+              </a:cxn>
+            </a:cxnLst>
+            <a:rect l="l" t="t" r="r" b="b"/>
+            <a:pathLst>
+              <a:path w="7967655" h="791685">
+                <a:moveTo>
+                  <a:pt x="0" y="0"/>
+                </a:moveTo>
+                <a:lnTo>
+                  <a:pt x="934875" y="0"/>
+                </a:lnTo>
+                <a:lnTo>
+                  <a:pt x="1121104" y="0"/>
+                </a:lnTo>
+                <a:lnTo>
+                  <a:pt x="2055979" y="0"/>
+                </a:lnTo>
+                <a:lnTo>
+                  <a:pt x="4991408" y="0"/>
+                </a:lnTo>
+                <a:lnTo>
+                  <a:pt x="5085983" y="0"/>
+                </a:lnTo>
+                <a:lnTo>
+                  <a:pt x="5735085" y="0"/>
+                </a:lnTo>
+                <a:lnTo>
+                  <a:pt x="5829660" y="0"/>
+                </a:lnTo>
+                <a:lnTo>
+                  <a:pt x="5911676" y="0"/>
+                </a:lnTo>
+                <a:lnTo>
+                  <a:pt x="5926283" y="0"/>
+                </a:lnTo>
+                <a:lnTo>
+                  <a:pt x="6020858" y="0"/>
+                </a:lnTo>
+                <a:lnTo>
+                  <a:pt x="6112512" y="0"/>
+                </a:lnTo>
+                <a:lnTo>
+                  <a:pt x="6207087" y="0"/>
+                </a:lnTo>
+                <a:lnTo>
+                  <a:pt x="6669960" y="0"/>
+                </a:lnTo>
+                <a:lnTo>
+                  <a:pt x="6764535" y="0"/>
+                </a:lnTo>
+                <a:lnTo>
+                  <a:pt x="6846551" y="0"/>
+                </a:lnTo>
+                <a:lnTo>
+                  <a:pt x="6856189" y="0"/>
+                </a:lnTo>
+                <a:lnTo>
+                  <a:pt x="6950764" y="0"/>
+                </a:lnTo>
+                <a:lnTo>
+                  <a:pt x="7032780" y="0"/>
+                </a:lnTo>
+                <a:lnTo>
+                  <a:pt x="7047387" y="0"/>
+                </a:lnTo>
+                <a:lnTo>
+                  <a:pt x="7141962" y="0"/>
+                </a:lnTo>
+                <a:lnTo>
+                  <a:pt x="7791064" y="0"/>
+                </a:lnTo>
+                <a:lnTo>
+                  <a:pt x="7885639" y="0"/>
+                </a:lnTo>
+                <a:lnTo>
+                  <a:pt x="7967655" y="0"/>
+                </a:lnTo>
+                <a:lnTo>
+                  <a:pt x="7967655" y="791685"/>
+                </a:lnTo>
+                <a:lnTo>
+                  <a:pt x="7885639" y="791685"/>
+                </a:lnTo>
+                <a:lnTo>
+                  <a:pt x="7791064" y="791685"/>
+                </a:lnTo>
+                <a:lnTo>
+                  <a:pt x="7141962" y="791685"/>
+                </a:lnTo>
+                <a:lnTo>
+                  <a:pt x="7047387" y="791685"/>
+                </a:lnTo>
+                <a:lnTo>
+                  <a:pt x="7032780" y="791685"/>
+                </a:lnTo>
+                <a:lnTo>
+                  <a:pt x="6950764" y="791685"/>
+                </a:lnTo>
+                <a:lnTo>
+                  <a:pt x="6856189" y="791685"/>
+                </a:lnTo>
+                <a:lnTo>
+                  <a:pt x="6846551" y="791685"/>
+                </a:lnTo>
+                <a:lnTo>
+                  <a:pt x="6764535" y="791685"/>
+                </a:lnTo>
+                <a:lnTo>
+                  <a:pt x="6669960" y="791685"/>
+                </a:lnTo>
+                <a:lnTo>
+                  <a:pt x="6207087" y="791685"/>
+                </a:lnTo>
+                <a:lnTo>
+                  <a:pt x="6112512" y="791685"/>
+                </a:lnTo>
+                <a:lnTo>
+                  <a:pt x="6020858" y="791685"/>
+                </a:lnTo>
+                <a:lnTo>
+                  <a:pt x="5926283" y="791685"/>
+                </a:lnTo>
+                <a:lnTo>
+                  <a:pt x="5911676" y="791685"/>
+                </a:lnTo>
+                <a:lnTo>
+                  <a:pt x="5829660" y="791685"/>
+                </a:lnTo>
+                <a:lnTo>
+                  <a:pt x="5735085" y="791685"/>
+                </a:lnTo>
+                <a:lnTo>
+                  <a:pt x="5085983" y="791685"/>
+                </a:lnTo>
+                <a:lnTo>
+                  <a:pt x="4991408" y="791685"/>
+                </a:lnTo>
+                <a:lnTo>
+                  <a:pt x="2055979" y="791685"/>
+                </a:lnTo>
+                <a:lnTo>
+                  <a:pt x="1121104" y="791685"/>
+                </a:lnTo>
+                <a:lnTo>
+                  <a:pt x="934875" y="791685"/>
+                </a:lnTo>
+                <a:lnTo>
+                  <a:pt x="0" y="791685"/>
+                </a:lnTo>
+                <a:close/>
+              </a:path>
+            </a:pathLst>
+          </a:custGeom>
+          <a:solidFill>
+            <a:srgbClr val="FFCC99"/>
+          </a:solidFill>
+          <a:ln>
+            <a:noFill/>
+          </a:ln>
+        </p:spPr>
+        <p:style>
+          <a:lnRef idx="2">
+            <a:schemeClr val="accent1">
+              <a:shade val="50000"/>
+            </a:schemeClr>
+          </a:lnRef>
+          <a:fillRef idx="1">
+            <a:schemeClr val="accent1"/>
+          </a:fillRef>
+          <a:effectRef idx="0">
+            <a:schemeClr val="accent1"/>
+          </a:effectRef>
+          <a:fontRef idx="minor">
+            <a:schemeClr val="lt1"/>
+          </a:fontRef>
+        </p:style>
+        <p:txBody>
+          <a:bodyPr wrap="square" rtlCol="0" anchor="ctr">
+            <a:noAutofit/>
+          </a:bodyPr>
+          <a:lstStyle/>
+          <a:p>
+            <a:pPr algn="ctr"/>
+            <a:endParaRPr lang="zh-TW" altLang="en-US"/>
+          </a:p>
+        </p:txBody>
+      </p:sp>
+      <p:sp>
+        <p:nvSpPr>
+          <p:cNvPr id="59" name="手繪多邊形: 圖案 58">
+            <a:extLst>
+              <a:ext uri="{FF2B5EF4-FFF2-40B4-BE49-F238E27FC236}">
+                <a16:creationId xmlns:a16="http://schemas.microsoft.com/office/drawing/2014/main" id="{1CE69D0B-D77C-41E6-B1AD-D97CE7132497}"/>
+              </a:ext>
+            </a:extLst>
+          </p:cNvPr>
+          <p:cNvSpPr/>
+          <p:nvPr/>
+        </p:nvSpPr>
+        <p:spPr>
+          <a:xfrm>
+            <a:off x="1550737" y="2514975"/>
+            <a:ext cx="7538396" cy="648586"/>
+          </a:xfrm>
+          <a:custGeom>
+            <a:avLst/>
+            <a:gdLst>
+              <a:gd name="connsiteX0" fmla="*/ 589184 w 9090526"/>
+              <a:gd name="connsiteY0" fmla="*/ 0 h 648586"/>
+              <a:gd name="connsiteX1" fmla="*/ 1524059 w 9090526"/>
+              <a:gd name="connsiteY1" fmla="*/ 0 h 648586"/>
+              <a:gd name="connsiteX2" fmla="*/ 1710288 w 9090526"/>
+              <a:gd name="connsiteY2" fmla="*/ 0 h 648586"/>
+              <a:gd name="connsiteX3" fmla="*/ 1712055 w 9090526"/>
+              <a:gd name="connsiteY3" fmla="*/ 0 h 648586"/>
+              <a:gd name="connsiteX4" fmla="*/ 2645163 w 9090526"/>
+              <a:gd name="connsiteY4" fmla="*/ 0 h 648586"/>
+              <a:gd name="connsiteX5" fmla="*/ 2646930 w 9090526"/>
+              <a:gd name="connsiteY5" fmla="*/ 0 h 648586"/>
+              <a:gd name="connsiteX6" fmla="*/ 2833159 w 9090526"/>
+              <a:gd name="connsiteY6" fmla="*/ 0 h 648586"/>
+              <a:gd name="connsiteX7" fmla="*/ 3768034 w 9090526"/>
+              <a:gd name="connsiteY7" fmla="*/ 0 h 648586"/>
+              <a:gd name="connsiteX8" fmla="*/ 4991408 w 9090526"/>
+              <a:gd name="connsiteY8" fmla="*/ 0 h 648586"/>
+              <a:gd name="connsiteX9" fmla="*/ 5085983 w 9090526"/>
+              <a:gd name="connsiteY9" fmla="*/ 0 h 648586"/>
+              <a:gd name="connsiteX10" fmla="*/ 5322492 w 9090526"/>
+              <a:gd name="connsiteY10" fmla="*/ 0 h 648586"/>
+              <a:gd name="connsiteX11" fmla="*/ 5926283 w 9090526"/>
+              <a:gd name="connsiteY11" fmla="*/ 0 h 648586"/>
+              <a:gd name="connsiteX12" fmla="*/ 6020858 w 9090526"/>
+              <a:gd name="connsiteY12" fmla="*/ 0 h 648586"/>
+              <a:gd name="connsiteX13" fmla="*/ 6112512 w 9090526"/>
+              <a:gd name="connsiteY13" fmla="*/ 0 h 648586"/>
+              <a:gd name="connsiteX14" fmla="*/ 6114279 w 9090526"/>
+              <a:gd name="connsiteY14" fmla="*/ 0 h 648586"/>
+              <a:gd name="connsiteX15" fmla="*/ 6207087 w 9090526"/>
+              <a:gd name="connsiteY15" fmla="*/ 0 h 648586"/>
+              <a:gd name="connsiteX16" fmla="*/ 6208854 w 9090526"/>
+              <a:gd name="connsiteY16" fmla="*/ 0 h 648586"/>
+              <a:gd name="connsiteX17" fmla="*/ 6257367 w 9090526"/>
+              <a:gd name="connsiteY17" fmla="*/ 0 h 648586"/>
+              <a:gd name="connsiteX18" fmla="*/ 6443596 w 9090526"/>
+              <a:gd name="connsiteY18" fmla="*/ 0 h 648586"/>
+              <a:gd name="connsiteX19" fmla="*/ 6445363 w 9090526"/>
+              <a:gd name="connsiteY19" fmla="*/ 0 h 648586"/>
+              <a:gd name="connsiteX20" fmla="*/ 7047387 w 9090526"/>
+              <a:gd name="connsiteY20" fmla="*/ 0 h 648586"/>
+              <a:gd name="connsiteX21" fmla="*/ 7049154 w 9090526"/>
+              <a:gd name="connsiteY21" fmla="*/ 0 h 648586"/>
+              <a:gd name="connsiteX22" fmla="*/ 7141962 w 9090526"/>
+              <a:gd name="connsiteY22" fmla="*/ 0 h 648586"/>
+              <a:gd name="connsiteX23" fmla="*/ 7143729 w 9090526"/>
+              <a:gd name="connsiteY23" fmla="*/ 0 h 648586"/>
+              <a:gd name="connsiteX24" fmla="*/ 7235383 w 9090526"/>
+              <a:gd name="connsiteY24" fmla="*/ 0 h 648586"/>
+              <a:gd name="connsiteX25" fmla="*/ 7329958 w 9090526"/>
+              <a:gd name="connsiteY25" fmla="*/ 0 h 648586"/>
+              <a:gd name="connsiteX26" fmla="*/ 7378471 w 9090526"/>
+              <a:gd name="connsiteY26" fmla="*/ 0 h 648586"/>
+              <a:gd name="connsiteX27" fmla="*/ 7380238 w 9090526"/>
+              <a:gd name="connsiteY27" fmla="*/ 0 h 648586"/>
+              <a:gd name="connsiteX28" fmla="*/ 7566467 w 9090526"/>
+              <a:gd name="connsiteY28" fmla="*/ 0 h 648586"/>
+              <a:gd name="connsiteX29" fmla="*/ 8170258 w 9090526"/>
+              <a:gd name="connsiteY29" fmla="*/ 0 h 648586"/>
+              <a:gd name="connsiteX30" fmla="*/ 8264833 w 9090526"/>
+              <a:gd name="connsiteY30" fmla="*/ 0 h 648586"/>
+              <a:gd name="connsiteX31" fmla="*/ 8501342 w 9090526"/>
+              <a:gd name="connsiteY31" fmla="*/ 0 h 648586"/>
+              <a:gd name="connsiteX32" fmla="*/ 9090526 w 9090526"/>
+              <a:gd name="connsiteY32" fmla="*/ 589184 h 648586"/>
+              <a:gd name="connsiteX33" fmla="*/ 9090526 w 9090526"/>
+              <a:gd name="connsiteY33" fmla="*/ 619318 h 648586"/>
+              <a:gd name="connsiteX34" fmla="*/ 9090526 w 9090526"/>
+              <a:gd name="connsiteY34" fmla="*/ 631072 h 648586"/>
+              <a:gd name="connsiteX35" fmla="*/ 9090526 w 9090526"/>
+              <a:gd name="connsiteY35" fmla="*/ 648586 h 648586"/>
+              <a:gd name="connsiteX36" fmla="*/ 0 w 9090526"/>
+              <a:gd name="connsiteY36" fmla="*/ 648586 h 648586"/>
+              <a:gd name="connsiteX37" fmla="*/ 0 w 9090526"/>
+              <a:gd name="connsiteY37" fmla="*/ 631072 h 648586"/>
+              <a:gd name="connsiteX38" fmla="*/ 0 w 9090526"/>
+              <a:gd name="connsiteY38" fmla="*/ 619318 h 648586"/>
+              <a:gd name="connsiteX39" fmla="*/ 0 w 9090526"/>
+              <a:gd name="connsiteY39" fmla="*/ 589184 h 648586"/>
+              <a:gd name="connsiteX40" fmla="*/ 589184 w 9090526"/>
+              <a:gd name="connsiteY40" fmla="*/ 0 h 648586"/>
+            </a:gdLst>
+            <a:ahLst/>
+            <a:cxnLst>
+              <a:cxn ang="0">
+                <a:pos x="connsiteX0" y="connsiteY0"/>
+              </a:cxn>
+              <a:cxn ang="0">
+                <a:pos x="connsiteX1" y="connsiteY1"/>
+              </a:cxn>
+              <a:cxn ang="0">
+                <a:pos x="connsiteX2" y="connsiteY2"/>
+              </a:cxn>
+              <a:cxn ang="0">
+                <a:pos x="connsiteX3" y="connsiteY3"/>
+              </a:cxn>
+              <a:cxn ang="0">
+                <a:pos x="connsiteX4" y="connsiteY4"/>
+              </a:cxn>
+              <a:cxn ang="0">
+                <a:pos x="connsiteX5" y="connsiteY5"/>
+              </a:cxn>
+              <a:cxn ang="0">
+                <a:pos x="connsiteX6" y="connsiteY6"/>
+              </a:cxn>
+              <a:cxn ang="0">
+                <a:pos x="connsiteX7" y="connsiteY7"/>
+              </a:cxn>
+              <a:cxn ang="0">
+                <a:pos x="connsiteX8" y="connsiteY8"/>
+              </a:cxn>
+              <a:cxn ang="0">
+                <a:pos x="connsiteX9" y="connsiteY9"/>
+              </a:cxn>
+              <a:cxn ang="0">
+                <a:pos x="connsiteX10" y="connsiteY10"/>
+              </a:cxn>
+              <a:cxn ang="0">
+                <a:pos x="connsiteX11" y="connsiteY11"/>
+              </a:cxn>
+              <a:cxn ang="0">
+                <a:pos x="connsiteX12" y="connsiteY12"/>
+              </a:cxn>
+              <a:cxn ang="0">
+                <a:pos x="connsiteX13" y="connsiteY13"/>
+              </a:cxn>
+              <a:cxn ang="0">
+                <a:pos x="connsiteX14" y="connsiteY14"/>
+              </a:cxn>
+              <a:cxn ang="0">
+                <a:pos x="connsiteX15" y="connsiteY15"/>
+              </a:cxn>
+              <a:cxn ang="0">
+                <a:pos x="connsiteX16" y="connsiteY16"/>
+              </a:cxn>
+              <a:cxn ang="0">
+                <a:pos x="connsiteX17" y="connsiteY17"/>
+              </a:cxn>
+              <a:cxn ang="0">
+                <a:pos x="connsiteX18" y="connsiteY18"/>
+              </a:cxn>
+              <a:cxn ang="0">
+                <a:pos x="connsiteX19" y="connsiteY19"/>
+              </a:cxn>
+              <a:cxn ang="0">
+                <a:pos x="connsiteX20" y="connsiteY20"/>
+              </a:cxn>
+              <a:cxn ang="0">
+                <a:pos x="connsiteX21" y="connsiteY21"/>
+              </a:cxn>
+              <a:cxn ang="0">
+                <a:pos x="connsiteX22" y="connsiteY22"/>
+              </a:cxn>
+              <a:cxn ang="0">
+                <a:pos x="connsiteX23" y="connsiteY23"/>
+              </a:cxn>
+              <a:cxn ang="0">
+                <a:pos x="connsiteX24" y="connsiteY24"/>
+              </a:cxn>
+              <a:cxn ang="0">
+                <a:pos x="connsiteX25" y="connsiteY25"/>
+              </a:cxn>
+              <a:cxn ang="0">
+                <a:pos x="connsiteX26" y="connsiteY26"/>
+              </a:cxn>
+              <a:cxn ang="0">
+                <a:pos x="connsiteX27" y="connsiteY27"/>
+              </a:cxn>
+              <a:cxn ang="0">
+                <a:pos x="connsiteX28" y="connsiteY28"/>
+              </a:cxn>
+              <a:cxn ang="0">
+                <a:pos x="connsiteX29" y="connsiteY29"/>
+              </a:cxn>
+              <a:cxn ang="0">
+                <a:pos x="connsiteX30" y="connsiteY30"/>
+              </a:cxn>
+              <a:cxn ang="0">
+                <a:pos x="connsiteX31" y="connsiteY31"/>
+              </a:cxn>
+              <a:cxn ang="0">
+                <a:pos x="connsiteX32" y="connsiteY32"/>
+              </a:cxn>
+              <a:cxn ang="0">
+                <a:pos x="connsiteX33" y="connsiteY33"/>
+              </a:cxn>
+              <a:cxn ang="0">
+                <a:pos x="connsiteX34" y="connsiteY34"/>
+              </a:cxn>
+              <a:cxn ang="0">
+                <a:pos x="connsiteX35" y="connsiteY35"/>
+              </a:cxn>
+              <a:cxn ang="0">
+                <a:pos x="connsiteX36" y="connsiteY36"/>
+              </a:cxn>
+              <a:cxn ang="0">
+                <a:pos x="connsiteX37" y="connsiteY37"/>
+              </a:cxn>
+              <a:cxn ang="0">
+                <a:pos x="connsiteX38" y="connsiteY38"/>
+              </a:cxn>
+              <a:cxn ang="0">
+                <a:pos x="connsiteX39" y="connsiteY39"/>
+              </a:cxn>
+              <a:cxn ang="0">
+                <a:pos x="connsiteX40" y="connsiteY40"/>
+              </a:cxn>
+            </a:cxnLst>
+            <a:rect l="l" t="t" r="r" b="b"/>
+            <a:pathLst>
+              <a:path w="9090526" h="648586">
+                <a:moveTo>
+                  <a:pt x="589184" y="0"/>
+                </a:moveTo>
+                <a:lnTo>
+                  <a:pt x="1524059" y="0"/>
+                </a:lnTo>
+                <a:lnTo>
+                  <a:pt x="1710288" y="0"/>
+                </a:lnTo>
+                <a:lnTo>
+                  <a:pt x="1712055" y="0"/>
+                </a:lnTo>
+                <a:lnTo>
+                  <a:pt x="2645163" y="0"/>
+                </a:lnTo>
+                <a:lnTo>
+                  <a:pt x="2646930" y="0"/>
+                </a:lnTo>
+                <a:lnTo>
+                  <a:pt x="2833159" y="0"/>
+                </a:lnTo>
+                <a:lnTo>
+                  <a:pt x="3768034" y="0"/>
+                </a:lnTo>
+                <a:lnTo>
+                  <a:pt x="4991408" y="0"/>
+                </a:lnTo>
+                <a:lnTo>
+                  <a:pt x="5085983" y="0"/>
+                </a:lnTo>
+                <a:lnTo>
+                  <a:pt x="5322492" y="0"/>
+                </a:lnTo>
+                <a:lnTo>
+                  <a:pt x="5926283" y="0"/>
+                </a:lnTo>
+                <a:lnTo>
+                  <a:pt x="6020858" y="0"/>
+                </a:lnTo>
+                <a:lnTo>
+                  <a:pt x="6112512" y="0"/>
+                </a:lnTo>
+                <a:lnTo>
+                  <a:pt x="6114279" y="0"/>
+                </a:lnTo>
+                <a:lnTo>
+                  <a:pt x="6207087" y="0"/>
+                </a:lnTo>
+                <a:lnTo>
+                  <a:pt x="6208854" y="0"/>
+                </a:lnTo>
+                <a:lnTo>
+                  <a:pt x="6257367" y="0"/>
+                </a:lnTo>
+                <a:lnTo>
+                  <a:pt x="6443596" y="0"/>
+                </a:lnTo>
+                <a:lnTo>
+                  <a:pt x="6445363" y="0"/>
+                </a:lnTo>
+                <a:lnTo>
+                  <a:pt x="7047387" y="0"/>
+                </a:lnTo>
+                <a:lnTo>
+                  <a:pt x="7049154" y="0"/>
+                </a:lnTo>
+                <a:lnTo>
+                  <a:pt x="7141962" y="0"/>
+                </a:lnTo>
+                <a:lnTo>
+                  <a:pt x="7143729" y="0"/>
+                </a:lnTo>
+                <a:lnTo>
+                  <a:pt x="7235383" y="0"/>
+                </a:lnTo>
+                <a:lnTo>
+                  <a:pt x="7329958" y="0"/>
+                </a:lnTo>
+                <a:lnTo>
+                  <a:pt x="7378471" y="0"/>
+                </a:lnTo>
+                <a:lnTo>
+                  <a:pt x="7380238" y="0"/>
+                </a:lnTo>
+                <a:lnTo>
+                  <a:pt x="7566467" y="0"/>
+                </a:lnTo>
+                <a:lnTo>
+                  <a:pt x="8170258" y="0"/>
+                </a:lnTo>
+                <a:lnTo>
+                  <a:pt x="8264833" y="0"/>
+                </a:lnTo>
+                <a:lnTo>
+                  <a:pt x="8501342" y="0"/>
+                </a:lnTo>
+                <a:cubicBezTo>
+                  <a:pt x="8826739" y="0"/>
+                  <a:pt x="9090526" y="263787"/>
+                  <a:pt x="9090526" y="589184"/>
+                </a:cubicBezTo>
+                <a:lnTo>
+                  <a:pt x="9090526" y="619318"/>
+                </a:lnTo>
+                <a:lnTo>
+                  <a:pt x="9090526" y="631072"/>
+                </a:lnTo>
+                <a:lnTo>
+                  <a:pt x="9090526" y="648586"/>
+                </a:lnTo>
+                <a:lnTo>
+                  <a:pt x="0" y="648586"/>
+                </a:lnTo>
+                <a:lnTo>
+                  <a:pt x="0" y="631072"/>
+                </a:lnTo>
+                <a:lnTo>
+                  <a:pt x="0" y="619318"/>
+                </a:lnTo>
+                <a:lnTo>
+                  <a:pt x="0" y="589184"/>
+                </a:lnTo>
+                <a:cubicBezTo>
+                  <a:pt x="0" y="263787"/>
+                  <a:pt x="263787" y="0"/>
+                  <a:pt x="589184" y="0"/>
+                </a:cubicBezTo>
+                <a:close/>
+              </a:path>
+            </a:pathLst>
+          </a:custGeom>
+          <a:solidFill>
+            <a:srgbClr val="CCECFF"/>
+          </a:solidFill>
+          <a:ln>
+            <a:noFill/>
+          </a:ln>
+        </p:spPr>
+        <p:style>
+          <a:lnRef idx="2">
+            <a:schemeClr val="accent1">
+              <a:shade val="50000"/>
+            </a:schemeClr>
+          </a:lnRef>
+          <a:fillRef idx="1">
+            <a:schemeClr val="accent1"/>
+          </a:fillRef>
+          <a:effectRef idx="0">
+            <a:schemeClr val="accent1"/>
+          </a:effectRef>
+          <a:fontRef idx="minor">
+            <a:schemeClr val="lt1"/>
+          </a:fontRef>
+        </p:style>
+        <p:txBody>
+          <a:bodyPr wrap="square" rtlCol="0" anchor="ctr">
+            <a:noAutofit/>
+          </a:bodyPr>
+          <a:lstStyle/>
+          <a:p>
+            <a:pPr algn="ctr"/>
+            <a:endParaRPr lang="zh-TW" altLang="en-US"/>
+          </a:p>
+        </p:txBody>
+      </p:sp>
+      <p:sp>
+        <p:nvSpPr>
+          <p:cNvPr id="100" name="手繪多邊形: 圖案 99">
+            <a:extLst>
+              <a:ext uri="{FF2B5EF4-FFF2-40B4-BE49-F238E27FC236}">
+                <a16:creationId xmlns:a16="http://schemas.microsoft.com/office/drawing/2014/main" id="{28373DE5-EBC9-40C7-8796-09D771A886E4}"/>
+              </a:ext>
+            </a:extLst>
+          </p:cNvPr>
+          <p:cNvSpPr/>
+          <p:nvPr/>
+        </p:nvSpPr>
+        <p:spPr>
+          <a:xfrm>
+            <a:off x="1551154" y="5548899"/>
+            <a:ext cx="7537562" cy="584198"/>
+          </a:xfrm>
+          <a:custGeom>
+            <a:avLst/>
+            <a:gdLst>
+              <a:gd name="connsiteX0" fmla="*/ 0 w 7537562"/>
+              <a:gd name="connsiteY0" fmla="*/ 0 h 584198"/>
+              <a:gd name="connsiteX1" fmla="*/ 7537562 w 7537562"/>
+              <a:gd name="connsiteY1" fmla="*/ 0 h 584198"/>
+              <a:gd name="connsiteX2" fmla="*/ 7528053 w 7537562"/>
+              <a:gd name="connsiteY2" fmla="*/ 113755 h 584198"/>
+              <a:gd name="connsiteX3" fmla="*/ 7049393 w 7537562"/>
+              <a:gd name="connsiteY3" fmla="*/ 584198 h 584198"/>
+              <a:gd name="connsiteX4" fmla="*/ 6853266 w 7537562"/>
+              <a:gd name="connsiteY4" fmla="*/ 584198 h 584198"/>
+              <a:gd name="connsiteX5" fmla="*/ 6774839 w 7537562"/>
+              <a:gd name="connsiteY5" fmla="*/ 584198 h 584198"/>
+              <a:gd name="connsiteX6" fmla="*/ 6274140 w 7537562"/>
+              <a:gd name="connsiteY6" fmla="*/ 584198 h 584198"/>
+              <a:gd name="connsiteX7" fmla="*/ 6119708 w 7537562"/>
+              <a:gd name="connsiteY7" fmla="*/ 584198 h 584198"/>
+              <a:gd name="connsiteX8" fmla="*/ 6118243 w 7537562"/>
+              <a:gd name="connsiteY8" fmla="*/ 584198 h 584198"/>
+              <a:gd name="connsiteX9" fmla="*/ 6078013 w 7537562"/>
+              <a:gd name="connsiteY9" fmla="*/ 584198 h 584198"/>
+              <a:gd name="connsiteX10" fmla="*/ 5999586 w 7537562"/>
+              <a:gd name="connsiteY10" fmla="*/ 584198 h 584198"/>
+              <a:gd name="connsiteX11" fmla="*/ 5923581 w 7537562"/>
+              <a:gd name="connsiteY11" fmla="*/ 584198 h 584198"/>
+              <a:gd name="connsiteX12" fmla="*/ 5922116 w 7537562"/>
+              <a:gd name="connsiteY12" fmla="*/ 584198 h 584198"/>
+              <a:gd name="connsiteX13" fmla="*/ 5845154 w 7537562"/>
+              <a:gd name="connsiteY13" fmla="*/ 584198 h 584198"/>
+              <a:gd name="connsiteX14" fmla="*/ 5843689 w 7537562"/>
+              <a:gd name="connsiteY14" fmla="*/ 584198 h 584198"/>
+              <a:gd name="connsiteX15" fmla="*/ 5344455 w 7537562"/>
+              <a:gd name="connsiteY15" fmla="*/ 584198 h 584198"/>
+              <a:gd name="connsiteX16" fmla="*/ 5342990 w 7537562"/>
+              <a:gd name="connsiteY16" fmla="*/ 584198 h 584198"/>
+              <a:gd name="connsiteX17" fmla="*/ 5188558 w 7537562"/>
+              <a:gd name="connsiteY17" fmla="*/ 584198 h 584198"/>
+              <a:gd name="connsiteX18" fmla="*/ 5148328 w 7537562"/>
+              <a:gd name="connsiteY18" fmla="*/ 584198 h 584198"/>
+              <a:gd name="connsiteX19" fmla="*/ 5146863 w 7537562"/>
+              <a:gd name="connsiteY19" fmla="*/ 584198 h 584198"/>
+              <a:gd name="connsiteX20" fmla="*/ 5069901 w 7537562"/>
+              <a:gd name="connsiteY20" fmla="*/ 584198 h 584198"/>
+              <a:gd name="connsiteX21" fmla="*/ 5068436 w 7537562"/>
+              <a:gd name="connsiteY21" fmla="*/ 584198 h 584198"/>
+              <a:gd name="connsiteX22" fmla="*/ 4992431 w 7537562"/>
+              <a:gd name="connsiteY22" fmla="*/ 584198 h 584198"/>
+              <a:gd name="connsiteX23" fmla="*/ 4914004 w 7537562"/>
+              <a:gd name="connsiteY23" fmla="*/ 584198 h 584198"/>
+              <a:gd name="connsiteX24" fmla="*/ 4413305 w 7537562"/>
+              <a:gd name="connsiteY24" fmla="*/ 584198 h 584198"/>
+              <a:gd name="connsiteX25" fmla="*/ 4217178 w 7537562"/>
+              <a:gd name="connsiteY25" fmla="*/ 584198 h 584198"/>
+              <a:gd name="connsiteX26" fmla="*/ 4138751 w 7537562"/>
+              <a:gd name="connsiteY26" fmla="*/ 584198 h 584198"/>
+              <a:gd name="connsiteX27" fmla="*/ 3124257 w 7537562"/>
+              <a:gd name="connsiteY27" fmla="*/ 584198 h 584198"/>
+              <a:gd name="connsiteX28" fmla="*/ 2349005 w 7537562"/>
+              <a:gd name="connsiteY28" fmla="*/ 584198 h 584198"/>
+              <a:gd name="connsiteX29" fmla="*/ 2194573 w 7537562"/>
+              <a:gd name="connsiteY29" fmla="*/ 584198 h 584198"/>
+              <a:gd name="connsiteX30" fmla="*/ 2193107 w 7537562"/>
+              <a:gd name="connsiteY30" fmla="*/ 584198 h 584198"/>
+              <a:gd name="connsiteX31" fmla="*/ 1419319 w 7537562"/>
+              <a:gd name="connsiteY31" fmla="*/ 584198 h 584198"/>
+              <a:gd name="connsiteX32" fmla="*/ 1417854 w 7537562"/>
+              <a:gd name="connsiteY32" fmla="*/ 584198 h 584198"/>
+              <a:gd name="connsiteX33" fmla="*/ 1263422 w 7537562"/>
+              <a:gd name="connsiteY33" fmla="*/ 584198 h 584198"/>
+              <a:gd name="connsiteX34" fmla="*/ 488169 w 7537562"/>
+              <a:gd name="connsiteY34" fmla="*/ 584198 h 584198"/>
+              <a:gd name="connsiteX35" fmla="*/ 9509 w 7537562"/>
+              <a:gd name="connsiteY35" fmla="*/ 113755 h 584198"/>
+            </a:gdLst>
+            <a:ahLst/>
+            <a:cxnLst>
+              <a:cxn ang="0">
+                <a:pos x="connsiteX0" y="connsiteY0"/>
+              </a:cxn>
+              <a:cxn ang="0">
+                <a:pos x="connsiteX1" y="connsiteY1"/>
+              </a:cxn>
+              <a:cxn ang="0">
+                <a:pos x="connsiteX2" y="connsiteY2"/>
+              </a:cxn>
+              <a:cxn ang="0">
+                <a:pos x="connsiteX3" y="connsiteY3"/>
+              </a:cxn>
+              <a:cxn ang="0">
+                <a:pos x="connsiteX4" y="connsiteY4"/>
+              </a:cxn>
+              <a:cxn ang="0">
+                <a:pos x="connsiteX5" y="connsiteY5"/>
+              </a:cxn>
+              <a:cxn ang="0">
+                <a:pos x="connsiteX6" y="connsiteY6"/>
+              </a:cxn>
+              <a:cxn ang="0">
+                <a:pos x="connsiteX7" y="connsiteY7"/>
+              </a:cxn>
+              <a:cxn ang="0">
+                <a:pos x="connsiteX8" y="connsiteY8"/>
+              </a:cxn>
+              <a:cxn ang="0">
+                <a:pos x="connsiteX9" y="connsiteY9"/>
+              </a:cxn>
+              <a:cxn ang="0">
+                <a:pos x="connsiteX10" y="connsiteY10"/>
+              </a:cxn>
+              <a:cxn ang="0">
+                <a:pos x="connsiteX11" y="connsiteY11"/>
+              </a:cxn>
+              <a:cxn ang="0">
+                <a:pos x="connsiteX12" y="connsiteY12"/>
+              </a:cxn>
+              <a:cxn ang="0">
+                <a:pos x="connsiteX13" y="connsiteY13"/>
+              </a:cxn>
+              <a:cxn ang="0">
+                <a:pos x="connsiteX14" y="connsiteY14"/>
+              </a:cxn>
+              <a:cxn ang="0">
+                <a:pos x="connsiteX15" y="connsiteY15"/>
+              </a:cxn>
+              <a:cxn ang="0">
+                <a:pos x="connsiteX16" y="connsiteY16"/>
+              </a:cxn>
+              <a:cxn ang="0">
+                <a:pos x="connsiteX17" y="connsiteY17"/>
+              </a:cxn>
+              <a:cxn ang="0">
+                <a:pos x="connsiteX18" y="connsiteY18"/>
+              </a:cxn>
+              <a:cxn ang="0">
+                <a:pos x="connsiteX19" y="connsiteY19"/>
+              </a:cxn>
+              <a:cxn ang="0">
+                <a:pos x="connsiteX20" y="connsiteY20"/>
+              </a:cxn>
+              <a:cxn ang="0">
+                <a:pos x="connsiteX21" y="connsiteY21"/>
+              </a:cxn>
+              <a:cxn ang="0">
+                <a:pos x="connsiteX22" y="connsiteY22"/>
+              </a:cxn>
+              <a:cxn ang="0">
+                <a:pos x="connsiteX23" y="connsiteY23"/>
+              </a:cxn>
+              <a:cxn ang="0">
+                <a:pos x="connsiteX24" y="connsiteY24"/>
+              </a:cxn>
+              <a:cxn ang="0">
+                <a:pos x="connsiteX25" y="connsiteY25"/>
+              </a:cxn>
+              <a:cxn ang="0">
+                <a:pos x="connsiteX26" y="connsiteY26"/>
+              </a:cxn>
+              <a:cxn ang="0">
+                <a:pos x="connsiteX27" y="connsiteY27"/>
+              </a:cxn>
+              <a:cxn ang="0">
+                <a:pos x="connsiteX28" y="connsiteY28"/>
+              </a:cxn>
+              <a:cxn ang="0">
+                <a:pos x="connsiteX29" y="connsiteY29"/>
+              </a:cxn>
+              <a:cxn ang="0">
+                <a:pos x="connsiteX30" y="connsiteY30"/>
+              </a:cxn>
+              <a:cxn ang="0">
+                <a:pos x="connsiteX31" y="connsiteY31"/>
+              </a:cxn>
+              <a:cxn ang="0">
+                <a:pos x="connsiteX32" y="connsiteY32"/>
+              </a:cxn>
+              <a:cxn ang="0">
+                <a:pos x="connsiteX33" y="connsiteY33"/>
+              </a:cxn>
+              <a:cxn ang="0">
+                <a:pos x="connsiteX34" y="connsiteY34"/>
+              </a:cxn>
+              <a:cxn ang="0">
+                <a:pos x="connsiteX35" y="connsiteY35"/>
+              </a:cxn>
+            </a:cxnLst>
+            <a:rect l="l" t="t" r="r" b="b"/>
+            <a:pathLst>
+              <a:path w="7537562" h="584198">
+                <a:moveTo>
+                  <a:pt x="0" y="0"/>
+                </a:moveTo>
+                <a:lnTo>
+                  <a:pt x="7537562" y="0"/>
+                </a:lnTo>
+                <a:lnTo>
+                  <a:pt x="7528053" y="113755"/>
+                </a:lnTo>
+                <a:cubicBezTo>
+                  <a:pt x="7482494" y="382236"/>
+                  <a:pt x="7285502" y="584198"/>
+                  <a:pt x="7049393" y="584198"/>
+                </a:cubicBezTo>
+                <a:lnTo>
+                  <a:pt x="6853266" y="584198"/>
+                </a:lnTo>
+                <a:lnTo>
+                  <a:pt x="6774839" y="584198"/>
+                </a:lnTo>
+                <a:lnTo>
+                  <a:pt x="6274140" y="584198"/>
+                </a:lnTo>
+                <a:lnTo>
+                  <a:pt x="6119708" y="584198"/>
+                </a:lnTo>
+                <a:lnTo>
+                  <a:pt x="6118243" y="584198"/>
+                </a:lnTo>
+                <a:lnTo>
+                  <a:pt x="6078013" y="584198"/>
+                </a:lnTo>
+                <a:lnTo>
+                  <a:pt x="5999586" y="584198"/>
+                </a:lnTo>
+                <a:lnTo>
+                  <a:pt x="5923581" y="584198"/>
+                </a:lnTo>
+                <a:lnTo>
+                  <a:pt x="5922116" y="584198"/>
+                </a:lnTo>
+                <a:lnTo>
+                  <a:pt x="5845154" y="584198"/>
+                </a:lnTo>
+                <a:lnTo>
+                  <a:pt x="5843689" y="584198"/>
+                </a:lnTo>
+                <a:lnTo>
+                  <a:pt x="5344455" y="584198"/>
+                </a:lnTo>
+                <a:lnTo>
+                  <a:pt x="5342990" y="584198"/>
+                </a:lnTo>
+                <a:lnTo>
+                  <a:pt x="5188558" y="584198"/>
+                </a:lnTo>
+                <a:lnTo>
+                  <a:pt x="5148328" y="584198"/>
+                </a:lnTo>
+                <a:lnTo>
+                  <a:pt x="5146863" y="584198"/>
+                </a:lnTo>
+                <a:lnTo>
+                  <a:pt x="5069901" y="584198"/>
+                </a:lnTo>
+                <a:lnTo>
+                  <a:pt x="5068436" y="584198"/>
+                </a:lnTo>
+                <a:lnTo>
+                  <a:pt x="4992431" y="584198"/>
+                </a:lnTo>
+                <a:lnTo>
+                  <a:pt x="4914004" y="584198"/>
+                </a:lnTo>
+                <a:lnTo>
+                  <a:pt x="4413305" y="584198"/>
+                </a:lnTo>
+                <a:lnTo>
+                  <a:pt x="4217178" y="584198"/>
+                </a:lnTo>
+                <a:lnTo>
+                  <a:pt x="4138751" y="584198"/>
+                </a:lnTo>
+                <a:lnTo>
+                  <a:pt x="3124257" y="584198"/>
+                </a:lnTo>
+                <a:lnTo>
+                  <a:pt x="2349005" y="584198"/>
+                </a:lnTo>
+                <a:lnTo>
+                  <a:pt x="2194573" y="584198"/>
+                </a:lnTo>
+                <a:lnTo>
+                  <a:pt x="2193107" y="584198"/>
+                </a:lnTo>
+                <a:lnTo>
+                  <a:pt x="1419319" y="584198"/>
+                </a:lnTo>
+                <a:lnTo>
+                  <a:pt x="1417854" y="584198"/>
+                </a:lnTo>
+                <a:lnTo>
+                  <a:pt x="1263422" y="584198"/>
+                </a:lnTo>
+                <a:lnTo>
+                  <a:pt x="488169" y="584198"/>
+                </a:lnTo>
+                <a:cubicBezTo>
+                  <a:pt x="252061" y="584198"/>
+                  <a:pt x="55068" y="382236"/>
+                  <a:pt x="9509" y="113755"/>
+                </a:cubicBezTo>
+                <a:close/>
+              </a:path>
+            </a:pathLst>
+          </a:custGeom>
+          <a:solidFill>
+            <a:srgbClr val="99CCFF"/>
+          </a:solidFill>
+          <a:ln>
+            <a:noFill/>
+          </a:ln>
+        </p:spPr>
+        <p:style>
+          <a:lnRef idx="2">
+            <a:schemeClr val="accent1">
+              <a:shade val="50000"/>
+            </a:schemeClr>
+          </a:lnRef>
+          <a:fillRef idx="1">
+            <a:schemeClr val="accent1"/>
+          </a:fillRef>
+          <a:effectRef idx="0">
+            <a:schemeClr val="accent1"/>
+          </a:effectRef>
+          <a:fontRef idx="minor">
+            <a:schemeClr val="lt1"/>
+          </a:fontRef>
+        </p:style>
+        <p:txBody>
+          <a:bodyPr wrap="square" rtlCol="0" anchor="ctr">
+            <a:noAutofit/>
+          </a:bodyPr>
+          <a:lstStyle/>
+          <a:p>
+            <a:pPr algn="ctr"/>
+            <a:endParaRPr lang="zh-TW" altLang="en-US"/>
+          </a:p>
+        </p:txBody>
+      </p:sp>
+      <p:cxnSp>
+        <p:nvCxnSpPr>
+          <p:cNvPr id="61" name="直線接點 60">
+            <a:extLst>
+              <a:ext uri="{FF2B5EF4-FFF2-40B4-BE49-F238E27FC236}">
+                <a16:creationId xmlns:a16="http://schemas.microsoft.com/office/drawing/2014/main" id="{B4C0CD16-5D6E-45A6-BDDB-84017090F389}"/>
+              </a:ext>
+            </a:extLst>
+          </p:cNvPr>
+          <p:cNvCxnSpPr>
+            <a:cxnSpLocks/>
+            <a:stCxn id="55" idx="0"/>
+            <a:endCxn id="55" idx="23"/>
+          </p:cNvCxnSpPr>
+          <p:nvPr/>
+        </p:nvCxnSpPr>
+        <p:spPr>
+          <a:xfrm>
+            <a:off x="1550738" y="3174887"/>
+            <a:ext cx="7538395" cy="0"/>
+          </a:xfrm>
+          <a:prstGeom prst="line">
+            <a:avLst/>
+          </a:prstGeom>
+          <a:ln w="38100">
+            <a:solidFill>
+              <a:srgbClr val="336600"/>
+            </a:solidFill>
+          </a:ln>
+        </p:spPr>
+        <p:style>
+          <a:lnRef idx="1">
+            <a:schemeClr val="accent1"/>
+          </a:lnRef>
+          <a:fillRef idx="0">
+            <a:schemeClr val="accent1"/>
+          </a:fillRef>
+          <a:effectRef idx="0">
+            <a:schemeClr val="accent1"/>
+          </a:effectRef>
+          <a:fontRef idx="minor">
+            <a:schemeClr val="tx1"/>
+          </a:fontRef>
+        </p:style>
+      </p:cxnSp>
+      <p:cxnSp>
+        <p:nvCxnSpPr>
+          <p:cNvPr id="62" name="直線接點 61">
+            <a:extLst>
+              <a:ext uri="{FF2B5EF4-FFF2-40B4-BE49-F238E27FC236}">
+                <a16:creationId xmlns:a16="http://schemas.microsoft.com/office/drawing/2014/main" id="{BD4B9953-5C44-4D56-A03B-787BD16B7911}"/>
+              </a:ext>
+            </a:extLst>
+          </p:cNvPr>
+          <p:cNvCxnSpPr>
+            <a:cxnSpLocks/>
+          </p:cNvCxnSpPr>
+          <p:nvPr/>
+        </p:nvCxnSpPr>
+        <p:spPr>
+          <a:xfrm>
+            <a:off x="3287229" y="2514975"/>
+            <a:ext cx="0" cy="3618122"/>
+          </a:xfrm>
+          <a:prstGeom prst="line">
+            <a:avLst/>
+          </a:prstGeom>
+          <a:ln w="38100">
+            <a:solidFill>
+              <a:srgbClr val="336600"/>
+            </a:solidFill>
+          </a:ln>
+        </p:spPr>
+        <p:style>
+          <a:lnRef idx="1">
+            <a:schemeClr val="accent1"/>
+          </a:lnRef>
+          <a:fillRef idx="0">
+            <a:schemeClr val="accent1"/>
+          </a:fillRef>
+          <a:effectRef idx="0">
+            <a:schemeClr val="accent1"/>
+          </a:effectRef>
+          <a:fontRef idx="minor">
+            <a:schemeClr val="tx1"/>
+          </a:fontRef>
+        </p:style>
+      </p:cxnSp>
+      <p:cxnSp>
+        <p:nvCxnSpPr>
+          <p:cNvPr id="63" name="直線接點 62">
+            <a:extLst>
+              <a:ext uri="{FF2B5EF4-FFF2-40B4-BE49-F238E27FC236}">
+                <a16:creationId xmlns:a16="http://schemas.microsoft.com/office/drawing/2014/main" id="{E61621B9-288D-40A0-ACFC-BE8F3E14D28D}"/>
+              </a:ext>
+            </a:extLst>
+          </p:cNvPr>
+          <p:cNvCxnSpPr>
+            <a:cxnSpLocks/>
+          </p:cNvCxnSpPr>
+          <p:nvPr/>
+        </p:nvCxnSpPr>
+        <p:spPr>
+          <a:xfrm>
+            <a:off x="1550738" y="5527675"/>
+            <a:ext cx="7538395" cy="0"/>
+          </a:xfrm>
+          <a:prstGeom prst="line">
+            <a:avLst/>
+          </a:prstGeom>
+          <a:ln w="38100">
+            <a:solidFill>
+              <a:srgbClr val="336600"/>
+            </a:solidFill>
+          </a:ln>
+        </p:spPr>
+        <p:style>
+          <a:lnRef idx="1">
+            <a:schemeClr val="accent1"/>
+          </a:lnRef>
+          <a:fillRef idx="0">
+            <a:schemeClr val="accent1"/>
+          </a:fillRef>
+          <a:effectRef idx="0">
+            <a:schemeClr val="accent1"/>
+          </a:effectRef>
+          <a:fontRef idx="minor">
+            <a:schemeClr val="tx1"/>
+          </a:fontRef>
+        </p:style>
+      </p:cxnSp>
+      <p:cxnSp>
+        <p:nvCxnSpPr>
+          <p:cNvPr id="64" name="直線接點 63">
+            <a:extLst>
+              <a:ext uri="{FF2B5EF4-FFF2-40B4-BE49-F238E27FC236}">
+                <a16:creationId xmlns:a16="http://schemas.microsoft.com/office/drawing/2014/main" id="{96B1EDD9-233B-4F4D-B079-D019AD01F0FF}"/>
+              </a:ext>
+            </a:extLst>
+          </p:cNvPr>
+          <p:cNvCxnSpPr>
+            <a:cxnSpLocks/>
+            <a:stCxn id="57" idx="0"/>
+            <a:endCxn id="57" idx="23"/>
+          </p:cNvCxnSpPr>
+          <p:nvPr/>
+        </p:nvCxnSpPr>
+        <p:spPr>
+          <a:xfrm>
+            <a:off x="1550738" y="3679141"/>
+            <a:ext cx="7538395" cy="0"/>
+          </a:xfrm>
+          <a:prstGeom prst="line">
+            <a:avLst/>
+          </a:prstGeom>
+          <a:ln w="38100">
+            <a:solidFill>
+              <a:srgbClr val="336600"/>
+            </a:solidFill>
+          </a:ln>
+        </p:spPr>
+        <p:style>
+          <a:lnRef idx="1">
+            <a:schemeClr val="accent1"/>
+          </a:lnRef>
+          <a:fillRef idx="0">
+            <a:schemeClr val="accent1"/>
+          </a:fillRef>
+          <a:effectRef idx="0">
+            <a:schemeClr val="accent1"/>
+          </a:effectRef>
+          <a:fontRef idx="minor">
+            <a:schemeClr val="tx1"/>
+          </a:fontRef>
+        </p:style>
+      </p:cxnSp>
+      <p:cxnSp>
+        <p:nvCxnSpPr>
+          <p:cNvPr id="65" name="直線接點 64">
+            <a:extLst>
+              <a:ext uri="{FF2B5EF4-FFF2-40B4-BE49-F238E27FC236}">
+                <a16:creationId xmlns:a16="http://schemas.microsoft.com/office/drawing/2014/main" id="{3796128B-BFC6-48AC-B529-4C4D29F14BF5}"/>
+              </a:ext>
+            </a:extLst>
+          </p:cNvPr>
+          <p:cNvCxnSpPr>
+            <a:cxnSpLocks/>
+            <a:stCxn id="58" idx="0"/>
+            <a:endCxn id="58" idx="23"/>
+          </p:cNvCxnSpPr>
+          <p:nvPr/>
+        </p:nvCxnSpPr>
+        <p:spPr>
+          <a:xfrm>
+            <a:off x="1550737" y="4254673"/>
+            <a:ext cx="7538395" cy="0"/>
+          </a:xfrm>
+          <a:prstGeom prst="line">
+            <a:avLst/>
+          </a:prstGeom>
+          <a:ln w="38100">
+            <a:solidFill>
+              <a:srgbClr val="336600"/>
+            </a:solidFill>
+          </a:ln>
+        </p:spPr>
+        <p:style>
+          <a:lnRef idx="1">
+            <a:schemeClr val="accent1"/>
+          </a:lnRef>
+          <a:fillRef idx="0">
+            <a:schemeClr val="accent1"/>
+          </a:fillRef>
+          <a:effectRef idx="0">
+            <a:schemeClr val="accent1"/>
+          </a:effectRef>
+          <a:fontRef idx="minor">
+            <a:schemeClr val="tx1"/>
+          </a:fontRef>
+        </p:style>
+      </p:cxnSp>
+      <p:sp>
+        <p:nvSpPr>
+          <p:cNvPr id="74" name="文字方塊 73">
+            <a:extLst>
+              <a:ext uri="{FF2B5EF4-FFF2-40B4-BE49-F238E27FC236}">
+                <a16:creationId xmlns:a16="http://schemas.microsoft.com/office/drawing/2014/main" id="{57D6DB5C-8730-46F7-9AC0-D8BA056664D2}"/>
+              </a:ext>
+            </a:extLst>
+          </p:cNvPr>
+          <p:cNvSpPr txBox="1"/>
+          <p:nvPr/>
+        </p:nvSpPr>
+        <p:spPr>
+          <a:xfrm>
+            <a:off x="1590697" y="2626362"/>
+            <a:ext cx="1723549" cy="461665"/>
           </a:xfrm>
           <a:prstGeom prst="rect">
             <a:avLst/>
@@ -8575,13 +17321,496 @@
           </a:bodyPr>
           <a:lstStyle/>
           <a:p>
+            <a:pPr algn="ctr"/>
             <a:r>
               <a:rPr lang="zh-TW" altLang="en-US" sz="2400">
                 <a:solidFill>
-                  <a:srgbClr val="FFC000"/>
+                  <a:schemeClr val="bg1"/>
                 </a:solidFill>
               </a:rPr>
-              <a:t>原始碼根目錄</a:t>
+              <a:t>存取修飾子</a:t>
+            </a:r>
+          </a:p>
+        </p:txBody>
+      </p:sp>
+      <p:sp>
+        <p:nvSpPr>
+          <p:cNvPr id="75" name="文字方塊 74">
+            <a:extLst>
+              <a:ext uri="{FF2B5EF4-FFF2-40B4-BE49-F238E27FC236}">
+                <a16:creationId xmlns:a16="http://schemas.microsoft.com/office/drawing/2014/main" id="{637E13C9-E5B6-4A59-BDCA-A1945B46CB6C}"/>
+              </a:ext>
+            </a:extLst>
+          </p:cNvPr>
+          <p:cNvSpPr txBox="1"/>
+          <p:nvPr/>
+        </p:nvSpPr>
+        <p:spPr>
+          <a:xfrm>
+            <a:off x="1734233" y="5548395"/>
+            <a:ext cx="1374095" cy="461665"/>
+          </a:xfrm>
+          <a:prstGeom prst="rect">
+            <a:avLst/>
+          </a:prstGeom>
+          <a:noFill/>
+        </p:spPr>
+        <p:txBody>
+          <a:bodyPr wrap="none" rtlCol="0">
+            <a:spAutoFit/>
+          </a:bodyPr>
+          <a:lstStyle/>
+          <a:p>
+            <a:pPr algn="ctr"/>
+            <a:r>
+              <a:rPr lang="en-US" altLang="zh-TW" sz="2400">
+                <a:solidFill>
+                  <a:schemeClr val="bg1"/>
+                </a:solidFill>
+              </a:rPr>
+              <a:t>private</a:t>
+            </a:r>
+            <a:endParaRPr lang="zh-TW" altLang="en-US" sz="2400">
+              <a:solidFill>
+                <a:schemeClr val="bg1"/>
+              </a:solidFill>
+            </a:endParaRPr>
+          </a:p>
+        </p:txBody>
+      </p:sp>
+      <p:sp>
+        <p:nvSpPr>
+          <p:cNvPr id="76" name="文字方塊 75">
+            <a:extLst>
+              <a:ext uri="{FF2B5EF4-FFF2-40B4-BE49-F238E27FC236}">
+                <a16:creationId xmlns:a16="http://schemas.microsoft.com/office/drawing/2014/main" id="{3F1DACFF-5161-4D32-B54D-8951C8A4EB64}"/>
+              </a:ext>
+            </a:extLst>
+          </p:cNvPr>
+          <p:cNvSpPr txBox="1"/>
+          <p:nvPr/>
+        </p:nvSpPr>
+        <p:spPr>
+          <a:xfrm>
+            <a:off x="1564313" y="3746434"/>
+            <a:ext cx="1713931" cy="461665"/>
+          </a:xfrm>
+          <a:prstGeom prst="rect">
+            <a:avLst/>
+          </a:prstGeom>
+          <a:noFill/>
+        </p:spPr>
+        <p:txBody>
+          <a:bodyPr wrap="none" rtlCol="0">
+            <a:spAutoFit/>
+          </a:bodyPr>
+          <a:lstStyle/>
+          <a:p>
+            <a:pPr algn="ctr"/>
+            <a:r>
+              <a:rPr lang="en-US" altLang="zh-TW" sz="2400">
+                <a:solidFill>
+                  <a:schemeClr val="bg1"/>
+                </a:solidFill>
+              </a:rPr>
+              <a:t>protected</a:t>
+            </a:r>
+          </a:p>
+        </p:txBody>
+      </p:sp>
+      <p:sp>
+        <p:nvSpPr>
+          <p:cNvPr id="77" name="文字方塊 76">
+            <a:extLst>
+              <a:ext uri="{FF2B5EF4-FFF2-40B4-BE49-F238E27FC236}">
+                <a16:creationId xmlns:a16="http://schemas.microsoft.com/office/drawing/2014/main" id="{07B245C2-DC08-4372-92D2-4490A230443D}"/>
+              </a:ext>
+            </a:extLst>
+          </p:cNvPr>
+          <p:cNvSpPr txBox="1"/>
+          <p:nvPr/>
+        </p:nvSpPr>
+        <p:spPr>
+          <a:xfrm>
+            <a:off x="1564314" y="4272662"/>
+            <a:ext cx="1713931" cy="1200329"/>
+          </a:xfrm>
+          <a:prstGeom prst="rect">
+            <a:avLst/>
+          </a:prstGeom>
+          <a:noFill/>
+        </p:spPr>
+        <p:txBody>
+          <a:bodyPr wrap="none" rtlCol="0">
+            <a:spAutoFit/>
+          </a:bodyPr>
+          <a:lstStyle/>
+          <a:p>
+            <a:pPr algn="ctr"/>
+            <a:r>
+              <a:rPr lang="en-US" altLang="zh-TW" sz="2400">
+                <a:solidFill>
+                  <a:schemeClr val="bg1"/>
+                </a:solidFill>
+              </a:rPr>
+              <a:t>(default)</a:t>
+            </a:r>
+          </a:p>
+          <a:p>
+            <a:pPr algn="ctr"/>
+            <a:r>
+              <a:rPr lang="en-US" altLang="zh-TW" sz="2400">
+                <a:solidFill>
+                  <a:schemeClr val="bg1"/>
+                </a:solidFill>
+              </a:rPr>
+              <a:t>(package</a:t>
+            </a:r>
+          </a:p>
+          <a:p>
+            <a:pPr algn="ctr"/>
+            <a:r>
+              <a:rPr lang="en-US" altLang="zh-TW" sz="2400">
+                <a:solidFill>
+                  <a:schemeClr val="bg1"/>
+                </a:solidFill>
+              </a:rPr>
+              <a:t>-private)</a:t>
+            </a:r>
+          </a:p>
+        </p:txBody>
+      </p:sp>
+      <p:sp>
+        <p:nvSpPr>
+          <p:cNvPr id="78" name="文字方塊 77">
+            <a:extLst>
+              <a:ext uri="{FF2B5EF4-FFF2-40B4-BE49-F238E27FC236}">
+                <a16:creationId xmlns:a16="http://schemas.microsoft.com/office/drawing/2014/main" id="{D891FFCA-FC65-4715-82EF-8CAEC2500509}"/>
+              </a:ext>
+            </a:extLst>
+          </p:cNvPr>
+          <p:cNvSpPr txBox="1"/>
+          <p:nvPr/>
+        </p:nvSpPr>
+        <p:spPr>
+          <a:xfrm>
+            <a:off x="1819192" y="3197863"/>
+            <a:ext cx="1204176" cy="461665"/>
+          </a:xfrm>
+          <a:prstGeom prst="rect">
+            <a:avLst/>
+          </a:prstGeom>
+          <a:noFill/>
+        </p:spPr>
+        <p:txBody>
+          <a:bodyPr wrap="none" rtlCol="0">
+            <a:spAutoFit/>
+          </a:bodyPr>
+          <a:lstStyle/>
+          <a:p>
+            <a:pPr algn="ctr"/>
+            <a:r>
+              <a:rPr lang="en-US" altLang="zh-TW" sz="2400">
+                <a:solidFill>
+                  <a:schemeClr val="bg1"/>
+                </a:solidFill>
+              </a:rPr>
+              <a:t>public</a:t>
+            </a:r>
+            <a:endParaRPr lang="zh-TW" altLang="en-US" sz="2400">
+              <a:solidFill>
+                <a:schemeClr val="bg1"/>
+              </a:solidFill>
+            </a:endParaRPr>
+          </a:p>
+        </p:txBody>
+      </p:sp>
+      <p:sp>
+        <p:nvSpPr>
+          <p:cNvPr id="83" name="文字方塊 82">
+            <a:extLst>
+              <a:ext uri="{FF2B5EF4-FFF2-40B4-BE49-F238E27FC236}">
+                <a16:creationId xmlns:a16="http://schemas.microsoft.com/office/drawing/2014/main" id="{FB67FAF2-BF3E-4EE5-A210-133BA677561C}"/>
+              </a:ext>
+            </a:extLst>
+          </p:cNvPr>
+          <p:cNvSpPr txBox="1"/>
+          <p:nvPr/>
+        </p:nvSpPr>
+        <p:spPr>
+          <a:xfrm>
+            <a:off x="3264221" y="2626362"/>
+            <a:ext cx="1447833" cy="461665"/>
+          </a:xfrm>
+          <a:prstGeom prst="rect">
+            <a:avLst/>
+          </a:prstGeom>
+          <a:noFill/>
+        </p:spPr>
+        <p:txBody>
+          <a:bodyPr wrap="none" rtlCol="0">
+            <a:spAutoFit/>
+          </a:bodyPr>
+          <a:lstStyle/>
+          <a:p>
+            <a:pPr algn="ctr"/>
+            <a:r>
+              <a:rPr lang="zh-TW" altLang="en-US" sz="2400">
+                <a:solidFill>
+                  <a:schemeClr val="bg1"/>
+                </a:solidFill>
+              </a:rPr>
+              <a:t>任何地方</a:t>
+            </a:r>
+          </a:p>
+        </p:txBody>
+      </p:sp>
+      <p:sp>
+        <p:nvSpPr>
+          <p:cNvPr id="84" name="文字方塊 83">
+            <a:extLst>
+              <a:ext uri="{FF2B5EF4-FFF2-40B4-BE49-F238E27FC236}">
+                <a16:creationId xmlns:a16="http://schemas.microsoft.com/office/drawing/2014/main" id="{71657980-24DC-410D-AF20-38BEB8CBC1D9}"/>
+              </a:ext>
+            </a:extLst>
+          </p:cNvPr>
+          <p:cNvSpPr txBox="1"/>
+          <p:nvPr/>
+        </p:nvSpPr>
+        <p:spPr>
+          <a:xfrm>
+            <a:off x="4680228" y="2626362"/>
+            <a:ext cx="1415772" cy="461665"/>
+          </a:xfrm>
+          <a:prstGeom prst="rect">
+            <a:avLst/>
+          </a:prstGeom>
+          <a:noFill/>
+        </p:spPr>
+        <p:txBody>
+          <a:bodyPr wrap="none" rtlCol="0">
+            <a:spAutoFit/>
+          </a:bodyPr>
+          <a:lstStyle/>
+          <a:p>
+            <a:pPr algn="ctr"/>
+            <a:r>
+              <a:rPr lang="zh-TW" altLang="en-US" sz="2400">
+                <a:solidFill>
+                  <a:schemeClr val="bg1"/>
+                </a:solidFill>
+              </a:rPr>
+              <a:t>同個套件</a:t>
+            </a:r>
+          </a:p>
+        </p:txBody>
+      </p:sp>
+      <p:cxnSp>
+        <p:nvCxnSpPr>
+          <p:cNvPr id="85" name="直線接點 84">
+            <a:extLst>
+              <a:ext uri="{FF2B5EF4-FFF2-40B4-BE49-F238E27FC236}">
+                <a16:creationId xmlns:a16="http://schemas.microsoft.com/office/drawing/2014/main" id="{99311A4E-1327-4BD4-831F-EE4C640E0AA5}"/>
+              </a:ext>
+            </a:extLst>
+          </p:cNvPr>
+          <p:cNvCxnSpPr>
+            <a:cxnSpLocks/>
+            <a:endCxn id="100" idx="27"/>
+          </p:cNvCxnSpPr>
+          <p:nvPr/>
+        </p:nvCxnSpPr>
+        <p:spPr>
+          <a:xfrm flipH="1">
+            <a:off x="4675411" y="2514975"/>
+            <a:ext cx="13800" cy="3618122"/>
+          </a:xfrm>
+          <a:prstGeom prst="line">
+            <a:avLst/>
+          </a:prstGeom>
+          <a:ln w="38100">
+            <a:solidFill>
+              <a:srgbClr val="336600"/>
+            </a:solidFill>
+          </a:ln>
+        </p:spPr>
+        <p:style>
+          <a:lnRef idx="1">
+            <a:schemeClr val="accent1"/>
+          </a:lnRef>
+          <a:fillRef idx="0">
+            <a:schemeClr val="accent1"/>
+          </a:fillRef>
+          <a:effectRef idx="0">
+            <a:schemeClr val="accent1"/>
+          </a:effectRef>
+          <a:fontRef idx="minor">
+            <a:schemeClr val="tx1"/>
+          </a:fontRef>
+        </p:style>
+      </p:cxnSp>
+      <p:cxnSp>
+        <p:nvCxnSpPr>
+          <p:cNvPr id="86" name="直線接點 85">
+            <a:extLst>
+              <a:ext uri="{FF2B5EF4-FFF2-40B4-BE49-F238E27FC236}">
+                <a16:creationId xmlns:a16="http://schemas.microsoft.com/office/drawing/2014/main" id="{BE878C9F-E1AE-460F-B3AE-40D3B11F0122}"/>
+              </a:ext>
+            </a:extLst>
+          </p:cNvPr>
+          <p:cNvCxnSpPr>
+            <a:cxnSpLocks/>
+          </p:cNvCxnSpPr>
+          <p:nvPr/>
+        </p:nvCxnSpPr>
+        <p:spPr>
+          <a:xfrm>
+            <a:off x="6096000" y="2514975"/>
+            <a:ext cx="0" cy="3618122"/>
+          </a:xfrm>
+          <a:prstGeom prst="line">
+            <a:avLst/>
+          </a:prstGeom>
+          <a:ln w="38100">
+            <a:solidFill>
+              <a:srgbClr val="336600"/>
+            </a:solidFill>
+          </a:ln>
+        </p:spPr>
+        <p:style>
+          <a:lnRef idx="1">
+            <a:schemeClr val="accent1"/>
+          </a:lnRef>
+          <a:fillRef idx="0">
+            <a:schemeClr val="accent1"/>
+          </a:fillRef>
+          <a:effectRef idx="0">
+            <a:schemeClr val="accent1"/>
+          </a:effectRef>
+          <a:fontRef idx="minor">
+            <a:schemeClr val="tx1"/>
+          </a:fontRef>
+        </p:style>
+      </p:cxnSp>
+      <p:sp>
+        <p:nvSpPr>
+          <p:cNvPr id="87" name="文字方塊 86">
+            <a:extLst>
+              <a:ext uri="{FF2B5EF4-FFF2-40B4-BE49-F238E27FC236}">
+                <a16:creationId xmlns:a16="http://schemas.microsoft.com/office/drawing/2014/main" id="{2A5A7BE6-5F8F-4B8F-ADD8-7D5815158BD3}"/>
+              </a:ext>
+            </a:extLst>
+          </p:cNvPr>
+          <p:cNvSpPr txBox="1"/>
+          <p:nvPr/>
+        </p:nvSpPr>
+        <p:spPr>
+          <a:xfrm>
+            <a:off x="6087020" y="2626362"/>
+            <a:ext cx="1415772" cy="461665"/>
+          </a:xfrm>
+          <a:prstGeom prst="rect">
+            <a:avLst/>
+          </a:prstGeom>
+          <a:noFill/>
+        </p:spPr>
+        <p:txBody>
+          <a:bodyPr wrap="none" rtlCol="0">
+            <a:spAutoFit/>
+          </a:bodyPr>
+          <a:lstStyle/>
+          <a:p>
+            <a:pPr algn="ctr"/>
+            <a:r>
+              <a:rPr lang="zh-TW" altLang="en-US" sz="2400">
+                <a:solidFill>
+                  <a:schemeClr val="bg1"/>
+                </a:solidFill>
+              </a:rPr>
+              <a:t>父子類別</a:t>
+            </a:r>
+          </a:p>
+        </p:txBody>
+      </p:sp>
+      <p:cxnSp>
+        <p:nvCxnSpPr>
+          <p:cNvPr id="88" name="直線接點 87">
+            <a:extLst>
+              <a:ext uri="{FF2B5EF4-FFF2-40B4-BE49-F238E27FC236}">
+                <a16:creationId xmlns:a16="http://schemas.microsoft.com/office/drawing/2014/main" id="{BE70C250-C76A-4CC6-8E85-96D9B6039C3A}"/>
+              </a:ext>
+            </a:extLst>
+          </p:cNvPr>
+          <p:cNvCxnSpPr>
+            <a:cxnSpLocks/>
+          </p:cNvCxnSpPr>
+          <p:nvPr/>
+        </p:nvCxnSpPr>
+        <p:spPr>
+          <a:xfrm>
+            <a:off x="7508443" y="2514975"/>
+            <a:ext cx="0" cy="3618122"/>
+          </a:xfrm>
+          <a:prstGeom prst="line">
+            <a:avLst/>
+          </a:prstGeom>
+          <a:ln w="38100">
+            <a:solidFill>
+              <a:srgbClr val="336600"/>
+            </a:solidFill>
+          </a:ln>
+        </p:spPr>
+        <p:style>
+          <a:lnRef idx="1">
+            <a:schemeClr val="accent1"/>
+          </a:lnRef>
+          <a:fillRef idx="0">
+            <a:schemeClr val="accent1"/>
+          </a:fillRef>
+          <a:effectRef idx="0">
+            <a:schemeClr val="accent1"/>
+          </a:effectRef>
+          <a:fontRef idx="minor">
+            <a:schemeClr val="tx1"/>
+          </a:fontRef>
+        </p:style>
+      </p:cxnSp>
+      <p:sp>
+        <p:nvSpPr>
+          <p:cNvPr id="89" name="文字方塊 88">
+            <a:extLst>
+              <a:ext uri="{FF2B5EF4-FFF2-40B4-BE49-F238E27FC236}">
+                <a16:creationId xmlns:a16="http://schemas.microsoft.com/office/drawing/2014/main" id="{102B40AB-F905-45B0-8303-3D300D5FD740}"/>
+              </a:ext>
+            </a:extLst>
+          </p:cNvPr>
+          <p:cNvSpPr txBox="1"/>
+          <p:nvPr/>
+        </p:nvSpPr>
+        <p:spPr>
+          <a:xfrm>
+            <a:off x="7508442" y="2626362"/>
+            <a:ext cx="1447833" cy="461665"/>
+          </a:xfrm>
+          <a:prstGeom prst="rect">
+            <a:avLst/>
+          </a:prstGeom>
+          <a:noFill/>
+        </p:spPr>
+        <p:txBody>
+          <a:bodyPr wrap="none" rtlCol="0">
+            <a:spAutoFit/>
+          </a:bodyPr>
+          <a:lstStyle/>
+          <a:p>
+            <a:pPr algn="ctr"/>
+            <a:r>
+              <a:rPr lang="zh-TW" altLang="en-US" sz="2400">
+                <a:solidFill>
+                  <a:schemeClr val="bg1"/>
+                </a:solidFill>
+              </a:rPr>
+              <a:t>類別內部</a:t>
             </a:r>
           </a:p>
         </p:txBody>
@@ -8589,7 +17818,7 @@
     </p:spTree>
     <p:extLst>
       <p:ext uri="{BB962C8B-B14F-4D97-AF65-F5344CB8AC3E}">
-        <p14:creationId xmlns:p14="http://schemas.microsoft.com/office/powerpoint/2010/main" val="2887999555"/>
+        <p14:creationId xmlns:p14="http://schemas.microsoft.com/office/powerpoint/2010/main" val="3324696523"/>
       </p:ext>
     </p:extLst>
   </p:cSld>
@@ -8827,4 +18056,299 @@
     </a:ext>
   </a:extLst>
 </a:theme>
+</file>
+
+<file path=ppt/theme/theme2.xml><?xml version="1.0" encoding="utf-8"?>
+<a:theme xmlns:a="http://schemas.openxmlformats.org/drawingml/2006/main" name="Office 佈景主題">
+  <a:themeElements>
+    <a:clrScheme name="Office">
+      <a:dk1>
+        <a:sysClr val="windowText" lastClr="000000"/>
+      </a:dk1>
+      <a:lt1>
+        <a:sysClr val="window" lastClr="FFFFFF"/>
+      </a:lt1>
+      <a:dk2>
+        <a:srgbClr val="44546A"/>
+      </a:dk2>
+      <a:lt2>
+        <a:srgbClr val="E7E6E6"/>
+      </a:lt2>
+      <a:accent1>
+        <a:srgbClr val="4472C4"/>
+      </a:accent1>
+      <a:accent2>
+        <a:srgbClr val="ED7D31"/>
+      </a:accent2>
+      <a:accent3>
+        <a:srgbClr val="A5A5A5"/>
+      </a:accent3>
+      <a:accent4>
+        <a:srgbClr val="FFC000"/>
+      </a:accent4>
+      <a:accent5>
+        <a:srgbClr val="5B9BD5"/>
+      </a:accent5>
+      <a:accent6>
+        <a:srgbClr val="70AD47"/>
+      </a:accent6>
+      <a:hlink>
+        <a:srgbClr val="0563C1"/>
+      </a:hlink>
+      <a:folHlink>
+        <a:srgbClr val="954F72"/>
+      </a:folHlink>
+    </a:clrScheme>
+    <a:fontScheme name="Office">
+      <a:majorFont>
+        <a:latin typeface="Calibri Light" panose="020F0302020204030204"/>
+        <a:ea typeface=""/>
+        <a:cs typeface=""/>
+        <a:font script="Jpan" typeface="游ゴシック Light"/>
+        <a:font script="Hang" typeface="맑은 고딕"/>
+        <a:font script="Hans" typeface="等线 Light"/>
+        <a:font script="Hant" typeface="新細明體"/>
+        <a:font script="Arab" typeface="Times New Roman"/>
+        <a:font script="Hebr" typeface="Times New Roman"/>
+        <a:font script="Thai" typeface="Angsana New"/>
+        <a:font script="Ethi" typeface="Nyala"/>
+        <a:font script="Beng" typeface="Vrinda"/>
+        <a:font script="Gujr" typeface="Shruti"/>
+        <a:font script="Khmr" typeface="MoolBoran"/>
+        <a:font script="Knda" typeface="Tunga"/>
+        <a:font script="Guru" typeface="Raavi"/>
+        <a:font script="Cans" typeface="Euphemia"/>
+        <a:font script="Cher" typeface="Plantagenet Cherokee"/>
+        <a:font script="Yiii" typeface="Microsoft Yi Baiti"/>
+        <a:font script="Tibt" typeface="Microsoft Himalaya"/>
+        <a:font script="Thaa" typeface="MV Boli"/>
+        <a:font script="Deva" typeface="Mangal"/>
+        <a:font script="Telu" typeface="Gautami"/>
+        <a:font script="Taml" typeface="Latha"/>
+        <a:font script="Syrc" typeface="Estrangelo Edessa"/>
+        <a:font script="Orya" typeface="Kalinga"/>
+        <a:font script="Mlym" typeface="Kartika"/>
+        <a:font script="Laoo" typeface="DokChampa"/>
+        <a:font script="Sinh" typeface="Iskoola Pota"/>
+        <a:font script="Mong" typeface="Mongolian Baiti"/>
+        <a:font script="Viet" typeface="Times New Roman"/>
+        <a:font script="Uigh" typeface="Microsoft Uighur"/>
+        <a:font script="Geor" typeface="Sylfaen"/>
+        <a:font script="Armn" typeface="Arial"/>
+        <a:font script="Bugi" typeface="Leelawadee UI"/>
+        <a:font script="Bopo" typeface="Microsoft JhengHei"/>
+        <a:font script="Java" typeface="Javanese Text"/>
+        <a:font script="Lisu" typeface="Segoe UI"/>
+        <a:font script="Mymr" typeface="Myanmar Text"/>
+        <a:font script="Nkoo" typeface="Ebrima"/>
+        <a:font script="Olck" typeface="Nirmala UI"/>
+        <a:font script="Osma" typeface="Ebrima"/>
+        <a:font script="Phag" typeface="Phagspa"/>
+        <a:font script="Syrn" typeface="Estrangelo Edessa"/>
+        <a:font script="Syrj" typeface="Estrangelo Edessa"/>
+        <a:font script="Syre" typeface="Estrangelo Edessa"/>
+        <a:font script="Sora" typeface="Nirmala UI"/>
+        <a:font script="Tale" typeface="Microsoft Tai Le"/>
+        <a:font script="Talu" typeface="Microsoft New Tai Lue"/>
+        <a:font script="Tfng" typeface="Ebrima"/>
+      </a:majorFont>
+      <a:minorFont>
+        <a:latin typeface="Calibri" panose="020F0502020204030204"/>
+        <a:ea typeface=""/>
+        <a:cs typeface=""/>
+        <a:font script="Jpan" typeface="游ゴシック"/>
+        <a:font script="Hang" typeface="맑은 고딕"/>
+        <a:font script="Hans" typeface="等线"/>
+        <a:font script="Hant" typeface="新細明體"/>
+        <a:font script="Arab" typeface="Arial"/>
+        <a:font script="Hebr" typeface="Arial"/>
+        <a:font script="Thai" typeface="Cordia New"/>
+        <a:font script="Ethi" typeface="Nyala"/>
+        <a:font script="Beng" typeface="Vrinda"/>
+        <a:font script="Gujr" typeface="Shruti"/>
+        <a:font script="Khmr" typeface="DaunPenh"/>
+        <a:font script="Knda" typeface="Tunga"/>
+        <a:font script="Guru" typeface="Raavi"/>
+        <a:font script="Cans" typeface="Euphemia"/>
+        <a:font script="Cher" typeface="Plantagenet Cherokee"/>
+        <a:font script="Yiii" typeface="Microsoft Yi Baiti"/>
+        <a:font script="Tibt" typeface="Microsoft Himalaya"/>
+        <a:font script="Thaa" typeface="MV Boli"/>
+        <a:font script="Deva" typeface="Mangal"/>
+        <a:font script="Telu" typeface="Gautami"/>
+        <a:font script="Taml" typeface="Latha"/>
+        <a:font script="Syrc" typeface="Estrangelo Edessa"/>
+        <a:font script="Orya" typeface="Kalinga"/>
+        <a:font script="Mlym" typeface="Kartika"/>
+        <a:font script="Laoo" typeface="DokChampa"/>
+        <a:font script="Sinh" typeface="Iskoola Pota"/>
+        <a:font script="Mong" typeface="Mongolian Baiti"/>
+        <a:font script="Viet" typeface="Arial"/>
+        <a:font script="Uigh" typeface="Microsoft Uighur"/>
+        <a:font script="Geor" typeface="Sylfaen"/>
+        <a:font script="Armn" typeface="Arial"/>
+        <a:font script="Bugi" typeface="Leelawadee UI"/>
+        <a:font script="Bopo" typeface="Microsoft JhengHei"/>
+        <a:font script="Java" typeface="Javanese Text"/>
+        <a:font script="Lisu" typeface="Segoe UI"/>
+        <a:font script="Mymr" typeface="Myanmar Text"/>
+        <a:font script="Nkoo" typeface="Ebrima"/>
+        <a:font script="Olck" typeface="Nirmala UI"/>
+        <a:font script="Osma" typeface="Ebrima"/>
+        <a:font script="Phag" typeface="Phagspa"/>
+        <a:font script="Syrn" typeface="Estrangelo Edessa"/>
+        <a:font script="Syrj" typeface="Estrangelo Edessa"/>
+        <a:font script="Syre" typeface="Estrangelo Edessa"/>
+        <a:font script="Sora" typeface="Nirmala UI"/>
+        <a:font script="Tale" typeface="Microsoft Tai Le"/>
+        <a:font script="Talu" typeface="Microsoft New Tai Lue"/>
+        <a:font script="Tfng" typeface="Ebrima"/>
+      </a:minorFont>
+    </a:fontScheme>
+    <a:fmtScheme name="Office">
+      <a:fillStyleLst>
+        <a:solidFill>
+          <a:schemeClr val="phClr"/>
+        </a:solidFill>
+        <a:gradFill rotWithShape="1">
+          <a:gsLst>
+            <a:gs pos="0">
+              <a:schemeClr val="phClr">
+                <a:lumMod val="110000"/>
+                <a:satMod val="105000"/>
+                <a:tint val="67000"/>
+              </a:schemeClr>
+            </a:gs>
+            <a:gs pos="50000">
+              <a:schemeClr val="phClr">
+                <a:lumMod val="105000"/>
+                <a:satMod val="103000"/>
+                <a:tint val="73000"/>
+              </a:schemeClr>
+            </a:gs>
+            <a:gs pos="100000">
+              <a:schemeClr val="phClr">
+                <a:lumMod val="105000"/>
+                <a:satMod val="109000"/>
+                <a:tint val="81000"/>
+              </a:schemeClr>
+            </a:gs>
+          </a:gsLst>
+          <a:lin ang="5400000" scaled="0"/>
+        </a:gradFill>
+        <a:gradFill rotWithShape="1">
+          <a:gsLst>
+            <a:gs pos="0">
+              <a:schemeClr val="phClr">
+                <a:satMod val="103000"/>
+                <a:lumMod val="102000"/>
+                <a:tint val="94000"/>
+              </a:schemeClr>
+            </a:gs>
+            <a:gs pos="50000">
+              <a:schemeClr val="phClr">
+                <a:satMod val="110000"/>
+                <a:lumMod val="100000"/>
+                <a:shade val="100000"/>
+              </a:schemeClr>
+            </a:gs>
+            <a:gs pos="100000">
+              <a:schemeClr val="phClr">
+                <a:lumMod val="99000"/>
+                <a:satMod val="120000"/>
+                <a:shade val="78000"/>
+              </a:schemeClr>
+            </a:gs>
+          </a:gsLst>
+          <a:lin ang="5400000" scaled="0"/>
+        </a:gradFill>
+      </a:fillStyleLst>
+      <a:lnStyleLst>
+        <a:ln w="6350" cap="flat" cmpd="sng" algn="ctr">
+          <a:solidFill>
+            <a:schemeClr val="phClr"/>
+          </a:solidFill>
+          <a:prstDash val="solid"/>
+          <a:miter lim="800000"/>
+        </a:ln>
+        <a:ln w="12700" cap="flat" cmpd="sng" algn="ctr">
+          <a:solidFill>
+            <a:schemeClr val="phClr"/>
+          </a:solidFill>
+          <a:prstDash val="solid"/>
+          <a:miter lim="800000"/>
+        </a:ln>
+        <a:ln w="19050" cap="flat" cmpd="sng" algn="ctr">
+          <a:solidFill>
+            <a:schemeClr val="phClr"/>
+          </a:solidFill>
+          <a:prstDash val="solid"/>
+          <a:miter lim="800000"/>
+        </a:ln>
+      </a:lnStyleLst>
+      <a:effectStyleLst>
+        <a:effectStyle>
+          <a:effectLst/>
+        </a:effectStyle>
+        <a:effectStyle>
+          <a:effectLst/>
+        </a:effectStyle>
+        <a:effectStyle>
+          <a:effectLst>
+            <a:outerShdw blurRad="57150" dist="19050" dir="5400000" algn="ctr" rotWithShape="0">
+              <a:srgbClr val="000000">
+                <a:alpha val="63000"/>
+              </a:srgbClr>
+            </a:outerShdw>
+          </a:effectLst>
+        </a:effectStyle>
+      </a:effectStyleLst>
+      <a:bgFillStyleLst>
+        <a:solidFill>
+          <a:schemeClr val="phClr"/>
+        </a:solidFill>
+        <a:solidFill>
+          <a:schemeClr val="phClr">
+            <a:tint val="95000"/>
+            <a:satMod val="170000"/>
+          </a:schemeClr>
+        </a:solidFill>
+        <a:gradFill rotWithShape="1">
+          <a:gsLst>
+            <a:gs pos="0">
+              <a:schemeClr val="phClr">
+                <a:tint val="93000"/>
+                <a:satMod val="150000"/>
+                <a:shade val="98000"/>
+                <a:lumMod val="102000"/>
+              </a:schemeClr>
+            </a:gs>
+            <a:gs pos="50000">
+              <a:schemeClr val="phClr">
+                <a:tint val="98000"/>
+                <a:satMod val="130000"/>
+                <a:shade val="90000"/>
+                <a:lumMod val="103000"/>
+              </a:schemeClr>
+            </a:gs>
+            <a:gs pos="100000">
+              <a:schemeClr val="phClr">
+                <a:shade val="63000"/>
+                <a:satMod val="120000"/>
+              </a:schemeClr>
+            </a:gs>
+          </a:gsLst>
+          <a:lin ang="5400000" scaled="0"/>
+        </a:gradFill>
+      </a:bgFillStyleLst>
+    </a:fmtScheme>
+  </a:themeElements>
+  <a:objectDefaults/>
+  <a:extraClrSchemeLst/>
+  <a:extLst>
+    <a:ext uri="{05A4C25C-085E-4340-85A3-A5531E510DB2}">
+      <thm15:themeFamily xmlns:thm15="http://schemas.microsoft.com/office/thememl/2012/main" name="Office Theme" id="{62F939B6-93AF-4DB8-9C6B-D6C7DFDC589F}" vid="{4A3C46E8-61CC-4603-A589-7422A47A8E4A}"/>
+    </a:ext>
+  </a:extLst>
+</a:theme>
 </file>
--- a/powerpoint/09_套件與存取修飾子.pptx
+++ b/powerpoint/09_套件與存取修飾子.pptx
@@ -5,7 +5,7 @@
     <p:sldMasterId id="2147483660" r:id="rId1"/>
   </p:sldMasterIdLst>
   <p:notesMasterIdLst>
-    <p:notesMasterId r:id="rId9"/>
+    <p:notesMasterId r:id="rId10"/>
   </p:notesMasterIdLst>
   <p:sldIdLst>
     <p:sldId id="256" r:id="rId2"/>
@@ -15,6 +15,7 @@
     <p:sldId id="259" r:id="rId6"/>
     <p:sldId id="261" r:id="rId7"/>
     <p:sldId id="262" r:id="rId8"/>
+    <p:sldId id="263" r:id="rId9"/>
   </p:sldIdLst>
   <p:sldSz cx="12192000" cy="6858000"/>
   <p:notesSz cx="6858000" cy="9144000"/>
@@ -203,7 +204,7 @@
           <a:p>
             <a:fld id="{13944194-6483-4812-93AF-B4D587E71D5A}" type="datetimeFigureOut">
               <a:rPr lang="zh-TW" altLang="en-US" smtClean="0"/>
-              <a:t>2024/8/18</a:t>
+              <a:t>2024/8/23</a:t>
             </a:fld>
             <a:endParaRPr lang="zh-TW" altLang="en-US"/>
           </a:p>
@@ -23230,6 +23231,1653 @@
 </p:sld>
 </file>
 
+<file path=ppt/slides/slide8.xml><?xml version="1.0" encoding="utf-8"?>
+<p:sld xmlns:a="http://schemas.openxmlformats.org/drawingml/2006/main" xmlns:r="http://schemas.openxmlformats.org/officeDocument/2006/relationships" xmlns:p="http://schemas.openxmlformats.org/presentationml/2006/main">
+  <p:cSld>
+    <p:spTree>
+      <p:nvGrpSpPr>
+        <p:cNvPr id="1" name=""/>
+        <p:cNvGrpSpPr/>
+        <p:nvPr/>
+      </p:nvGrpSpPr>
+      <p:grpSpPr>
+        <a:xfrm>
+          <a:off x="0" y="0"/>
+          <a:ext cx="0" cy="0"/>
+          <a:chOff x="0" y="0"/>
+          <a:chExt cx="0" cy="0"/>
+        </a:xfrm>
+      </p:grpSpPr>
+      <p:sp>
+        <p:nvSpPr>
+          <p:cNvPr id="2" name="標題 1">
+            <a:extLst>
+              <a:ext uri="{FF2B5EF4-FFF2-40B4-BE49-F238E27FC236}">
+                <a16:creationId xmlns:a16="http://schemas.microsoft.com/office/drawing/2014/main" id="{9BE6B839-1AE1-4FDB-930D-28A768CB186B}"/>
+              </a:ext>
+            </a:extLst>
+          </p:cNvPr>
+          <p:cNvSpPr>
+            <a:spLocks noGrp="1"/>
+          </p:cNvSpPr>
+          <p:nvPr>
+            <p:ph type="title"/>
+          </p:nvPr>
+        </p:nvSpPr>
+        <p:spPr>
+          <a:xfrm>
+            <a:off x="838200" y="365125"/>
+            <a:ext cx="10515600" cy="1325563"/>
+          </a:xfrm>
+        </p:spPr>
+        <p:txBody>
+          <a:bodyPr/>
+          <a:lstStyle/>
+          <a:p>
+            <a:r>
+              <a:rPr lang="zh-TW" altLang="en-US"/>
+              <a:t>存取修飾子</a:t>
+            </a:r>
+          </a:p>
+        </p:txBody>
+      </p:sp>
+      <p:sp>
+        <p:nvSpPr>
+          <p:cNvPr id="10" name="內容版面配置區 9">
+            <a:extLst>
+              <a:ext uri="{FF2B5EF4-FFF2-40B4-BE49-F238E27FC236}">
+                <a16:creationId xmlns:a16="http://schemas.microsoft.com/office/drawing/2014/main" id="{4823D9AC-2BDF-4FC4-9800-76B3A00E4401}"/>
+              </a:ext>
+            </a:extLst>
+          </p:cNvPr>
+          <p:cNvSpPr>
+            <a:spLocks noGrp="1"/>
+          </p:cNvSpPr>
+          <p:nvPr>
+            <p:ph idx="1"/>
+          </p:nvPr>
+        </p:nvSpPr>
+        <p:spPr>
+          <a:xfrm>
+            <a:off x="657099" y="2694305"/>
+            <a:ext cx="3413950" cy="2142871"/>
+          </a:xfrm>
+        </p:spPr>
+        <p:txBody>
+          <a:bodyPr/>
+          <a:lstStyle/>
+          <a:p>
+            <a:r>
+              <a:rPr lang="zh-TW" altLang="en-US"/>
+              <a:t>任何東西的</a:t>
+            </a:r>
+            <a:r>
+              <a:rPr lang="zh-TW" altLang="en-US">
+                <a:solidFill>
+                  <a:srgbClr val="00B0F0"/>
+                </a:solidFill>
+              </a:rPr>
+              <a:t>存取權限</a:t>
+            </a:r>
+            <a:endParaRPr lang="en-US" altLang="zh-TW">
+              <a:solidFill>
+                <a:srgbClr val="00B0F0"/>
+              </a:solidFill>
+            </a:endParaRPr>
+          </a:p>
+          <a:p>
+            <a:r>
+              <a:rPr lang="zh-TW" altLang="en-US"/>
+              <a:t>在</a:t>
+            </a:r>
+            <a:r>
+              <a:rPr lang="zh-TW" altLang="en-US">
+                <a:solidFill>
+                  <a:srgbClr val="00B0F0"/>
+                </a:solidFill>
+              </a:rPr>
+              <a:t>繼承</a:t>
+            </a:r>
+            <a:r>
+              <a:rPr lang="zh-TW" altLang="en-US"/>
+              <a:t>或</a:t>
+            </a:r>
+            <a:r>
+              <a:rPr lang="zh-TW" altLang="en-US">
+                <a:solidFill>
+                  <a:srgbClr val="00B0F0"/>
+                </a:solidFill>
+              </a:rPr>
+              <a:t>實作</a:t>
+            </a:r>
+            <a:r>
+              <a:rPr lang="zh-TW" altLang="en-US"/>
+              <a:t>中</a:t>
+            </a:r>
+            <a:endParaRPr lang="en-US" altLang="zh-TW"/>
+          </a:p>
+          <a:p>
+            <a:r>
+              <a:rPr lang="zh-TW" altLang="en-US">
+                <a:solidFill>
+                  <a:srgbClr val="FFFF00"/>
+                </a:solidFill>
+              </a:rPr>
+              <a:t>只能擴大而不能縮小</a:t>
+            </a:r>
+            <a:endParaRPr lang="en-US" altLang="zh-TW">
+              <a:solidFill>
+                <a:srgbClr val="FFFF00"/>
+              </a:solidFill>
+            </a:endParaRPr>
+          </a:p>
+          <a:p>
+            <a:r>
+              <a:rPr lang="zh-TW" altLang="en-US">
+                <a:solidFill>
+                  <a:srgbClr val="FFFF00"/>
+                </a:solidFill>
+              </a:rPr>
+              <a:t>否則會編譯失敗</a:t>
+            </a:r>
+          </a:p>
+        </p:txBody>
+      </p:sp>
+      <p:sp>
+        <p:nvSpPr>
+          <p:cNvPr id="4" name="Rectangle 1">
+            <a:extLst>
+              <a:ext uri="{FF2B5EF4-FFF2-40B4-BE49-F238E27FC236}">
+                <a16:creationId xmlns:a16="http://schemas.microsoft.com/office/drawing/2014/main" id="{8DC50B0A-B48D-4E28-892A-6B7F93B63EE1}"/>
+              </a:ext>
+            </a:extLst>
+          </p:cNvPr>
+          <p:cNvSpPr>
+            <a:spLocks noChangeArrowheads="1"/>
+          </p:cNvSpPr>
+          <p:nvPr/>
+        </p:nvSpPr>
+        <p:spPr bwMode="auto">
+          <a:xfrm>
+            <a:off x="4125913" y="1829449"/>
+            <a:ext cx="3775393" cy="4278094"/>
+          </a:xfrm>
+          <a:prstGeom prst="rect">
+            <a:avLst/>
+          </a:prstGeom>
+          <a:solidFill>
+            <a:srgbClr val="1E1F22"/>
+          </a:solidFill>
+          <a:ln>
+            <a:noFill/>
+          </a:ln>
+          <a:effectLst/>
+          <a:extLst>
+            <a:ext uri="{91240B29-F687-4F45-9708-019B960494DF}">
+              <a14:hiddenLine xmlns:a14="http://schemas.microsoft.com/office/drawing/2010/main" w="9525">
+                <a:solidFill>
+                  <a:schemeClr val="tx1"/>
+                </a:solidFill>
+                <a:miter lim="800000"/>
+                <a:headEnd/>
+                <a:tailEnd/>
+              </a14:hiddenLine>
+            </a:ext>
+            <a:ext uri="{AF507438-7753-43E0-B8FC-AC1667EBCBE1}">
+              <a14:hiddenEffects xmlns:a14="http://schemas.microsoft.com/office/drawing/2010/main">
+                <a:effectLst>
+                  <a:outerShdw dist="35921" dir="2700000" algn="ctr" rotWithShape="0">
+                    <a:schemeClr val="bg2"/>
+                  </a:outerShdw>
+                </a:effectLst>
+              </a14:hiddenEffects>
+            </a:ext>
+          </a:extLst>
+        </p:spPr>
+        <p:txBody>
+          <a:bodyPr vert="horz" wrap="none" lIns="91440" tIns="45720" rIns="91440" bIns="45720" numCol="1" anchor="ctr" anchorCtr="0" compatLnSpc="1">
+            <a:prstTxWarp prst="textNoShape">
+              <a:avLst/>
+            </a:prstTxWarp>
+            <a:spAutoFit/>
+          </a:bodyPr>
+          <a:lstStyle/>
+          <a:p>
+            <a:pPr eaLnBrk="0" fontAlgn="base" hangingPunct="0">
+              <a:spcBef>
+                <a:spcPct val="0"/>
+              </a:spcBef>
+              <a:spcAft>
+                <a:spcPct val="0"/>
+              </a:spcAft>
+            </a:pPr>
+            <a:r>
+              <a:rPr kumimoji="0" lang="zh-TW" altLang="zh-TW" sz="1600" b="0" i="0" u="none" strike="noStrike" cap="none" normalizeH="0" baseline="0">
+                <a:ln>
+                  <a:noFill/>
+                </a:ln>
+                <a:solidFill>
+                  <a:srgbClr val="7A7E85"/>
+                </a:solidFill>
+                <a:effectLst/>
+                <a:latin typeface="JetBrains Mono" panose="02000009000000000000" pitchFamily="49" charset="0"/>
+                <a:cs typeface="JetBrains Mono" panose="02000009000000000000" pitchFamily="49" charset="0"/>
+              </a:rPr>
+              <a:t>// </a:t>
+            </a:r>
+            <a:r>
+              <a:rPr kumimoji="0" lang="zh-TW" altLang="zh-TW" sz="1600" b="0" i="0" u="none" strike="noStrike" cap="none" normalizeH="0" baseline="0">
+                <a:ln>
+                  <a:noFill/>
+                </a:ln>
+                <a:solidFill>
+                  <a:srgbClr val="7A7E85"/>
+                </a:solidFill>
+                <a:effectLst/>
+                <a:latin typeface="微軟正黑體" panose="020B0604030504040204" pitchFamily="34" charset="-120"/>
+                <a:ea typeface="微軟正黑體" panose="020B0604030504040204" pitchFamily="34" charset="-120"/>
+                <a:cs typeface="JetBrains Mono" panose="02000009000000000000" pitchFamily="49" charset="0"/>
+              </a:rPr>
+              <a:t>編譯失敗</a:t>
+            </a:r>
+            <a:endParaRPr kumimoji="0" lang="en-US" altLang="zh-TW" sz="1600" b="0" i="0" u="none" strike="noStrike" cap="none" normalizeH="0" baseline="0">
+              <a:ln>
+                <a:noFill/>
+              </a:ln>
+              <a:solidFill>
+                <a:srgbClr val="CF8E6D"/>
+              </a:solidFill>
+              <a:effectLst/>
+              <a:latin typeface="+mj-lt"/>
+              <a:cs typeface="JetBrains Mono" panose="02000009000000000000" pitchFamily="49" charset="0"/>
+            </a:endParaRPr>
+          </a:p>
+          <a:p>
+            <a:pPr marL="0" marR="0" lvl="0" indent="0" algn="l" defTabSz="914400" rtl="0" eaLnBrk="0" fontAlgn="base" latinLnBrk="0" hangingPunct="0">
+              <a:lnSpc>
+                <a:spcPct val="100000"/>
+              </a:lnSpc>
+              <a:spcBef>
+                <a:spcPct val="0"/>
+              </a:spcBef>
+              <a:spcAft>
+                <a:spcPct val="0"/>
+              </a:spcAft>
+              <a:buClrTx/>
+              <a:buSzTx/>
+              <a:buFontTx/>
+              <a:buNone/>
+              <a:tabLst/>
+            </a:pPr>
+            <a:r>
+              <a:rPr kumimoji="0" lang="zh-TW" altLang="zh-TW" sz="1600" b="0" i="0" u="none" strike="noStrike" cap="none" normalizeH="0" baseline="0">
+                <a:ln>
+                  <a:noFill/>
+                </a:ln>
+                <a:solidFill>
+                  <a:srgbClr val="CF8E6D"/>
+                </a:solidFill>
+                <a:effectLst/>
+                <a:latin typeface="+mj-lt"/>
+                <a:cs typeface="JetBrains Mono" panose="02000009000000000000" pitchFamily="49" charset="0"/>
+              </a:rPr>
+              <a:t>class </a:t>
+            </a:r>
+            <a:r>
+              <a:rPr kumimoji="0" lang="zh-TW" altLang="zh-TW" sz="1600" b="0" i="0" u="none" strike="noStrike" cap="none" normalizeH="0" baseline="0">
+                <a:ln>
+                  <a:noFill/>
+                </a:ln>
+                <a:solidFill>
+                  <a:srgbClr val="BCBEC4"/>
+                </a:solidFill>
+                <a:effectLst/>
+                <a:latin typeface="+mj-lt"/>
+                <a:cs typeface="JetBrains Mono" panose="02000009000000000000" pitchFamily="49" charset="0"/>
+              </a:rPr>
+              <a:t>Person {</a:t>
+            </a:r>
+            <a:br>
+              <a:rPr kumimoji="0" lang="zh-TW" altLang="zh-TW" sz="1600" b="0" i="0" u="none" strike="noStrike" cap="none" normalizeH="0" baseline="0">
+                <a:ln>
+                  <a:noFill/>
+                </a:ln>
+                <a:solidFill>
+                  <a:srgbClr val="BCBEC4"/>
+                </a:solidFill>
+                <a:effectLst/>
+                <a:latin typeface="+mj-lt"/>
+                <a:cs typeface="JetBrains Mono" panose="02000009000000000000" pitchFamily="49" charset="0"/>
+              </a:rPr>
+            </a:br>
+            <a:r>
+              <a:rPr kumimoji="0" lang="en-US" altLang="zh-TW" sz="1600" b="0" i="0" u="none" strike="noStrike" cap="none" normalizeH="0" baseline="0">
+                <a:ln>
+                  <a:noFill/>
+                </a:ln>
+                <a:solidFill>
+                  <a:srgbClr val="BCBEC4"/>
+                </a:solidFill>
+                <a:effectLst/>
+                <a:latin typeface="+mj-lt"/>
+                <a:cs typeface="JetBrains Mono" panose="02000009000000000000" pitchFamily="49" charset="0"/>
+              </a:rPr>
+              <a:t>    ...</a:t>
+            </a:r>
+            <a:br>
+              <a:rPr kumimoji="0" lang="zh-TW" altLang="zh-TW" sz="1600" b="0" i="0" u="none" strike="noStrike" cap="none" normalizeH="0" baseline="0">
+                <a:ln>
+                  <a:noFill/>
+                </a:ln>
+                <a:solidFill>
+                  <a:srgbClr val="BCBEC4"/>
+                </a:solidFill>
+                <a:effectLst/>
+                <a:latin typeface="+mj-lt"/>
+                <a:cs typeface="JetBrains Mono" panose="02000009000000000000" pitchFamily="49" charset="0"/>
+              </a:rPr>
+            </a:br>
+            <a:br>
+              <a:rPr kumimoji="0" lang="zh-TW" altLang="zh-TW" sz="1600" b="0" i="0" u="none" strike="noStrike" cap="none" normalizeH="0" baseline="0">
+                <a:ln>
+                  <a:noFill/>
+                </a:ln>
+                <a:solidFill>
+                  <a:srgbClr val="BCBEC4"/>
+                </a:solidFill>
+                <a:effectLst/>
+                <a:latin typeface="+mj-lt"/>
+                <a:cs typeface="JetBrains Mono" panose="02000009000000000000" pitchFamily="49" charset="0"/>
+              </a:rPr>
+            </a:br>
+            <a:r>
+              <a:rPr kumimoji="0" lang="zh-TW" altLang="zh-TW" sz="1600" b="0" i="0" u="none" strike="noStrike" cap="none" normalizeH="0" baseline="0">
+                <a:ln>
+                  <a:noFill/>
+                </a:ln>
+                <a:solidFill>
+                  <a:srgbClr val="BCBEC4"/>
+                </a:solidFill>
+                <a:effectLst/>
+                <a:latin typeface="+mj-lt"/>
+                <a:cs typeface="JetBrains Mono" panose="02000009000000000000" pitchFamily="49" charset="0"/>
+              </a:rPr>
+              <a:t>    </a:t>
+            </a:r>
+            <a:r>
+              <a:rPr kumimoji="0" lang="zh-TW" altLang="zh-TW" sz="1600" b="0" i="0" u="none" strike="noStrike" cap="none" normalizeH="0" baseline="0">
+                <a:ln>
+                  <a:noFill/>
+                </a:ln>
+                <a:solidFill>
+                  <a:srgbClr val="CF8E6D"/>
+                </a:solidFill>
+                <a:effectLst/>
+                <a:latin typeface="+mj-lt"/>
+                <a:cs typeface="JetBrains Mono" panose="02000009000000000000" pitchFamily="49" charset="0"/>
+              </a:rPr>
+              <a:t>protected void </a:t>
+            </a:r>
+            <a:r>
+              <a:rPr kumimoji="0" lang="zh-TW" altLang="zh-TW" sz="1600" b="0" i="0" u="none" strike="noStrike" cap="none" normalizeH="0" baseline="0">
+                <a:ln>
+                  <a:noFill/>
+                </a:ln>
+                <a:solidFill>
+                  <a:srgbClr val="56A8F5"/>
+                </a:solidFill>
+                <a:effectLst/>
+                <a:latin typeface="+mj-lt"/>
+                <a:cs typeface="JetBrains Mono" panose="02000009000000000000" pitchFamily="49" charset="0"/>
+              </a:rPr>
+              <a:t>printInfo</a:t>
+            </a:r>
+            <a:r>
+              <a:rPr kumimoji="0" lang="zh-TW" altLang="zh-TW" sz="1600" b="0" i="0" u="none" strike="noStrike" cap="none" normalizeH="0" baseline="0">
+                <a:ln>
+                  <a:noFill/>
+                </a:ln>
+                <a:solidFill>
+                  <a:srgbClr val="BCBEC4"/>
+                </a:solidFill>
+                <a:effectLst/>
+                <a:latin typeface="+mj-lt"/>
+                <a:cs typeface="JetBrains Mono" panose="02000009000000000000" pitchFamily="49" charset="0"/>
+              </a:rPr>
+              <a:t>() {</a:t>
+            </a:r>
+            <a:br>
+              <a:rPr kumimoji="0" lang="zh-TW" altLang="zh-TW" sz="1600" b="0" i="0" u="none" strike="noStrike" cap="none" normalizeH="0" baseline="0">
+                <a:ln>
+                  <a:noFill/>
+                </a:ln>
+                <a:solidFill>
+                  <a:srgbClr val="BCBEC4"/>
+                </a:solidFill>
+                <a:effectLst/>
+                <a:latin typeface="+mj-lt"/>
+                <a:cs typeface="JetBrains Mono" panose="02000009000000000000" pitchFamily="49" charset="0"/>
+              </a:rPr>
+            </a:br>
+            <a:r>
+              <a:rPr kumimoji="0" lang="zh-TW" altLang="zh-TW" sz="1600" b="0" i="0" u="none" strike="noStrike" cap="none" normalizeH="0" baseline="0">
+                <a:ln>
+                  <a:noFill/>
+                </a:ln>
+                <a:solidFill>
+                  <a:srgbClr val="BCBEC4"/>
+                </a:solidFill>
+                <a:effectLst/>
+                <a:latin typeface="+mj-lt"/>
+                <a:cs typeface="JetBrains Mono" panose="02000009000000000000" pitchFamily="49" charset="0"/>
+              </a:rPr>
+              <a:t>        </a:t>
+            </a:r>
+            <a:r>
+              <a:rPr lang="en-US" altLang="zh-TW" sz="1600">
+                <a:solidFill>
+                  <a:srgbClr val="BCBEC4"/>
+                </a:solidFill>
+                <a:latin typeface="+mj-lt"/>
+                <a:cs typeface="JetBrains Mono" panose="02000009000000000000" pitchFamily="49" charset="0"/>
+              </a:rPr>
+              <a:t>...</a:t>
+            </a:r>
+            <a:br>
+              <a:rPr kumimoji="0" lang="zh-TW" altLang="zh-TW" sz="1600" b="0" i="0" u="none" strike="noStrike" cap="none" normalizeH="0" baseline="0">
+                <a:ln>
+                  <a:noFill/>
+                </a:ln>
+                <a:solidFill>
+                  <a:srgbClr val="BCBEC4"/>
+                </a:solidFill>
+                <a:effectLst/>
+                <a:latin typeface="+mj-lt"/>
+                <a:cs typeface="JetBrains Mono" panose="02000009000000000000" pitchFamily="49" charset="0"/>
+              </a:rPr>
+            </a:br>
+            <a:r>
+              <a:rPr kumimoji="0" lang="zh-TW" altLang="zh-TW" sz="1600" b="0" i="0" u="none" strike="noStrike" cap="none" normalizeH="0" baseline="0">
+                <a:ln>
+                  <a:noFill/>
+                </a:ln>
+                <a:solidFill>
+                  <a:srgbClr val="BCBEC4"/>
+                </a:solidFill>
+                <a:effectLst/>
+                <a:latin typeface="+mj-lt"/>
+                <a:cs typeface="JetBrains Mono" panose="02000009000000000000" pitchFamily="49" charset="0"/>
+              </a:rPr>
+              <a:t>    }</a:t>
+            </a:r>
+            <a:br>
+              <a:rPr kumimoji="0" lang="zh-TW" altLang="zh-TW" sz="1600" b="0" i="0" u="none" strike="noStrike" cap="none" normalizeH="0" baseline="0">
+                <a:ln>
+                  <a:noFill/>
+                </a:ln>
+                <a:solidFill>
+                  <a:srgbClr val="BCBEC4"/>
+                </a:solidFill>
+                <a:effectLst/>
+                <a:latin typeface="+mj-lt"/>
+                <a:cs typeface="JetBrains Mono" panose="02000009000000000000" pitchFamily="49" charset="0"/>
+              </a:rPr>
+            </a:br>
+            <a:r>
+              <a:rPr kumimoji="0" lang="zh-TW" altLang="zh-TW" sz="1600" b="0" i="0" u="none" strike="noStrike" cap="none" normalizeH="0" baseline="0">
+                <a:ln>
+                  <a:noFill/>
+                </a:ln>
+                <a:solidFill>
+                  <a:srgbClr val="BCBEC4"/>
+                </a:solidFill>
+                <a:effectLst/>
+                <a:latin typeface="+mj-lt"/>
+                <a:cs typeface="JetBrains Mono" panose="02000009000000000000" pitchFamily="49" charset="0"/>
+              </a:rPr>
+              <a:t>}</a:t>
+            </a:r>
+            <a:br>
+              <a:rPr kumimoji="0" lang="zh-TW" altLang="zh-TW" sz="1600" b="0" i="0" u="none" strike="noStrike" cap="none" normalizeH="0" baseline="0">
+                <a:ln>
+                  <a:noFill/>
+                </a:ln>
+                <a:solidFill>
+                  <a:srgbClr val="BCBEC4"/>
+                </a:solidFill>
+                <a:effectLst/>
+                <a:latin typeface="+mj-lt"/>
+                <a:cs typeface="JetBrains Mono" panose="02000009000000000000" pitchFamily="49" charset="0"/>
+              </a:rPr>
+            </a:br>
+            <a:br>
+              <a:rPr kumimoji="0" lang="zh-TW" altLang="zh-TW" sz="1600" b="0" i="0" u="none" strike="noStrike" cap="none" normalizeH="0" baseline="0">
+                <a:ln>
+                  <a:noFill/>
+                </a:ln>
+                <a:solidFill>
+                  <a:srgbClr val="BCBEC4"/>
+                </a:solidFill>
+                <a:effectLst/>
+                <a:latin typeface="+mj-lt"/>
+                <a:cs typeface="JetBrains Mono" panose="02000009000000000000" pitchFamily="49" charset="0"/>
+              </a:rPr>
+            </a:br>
+            <a:r>
+              <a:rPr kumimoji="0" lang="zh-TW" altLang="zh-TW" sz="1600" b="0" i="0" u="none" strike="noStrike" cap="none" normalizeH="0" baseline="0">
+                <a:ln>
+                  <a:noFill/>
+                </a:ln>
+                <a:solidFill>
+                  <a:srgbClr val="CF8E6D"/>
+                </a:solidFill>
+                <a:effectLst/>
+                <a:latin typeface="+mj-lt"/>
+                <a:cs typeface="JetBrains Mono" panose="02000009000000000000" pitchFamily="49" charset="0"/>
+              </a:rPr>
+              <a:t>class </a:t>
+            </a:r>
+            <a:r>
+              <a:rPr kumimoji="0" lang="zh-TW" altLang="zh-TW" sz="1600" b="0" i="0" u="none" strike="noStrike" cap="none" normalizeH="0" baseline="0">
+                <a:ln>
+                  <a:noFill/>
+                </a:ln>
+                <a:solidFill>
+                  <a:srgbClr val="BCBEC4"/>
+                </a:solidFill>
+                <a:effectLst/>
+                <a:latin typeface="+mj-lt"/>
+                <a:cs typeface="JetBrains Mono" panose="02000009000000000000" pitchFamily="49" charset="0"/>
+              </a:rPr>
+              <a:t>Worker </a:t>
+            </a:r>
+            <a:r>
+              <a:rPr kumimoji="0" lang="zh-TW" altLang="zh-TW" sz="1600" b="0" i="0" u="none" strike="noStrike" cap="none" normalizeH="0" baseline="0">
+                <a:ln>
+                  <a:noFill/>
+                </a:ln>
+                <a:solidFill>
+                  <a:srgbClr val="CF8E6D"/>
+                </a:solidFill>
+                <a:effectLst/>
+                <a:latin typeface="+mj-lt"/>
+                <a:cs typeface="JetBrains Mono" panose="02000009000000000000" pitchFamily="49" charset="0"/>
+              </a:rPr>
+              <a:t>extends </a:t>
+            </a:r>
+            <a:r>
+              <a:rPr kumimoji="0" lang="zh-TW" altLang="zh-TW" sz="1600" b="0" i="0" u="none" strike="noStrike" cap="none" normalizeH="0" baseline="0">
+                <a:ln>
+                  <a:noFill/>
+                </a:ln>
+                <a:solidFill>
+                  <a:srgbClr val="BCBEC4"/>
+                </a:solidFill>
+                <a:effectLst/>
+                <a:latin typeface="+mj-lt"/>
+                <a:cs typeface="JetBrains Mono" panose="02000009000000000000" pitchFamily="49" charset="0"/>
+              </a:rPr>
+              <a:t>Person {</a:t>
+            </a:r>
+            <a:br>
+              <a:rPr kumimoji="0" lang="zh-TW" altLang="zh-TW" sz="1600" b="0" i="0" u="none" strike="noStrike" cap="none" normalizeH="0" baseline="0">
+                <a:ln>
+                  <a:noFill/>
+                </a:ln>
+                <a:solidFill>
+                  <a:srgbClr val="BCBEC4"/>
+                </a:solidFill>
+                <a:effectLst/>
+                <a:latin typeface="+mj-lt"/>
+                <a:cs typeface="JetBrains Mono" panose="02000009000000000000" pitchFamily="49" charset="0"/>
+              </a:rPr>
+            </a:br>
+            <a:r>
+              <a:rPr kumimoji="0" lang="zh-TW" altLang="zh-TW" sz="1600" b="0" i="0" u="none" strike="noStrike" cap="none" normalizeH="0" baseline="0">
+                <a:ln>
+                  <a:noFill/>
+                </a:ln>
+                <a:solidFill>
+                  <a:srgbClr val="BCBEC4"/>
+                </a:solidFill>
+                <a:effectLst/>
+                <a:latin typeface="+mj-lt"/>
+                <a:cs typeface="JetBrains Mono" panose="02000009000000000000" pitchFamily="49" charset="0"/>
+              </a:rPr>
+              <a:t>    </a:t>
+            </a:r>
+            <a:r>
+              <a:rPr lang="en-US" altLang="zh-TW" sz="1600">
+                <a:solidFill>
+                  <a:srgbClr val="BCBEC4"/>
+                </a:solidFill>
+                <a:latin typeface="+mj-lt"/>
+                <a:cs typeface="JetBrains Mono" panose="02000009000000000000" pitchFamily="49" charset="0"/>
+              </a:rPr>
+              <a:t>...</a:t>
+            </a:r>
+            <a:br>
+              <a:rPr kumimoji="0" lang="zh-TW" altLang="zh-TW" sz="1600" b="0" i="0" u="none" strike="noStrike" cap="none" normalizeH="0" baseline="0">
+                <a:ln>
+                  <a:noFill/>
+                </a:ln>
+                <a:solidFill>
+                  <a:srgbClr val="BCBEC4"/>
+                </a:solidFill>
+                <a:effectLst/>
+                <a:latin typeface="+mj-lt"/>
+                <a:cs typeface="JetBrains Mono" panose="02000009000000000000" pitchFamily="49" charset="0"/>
+              </a:rPr>
+            </a:br>
+            <a:br>
+              <a:rPr kumimoji="0" lang="zh-TW" altLang="zh-TW" sz="1600" b="0" i="0" u="none" strike="noStrike" cap="none" normalizeH="0" baseline="0">
+                <a:ln>
+                  <a:noFill/>
+                </a:ln>
+                <a:solidFill>
+                  <a:srgbClr val="BCBEC4"/>
+                </a:solidFill>
+                <a:effectLst/>
+                <a:latin typeface="+mj-lt"/>
+                <a:cs typeface="JetBrains Mono" panose="02000009000000000000" pitchFamily="49" charset="0"/>
+              </a:rPr>
+            </a:br>
+            <a:r>
+              <a:rPr kumimoji="0" lang="zh-TW" altLang="zh-TW" sz="1600" b="0" i="0" u="none" strike="noStrike" cap="none" normalizeH="0" baseline="0">
+                <a:ln>
+                  <a:noFill/>
+                </a:ln>
+                <a:solidFill>
+                  <a:srgbClr val="BCBEC4"/>
+                </a:solidFill>
+                <a:effectLst/>
+                <a:latin typeface="+mj-lt"/>
+                <a:cs typeface="JetBrains Mono" panose="02000009000000000000" pitchFamily="49" charset="0"/>
+              </a:rPr>
+              <a:t>    </a:t>
+            </a:r>
+            <a:r>
+              <a:rPr kumimoji="0" lang="zh-TW" altLang="zh-TW" sz="1600" b="0" i="0" u="none" strike="noStrike" cap="none" normalizeH="0" baseline="0">
+                <a:ln>
+                  <a:noFill/>
+                </a:ln>
+                <a:solidFill>
+                  <a:srgbClr val="B3AE60"/>
+                </a:solidFill>
+                <a:effectLst/>
+                <a:latin typeface="+mj-lt"/>
+                <a:cs typeface="JetBrains Mono" panose="02000009000000000000" pitchFamily="49" charset="0"/>
+              </a:rPr>
+              <a:t>@Override</a:t>
+            </a:r>
+            <a:br>
+              <a:rPr kumimoji="0" lang="zh-TW" altLang="zh-TW" sz="1600" b="0" i="0" u="none" strike="noStrike" cap="none" normalizeH="0" baseline="0">
+                <a:ln>
+                  <a:noFill/>
+                </a:ln>
+                <a:solidFill>
+                  <a:srgbClr val="B3AE60"/>
+                </a:solidFill>
+                <a:effectLst/>
+                <a:latin typeface="+mj-lt"/>
+                <a:cs typeface="JetBrains Mono" panose="02000009000000000000" pitchFamily="49" charset="0"/>
+              </a:rPr>
+            </a:br>
+            <a:r>
+              <a:rPr kumimoji="0" lang="zh-TW" altLang="zh-TW" sz="1600" b="0" i="0" u="none" strike="noStrike" cap="none" normalizeH="0" baseline="0">
+                <a:ln>
+                  <a:noFill/>
+                </a:ln>
+                <a:solidFill>
+                  <a:srgbClr val="B3AE60"/>
+                </a:solidFill>
+                <a:effectLst/>
+                <a:latin typeface="+mj-lt"/>
+                <a:cs typeface="JetBrains Mono" panose="02000009000000000000" pitchFamily="49" charset="0"/>
+              </a:rPr>
+              <a:t> </a:t>
+            </a:r>
+            <a:r>
+              <a:rPr kumimoji="0" lang="en-US" altLang="zh-TW" sz="1600" b="0" i="0" u="none" strike="noStrike" cap="none" normalizeH="0" baseline="0">
+                <a:ln>
+                  <a:noFill/>
+                </a:ln>
+                <a:solidFill>
+                  <a:srgbClr val="B3AE60"/>
+                </a:solidFill>
+                <a:effectLst/>
+                <a:latin typeface="+mj-lt"/>
+                <a:cs typeface="JetBrains Mono" panose="02000009000000000000" pitchFamily="49" charset="0"/>
+              </a:rPr>
+              <a:t>   </a:t>
+            </a:r>
+            <a:r>
+              <a:rPr kumimoji="0" lang="zh-TW" altLang="zh-TW" sz="1600" b="0" i="0" u="none" strike="noStrike" cap="none" normalizeH="0" baseline="0">
+                <a:ln>
+                  <a:noFill/>
+                </a:ln>
+                <a:solidFill>
+                  <a:srgbClr val="CF8E6D"/>
+                </a:solidFill>
+                <a:effectLst/>
+                <a:latin typeface="+mj-lt"/>
+                <a:cs typeface="JetBrains Mono" panose="02000009000000000000" pitchFamily="49" charset="0"/>
+              </a:rPr>
+              <a:t>void </a:t>
+            </a:r>
+            <a:r>
+              <a:rPr kumimoji="0" lang="zh-TW" altLang="zh-TW" sz="1600" b="0" i="0" u="none" strike="noStrike" cap="none" normalizeH="0" baseline="0">
+                <a:ln>
+                  <a:noFill/>
+                </a:ln>
+                <a:solidFill>
+                  <a:srgbClr val="56A8F5"/>
+                </a:solidFill>
+                <a:effectLst/>
+                <a:latin typeface="+mj-lt"/>
+                <a:cs typeface="JetBrains Mono" panose="02000009000000000000" pitchFamily="49" charset="0"/>
+              </a:rPr>
+              <a:t>printInfo</a:t>
+            </a:r>
+            <a:r>
+              <a:rPr kumimoji="0" lang="zh-TW" altLang="zh-TW" sz="1600" b="0" i="0" u="none" strike="noStrike" cap="none" normalizeH="0" baseline="0">
+                <a:ln>
+                  <a:noFill/>
+                </a:ln>
+                <a:solidFill>
+                  <a:srgbClr val="BCBEC4"/>
+                </a:solidFill>
+                <a:effectLst/>
+                <a:latin typeface="+mj-lt"/>
+                <a:cs typeface="JetBrains Mono" panose="02000009000000000000" pitchFamily="49" charset="0"/>
+              </a:rPr>
+              <a:t>() {</a:t>
+            </a:r>
+            <a:br>
+              <a:rPr kumimoji="0" lang="zh-TW" altLang="zh-TW" sz="1600" b="0" i="0" u="none" strike="noStrike" cap="none" normalizeH="0" baseline="0">
+                <a:ln>
+                  <a:noFill/>
+                </a:ln>
+                <a:solidFill>
+                  <a:srgbClr val="BCBEC4"/>
+                </a:solidFill>
+                <a:effectLst/>
+                <a:latin typeface="+mj-lt"/>
+                <a:cs typeface="JetBrains Mono" panose="02000009000000000000" pitchFamily="49" charset="0"/>
+              </a:rPr>
+            </a:br>
+            <a:r>
+              <a:rPr kumimoji="0" lang="zh-TW" altLang="zh-TW" sz="1600" b="0" i="0" u="none" strike="noStrike" cap="none" normalizeH="0" baseline="0">
+                <a:ln>
+                  <a:noFill/>
+                </a:ln>
+                <a:solidFill>
+                  <a:srgbClr val="BCBEC4"/>
+                </a:solidFill>
+                <a:effectLst/>
+                <a:latin typeface="+mj-lt"/>
+                <a:cs typeface="JetBrains Mono" panose="02000009000000000000" pitchFamily="49" charset="0"/>
+              </a:rPr>
+              <a:t>        </a:t>
+            </a:r>
+            <a:r>
+              <a:rPr kumimoji="0" lang="en-US" altLang="zh-TW" sz="1600" b="0" i="0" u="none" strike="noStrike" cap="none" normalizeH="0" baseline="0">
+                <a:ln>
+                  <a:noFill/>
+                </a:ln>
+                <a:solidFill>
+                  <a:srgbClr val="BCBEC4"/>
+                </a:solidFill>
+                <a:effectLst/>
+                <a:latin typeface="+mj-lt"/>
+                <a:cs typeface="JetBrains Mono" panose="02000009000000000000" pitchFamily="49" charset="0"/>
+              </a:rPr>
+              <a:t>...</a:t>
+            </a:r>
+            <a:br>
+              <a:rPr kumimoji="0" lang="zh-TW" altLang="zh-TW" sz="1600" b="0" i="0" u="none" strike="noStrike" cap="none" normalizeH="0" baseline="0">
+                <a:ln>
+                  <a:noFill/>
+                </a:ln>
+                <a:solidFill>
+                  <a:srgbClr val="BCBEC4"/>
+                </a:solidFill>
+                <a:effectLst/>
+                <a:latin typeface="+mj-lt"/>
+                <a:cs typeface="JetBrains Mono" panose="02000009000000000000" pitchFamily="49" charset="0"/>
+              </a:rPr>
+            </a:br>
+            <a:r>
+              <a:rPr kumimoji="0" lang="zh-TW" altLang="zh-TW" sz="1600" b="0" i="0" u="none" strike="noStrike" cap="none" normalizeH="0" baseline="0">
+                <a:ln>
+                  <a:noFill/>
+                </a:ln>
+                <a:solidFill>
+                  <a:srgbClr val="BCBEC4"/>
+                </a:solidFill>
+                <a:effectLst/>
+                <a:latin typeface="+mj-lt"/>
+                <a:cs typeface="JetBrains Mono" panose="02000009000000000000" pitchFamily="49" charset="0"/>
+              </a:rPr>
+              <a:t>    }</a:t>
+            </a:r>
+            <a:br>
+              <a:rPr kumimoji="0" lang="zh-TW" altLang="zh-TW" sz="1600" b="0" i="0" u="none" strike="noStrike" cap="none" normalizeH="0" baseline="0">
+                <a:ln>
+                  <a:noFill/>
+                </a:ln>
+                <a:solidFill>
+                  <a:srgbClr val="BCBEC4"/>
+                </a:solidFill>
+                <a:effectLst/>
+                <a:latin typeface="+mj-lt"/>
+                <a:cs typeface="JetBrains Mono" panose="02000009000000000000" pitchFamily="49" charset="0"/>
+              </a:rPr>
+            </a:br>
+            <a:r>
+              <a:rPr kumimoji="0" lang="zh-TW" altLang="zh-TW" sz="1600" b="0" i="0" u="none" strike="noStrike" cap="none" normalizeH="0" baseline="0">
+                <a:ln>
+                  <a:noFill/>
+                </a:ln>
+                <a:solidFill>
+                  <a:srgbClr val="BCBEC4"/>
+                </a:solidFill>
+                <a:effectLst/>
+                <a:latin typeface="+mj-lt"/>
+                <a:cs typeface="JetBrains Mono" panose="02000009000000000000" pitchFamily="49" charset="0"/>
+              </a:rPr>
+              <a:t>}</a:t>
+            </a:r>
+            <a:endParaRPr kumimoji="0" lang="zh-TW" altLang="zh-TW" sz="2400" b="0" i="0" u="none" strike="noStrike" cap="none" normalizeH="0" baseline="0">
+              <a:ln>
+                <a:noFill/>
+              </a:ln>
+              <a:solidFill>
+                <a:schemeClr val="tx1"/>
+              </a:solidFill>
+              <a:effectLst/>
+              <a:latin typeface="+mj-lt"/>
+            </a:endParaRPr>
+          </a:p>
+        </p:txBody>
+      </p:sp>
+      <p:sp>
+        <p:nvSpPr>
+          <p:cNvPr id="5" name="Rectangle 1">
+            <a:extLst>
+              <a:ext uri="{FF2B5EF4-FFF2-40B4-BE49-F238E27FC236}">
+                <a16:creationId xmlns:a16="http://schemas.microsoft.com/office/drawing/2014/main" id="{65BF9F64-4955-49AC-9598-861B2FCF8FA5}"/>
+              </a:ext>
+            </a:extLst>
+          </p:cNvPr>
+          <p:cNvSpPr>
+            <a:spLocks noChangeArrowheads="1"/>
+          </p:cNvSpPr>
+          <p:nvPr/>
+        </p:nvSpPr>
+        <p:spPr bwMode="auto">
+          <a:xfrm>
+            <a:off x="8124889" y="1829449"/>
+            <a:ext cx="3775393" cy="4278094"/>
+          </a:xfrm>
+          <a:prstGeom prst="rect">
+            <a:avLst/>
+          </a:prstGeom>
+          <a:solidFill>
+            <a:srgbClr val="1E1F22"/>
+          </a:solidFill>
+          <a:ln>
+            <a:noFill/>
+          </a:ln>
+          <a:effectLst/>
+          <a:extLst>
+            <a:ext uri="{91240B29-F687-4F45-9708-019B960494DF}">
+              <a14:hiddenLine xmlns:a14="http://schemas.microsoft.com/office/drawing/2010/main" w="9525">
+                <a:solidFill>
+                  <a:schemeClr val="tx1"/>
+                </a:solidFill>
+                <a:miter lim="800000"/>
+                <a:headEnd/>
+                <a:tailEnd/>
+              </a14:hiddenLine>
+            </a:ext>
+            <a:ext uri="{AF507438-7753-43E0-B8FC-AC1667EBCBE1}">
+              <a14:hiddenEffects xmlns:a14="http://schemas.microsoft.com/office/drawing/2010/main">
+                <a:effectLst>
+                  <a:outerShdw dist="35921" dir="2700000" algn="ctr" rotWithShape="0">
+                    <a:schemeClr val="bg2"/>
+                  </a:outerShdw>
+                </a:effectLst>
+              </a14:hiddenEffects>
+            </a:ext>
+          </a:extLst>
+        </p:spPr>
+        <p:txBody>
+          <a:bodyPr vert="horz" wrap="none" lIns="91440" tIns="45720" rIns="91440" bIns="45720" numCol="1" anchor="ctr" anchorCtr="0" compatLnSpc="1">
+            <a:prstTxWarp prst="textNoShape">
+              <a:avLst/>
+            </a:prstTxWarp>
+            <a:spAutoFit/>
+          </a:bodyPr>
+          <a:lstStyle/>
+          <a:p>
+            <a:pPr eaLnBrk="0" fontAlgn="base" hangingPunct="0">
+              <a:spcBef>
+                <a:spcPct val="0"/>
+              </a:spcBef>
+              <a:spcAft>
+                <a:spcPct val="0"/>
+              </a:spcAft>
+            </a:pPr>
+            <a:r>
+              <a:rPr kumimoji="0" lang="zh-TW" altLang="zh-TW" sz="1600" b="0" i="0" u="none" strike="noStrike" cap="none" normalizeH="0" baseline="0">
+                <a:ln>
+                  <a:noFill/>
+                </a:ln>
+                <a:solidFill>
+                  <a:srgbClr val="7A7E85"/>
+                </a:solidFill>
+                <a:effectLst/>
+                <a:latin typeface="JetBrains Mono" panose="02000009000000000000" pitchFamily="49" charset="0"/>
+                <a:cs typeface="JetBrains Mono" panose="02000009000000000000" pitchFamily="49" charset="0"/>
+              </a:rPr>
+              <a:t>// </a:t>
+            </a:r>
+            <a:r>
+              <a:rPr kumimoji="0" lang="zh-TW" altLang="zh-TW" sz="1600" b="0" i="0" u="none" strike="noStrike" cap="none" normalizeH="0" baseline="0">
+                <a:ln>
+                  <a:noFill/>
+                </a:ln>
+                <a:solidFill>
+                  <a:srgbClr val="7A7E85"/>
+                </a:solidFill>
+                <a:effectLst/>
+                <a:latin typeface="微軟正黑體" panose="020B0604030504040204" pitchFamily="34" charset="-120"/>
+                <a:ea typeface="微軟正黑體" panose="020B0604030504040204" pitchFamily="34" charset="-120"/>
+                <a:cs typeface="JetBrains Mono" panose="02000009000000000000" pitchFamily="49" charset="0"/>
+              </a:rPr>
+              <a:t>編譯</a:t>
+            </a:r>
+            <a:r>
+              <a:rPr kumimoji="0" lang="zh-TW" altLang="en-US" sz="1600" b="0" i="0" u="none" strike="noStrike" cap="none" normalizeH="0" baseline="0">
+                <a:ln>
+                  <a:noFill/>
+                </a:ln>
+                <a:solidFill>
+                  <a:srgbClr val="7A7E85"/>
+                </a:solidFill>
+                <a:effectLst/>
+                <a:latin typeface="微軟正黑體" panose="020B0604030504040204" pitchFamily="34" charset="-120"/>
+                <a:ea typeface="微軟正黑體" panose="020B0604030504040204" pitchFamily="34" charset="-120"/>
+                <a:cs typeface="JetBrains Mono" panose="02000009000000000000" pitchFamily="49" charset="0"/>
+              </a:rPr>
+              <a:t>成功</a:t>
+            </a:r>
+            <a:endParaRPr kumimoji="0" lang="en-US" altLang="zh-TW" sz="1600" b="0" i="0" u="none" strike="noStrike" cap="none" normalizeH="0" baseline="0">
+              <a:ln>
+                <a:noFill/>
+              </a:ln>
+              <a:solidFill>
+                <a:srgbClr val="CF8E6D"/>
+              </a:solidFill>
+              <a:effectLst/>
+              <a:latin typeface="+mj-lt"/>
+              <a:cs typeface="JetBrains Mono" panose="02000009000000000000" pitchFamily="49" charset="0"/>
+            </a:endParaRPr>
+          </a:p>
+          <a:p>
+            <a:pPr marL="0" marR="0" lvl="0" indent="0" algn="l" defTabSz="914400" rtl="0" eaLnBrk="0" fontAlgn="base" latinLnBrk="0" hangingPunct="0">
+              <a:lnSpc>
+                <a:spcPct val="100000"/>
+              </a:lnSpc>
+              <a:spcBef>
+                <a:spcPct val="0"/>
+              </a:spcBef>
+              <a:spcAft>
+                <a:spcPct val="0"/>
+              </a:spcAft>
+              <a:buClrTx/>
+              <a:buSzTx/>
+              <a:buFontTx/>
+              <a:buNone/>
+              <a:tabLst/>
+            </a:pPr>
+            <a:r>
+              <a:rPr kumimoji="0" lang="zh-TW" altLang="zh-TW" sz="1600" b="0" i="0" u="none" strike="noStrike" cap="none" normalizeH="0" baseline="0">
+                <a:ln>
+                  <a:noFill/>
+                </a:ln>
+                <a:solidFill>
+                  <a:srgbClr val="CF8E6D"/>
+                </a:solidFill>
+                <a:effectLst/>
+                <a:latin typeface="+mj-lt"/>
+                <a:cs typeface="JetBrains Mono" panose="02000009000000000000" pitchFamily="49" charset="0"/>
+              </a:rPr>
+              <a:t>class </a:t>
+            </a:r>
+            <a:r>
+              <a:rPr kumimoji="0" lang="zh-TW" altLang="zh-TW" sz="1600" b="0" i="0" u="none" strike="noStrike" cap="none" normalizeH="0" baseline="0">
+                <a:ln>
+                  <a:noFill/>
+                </a:ln>
+                <a:solidFill>
+                  <a:srgbClr val="BCBEC4"/>
+                </a:solidFill>
+                <a:effectLst/>
+                <a:latin typeface="+mj-lt"/>
+                <a:cs typeface="JetBrains Mono" panose="02000009000000000000" pitchFamily="49" charset="0"/>
+              </a:rPr>
+              <a:t>Person {</a:t>
+            </a:r>
+            <a:br>
+              <a:rPr kumimoji="0" lang="zh-TW" altLang="zh-TW" sz="1600" b="0" i="0" u="none" strike="noStrike" cap="none" normalizeH="0" baseline="0">
+                <a:ln>
+                  <a:noFill/>
+                </a:ln>
+                <a:solidFill>
+                  <a:srgbClr val="BCBEC4"/>
+                </a:solidFill>
+                <a:effectLst/>
+                <a:latin typeface="+mj-lt"/>
+                <a:cs typeface="JetBrains Mono" panose="02000009000000000000" pitchFamily="49" charset="0"/>
+              </a:rPr>
+            </a:br>
+            <a:r>
+              <a:rPr kumimoji="0" lang="en-US" altLang="zh-TW" sz="1600" b="0" i="0" u="none" strike="noStrike" cap="none" normalizeH="0" baseline="0">
+                <a:ln>
+                  <a:noFill/>
+                </a:ln>
+                <a:solidFill>
+                  <a:srgbClr val="BCBEC4"/>
+                </a:solidFill>
+                <a:effectLst/>
+                <a:latin typeface="+mj-lt"/>
+                <a:cs typeface="JetBrains Mono" panose="02000009000000000000" pitchFamily="49" charset="0"/>
+              </a:rPr>
+              <a:t>    ...</a:t>
+            </a:r>
+            <a:br>
+              <a:rPr kumimoji="0" lang="zh-TW" altLang="zh-TW" sz="1600" b="0" i="0" u="none" strike="noStrike" cap="none" normalizeH="0" baseline="0">
+                <a:ln>
+                  <a:noFill/>
+                </a:ln>
+                <a:solidFill>
+                  <a:srgbClr val="BCBEC4"/>
+                </a:solidFill>
+                <a:effectLst/>
+                <a:latin typeface="+mj-lt"/>
+                <a:cs typeface="JetBrains Mono" panose="02000009000000000000" pitchFamily="49" charset="0"/>
+              </a:rPr>
+            </a:br>
+            <a:br>
+              <a:rPr kumimoji="0" lang="zh-TW" altLang="zh-TW" sz="1600" b="0" i="0" u="none" strike="noStrike" cap="none" normalizeH="0" baseline="0">
+                <a:ln>
+                  <a:noFill/>
+                </a:ln>
+                <a:solidFill>
+                  <a:srgbClr val="BCBEC4"/>
+                </a:solidFill>
+                <a:effectLst/>
+                <a:latin typeface="+mj-lt"/>
+                <a:cs typeface="JetBrains Mono" panose="02000009000000000000" pitchFamily="49" charset="0"/>
+              </a:rPr>
+            </a:br>
+            <a:r>
+              <a:rPr kumimoji="0" lang="zh-TW" altLang="zh-TW" sz="1600" b="0" i="0" u="none" strike="noStrike" cap="none" normalizeH="0" baseline="0">
+                <a:ln>
+                  <a:noFill/>
+                </a:ln>
+                <a:solidFill>
+                  <a:srgbClr val="BCBEC4"/>
+                </a:solidFill>
+                <a:effectLst/>
+                <a:latin typeface="+mj-lt"/>
+                <a:cs typeface="JetBrains Mono" panose="02000009000000000000" pitchFamily="49" charset="0"/>
+              </a:rPr>
+              <a:t>    </a:t>
+            </a:r>
+            <a:r>
+              <a:rPr kumimoji="0" lang="zh-TW" altLang="zh-TW" sz="1600" b="0" i="0" u="none" strike="noStrike" cap="none" normalizeH="0" baseline="0">
+                <a:ln>
+                  <a:noFill/>
+                </a:ln>
+                <a:solidFill>
+                  <a:srgbClr val="CF8E6D"/>
+                </a:solidFill>
+                <a:effectLst/>
+                <a:latin typeface="+mj-lt"/>
+                <a:cs typeface="JetBrains Mono" panose="02000009000000000000" pitchFamily="49" charset="0"/>
+              </a:rPr>
+              <a:t>protected void </a:t>
+            </a:r>
+            <a:r>
+              <a:rPr kumimoji="0" lang="zh-TW" altLang="zh-TW" sz="1600" b="0" i="0" u="none" strike="noStrike" cap="none" normalizeH="0" baseline="0">
+                <a:ln>
+                  <a:noFill/>
+                </a:ln>
+                <a:solidFill>
+                  <a:srgbClr val="56A8F5"/>
+                </a:solidFill>
+                <a:effectLst/>
+                <a:latin typeface="+mj-lt"/>
+                <a:cs typeface="JetBrains Mono" panose="02000009000000000000" pitchFamily="49" charset="0"/>
+              </a:rPr>
+              <a:t>printInfo</a:t>
+            </a:r>
+            <a:r>
+              <a:rPr kumimoji="0" lang="zh-TW" altLang="zh-TW" sz="1600" b="0" i="0" u="none" strike="noStrike" cap="none" normalizeH="0" baseline="0">
+                <a:ln>
+                  <a:noFill/>
+                </a:ln>
+                <a:solidFill>
+                  <a:srgbClr val="BCBEC4"/>
+                </a:solidFill>
+                <a:effectLst/>
+                <a:latin typeface="+mj-lt"/>
+                <a:cs typeface="JetBrains Mono" panose="02000009000000000000" pitchFamily="49" charset="0"/>
+              </a:rPr>
+              <a:t>() {</a:t>
+            </a:r>
+            <a:br>
+              <a:rPr kumimoji="0" lang="zh-TW" altLang="zh-TW" sz="1600" b="0" i="0" u="none" strike="noStrike" cap="none" normalizeH="0" baseline="0">
+                <a:ln>
+                  <a:noFill/>
+                </a:ln>
+                <a:solidFill>
+                  <a:srgbClr val="BCBEC4"/>
+                </a:solidFill>
+                <a:effectLst/>
+                <a:latin typeface="+mj-lt"/>
+                <a:cs typeface="JetBrains Mono" panose="02000009000000000000" pitchFamily="49" charset="0"/>
+              </a:rPr>
+            </a:br>
+            <a:r>
+              <a:rPr kumimoji="0" lang="zh-TW" altLang="zh-TW" sz="1600" b="0" i="0" u="none" strike="noStrike" cap="none" normalizeH="0" baseline="0">
+                <a:ln>
+                  <a:noFill/>
+                </a:ln>
+                <a:solidFill>
+                  <a:srgbClr val="BCBEC4"/>
+                </a:solidFill>
+                <a:effectLst/>
+                <a:latin typeface="+mj-lt"/>
+                <a:cs typeface="JetBrains Mono" panose="02000009000000000000" pitchFamily="49" charset="0"/>
+              </a:rPr>
+              <a:t>        </a:t>
+            </a:r>
+            <a:r>
+              <a:rPr lang="en-US" altLang="zh-TW" sz="1600">
+                <a:solidFill>
+                  <a:srgbClr val="BCBEC4"/>
+                </a:solidFill>
+                <a:latin typeface="+mj-lt"/>
+                <a:cs typeface="JetBrains Mono" panose="02000009000000000000" pitchFamily="49" charset="0"/>
+              </a:rPr>
+              <a:t>...</a:t>
+            </a:r>
+            <a:br>
+              <a:rPr kumimoji="0" lang="zh-TW" altLang="zh-TW" sz="1600" b="0" i="0" u="none" strike="noStrike" cap="none" normalizeH="0" baseline="0">
+                <a:ln>
+                  <a:noFill/>
+                </a:ln>
+                <a:solidFill>
+                  <a:srgbClr val="BCBEC4"/>
+                </a:solidFill>
+                <a:effectLst/>
+                <a:latin typeface="+mj-lt"/>
+                <a:cs typeface="JetBrains Mono" panose="02000009000000000000" pitchFamily="49" charset="0"/>
+              </a:rPr>
+            </a:br>
+            <a:r>
+              <a:rPr kumimoji="0" lang="zh-TW" altLang="zh-TW" sz="1600" b="0" i="0" u="none" strike="noStrike" cap="none" normalizeH="0" baseline="0">
+                <a:ln>
+                  <a:noFill/>
+                </a:ln>
+                <a:solidFill>
+                  <a:srgbClr val="BCBEC4"/>
+                </a:solidFill>
+                <a:effectLst/>
+                <a:latin typeface="+mj-lt"/>
+                <a:cs typeface="JetBrains Mono" panose="02000009000000000000" pitchFamily="49" charset="0"/>
+              </a:rPr>
+              <a:t>    }</a:t>
+            </a:r>
+            <a:br>
+              <a:rPr kumimoji="0" lang="zh-TW" altLang="zh-TW" sz="1600" b="0" i="0" u="none" strike="noStrike" cap="none" normalizeH="0" baseline="0">
+                <a:ln>
+                  <a:noFill/>
+                </a:ln>
+                <a:solidFill>
+                  <a:srgbClr val="BCBEC4"/>
+                </a:solidFill>
+                <a:effectLst/>
+                <a:latin typeface="+mj-lt"/>
+                <a:cs typeface="JetBrains Mono" panose="02000009000000000000" pitchFamily="49" charset="0"/>
+              </a:rPr>
+            </a:br>
+            <a:r>
+              <a:rPr kumimoji="0" lang="zh-TW" altLang="zh-TW" sz="1600" b="0" i="0" u="none" strike="noStrike" cap="none" normalizeH="0" baseline="0">
+                <a:ln>
+                  <a:noFill/>
+                </a:ln>
+                <a:solidFill>
+                  <a:srgbClr val="BCBEC4"/>
+                </a:solidFill>
+                <a:effectLst/>
+                <a:latin typeface="+mj-lt"/>
+                <a:cs typeface="JetBrains Mono" panose="02000009000000000000" pitchFamily="49" charset="0"/>
+              </a:rPr>
+              <a:t>}</a:t>
+            </a:r>
+            <a:br>
+              <a:rPr kumimoji="0" lang="zh-TW" altLang="zh-TW" sz="1600" b="0" i="0" u="none" strike="noStrike" cap="none" normalizeH="0" baseline="0">
+                <a:ln>
+                  <a:noFill/>
+                </a:ln>
+                <a:solidFill>
+                  <a:srgbClr val="BCBEC4"/>
+                </a:solidFill>
+                <a:effectLst/>
+                <a:latin typeface="+mj-lt"/>
+                <a:cs typeface="JetBrains Mono" panose="02000009000000000000" pitchFamily="49" charset="0"/>
+              </a:rPr>
+            </a:br>
+            <a:br>
+              <a:rPr kumimoji="0" lang="zh-TW" altLang="zh-TW" sz="1600" b="0" i="0" u="none" strike="noStrike" cap="none" normalizeH="0" baseline="0">
+                <a:ln>
+                  <a:noFill/>
+                </a:ln>
+                <a:solidFill>
+                  <a:srgbClr val="BCBEC4"/>
+                </a:solidFill>
+                <a:effectLst/>
+                <a:latin typeface="+mj-lt"/>
+                <a:cs typeface="JetBrains Mono" panose="02000009000000000000" pitchFamily="49" charset="0"/>
+              </a:rPr>
+            </a:br>
+            <a:r>
+              <a:rPr kumimoji="0" lang="zh-TW" altLang="zh-TW" sz="1600" b="0" i="0" u="none" strike="noStrike" cap="none" normalizeH="0" baseline="0">
+                <a:ln>
+                  <a:noFill/>
+                </a:ln>
+                <a:solidFill>
+                  <a:srgbClr val="CF8E6D"/>
+                </a:solidFill>
+                <a:effectLst/>
+                <a:latin typeface="+mj-lt"/>
+                <a:cs typeface="JetBrains Mono" panose="02000009000000000000" pitchFamily="49" charset="0"/>
+              </a:rPr>
+              <a:t>class </a:t>
+            </a:r>
+            <a:r>
+              <a:rPr kumimoji="0" lang="zh-TW" altLang="zh-TW" sz="1600" b="0" i="0" u="none" strike="noStrike" cap="none" normalizeH="0" baseline="0">
+                <a:ln>
+                  <a:noFill/>
+                </a:ln>
+                <a:solidFill>
+                  <a:srgbClr val="BCBEC4"/>
+                </a:solidFill>
+                <a:effectLst/>
+                <a:latin typeface="+mj-lt"/>
+                <a:cs typeface="JetBrains Mono" panose="02000009000000000000" pitchFamily="49" charset="0"/>
+              </a:rPr>
+              <a:t>Worker </a:t>
+            </a:r>
+            <a:r>
+              <a:rPr kumimoji="0" lang="zh-TW" altLang="zh-TW" sz="1600" b="0" i="0" u="none" strike="noStrike" cap="none" normalizeH="0" baseline="0">
+                <a:ln>
+                  <a:noFill/>
+                </a:ln>
+                <a:solidFill>
+                  <a:srgbClr val="CF8E6D"/>
+                </a:solidFill>
+                <a:effectLst/>
+                <a:latin typeface="+mj-lt"/>
+                <a:cs typeface="JetBrains Mono" panose="02000009000000000000" pitchFamily="49" charset="0"/>
+              </a:rPr>
+              <a:t>extends </a:t>
+            </a:r>
+            <a:r>
+              <a:rPr kumimoji="0" lang="zh-TW" altLang="zh-TW" sz="1600" b="0" i="0" u="none" strike="noStrike" cap="none" normalizeH="0" baseline="0">
+                <a:ln>
+                  <a:noFill/>
+                </a:ln>
+                <a:solidFill>
+                  <a:srgbClr val="BCBEC4"/>
+                </a:solidFill>
+                <a:effectLst/>
+                <a:latin typeface="+mj-lt"/>
+                <a:cs typeface="JetBrains Mono" panose="02000009000000000000" pitchFamily="49" charset="0"/>
+              </a:rPr>
+              <a:t>Person {</a:t>
+            </a:r>
+            <a:br>
+              <a:rPr kumimoji="0" lang="zh-TW" altLang="zh-TW" sz="1600" b="0" i="0" u="none" strike="noStrike" cap="none" normalizeH="0" baseline="0">
+                <a:ln>
+                  <a:noFill/>
+                </a:ln>
+                <a:solidFill>
+                  <a:srgbClr val="BCBEC4"/>
+                </a:solidFill>
+                <a:effectLst/>
+                <a:latin typeface="+mj-lt"/>
+                <a:cs typeface="JetBrains Mono" panose="02000009000000000000" pitchFamily="49" charset="0"/>
+              </a:rPr>
+            </a:br>
+            <a:r>
+              <a:rPr kumimoji="0" lang="zh-TW" altLang="zh-TW" sz="1600" b="0" i="0" u="none" strike="noStrike" cap="none" normalizeH="0" baseline="0">
+                <a:ln>
+                  <a:noFill/>
+                </a:ln>
+                <a:solidFill>
+                  <a:srgbClr val="BCBEC4"/>
+                </a:solidFill>
+                <a:effectLst/>
+                <a:latin typeface="+mj-lt"/>
+                <a:cs typeface="JetBrains Mono" panose="02000009000000000000" pitchFamily="49" charset="0"/>
+              </a:rPr>
+              <a:t>    </a:t>
+            </a:r>
+            <a:r>
+              <a:rPr lang="en-US" altLang="zh-TW" sz="1600">
+                <a:solidFill>
+                  <a:srgbClr val="BCBEC4"/>
+                </a:solidFill>
+                <a:latin typeface="+mj-lt"/>
+                <a:cs typeface="JetBrains Mono" panose="02000009000000000000" pitchFamily="49" charset="0"/>
+              </a:rPr>
+              <a:t>...</a:t>
+            </a:r>
+            <a:br>
+              <a:rPr kumimoji="0" lang="zh-TW" altLang="zh-TW" sz="1600" b="0" i="0" u="none" strike="noStrike" cap="none" normalizeH="0" baseline="0">
+                <a:ln>
+                  <a:noFill/>
+                </a:ln>
+                <a:solidFill>
+                  <a:srgbClr val="BCBEC4"/>
+                </a:solidFill>
+                <a:effectLst/>
+                <a:latin typeface="+mj-lt"/>
+                <a:cs typeface="JetBrains Mono" panose="02000009000000000000" pitchFamily="49" charset="0"/>
+              </a:rPr>
+            </a:br>
+            <a:br>
+              <a:rPr kumimoji="0" lang="zh-TW" altLang="zh-TW" sz="1600" b="0" i="0" u="none" strike="noStrike" cap="none" normalizeH="0" baseline="0">
+                <a:ln>
+                  <a:noFill/>
+                </a:ln>
+                <a:solidFill>
+                  <a:srgbClr val="BCBEC4"/>
+                </a:solidFill>
+                <a:effectLst/>
+                <a:latin typeface="+mj-lt"/>
+                <a:cs typeface="JetBrains Mono" panose="02000009000000000000" pitchFamily="49" charset="0"/>
+              </a:rPr>
+            </a:br>
+            <a:r>
+              <a:rPr kumimoji="0" lang="zh-TW" altLang="zh-TW" sz="1600" b="0" i="0" u="none" strike="noStrike" cap="none" normalizeH="0" baseline="0">
+                <a:ln>
+                  <a:noFill/>
+                </a:ln>
+                <a:solidFill>
+                  <a:srgbClr val="BCBEC4"/>
+                </a:solidFill>
+                <a:effectLst/>
+                <a:latin typeface="+mj-lt"/>
+                <a:cs typeface="JetBrains Mono" panose="02000009000000000000" pitchFamily="49" charset="0"/>
+              </a:rPr>
+              <a:t>    </a:t>
+            </a:r>
+            <a:r>
+              <a:rPr kumimoji="0" lang="zh-TW" altLang="zh-TW" sz="1600" b="0" i="0" u="none" strike="noStrike" cap="none" normalizeH="0" baseline="0">
+                <a:ln>
+                  <a:noFill/>
+                </a:ln>
+                <a:solidFill>
+                  <a:srgbClr val="B3AE60"/>
+                </a:solidFill>
+                <a:effectLst/>
+                <a:latin typeface="+mj-lt"/>
+                <a:cs typeface="JetBrains Mono" panose="02000009000000000000" pitchFamily="49" charset="0"/>
+              </a:rPr>
+              <a:t>@Override</a:t>
+            </a:r>
+            <a:br>
+              <a:rPr kumimoji="0" lang="zh-TW" altLang="zh-TW" sz="1600" b="0" i="0" u="none" strike="noStrike" cap="none" normalizeH="0" baseline="0">
+                <a:ln>
+                  <a:noFill/>
+                </a:ln>
+                <a:solidFill>
+                  <a:srgbClr val="B3AE60"/>
+                </a:solidFill>
+                <a:effectLst/>
+                <a:latin typeface="+mj-lt"/>
+                <a:cs typeface="JetBrains Mono" panose="02000009000000000000" pitchFamily="49" charset="0"/>
+              </a:rPr>
+            </a:br>
+            <a:r>
+              <a:rPr kumimoji="0" lang="zh-TW" altLang="zh-TW" sz="1600" b="0" i="0" u="none" strike="noStrike" cap="none" normalizeH="0" baseline="0">
+                <a:ln>
+                  <a:noFill/>
+                </a:ln>
+                <a:solidFill>
+                  <a:srgbClr val="B3AE60"/>
+                </a:solidFill>
+                <a:effectLst/>
+                <a:latin typeface="+mj-lt"/>
+                <a:cs typeface="JetBrains Mono" panose="02000009000000000000" pitchFamily="49" charset="0"/>
+              </a:rPr>
+              <a:t> </a:t>
+            </a:r>
+            <a:r>
+              <a:rPr kumimoji="0" lang="en-US" altLang="zh-TW" sz="1600" b="0" i="0" u="none" strike="noStrike" cap="none" normalizeH="0" baseline="0">
+                <a:ln>
+                  <a:noFill/>
+                </a:ln>
+                <a:solidFill>
+                  <a:srgbClr val="B3AE60"/>
+                </a:solidFill>
+                <a:effectLst/>
+                <a:latin typeface="+mj-lt"/>
+                <a:cs typeface="JetBrains Mono" panose="02000009000000000000" pitchFamily="49" charset="0"/>
+              </a:rPr>
+              <a:t>   </a:t>
+            </a:r>
+            <a:r>
+              <a:rPr kumimoji="0" lang="zh-TW" altLang="zh-TW" sz="1600" b="0" i="0" u="none" strike="noStrike" cap="none" normalizeH="0" baseline="0">
+                <a:ln>
+                  <a:noFill/>
+                </a:ln>
+                <a:solidFill>
+                  <a:srgbClr val="CF8E6D"/>
+                </a:solidFill>
+                <a:effectLst/>
+                <a:latin typeface="+mj-lt"/>
+                <a:cs typeface="JetBrains Mono" panose="02000009000000000000" pitchFamily="49" charset="0"/>
+              </a:rPr>
+              <a:t>p</a:t>
+            </a:r>
+            <a:r>
+              <a:rPr kumimoji="0" lang="en-US" altLang="zh-TW" sz="1600" b="0" i="0" u="none" strike="noStrike" cap="none" normalizeH="0" baseline="0">
+                <a:ln>
+                  <a:noFill/>
+                </a:ln>
+                <a:solidFill>
+                  <a:srgbClr val="CF8E6D"/>
+                </a:solidFill>
+                <a:effectLst/>
+                <a:latin typeface="+mj-lt"/>
+                <a:cs typeface="JetBrains Mono" panose="02000009000000000000" pitchFamily="49" charset="0"/>
+              </a:rPr>
+              <a:t>ublic</a:t>
+            </a:r>
+            <a:r>
+              <a:rPr kumimoji="0" lang="zh-TW" altLang="zh-TW" sz="1600" b="0" i="0" u="none" strike="noStrike" cap="none" normalizeH="0" baseline="0">
+                <a:ln>
+                  <a:noFill/>
+                </a:ln>
+                <a:solidFill>
+                  <a:srgbClr val="CF8E6D"/>
+                </a:solidFill>
+                <a:effectLst/>
+                <a:latin typeface="+mj-lt"/>
+                <a:cs typeface="JetBrains Mono" panose="02000009000000000000" pitchFamily="49" charset="0"/>
+              </a:rPr>
+              <a:t> void </a:t>
+            </a:r>
+            <a:r>
+              <a:rPr kumimoji="0" lang="zh-TW" altLang="zh-TW" sz="1600" b="0" i="0" u="none" strike="noStrike" cap="none" normalizeH="0" baseline="0">
+                <a:ln>
+                  <a:noFill/>
+                </a:ln>
+                <a:solidFill>
+                  <a:srgbClr val="56A8F5"/>
+                </a:solidFill>
+                <a:effectLst/>
+                <a:latin typeface="+mj-lt"/>
+                <a:cs typeface="JetBrains Mono" panose="02000009000000000000" pitchFamily="49" charset="0"/>
+              </a:rPr>
+              <a:t>printInfo</a:t>
+            </a:r>
+            <a:r>
+              <a:rPr kumimoji="0" lang="zh-TW" altLang="zh-TW" sz="1600" b="0" i="0" u="none" strike="noStrike" cap="none" normalizeH="0" baseline="0">
+                <a:ln>
+                  <a:noFill/>
+                </a:ln>
+                <a:solidFill>
+                  <a:srgbClr val="BCBEC4"/>
+                </a:solidFill>
+                <a:effectLst/>
+                <a:latin typeface="+mj-lt"/>
+                <a:cs typeface="JetBrains Mono" panose="02000009000000000000" pitchFamily="49" charset="0"/>
+              </a:rPr>
+              <a:t>() {</a:t>
+            </a:r>
+            <a:br>
+              <a:rPr kumimoji="0" lang="zh-TW" altLang="zh-TW" sz="1600" b="0" i="0" u="none" strike="noStrike" cap="none" normalizeH="0" baseline="0">
+                <a:ln>
+                  <a:noFill/>
+                </a:ln>
+                <a:solidFill>
+                  <a:srgbClr val="BCBEC4"/>
+                </a:solidFill>
+                <a:effectLst/>
+                <a:latin typeface="+mj-lt"/>
+                <a:cs typeface="JetBrains Mono" panose="02000009000000000000" pitchFamily="49" charset="0"/>
+              </a:rPr>
+            </a:br>
+            <a:r>
+              <a:rPr kumimoji="0" lang="zh-TW" altLang="zh-TW" sz="1600" b="0" i="0" u="none" strike="noStrike" cap="none" normalizeH="0" baseline="0">
+                <a:ln>
+                  <a:noFill/>
+                </a:ln>
+                <a:solidFill>
+                  <a:srgbClr val="BCBEC4"/>
+                </a:solidFill>
+                <a:effectLst/>
+                <a:latin typeface="+mj-lt"/>
+                <a:cs typeface="JetBrains Mono" panose="02000009000000000000" pitchFamily="49" charset="0"/>
+              </a:rPr>
+              <a:t>        </a:t>
+            </a:r>
+            <a:r>
+              <a:rPr kumimoji="0" lang="en-US" altLang="zh-TW" sz="1600" b="0" i="0" u="none" strike="noStrike" cap="none" normalizeH="0" baseline="0">
+                <a:ln>
+                  <a:noFill/>
+                </a:ln>
+                <a:solidFill>
+                  <a:srgbClr val="BCBEC4"/>
+                </a:solidFill>
+                <a:effectLst/>
+                <a:latin typeface="+mj-lt"/>
+                <a:cs typeface="JetBrains Mono" panose="02000009000000000000" pitchFamily="49" charset="0"/>
+              </a:rPr>
+              <a:t>...</a:t>
+            </a:r>
+            <a:br>
+              <a:rPr kumimoji="0" lang="zh-TW" altLang="zh-TW" sz="1600" b="0" i="0" u="none" strike="noStrike" cap="none" normalizeH="0" baseline="0">
+                <a:ln>
+                  <a:noFill/>
+                </a:ln>
+                <a:solidFill>
+                  <a:srgbClr val="BCBEC4"/>
+                </a:solidFill>
+                <a:effectLst/>
+                <a:latin typeface="+mj-lt"/>
+                <a:cs typeface="JetBrains Mono" panose="02000009000000000000" pitchFamily="49" charset="0"/>
+              </a:rPr>
+            </a:br>
+            <a:r>
+              <a:rPr kumimoji="0" lang="zh-TW" altLang="zh-TW" sz="1600" b="0" i="0" u="none" strike="noStrike" cap="none" normalizeH="0" baseline="0">
+                <a:ln>
+                  <a:noFill/>
+                </a:ln>
+                <a:solidFill>
+                  <a:srgbClr val="BCBEC4"/>
+                </a:solidFill>
+                <a:effectLst/>
+                <a:latin typeface="+mj-lt"/>
+                <a:cs typeface="JetBrains Mono" panose="02000009000000000000" pitchFamily="49" charset="0"/>
+              </a:rPr>
+              <a:t>    }</a:t>
+            </a:r>
+            <a:br>
+              <a:rPr kumimoji="0" lang="zh-TW" altLang="zh-TW" sz="1600" b="0" i="0" u="none" strike="noStrike" cap="none" normalizeH="0" baseline="0">
+                <a:ln>
+                  <a:noFill/>
+                </a:ln>
+                <a:solidFill>
+                  <a:srgbClr val="BCBEC4"/>
+                </a:solidFill>
+                <a:effectLst/>
+                <a:latin typeface="+mj-lt"/>
+                <a:cs typeface="JetBrains Mono" panose="02000009000000000000" pitchFamily="49" charset="0"/>
+              </a:rPr>
+            </a:br>
+            <a:r>
+              <a:rPr kumimoji="0" lang="zh-TW" altLang="zh-TW" sz="1600" b="0" i="0" u="none" strike="noStrike" cap="none" normalizeH="0" baseline="0">
+                <a:ln>
+                  <a:noFill/>
+                </a:ln>
+                <a:solidFill>
+                  <a:srgbClr val="BCBEC4"/>
+                </a:solidFill>
+                <a:effectLst/>
+                <a:latin typeface="+mj-lt"/>
+                <a:cs typeface="JetBrains Mono" panose="02000009000000000000" pitchFamily="49" charset="0"/>
+              </a:rPr>
+              <a:t>}</a:t>
+            </a:r>
+            <a:endParaRPr kumimoji="0" lang="zh-TW" altLang="zh-TW" sz="2400" b="0" i="0" u="none" strike="noStrike" cap="none" normalizeH="0" baseline="0">
+              <a:ln>
+                <a:noFill/>
+              </a:ln>
+              <a:solidFill>
+                <a:schemeClr val="tx1"/>
+              </a:solidFill>
+              <a:effectLst/>
+              <a:latin typeface="+mj-lt"/>
+            </a:endParaRPr>
+          </a:p>
+        </p:txBody>
+      </p:sp>
+    </p:spTree>
+    <p:extLst>
+      <p:ext uri="{BB962C8B-B14F-4D97-AF65-F5344CB8AC3E}">
+        <p14:creationId xmlns:p14="http://schemas.microsoft.com/office/powerpoint/2010/main" val="394422729"/>
+      </p:ext>
+    </p:extLst>
+  </p:cSld>
+  <p:clrMapOvr>
+    <a:masterClrMapping/>
+  </p:clrMapOvr>
+  <p:transition spd="slow">
+    <p:push dir="u"/>
+  </p:transition>
+</p:sld>
+</file>
+
 <file path=ppt/theme/theme1.xml><?xml version="1.0" encoding="utf-8"?>
 <a:theme xmlns:a="http://schemas.openxmlformats.org/drawingml/2006/main" name="TYIC">
   <a:themeElements>

--- a/powerpoint/09_套件與存取修飾子.pptx
+++ b/powerpoint/09_套件與存取修飾子.pptx
@@ -204,7 +204,7 @@
           <a:p>
             <a:fld id="{13944194-6483-4812-93AF-B4D587E71D5A}" type="datetimeFigureOut">
               <a:rPr lang="zh-TW" altLang="en-US" smtClean="0"/>
-              <a:t>2024/8/23</a:t>
+              <a:t>2024/8/24</a:t>
             </a:fld>
             <a:endParaRPr lang="zh-TW" altLang="en-US"/>
           </a:p>
@@ -13356,7 +13356,12 @@
             <p:ph type="title"/>
           </p:nvPr>
         </p:nvSpPr>
-        <p:spPr/>
+        <p:spPr>
+          <a:xfrm>
+            <a:off x="838200" y="0"/>
+            <a:ext cx="10515600" cy="1325563"/>
+          </a:xfrm>
+        </p:spPr>
         <p:txBody>
           <a:bodyPr/>
           <a:lstStyle/>
@@ -13386,7 +13391,7 @@
         </p:nvSpPr>
         <p:spPr>
           <a:xfrm>
-            <a:off x="838200" y="1518269"/>
+            <a:off x="838200" y="1028792"/>
             <a:ext cx="10515600" cy="483813"/>
           </a:xfrm>
         </p:spPr>
@@ -13454,7 +13459,7 @@
         </p:nvGrpSpPr>
         <p:grpSpPr>
           <a:xfrm>
-            <a:off x="838200" y="2989071"/>
+            <a:off x="838200" y="2397298"/>
             <a:ext cx="10515600" cy="488825"/>
             <a:chOff x="838201" y="2331089"/>
             <a:chExt cx="10591799" cy="488825"/>
@@ -13672,7 +13677,7 @@
         </p:nvSpPr>
         <p:spPr>
           <a:xfrm>
-            <a:off x="838200" y="3450736"/>
+            <a:off x="838200" y="3916451"/>
             <a:ext cx="10515600" cy="495110"/>
           </a:xfrm>
           <a:prstGeom prst="rect">
@@ -13905,7 +13910,7 @@
         </p:nvGrpSpPr>
         <p:grpSpPr>
           <a:xfrm>
-            <a:off x="838200" y="3945846"/>
+            <a:off x="838200" y="4322570"/>
             <a:ext cx="10515600" cy="488825"/>
             <a:chOff x="838201" y="2331089"/>
             <a:chExt cx="10591799" cy="488825"/>
@@ -14102,8 +14107,8 @@
         </p:nvSpPr>
         <p:spPr>
           <a:xfrm>
-            <a:off x="838200" y="4407511"/>
-            <a:ext cx="10515600" cy="2085553"/>
+            <a:off x="838200" y="4855464"/>
+            <a:ext cx="10515600" cy="1572164"/>
           </a:xfrm>
           <a:prstGeom prst="rect">
             <a:avLst/>
@@ -14319,7 +14324,19 @@
             </a:r>
             <a:r>
               <a:rPr lang="zh-TW" altLang="en-US"/>
-              <a:t>會自動載入 </a:t>
+              <a:t>會自動</a:t>
+            </a:r>
+            <a:r>
+              <a:rPr lang="zh-TW" altLang="en-US">
+                <a:solidFill>
+                  <a:srgbClr val="FFC000"/>
+                </a:solidFill>
+              </a:rPr>
+              <a:t>載入</a:t>
+            </a:r>
+            <a:r>
+              <a:rPr lang="zh-TW" altLang="en-US"/>
+              <a:t> </a:t>
             </a:r>
             <a:r>
               <a:rPr lang="en-US" altLang="zh-TW">
@@ -14361,42 +14378,40 @@
               </a:rPr>
               <a:t>*</a:t>
             </a:r>
+            <a:r>
+              <a:rPr lang="zh-TW" altLang="en-US"/>
+              <a:t>，所以該套件內的</a:t>
+            </a:r>
+            <a:r>
+              <a:rPr lang="zh-TW" altLang="en-US">
+                <a:solidFill>
+                  <a:srgbClr val="00B0F0"/>
+                </a:solidFill>
+              </a:rPr>
+              <a:t>類別</a:t>
+            </a:r>
+            <a:r>
+              <a:rPr lang="zh-TW" altLang="en-US"/>
+              <a:t>和</a:t>
+            </a:r>
+            <a:r>
+              <a:rPr lang="zh-TW" altLang="en-US">
+                <a:solidFill>
+                  <a:srgbClr val="00B0F0"/>
+                </a:solidFill>
+              </a:rPr>
+              <a:t>介面</a:t>
+            </a:r>
+            <a:endParaRPr lang="en-US" altLang="zh-TW">
+              <a:solidFill>
+                <a:srgbClr val="00B0F0"/>
+              </a:solidFill>
+            </a:endParaRPr>
           </a:p>
           <a:p>
             <a:r>
               <a:rPr lang="zh-TW" altLang="en-US"/>
-              <a:t>所以該套件內的</a:t>
-            </a:r>
-            <a:r>
-              <a:rPr lang="zh-TW" altLang="en-US">
-                <a:solidFill>
-                  <a:srgbClr val="00B0F0"/>
-                </a:solidFill>
-              </a:rPr>
-              <a:t>類別</a:t>
-            </a:r>
-            <a:r>
-              <a:rPr lang="zh-TW" altLang="en-US"/>
-              <a:t>和</a:t>
-            </a:r>
-            <a:r>
-              <a:rPr lang="zh-TW" altLang="en-US">
-                <a:solidFill>
-                  <a:srgbClr val="00B0F0"/>
-                </a:solidFill>
-              </a:rPr>
-              <a:t>介面</a:t>
-            </a:r>
-            <a:r>
-              <a:rPr lang="zh-TW" altLang="en-US"/>
-              <a:t>皆可直接使用</a:t>
-            </a:r>
-            <a:endParaRPr lang="en-US" altLang="zh-TW"/>
-          </a:p>
-          <a:p>
-            <a:r>
-              <a:rPr lang="zh-TW" altLang="en-US"/>
-              <a:t>如：</a:t>
+              <a:t>皆可直接使用，如：</a:t>
             </a:r>
             <a:r>
               <a:rPr lang="en-US" altLang="zh-TW">
@@ -14441,14 +14456,6 @@
                 </a:solidFill>
               </a:rPr>
               <a:t>包裝類別</a:t>
-            </a:r>
-            <a:r>
-              <a:rPr lang="en-US" altLang="zh-TW">
-                <a:solidFill>
-                  <a:srgbClr val="00B0F0"/>
-                </a:solidFill>
-              </a:rPr>
-              <a:t>(wrapper class)</a:t>
             </a:r>
             <a:r>
               <a:rPr lang="zh-TW" altLang="en-US"/>
@@ -14473,7 +14480,7 @@
         </p:nvSpPr>
         <p:spPr>
           <a:xfrm>
-            <a:off x="838200" y="2483092"/>
+            <a:off x="838200" y="1956498"/>
             <a:ext cx="10515600" cy="483813"/>
           </a:xfrm>
           <a:prstGeom prst="rect">
@@ -14699,7 +14706,7 @@
         </p:nvGrpSpPr>
         <p:grpSpPr>
           <a:xfrm>
-            <a:off x="838200" y="1974922"/>
+            <a:off x="838200" y="1485445"/>
             <a:ext cx="10515600" cy="488825"/>
             <a:chOff x="838201" y="2331089"/>
             <a:chExt cx="10591799" cy="488825"/>
@@ -14871,6 +14878,478 @@
           </p:txBody>
         </p:sp>
       </p:grpSp>
+      <p:grpSp>
+        <p:nvGrpSpPr>
+          <p:cNvPr id="24" name="群組 23">
+            <a:extLst>
+              <a:ext uri="{FF2B5EF4-FFF2-40B4-BE49-F238E27FC236}">
+                <a16:creationId xmlns:a16="http://schemas.microsoft.com/office/drawing/2014/main" id="{29DA4416-F47B-4FFC-A623-3229081679F3}"/>
+              </a:ext>
+            </a:extLst>
+          </p:cNvPr>
+          <p:cNvGrpSpPr/>
+          <p:nvPr/>
+        </p:nvGrpSpPr>
+        <p:grpSpPr>
+          <a:xfrm>
+            <a:off x="838200" y="3421378"/>
+            <a:ext cx="10515600" cy="488825"/>
+            <a:chOff x="838201" y="2331089"/>
+            <a:chExt cx="10591799" cy="488825"/>
+          </a:xfrm>
+        </p:grpSpPr>
+        <p:sp>
+          <p:nvSpPr>
+            <p:cNvPr id="25" name="Rectangle 1">
+              <a:extLst>
+                <a:ext uri="{FF2B5EF4-FFF2-40B4-BE49-F238E27FC236}">
+                  <a16:creationId xmlns:a16="http://schemas.microsoft.com/office/drawing/2014/main" id="{463E2E48-F586-4922-86B9-75298F387F4B}"/>
+                </a:ext>
+              </a:extLst>
+            </p:cNvPr>
+            <p:cNvSpPr>
+              <a:spLocks noChangeArrowheads="1"/>
+            </p:cNvSpPr>
+            <p:nvPr/>
+          </p:nvSpPr>
+          <p:spPr bwMode="auto">
+            <a:xfrm>
+              <a:off x="838201" y="2331089"/>
+              <a:ext cx="10591799" cy="461665"/>
+            </a:xfrm>
+            <a:prstGeom prst="rect">
+              <a:avLst/>
+            </a:prstGeom>
+            <a:solidFill>
+              <a:srgbClr val="1E1F22"/>
+            </a:solidFill>
+            <a:ln>
+              <a:noFill/>
+            </a:ln>
+            <a:effectLst/>
+            <a:extLst>
+              <a:ext uri="{91240B29-F687-4F45-9708-019B960494DF}">
+                <a14:hiddenLine xmlns:a14="http://schemas.microsoft.com/office/drawing/2010/main" w="9525">
+                  <a:solidFill>
+                    <a:schemeClr val="tx1"/>
+                  </a:solidFill>
+                  <a:miter lim="800000"/>
+                  <a:headEnd/>
+                  <a:tailEnd/>
+                </a14:hiddenLine>
+              </a:ext>
+              <a:ext uri="{AF507438-7753-43E0-B8FC-AC1667EBCBE1}">
+                <a14:hiddenEffects xmlns:a14="http://schemas.microsoft.com/office/drawing/2010/main">
+                  <a:effectLst>
+                    <a:outerShdw dist="35921" dir="2700000" algn="ctr" rotWithShape="0">
+                      <a:schemeClr val="bg2"/>
+                    </a:outerShdw>
+                  </a:effectLst>
+                </a14:hiddenEffects>
+              </a:ext>
+            </a:extLst>
+          </p:spPr>
+          <p:txBody>
+            <a:bodyPr vert="horz" wrap="square" lIns="91440" tIns="45720" rIns="91440" bIns="45720" numCol="1" anchor="ctr" anchorCtr="0" compatLnSpc="1">
+              <a:prstTxWarp prst="textNoShape">
+                <a:avLst/>
+              </a:prstTxWarp>
+              <a:spAutoFit/>
+            </a:bodyPr>
+            <a:lstStyle/>
+            <a:p>
+              <a:pPr marL="0" marR="0" lvl="0" indent="0" algn="l" defTabSz="914400" rtl="0" eaLnBrk="0" fontAlgn="base" latinLnBrk="0" hangingPunct="0">
+                <a:lnSpc>
+                  <a:spcPct val="100000"/>
+                </a:lnSpc>
+                <a:spcBef>
+                  <a:spcPct val="0"/>
+                </a:spcBef>
+                <a:spcAft>
+                  <a:spcPct val="0"/>
+                </a:spcAft>
+                <a:buClrTx/>
+                <a:buSzTx/>
+                <a:buFontTx/>
+                <a:buNone/>
+                <a:tabLst/>
+              </a:pPr>
+              <a:r>
+                <a:rPr lang="en-US" altLang="zh-TW" sz="2400">
+                  <a:solidFill>
+                    <a:srgbClr val="CF8E6D"/>
+                  </a:solidFill>
+                  <a:latin typeface="+mj-lt"/>
+                  <a:cs typeface="JetBrains Mono" panose="02000009000000000000" pitchFamily="49" charset="0"/>
+                </a:rPr>
+                <a:t>import</a:t>
+              </a:r>
+              <a:r>
+                <a:rPr lang="zh-TW" altLang="en-US" sz="2400">
+                  <a:solidFill>
+                    <a:srgbClr val="CF8E6D"/>
+                  </a:solidFill>
+                  <a:latin typeface="+mj-lt"/>
+                  <a:cs typeface="JetBrains Mono" panose="02000009000000000000" pitchFamily="49" charset="0"/>
+                </a:rPr>
+                <a:t> </a:t>
+              </a:r>
+              <a:r>
+                <a:rPr lang="en-US" altLang="zh-TW" sz="2400">
+                  <a:solidFill>
+                    <a:srgbClr val="CF8E6D"/>
+                  </a:solidFill>
+                  <a:latin typeface="+mj-lt"/>
+                  <a:cs typeface="JetBrains Mono" panose="02000009000000000000" pitchFamily="49" charset="0"/>
+                </a:rPr>
+                <a:t>static</a:t>
+              </a:r>
+              <a:r>
+                <a:rPr lang="zh-TW" altLang="en-US" sz="2400">
+                  <a:solidFill>
+                    <a:srgbClr val="CF8E6D"/>
+                  </a:solidFill>
+                  <a:latin typeface="+mj-lt"/>
+                  <a:cs typeface="JetBrains Mono" panose="02000009000000000000" pitchFamily="49" charset="0"/>
+                </a:rPr>
+                <a:t> </a:t>
+              </a:r>
+              <a:r>
+                <a:rPr lang="zh-TW" altLang="en-US" sz="2400">
+                  <a:solidFill>
+                    <a:srgbClr val="00B0F0"/>
+                  </a:solidFill>
+                  <a:latin typeface="+mj-lt"/>
+                  <a:ea typeface="微軟正黑體" panose="020B0604030504040204" pitchFamily="34" charset="-120"/>
+                  <a:cs typeface="JetBrains Mono" panose="02000009000000000000" pitchFamily="49" charset="0"/>
+                </a:rPr>
+                <a:t>套件</a:t>
+              </a:r>
+              <a:r>
+                <a:rPr lang="en-US" altLang="zh-TW" sz="2400">
+                  <a:solidFill>
+                    <a:srgbClr val="BCBEC4"/>
+                  </a:solidFill>
+                  <a:latin typeface="+mj-lt"/>
+                  <a:cs typeface="JetBrains Mono" panose="02000009000000000000" pitchFamily="49" charset="0"/>
+                </a:rPr>
+                <a:t>.</a:t>
+              </a:r>
+              <a:r>
+                <a:rPr lang="zh-TW" altLang="en-US" sz="2400">
+                  <a:solidFill>
+                    <a:srgbClr val="00B0F0"/>
+                  </a:solidFill>
+                  <a:latin typeface="+mj-lt"/>
+                  <a:ea typeface="微軟正黑體" panose="020B0604030504040204" pitchFamily="34" charset="-120"/>
+                  <a:cs typeface="JetBrains Mono" panose="02000009000000000000" pitchFamily="49" charset="0"/>
+                </a:rPr>
+                <a:t>套件中的類別或介面</a:t>
+              </a:r>
+              <a:r>
+                <a:rPr lang="en-US" altLang="zh-TW" sz="2400">
+                  <a:solidFill>
+                    <a:srgbClr val="BCBEC4"/>
+                  </a:solidFill>
+                  <a:latin typeface="+mj-lt"/>
+                  <a:cs typeface="JetBrains Mono" panose="02000009000000000000" pitchFamily="49" charset="0"/>
+                </a:rPr>
+                <a:t>.</a:t>
+              </a:r>
+              <a:r>
+                <a:rPr lang="zh-TW" altLang="en-US" sz="2400">
+                  <a:solidFill>
+                    <a:srgbClr val="00B0F0"/>
+                  </a:solidFill>
+                  <a:latin typeface="+mj-lt"/>
+                  <a:ea typeface="微軟正黑體" panose="020B0604030504040204" pitchFamily="34" charset="-120"/>
+                  <a:cs typeface="JetBrains Mono" panose="02000009000000000000" pitchFamily="49" charset="0"/>
+                </a:rPr>
+                <a:t>靜態欄位</a:t>
+              </a:r>
+              <a:r>
+                <a:rPr lang="en-US" altLang="zh-TW" sz="2400">
+                  <a:solidFill>
+                    <a:srgbClr val="BCBEC4"/>
+                  </a:solidFill>
+                  <a:latin typeface="+mj-lt"/>
+                  <a:cs typeface="JetBrains Mono" panose="02000009000000000000" pitchFamily="49" charset="0"/>
+                </a:rPr>
+                <a:t>;</a:t>
+              </a:r>
+              <a:endParaRPr kumimoji="0" lang="zh-TW" altLang="zh-TW" sz="4000" b="0" i="0" u="none" strike="noStrike" cap="none" normalizeH="0" baseline="0">
+                <a:ln>
+                  <a:noFill/>
+                </a:ln>
+                <a:solidFill>
+                  <a:schemeClr val="tx1"/>
+                </a:solidFill>
+                <a:effectLst/>
+                <a:latin typeface="+mj-lt"/>
+              </a:endParaRPr>
+            </a:p>
+          </p:txBody>
+        </p:sp>
+        <p:sp>
+          <p:nvSpPr>
+            <p:cNvPr id="26" name="文字方塊 25">
+              <a:extLst>
+                <a:ext uri="{FF2B5EF4-FFF2-40B4-BE49-F238E27FC236}">
+                  <a16:creationId xmlns:a16="http://schemas.microsoft.com/office/drawing/2014/main" id="{DBE22EEB-D914-4009-B09F-46ADE9A1F02B}"/>
+                </a:ext>
+              </a:extLst>
+            </p:cNvPr>
+            <p:cNvSpPr txBox="1"/>
+            <p:nvPr/>
+          </p:nvSpPr>
+          <p:spPr>
+            <a:xfrm>
+              <a:off x="10796493" y="2481360"/>
+              <a:ext cx="633507" cy="338554"/>
+            </a:xfrm>
+            <a:prstGeom prst="rect">
+              <a:avLst/>
+            </a:prstGeom>
+            <a:noFill/>
+          </p:spPr>
+          <p:txBody>
+            <a:bodyPr wrap="none" rtlCol="0">
+              <a:spAutoFit/>
+            </a:bodyPr>
+            <a:lstStyle/>
+            <a:p>
+              <a:r>
+                <a:rPr lang="en-US" altLang="zh-TW" sz="1600">
+                  <a:solidFill>
+                    <a:schemeClr val="accent3"/>
+                  </a:solidFill>
+                </a:rPr>
+                <a:t>java</a:t>
+              </a:r>
+              <a:endParaRPr lang="zh-TW" altLang="en-US" sz="1600">
+                <a:solidFill>
+                  <a:schemeClr val="accent3"/>
+                </a:solidFill>
+              </a:endParaRPr>
+            </a:p>
+          </p:txBody>
+        </p:sp>
+      </p:grpSp>
+      <p:sp>
+        <p:nvSpPr>
+          <p:cNvPr id="27" name="內容版面配置區 2">
+            <a:extLst>
+              <a:ext uri="{FF2B5EF4-FFF2-40B4-BE49-F238E27FC236}">
+                <a16:creationId xmlns:a16="http://schemas.microsoft.com/office/drawing/2014/main" id="{9F7A2ED7-B91B-46D6-BB06-DCC48ED08413}"/>
+              </a:ext>
+            </a:extLst>
+          </p:cNvPr>
+          <p:cNvSpPr txBox="1">
+            <a:spLocks/>
+          </p:cNvSpPr>
+          <p:nvPr/>
+        </p:nvSpPr>
+        <p:spPr>
+          <a:xfrm>
+            <a:off x="838200" y="2928450"/>
+            <a:ext cx="3441192" cy="483813"/>
+          </a:xfrm>
+          <a:prstGeom prst="rect">
+            <a:avLst/>
+          </a:prstGeom>
+        </p:spPr>
+        <p:txBody>
+          <a:bodyPr vert="horz" lIns="91440" tIns="45720" rIns="91440" bIns="45720" rtlCol="0">
+            <a:normAutofit/>
+          </a:bodyPr>
+          <a:lstStyle>
+            <a:lvl1pPr marL="0" indent="0" algn="l" defTabSz="914400" rtl="0" eaLnBrk="1" latinLnBrk="0" hangingPunct="1">
+              <a:lnSpc>
+                <a:spcPct val="90000"/>
+              </a:lnSpc>
+              <a:spcBef>
+                <a:spcPts val="1000"/>
+              </a:spcBef>
+              <a:buFont typeface="Arial" panose="020B0604020202020204" pitchFamily="34" charset="0"/>
+              <a:buNone/>
+              <a:defRPr sz="2800" kern="1200">
+                <a:solidFill>
+                  <a:schemeClr val="tx1"/>
+                </a:solidFill>
+                <a:latin typeface="+mn-lt"/>
+                <a:ea typeface="+mn-ea"/>
+                <a:cs typeface="+mn-cs"/>
+              </a:defRPr>
+            </a:lvl1pPr>
+            <a:lvl2pPr marL="457200" indent="0" algn="l" defTabSz="914400" rtl="0" eaLnBrk="1" latinLnBrk="0" hangingPunct="1">
+              <a:lnSpc>
+                <a:spcPct val="90000"/>
+              </a:lnSpc>
+              <a:spcBef>
+                <a:spcPts val="500"/>
+              </a:spcBef>
+              <a:buFont typeface="Arial" panose="020B0604020202020204" pitchFamily="34" charset="0"/>
+              <a:buNone/>
+              <a:defRPr sz="2400" kern="1200">
+                <a:solidFill>
+                  <a:schemeClr val="tx1"/>
+                </a:solidFill>
+                <a:latin typeface="+mn-lt"/>
+                <a:ea typeface="+mn-ea"/>
+                <a:cs typeface="+mn-cs"/>
+              </a:defRPr>
+            </a:lvl2pPr>
+            <a:lvl3pPr marL="914400" indent="0" algn="l" defTabSz="914400" rtl="0" eaLnBrk="1" latinLnBrk="0" hangingPunct="1">
+              <a:lnSpc>
+                <a:spcPct val="90000"/>
+              </a:lnSpc>
+              <a:spcBef>
+                <a:spcPts val="500"/>
+              </a:spcBef>
+              <a:buFont typeface="Arial" panose="020B0604020202020204" pitchFamily="34" charset="0"/>
+              <a:buNone/>
+              <a:defRPr sz="2000" kern="1200">
+                <a:solidFill>
+                  <a:schemeClr val="tx1"/>
+                </a:solidFill>
+                <a:latin typeface="+mn-lt"/>
+                <a:ea typeface="+mn-ea"/>
+                <a:cs typeface="+mn-cs"/>
+              </a:defRPr>
+            </a:lvl3pPr>
+            <a:lvl4pPr marL="1371600" indent="0" algn="l" defTabSz="914400" rtl="0" eaLnBrk="1" latinLnBrk="0" hangingPunct="1">
+              <a:lnSpc>
+                <a:spcPct val="90000"/>
+              </a:lnSpc>
+              <a:spcBef>
+                <a:spcPts val="500"/>
+              </a:spcBef>
+              <a:buFont typeface="Arial" panose="020B0604020202020204" pitchFamily="34" charset="0"/>
+              <a:buNone/>
+              <a:defRPr sz="1800" kern="1200">
+                <a:solidFill>
+                  <a:schemeClr val="tx1"/>
+                </a:solidFill>
+                <a:latin typeface="+mn-lt"/>
+                <a:ea typeface="+mn-ea"/>
+                <a:cs typeface="+mn-cs"/>
+              </a:defRPr>
+            </a:lvl4pPr>
+            <a:lvl5pPr marL="1828800" indent="0" algn="l" defTabSz="914400" rtl="0" eaLnBrk="1" latinLnBrk="0" hangingPunct="1">
+              <a:lnSpc>
+                <a:spcPct val="90000"/>
+              </a:lnSpc>
+              <a:spcBef>
+                <a:spcPts val="500"/>
+              </a:spcBef>
+              <a:buFont typeface="Arial" panose="020B0604020202020204" pitchFamily="34" charset="0"/>
+              <a:buNone/>
+              <a:defRPr sz="1800" kern="1200">
+                <a:solidFill>
+                  <a:schemeClr val="tx1"/>
+                </a:solidFill>
+                <a:latin typeface="+mn-lt"/>
+                <a:ea typeface="+mn-ea"/>
+                <a:cs typeface="+mn-cs"/>
+              </a:defRPr>
+            </a:lvl5pPr>
+            <a:lvl6pPr marL="2514600" indent="-228600" algn="l" defTabSz="914400" rtl="0" eaLnBrk="1" latinLnBrk="0" hangingPunct="1">
+              <a:lnSpc>
+                <a:spcPct val="90000"/>
+              </a:lnSpc>
+              <a:spcBef>
+                <a:spcPts val="500"/>
+              </a:spcBef>
+              <a:buFont typeface="Arial" panose="020B0604020202020204" pitchFamily="34" charset="0"/>
+              <a:buChar char="•"/>
+              <a:defRPr sz="1800" kern="1200">
+                <a:solidFill>
+                  <a:schemeClr val="tx1"/>
+                </a:solidFill>
+                <a:latin typeface="+mn-lt"/>
+                <a:ea typeface="+mn-ea"/>
+                <a:cs typeface="+mn-cs"/>
+              </a:defRPr>
+            </a:lvl6pPr>
+            <a:lvl7pPr marL="2971800" indent="-228600" algn="l" defTabSz="914400" rtl="0" eaLnBrk="1" latinLnBrk="0" hangingPunct="1">
+              <a:lnSpc>
+                <a:spcPct val="90000"/>
+              </a:lnSpc>
+              <a:spcBef>
+                <a:spcPts val="500"/>
+              </a:spcBef>
+              <a:buFont typeface="Arial" panose="020B0604020202020204" pitchFamily="34" charset="0"/>
+              <a:buChar char="•"/>
+              <a:defRPr sz="1800" kern="1200">
+                <a:solidFill>
+                  <a:schemeClr val="tx1"/>
+                </a:solidFill>
+                <a:latin typeface="+mn-lt"/>
+                <a:ea typeface="+mn-ea"/>
+                <a:cs typeface="+mn-cs"/>
+              </a:defRPr>
+            </a:lvl7pPr>
+            <a:lvl8pPr marL="3429000" indent="-228600" algn="l" defTabSz="914400" rtl="0" eaLnBrk="1" latinLnBrk="0" hangingPunct="1">
+              <a:lnSpc>
+                <a:spcPct val="90000"/>
+              </a:lnSpc>
+              <a:spcBef>
+                <a:spcPts val="500"/>
+              </a:spcBef>
+              <a:buFont typeface="Arial" panose="020B0604020202020204" pitchFamily="34" charset="0"/>
+              <a:buChar char="•"/>
+              <a:defRPr sz="1800" kern="1200">
+                <a:solidFill>
+                  <a:schemeClr val="tx1"/>
+                </a:solidFill>
+                <a:latin typeface="+mn-lt"/>
+                <a:ea typeface="+mn-ea"/>
+                <a:cs typeface="+mn-cs"/>
+              </a:defRPr>
+            </a:lvl8pPr>
+            <a:lvl9pPr marL="3886200" indent="-228600" algn="l" defTabSz="914400" rtl="0" eaLnBrk="1" latinLnBrk="0" hangingPunct="1">
+              <a:lnSpc>
+                <a:spcPct val="90000"/>
+              </a:lnSpc>
+              <a:spcBef>
+                <a:spcPts val="500"/>
+              </a:spcBef>
+              <a:buFont typeface="Arial" panose="020B0604020202020204" pitchFamily="34" charset="0"/>
+              <a:buChar char="•"/>
+              <a:defRPr sz="1800" kern="1200">
+                <a:solidFill>
+                  <a:schemeClr val="tx1"/>
+                </a:solidFill>
+                <a:latin typeface="+mn-lt"/>
+                <a:ea typeface="+mn-ea"/>
+                <a:cs typeface="+mn-cs"/>
+              </a:defRPr>
+            </a:lvl9pPr>
+          </a:lstStyle>
+          <a:p>
+            <a:r>
+              <a:rPr lang="zh-TW" altLang="en-US"/>
+              <a:t>也可以</a:t>
+            </a:r>
+            <a:r>
+              <a:rPr lang="zh-TW" altLang="en-US">
+                <a:solidFill>
+                  <a:srgbClr val="FFC000"/>
+                </a:solidFill>
+              </a:rPr>
+              <a:t>載入</a:t>
+            </a:r>
+            <a:r>
+              <a:rPr lang="zh-TW" altLang="en-US">
+                <a:solidFill>
+                  <a:srgbClr val="00B0F0"/>
+                </a:solidFill>
+              </a:rPr>
+              <a:t>靜態欄位</a:t>
+            </a:r>
+          </a:p>
+        </p:txBody>
+      </p:sp>
     </p:spTree>
     <p:extLst>
       <p:ext uri="{BB962C8B-B14F-4D97-AF65-F5344CB8AC3E}">

--- a/powerpoint/09_套件與存取修飾子.pptx
+++ b/powerpoint/09_套件與存取修飾子.pptx
@@ -2,7 +2,7 @@
 <file path=ppt/presentation.xml><?xml version="1.0" encoding="utf-8"?>
 <p:presentation xmlns:a="http://schemas.openxmlformats.org/drawingml/2006/main" xmlns:r="http://schemas.openxmlformats.org/officeDocument/2006/relationships" xmlns:p="http://schemas.openxmlformats.org/presentationml/2006/main" saveSubsetFonts="1">
   <p:sldMasterIdLst>
-    <p:sldMasterId id="2147483660" r:id="rId1"/>
+    <p:sldMasterId id="2147483673" r:id="rId1"/>
   </p:sldMasterIdLst>
   <p:notesMasterIdLst>
     <p:notesMasterId r:id="rId10"/>
@@ -204,7 +204,7 @@
           <a:p>
             <a:fld id="{13944194-6483-4812-93AF-B4D587E71D5A}" type="datetimeFigureOut">
               <a:rPr lang="zh-TW" altLang="en-US" smtClean="0"/>
-              <a:t>2024/8/24</a:t>
+              <a:t>2024/8/28</a:t>
             </a:fld>
             <a:endParaRPr lang="zh-TW" altLang="en-US"/>
           </a:p>
@@ -766,1457 +766,7 @@
     </p:spTree>
     <p:extLst>
       <p:ext uri="{BB962C8B-B14F-4D97-AF65-F5344CB8AC3E}">
-        <p14:creationId xmlns:p14="http://schemas.microsoft.com/office/powerpoint/2010/main" val="695836888"/>
-      </p:ext>
-    </p:extLst>
-  </p:cSld>
-  <p:clrMapOvr>
-    <a:masterClrMapping/>
-  </p:clrMapOvr>
-  <p:transition spd="slow">
-    <p:push dir="u"/>
-  </p:transition>
-</p:sldLayout>
-</file>
-
-<file path=ppt/slideLayouts/slideLayout10.xml><?xml version="1.0" encoding="utf-8"?>
-<p:sldLayout xmlns:a="http://schemas.openxmlformats.org/drawingml/2006/main" xmlns:r="http://schemas.openxmlformats.org/officeDocument/2006/relationships" xmlns:p="http://schemas.openxmlformats.org/presentationml/2006/main" type="vertTx" preserve="1">
-  <p:cSld name="標題及直排文字">
-    <p:spTree>
-      <p:nvGrpSpPr>
-        <p:cNvPr id="1" name=""/>
-        <p:cNvGrpSpPr/>
-        <p:nvPr/>
-      </p:nvGrpSpPr>
-      <p:grpSpPr>
-        <a:xfrm>
-          <a:off x="0" y="0"/>
-          <a:ext cx="0" cy="0"/>
-          <a:chOff x="0" y="0"/>
-          <a:chExt cx="0" cy="0"/>
-        </a:xfrm>
-      </p:grpSpPr>
-      <p:sp>
-        <p:nvSpPr>
-          <p:cNvPr id="2" name="標題 1">
-            <a:extLst>
-              <a:ext uri="{FF2B5EF4-FFF2-40B4-BE49-F238E27FC236}">
-                <a16:creationId xmlns:a16="http://schemas.microsoft.com/office/drawing/2014/main" id="{0FDDC07F-519C-49CA-AA44-B985B88C2335}"/>
-              </a:ext>
-            </a:extLst>
-          </p:cNvPr>
-          <p:cNvSpPr>
-            <a:spLocks noGrp="1"/>
-          </p:cNvSpPr>
-          <p:nvPr>
-            <p:ph type="title"/>
-          </p:nvPr>
-        </p:nvSpPr>
-        <p:spPr/>
-        <p:txBody>
-          <a:bodyPr/>
-          <a:lstStyle/>
-          <a:p>
-            <a:r>
-              <a:rPr lang="zh-TW" altLang="en-US"/>
-              <a:t>按一下以編輯母片標題樣式</a:t>
-            </a:r>
-          </a:p>
-        </p:txBody>
-      </p:sp>
-      <p:sp>
-        <p:nvSpPr>
-          <p:cNvPr id="3" name="直排文字版面配置區 2">
-            <a:extLst>
-              <a:ext uri="{FF2B5EF4-FFF2-40B4-BE49-F238E27FC236}">
-                <a16:creationId xmlns:a16="http://schemas.microsoft.com/office/drawing/2014/main" id="{EA4FAF03-5463-4183-9F65-A1E11FD43A75}"/>
-              </a:ext>
-            </a:extLst>
-          </p:cNvPr>
-          <p:cNvSpPr>
-            <a:spLocks noGrp="1"/>
-          </p:cNvSpPr>
-          <p:nvPr>
-            <p:ph type="body" orient="vert" idx="1"/>
-          </p:nvPr>
-        </p:nvSpPr>
-        <p:spPr/>
-        <p:txBody>
-          <a:bodyPr vert="eaVert"/>
-          <a:lstStyle/>
-          <a:p>
-            <a:pPr lvl="0"/>
-            <a:r>
-              <a:rPr lang="zh-TW" altLang="en-US"/>
-              <a:t>按一下以編輯母片文字樣式</a:t>
-            </a:r>
-          </a:p>
-          <a:p>
-            <a:pPr lvl="1"/>
-            <a:r>
-              <a:rPr lang="zh-TW" altLang="en-US"/>
-              <a:t>第二層</a:t>
-            </a:r>
-          </a:p>
-          <a:p>
-            <a:pPr lvl="2"/>
-            <a:r>
-              <a:rPr lang="zh-TW" altLang="en-US"/>
-              <a:t>第三層</a:t>
-            </a:r>
-          </a:p>
-          <a:p>
-            <a:pPr lvl="3"/>
-            <a:r>
-              <a:rPr lang="zh-TW" altLang="en-US"/>
-              <a:t>第四層</a:t>
-            </a:r>
-          </a:p>
-          <a:p>
-            <a:pPr lvl="4"/>
-            <a:r>
-              <a:rPr lang="zh-TW" altLang="en-US"/>
-              <a:t>第五層</a:t>
-            </a:r>
-          </a:p>
-        </p:txBody>
-      </p:sp>
-      <p:sp>
-        <p:nvSpPr>
-          <p:cNvPr id="7" name="頁尾版面配置區 4">
-            <a:extLst>
-              <a:ext uri="{FF2B5EF4-FFF2-40B4-BE49-F238E27FC236}">
-                <a16:creationId xmlns:a16="http://schemas.microsoft.com/office/drawing/2014/main" id="{673CEE49-E682-4987-B5C6-44AC5441606B}"/>
-              </a:ext>
-            </a:extLst>
-          </p:cNvPr>
-          <p:cNvSpPr txBox="1">
-            <a:spLocks/>
-          </p:cNvSpPr>
-          <p:nvPr/>
-        </p:nvSpPr>
-        <p:spPr>
-          <a:xfrm>
-            <a:off x="0" y="6492875"/>
-            <a:ext cx="2743200" cy="365125"/>
-          </a:xfrm>
-          <a:prstGeom prst="rect">
-            <a:avLst/>
-          </a:prstGeom>
-        </p:spPr>
-        <p:txBody>
-          <a:bodyPr vert="horz" lIns="91440" tIns="45720" rIns="91440" bIns="45720" rtlCol="0" anchor="ctr"/>
-          <a:lstStyle>
-            <a:defPPr>
-              <a:defRPr lang="zh-TW"/>
-            </a:defPPr>
-            <a:lvl1pPr marL="0" algn="l" defTabSz="914400" rtl="0" eaLnBrk="1" latinLnBrk="0" hangingPunct="1">
-              <a:defRPr sz="1200" kern="1200">
-                <a:solidFill>
-                  <a:schemeClr val="tx1">
-                    <a:tint val="75000"/>
-                  </a:schemeClr>
-                </a:solidFill>
-                <a:latin typeface="+mn-lt"/>
-                <a:ea typeface="+mn-ea"/>
-                <a:cs typeface="+mn-cs"/>
-              </a:defRPr>
-            </a:lvl1pPr>
-            <a:lvl2pPr marL="457200" algn="l" defTabSz="914400" rtl="0" eaLnBrk="1" latinLnBrk="0" hangingPunct="1">
-              <a:defRPr sz="1800" kern="1200">
-                <a:solidFill>
-                  <a:schemeClr val="tx1"/>
-                </a:solidFill>
-                <a:latin typeface="+mn-lt"/>
-                <a:ea typeface="+mn-ea"/>
-                <a:cs typeface="+mn-cs"/>
-              </a:defRPr>
-            </a:lvl2pPr>
-            <a:lvl3pPr marL="914400" algn="l" defTabSz="914400" rtl="0" eaLnBrk="1" latinLnBrk="0" hangingPunct="1">
-              <a:defRPr sz="1800" kern="1200">
-                <a:solidFill>
-                  <a:schemeClr val="tx1"/>
-                </a:solidFill>
-                <a:latin typeface="+mn-lt"/>
-                <a:ea typeface="+mn-ea"/>
-                <a:cs typeface="+mn-cs"/>
-              </a:defRPr>
-            </a:lvl3pPr>
-            <a:lvl4pPr marL="1371600" algn="l" defTabSz="914400" rtl="0" eaLnBrk="1" latinLnBrk="0" hangingPunct="1">
-              <a:defRPr sz="1800" kern="1200">
-                <a:solidFill>
-                  <a:schemeClr val="tx1"/>
-                </a:solidFill>
-                <a:latin typeface="+mn-lt"/>
-                <a:ea typeface="+mn-ea"/>
-                <a:cs typeface="+mn-cs"/>
-              </a:defRPr>
-            </a:lvl4pPr>
-            <a:lvl5pPr marL="1828800" algn="l" defTabSz="914400" rtl="0" eaLnBrk="1" latinLnBrk="0" hangingPunct="1">
-              <a:defRPr sz="1800" kern="1200">
-                <a:solidFill>
-                  <a:schemeClr val="tx1"/>
-                </a:solidFill>
-                <a:latin typeface="+mn-lt"/>
-                <a:ea typeface="+mn-ea"/>
-                <a:cs typeface="+mn-cs"/>
-              </a:defRPr>
-            </a:lvl5pPr>
-            <a:lvl6pPr marL="2286000" algn="l" defTabSz="914400" rtl="0" eaLnBrk="1" latinLnBrk="0" hangingPunct="1">
-              <a:defRPr sz="1800" kern="1200">
-                <a:solidFill>
-                  <a:schemeClr val="tx1"/>
-                </a:solidFill>
-                <a:latin typeface="+mn-lt"/>
-                <a:ea typeface="+mn-ea"/>
-                <a:cs typeface="+mn-cs"/>
-              </a:defRPr>
-            </a:lvl6pPr>
-            <a:lvl7pPr marL="2743200" algn="l" defTabSz="914400" rtl="0" eaLnBrk="1" latinLnBrk="0" hangingPunct="1">
-              <a:defRPr sz="1800" kern="1200">
-                <a:solidFill>
-                  <a:schemeClr val="tx1"/>
-                </a:solidFill>
-                <a:latin typeface="+mn-lt"/>
-                <a:ea typeface="+mn-ea"/>
-                <a:cs typeface="+mn-cs"/>
-              </a:defRPr>
-            </a:lvl7pPr>
-            <a:lvl8pPr marL="3200400" algn="l" defTabSz="914400" rtl="0" eaLnBrk="1" latinLnBrk="0" hangingPunct="1">
-              <a:defRPr sz="1800" kern="1200">
-                <a:solidFill>
-                  <a:schemeClr val="tx1"/>
-                </a:solidFill>
-                <a:latin typeface="+mn-lt"/>
-                <a:ea typeface="+mn-ea"/>
-                <a:cs typeface="+mn-cs"/>
-              </a:defRPr>
-            </a:lvl8pPr>
-            <a:lvl9pPr marL="3657600" algn="l" defTabSz="914400" rtl="0" eaLnBrk="1" latinLnBrk="0" hangingPunct="1">
-              <a:defRPr sz="1800" kern="1200">
-                <a:solidFill>
-                  <a:schemeClr val="tx1"/>
-                </a:solidFill>
-                <a:latin typeface="+mn-lt"/>
-                <a:ea typeface="+mn-ea"/>
-                <a:cs typeface="+mn-cs"/>
-              </a:defRPr>
-            </a:lvl9pPr>
-          </a:lstStyle>
-          <a:p>
-            <a:r>
-              <a:rPr lang="en-US" altLang="zh-TW"/>
-              <a:t>TYIC</a:t>
-            </a:r>
-            <a:r>
-              <a:rPr lang="zh-TW" altLang="en-US"/>
-              <a:t>桃高資訊社</a:t>
-            </a:r>
-          </a:p>
-        </p:txBody>
-      </p:sp>
-      <p:sp>
-        <p:nvSpPr>
-          <p:cNvPr id="8" name="投影片編號版面配置區 5">
-            <a:extLst>
-              <a:ext uri="{FF2B5EF4-FFF2-40B4-BE49-F238E27FC236}">
-                <a16:creationId xmlns:a16="http://schemas.microsoft.com/office/drawing/2014/main" id="{30FE2C57-B7B9-4C62-97C3-180398C5D84A}"/>
-              </a:ext>
-            </a:extLst>
-          </p:cNvPr>
-          <p:cNvSpPr txBox="1">
-            <a:spLocks/>
-          </p:cNvSpPr>
-          <p:nvPr/>
-        </p:nvSpPr>
-        <p:spPr>
-          <a:xfrm>
-            <a:off x="9448800" y="6492874"/>
-            <a:ext cx="2743200" cy="365125"/>
-          </a:xfrm>
-          <a:prstGeom prst="rect">
-            <a:avLst/>
-          </a:prstGeom>
-        </p:spPr>
-        <p:txBody>
-          <a:bodyPr vert="horz" lIns="91440" tIns="45720" rIns="91440" bIns="45720" rtlCol="0" anchor="ctr"/>
-          <a:lstStyle>
-            <a:defPPr>
-              <a:defRPr lang="zh-TW"/>
-            </a:defPPr>
-            <a:lvl1pPr marL="0" algn="r" defTabSz="914400" rtl="0" eaLnBrk="1" latinLnBrk="0" hangingPunct="1">
-              <a:defRPr sz="1200" kern="1200">
-                <a:solidFill>
-                  <a:schemeClr val="tx1">
-                    <a:tint val="75000"/>
-                  </a:schemeClr>
-                </a:solidFill>
-                <a:latin typeface="+mn-lt"/>
-                <a:ea typeface="+mn-ea"/>
-                <a:cs typeface="+mn-cs"/>
-              </a:defRPr>
-            </a:lvl1pPr>
-            <a:lvl2pPr marL="457200" algn="l" defTabSz="914400" rtl="0" eaLnBrk="1" latinLnBrk="0" hangingPunct="1">
-              <a:defRPr sz="1800" kern="1200">
-                <a:solidFill>
-                  <a:schemeClr val="tx1"/>
-                </a:solidFill>
-                <a:latin typeface="+mn-lt"/>
-                <a:ea typeface="+mn-ea"/>
-                <a:cs typeface="+mn-cs"/>
-              </a:defRPr>
-            </a:lvl2pPr>
-            <a:lvl3pPr marL="914400" algn="l" defTabSz="914400" rtl="0" eaLnBrk="1" latinLnBrk="0" hangingPunct="1">
-              <a:defRPr sz="1800" kern="1200">
-                <a:solidFill>
-                  <a:schemeClr val="tx1"/>
-                </a:solidFill>
-                <a:latin typeface="+mn-lt"/>
-                <a:ea typeface="+mn-ea"/>
-                <a:cs typeface="+mn-cs"/>
-              </a:defRPr>
-            </a:lvl3pPr>
-            <a:lvl4pPr marL="1371600" algn="l" defTabSz="914400" rtl="0" eaLnBrk="1" latinLnBrk="0" hangingPunct="1">
-              <a:defRPr sz="1800" kern="1200">
-                <a:solidFill>
-                  <a:schemeClr val="tx1"/>
-                </a:solidFill>
-                <a:latin typeface="+mn-lt"/>
-                <a:ea typeface="+mn-ea"/>
-                <a:cs typeface="+mn-cs"/>
-              </a:defRPr>
-            </a:lvl4pPr>
-            <a:lvl5pPr marL="1828800" algn="l" defTabSz="914400" rtl="0" eaLnBrk="1" latinLnBrk="0" hangingPunct="1">
-              <a:defRPr sz="1800" kern="1200">
-                <a:solidFill>
-                  <a:schemeClr val="tx1"/>
-                </a:solidFill>
-                <a:latin typeface="+mn-lt"/>
-                <a:ea typeface="+mn-ea"/>
-                <a:cs typeface="+mn-cs"/>
-              </a:defRPr>
-            </a:lvl5pPr>
-            <a:lvl6pPr marL="2286000" algn="l" defTabSz="914400" rtl="0" eaLnBrk="1" latinLnBrk="0" hangingPunct="1">
-              <a:defRPr sz="1800" kern="1200">
-                <a:solidFill>
-                  <a:schemeClr val="tx1"/>
-                </a:solidFill>
-                <a:latin typeface="+mn-lt"/>
-                <a:ea typeface="+mn-ea"/>
-                <a:cs typeface="+mn-cs"/>
-              </a:defRPr>
-            </a:lvl6pPr>
-            <a:lvl7pPr marL="2743200" algn="l" defTabSz="914400" rtl="0" eaLnBrk="1" latinLnBrk="0" hangingPunct="1">
-              <a:defRPr sz="1800" kern="1200">
-                <a:solidFill>
-                  <a:schemeClr val="tx1"/>
-                </a:solidFill>
-                <a:latin typeface="+mn-lt"/>
-                <a:ea typeface="+mn-ea"/>
-                <a:cs typeface="+mn-cs"/>
-              </a:defRPr>
-            </a:lvl7pPr>
-            <a:lvl8pPr marL="3200400" algn="l" defTabSz="914400" rtl="0" eaLnBrk="1" latinLnBrk="0" hangingPunct="1">
-              <a:defRPr sz="1800" kern="1200">
-                <a:solidFill>
-                  <a:schemeClr val="tx1"/>
-                </a:solidFill>
-                <a:latin typeface="+mn-lt"/>
-                <a:ea typeface="+mn-ea"/>
-                <a:cs typeface="+mn-cs"/>
-              </a:defRPr>
-            </a:lvl8pPr>
-            <a:lvl9pPr marL="3657600" algn="l" defTabSz="914400" rtl="0" eaLnBrk="1" latinLnBrk="0" hangingPunct="1">
-              <a:defRPr sz="1800" kern="1200">
-                <a:solidFill>
-                  <a:schemeClr val="tx1"/>
-                </a:solidFill>
-                <a:latin typeface="+mn-lt"/>
-                <a:ea typeface="+mn-ea"/>
-                <a:cs typeface="+mn-cs"/>
-              </a:defRPr>
-            </a:lvl9pPr>
-          </a:lstStyle>
-          <a:p>
-            <a:fld id="{D4328D90-2A6F-4F23-88A8-C5DCC2B5F307}" type="slidenum">
-              <a:rPr lang="zh-TW" altLang="en-US" smtClean="0"/>
-              <a:pPr/>
-              <a:t>‹#›</a:t>
-            </a:fld>
-            <a:endParaRPr lang="zh-TW" altLang="en-US"/>
-          </a:p>
-        </p:txBody>
-      </p:sp>
-      <p:sp>
-        <p:nvSpPr>
-          <p:cNvPr id="6" name="頁尾版面配置區 4">
-            <a:extLst>
-              <a:ext uri="{FF2B5EF4-FFF2-40B4-BE49-F238E27FC236}">
-                <a16:creationId xmlns:a16="http://schemas.microsoft.com/office/drawing/2014/main" id="{B6D0D332-58F6-44F7-8B06-11E5EF864545}"/>
-              </a:ext>
-            </a:extLst>
-          </p:cNvPr>
-          <p:cNvSpPr txBox="1">
-            <a:spLocks/>
-          </p:cNvSpPr>
-          <p:nvPr/>
-        </p:nvSpPr>
-        <p:spPr>
-          <a:xfrm>
-            <a:off x="0" y="6492875"/>
-            <a:ext cx="2743200" cy="365125"/>
-          </a:xfrm>
-          <a:prstGeom prst="rect">
-            <a:avLst/>
-          </a:prstGeom>
-        </p:spPr>
-        <p:txBody>
-          <a:bodyPr vert="horz" lIns="91440" tIns="45720" rIns="91440" bIns="45720" rtlCol="0" anchor="ctr"/>
-          <a:lstStyle>
-            <a:defPPr>
-              <a:defRPr lang="zh-TW"/>
-            </a:defPPr>
-            <a:lvl1pPr marL="0" algn="l" defTabSz="914400" rtl="0" eaLnBrk="1" latinLnBrk="0" hangingPunct="1">
-              <a:defRPr sz="1200" kern="1200">
-                <a:solidFill>
-                  <a:schemeClr val="tx1">
-                    <a:tint val="75000"/>
-                  </a:schemeClr>
-                </a:solidFill>
-                <a:latin typeface="+mn-lt"/>
-                <a:ea typeface="+mn-ea"/>
-                <a:cs typeface="+mn-cs"/>
-              </a:defRPr>
-            </a:lvl1pPr>
-            <a:lvl2pPr marL="457200" algn="l" defTabSz="914400" rtl="0" eaLnBrk="1" latinLnBrk="0" hangingPunct="1">
-              <a:defRPr sz="1800" kern="1200">
-                <a:solidFill>
-                  <a:schemeClr val="tx1"/>
-                </a:solidFill>
-                <a:latin typeface="+mn-lt"/>
-                <a:ea typeface="+mn-ea"/>
-                <a:cs typeface="+mn-cs"/>
-              </a:defRPr>
-            </a:lvl2pPr>
-            <a:lvl3pPr marL="914400" algn="l" defTabSz="914400" rtl="0" eaLnBrk="1" latinLnBrk="0" hangingPunct="1">
-              <a:defRPr sz="1800" kern="1200">
-                <a:solidFill>
-                  <a:schemeClr val="tx1"/>
-                </a:solidFill>
-                <a:latin typeface="+mn-lt"/>
-                <a:ea typeface="+mn-ea"/>
-                <a:cs typeface="+mn-cs"/>
-              </a:defRPr>
-            </a:lvl3pPr>
-            <a:lvl4pPr marL="1371600" algn="l" defTabSz="914400" rtl="0" eaLnBrk="1" latinLnBrk="0" hangingPunct="1">
-              <a:defRPr sz="1800" kern="1200">
-                <a:solidFill>
-                  <a:schemeClr val="tx1"/>
-                </a:solidFill>
-                <a:latin typeface="+mn-lt"/>
-                <a:ea typeface="+mn-ea"/>
-                <a:cs typeface="+mn-cs"/>
-              </a:defRPr>
-            </a:lvl4pPr>
-            <a:lvl5pPr marL="1828800" algn="l" defTabSz="914400" rtl="0" eaLnBrk="1" latinLnBrk="0" hangingPunct="1">
-              <a:defRPr sz="1800" kern="1200">
-                <a:solidFill>
-                  <a:schemeClr val="tx1"/>
-                </a:solidFill>
-                <a:latin typeface="+mn-lt"/>
-                <a:ea typeface="+mn-ea"/>
-                <a:cs typeface="+mn-cs"/>
-              </a:defRPr>
-            </a:lvl5pPr>
-            <a:lvl6pPr marL="2286000" algn="l" defTabSz="914400" rtl="0" eaLnBrk="1" latinLnBrk="0" hangingPunct="1">
-              <a:defRPr sz="1800" kern="1200">
-                <a:solidFill>
-                  <a:schemeClr val="tx1"/>
-                </a:solidFill>
-                <a:latin typeface="+mn-lt"/>
-                <a:ea typeface="+mn-ea"/>
-                <a:cs typeface="+mn-cs"/>
-              </a:defRPr>
-            </a:lvl6pPr>
-            <a:lvl7pPr marL="2743200" algn="l" defTabSz="914400" rtl="0" eaLnBrk="1" latinLnBrk="0" hangingPunct="1">
-              <a:defRPr sz="1800" kern="1200">
-                <a:solidFill>
-                  <a:schemeClr val="tx1"/>
-                </a:solidFill>
-                <a:latin typeface="+mn-lt"/>
-                <a:ea typeface="+mn-ea"/>
-                <a:cs typeface="+mn-cs"/>
-              </a:defRPr>
-            </a:lvl7pPr>
-            <a:lvl8pPr marL="3200400" algn="l" defTabSz="914400" rtl="0" eaLnBrk="1" latinLnBrk="0" hangingPunct="1">
-              <a:defRPr sz="1800" kern="1200">
-                <a:solidFill>
-                  <a:schemeClr val="tx1"/>
-                </a:solidFill>
-                <a:latin typeface="+mn-lt"/>
-                <a:ea typeface="+mn-ea"/>
-                <a:cs typeface="+mn-cs"/>
-              </a:defRPr>
-            </a:lvl8pPr>
-            <a:lvl9pPr marL="3657600" algn="l" defTabSz="914400" rtl="0" eaLnBrk="1" latinLnBrk="0" hangingPunct="1">
-              <a:defRPr sz="1800" kern="1200">
-                <a:solidFill>
-                  <a:schemeClr val="tx1"/>
-                </a:solidFill>
-                <a:latin typeface="+mn-lt"/>
-                <a:ea typeface="+mn-ea"/>
-                <a:cs typeface="+mn-cs"/>
-              </a:defRPr>
-            </a:lvl9pPr>
-          </a:lstStyle>
-          <a:p>
-            <a:r>
-              <a:rPr lang="en-US" altLang="zh-TW" dirty="0"/>
-              <a:t>TYIC</a:t>
-            </a:r>
-            <a:r>
-              <a:rPr lang="zh-TW" altLang="en-US"/>
-              <a:t>桃高資訊社</a:t>
-            </a:r>
-          </a:p>
-        </p:txBody>
-      </p:sp>
-      <p:sp>
-        <p:nvSpPr>
-          <p:cNvPr id="9" name="投影片編號版面配置區 5">
-            <a:extLst>
-              <a:ext uri="{FF2B5EF4-FFF2-40B4-BE49-F238E27FC236}">
-                <a16:creationId xmlns:a16="http://schemas.microsoft.com/office/drawing/2014/main" id="{7C1B046E-D8B9-4FA8-A126-F87F0D813BB6}"/>
-              </a:ext>
-            </a:extLst>
-          </p:cNvPr>
-          <p:cNvSpPr txBox="1">
-            <a:spLocks/>
-          </p:cNvSpPr>
-          <p:nvPr/>
-        </p:nvSpPr>
-        <p:spPr>
-          <a:xfrm>
-            <a:off x="9448800" y="6492874"/>
-            <a:ext cx="2743200" cy="365125"/>
-          </a:xfrm>
-          <a:prstGeom prst="rect">
-            <a:avLst/>
-          </a:prstGeom>
-        </p:spPr>
-        <p:txBody>
-          <a:bodyPr vert="horz" lIns="91440" tIns="45720" rIns="91440" bIns="45720" rtlCol="0" anchor="ctr"/>
-          <a:lstStyle>
-            <a:defPPr>
-              <a:defRPr lang="zh-TW"/>
-            </a:defPPr>
-            <a:lvl1pPr marL="0" algn="r" defTabSz="914400" rtl="0" eaLnBrk="1" latinLnBrk="0" hangingPunct="1">
-              <a:defRPr sz="1200" kern="1200">
-                <a:solidFill>
-                  <a:schemeClr val="tx1">
-                    <a:tint val="75000"/>
-                  </a:schemeClr>
-                </a:solidFill>
-                <a:latin typeface="+mn-lt"/>
-                <a:ea typeface="+mn-ea"/>
-                <a:cs typeface="+mn-cs"/>
-              </a:defRPr>
-            </a:lvl1pPr>
-            <a:lvl2pPr marL="457200" algn="l" defTabSz="914400" rtl="0" eaLnBrk="1" latinLnBrk="0" hangingPunct="1">
-              <a:defRPr sz="1800" kern="1200">
-                <a:solidFill>
-                  <a:schemeClr val="tx1"/>
-                </a:solidFill>
-                <a:latin typeface="+mn-lt"/>
-                <a:ea typeface="+mn-ea"/>
-                <a:cs typeface="+mn-cs"/>
-              </a:defRPr>
-            </a:lvl2pPr>
-            <a:lvl3pPr marL="914400" algn="l" defTabSz="914400" rtl="0" eaLnBrk="1" latinLnBrk="0" hangingPunct="1">
-              <a:defRPr sz="1800" kern="1200">
-                <a:solidFill>
-                  <a:schemeClr val="tx1"/>
-                </a:solidFill>
-                <a:latin typeface="+mn-lt"/>
-                <a:ea typeface="+mn-ea"/>
-                <a:cs typeface="+mn-cs"/>
-              </a:defRPr>
-            </a:lvl3pPr>
-            <a:lvl4pPr marL="1371600" algn="l" defTabSz="914400" rtl="0" eaLnBrk="1" latinLnBrk="0" hangingPunct="1">
-              <a:defRPr sz="1800" kern="1200">
-                <a:solidFill>
-                  <a:schemeClr val="tx1"/>
-                </a:solidFill>
-                <a:latin typeface="+mn-lt"/>
-                <a:ea typeface="+mn-ea"/>
-                <a:cs typeface="+mn-cs"/>
-              </a:defRPr>
-            </a:lvl4pPr>
-            <a:lvl5pPr marL="1828800" algn="l" defTabSz="914400" rtl="0" eaLnBrk="1" latinLnBrk="0" hangingPunct="1">
-              <a:defRPr sz="1800" kern="1200">
-                <a:solidFill>
-                  <a:schemeClr val="tx1"/>
-                </a:solidFill>
-                <a:latin typeface="+mn-lt"/>
-                <a:ea typeface="+mn-ea"/>
-                <a:cs typeface="+mn-cs"/>
-              </a:defRPr>
-            </a:lvl5pPr>
-            <a:lvl6pPr marL="2286000" algn="l" defTabSz="914400" rtl="0" eaLnBrk="1" latinLnBrk="0" hangingPunct="1">
-              <a:defRPr sz="1800" kern="1200">
-                <a:solidFill>
-                  <a:schemeClr val="tx1"/>
-                </a:solidFill>
-                <a:latin typeface="+mn-lt"/>
-                <a:ea typeface="+mn-ea"/>
-                <a:cs typeface="+mn-cs"/>
-              </a:defRPr>
-            </a:lvl6pPr>
-            <a:lvl7pPr marL="2743200" algn="l" defTabSz="914400" rtl="0" eaLnBrk="1" latinLnBrk="0" hangingPunct="1">
-              <a:defRPr sz="1800" kern="1200">
-                <a:solidFill>
-                  <a:schemeClr val="tx1"/>
-                </a:solidFill>
-                <a:latin typeface="+mn-lt"/>
-                <a:ea typeface="+mn-ea"/>
-                <a:cs typeface="+mn-cs"/>
-              </a:defRPr>
-            </a:lvl7pPr>
-            <a:lvl8pPr marL="3200400" algn="l" defTabSz="914400" rtl="0" eaLnBrk="1" latinLnBrk="0" hangingPunct="1">
-              <a:defRPr sz="1800" kern="1200">
-                <a:solidFill>
-                  <a:schemeClr val="tx1"/>
-                </a:solidFill>
-                <a:latin typeface="+mn-lt"/>
-                <a:ea typeface="+mn-ea"/>
-                <a:cs typeface="+mn-cs"/>
-              </a:defRPr>
-            </a:lvl8pPr>
-            <a:lvl9pPr marL="3657600" algn="l" defTabSz="914400" rtl="0" eaLnBrk="1" latinLnBrk="0" hangingPunct="1">
-              <a:defRPr sz="1800" kern="1200">
-                <a:solidFill>
-                  <a:schemeClr val="tx1"/>
-                </a:solidFill>
-                <a:latin typeface="+mn-lt"/>
-                <a:ea typeface="+mn-ea"/>
-                <a:cs typeface="+mn-cs"/>
-              </a:defRPr>
-            </a:lvl9pPr>
-          </a:lstStyle>
-          <a:p>
-            <a:fld id="{D4328D90-2A6F-4F23-88A8-C5DCC2B5F307}" type="slidenum">
-              <a:rPr lang="zh-TW" altLang="en-US" smtClean="0"/>
-              <a:pPr/>
-              <a:t>‹#›</a:t>
-            </a:fld>
-            <a:endParaRPr lang="zh-TW" altLang="en-US"/>
-          </a:p>
-        </p:txBody>
-      </p:sp>
-    </p:spTree>
-    <p:extLst>
-      <p:ext uri="{BB962C8B-B14F-4D97-AF65-F5344CB8AC3E}">
-        <p14:creationId xmlns:p14="http://schemas.microsoft.com/office/powerpoint/2010/main" val="673285576"/>
-      </p:ext>
-    </p:extLst>
-  </p:cSld>
-  <p:clrMapOvr>
-    <a:masterClrMapping/>
-  </p:clrMapOvr>
-  <p:transition spd="slow">
-    <p:push dir="u"/>
-  </p:transition>
-</p:sldLayout>
-</file>
-
-<file path=ppt/slideLayouts/slideLayout11.xml><?xml version="1.0" encoding="utf-8"?>
-<p:sldLayout xmlns:a="http://schemas.openxmlformats.org/drawingml/2006/main" xmlns:r="http://schemas.openxmlformats.org/officeDocument/2006/relationships" xmlns:p="http://schemas.openxmlformats.org/presentationml/2006/main" type="vertTitleAndTx" preserve="1">
-  <p:cSld name="直排標題及文字">
-    <p:spTree>
-      <p:nvGrpSpPr>
-        <p:cNvPr id="1" name=""/>
-        <p:cNvGrpSpPr/>
-        <p:nvPr/>
-      </p:nvGrpSpPr>
-      <p:grpSpPr>
-        <a:xfrm>
-          <a:off x="0" y="0"/>
-          <a:ext cx="0" cy="0"/>
-          <a:chOff x="0" y="0"/>
-          <a:chExt cx="0" cy="0"/>
-        </a:xfrm>
-      </p:grpSpPr>
-      <p:sp>
-        <p:nvSpPr>
-          <p:cNvPr id="2" name="直排標題 1">
-            <a:extLst>
-              <a:ext uri="{FF2B5EF4-FFF2-40B4-BE49-F238E27FC236}">
-                <a16:creationId xmlns:a16="http://schemas.microsoft.com/office/drawing/2014/main" id="{1BA0FB70-3691-4CFB-B11C-DCA42F242EBA}"/>
-              </a:ext>
-            </a:extLst>
-          </p:cNvPr>
-          <p:cNvSpPr>
-            <a:spLocks noGrp="1"/>
-          </p:cNvSpPr>
-          <p:nvPr>
-            <p:ph type="title" orient="vert"/>
-          </p:nvPr>
-        </p:nvSpPr>
-        <p:spPr>
-          <a:xfrm>
-            <a:off x="8724900" y="365125"/>
-            <a:ext cx="2628900" cy="5811838"/>
-          </a:xfrm>
-        </p:spPr>
-        <p:txBody>
-          <a:bodyPr vert="eaVert"/>
-          <a:lstStyle/>
-          <a:p>
-            <a:r>
-              <a:rPr lang="zh-TW" altLang="en-US"/>
-              <a:t>按一下以編輯母片標題樣式</a:t>
-            </a:r>
-          </a:p>
-        </p:txBody>
-      </p:sp>
-      <p:sp>
-        <p:nvSpPr>
-          <p:cNvPr id="3" name="直排文字版面配置區 2">
-            <a:extLst>
-              <a:ext uri="{FF2B5EF4-FFF2-40B4-BE49-F238E27FC236}">
-                <a16:creationId xmlns:a16="http://schemas.microsoft.com/office/drawing/2014/main" id="{443DC9D4-0B7C-43C6-9ED5-146AB071FB9D}"/>
-              </a:ext>
-            </a:extLst>
-          </p:cNvPr>
-          <p:cNvSpPr>
-            <a:spLocks noGrp="1"/>
-          </p:cNvSpPr>
-          <p:nvPr>
-            <p:ph type="body" orient="vert" idx="1"/>
-          </p:nvPr>
-        </p:nvSpPr>
-        <p:spPr>
-          <a:xfrm>
-            <a:off x="838200" y="365125"/>
-            <a:ext cx="7734300" cy="5811838"/>
-          </a:xfrm>
-        </p:spPr>
-        <p:txBody>
-          <a:bodyPr vert="eaVert"/>
-          <a:lstStyle/>
-          <a:p>
-            <a:pPr lvl="0"/>
-            <a:r>
-              <a:rPr lang="zh-TW" altLang="en-US"/>
-              <a:t>按一下以編輯母片文字樣式</a:t>
-            </a:r>
-          </a:p>
-          <a:p>
-            <a:pPr lvl="1"/>
-            <a:r>
-              <a:rPr lang="zh-TW" altLang="en-US"/>
-              <a:t>第二層</a:t>
-            </a:r>
-          </a:p>
-          <a:p>
-            <a:pPr lvl="2"/>
-            <a:r>
-              <a:rPr lang="zh-TW" altLang="en-US"/>
-              <a:t>第三層</a:t>
-            </a:r>
-          </a:p>
-          <a:p>
-            <a:pPr lvl="3"/>
-            <a:r>
-              <a:rPr lang="zh-TW" altLang="en-US"/>
-              <a:t>第四層</a:t>
-            </a:r>
-          </a:p>
-          <a:p>
-            <a:pPr lvl="4"/>
-            <a:r>
-              <a:rPr lang="zh-TW" altLang="en-US"/>
-              <a:t>第五層</a:t>
-            </a:r>
-          </a:p>
-        </p:txBody>
-      </p:sp>
-      <p:sp>
-        <p:nvSpPr>
-          <p:cNvPr id="7" name="頁尾版面配置區 4">
-            <a:extLst>
-              <a:ext uri="{FF2B5EF4-FFF2-40B4-BE49-F238E27FC236}">
-                <a16:creationId xmlns:a16="http://schemas.microsoft.com/office/drawing/2014/main" id="{C07E68E1-74E8-4B75-8BF6-3AD8D3EC35C4}"/>
-              </a:ext>
-            </a:extLst>
-          </p:cNvPr>
-          <p:cNvSpPr txBox="1">
-            <a:spLocks/>
-          </p:cNvSpPr>
-          <p:nvPr/>
-        </p:nvSpPr>
-        <p:spPr>
-          <a:xfrm>
-            <a:off x="0" y="6492875"/>
-            <a:ext cx="2743200" cy="365125"/>
-          </a:xfrm>
-          <a:prstGeom prst="rect">
-            <a:avLst/>
-          </a:prstGeom>
-        </p:spPr>
-        <p:txBody>
-          <a:bodyPr vert="horz" lIns="91440" tIns="45720" rIns="91440" bIns="45720" rtlCol="0" anchor="ctr"/>
-          <a:lstStyle>
-            <a:defPPr>
-              <a:defRPr lang="zh-TW"/>
-            </a:defPPr>
-            <a:lvl1pPr marL="0" algn="l" defTabSz="914400" rtl="0" eaLnBrk="1" latinLnBrk="0" hangingPunct="1">
-              <a:defRPr sz="1200" kern="1200">
-                <a:solidFill>
-                  <a:schemeClr val="tx1">
-                    <a:tint val="75000"/>
-                  </a:schemeClr>
-                </a:solidFill>
-                <a:latin typeface="+mn-lt"/>
-                <a:ea typeface="+mn-ea"/>
-                <a:cs typeface="+mn-cs"/>
-              </a:defRPr>
-            </a:lvl1pPr>
-            <a:lvl2pPr marL="457200" algn="l" defTabSz="914400" rtl="0" eaLnBrk="1" latinLnBrk="0" hangingPunct="1">
-              <a:defRPr sz="1800" kern="1200">
-                <a:solidFill>
-                  <a:schemeClr val="tx1"/>
-                </a:solidFill>
-                <a:latin typeface="+mn-lt"/>
-                <a:ea typeface="+mn-ea"/>
-                <a:cs typeface="+mn-cs"/>
-              </a:defRPr>
-            </a:lvl2pPr>
-            <a:lvl3pPr marL="914400" algn="l" defTabSz="914400" rtl="0" eaLnBrk="1" latinLnBrk="0" hangingPunct="1">
-              <a:defRPr sz="1800" kern="1200">
-                <a:solidFill>
-                  <a:schemeClr val="tx1"/>
-                </a:solidFill>
-                <a:latin typeface="+mn-lt"/>
-                <a:ea typeface="+mn-ea"/>
-                <a:cs typeface="+mn-cs"/>
-              </a:defRPr>
-            </a:lvl3pPr>
-            <a:lvl4pPr marL="1371600" algn="l" defTabSz="914400" rtl="0" eaLnBrk="1" latinLnBrk="0" hangingPunct="1">
-              <a:defRPr sz="1800" kern="1200">
-                <a:solidFill>
-                  <a:schemeClr val="tx1"/>
-                </a:solidFill>
-                <a:latin typeface="+mn-lt"/>
-                <a:ea typeface="+mn-ea"/>
-                <a:cs typeface="+mn-cs"/>
-              </a:defRPr>
-            </a:lvl4pPr>
-            <a:lvl5pPr marL="1828800" algn="l" defTabSz="914400" rtl="0" eaLnBrk="1" latinLnBrk="0" hangingPunct="1">
-              <a:defRPr sz="1800" kern="1200">
-                <a:solidFill>
-                  <a:schemeClr val="tx1"/>
-                </a:solidFill>
-                <a:latin typeface="+mn-lt"/>
-                <a:ea typeface="+mn-ea"/>
-                <a:cs typeface="+mn-cs"/>
-              </a:defRPr>
-            </a:lvl5pPr>
-            <a:lvl6pPr marL="2286000" algn="l" defTabSz="914400" rtl="0" eaLnBrk="1" latinLnBrk="0" hangingPunct="1">
-              <a:defRPr sz="1800" kern="1200">
-                <a:solidFill>
-                  <a:schemeClr val="tx1"/>
-                </a:solidFill>
-                <a:latin typeface="+mn-lt"/>
-                <a:ea typeface="+mn-ea"/>
-                <a:cs typeface="+mn-cs"/>
-              </a:defRPr>
-            </a:lvl6pPr>
-            <a:lvl7pPr marL="2743200" algn="l" defTabSz="914400" rtl="0" eaLnBrk="1" latinLnBrk="0" hangingPunct="1">
-              <a:defRPr sz="1800" kern="1200">
-                <a:solidFill>
-                  <a:schemeClr val="tx1"/>
-                </a:solidFill>
-                <a:latin typeface="+mn-lt"/>
-                <a:ea typeface="+mn-ea"/>
-                <a:cs typeface="+mn-cs"/>
-              </a:defRPr>
-            </a:lvl7pPr>
-            <a:lvl8pPr marL="3200400" algn="l" defTabSz="914400" rtl="0" eaLnBrk="1" latinLnBrk="0" hangingPunct="1">
-              <a:defRPr sz="1800" kern="1200">
-                <a:solidFill>
-                  <a:schemeClr val="tx1"/>
-                </a:solidFill>
-                <a:latin typeface="+mn-lt"/>
-                <a:ea typeface="+mn-ea"/>
-                <a:cs typeface="+mn-cs"/>
-              </a:defRPr>
-            </a:lvl8pPr>
-            <a:lvl9pPr marL="3657600" algn="l" defTabSz="914400" rtl="0" eaLnBrk="1" latinLnBrk="0" hangingPunct="1">
-              <a:defRPr sz="1800" kern="1200">
-                <a:solidFill>
-                  <a:schemeClr val="tx1"/>
-                </a:solidFill>
-                <a:latin typeface="+mn-lt"/>
-                <a:ea typeface="+mn-ea"/>
-                <a:cs typeface="+mn-cs"/>
-              </a:defRPr>
-            </a:lvl9pPr>
-          </a:lstStyle>
-          <a:p>
-            <a:r>
-              <a:rPr lang="en-US" altLang="zh-TW"/>
-              <a:t>TYIC</a:t>
-            </a:r>
-            <a:r>
-              <a:rPr lang="zh-TW" altLang="en-US"/>
-              <a:t>桃高資訊社</a:t>
-            </a:r>
-          </a:p>
-        </p:txBody>
-      </p:sp>
-      <p:sp>
-        <p:nvSpPr>
-          <p:cNvPr id="8" name="投影片編號版面配置區 5">
-            <a:extLst>
-              <a:ext uri="{FF2B5EF4-FFF2-40B4-BE49-F238E27FC236}">
-                <a16:creationId xmlns:a16="http://schemas.microsoft.com/office/drawing/2014/main" id="{0A141965-84F2-41A3-BCDC-079B065A2E38}"/>
-              </a:ext>
-            </a:extLst>
-          </p:cNvPr>
-          <p:cNvSpPr txBox="1">
-            <a:spLocks/>
-          </p:cNvSpPr>
-          <p:nvPr/>
-        </p:nvSpPr>
-        <p:spPr>
-          <a:xfrm>
-            <a:off x="9448800" y="6492874"/>
-            <a:ext cx="2743200" cy="365125"/>
-          </a:xfrm>
-          <a:prstGeom prst="rect">
-            <a:avLst/>
-          </a:prstGeom>
-        </p:spPr>
-        <p:txBody>
-          <a:bodyPr vert="horz" lIns="91440" tIns="45720" rIns="91440" bIns="45720" rtlCol="0" anchor="ctr"/>
-          <a:lstStyle>
-            <a:defPPr>
-              <a:defRPr lang="zh-TW"/>
-            </a:defPPr>
-            <a:lvl1pPr marL="0" algn="r" defTabSz="914400" rtl="0" eaLnBrk="1" latinLnBrk="0" hangingPunct="1">
-              <a:defRPr sz="1200" kern="1200">
-                <a:solidFill>
-                  <a:schemeClr val="tx1">
-                    <a:tint val="75000"/>
-                  </a:schemeClr>
-                </a:solidFill>
-                <a:latin typeface="+mn-lt"/>
-                <a:ea typeface="+mn-ea"/>
-                <a:cs typeface="+mn-cs"/>
-              </a:defRPr>
-            </a:lvl1pPr>
-            <a:lvl2pPr marL="457200" algn="l" defTabSz="914400" rtl="0" eaLnBrk="1" latinLnBrk="0" hangingPunct="1">
-              <a:defRPr sz="1800" kern="1200">
-                <a:solidFill>
-                  <a:schemeClr val="tx1"/>
-                </a:solidFill>
-                <a:latin typeface="+mn-lt"/>
-                <a:ea typeface="+mn-ea"/>
-                <a:cs typeface="+mn-cs"/>
-              </a:defRPr>
-            </a:lvl2pPr>
-            <a:lvl3pPr marL="914400" algn="l" defTabSz="914400" rtl="0" eaLnBrk="1" latinLnBrk="0" hangingPunct="1">
-              <a:defRPr sz="1800" kern="1200">
-                <a:solidFill>
-                  <a:schemeClr val="tx1"/>
-                </a:solidFill>
-                <a:latin typeface="+mn-lt"/>
-                <a:ea typeface="+mn-ea"/>
-                <a:cs typeface="+mn-cs"/>
-              </a:defRPr>
-            </a:lvl3pPr>
-            <a:lvl4pPr marL="1371600" algn="l" defTabSz="914400" rtl="0" eaLnBrk="1" latinLnBrk="0" hangingPunct="1">
-              <a:defRPr sz="1800" kern="1200">
-                <a:solidFill>
-                  <a:schemeClr val="tx1"/>
-                </a:solidFill>
-                <a:latin typeface="+mn-lt"/>
-                <a:ea typeface="+mn-ea"/>
-                <a:cs typeface="+mn-cs"/>
-              </a:defRPr>
-            </a:lvl4pPr>
-            <a:lvl5pPr marL="1828800" algn="l" defTabSz="914400" rtl="0" eaLnBrk="1" latinLnBrk="0" hangingPunct="1">
-              <a:defRPr sz="1800" kern="1200">
-                <a:solidFill>
-                  <a:schemeClr val="tx1"/>
-                </a:solidFill>
-                <a:latin typeface="+mn-lt"/>
-                <a:ea typeface="+mn-ea"/>
-                <a:cs typeface="+mn-cs"/>
-              </a:defRPr>
-            </a:lvl5pPr>
-            <a:lvl6pPr marL="2286000" algn="l" defTabSz="914400" rtl="0" eaLnBrk="1" latinLnBrk="0" hangingPunct="1">
-              <a:defRPr sz="1800" kern="1200">
-                <a:solidFill>
-                  <a:schemeClr val="tx1"/>
-                </a:solidFill>
-                <a:latin typeface="+mn-lt"/>
-                <a:ea typeface="+mn-ea"/>
-                <a:cs typeface="+mn-cs"/>
-              </a:defRPr>
-            </a:lvl6pPr>
-            <a:lvl7pPr marL="2743200" algn="l" defTabSz="914400" rtl="0" eaLnBrk="1" latinLnBrk="0" hangingPunct="1">
-              <a:defRPr sz="1800" kern="1200">
-                <a:solidFill>
-                  <a:schemeClr val="tx1"/>
-                </a:solidFill>
-                <a:latin typeface="+mn-lt"/>
-                <a:ea typeface="+mn-ea"/>
-                <a:cs typeface="+mn-cs"/>
-              </a:defRPr>
-            </a:lvl7pPr>
-            <a:lvl8pPr marL="3200400" algn="l" defTabSz="914400" rtl="0" eaLnBrk="1" latinLnBrk="0" hangingPunct="1">
-              <a:defRPr sz="1800" kern="1200">
-                <a:solidFill>
-                  <a:schemeClr val="tx1"/>
-                </a:solidFill>
-                <a:latin typeface="+mn-lt"/>
-                <a:ea typeface="+mn-ea"/>
-                <a:cs typeface="+mn-cs"/>
-              </a:defRPr>
-            </a:lvl8pPr>
-            <a:lvl9pPr marL="3657600" algn="l" defTabSz="914400" rtl="0" eaLnBrk="1" latinLnBrk="0" hangingPunct="1">
-              <a:defRPr sz="1800" kern="1200">
-                <a:solidFill>
-                  <a:schemeClr val="tx1"/>
-                </a:solidFill>
-                <a:latin typeface="+mn-lt"/>
-                <a:ea typeface="+mn-ea"/>
-                <a:cs typeface="+mn-cs"/>
-              </a:defRPr>
-            </a:lvl9pPr>
-          </a:lstStyle>
-          <a:p>
-            <a:fld id="{D4328D90-2A6F-4F23-88A8-C5DCC2B5F307}" type="slidenum">
-              <a:rPr lang="zh-TW" altLang="en-US" smtClean="0"/>
-              <a:pPr/>
-              <a:t>‹#›</a:t>
-            </a:fld>
-            <a:endParaRPr lang="zh-TW" altLang="en-US"/>
-          </a:p>
-        </p:txBody>
-      </p:sp>
-      <p:sp>
-        <p:nvSpPr>
-          <p:cNvPr id="6" name="頁尾版面配置區 4">
-            <a:extLst>
-              <a:ext uri="{FF2B5EF4-FFF2-40B4-BE49-F238E27FC236}">
-                <a16:creationId xmlns:a16="http://schemas.microsoft.com/office/drawing/2014/main" id="{34401409-FF0A-4514-8915-53F19DD13094}"/>
-              </a:ext>
-            </a:extLst>
-          </p:cNvPr>
-          <p:cNvSpPr txBox="1">
-            <a:spLocks/>
-          </p:cNvSpPr>
-          <p:nvPr/>
-        </p:nvSpPr>
-        <p:spPr>
-          <a:xfrm>
-            <a:off x="0" y="6492875"/>
-            <a:ext cx="2743200" cy="365125"/>
-          </a:xfrm>
-          <a:prstGeom prst="rect">
-            <a:avLst/>
-          </a:prstGeom>
-        </p:spPr>
-        <p:txBody>
-          <a:bodyPr vert="horz" lIns="91440" tIns="45720" rIns="91440" bIns="45720" rtlCol="0" anchor="ctr"/>
-          <a:lstStyle>
-            <a:defPPr>
-              <a:defRPr lang="zh-TW"/>
-            </a:defPPr>
-            <a:lvl1pPr marL="0" algn="l" defTabSz="914400" rtl="0" eaLnBrk="1" latinLnBrk="0" hangingPunct="1">
-              <a:defRPr sz="1200" kern="1200">
-                <a:solidFill>
-                  <a:schemeClr val="tx1">
-                    <a:tint val="75000"/>
-                  </a:schemeClr>
-                </a:solidFill>
-                <a:latin typeface="+mn-lt"/>
-                <a:ea typeface="+mn-ea"/>
-                <a:cs typeface="+mn-cs"/>
-              </a:defRPr>
-            </a:lvl1pPr>
-            <a:lvl2pPr marL="457200" algn="l" defTabSz="914400" rtl="0" eaLnBrk="1" latinLnBrk="0" hangingPunct="1">
-              <a:defRPr sz="1800" kern="1200">
-                <a:solidFill>
-                  <a:schemeClr val="tx1"/>
-                </a:solidFill>
-                <a:latin typeface="+mn-lt"/>
-                <a:ea typeface="+mn-ea"/>
-                <a:cs typeface="+mn-cs"/>
-              </a:defRPr>
-            </a:lvl2pPr>
-            <a:lvl3pPr marL="914400" algn="l" defTabSz="914400" rtl="0" eaLnBrk="1" latinLnBrk="0" hangingPunct="1">
-              <a:defRPr sz="1800" kern="1200">
-                <a:solidFill>
-                  <a:schemeClr val="tx1"/>
-                </a:solidFill>
-                <a:latin typeface="+mn-lt"/>
-                <a:ea typeface="+mn-ea"/>
-                <a:cs typeface="+mn-cs"/>
-              </a:defRPr>
-            </a:lvl3pPr>
-            <a:lvl4pPr marL="1371600" algn="l" defTabSz="914400" rtl="0" eaLnBrk="1" latinLnBrk="0" hangingPunct="1">
-              <a:defRPr sz="1800" kern="1200">
-                <a:solidFill>
-                  <a:schemeClr val="tx1"/>
-                </a:solidFill>
-                <a:latin typeface="+mn-lt"/>
-                <a:ea typeface="+mn-ea"/>
-                <a:cs typeface="+mn-cs"/>
-              </a:defRPr>
-            </a:lvl4pPr>
-            <a:lvl5pPr marL="1828800" algn="l" defTabSz="914400" rtl="0" eaLnBrk="1" latinLnBrk="0" hangingPunct="1">
-              <a:defRPr sz="1800" kern="1200">
-                <a:solidFill>
-                  <a:schemeClr val="tx1"/>
-                </a:solidFill>
-                <a:latin typeface="+mn-lt"/>
-                <a:ea typeface="+mn-ea"/>
-                <a:cs typeface="+mn-cs"/>
-              </a:defRPr>
-            </a:lvl5pPr>
-            <a:lvl6pPr marL="2286000" algn="l" defTabSz="914400" rtl="0" eaLnBrk="1" latinLnBrk="0" hangingPunct="1">
-              <a:defRPr sz="1800" kern="1200">
-                <a:solidFill>
-                  <a:schemeClr val="tx1"/>
-                </a:solidFill>
-                <a:latin typeface="+mn-lt"/>
-                <a:ea typeface="+mn-ea"/>
-                <a:cs typeface="+mn-cs"/>
-              </a:defRPr>
-            </a:lvl6pPr>
-            <a:lvl7pPr marL="2743200" algn="l" defTabSz="914400" rtl="0" eaLnBrk="1" latinLnBrk="0" hangingPunct="1">
-              <a:defRPr sz="1800" kern="1200">
-                <a:solidFill>
-                  <a:schemeClr val="tx1"/>
-                </a:solidFill>
-                <a:latin typeface="+mn-lt"/>
-                <a:ea typeface="+mn-ea"/>
-                <a:cs typeface="+mn-cs"/>
-              </a:defRPr>
-            </a:lvl7pPr>
-            <a:lvl8pPr marL="3200400" algn="l" defTabSz="914400" rtl="0" eaLnBrk="1" latinLnBrk="0" hangingPunct="1">
-              <a:defRPr sz="1800" kern="1200">
-                <a:solidFill>
-                  <a:schemeClr val="tx1"/>
-                </a:solidFill>
-                <a:latin typeface="+mn-lt"/>
-                <a:ea typeface="+mn-ea"/>
-                <a:cs typeface="+mn-cs"/>
-              </a:defRPr>
-            </a:lvl8pPr>
-            <a:lvl9pPr marL="3657600" algn="l" defTabSz="914400" rtl="0" eaLnBrk="1" latinLnBrk="0" hangingPunct="1">
-              <a:defRPr sz="1800" kern="1200">
-                <a:solidFill>
-                  <a:schemeClr val="tx1"/>
-                </a:solidFill>
-                <a:latin typeface="+mn-lt"/>
-                <a:ea typeface="+mn-ea"/>
-                <a:cs typeface="+mn-cs"/>
-              </a:defRPr>
-            </a:lvl9pPr>
-          </a:lstStyle>
-          <a:p>
-            <a:r>
-              <a:rPr lang="en-US" altLang="zh-TW" dirty="0"/>
-              <a:t>TYIC</a:t>
-            </a:r>
-            <a:r>
-              <a:rPr lang="zh-TW" altLang="en-US"/>
-              <a:t>桃高資訊社</a:t>
-            </a:r>
-          </a:p>
-        </p:txBody>
-      </p:sp>
-      <p:sp>
-        <p:nvSpPr>
-          <p:cNvPr id="9" name="投影片編號版面配置區 5">
-            <a:extLst>
-              <a:ext uri="{FF2B5EF4-FFF2-40B4-BE49-F238E27FC236}">
-                <a16:creationId xmlns:a16="http://schemas.microsoft.com/office/drawing/2014/main" id="{FB25D919-C7D1-4A41-8D37-72F630F4A97B}"/>
-              </a:ext>
-            </a:extLst>
-          </p:cNvPr>
-          <p:cNvSpPr txBox="1">
-            <a:spLocks/>
-          </p:cNvSpPr>
-          <p:nvPr/>
-        </p:nvSpPr>
-        <p:spPr>
-          <a:xfrm>
-            <a:off x="9448800" y="6492874"/>
-            <a:ext cx="2743200" cy="365125"/>
-          </a:xfrm>
-          <a:prstGeom prst="rect">
-            <a:avLst/>
-          </a:prstGeom>
-        </p:spPr>
-        <p:txBody>
-          <a:bodyPr vert="horz" lIns="91440" tIns="45720" rIns="91440" bIns="45720" rtlCol="0" anchor="ctr"/>
-          <a:lstStyle>
-            <a:defPPr>
-              <a:defRPr lang="zh-TW"/>
-            </a:defPPr>
-            <a:lvl1pPr marL="0" algn="r" defTabSz="914400" rtl="0" eaLnBrk="1" latinLnBrk="0" hangingPunct="1">
-              <a:defRPr sz="1200" kern="1200">
-                <a:solidFill>
-                  <a:schemeClr val="tx1">
-                    <a:tint val="75000"/>
-                  </a:schemeClr>
-                </a:solidFill>
-                <a:latin typeface="+mn-lt"/>
-                <a:ea typeface="+mn-ea"/>
-                <a:cs typeface="+mn-cs"/>
-              </a:defRPr>
-            </a:lvl1pPr>
-            <a:lvl2pPr marL="457200" algn="l" defTabSz="914400" rtl="0" eaLnBrk="1" latinLnBrk="0" hangingPunct="1">
-              <a:defRPr sz="1800" kern="1200">
-                <a:solidFill>
-                  <a:schemeClr val="tx1"/>
-                </a:solidFill>
-                <a:latin typeface="+mn-lt"/>
-                <a:ea typeface="+mn-ea"/>
-                <a:cs typeface="+mn-cs"/>
-              </a:defRPr>
-            </a:lvl2pPr>
-            <a:lvl3pPr marL="914400" algn="l" defTabSz="914400" rtl="0" eaLnBrk="1" latinLnBrk="0" hangingPunct="1">
-              <a:defRPr sz="1800" kern="1200">
-                <a:solidFill>
-                  <a:schemeClr val="tx1"/>
-                </a:solidFill>
-                <a:latin typeface="+mn-lt"/>
-                <a:ea typeface="+mn-ea"/>
-                <a:cs typeface="+mn-cs"/>
-              </a:defRPr>
-            </a:lvl3pPr>
-            <a:lvl4pPr marL="1371600" algn="l" defTabSz="914400" rtl="0" eaLnBrk="1" latinLnBrk="0" hangingPunct="1">
-              <a:defRPr sz="1800" kern="1200">
-                <a:solidFill>
-                  <a:schemeClr val="tx1"/>
-                </a:solidFill>
-                <a:latin typeface="+mn-lt"/>
-                <a:ea typeface="+mn-ea"/>
-                <a:cs typeface="+mn-cs"/>
-              </a:defRPr>
-            </a:lvl4pPr>
-            <a:lvl5pPr marL="1828800" algn="l" defTabSz="914400" rtl="0" eaLnBrk="1" latinLnBrk="0" hangingPunct="1">
-              <a:defRPr sz="1800" kern="1200">
-                <a:solidFill>
-                  <a:schemeClr val="tx1"/>
-                </a:solidFill>
-                <a:latin typeface="+mn-lt"/>
-                <a:ea typeface="+mn-ea"/>
-                <a:cs typeface="+mn-cs"/>
-              </a:defRPr>
-            </a:lvl5pPr>
-            <a:lvl6pPr marL="2286000" algn="l" defTabSz="914400" rtl="0" eaLnBrk="1" latinLnBrk="0" hangingPunct="1">
-              <a:defRPr sz="1800" kern="1200">
-                <a:solidFill>
-                  <a:schemeClr val="tx1"/>
-                </a:solidFill>
-                <a:latin typeface="+mn-lt"/>
-                <a:ea typeface="+mn-ea"/>
-                <a:cs typeface="+mn-cs"/>
-              </a:defRPr>
-            </a:lvl6pPr>
-            <a:lvl7pPr marL="2743200" algn="l" defTabSz="914400" rtl="0" eaLnBrk="1" latinLnBrk="0" hangingPunct="1">
-              <a:defRPr sz="1800" kern="1200">
-                <a:solidFill>
-                  <a:schemeClr val="tx1"/>
-                </a:solidFill>
-                <a:latin typeface="+mn-lt"/>
-                <a:ea typeface="+mn-ea"/>
-                <a:cs typeface="+mn-cs"/>
-              </a:defRPr>
-            </a:lvl7pPr>
-            <a:lvl8pPr marL="3200400" algn="l" defTabSz="914400" rtl="0" eaLnBrk="1" latinLnBrk="0" hangingPunct="1">
-              <a:defRPr sz="1800" kern="1200">
-                <a:solidFill>
-                  <a:schemeClr val="tx1"/>
-                </a:solidFill>
-                <a:latin typeface="+mn-lt"/>
-                <a:ea typeface="+mn-ea"/>
-                <a:cs typeface="+mn-cs"/>
-              </a:defRPr>
-            </a:lvl8pPr>
-            <a:lvl9pPr marL="3657600" algn="l" defTabSz="914400" rtl="0" eaLnBrk="1" latinLnBrk="0" hangingPunct="1">
-              <a:defRPr sz="1800" kern="1200">
-                <a:solidFill>
-                  <a:schemeClr val="tx1"/>
-                </a:solidFill>
-                <a:latin typeface="+mn-lt"/>
-                <a:ea typeface="+mn-ea"/>
-                <a:cs typeface="+mn-cs"/>
-              </a:defRPr>
-            </a:lvl9pPr>
-          </a:lstStyle>
-          <a:p>
-            <a:fld id="{D4328D90-2A6F-4F23-88A8-C5DCC2B5F307}" type="slidenum">
-              <a:rPr lang="zh-TW" altLang="en-US" smtClean="0"/>
-              <a:pPr/>
-              <a:t>‹#›</a:t>
-            </a:fld>
-            <a:endParaRPr lang="zh-TW" altLang="en-US"/>
-          </a:p>
-        </p:txBody>
-      </p:sp>
-    </p:spTree>
-    <p:extLst>
-      <p:ext uri="{BB962C8B-B14F-4D97-AF65-F5344CB8AC3E}">
-        <p14:creationId xmlns:p14="http://schemas.microsoft.com/office/powerpoint/2010/main" val="3842007272"/>
-      </p:ext>
-    </p:extLst>
-  </p:cSld>
-  <p:clrMapOvr>
-    <a:masterClrMapping/>
-  </p:clrMapOvr>
-  <p:transition spd="slow">
-    <p:push dir="u"/>
-  </p:transition>
-</p:sldLayout>
-</file>
-
-<file path=ppt/slideLayouts/slideLayout12.xml><?xml version="1.0" encoding="utf-8"?>
-<p:sldLayout xmlns:a="http://schemas.openxmlformats.org/drawingml/2006/main" xmlns:r="http://schemas.openxmlformats.org/officeDocument/2006/relationships" xmlns:p="http://schemas.openxmlformats.org/presentationml/2006/main" preserve="1">
-  <p:cSld name="1_標題投影片">
-    <p:spTree>
-      <p:nvGrpSpPr>
-        <p:cNvPr id="1" name=""/>
-        <p:cNvGrpSpPr/>
-        <p:nvPr/>
-      </p:nvGrpSpPr>
-      <p:grpSpPr>
-        <a:xfrm>
-          <a:off x="0" y="0"/>
-          <a:ext cx="0" cy="0"/>
-          <a:chOff x="0" y="0"/>
-          <a:chExt cx="0" cy="0"/>
-        </a:xfrm>
-      </p:grpSpPr>
-      <p:sp>
-        <p:nvSpPr>
-          <p:cNvPr id="2" name="標題 1">
-            <a:extLst>
-              <a:ext uri="{FF2B5EF4-FFF2-40B4-BE49-F238E27FC236}">
-                <a16:creationId xmlns:a16="http://schemas.microsoft.com/office/drawing/2014/main" id="{2EB502BE-089D-4633-B90E-46A3D4FB7D4E}"/>
-              </a:ext>
-            </a:extLst>
-          </p:cNvPr>
-          <p:cNvSpPr>
-            <a:spLocks noGrp="1"/>
-          </p:cNvSpPr>
-          <p:nvPr>
-            <p:ph type="ctrTitle"/>
-          </p:nvPr>
-        </p:nvSpPr>
-        <p:spPr>
-          <a:xfrm>
-            <a:off x="1524000" y="1122363"/>
-            <a:ext cx="9144000" cy="2387600"/>
-          </a:xfrm>
-        </p:spPr>
-        <p:txBody>
-          <a:bodyPr anchor="b"/>
-          <a:lstStyle>
-            <a:lvl1pPr algn="ctr">
-              <a:defRPr sz="6000"/>
-            </a:lvl1pPr>
-          </a:lstStyle>
-          <a:p>
-            <a:r>
-              <a:rPr lang="zh-TW" altLang="en-US"/>
-              <a:t>按一下以編輯母片標題樣式</a:t>
-            </a:r>
-          </a:p>
-        </p:txBody>
-      </p:sp>
-      <p:sp>
-        <p:nvSpPr>
-          <p:cNvPr id="3" name="副標題 2">
-            <a:extLst>
-              <a:ext uri="{FF2B5EF4-FFF2-40B4-BE49-F238E27FC236}">
-                <a16:creationId xmlns:a16="http://schemas.microsoft.com/office/drawing/2014/main" id="{471674D0-0840-4D4C-93FB-3ABDEB2CAD45}"/>
-              </a:ext>
-            </a:extLst>
-          </p:cNvPr>
-          <p:cNvSpPr>
-            <a:spLocks noGrp="1"/>
-          </p:cNvSpPr>
-          <p:nvPr>
-            <p:ph type="subTitle" idx="1"/>
-          </p:nvPr>
-        </p:nvSpPr>
-        <p:spPr>
-          <a:xfrm>
-            <a:off x="1524000" y="3602038"/>
-            <a:ext cx="9144000" cy="1655762"/>
-          </a:xfrm>
-        </p:spPr>
-        <p:txBody>
-          <a:bodyPr/>
-          <a:lstStyle>
-            <a:lvl1pPr marL="0" indent="0" algn="ctr">
-              <a:buNone/>
-              <a:defRPr sz="2400"/>
-            </a:lvl1pPr>
-            <a:lvl2pPr marL="457200" indent="0" algn="ctr">
-              <a:buNone/>
-              <a:defRPr sz="2000"/>
-            </a:lvl2pPr>
-            <a:lvl3pPr marL="914400" indent="0" algn="ctr">
-              <a:buNone/>
-              <a:defRPr sz="1800"/>
-            </a:lvl3pPr>
-            <a:lvl4pPr marL="1371600" indent="0" algn="ctr">
-              <a:buNone/>
-              <a:defRPr sz="1600"/>
-            </a:lvl4pPr>
-            <a:lvl5pPr marL="1828800" indent="0" algn="ctr">
-              <a:buNone/>
-              <a:defRPr sz="1600"/>
-            </a:lvl5pPr>
-            <a:lvl6pPr marL="2286000" indent="0" algn="ctr">
-              <a:buNone/>
-              <a:defRPr sz="1600"/>
-            </a:lvl6pPr>
-            <a:lvl7pPr marL="2743200" indent="0" algn="ctr">
-              <a:buNone/>
-              <a:defRPr sz="1600"/>
-            </a:lvl7pPr>
-            <a:lvl8pPr marL="3200400" indent="0" algn="ctr">
-              <a:buNone/>
-              <a:defRPr sz="1600"/>
-            </a:lvl8pPr>
-            <a:lvl9pPr marL="3657600" indent="0" algn="ctr">
-              <a:buNone/>
-              <a:defRPr sz="1600"/>
-            </a:lvl9pPr>
-          </a:lstStyle>
-          <a:p>
-            <a:r>
-              <a:rPr lang="zh-TW" altLang="en-US"/>
-              <a:t>按一下以編輯母片子標題樣式</a:t>
-            </a:r>
-          </a:p>
-        </p:txBody>
-      </p:sp>
-    </p:spTree>
-    <p:extLst>
-      <p:ext uri="{BB962C8B-B14F-4D97-AF65-F5344CB8AC3E}">
-        <p14:creationId xmlns:p14="http://schemas.microsoft.com/office/powerpoint/2010/main" val="2530451270"/>
+        <p14:creationId xmlns:p14="http://schemas.microsoft.com/office/powerpoint/2010/main" val="225728378"/>
       </p:ext>
     </p:extLst>
   </p:cSld>
@@ -2460,7 +1010,7 @@
             </a:r>
             <a:r>
               <a:rPr lang="zh-TW" altLang="en-US"/>
-              <a:t>桃高資訊社</a:t>
+              <a:t> 桃高資訊社</a:t>
             </a:r>
           </a:p>
         </p:txBody>
@@ -2597,276 +1147,10 @@
           </a:p>
         </p:txBody>
       </p:sp>
-      <p:sp>
-        <p:nvSpPr>
-          <p:cNvPr id="6" name="頁尾版面配置區 4">
-            <a:extLst>
-              <a:ext uri="{FF2B5EF4-FFF2-40B4-BE49-F238E27FC236}">
-                <a16:creationId xmlns:a16="http://schemas.microsoft.com/office/drawing/2014/main" id="{4EFEB44B-B18F-472F-97B4-61D1CE94D3C7}"/>
-              </a:ext>
-            </a:extLst>
-          </p:cNvPr>
-          <p:cNvSpPr txBox="1">
-            <a:spLocks/>
-          </p:cNvSpPr>
-          <p:nvPr/>
-        </p:nvSpPr>
-        <p:spPr>
-          <a:xfrm>
-            <a:off x="0" y="6492875"/>
-            <a:ext cx="2743200" cy="365125"/>
-          </a:xfrm>
-          <a:prstGeom prst="rect">
-            <a:avLst/>
-          </a:prstGeom>
-        </p:spPr>
-        <p:txBody>
-          <a:bodyPr vert="horz" lIns="91440" tIns="45720" rIns="91440" bIns="45720" rtlCol="0" anchor="ctr"/>
-          <a:lstStyle>
-            <a:defPPr>
-              <a:defRPr lang="zh-TW"/>
-            </a:defPPr>
-            <a:lvl1pPr marL="0" algn="l" defTabSz="914400" rtl="0" eaLnBrk="1" latinLnBrk="0" hangingPunct="1">
-              <a:defRPr sz="1200" kern="1200">
-                <a:solidFill>
-                  <a:schemeClr val="tx1">
-                    <a:tint val="75000"/>
-                  </a:schemeClr>
-                </a:solidFill>
-                <a:latin typeface="+mn-lt"/>
-                <a:ea typeface="+mn-ea"/>
-                <a:cs typeface="+mn-cs"/>
-              </a:defRPr>
-            </a:lvl1pPr>
-            <a:lvl2pPr marL="457200" algn="l" defTabSz="914400" rtl="0" eaLnBrk="1" latinLnBrk="0" hangingPunct="1">
-              <a:defRPr sz="1800" kern="1200">
-                <a:solidFill>
-                  <a:schemeClr val="tx1"/>
-                </a:solidFill>
-                <a:latin typeface="+mn-lt"/>
-                <a:ea typeface="+mn-ea"/>
-                <a:cs typeface="+mn-cs"/>
-              </a:defRPr>
-            </a:lvl2pPr>
-            <a:lvl3pPr marL="914400" algn="l" defTabSz="914400" rtl="0" eaLnBrk="1" latinLnBrk="0" hangingPunct="1">
-              <a:defRPr sz="1800" kern="1200">
-                <a:solidFill>
-                  <a:schemeClr val="tx1"/>
-                </a:solidFill>
-                <a:latin typeface="+mn-lt"/>
-                <a:ea typeface="+mn-ea"/>
-                <a:cs typeface="+mn-cs"/>
-              </a:defRPr>
-            </a:lvl3pPr>
-            <a:lvl4pPr marL="1371600" algn="l" defTabSz="914400" rtl="0" eaLnBrk="1" latinLnBrk="0" hangingPunct="1">
-              <a:defRPr sz="1800" kern="1200">
-                <a:solidFill>
-                  <a:schemeClr val="tx1"/>
-                </a:solidFill>
-                <a:latin typeface="+mn-lt"/>
-                <a:ea typeface="+mn-ea"/>
-                <a:cs typeface="+mn-cs"/>
-              </a:defRPr>
-            </a:lvl4pPr>
-            <a:lvl5pPr marL="1828800" algn="l" defTabSz="914400" rtl="0" eaLnBrk="1" latinLnBrk="0" hangingPunct="1">
-              <a:defRPr sz="1800" kern="1200">
-                <a:solidFill>
-                  <a:schemeClr val="tx1"/>
-                </a:solidFill>
-                <a:latin typeface="+mn-lt"/>
-                <a:ea typeface="+mn-ea"/>
-                <a:cs typeface="+mn-cs"/>
-              </a:defRPr>
-            </a:lvl5pPr>
-            <a:lvl6pPr marL="2286000" algn="l" defTabSz="914400" rtl="0" eaLnBrk="1" latinLnBrk="0" hangingPunct="1">
-              <a:defRPr sz="1800" kern="1200">
-                <a:solidFill>
-                  <a:schemeClr val="tx1"/>
-                </a:solidFill>
-                <a:latin typeface="+mn-lt"/>
-                <a:ea typeface="+mn-ea"/>
-                <a:cs typeface="+mn-cs"/>
-              </a:defRPr>
-            </a:lvl6pPr>
-            <a:lvl7pPr marL="2743200" algn="l" defTabSz="914400" rtl="0" eaLnBrk="1" latinLnBrk="0" hangingPunct="1">
-              <a:defRPr sz="1800" kern="1200">
-                <a:solidFill>
-                  <a:schemeClr val="tx1"/>
-                </a:solidFill>
-                <a:latin typeface="+mn-lt"/>
-                <a:ea typeface="+mn-ea"/>
-                <a:cs typeface="+mn-cs"/>
-              </a:defRPr>
-            </a:lvl7pPr>
-            <a:lvl8pPr marL="3200400" algn="l" defTabSz="914400" rtl="0" eaLnBrk="1" latinLnBrk="0" hangingPunct="1">
-              <a:defRPr sz="1800" kern="1200">
-                <a:solidFill>
-                  <a:schemeClr val="tx1"/>
-                </a:solidFill>
-                <a:latin typeface="+mn-lt"/>
-                <a:ea typeface="+mn-ea"/>
-                <a:cs typeface="+mn-cs"/>
-              </a:defRPr>
-            </a:lvl8pPr>
-            <a:lvl9pPr marL="3657600" algn="l" defTabSz="914400" rtl="0" eaLnBrk="1" latinLnBrk="0" hangingPunct="1">
-              <a:defRPr sz="1800" kern="1200">
-                <a:solidFill>
-                  <a:schemeClr val="tx1"/>
-                </a:solidFill>
-                <a:latin typeface="+mn-lt"/>
-                <a:ea typeface="+mn-ea"/>
-                <a:cs typeface="+mn-cs"/>
-              </a:defRPr>
-            </a:lvl9pPr>
-          </a:lstStyle>
-          <a:p>
-            <a:r>
-              <a:rPr lang="en-US" altLang="zh-TW" dirty="0"/>
-              <a:t>TYIC</a:t>
-            </a:r>
-            <a:r>
-              <a:rPr lang="zh-TW" altLang="en-US"/>
-              <a:t>桃高資訊社</a:t>
-            </a:r>
-          </a:p>
-        </p:txBody>
-      </p:sp>
-      <p:sp>
-        <p:nvSpPr>
-          <p:cNvPr id="9" name="投影片編號版面配置區 5">
-            <a:extLst>
-              <a:ext uri="{FF2B5EF4-FFF2-40B4-BE49-F238E27FC236}">
-                <a16:creationId xmlns:a16="http://schemas.microsoft.com/office/drawing/2014/main" id="{402E92B5-4BB1-4E6F-A32C-6E1A69B65B9E}"/>
-              </a:ext>
-            </a:extLst>
-          </p:cNvPr>
-          <p:cNvSpPr txBox="1">
-            <a:spLocks/>
-          </p:cNvSpPr>
-          <p:nvPr/>
-        </p:nvSpPr>
-        <p:spPr>
-          <a:xfrm>
-            <a:off x="9448800" y="6492874"/>
-            <a:ext cx="2743200" cy="365125"/>
-          </a:xfrm>
-          <a:prstGeom prst="rect">
-            <a:avLst/>
-          </a:prstGeom>
-        </p:spPr>
-        <p:txBody>
-          <a:bodyPr vert="horz" lIns="91440" tIns="45720" rIns="91440" bIns="45720" rtlCol="0" anchor="ctr"/>
-          <a:lstStyle>
-            <a:defPPr>
-              <a:defRPr lang="zh-TW"/>
-            </a:defPPr>
-            <a:lvl1pPr marL="0" algn="r" defTabSz="914400" rtl="0" eaLnBrk="1" latinLnBrk="0" hangingPunct="1">
-              <a:defRPr sz="1200" kern="1200">
-                <a:solidFill>
-                  <a:schemeClr val="tx1">
-                    <a:tint val="75000"/>
-                  </a:schemeClr>
-                </a:solidFill>
-                <a:latin typeface="+mn-lt"/>
-                <a:ea typeface="+mn-ea"/>
-                <a:cs typeface="+mn-cs"/>
-              </a:defRPr>
-            </a:lvl1pPr>
-            <a:lvl2pPr marL="457200" algn="l" defTabSz="914400" rtl="0" eaLnBrk="1" latinLnBrk="0" hangingPunct="1">
-              <a:defRPr sz="1800" kern="1200">
-                <a:solidFill>
-                  <a:schemeClr val="tx1"/>
-                </a:solidFill>
-                <a:latin typeface="+mn-lt"/>
-                <a:ea typeface="+mn-ea"/>
-                <a:cs typeface="+mn-cs"/>
-              </a:defRPr>
-            </a:lvl2pPr>
-            <a:lvl3pPr marL="914400" algn="l" defTabSz="914400" rtl="0" eaLnBrk="1" latinLnBrk="0" hangingPunct="1">
-              <a:defRPr sz="1800" kern="1200">
-                <a:solidFill>
-                  <a:schemeClr val="tx1"/>
-                </a:solidFill>
-                <a:latin typeface="+mn-lt"/>
-                <a:ea typeface="+mn-ea"/>
-                <a:cs typeface="+mn-cs"/>
-              </a:defRPr>
-            </a:lvl3pPr>
-            <a:lvl4pPr marL="1371600" algn="l" defTabSz="914400" rtl="0" eaLnBrk="1" latinLnBrk="0" hangingPunct="1">
-              <a:defRPr sz="1800" kern="1200">
-                <a:solidFill>
-                  <a:schemeClr val="tx1"/>
-                </a:solidFill>
-                <a:latin typeface="+mn-lt"/>
-                <a:ea typeface="+mn-ea"/>
-                <a:cs typeface="+mn-cs"/>
-              </a:defRPr>
-            </a:lvl4pPr>
-            <a:lvl5pPr marL="1828800" algn="l" defTabSz="914400" rtl="0" eaLnBrk="1" latinLnBrk="0" hangingPunct="1">
-              <a:defRPr sz="1800" kern="1200">
-                <a:solidFill>
-                  <a:schemeClr val="tx1"/>
-                </a:solidFill>
-                <a:latin typeface="+mn-lt"/>
-                <a:ea typeface="+mn-ea"/>
-                <a:cs typeface="+mn-cs"/>
-              </a:defRPr>
-            </a:lvl5pPr>
-            <a:lvl6pPr marL="2286000" algn="l" defTabSz="914400" rtl="0" eaLnBrk="1" latinLnBrk="0" hangingPunct="1">
-              <a:defRPr sz="1800" kern="1200">
-                <a:solidFill>
-                  <a:schemeClr val="tx1"/>
-                </a:solidFill>
-                <a:latin typeface="+mn-lt"/>
-                <a:ea typeface="+mn-ea"/>
-                <a:cs typeface="+mn-cs"/>
-              </a:defRPr>
-            </a:lvl6pPr>
-            <a:lvl7pPr marL="2743200" algn="l" defTabSz="914400" rtl="0" eaLnBrk="1" latinLnBrk="0" hangingPunct="1">
-              <a:defRPr sz="1800" kern="1200">
-                <a:solidFill>
-                  <a:schemeClr val="tx1"/>
-                </a:solidFill>
-                <a:latin typeface="+mn-lt"/>
-                <a:ea typeface="+mn-ea"/>
-                <a:cs typeface="+mn-cs"/>
-              </a:defRPr>
-            </a:lvl7pPr>
-            <a:lvl8pPr marL="3200400" algn="l" defTabSz="914400" rtl="0" eaLnBrk="1" latinLnBrk="0" hangingPunct="1">
-              <a:defRPr sz="1800" kern="1200">
-                <a:solidFill>
-                  <a:schemeClr val="tx1"/>
-                </a:solidFill>
-                <a:latin typeface="+mn-lt"/>
-                <a:ea typeface="+mn-ea"/>
-                <a:cs typeface="+mn-cs"/>
-              </a:defRPr>
-            </a:lvl8pPr>
-            <a:lvl9pPr marL="3657600" algn="l" defTabSz="914400" rtl="0" eaLnBrk="1" latinLnBrk="0" hangingPunct="1">
-              <a:defRPr sz="1800" kern="1200">
-                <a:solidFill>
-                  <a:schemeClr val="tx1"/>
-                </a:solidFill>
-                <a:latin typeface="+mn-lt"/>
-                <a:ea typeface="+mn-ea"/>
-                <a:cs typeface="+mn-cs"/>
-              </a:defRPr>
-            </a:lvl9pPr>
-          </a:lstStyle>
-          <a:p>
-            <a:fld id="{D4328D90-2A6F-4F23-88A8-C5DCC2B5F307}" type="slidenum">
-              <a:rPr lang="zh-TW" altLang="en-US" smtClean="0"/>
-              <a:pPr/>
-              <a:t>‹#›</a:t>
-            </a:fld>
-            <a:endParaRPr lang="zh-TW" altLang="en-US"/>
-          </a:p>
-        </p:txBody>
-      </p:sp>
     </p:spTree>
     <p:extLst>
       <p:ext uri="{BB962C8B-B14F-4D97-AF65-F5344CB8AC3E}">
-        <p14:creationId xmlns:p14="http://schemas.microsoft.com/office/powerpoint/2010/main" val="3299548806"/>
+        <p14:creationId xmlns:p14="http://schemas.microsoft.com/office/powerpoint/2010/main" val="2507548420"/>
       </p:ext>
     </p:extLst>
   </p:cSld>
@@ -2880,2314 +1164,6 @@
 </file>
 
 <file path=ppt/slideLayouts/slideLayout3.xml><?xml version="1.0" encoding="utf-8"?>
-<p:sldLayout xmlns:a="http://schemas.openxmlformats.org/drawingml/2006/main" xmlns:r="http://schemas.openxmlformats.org/officeDocument/2006/relationships" xmlns:p="http://schemas.openxmlformats.org/presentationml/2006/main" type="secHead" preserve="1">
-  <p:cSld name="章節標題">
-    <p:spTree>
-      <p:nvGrpSpPr>
-        <p:cNvPr id="1" name=""/>
-        <p:cNvGrpSpPr/>
-        <p:nvPr/>
-      </p:nvGrpSpPr>
-      <p:grpSpPr>
-        <a:xfrm>
-          <a:off x="0" y="0"/>
-          <a:ext cx="0" cy="0"/>
-          <a:chOff x="0" y="0"/>
-          <a:chExt cx="0" cy="0"/>
-        </a:xfrm>
-      </p:grpSpPr>
-      <p:sp>
-        <p:nvSpPr>
-          <p:cNvPr id="2" name="標題 1">
-            <a:extLst>
-              <a:ext uri="{FF2B5EF4-FFF2-40B4-BE49-F238E27FC236}">
-                <a16:creationId xmlns:a16="http://schemas.microsoft.com/office/drawing/2014/main" id="{CE768223-9832-40C6-9F3C-AE20E7AB8621}"/>
-              </a:ext>
-            </a:extLst>
-          </p:cNvPr>
-          <p:cNvSpPr>
-            <a:spLocks noGrp="1"/>
-          </p:cNvSpPr>
-          <p:nvPr>
-            <p:ph type="title"/>
-          </p:nvPr>
-        </p:nvSpPr>
-        <p:spPr>
-          <a:xfrm>
-            <a:off x="831850" y="1709738"/>
-            <a:ext cx="10515600" cy="2852737"/>
-          </a:xfrm>
-        </p:spPr>
-        <p:txBody>
-          <a:bodyPr anchor="b"/>
-          <a:lstStyle>
-            <a:lvl1pPr>
-              <a:defRPr sz="6000"/>
-            </a:lvl1pPr>
-          </a:lstStyle>
-          <a:p>
-            <a:r>
-              <a:rPr lang="zh-TW" altLang="en-US"/>
-              <a:t>按一下以編輯母片標題樣式</a:t>
-            </a:r>
-          </a:p>
-        </p:txBody>
-      </p:sp>
-      <p:sp>
-        <p:nvSpPr>
-          <p:cNvPr id="3" name="文字版面配置區 2">
-            <a:extLst>
-              <a:ext uri="{FF2B5EF4-FFF2-40B4-BE49-F238E27FC236}">
-                <a16:creationId xmlns:a16="http://schemas.microsoft.com/office/drawing/2014/main" id="{0DA52283-8089-4430-AD3E-3D1C2559F3A0}"/>
-              </a:ext>
-            </a:extLst>
-          </p:cNvPr>
-          <p:cNvSpPr>
-            <a:spLocks noGrp="1"/>
-          </p:cNvSpPr>
-          <p:nvPr>
-            <p:ph type="body" idx="1"/>
-          </p:nvPr>
-        </p:nvSpPr>
-        <p:spPr>
-          <a:xfrm>
-            <a:off x="831850" y="4589463"/>
-            <a:ext cx="10515600" cy="1500187"/>
-          </a:xfrm>
-        </p:spPr>
-        <p:txBody>
-          <a:bodyPr/>
-          <a:lstStyle>
-            <a:lvl1pPr marL="0" indent="0">
-              <a:buNone/>
-              <a:defRPr sz="2400">
-                <a:solidFill>
-                  <a:schemeClr val="tx1">
-                    <a:tint val="75000"/>
-                  </a:schemeClr>
-                </a:solidFill>
-              </a:defRPr>
-            </a:lvl1pPr>
-            <a:lvl2pPr marL="457200" indent="0">
-              <a:buNone/>
-              <a:defRPr sz="2000">
-                <a:solidFill>
-                  <a:schemeClr val="tx1">
-                    <a:tint val="75000"/>
-                  </a:schemeClr>
-                </a:solidFill>
-              </a:defRPr>
-            </a:lvl2pPr>
-            <a:lvl3pPr marL="914400" indent="0">
-              <a:buNone/>
-              <a:defRPr sz="1800">
-                <a:solidFill>
-                  <a:schemeClr val="tx1">
-                    <a:tint val="75000"/>
-                  </a:schemeClr>
-                </a:solidFill>
-              </a:defRPr>
-            </a:lvl3pPr>
-            <a:lvl4pPr marL="1371600" indent="0">
-              <a:buNone/>
-              <a:defRPr sz="1600">
-                <a:solidFill>
-                  <a:schemeClr val="tx1">
-                    <a:tint val="75000"/>
-                  </a:schemeClr>
-                </a:solidFill>
-              </a:defRPr>
-            </a:lvl4pPr>
-            <a:lvl5pPr marL="1828800" indent="0">
-              <a:buNone/>
-              <a:defRPr sz="1600">
-                <a:solidFill>
-                  <a:schemeClr val="tx1">
-                    <a:tint val="75000"/>
-                  </a:schemeClr>
-                </a:solidFill>
-              </a:defRPr>
-            </a:lvl5pPr>
-            <a:lvl6pPr marL="2286000" indent="0">
-              <a:buNone/>
-              <a:defRPr sz="1600">
-                <a:solidFill>
-                  <a:schemeClr val="tx1">
-                    <a:tint val="75000"/>
-                  </a:schemeClr>
-                </a:solidFill>
-              </a:defRPr>
-            </a:lvl6pPr>
-            <a:lvl7pPr marL="2743200" indent="0">
-              <a:buNone/>
-              <a:defRPr sz="1600">
-                <a:solidFill>
-                  <a:schemeClr val="tx1">
-                    <a:tint val="75000"/>
-                  </a:schemeClr>
-                </a:solidFill>
-              </a:defRPr>
-            </a:lvl7pPr>
-            <a:lvl8pPr marL="3200400" indent="0">
-              <a:buNone/>
-              <a:defRPr sz="1600">
-                <a:solidFill>
-                  <a:schemeClr val="tx1">
-                    <a:tint val="75000"/>
-                  </a:schemeClr>
-                </a:solidFill>
-              </a:defRPr>
-            </a:lvl8pPr>
-            <a:lvl9pPr marL="3657600" indent="0">
-              <a:buNone/>
-              <a:defRPr sz="1600">
-                <a:solidFill>
-                  <a:schemeClr val="tx1">
-                    <a:tint val="75000"/>
-                  </a:schemeClr>
-                </a:solidFill>
-              </a:defRPr>
-            </a:lvl9pPr>
-          </a:lstStyle>
-          <a:p>
-            <a:pPr lvl="0"/>
-            <a:r>
-              <a:rPr lang="zh-TW" altLang="en-US"/>
-              <a:t>按一下以編輯母片文字樣式</a:t>
-            </a:r>
-          </a:p>
-        </p:txBody>
-      </p:sp>
-      <p:sp>
-        <p:nvSpPr>
-          <p:cNvPr id="7" name="頁尾版面配置區 4">
-            <a:extLst>
-              <a:ext uri="{FF2B5EF4-FFF2-40B4-BE49-F238E27FC236}">
-                <a16:creationId xmlns:a16="http://schemas.microsoft.com/office/drawing/2014/main" id="{FD7123E0-421B-4835-AD6B-2FDC040BCC53}"/>
-              </a:ext>
-            </a:extLst>
-          </p:cNvPr>
-          <p:cNvSpPr txBox="1">
-            <a:spLocks/>
-          </p:cNvSpPr>
-          <p:nvPr/>
-        </p:nvSpPr>
-        <p:spPr>
-          <a:xfrm>
-            <a:off x="0" y="6492875"/>
-            <a:ext cx="2743200" cy="365125"/>
-          </a:xfrm>
-          <a:prstGeom prst="rect">
-            <a:avLst/>
-          </a:prstGeom>
-        </p:spPr>
-        <p:txBody>
-          <a:bodyPr vert="horz" lIns="91440" tIns="45720" rIns="91440" bIns="45720" rtlCol="0" anchor="ctr"/>
-          <a:lstStyle>
-            <a:defPPr>
-              <a:defRPr lang="zh-TW"/>
-            </a:defPPr>
-            <a:lvl1pPr marL="0" algn="l" defTabSz="914400" rtl="0" eaLnBrk="1" latinLnBrk="0" hangingPunct="1">
-              <a:defRPr sz="1200" kern="1200">
-                <a:solidFill>
-                  <a:schemeClr val="tx1">
-                    <a:tint val="75000"/>
-                  </a:schemeClr>
-                </a:solidFill>
-                <a:latin typeface="+mn-lt"/>
-                <a:ea typeface="+mn-ea"/>
-                <a:cs typeface="+mn-cs"/>
-              </a:defRPr>
-            </a:lvl1pPr>
-            <a:lvl2pPr marL="457200" algn="l" defTabSz="914400" rtl="0" eaLnBrk="1" latinLnBrk="0" hangingPunct="1">
-              <a:defRPr sz="1800" kern="1200">
-                <a:solidFill>
-                  <a:schemeClr val="tx1"/>
-                </a:solidFill>
-                <a:latin typeface="+mn-lt"/>
-                <a:ea typeface="+mn-ea"/>
-                <a:cs typeface="+mn-cs"/>
-              </a:defRPr>
-            </a:lvl2pPr>
-            <a:lvl3pPr marL="914400" algn="l" defTabSz="914400" rtl="0" eaLnBrk="1" latinLnBrk="0" hangingPunct="1">
-              <a:defRPr sz="1800" kern="1200">
-                <a:solidFill>
-                  <a:schemeClr val="tx1"/>
-                </a:solidFill>
-                <a:latin typeface="+mn-lt"/>
-                <a:ea typeface="+mn-ea"/>
-                <a:cs typeface="+mn-cs"/>
-              </a:defRPr>
-            </a:lvl3pPr>
-            <a:lvl4pPr marL="1371600" algn="l" defTabSz="914400" rtl="0" eaLnBrk="1" latinLnBrk="0" hangingPunct="1">
-              <a:defRPr sz="1800" kern="1200">
-                <a:solidFill>
-                  <a:schemeClr val="tx1"/>
-                </a:solidFill>
-                <a:latin typeface="+mn-lt"/>
-                <a:ea typeface="+mn-ea"/>
-                <a:cs typeface="+mn-cs"/>
-              </a:defRPr>
-            </a:lvl4pPr>
-            <a:lvl5pPr marL="1828800" algn="l" defTabSz="914400" rtl="0" eaLnBrk="1" latinLnBrk="0" hangingPunct="1">
-              <a:defRPr sz="1800" kern="1200">
-                <a:solidFill>
-                  <a:schemeClr val="tx1"/>
-                </a:solidFill>
-                <a:latin typeface="+mn-lt"/>
-                <a:ea typeface="+mn-ea"/>
-                <a:cs typeface="+mn-cs"/>
-              </a:defRPr>
-            </a:lvl5pPr>
-            <a:lvl6pPr marL="2286000" algn="l" defTabSz="914400" rtl="0" eaLnBrk="1" latinLnBrk="0" hangingPunct="1">
-              <a:defRPr sz="1800" kern="1200">
-                <a:solidFill>
-                  <a:schemeClr val="tx1"/>
-                </a:solidFill>
-                <a:latin typeface="+mn-lt"/>
-                <a:ea typeface="+mn-ea"/>
-                <a:cs typeface="+mn-cs"/>
-              </a:defRPr>
-            </a:lvl6pPr>
-            <a:lvl7pPr marL="2743200" algn="l" defTabSz="914400" rtl="0" eaLnBrk="1" latinLnBrk="0" hangingPunct="1">
-              <a:defRPr sz="1800" kern="1200">
-                <a:solidFill>
-                  <a:schemeClr val="tx1"/>
-                </a:solidFill>
-                <a:latin typeface="+mn-lt"/>
-                <a:ea typeface="+mn-ea"/>
-                <a:cs typeface="+mn-cs"/>
-              </a:defRPr>
-            </a:lvl7pPr>
-            <a:lvl8pPr marL="3200400" algn="l" defTabSz="914400" rtl="0" eaLnBrk="1" latinLnBrk="0" hangingPunct="1">
-              <a:defRPr sz="1800" kern="1200">
-                <a:solidFill>
-                  <a:schemeClr val="tx1"/>
-                </a:solidFill>
-                <a:latin typeface="+mn-lt"/>
-                <a:ea typeface="+mn-ea"/>
-                <a:cs typeface="+mn-cs"/>
-              </a:defRPr>
-            </a:lvl8pPr>
-            <a:lvl9pPr marL="3657600" algn="l" defTabSz="914400" rtl="0" eaLnBrk="1" latinLnBrk="0" hangingPunct="1">
-              <a:defRPr sz="1800" kern="1200">
-                <a:solidFill>
-                  <a:schemeClr val="tx1"/>
-                </a:solidFill>
-                <a:latin typeface="+mn-lt"/>
-                <a:ea typeface="+mn-ea"/>
-                <a:cs typeface="+mn-cs"/>
-              </a:defRPr>
-            </a:lvl9pPr>
-          </a:lstStyle>
-          <a:p>
-            <a:r>
-              <a:rPr lang="en-US" altLang="zh-TW"/>
-              <a:t>TYIC</a:t>
-            </a:r>
-            <a:r>
-              <a:rPr lang="zh-TW" altLang="en-US"/>
-              <a:t>桃高資訊社</a:t>
-            </a:r>
-          </a:p>
-        </p:txBody>
-      </p:sp>
-      <p:sp>
-        <p:nvSpPr>
-          <p:cNvPr id="8" name="投影片編號版面配置區 5">
-            <a:extLst>
-              <a:ext uri="{FF2B5EF4-FFF2-40B4-BE49-F238E27FC236}">
-                <a16:creationId xmlns:a16="http://schemas.microsoft.com/office/drawing/2014/main" id="{013C5E04-2F03-430B-BA13-D3137E372625}"/>
-              </a:ext>
-            </a:extLst>
-          </p:cNvPr>
-          <p:cNvSpPr txBox="1">
-            <a:spLocks/>
-          </p:cNvSpPr>
-          <p:nvPr/>
-        </p:nvSpPr>
-        <p:spPr>
-          <a:xfrm>
-            <a:off x="9448800" y="6492874"/>
-            <a:ext cx="2743200" cy="365125"/>
-          </a:xfrm>
-          <a:prstGeom prst="rect">
-            <a:avLst/>
-          </a:prstGeom>
-        </p:spPr>
-        <p:txBody>
-          <a:bodyPr vert="horz" lIns="91440" tIns="45720" rIns="91440" bIns="45720" rtlCol="0" anchor="ctr"/>
-          <a:lstStyle>
-            <a:defPPr>
-              <a:defRPr lang="zh-TW"/>
-            </a:defPPr>
-            <a:lvl1pPr marL="0" algn="r" defTabSz="914400" rtl="0" eaLnBrk="1" latinLnBrk="0" hangingPunct="1">
-              <a:defRPr sz="1200" kern="1200">
-                <a:solidFill>
-                  <a:schemeClr val="tx1">
-                    <a:tint val="75000"/>
-                  </a:schemeClr>
-                </a:solidFill>
-                <a:latin typeface="+mn-lt"/>
-                <a:ea typeface="+mn-ea"/>
-                <a:cs typeface="+mn-cs"/>
-              </a:defRPr>
-            </a:lvl1pPr>
-            <a:lvl2pPr marL="457200" algn="l" defTabSz="914400" rtl="0" eaLnBrk="1" latinLnBrk="0" hangingPunct="1">
-              <a:defRPr sz="1800" kern="1200">
-                <a:solidFill>
-                  <a:schemeClr val="tx1"/>
-                </a:solidFill>
-                <a:latin typeface="+mn-lt"/>
-                <a:ea typeface="+mn-ea"/>
-                <a:cs typeface="+mn-cs"/>
-              </a:defRPr>
-            </a:lvl2pPr>
-            <a:lvl3pPr marL="914400" algn="l" defTabSz="914400" rtl="0" eaLnBrk="1" latinLnBrk="0" hangingPunct="1">
-              <a:defRPr sz="1800" kern="1200">
-                <a:solidFill>
-                  <a:schemeClr val="tx1"/>
-                </a:solidFill>
-                <a:latin typeface="+mn-lt"/>
-                <a:ea typeface="+mn-ea"/>
-                <a:cs typeface="+mn-cs"/>
-              </a:defRPr>
-            </a:lvl3pPr>
-            <a:lvl4pPr marL="1371600" algn="l" defTabSz="914400" rtl="0" eaLnBrk="1" latinLnBrk="0" hangingPunct="1">
-              <a:defRPr sz="1800" kern="1200">
-                <a:solidFill>
-                  <a:schemeClr val="tx1"/>
-                </a:solidFill>
-                <a:latin typeface="+mn-lt"/>
-                <a:ea typeface="+mn-ea"/>
-                <a:cs typeface="+mn-cs"/>
-              </a:defRPr>
-            </a:lvl4pPr>
-            <a:lvl5pPr marL="1828800" algn="l" defTabSz="914400" rtl="0" eaLnBrk="1" latinLnBrk="0" hangingPunct="1">
-              <a:defRPr sz="1800" kern="1200">
-                <a:solidFill>
-                  <a:schemeClr val="tx1"/>
-                </a:solidFill>
-                <a:latin typeface="+mn-lt"/>
-                <a:ea typeface="+mn-ea"/>
-                <a:cs typeface="+mn-cs"/>
-              </a:defRPr>
-            </a:lvl5pPr>
-            <a:lvl6pPr marL="2286000" algn="l" defTabSz="914400" rtl="0" eaLnBrk="1" latinLnBrk="0" hangingPunct="1">
-              <a:defRPr sz="1800" kern="1200">
-                <a:solidFill>
-                  <a:schemeClr val="tx1"/>
-                </a:solidFill>
-                <a:latin typeface="+mn-lt"/>
-                <a:ea typeface="+mn-ea"/>
-                <a:cs typeface="+mn-cs"/>
-              </a:defRPr>
-            </a:lvl6pPr>
-            <a:lvl7pPr marL="2743200" algn="l" defTabSz="914400" rtl="0" eaLnBrk="1" latinLnBrk="0" hangingPunct="1">
-              <a:defRPr sz="1800" kern="1200">
-                <a:solidFill>
-                  <a:schemeClr val="tx1"/>
-                </a:solidFill>
-                <a:latin typeface="+mn-lt"/>
-                <a:ea typeface="+mn-ea"/>
-                <a:cs typeface="+mn-cs"/>
-              </a:defRPr>
-            </a:lvl7pPr>
-            <a:lvl8pPr marL="3200400" algn="l" defTabSz="914400" rtl="0" eaLnBrk="1" latinLnBrk="0" hangingPunct="1">
-              <a:defRPr sz="1800" kern="1200">
-                <a:solidFill>
-                  <a:schemeClr val="tx1"/>
-                </a:solidFill>
-                <a:latin typeface="+mn-lt"/>
-                <a:ea typeface="+mn-ea"/>
-                <a:cs typeface="+mn-cs"/>
-              </a:defRPr>
-            </a:lvl8pPr>
-            <a:lvl9pPr marL="3657600" algn="l" defTabSz="914400" rtl="0" eaLnBrk="1" latinLnBrk="0" hangingPunct="1">
-              <a:defRPr sz="1800" kern="1200">
-                <a:solidFill>
-                  <a:schemeClr val="tx1"/>
-                </a:solidFill>
-                <a:latin typeface="+mn-lt"/>
-                <a:ea typeface="+mn-ea"/>
-                <a:cs typeface="+mn-cs"/>
-              </a:defRPr>
-            </a:lvl9pPr>
-          </a:lstStyle>
-          <a:p>
-            <a:fld id="{D4328D90-2A6F-4F23-88A8-C5DCC2B5F307}" type="slidenum">
-              <a:rPr lang="zh-TW" altLang="en-US" smtClean="0"/>
-              <a:pPr/>
-              <a:t>‹#›</a:t>
-            </a:fld>
-            <a:endParaRPr lang="zh-TW" altLang="en-US"/>
-          </a:p>
-        </p:txBody>
-      </p:sp>
-      <p:sp>
-        <p:nvSpPr>
-          <p:cNvPr id="6" name="頁尾版面配置區 4">
-            <a:extLst>
-              <a:ext uri="{FF2B5EF4-FFF2-40B4-BE49-F238E27FC236}">
-                <a16:creationId xmlns:a16="http://schemas.microsoft.com/office/drawing/2014/main" id="{C4CC887B-C0A8-4A82-9A58-FE8B0FAD3FD6}"/>
-              </a:ext>
-            </a:extLst>
-          </p:cNvPr>
-          <p:cNvSpPr txBox="1">
-            <a:spLocks/>
-          </p:cNvSpPr>
-          <p:nvPr/>
-        </p:nvSpPr>
-        <p:spPr>
-          <a:xfrm>
-            <a:off x="0" y="6492875"/>
-            <a:ext cx="2743200" cy="365125"/>
-          </a:xfrm>
-          <a:prstGeom prst="rect">
-            <a:avLst/>
-          </a:prstGeom>
-        </p:spPr>
-        <p:txBody>
-          <a:bodyPr vert="horz" lIns="91440" tIns="45720" rIns="91440" bIns="45720" rtlCol="0" anchor="ctr"/>
-          <a:lstStyle>
-            <a:defPPr>
-              <a:defRPr lang="zh-TW"/>
-            </a:defPPr>
-            <a:lvl1pPr marL="0" algn="l" defTabSz="914400" rtl="0" eaLnBrk="1" latinLnBrk="0" hangingPunct="1">
-              <a:defRPr sz="1200" kern="1200">
-                <a:solidFill>
-                  <a:schemeClr val="tx1">
-                    <a:tint val="75000"/>
-                  </a:schemeClr>
-                </a:solidFill>
-                <a:latin typeface="+mn-lt"/>
-                <a:ea typeface="+mn-ea"/>
-                <a:cs typeface="+mn-cs"/>
-              </a:defRPr>
-            </a:lvl1pPr>
-            <a:lvl2pPr marL="457200" algn="l" defTabSz="914400" rtl="0" eaLnBrk="1" latinLnBrk="0" hangingPunct="1">
-              <a:defRPr sz="1800" kern="1200">
-                <a:solidFill>
-                  <a:schemeClr val="tx1"/>
-                </a:solidFill>
-                <a:latin typeface="+mn-lt"/>
-                <a:ea typeface="+mn-ea"/>
-                <a:cs typeface="+mn-cs"/>
-              </a:defRPr>
-            </a:lvl2pPr>
-            <a:lvl3pPr marL="914400" algn="l" defTabSz="914400" rtl="0" eaLnBrk="1" latinLnBrk="0" hangingPunct="1">
-              <a:defRPr sz="1800" kern="1200">
-                <a:solidFill>
-                  <a:schemeClr val="tx1"/>
-                </a:solidFill>
-                <a:latin typeface="+mn-lt"/>
-                <a:ea typeface="+mn-ea"/>
-                <a:cs typeface="+mn-cs"/>
-              </a:defRPr>
-            </a:lvl3pPr>
-            <a:lvl4pPr marL="1371600" algn="l" defTabSz="914400" rtl="0" eaLnBrk="1" latinLnBrk="0" hangingPunct="1">
-              <a:defRPr sz="1800" kern="1200">
-                <a:solidFill>
-                  <a:schemeClr val="tx1"/>
-                </a:solidFill>
-                <a:latin typeface="+mn-lt"/>
-                <a:ea typeface="+mn-ea"/>
-                <a:cs typeface="+mn-cs"/>
-              </a:defRPr>
-            </a:lvl4pPr>
-            <a:lvl5pPr marL="1828800" algn="l" defTabSz="914400" rtl="0" eaLnBrk="1" latinLnBrk="0" hangingPunct="1">
-              <a:defRPr sz="1800" kern="1200">
-                <a:solidFill>
-                  <a:schemeClr val="tx1"/>
-                </a:solidFill>
-                <a:latin typeface="+mn-lt"/>
-                <a:ea typeface="+mn-ea"/>
-                <a:cs typeface="+mn-cs"/>
-              </a:defRPr>
-            </a:lvl5pPr>
-            <a:lvl6pPr marL="2286000" algn="l" defTabSz="914400" rtl="0" eaLnBrk="1" latinLnBrk="0" hangingPunct="1">
-              <a:defRPr sz="1800" kern="1200">
-                <a:solidFill>
-                  <a:schemeClr val="tx1"/>
-                </a:solidFill>
-                <a:latin typeface="+mn-lt"/>
-                <a:ea typeface="+mn-ea"/>
-                <a:cs typeface="+mn-cs"/>
-              </a:defRPr>
-            </a:lvl6pPr>
-            <a:lvl7pPr marL="2743200" algn="l" defTabSz="914400" rtl="0" eaLnBrk="1" latinLnBrk="0" hangingPunct="1">
-              <a:defRPr sz="1800" kern="1200">
-                <a:solidFill>
-                  <a:schemeClr val="tx1"/>
-                </a:solidFill>
-                <a:latin typeface="+mn-lt"/>
-                <a:ea typeface="+mn-ea"/>
-                <a:cs typeface="+mn-cs"/>
-              </a:defRPr>
-            </a:lvl7pPr>
-            <a:lvl8pPr marL="3200400" algn="l" defTabSz="914400" rtl="0" eaLnBrk="1" latinLnBrk="0" hangingPunct="1">
-              <a:defRPr sz="1800" kern="1200">
-                <a:solidFill>
-                  <a:schemeClr val="tx1"/>
-                </a:solidFill>
-                <a:latin typeface="+mn-lt"/>
-                <a:ea typeface="+mn-ea"/>
-                <a:cs typeface="+mn-cs"/>
-              </a:defRPr>
-            </a:lvl8pPr>
-            <a:lvl9pPr marL="3657600" algn="l" defTabSz="914400" rtl="0" eaLnBrk="1" latinLnBrk="0" hangingPunct="1">
-              <a:defRPr sz="1800" kern="1200">
-                <a:solidFill>
-                  <a:schemeClr val="tx1"/>
-                </a:solidFill>
-                <a:latin typeface="+mn-lt"/>
-                <a:ea typeface="+mn-ea"/>
-                <a:cs typeface="+mn-cs"/>
-              </a:defRPr>
-            </a:lvl9pPr>
-          </a:lstStyle>
-          <a:p>
-            <a:r>
-              <a:rPr lang="en-US" altLang="zh-TW" dirty="0"/>
-              <a:t>TYIC</a:t>
-            </a:r>
-            <a:r>
-              <a:rPr lang="zh-TW" altLang="en-US"/>
-              <a:t>桃高資訊社</a:t>
-            </a:r>
-          </a:p>
-        </p:txBody>
-      </p:sp>
-      <p:sp>
-        <p:nvSpPr>
-          <p:cNvPr id="9" name="投影片編號版面配置區 5">
-            <a:extLst>
-              <a:ext uri="{FF2B5EF4-FFF2-40B4-BE49-F238E27FC236}">
-                <a16:creationId xmlns:a16="http://schemas.microsoft.com/office/drawing/2014/main" id="{6B740742-BB51-4CCB-AA18-2F0900F32D31}"/>
-              </a:ext>
-            </a:extLst>
-          </p:cNvPr>
-          <p:cNvSpPr txBox="1">
-            <a:spLocks/>
-          </p:cNvSpPr>
-          <p:nvPr/>
-        </p:nvSpPr>
-        <p:spPr>
-          <a:xfrm>
-            <a:off x="9448800" y="6492874"/>
-            <a:ext cx="2743200" cy="365125"/>
-          </a:xfrm>
-          <a:prstGeom prst="rect">
-            <a:avLst/>
-          </a:prstGeom>
-        </p:spPr>
-        <p:txBody>
-          <a:bodyPr vert="horz" lIns="91440" tIns="45720" rIns="91440" bIns="45720" rtlCol="0" anchor="ctr"/>
-          <a:lstStyle>
-            <a:defPPr>
-              <a:defRPr lang="zh-TW"/>
-            </a:defPPr>
-            <a:lvl1pPr marL="0" algn="r" defTabSz="914400" rtl="0" eaLnBrk="1" latinLnBrk="0" hangingPunct="1">
-              <a:defRPr sz="1200" kern="1200">
-                <a:solidFill>
-                  <a:schemeClr val="tx1">
-                    <a:tint val="75000"/>
-                  </a:schemeClr>
-                </a:solidFill>
-                <a:latin typeface="+mn-lt"/>
-                <a:ea typeface="+mn-ea"/>
-                <a:cs typeface="+mn-cs"/>
-              </a:defRPr>
-            </a:lvl1pPr>
-            <a:lvl2pPr marL="457200" algn="l" defTabSz="914400" rtl="0" eaLnBrk="1" latinLnBrk="0" hangingPunct="1">
-              <a:defRPr sz="1800" kern="1200">
-                <a:solidFill>
-                  <a:schemeClr val="tx1"/>
-                </a:solidFill>
-                <a:latin typeface="+mn-lt"/>
-                <a:ea typeface="+mn-ea"/>
-                <a:cs typeface="+mn-cs"/>
-              </a:defRPr>
-            </a:lvl2pPr>
-            <a:lvl3pPr marL="914400" algn="l" defTabSz="914400" rtl="0" eaLnBrk="1" latinLnBrk="0" hangingPunct="1">
-              <a:defRPr sz="1800" kern="1200">
-                <a:solidFill>
-                  <a:schemeClr val="tx1"/>
-                </a:solidFill>
-                <a:latin typeface="+mn-lt"/>
-                <a:ea typeface="+mn-ea"/>
-                <a:cs typeface="+mn-cs"/>
-              </a:defRPr>
-            </a:lvl3pPr>
-            <a:lvl4pPr marL="1371600" algn="l" defTabSz="914400" rtl="0" eaLnBrk="1" latinLnBrk="0" hangingPunct="1">
-              <a:defRPr sz="1800" kern="1200">
-                <a:solidFill>
-                  <a:schemeClr val="tx1"/>
-                </a:solidFill>
-                <a:latin typeface="+mn-lt"/>
-                <a:ea typeface="+mn-ea"/>
-                <a:cs typeface="+mn-cs"/>
-              </a:defRPr>
-            </a:lvl4pPr>
-            <a:lvl5pPr marL="1828800" algn="l" defTabSz="914400" rtl="0" eaLnBrk="1" latinLnBrk="0" hangingPunct="1">
-              <a:defRPr sz="1800" kern="1200">
-                <a:solidFill>
-                  <a:schemeClr val="tx1"/>
-                </a:solidFill>
-                <a:latin typeface="+mn-lt"/>
-                <a:ea typeface="+mn-ea"/>
-                <a:cs typeface="+mn-cs"/>
-              </a:defRPr>
-            </a:lvl5pPr>
-            <a:lvl6pPr marL="2286000" algn="l" defTabSz="914400" rtl="0" eaLnBrk="1" latinLnBrk="0" hangingPunct="1">
-              <a:defRPr sz="1800" kern="1200">
-                <a:solidFill>
-                  <a:schemeClr val="tx1"/>
-                </a:solidFill>
-                <a:latin typeface="+mn-lt"/>
-                <a:ea typeface="+mn-ea"/>
-                <a:cs typeface="+mn-cs"/>
-              </a:defRPr>
-            </a:lvl6pPr>
-            <a:lvl7pPr marL="2743200" algn="l" defTabSz="914400" rtl="0" eaLnBrk="1" latinLnBrk="0" hangingPunct="1">
-              <a:defRPr sz="1800" kern="1200">
-                <a:solidFill>
-                  <a:schemeClr val="tx1"/>
-                </a:solidFill>
-                <a:latin typeface="+mn-lt"/>
-                <a:ea typeface="+mn-ea"/>
-                <a:cs typeface="+mn-cs"/>
-              </a:defRPr>
-            </a:lvl7pPr>
-            <a:lvl8pPr marL="3200400" algn="l" defTabSz="914400" rtl="0" eaLnBrk="1" latinLnBrk="0" hangingPunct="1">
-              <a:defRPr sz="1800" kern="1200">
-                <a:solidFill>
-                  <a:schemeClr val="tx1"/>
-                </a:solidFill>
-                <a:latin typeface="+mn-lt"/>
-                <a:ea typeface="+mn-ea"/>
-                <a:cs typeface="+mn-cs"/>
-              </a:defRPr>
-            </a:lvl8pPr>
-            <a:lvl9pPr marL="3657600" algn="l" defTabSz="914400" rtl="0" eaLnBrk="1" latinLnBrk="0" hangingPunct="1">
-              <a:defRPr sz="1800" kern="1200">
-                <a:solidFill>
-                  <a:schemeClr val="tx1"/>
-                </a:solidFill>
-                <a:latin typeface="+mn-lt"/>
-                <a:ea typeface="+mn-ea"/>
-                <a:cs typeface="+mn-cs"/>
-              </a:defRPr>
-            </a:lvl9pPr>
-          </a:lstStyle>
-          <a:p>
-            <a:fld id="{D4328D90-2A6F-4F23-88A8-C5DCC2B5F307}" type="slidenum">
-              <a:rPr lang="zh-TW" altLang="en-US" smtClean="0"/>
-              <a:pPr/>
-              <a:t>‹#›</a:t>
-            </a:fld>
-            <a:endParaRPr lang="zh-TW" altLang="en-US"/>
-          </a:p>
-        </p:txBody>
-      </p:sp>
-    </p:spTree>
-    <p:extLst>
-      <p:ext uri="{BB962C8B-B14F-4D97-AF65-F5344CB8AC3E}">
-        <p14:creationId xmlns:p14="http://schemas.microsoft.com/office/powerpoint/2010/main" val="2935176788"/>
-      </p:ext>
-    </p:extLst>
-  </p:cSld>
-  <p:clrMapOvr>
-    <a:masterClrMapping/>
-  </p:clrMapOvr>
-  <p:transition spd="slow">
-    <p:push dir="u"/>
-  </p:transition>
-</p:sldLayout>
-</file>
-
-<file path=ppt/slideLayouts/slideLayout4.xml><?xml version="1.0" encoding="utf-8"?>
-<p:sldLayout xmlns:a="http://schemas.openxmlformats.org/drawingml/2006/main" xmlns:r="http://schemas.openxmlformats.org/officeDocument/2006/relationships" xmlns:p="http://schemas.openxmlformats.org/presentationml/2006/main" type="twoObj" preserve="1">
-  <p:cSld name="兩個內容">
-    <p:spTree>
-      <p:nvGrpSpPr>
-        <p:cNvPr id="1" name=""/>
-        <p:cNvGrpSpPr/>
-        <p:nvPr/>
-      </p:nvGrpSpPr>
-      <p:grpSpPr>
-        <a:xfrm>
-          <a:off x="0" y="0"/>
-          <a:ext cx="0" cy="0"/>
-          <a:chOff x="0" y="0"/>
-          <a:chExt cx="0" cy="0"/>
-        </a:xfrm>
-      </p:grpSpPr>
-      <p:sp>
-        <p:nvSpPr>
-          <p:cNvPr id="2" name="標題 1">
-            <a:extLst>
-              <a:ext uri="{FF2B5EF4-FFF2-40B4-BE49-F238E27FC236}">
-                <a16:creationId xmlns:a16="http://schemas.microsoft.com/office/drawing/2014/main" id="{98909132-6CD8-4DB4-8922-349AAC7CBF28}"/>
-              </a:ext>
-            </a:extLst>
-          </p:cNvPr>
-          <p:cNvSpPr>
-            <a:spLocks noGrp="1"/>
-          </p:cNvSpPr>
-          <p:nvPr>
-            <p:ph type="title"/>
-          </p:nvPr>
-        </p:nvSpPr>
-        <p:spPr/>
-        <p:txBody>
-          <a:bodyPr/>
-          <a:lstStyle/>
-          <a:p>
-            <a:r>
-              <a:rPr lang="zh-TW" altLang="en-US"/>
-              <a:t>按一下以編輯母片標題樣式</a:t>
-            </a:r>
-          </a:p>
-        </p:txBody>
-      </p:sp>
-      <p:sp>
-        <p:nvSpPr>
-          <p:cNvPr id="3" name="內容版面配置區 2">
-            <a:extLst>
-              <a:ext uri="{FF2B5EF4-FFF2-40B4-BE49-F238E27FC236}">
-                <a16:creationId xmlns:a16="http://schemas.microsoft.com/office/drawing/2014/main" id="{EB255D59-E76E-4ADA-A943-4A398DF946C0}"/>
-              </a:ext>
-            </a:extLst>
-          </p:cNvPr>
-          <p:cNvSpPr>
-            <a:spLocks noGrp="1"/>
-          </p:cNvSpPr>
-          <p:nvPr>
-            <p:ph sz="half" idx="1"/>
-          </p:nvPr>
-        </p:nvSpPr>
-        <p:spPr>
-          <a:xfrm>
-            <a:off x="838200" y="1825625"/>
-            <a:ext cx="5181600" cy="4351338"/>
-          </a:xfrm>
-        </p:spPr>
-        <p:txBody>
-          <a:bodyPr/>
-          <a:lstStyle/>
-          <a:p>
-            <a:pPr lvl="0"/>
-            <a:r>
-              <a:rPr lang="zh-TW" altLang="en-US"/>
-              <a:t>按一下以編輯母片文字樣式</a:t>
-            </a:r>
-          </a:p>
-          <a:p>
-            <a:pPr lvl="1"/>
-            <a:r>
-              <a:rPr lang="zh-TW" altLang="en-US"/>
-              <a:t>第二層</a:t>
-            </a:r>
-          </a:p>
-          <a:p>
-            <a:pPr lvl="2"/>
-            <a:r>
-              <a:rPr lang="zh-TW" altLang="en-US"/>
-              <a:t>第三層</a:t>
-            </a:r>
-          </a:p>
-          <a:p>
-            <a:pPr lvl="3"/>
-            <a:r>
-              <a:rPr lang="zh-TW" altLang="en-US"/>
-              <a:t>第四層</a:t>
-            </a:r>
-          </a:p>
-          <a:p>
-            <a:pPr lvl="4"/>
-            <a:r>
-              <a:rPr lang="zh-TW" altLang="en-US"/>
-              <a:t>第五層</a:t>
-            </a:r>
-          </a:p>
-        </p:txBody>
-      </p:sp>
-      <p:sp>
-        <p:nvSpPr>
-          <p:cNvPr id="4" name="內容版面配置區 3">
-            <a:extLst>
-              <a:ext uri="{FF2B5EF4-FFF2-40B4-BE49-F238E27FC236}">
-                <a16:creationId xmlns:a16="http://schemas.microsoft.com/office/drawing/2014/main" id="{28909BA4-D9F5-4D3A-8AF7-74A53147863D}"/>
-              </a:ext>
-            </a:extLst>
-          </p:cNvPr>
-          <p:cNvSpPr>
-            <a:spLocks noGrp="1"/>
-          </p:cNvSpPr>
-          <p:nvPr>
-            <p:ph sz="half" idx="2"/>
-          </p:nvPr>
-        </p:nvSpPr>
-        <p:spPr>
-          <a:xfrm>
-            <a:off x="6172200" y="1825625"/>
-            <a:ext cx="5181600" cy="4351338"/>
-          </a:xfrm>
-        </p:spPr>
-        <p:txBody>
-          <a:bodyPr/>
-          <a:lstStyle/>
-          <a:p>
-            <a:pPr lvl="0"/>
-            <a:r>
-              <a:rPr lang="zh-TW" altLang="en-US"/>
-              <a:t>按一下以編輯母片文字樣式</a:t>
-            </a:r>
-          </a:p>
-          <a:p>
-            <a:pPr lvl="1"/>
-            <a:r>
-              <a:rPr lang="zh-TW" altLang="en-US"/>
-              <a:t>第二層</a:t>
-            </a:r>
-          </a:p>
-          <a:p>
-            <a:pPr lvl="2"/>
-            <a:r>
-              <a:rPr lang="zh-TW" altLang="en-US"/>
-              <a:t>第三層</a:t>
-            </a:r>
-          </a:p>
-          <a:p>
-            <a:pPr lvl="3"/>
-            <a:r>
-              <a:rPr lang="zh-TW" altLang="en-US"/>
-              <a:t>第四層</a:t>
-            </a:r>
-          </a:p>
-          <a:p>
-            <a:pPr lvl="4"/>
-            <a:r>
-              <a:rPr lang="zh-TW" altLang="en-US"/>
-              <a:t>第五層</a:t>
-            </a:r>
-          </a:p>
-        </p:txBody>
-      </p:sp>
-      <p:sp>
-        <p:nvSpPr>
-          <p:cNvPr id="8" name="頁尾版面配置區 4">
-            <a:extLst>
-              <a:ext uri="{FF2B5EF4-FFF2-40B4-BE49-F238E27FC236}">
-                <a16:creationId xmlns:a16="http://schemas.microsoft.com/office/drawing/2014/main" id="{260865D4-10BE-42AB-942E-8A6A7231E073}"/>
-              </a:ext>
-            </a:extLst>
-          </p:cNvPr>
-          <p:cNvSpPr txBox="1">
-            <a:spLocks/>
-          </p:cNvSpPr>
-          <p:nvPr/>
-        </p:nvSpPr>
-        <p:spPr>
-          <a:xfrm>
-            <a:off x="0" y="6492875"/>
-            <a:ext cx="2743200" cy="365125"/>
-          </a:xfrm>
-          <a:prstGeom prst="rect">
-            <a:avLst/>
-          </a:prstGeom>
-        </p:spPr>
-        <p:txBody>
-          <a:bodyPr vert="horz" lIns="91440" tIns="45720" rIns="91440" bIns="45720" rtlCol="0" anchor="ctr"/>
-          <a:lstStyle>
-            <a:defPPr>
-              <a:defRPr lang="zh-TW"/>
-            </a:defPPr>
-            <a:lvl1pPr marL="0" algn="l" defTabSz="914400" rtl="0" eaLnBrk="1" latinLnBrk="0" hangingPunct="1">
-              <a:defRPr sz="1200" kern="1200">
-                <a:solidFill>
-                  <a:schemeClr val="tx1">
-                    <a:tint val="75000"/>
-                  </a:schemeClr>
-                </a:solidFill>
-                <a:latin typeface="+mn-lt"/>
-                <a:ea typeface="+mn-ea"/>
-                <a:cs typeface="+mn-cs"/>
-              </a:defRPr>
-            </a:lvl1pPr>
-            <a:lvl2pPr marL="457200" algn="l" defTabSz="914400" rtl="0" eaLnBrk="1" latinLnBrk="0" hangingPunct="1">
-              <a:defRPr sz="1800" kern="1200">
-                <a:solidFill>
-                  <a:schemeClr val="tx1"/>
-                </a:solidFill>
-                <a:latin typeface="+mn-lt"/>
-                <a:ea typeface="+mn-ea"/>
-                <a:cs typeface="+mn-cs"/>
-              </a:defRPr>
-            </a:lvl2pPr>
-            <a:lvl3pPr marL="914400" algn="l" defTabSz="914400" rtl="0" eaLnBrk="1" latinLnBrk="0" hangingPunct="1">
-              <a:defRPr sz="1800" kern="1200">
-                <a:solidFill>
-                  <a:schemeClr val="tx1"/>
-                </a:solidFill>
-                <a:latin typeface="+mn-lt"/>
-                <a:ea typeface="+mn-ea"/>
-                <a:cs typeface="+mn-cs"/>
-              </a:defRPr>
-            </a:lvl3pPr>
-            <a:lvl4pPr marL="1371600" algn="l" defTabSz="914400" rtl="0" eaLnBrk="1" latinLnBrk="0" hangingPunct="1">
-              <a:defRPr sz="1800" kern="1200">
-                <a:solidFill>
-                  <a:schemeClr val="tx1"/>
-                </a:solidFill>
-                <a:latin typeface="+mn-lt"/>
-                <a:ea typeface="+mn-ea"/>
-                <a:cs typeface="+mn-cs"/>
-              </a:defRPr>
-            </a:lvl4pPr>
-            <a:lvl5pPr marL="1828800" algn="l" defTabSz="914400" rtl="0" eaLnBrk="1" latinLnBrk="0" hangingPunct="1">
-              <a:defRPr sz="1800" kern="1200">
-                <a:solidFill>
-                  <a:schemeClr val="tx1"/>
-                </a:solidFill>
-                <a:latin typeface="+mn-lt"/>
-                <a:ea typeface="+mn-ea"/>
-                <a:cs typeface="+mn-cs"/>
-              </a:defRPr>
-            </a:lvl5pPr>
-            <a:lvl6pPr marL="2286000" algn="l" defTabSz="914400" rtl="0" eaLnBrk="1" latinLnBrk="0" hangingPunct="1">
-              <a:defRPr sz="1800" kern="1200">
-                <a:solidFill>
-                  <a:schemeClr val="tx1"/>
-                </a:solidFill>
-                <a:latin typeface="+mn-lt"/>
-                <a:ea typeface="+mn-ea"/>
-                <a:cs typeface="+mn-cs"/>
-              </a:defRPr>
-            </a:lvl6pPr>
-            <a:lvl7pPr marL="2743200" algn="l" defTabSz="914400" rtl="0" eaLnBrk="1" latinLnBrk="0" hangingPunct="1">
-              <a:defRPr sz="1800" kern="1200">
-                <a:solidFill>
-                  <a:schemeClr val="tx1"/>
-                </a:solidFill>
-                <a:latin typeface="+mn-lt"/>
-                <a:ea typeface="+mn-ea"/>
-                <a:cs typeface="+mn-cs"/>
-              </a:defRPr>
-            </a:lvl7pPr>
-            <a:lvl8pPr marL="3200400" algn="l" defTabSz="914400" rtl="0" eaLnBrk="1" latinLnBrk="0" hangingPunct="1">
-              <a:defRPr sz="1800" kern="1200">
-                <a:solidFill>
-                  <a:schemeClr val="tx1"/>
-                </a:solidFill>
-                <a:latin typeface="+mn-lt"/>
-                <a:ea typeface="+mn-ea"/>
-                <a:cs typeface="+mn-cs"/>
-              </a:defRPr>
-            </a:lvl8pPr>
-            <a:lvl9pPr marL="3657600" algn="l" defTabSz="914400" rtl="0" eaLnBrk="1" latinLnBrk="0" hangingPunct="1">
-              <a:defRPr sz="1800" kern="1200">
-                <a:solidFill>
-                  <a:schemeClr val="tx1"/>
-                </a:solidFill>
-                <a:latin typeface="+mn-lt"/>
-                <a:ea typeface="+mn-ea"/>
-                <a:cs typeface="+mn-cs"/>
-              </a:defRPr>
-            </a:lvl9pPr>
-          </a:lstStyle>
-          <a:p>
-            <a:r>
-              <a:rPr lang="en-US" altLang="zh-TW"/>
-              <a:t>TYIC</a:t>
-            </a:r>
-            <a:r>
-              <a:rPr lang="zh-TW" altLang="en-US"/>
-              <a:t>桃高資訊社</a:t>
-            </a:r>
-          </a:p>
-        </p:txBody>
-      </p:sp>
-      <p:sp>
-        <p:nvSpPr>
-          <p:cNvPr id="9" name="投影片編號版面配置區 5">
-            <a:extLst>
-              <a:ext uri="{FF2B5EF4-FFF2-40B4-BE49-F238E27FC236}">
-                <a16:creationId xmlns:a16="http://schemas.microsoft.com/office/drawing/2014/main" id="{086F29C3-C792-4CB1-A6F8-A95D8E6D4CBA}"/>
-              </a:ext>
-            </a:extLst>
-          </p:cNvPr>
-          <p:cNvSpPr txBox="1">
-            <a:spLocks/>
-          </p:cNvSpPr>
-          <p:nvPr/>
-        </p:nvSpPr>
-        <p:spPr>
-          <a:xfrm>
-            <a:off x="9448800" y="6492874"/>
-            <a:ext cx="2743200" cy="365125"/>
-          </a:xfrm>
-          <a:prstGeom prst="rect">
-            <a:avLst/>
-          </a:prstGeom>
-        </p:spPr>
-        <p:txBody>
-          <a:bodyPr vert="horz" lIns="91440" tIns="45720" rIns="91440" bIns="45720" rtlCol="0" anchor="ctr"/>
-          <a:lstStyle>
-            <a:defPPr>
-              <a:defRPr lang="zh-TW"/>
-            </a:defPPr>
-            <a:lvl1pPr marL="0" algn="r" defTabSz="914400" rtl="0" eaLnBrk="1" latinLnBrk="0" hangingPunct="1">
-              <a:defRPr sz="1200" kern="1200">
-                <a:solidFill>
-                  <a:schemeClr val="tx1">
-                    <a:tint val="75000"/>
-                  </a:schemeClr>
-                </a:solidFill>
-                <a:latin typeface="+mn-lt"/>
-                <a:ea typeface="+mn-ea"/>
-                <a:cs typeface="+mn-cs"/>
-              </a:defRPr>
-            </a:lvl1pPr>
-            <a:lvl2pPr marL="457200" algn="l" defTabSz="914400" rtl="0" eaLnBrk="1" latinLnBrk="0" hangingPunct="1">
-              <a:defRPr sz="1800" kern="1200">
-                <a:solidFill>
-                  <a:schemeClr val="tx1"/>
-                </a:solidFill>
-                <a:latin typeface="+mn-lt"/>
-                <a:ea typeface="+mn-ea"/>
-                <a:cs typeface="+mn-cs"/>
-              </a:defRPr>
-            </a:lvl2pPr>
-            <a:lvl3pPr marL="914400" algn="l" defTabSz="914400" rtl="0" eaLnBrk="1" latinLnBrk="0" hangingPunct="1">
-              <a:defRPr sz="1800" kern="1200">
-                <a:solidFill>
-                  <a:schemeClr val="tx1"/>
-                </a:solidFill>
-                <a:latin typeface="+mn-lt"/>
-                <a:ea typeface="+mn-ea"/>
-                <a:cs typeface="+mn-cs"/>
-              </a:defRPr>
-            </a:lvl3pPr>
-            <a:lvl4pPr marL="1371600" algn="l" defTabSz="914400" rtl="0" eaLnBrk="1" latinLnBrk="0" hangingPunct="1">
-              <a:defRPr sz="1800" kern="1200">
-                <a:solidFill>
-                  <a:schemeClr val="tx1"/>
-                </a:solidFill>
-                <a:latin typeface="+mn-lt"/>
-                <a:ea typeface="+mn-ea"/>
-                <a:cs typeface="+mn-cs"/>
-              </a:defRPr>
-            </a:lvl4pPr>
-            <a:lvl5pPr marL="1828800" algn="l" defTabSz="914400" rtl="0" eaLnBrk="1" latinLnBrk="0" hangingPunct="1">
-              <a:defRPr sz="1800" kern="1200">
-                <a:solidFill>
-                  <a:schemeClr val="tx1"/>
-                </a:solidFill>
-                <a:latin typeface="+mn-lt"/>
-                <a:ea typeface="+mn-ea"/>
-                <a:cs typeface="+mn-cs"/>
-              </a:defRPr>
-            </a:lvl5pPr>
-            <a:lvl6pPr marL="2286000" algn="l" defTabSz="914400" rtl="0" eaLnBrk="1" latinLnBrk="0" hangingPunct="1">
-              <a:defRPr sz="1800" kern="1200">
-                <a:solidFill>
-                  <a:schemeClr val="tx1"/>
-                </a:solidFill>
-                <a:latin typeface="+mn-lt"/>
-                <a:ea typeface="+mn-ea"/>
-                <a:cs typeface="+mn-cs"/>
-              </a:defRPr>
-            </a:lvl6pPr>
-            <a:lvl7pPr marL="2743200" algn="l" defTabSz="914400" rtl="0" eaLnBrk="1" latinLnBrk="0" hangingPunct="1">
-              <a:defRPr sz="1800" kern="1200">
-                <a:solidFill>
-                  <a:schemeClr val="tx1"/>
-                </a:solidFill>
-                <a:latin typeface="+mn-lt"/>
-                <a:ea typeface="+mn-ea"/>
-                <a:cs typeface="+mn-cs"/>
-              </a:defRPr>
-            </a:lvl7pPr>
-            <a:lvl8pPr marL="3200400" algn="l" defTabSz="914400" rtl="0" eaLnBrk="1" latinLnBrk="0" hangingPunct="1">
-              <a:defRPr sz="1800" kern="1200">
-                <a:solidFill>
-                  <a:schemeClr val="tx1"/>
-                </a:solidFill>
-                <a:latin typeface="+mn-lt"/>
-                <a:ea typeface="+mn-ea"/>
-                <a:cs typeface="+mn-cs"/>
-              </a:defRPr>
-            </a:lvl8pPr>
-            <a:lvl9pPr marL="3657600" algn="l" defTabSz="914400" rtl="0" eaLnBrk="1" latinLnBrk="0" hangingPunct="1">
-              <a:defRPr sz="1800" kern="1200">
-                <a:solidFill>
-                  <a:schemeClr val="tx1"/>
-                </a:solidFill>
-                <a:latin typeface="+mn-lt"/>
-                <a:ea typeface="+mn-ea"/>
-                <a:cs typeface="+mn-cs"/>
-              </a:defRPr>
-            </a:lvl9pPr>
-          </a:lstStyle>
-          <a:p>
-            <a:fld id="{D4328D90-2A6F-4F23-88A8-C5DCC2B5F307}" type="slidenum">
-              <a:rPr lang="zh-TW" altLang="en-US" smtClean="0"/>
-              <a:pPr/>
-              <a:t>‹#›</a:t>
-            </a:fld>
-            <a:endParaRPr lang="zh-TW" altLang="en-US"/>
-          </a:p>
-        </p:txBody>
-      </p:sp>
-      <p:sp>
-        <p:nvSpPr>
-          <p:cNvPr id="7" name="頁尾版面配置區 4">
-            <a:extLst>
-              <a:ext uri="{FF2B5EF4-FFF2-40B4-BE49-F238E27FC236}">
-                <a16:creationId xmlns:a16="http://schemas.microsoft.com/office/drawing/2014/main" id="{EF7FE82B-39CB-4D43-85C1-1888CFE5720D}"/>
-              </a:ext>
-            </a:extLst>
-          </p:cNvPr>
-          <p:cNvSpPr txBox="1">
-            <a:spLocks/>
-          </p:cNvSpPr>
-          <p:nvPr/>
-        </p:nvSpPr>
-        <p:spPr>
-          <a:xfrm>
-            <a:off x="0" y="6492875"/>
-            <a:ext cx="2743200" cy="365125"/>
-          </a:xfrm>
-          <a:prstGeom prst="rect">
-            <a:avLst/>
-          </a:prstGeom>
-        </p:spPr>
-        <p:txBody>
-          <a:bodyPr vert="horz" lIns="91440" tIns="45720" rIns="91440" bIns="45720" rtlCol="0" anchor="ctr"/>
-          <a:lstStyle>
-            <a:defPPr>
-              <a:defRPr lang="zh-TW"/>
-            </a:defPPr>
-            <a:lvl1pPr marL="0" algn="l" defTabSz="914400" rtl="0" eaLnBrk="1" latinLnBrk="0" hangingPunct="1">
-              <a:defRPr sz="1200" kern="1200">
-                <a:solidFill>
-                  <a:schemeClr val="tx1">
-                    <a:tint val="75000"/>
-                  </a:schemeClr>
-                </a:solidFill>
-                <a:latin typeface="+mn-lt"/>
-                <a:ea typeface="+mn-ea"/>
-                <a:cs typeface="+mn-cs"/>
-              </a:defRPr>
-            </a:lvl1pPr>
-            <a:lvl2pPr marL="457200" algn="l" defTabSz="914400" rtl="0" eaLnBrk="1" latinLnBrk="0" hangingPunct="1">
-              <a:defRPr sz="1800" kern="1200">
-                <a:solidFill>
-                  <a:schemeClr val="tx1"/>
-                </a:solidFill>
-                <a:latin typeface="+mn-lt"/>
-                <a:ea typeface="+mn-ea"/>
-                <a:cs typeface="+mn-cs"/>
-              </a:defRPr>
-            </a:lvl2pPr>
-            <a:lvl3pPr marL="914400" algn="l" defTabSz="914400" rtl="0" eaLnBrk="1" latinLnBrk="0" hangingPunct="1">
-              <a:defRPr sz="1800" kern="1200">
-                <a:solidFill>
-                  <a:schemeClr val="tx1"/>
-                </a:solidFill>
-                <a:latin typeface="+mn-lt"/>
-                <a:ea typeface="+mn-ea"/>
-                <a:cs typeface="+mn-cs"/>
-              </a:defRPr>
-            </a:lvl3pPr>
-            <a:lvl4pPr marL="1371600" algn="l" defTabSz="914400" rtl="0" eaLnBrk="1" latinLnBrk="0" hangingPunct="1">
-              <a:defRPr sz="1800" kern="1200">
-                <a:solidFill>
-                  <a:schemeClr val="tx1"/>
-                </a:solidFill>
-                <a:latin typeface="+mn-lt"/>
-                <a:ea typeface="+mn-ea"/>
-                <a:cs typeface="+mn-cs"/>
-              </a:defRPr>
-            </a:lvl4pPr>
-            <a:lvl5pPr marL="1828800" algn="l" defTabSz="914400" rtl="0" eaLnBrk="1" latinLnBrk="0" hangingPunct="1">
-              <a:defRPr sz="1800" kern="1200">
-                <a:solidFill>
-                  <a:schemeClr val="tx1"/>
-                </a:solidFill>
-                <a:latin typeface="+mn-lt"/>
-                <a:ea typeface="+mn-ea"/>
-                <a:cs typeface="+mn-cs"/>
-              </a:defRPr>
-            </a:lvl5pPr>
-            <a:lvl6pPr marL="2286000" algn="l" defTabSz="914400" rtl="0" eaLnBrk="1" latinLnBrk="0" hangingPunct="1">
-              <a:defRPr sz="1800" kern="1200">
-                <a:solidFill>
-                  <a:schemeClr val="tx1"/>
-                </a:solidFill>
-                <a:latin typeface="+mn-lt"/>
-                <a:ea typeface="+mn-ea"/>
-                <a:cs typeface="+mn-cs"/>
-              </a:defRPr>
-            </a:lvl6pPr>
-            <a:lvl7pPr marL="2743200" algn="l" defTabSz="914400" rtl="0" eaLnBrk="1" latinLnBrk="0" hangingPunct="1">
-              <a:defRPr sz="1800" kern="1200">
-                <a:solidFill>
-                  <a:schemeClr val="tx1"/>
-                </a:solidFill>
-                <a:latin typeface="+mn-lt"/>
-                <a:ea typeface="+mn-ea"/>
-                <a:cs typeface="+mn-cs"/>
-              </a:defRPr>
-            </a:lvl7pPr>
-            <a:lvl8pPr marL="3200400" algn="l" defTabSz="914400" rtl="0" eaLnBrk="1" latinLnBrk="0" hangingPunct="1">
-              <a:defRPr sz="1800" kern="1200">
-                <a:solidFill>
-                  <a:schemeClr val="tx1"/>
-                </a:solidFill>
-                <a:latin typeface="+mn-lt"/>
-                <a:ea typeface="+mn-ea"/>
-                <a:cs typeface="+mn-cs"/>
-              </a:defRPr>
-            </a:lvl8pPr>
-            <a:lvl9pPr marL="3657600" algn="l" defTabSz="914400" rtl="0" eaLnBrk="1" latinLnBrk="0" hangingPunct="1">
-              <a:defRPr sz="1800" kern="1200">
-                <a:solidFill>
-                  <a:schemeClr val="tx1"/>
-                </a:solidFill>
-                <a:latin typeface="+mn-lt"/>
-                <a:ea typeface="+mn-ea"/>
-                <a:cs typeface="+mn-cs"/>
-              </a:defRPr>
-            </a:lvl9pPr>
-          </a:lstStyle>
-          <a:p>
-            <a:r>
-              <a:rPr lang="en-US" altLang="zh-TW" dirty="0"/>
-              <a:t>TYIC</a:t>
-            </a:r>
-            <a:r>
-              <a:rPr lang="zh-TW" altLang="en-US"/>
-              <a:t>桃高資訊社</a:t>
-            </a:r>
-          </a:p>
-        </p:txBody>
-      </p:sp>
-      <p:sp>
-        <p:nvSpPr>
-          <p:cNvPr id="10" name="投影片編號版面配置區 5">
-            <a:extLst>
-              <a:ext uri="{FF2B5EF4-FFF2-40B4-BE49-F238E27FC236}">
-                <a16:creationId xmlns:a16="http://schemas.microsoft.com/office/drawing/2014/main" id="{C49BA910-B89D-480D-839D-27EA45309D92}"/>
-              </a:ext>
-            </a:extLst>
-          </p:cNvPr>
-          <p:cNvSpPr txBox="1">
-            <a:spLocks/>
-          </p:cNvSpPr>
-          <p:nvPr/>
-        </p:nvSpPr>
-        <p:spPr>
-          <a:xfrm>
-            <a:off x="9448800" y="6492874"/>
-            <a:ext cx="2743200" cy="365125"/>
-          </a:xfrm>
-          <a:prstGeom prst="rect">
-            <a:avLst/>
-          </a:prstGeom>
-        </p:spPr>
-        <p:txBody>
-          <a:bodyPr vert="horz" lIns="91440" tIns="45720" rIns="91440" bIns="45720" rtlCol="0" anchor="ctr"/>
-          <a:lstStyle>
-            <a:defPPr>
-              <a:defRPr lang="zh-TW"/>
-            </a:defPPr>
-            <a:lvl1pPr marL="0" algn="r" defTabSz="914400" rtl="0" eaLnBrk="1" latinLnBrk="0" hangingPunct="1">
-              <a:defRPr sz="1200" kern="1200">
-                <a:solidFill>
-                  <a:schemeClr val="tx1">
-                    <a:tint val="75000"/>
-                  </a:schemeClr>
-                </a:solidFill>
-                <a:latin typeface="+mn-lt"/>
-                <a:ea typeface="+mn-ea"/>
-                <a:cs typeface="+mn-cs"/>
-              </a:defRPr>
-            </a:lvl1pPr>
-            <a:lvl2pPr marL="457200" algn="l" defTabSz="914400" rtl="0" eaLnBrk="1" latinLnBrk="0" hangingPunct="1">
-              <a:defRPr sz="1800" kern="1200">
-                <a:solidFill>
-                  <a:schemeClr val="tx1"/>
-                </a:solidFill>
-                <a:latin typeface="+mn-lt"/>
-                <a:ea typeface="+mn-ea"/>
-                <a:cs typeface="+mn-cs"/>
-              </a:defRPr>
-            </a:lvl2pPr>
-            <a:lvl3pPr marL="914400" algn="l" defTabSz="914400" rtl="0" eaLnBrk="1" latinLnBrk="0" hangingPunct="1">
-              <a:defRPr sz="1800" kern="1200">
-                <a:solidFill>
-                  <a:schemeClr val="tx1"/>
-                </a:solidFill>
-                <a:latin typeface="+mn-lt"/>
-                <a:ea typeface="+mn-ea"/>
-                <a:cs typeface="+mn-cs"/>
-              </a:defRPr>
-            </a:lvl3pPr>
-            <a:lvl4pPr marL="1371600" algn="l" defTabSz="914400" rtl="0" eaLnBrk="1" latinLnBrk="0" hangingPunct="1">
-              <a:defRPr sz="1800" kern="1200">
-                <a:solidFill>
-                  <a:schemeClr val="tx1"/>
-                </a:solidFill>
-                <a:latin typeface="+mn-lt"/>
-                <a:ea typeface="+mn-ea"/>
-                <a:cs typeface="+mn-cs"/>
-              </a:defRPr>
-            </a:lvl4pPr>
-            <a:lvl5pPr marL="1828800" algn="l" defTabSz="914400" rtl="0" eaLnBrk="1" latinLnBrk="0" hangingPunct="1">
-              <a:defRPr sz="1800" kern="1200">
-                <a:solidFill>
-                  <a:schemeClr val="tx1"/>
-                </a:solidFill>
-                <a:latin typeface="+mn-lt"/>
-                <a:ea typeface="+mn-ea"/>
-                <a:cs typeface="+mn-cs"/>
-              </a:defRPr>
-            </a:lvl5pPr>
-            <a:lvl6pPr marL="2286000" algn="l" defTabSz="914400" rtl="0" eaLnBrk="1" latinLnBrk="0" hangingPunct="1">
-              <a:defRPr sz="1800" kern="1200">
-                <a:solidFill>
-                  <a:schemeClr val="tx1"/>
-                </a:solidFill>
-                <a:latin typeface="+mn-lt"/>
-                <a:ea typeface="+mn-ea"/>
-                <a:cs typeface="+mn-cs"/>
-              </a:defRPr>
-            </a:lvl6pPr>
-            <a:lvl7pPr marL="2743200" algn="l" defTabSz="914400" rtl="0" eaLnBrk="1" latinLnBrk="0" hangingPunct="1">
-              <a:defRPr sz="1800" kern="1200">
-                <a:solidFill>
-                  <a:schemeClr val="tx1"/>
-                </a:solidFill>
-                <a:latin typeface="+mn-lt"/>
-                <a:ea typeface="+mn-ea"/>
-                <a:cs typeface="+mn-cs"/>
-              </a:defRPr>
-            </a:lvl7pPr>
-            <a:lvl8pPr marL="3200400" algn="l" defTabSz="914400" rtl="0" eaLnBrk="1" latinLnBrk="0" hangingPunct="1">
-              <a:defRPr sz="1800" kern="1200">
-                <a:solidFill>
-                  <a:schemeClr val="tx1"/>
-                </a:solidFill>
-                <a:latin typeface="+mn-lt"/>
-                <a:ea typeface="+mn-ea"/>
-                <a:cs typeface="+mn-cs"/>
-              </a:defRPr>
-            </a:lvl8pPr>
-            <a:lvl9pPr marL="3657600" algn="l" defTabSz="914400" rtl="0" eaLnBrk="1" latinLnBrk="0" hangingPunct="1">
-              <a:defRPr sz="1800" kern="1200">
-                <a:solidFill>
-                  <a:schemeClr val="tx1"/>
-                </a:solidFill>
-                <a:latin typeface="+mn-lt"/>
-                <a:ea typeface="+mn-ea"/>
-                <a:cs typeface="+mn-cs"/>
-              </a:defRPr>
-            </a:lvl9pPr>
-          </a:lstStyle>
-          <a:p>
-            <a:fld id="{D4328D90-2A6F-4F23-88A8-C5DCC2B5F307}" type="slidenum">
-              <a:rPr lang="zh-TW" altLang="en-US" smtClean="0"/>
-              <a:pPr/>
-              <a:t>‹#›</a:t>
-            </a:fld>
-            <a:endParaRPr lang="zh-TW" altLang="en-US"/>
-          </a:p>
-        </p:txBody>
-      </p:sp>
-    </p:spTree>
-    <p:extLst>
-      <p:ext uri="{BB962C8B-B14F-4D97-AF65-F5344CB8AC3E}">
-        <p14:creationId xmlns:p14="http://schemas.microsoft.com/office/powerpoint/2010/main" val="602306633"/>
-      </p:ext>
-    </p:extLst>
-  </p:cSld>
-  <p:clrMapOvr>
-    <a:masterClrMapping/>
-  </p:clrMapOvr>
-  <p:transition spd="slow">
-    <p:push dir="u"/>
-  </p:transition>
-</p:sldLayout>
-</file>
-
-<file path=ppt/slideLayouts/slideLayout5.xml><?xml version="1.0" encoding="utf-8"?>
-<p:sldLayout xmlns:a="http://schemas.openxmlformats.org/drawingml/2006/main" xmlns:r="http://schemas.openxmlformats.org/officeDocument/2006/relationships" xmlns:p="http://schemas.openxmlformats.org/presentationml/2006/main" type="twoTxTwoObj" preserve="1">
-  <p:cSld name="比較">
-    <p:spTree>
-      <p:nvGrpSpPr>
-        <p:cNvPr id="1" name=""/>
-        <p:cNvGrpSpPr/>
-        <p:nvPr/>
-      </p:nvGrpSpPr>
-      <p:grpSpPr>
-        <a:xfrm>
-          <a:off x="0" y="0"/>
-          <a:ext cx="0" cy="0"/>
-          <a:chOff x="0" y="0"/>
-          <a:chExt cx="0" cy="0"/>
-        </a:xfrm>
-      </p:grpSpPr>
-      <p:sp>
-        <p:nvSpPr>
-          <p:cNvPr id="2" name="標題 1">
-            <a:extLst>
-              <a:ext uri="{FF2B5EF4-FFF2-40B4-BE49-F238E27FC236}">
-                <a16:creationId xmlns:a16="http://schemas.microsoft.com/office/drawing/2014/main" id="{1261A8C4-296D-438B-8D76-3F8B57A7B280}"/>
-              </a:ext>
-            </a:extLst>
-          </p:cNvPr>
-          <p:cNvSpPr>
-            <a:spLocks noGrp="1"/>
-          </p:cNvSpPr>
-          <p:nvPr>
-            <p:ph type="title"/>
-          </p:nvPr>
-        </p:nvSpPr>
-        <p:spPr>
-          <a:xfrm>
-            <a:off x="839788" y="365125"/>
-            <a:ext cx="10515600" cy="1325563"/>
-          </a:xfrm>
-        </p:spPr>
-        <p:txBody>
-          <a:bodyPr/>
-          <a:lstStyle/>
-          <a:p>
-            <a:r>
-              <a:rPr lang="zh-TW" altLang="en-US"/>
-              <a:t>按一下以編輯母片標題樣式</a:t>
-            </a:r>
-          </a:p>
-        </p:txBody>
-      </p:sp>
-      <p:sp>
-        <p:nvSpPr>
-          <p:cNvPr id="3" name="文字版面配置區 2">
-            <a:extLst>
-              <a:ext uri="{FF2B5EF4-FFF2-40B4-BE49-F238E27FC236}">
-                <a16:creationId xmlns:a16="http://schemas.microsoft.com/office/drawing/2014/main" id="{1D56BB08-0AE2-466A-A236-AF0465E555C2}"/>
-              </a:ext>
-            </a:extLst>
-          </p:cNvPr>
-          <p:cNvSpPr>
-            <a:spLocks noGrp="1"/>
-          </p:cNvSpPr>
-          <p:nvPr>
-            <p:ph type="body" idx="1"/>
-          </p:nvPr>
-        </p:nvSpPr>
-        <p:spPr>
-          <a:xfrm>
-            <a:off x="839788" y="1681163"/>
-            <a:ext cx="5157787" cy="823912"/>
-          </a:xfrm>
-        </p:spPr>
-        <p:txBody>
-          <a:bodyPr anchor="b"/>
-          <a:lstStyle>
-            <a:lvl1pPr marL="0" indent="0">
-              <a:buNone/>
-              <a:defRPr sz="2400" b="1"/>
-            </a:lvl1pPr>
-            <a:lvl2pPr marL="457200" indent="0">
-              <a:buNone/>
-              <a:defRPr sz="2000" b="1"/>
-            </a:lvl2pPr>
-            <a:lvl3pPr marL="914400" indent="0">
-              <a:buNone/>
-              <a:defRPr sz="1800" b="1"/>
-            </a:lvl3pPr>
-            <a:lvl4pPr marL="1371600" indent="0">
-              <a:buNone/>
-              <a:defRPr sz="1600" b="1"/>
-            </a:lvl4pPr>
-            <a:lvl5pPr marL="1828800" indent="0">
-              <a:buNone/>
-              <a:defRPr sz="1600" b="1"/>
-            </a:lvl5pPr>
-            <a:lvl6pPr marL="2286000" indent="0">
-              <a:buNone/>
-              <a:defRPr sz="1600" b="1"/>
-            </a:lvl6pPr>
-            <a:lvl7pPr marL="2743200" indent="0">
-              <a:buNone/>
-              <a:defRPr sz="1600" b="1"/>
-            </a:lvl7pPr>
-            <a:lvl8pPr marL="3200400" indent="0">
-              <a:buNone/>
-              <a:defRPr sz="1600" b="1"/>
-            </a:lvl8pPr>
-            <a:lvl9pPr marL="3657600" indent="0">
-              <a:buNone/>
-              <a:defRPr sz="1600" b="1"/>
-            </a:lvl9pPr>
-          </a:lstStyle>
-          <a:p>
-            <a:pPr lvl="0"/>
-            <a:r>
-              <a:rPr lang="zh-TW" altLang="en-US"/>
-              <a:t>按一下以編輯母片文字樣式</a:t>
-            </a:r>
-          </a:p>
-        </p:txBody>
-      </p:sp>
-      <p:sp>
-        <p:nvSpPr>
-          <p:cNvPr id="4" name="內容版面配置區 3">
-            <a:extLst>
-              <a:ext uri="{FF2B5EF4-FFF2-40B4-BE49-F238E27FC236}">
-                <a16:creationId xmlns:a16="http://schemas.microsoft.com/office/drawing/2014/main" id="{DBF7F7E7-C7E3-438A-9287-5ABE84A43B59}"/>
-              </a:ext>
-            </a:extLst>
-          </p:cNvPr>
-          <p:cNvSpPr>
-            <a:spLocks noGrp="1"/>
-          </p:cNvSpPr>
-          <p:nvPr>
-            <p:ph sz="half" idx="2"/>
-          </p:nvPr>
-        </p:nvSpPr>
-        <p:spPr>
-          <a:xfrm>
-            <a:off x="839788" y="2505075"/>
-            <a:ext cx="5157787" cy="3684588"/>
-          </a:xfrm>
-        </p:spPr>
-        <p:txBody>
-          <a:bodyPr/>
-          <a:lstStyle/>
-          <a:p>
-            <a:pPr lvl="0"/>
-            <a:r>
-              <a:rPr lang="zh-TW" altLang="en-US"/>
-              <a:t>按一下以編輯母片文字樣式</a:t>
-            </a:r>
-          </a:p>
-          <a:p>
-            <a:pPr lvl="1"/>
-            <a:r>
-              <a:rPr lang="zh-TW" altLang="en-US"/>
-              <a:t>第二層</a:t>
-            </a:r>
-          </a:p>
-          <a:p>
-            <a:pPr lvl="2"/>
-            <a:r>
-              <a:rPr lang="zh-TW" altLang="en-US"/>
-              <a:t>第三層</a:t>
-            </a:r>
-          </a:p>
-          <a:p>
-            <a:pPr lvl="3"/>
-            <a:r>
-              <a:rPr lang="zh-TW" altLang="en-US"/>
-              <a:t>第四層</a:t>
-            </a:r>
-          </a:p>
-          <a:p>
-            <a:pPr lvl="4"/>
-            <a:r>
-              <a:rPr lang="zh-TW" altLang="en-US"/>
-              <a:t>第五層</a:t>
-            </a:r>
-          </a:p>
-        </p:txBody>
-      </p:sp>
-      <p:sp>
-        <p:nvSpPr>
-          <p:cNvPr id="5" name="文字版面配置區 4">
-            <a:extLst>
-              <a:ext uri="{FF2B5EF4-FFF2-40B4-BE49-F238E27FC236}">
-                <a16:creationId xmlns:a16="http://schemas.microsoft.com/office/drawing/2014/main" id="{9DD36D3E-55E7-4DE3-A367-2D7A37528211}"/>
-              </a:ext>
-            </a:extLst>
-          </p:cNvPr>
-          <p:cNvSpPr>
-            <a:spLocks noGrp="1"/>
-          </p:cNvSpPr>
-          <p:nvPr>
-            <p:ph type="body" sz="quarter" idx="3"/>
-          </p:nvPr>
-        </p:nvSpPr>
-        <p:spPr>
-          <a:xfrm>
-            <a:off x="6172200" y="1681163"/>
-            <a:ext cx="5183188" cy="823912"/>
-          </a:xfrm>
-        </p:spPr>
-        <p:txBody>
-          <a:bodyPr anchor="b"/>
-          <a:lstStyle>
-            <a:lvl1pPr marL="0" indent="0">
-              <a:buNone/>
-              <a:defRPr sz="2400" b="1"/>
-            </a:lvl1pPr>
-            <a:lvl2pPr marL="457200" indent="0">
-              <a:buNone/>
-              <a:defRPr sz="2000" b="1"/>
-            </a:lvl2pPr>
-            <a:lvl3pPr marL="914400" indent="0">
-              <a:buNone/>
-              <a:defRPr sz="1800" b="1"/>
-            </a:lvl3pPr>
-            <a:lvl4pPr marL="1371600" indent="0">
-              <a:buNone/>
-              <a:defRPr sz="1600" b="1"/>
-            </a:lvl4pPr>
-            <a:lvl5pPr marL="1828800" indent="0">
-              <a:buNone/>
-              <a:defRPr sz="1600" b="1"/>
-            </a:lvl5pPr>
-            <a:lvl6pPr marL="2286000" indent="0">
-              <a:buNone/>
-              <a:defRPr sz="1600" b="1"/>
-            </a:lvl6pPr>
-            <a:lvl7pPr marL="2743200" indent="0">
-              <a:buNone/>
-              <a:defRPr sz="1600" b="1"/>
-            </a:lvl7pPr>
-            <a:lvl8pPr marL="3200400" indent="0">
-              <a:buNone/>
-              <a:defRPr sz="1600" b="1"/>
-            </a:lvl8pPr>
-            <a:lvl9pPr marL="3657600" indent="0">
-              <a:buNone/>
-              <a:defRPr sz="1600" b="1"/>
-            </a:lvl9pPr>
-          </a:lstStyle>
-          <a:p>
-            <a:pPr lvl="0"/>
-            <a:r>
-              <a:rPr lang="zh-TW" altLang="en-US"/>
-              <a:t>按一下以編輯母片文字樣式</a:t>
-            </a:r>
-          </a:p>
-        </p:txBody>
-      </p:sp>
-      <p:sp>
-        <p:nvSpPr>
-          <p:cNvPr id="6" name="內容版面配置區 5">
-            <a:extLst>
-              <a:ext uri="{FF2B5EF4-FFF2-40B4-BE49-F238E27FC236}">
-                <a16:creationId xmlns:a16="http://schemas.microsoft.com/office/drawing/2014/main" id="{AC2AB8B4-F49C-4138-953D-5AA69A9F2ED5}"/>
-              </a:ext>
-            </a:extLst>
-          </p:cNvPr>
-          <p:cNvSpPr>
-            <a:spLocks noGrp="1"/>
-          </p:cNvSpPr>
-          <p:nvPr>
-            <p:ph sz="quarter" idx="4"/>
-          </p:nvPr>
-        </p:nvSpPr>
-        <p:spPr>
-          <a:xfrm>
-            <a:off x="6172200" y="2505075"/>
-            <a:ext cx="5183188" cy="3684588"/>
-          </a:xfrm>
-        </p:spPr>
-        <p:txBody>
-          <a:bodyPr/>
-          <a:lstStyle/>
-          <a:p>
-            <a:pPr lvl="0"/>
-            <a:r>
-              <a:rPr lang="zh-TW" altLang="en-US"/>
-              <a:t>按一下以編輯母片文字樣式</a:t>
-            </a:r>
-          </a:p>
-          <a:p>
-            <a:pPr lvl="1"/>
-            <a:r>
-              <a:rPr lang="zh-TW" altLang="en-US"/>
-              <a:t>第二層</a:t>
-            </a:r>
-          </a:p>
-          <a:p>
-            <a:pPr lvl="2"/>
-            <a:r>
-              <a:rPr lang="zh-TW" altLang="en-US"/>
-              <a:t>第三層</a:t>
-            </a:r>
-          </a:p>
-          <a:p>
-            <a:pPr lvl="3"/>
-            <a:r>
-              <a:rPr lang="zh-TW" altLang="en-US"/>
-              <a:t>第四層</a:t>
-            </a:r>
-          </a:p>
-          <a:p>
-            <a:pPr lvl="4"/>
-            <a:r>
-              <a:rPr lang="zh-TW" altLang="en-US"/>
-              <a:t>第五層</a:t>
-            </a:r>
-          </a:p>
-        </p:txBody>
-      </p:sp>
-      <p:sp>
-        <p:nvSpPr>
-          <p:cNvPr id="10" name="頁尾版面配置區 4">
-            <a:extLst>
-              <a:ext uri="{FF2B5EF4-FFF2-40B4-BE49-F238E27FC236}">
-                <a16:creationId xmlns:a16="http://schemas.microsoft.com/office/drawing/2014/main" id="{EE0D0455-DB77-4E86-9A44-7A5FDD1DD418}"/>
-              </a:ext>
-            </a:extLst>
-          </p:cNvPr>
-          <p:cNvSpPr txBox="1">
-            <a:spLocks/>
-          </p:cNvSpPr>
-          <p:nvPr/>
-        </p:nvSpPr>
-        <p:spPr>
-          <a:xfrm>
-            <a:off x="0" y="6492875"/>
-            <a:ext cx="2743200" cy="365125"/>
-          </a:xfrm>
-          <a:prstGeom prst="rect">
-            <a:avLst/>
-          </a:prstGeom>
-        </p:spPr>
-        <p:txBody>
-          <a:bodyPr vert="horz" lIns="91440" tIns="45720" rIns="91440" bIns="45720" rtlCol="0" anchor="ctr"/>
-          <a:lstStyle>
-            <a:defPPr>
-              <a:defRPr lang="zh-TW"/>
-            </a:defPPr>
-            <a:lvl1pPr marL="0" algn="l" defTabSz="914400" rtl="0" eaLnBrk="1" latinLnBrk="0" hangingPunct="1">
-              <a:defRPr sz="1200" kern="1200">
-                <a:solidFill>
-                  <a:schemeClr val="tx1">
-                    <a:tint val="75000"/>
-                  </a:schemeClr>
-                </a:solidFill>
-                <a:latin typeface="+mn-lt"/>
-                <a:ea typeface="+mn-ea"/>
-                <a:cs typeface="+mn-cs"/>
-              </a:defRPr>
-            </a:lvl1pPr>
-            <a:lvl2pPr marL="457200" algn="l" defTabSz="914400" rtl="0" eaLnBrk="1" latinLnBrk="0" hangingPunct="1">
-              <a:defRPr sz="1800" kern="1200">
-                <a:solidFill>
-                  <a:schemeClr val="tx1"/>
-                </a:solidFill>
-                <a:latin typeface="+mn-lt"/>
-                <a:ea typeface="+mn-ea"/>
-                <a:cs typeface="+mn-cs"/>
-              </a:defRPr>
-            </a:lvl2pPr>
-            <a:lvl3pPr marL="914400" algn="l" defTabSz="914400" rtl="0" eaLnBrk="1" latinLnBrk="0" hangingPunct="1">
-              <a:defRPr sz="1800" kern="1200">
-                <a:solidFill>
-                  <a:schemeClr val="tx1"/>
-                </a:solidFill>
-                <a:latin typeface="+mn-lt"/>
-                <a:ea typeface="+mn-ea"/>
-                <a:cs typeface="+mn-cs"/>
-              </a:defRPr>
-            </a:lvl3pPr>
-            <a:lvl4pPr marL="1371600" algn="l" defTabSz="914400" rtl="0" eaLnBrk="1" latinLnBrk="0" hangingPunct="1">
-              <a:defRPr sz="1800" kern="1200">
-                <a:solidFill>
-                  <a:schemeClr val="tx1"/>
-                </a:solidFill>
-                <a:latin typeface="+mn-lt"/>
-                <a:ea typeface="+mn-ea"/>
-                <a:cs typeface="+mn-cs"/>
-              </a:defRPr>
-            </a:lvl4pPr>
-            <a:lvl5pPr marL="1828800" algn="l" defTabSz="914400" rtl="0" eaLnBrk="1" latinLnBrk="0" hangingPunct="1">
-              <a:defRPr sz="1800" kern="1200">
-                <a:solidFill>
-                  <a:schemeClr val="tx1"/>
-                </a:solidFill>
-                <a:latin typeface="+mn-lt"/>
-                <a:ea typeface="+mn-ea"/>
-                <a:cs typeface="+mn-cs"/>
-              </a:defRPr>
-            </a:lvl5pPr>
-            <a:lvl6pPr marL="2286000" algn="l" defTabSz="914400" rtl="0" eaLnBrk="1" latinLnBrk="0" hangingPunct="1">
-              <a:defRPr sz="1800" kern="1200">
-                <a:solidFill>
-                  <a:schemeClr val="tx1"/>
-                </a:solidFill>
-                <a:latin typeface="+mn-lt"/>
-                <a:ea typeface="+mn-ea"/>
-                <a:cs typeface="+mn-cs"/>
-              </a:defRPr>
-            </a:lvl6pPr>
-            <a:lvl7pPr marL="2743200" algn="l" defTabSz="914400" rtl="0" eaLnBrk="1" latinLnBrk="0" hangingPunct="1">
-              <a:defRPr sz="1800" kern="1200">
-                <a:solidFill>
-                  <a:schemeClr val="tx1"/>
-                </a:solidFill>
-                <a:latin typeface="+mn-lt"/>
-                <a:ea typeface="+mn-ea"/>
-                <a:cs typeface="+mn-cs"/>
-              </a:defRPr>
-            </a:lvl7pPr>
-            <a:lvl8pPr marL="3200400" algn="l" defTabSz="914400" rtl="0" eaLnBrk="1" latinLnBrk="0" hangingPunct="1">
-              <a:defRPr sz="1800" kern="1200">
-                <a:solidFill>
-                  <a:schemeClr val="tx1"/>
-                </a:solidFill>
-                <a:latin typeface="+mn-lt"/>
-                <a:ea typeface="+mn-ea"/>
-                <a:cs typeface="+mn-cs"/>
-              </a:defRPr>
-            </a:lvl8pPr>
-            <a:lvl9pPr marL="3657600" algn="l" defTabSz="914400" rtl="0" eaLnBrk="1" latinLnBrk="0" hangingPunct="1">
-              <a:defRPr sz="1800" kern="1200">
-                <a:solidFill>
-                  <a:schemeClr val="tx1"/>
-                </a:solidFill>
-                <a:latin typeface="+mn-lt"/>
-                <a:ea typeface="+mn-ea"/>
-                <a:cs typeface="+mn-cs"/>
-              </a:defRPr>
-            </a:lvl9pPr>
-          </a:lstStyle>
-          <a:p>
-            <a:r>
-              <a:rPr lang="en-US" altLang="zh-TW"/>
-              <a:t>TYIC</a:t>
-            </a:r>
-            <a:r>
-              <a:rPr lang="zh-TW" altLang="en-US"/>
-              <a:t>桃高資訊社</a:t>
-            </a:r>
-          </a:p>
-        </p:txBody>
-      </p:sp>
-      <p:sp>
-        <p:nvSpPr>
-          <p:cNvPr id="11" name="投影片編號版面配置區 5">
-            <a:extLst>
-              <a:ext uri="{FF2B5EF4-FFF2-40B4-BE49-F238E27FC236}">
-                <a16:creationId xmlns:a16="http://schemas.microsoft.com/office/drawing/2014/main" id="{61BEB5C0-CA6F-4D05-A5B1-D9B3326D213A}"/>
-              </a:ext>
-            </a:extLst>
-          </p:cNvPr>
-          <p:cNvSpPr txBox="1">
-            <a:spLocks/>
-          </p:cNvSpPr>
-          <p:nvPr/>
-        </p:nvSpPr>
-        <p:spPr>
-          <a:xfrm>
-            <a:off x="9448800" y="6492874"/>
-            <a:ext cx="2743200" cy="365125"/>
-          </a:xfrm>
-          <a:prstGeom prst="rect">
-            <a:avLst/>
-          </a:prstGeom>
-        </p:spPr>
-        <p:txBody>
-          <a:bodyPr vert="horz" lIns="91440" tIns="45720" rIns="91440" bIns="45720" rtlCol="0" anchor="ctr"/>
-          <a:lstStyle>
-            <a:defPPr>
-              <a:defRPr lang="zh-TW"/>
-            </a:defPPr>
-            <a:lvl1pPr marL="0" algn="r" defTabSz="914400" rtl="0" eaLnBrk="1" latinLnBrk="0" hangingPunct="1">
-              <a:defRPr sz="1200" kern="1200">
-                <a:solidFill>
-                  <a:schemeClr val="tx1">
-                    <a:tint val="75000"/>
-                  </a:schemeClr>
-                </a:solidFill>
-                <a:latin typeface="+mn-lt"/>
-                <a:ea typeface="+mn-ea"/>
-                <a:cs typeface="+mn-cs"/>
-              </a:defRPr>
-            </a:lvl1pPr>
-            <a:lvl2pPr marL="457200" algn="l" defTabSz="914400" rtl="0" eaLnBrk="1" latinLnBrk="0" hangingPunct="1">
-              <a:defRPr sz="1800" kern="1200">
-                <a:solidFill>
-                  <a:schemeClr val="tx1"/>
-                </a:solidFill>
-                <a:latin typeface="+mn-lt"/>
-                <a:ea typeface="+mn-ea"/>
-                <a:cs typeface="+mn-cs"/>
-              </a:defRPr>
-            </a:lvl2pPr>
-            <a:lvl3pPr marL="914400" algn="l" defTabSz="914400" rtl="0" eaLnBrk="1" latinLnBrk="0" hangingPunct="1">
-              <a:defRPr sz="1800" kern="1200">
-                <a:solidFill>
-                  <a:schemeClr val="tx1"/>
-                </a:solidFill>
-                <a:latin typeface="+mn-lt"/>
-                <a:ea typeface="+mn-ea"/>
-                <a:cs typeface="+mn-cs"/>
-              </a:defRPr>
-            </a:lvl3pPr>
-            <a:lvl4pPr marL="1371600" algn="l" defTabSz="914400" rtl="0" eaLnBrk="1" latinLnBrk="0" hangingPunct="1">
-              <a:defRPr sz="1800" kern="1200">
-                <a:solidFill>
-                  <a:schemeClr val="tx1"/>
-                </a:solidFill>
-                <a:latin typeface="+mn-lt"/>
-                <a:ea typeface="+mn-ea"/>
-                <a:cs typeface="+mn-cs"/>
-              </a:defRPr>
-            </a:lvl4pPr>
-            <a:lvl5pPr marL="1828800" algn="l" defTabSz="914400" rtl="0" eaLnBrk="1" latinLnBrk="0" hangingPunct="1">
-              <a:defRPr sz="1800" kern="1200">
-                <a:solidFill>
-                  <a:schemeClr val="tx1"/>
-                </a:solidFill>
-                <a:latin typeface="+mn-lt"/>
-                <a:ea typeface="+mn-ea"/>
-                <a:cs typeface="+mn-cs"/>
-              </a:defRPr>
-            </a:lvl5pPr>
-            <a:lvl6pPr marL="2286000" algn="l" defTabSz="914400" rtl="0" eaLnBrk="1" latinLnBrk="0" hangingPunct="1">
-              <a:defRPr sz="1800" kern="1200">
-                <a:solidFill>
-                  <a:schemeClr val="tx1"/>
-                </a:solidFill>
-                <a:latin typeface="+mn-lt"/>
-                <a:ea typeface="+mn-ea"/>
-                <a:cs typeface="+mn-cs"/>
-              </a:defRPr>
-            </a:lvl6pPr>
-            <a:lvl7pPr marL="2743200" algn="l" defTabSz="914400" rtl="0" eaLnBrk="1" latinLnBrk="0" hangingPunct="1">
-              <a:defRPr sz="1800" kern="1200">
-                <a:solidFill>
-                  <a:schemeClr val="tx1"/>
-                </a:solidFill>
-                <a:latin typeface="+mn-lt"/>
-                <a:ea typeface="+mn-ea"/>
-                <a:cs typeface="+mn-cs"/>
-              </a:defRPr>
-            </a:lvl7pPr>
-            <a:lvl8pPr marL="3200400" algn="l" defTabSz="914400" rtl="0" eaLnBrk="1" latinLnBrk="0" hangingPunct="1">
-              <a:defRPr sz="1800" kern="1200">
-                <a:solidFill>
-                  <a:schemeClr val="tx1"/>
-                </a:solidFill>
-                <a:latin typeface="+mn-lt"/>
-                <a:ea typeface="+mn-ea"/>
-                <a:cs typeface="+mn-cs"/>
-              </a:defRPr>
-            </a:lvl8pPr>
-            <a:lvl9pPr marL="3657600" algn="l" defTabSz="914400" rtl="0" eaLnBrk="1" latinLnBrk="0" hangingPunct="1">
-              <a:defRPr sz="1800" kern="1200">
-                <a:solidFill>
-                  <a:schemeClr val="tx1"/>
-                </a:solidFill>
-                <a:latin typeface="+mn-lt"/>
-                <a:ea typeface="+mn-ea"/>
-                <a:cs typeface="+mn-cs"/>
-              </a:defRPr>
-            </a:lvl9pPr>
-          </a:lstStyle>
-          <a:p>
-            <a:fld id="{D4328D90-2A6F-4F23-88A8-C5DCC2B5F307}" type="slidenum">
-              <a:rPr lang="zh-TW" altLang="en-US" smtClean="0"/>
-              <a:pPr/>
-              <a:t>‹#›</a:t>
-            </a:fld>
-            <a:endParaRPr lang="zh-TW" altLang="en-US"/>
-          </a:p>
-        </p:txBody>
-      </p:sp>
-      <p:sp>
-        <p:nvSpPr>
-          <p:cNvPr id="9" name="頁尾版面配置區 4">
-            <a:extLst>
-              <a:ext uri="{FF2B5EF4-FFF2-40B4-BE49-F238E27FC236}">
-                <a16:creationId xmlns:a16="http://schemas.microsoft.com/office/drawing/2014/main" id="{605C848C-2FFE-453B-B32A-6EEEAD465B71}"/>
-              </a:ext>
-            </a:extLst>
-          </p:cNvPr>
-          <p:cNvSpPr txBox="1">
-            <a:spLocks/>
-          </p:cNvSpPr>
-          <p:nvPr/>
-        </p:nvSpPr>
-        <p:spPr>
-          <a:xfrm>
-            <a:off x="0" y="6492875"/>
-            <a:ext cx="2743200" cy="365125"/>
-          </a:xfrm>
-          <a:prstGeom prst="rect">
-            <a:avLst/>
-          </a:prstGeom>
-        </p:spPr>
-        <p:txBody>
-          <a:bodyPr vert="horz" lIns="91440" tIns="45720" rIns="91440" bIns="45720" rtlCol="0" anchor="ctr"/>
-          <a:lstStyle>
-            <a:defPPr>
-              <a:defRPr lang="zh-TW"/>
-            </a:defPPr>
-            <a:lvl1pPr marL="0" algn="l" defTabSz="914400" rtl="0" eaLnBrk="1" latinLnBrk="0" hangingPunct="1">
-              <a:defRPr sz="1200" kern="1200">
-                <a:solidFill>
-                  <a:schemeClr val="tx1">
-                    <a:tint val="75000"/>
-                  </a:schemeClr>
-                </a:solidFill>
-                <a:latin typeface="+mn-lt"/>
-                <a:ea typeface="+mn-ea"/>
-                <a:cs typeface="+mn-cs"/>
-              </a:defRPr>
-            </a:lvl1pPr>
-            <a:lvl2pPr marL="457200" algn="l" defTabSz="914400" rtl="0" eaLnBrk="1" latinLnBrk="0" hangingPunct="1">
-              <a:defRPr sz="1800" kern="1200">
-                <a:solidFill>
-                  <a:schemeClr val="tx1"/>
-                </a:solidFill>
-                <a:latin typeface="+mn-lt"/>
-                <a:ea typeface="+mn-ea"/>
-                <a:cs typeface="+mn-cs"/>
-              </a:defRPr>
-            </a:lvl2pPr>
-            <a:lvl3pPr marL="914400" algn="l" defTabSz="914400" rtl="0" eaLnBrk="1" latinLnBrk="0" hangingPunct="1">
-              <a:defRPr sz="1800" kern="1200">
-                <a:solidFill>
-                  <a:schemeClr val="tx1"/>
-                </a:solidFill>
-                <a:latin typeface="+mn-lt"/>
-                <a:ea typeface="+mn-ea"/>
-                <a:cs typeface="+mn-cs"/>
-              </a:defRPr>
-            </a:lvl3pPr>
-            <a:lvl4pPr marL="1371600" algn="l" defTabSz="914400" rtl="0" eaLnBrk="1" latinLnBrk="0" hangingPunct="1">
-              <a:defRPr sz="1800" kern="1200">
-                <a:solidFill>
-                  <a:schemeClr val="tx1"/>
-                </a:solidFill>
-                <a:latin typeface="+mn-lt"/>
-                <a:ea typeface="+mn-ea"/>
-                <a:cs typeface="+mn-cs"/>
-              </a:defRPr>
-            </a:lvl4pPr>
-            <a:lvl5pPr marL="1828800" algn="l" defTabSz="914400" rtl="0" eaLnBrk="1" latinLnBrk="0" hangingPunct="1">
-              <a:defRPr sz="1800" kern="1200">
-                <a:solidFill>
-                  <a:schemeClr val="tx1"/>
-                </a:solidFill>
-                <a:latin typeface="+mn-lt"/>
-                <a:ea typeface="+mn-ea"/>
-                <a:cs typeface="+mn-cs"/>
-              </a:defRPr>
-            </a:lvl5pPr>
-            <a:lvl6pPr marL="2286000" algn="l" defTabSz="914400" rtl="0" eaLnBrk="1" latinLnBrk="0" hangingPunct="1">
-              <a:defRPr sz="1800" kern="1200">
-                <a:solidFill>
-                  <a:schemeClr val="tx1"/>
-                </a:solidFill>
-                <a:latin typeface="+mn-lt"/>
-                <a:ea typeface="+mn-ea"/>
-                <a:cs typeface="+mn-cs"/>
-              </a:defRPr>
-            </a:lvl6pPr>
-            <a:lvl7pPr marL="2743200" algn="l" defTabSz="914400" rtl="0" eaLnBrk="1" latinLnBrk="0" hangingPunct="1">
-              <a:defRPr sz="1800" kern="1200">
-                <a:solidFill>
-                  <a:schemeClr val="tx1"/>
-                </a:solidFill>
-                <a:latin typeface="+mn-lt"/>
-                <a:ea typeface="+mn-ea"/>
-                <a:cs typeface="+mn-cs"/>
-              </a:defRPr>
-            </a:lvl7pPr>
-            <a:lvl8pPr marL="3200400" algn="l" defTabSz="914400" rtl="0" eaLnBrk="1" latinLnBrk="0" hangingPunct="1">
-              <a:defRPr sz="1800" kern="1200">
-                <a:solidFill>
-                  <a:schemeClr val="tx1"/>
-                </a:solidFill>
-                <a:latin typeface="+mn-lt"/>
-                <a:ea typeface="+mn-ea"/>
-                <a:cs typeface="+mn-cs"/>
-              </a:defRPr>
-            </a:lvl8pPr>
-            <a:lvl9pPr marL="3657600" algn="l" defTabSz="914400" rtl="0" eaLnBrk="1" latinLnBrk="0" hangingPunct="1">
-              <a:defRPr sz="1800" kern="1200">
-                <a:solidFill>
-                  <a:schemeClr val="tx1"/>
-                </a:solidFill>
-                <a:latin typeface="+mn-lt"/>
-                <a:ea typeface="+mn-ea"/>
-                <a:cs typeface="+mn-cs"/>
-              </a:defRPr>
-            </a:lvl9pPr>
-          </a:lstStyle>
-          <a:p>
-            <a:r>
-              <a:rPr lang="en-US" altLang="zh-TW" dirty="0"/>
-              <a:t>TYIC</a:t>
-            </a:r>
-            <a:r>
-              <a:rPr lang="zh-TW" altLang="en-US"/>
-              <a:t>桃高資訊社</a:t>
-            </a:r>
-          </a:p>
-        </p:txBody>
-      </p:sp>
-      <p:sp>
-        <p:nvSpPr>
-          <p:cNvPr id="12" name="投影片編號版面配置區 5">
-            <a:extLst>
-              <a:ext uri="{FF2B5EF4-FFF2-40B4-BE49-F238E27FC236}">
-                <a16:creationId xmlns:a16="http://schemas.microsoft.com/office/drawing/2014/main" id="{BA25B8BA-C96A-4CF8-B988-C05CD53A4761}"/>
-              </a:ext>
-            </a:extLst>
-          </p:cNvPr>
-          <p:cNvSpPr txBox="1">
-            <a:spLocks/>
-          </p:cNvSpPr>
-          <p:nvPr/>
-        </p:nvSpPr>
-        <p:spPr>
-          <a:xfrm>
-            <a:off x="9448800" y="6492874"/>
-            <a:ext cx="2743200" cy="365125"/>
-          </a:xfrm>
-          <a:prstGeom prst="rect">
-            <a:avLst/>
-          </a:prstGeom>
-        </p:spPr>
-        <p:txBody>
-          <a:bodyPr vert="horz" lIns="91440" tIns="45720" rIns="91440" bIns="45720" rtlCol="0" anchor="ctr"/>
-          <a:lstStyle>
-            <a:defPPr>
-              <a:defRPr lang="zh-TW"/>
-            </a:defPPr>
-            <a:lvl1pPr marL="0" algn="r" defTabSz="914400" rtl="0" eaLnBrk="1" latinLnBrk="0" hangingPunct="1">
-              <a:defRPr sz="1200" kern="1200">
-                <a:solidFill>
-                  <a:schemeClr val="tx1">
-                    <a:tint val="75000"/>
-                  </a:schemeClr>
-                </a:solidFill>
-                <a:latin typeface="+mn-lt"/>
-                <a:ea typeface="+mn-ea"/>
-                <a:cs typeface="+mn-cs"/>
-              </a:defRPr>
-            </a:lvl1pPr>
-            <a:lvl2pPr marL="457200" algn="l" defTabSz="914400" rtl="0" eaLnBrk="1" latinLnBrk="0" hangingPunct="1">
-              <a:defRPr sz="1800" kern="1200">
-                <a:solidFill>
-                  <a:schemeClr val="tx1"/>
-                </a:solidFill>
-                <a:latin typeface="+mn-lt"/>
-                <a:ea typeface="+mn-ea"/>
-                <a:cs typeface="+mn-cs"/>
-              </a:defRPr>
-            </a:lvl2pPr>
-            <a:lvl3pPr marL="914400" algn="l" defTabSz="914400" rtl="0" eaLnBrk="1" latinLnBrk="0" hangingPunct="1">
-              <a:defRPr sz="1800" kern="1200">
-                <a:solidFill>
-                  <a:schemeClr val="tx1"/>
-                </a:solidFill>
-                <a:latin typeface="+mn-lt"/>
-                <a:ea typeface="+mn-ea"/>
-                <a:cs typeface="+mn-cs"/>
-              </a:defRPr>
-            </a:lvl3pPr>
-            <a:lvl4pPr marL="1371600" algn="l" defTabSz="914400" rtl="0" eaLnBrk="1" latinLnBrk="0" hangingPunct="1">
-              <a:defRPr sz="1800" kern="1200">
-                <a:solidFill>
-                  <a:schemeClr val="tx1"/>
-                </a:solidFill>
-                <a:latin typeface="+mn-lt"/>
-                <a:ea typeface="+mn-ea"/>
-                <a:cs typeface="+mn-cs"/>
-              </a:defRPr>
-            </a:lvl4pPr>
-            <a:lvl5pPr marL="1828800" algn="l" defTabSz="914400" rtl="0" eaLnBrk="1" latinLnBrk="0" hangingPunct="1">
-              <a:defRPr sz="1800" kern="1200">
-                <a:solidFill>
-                  <a:schemeClr val="tx1"/>
-                </a:solidFill>
-                <a:latin typeface="+mn-lt"/>
-                <a:ea typeface="+mn-ea"/>
-                <a:cs typeface="+mn-cs"/>
-              </a:defRPr>
-            </a:lvl5pPr>
-            <a:lvl6pPr marL="2286000" algn="l" defTabSz="914400" rtl="0" eaLnBrk="1" latinLnBrk="0" hangingPunct="1">
-              <a:defRPr sz="1800" kern="1200">
-                <a:solidFill>
-                  <a:schemeClr val="tx1"/>
-                </a:solidFill>
-                <a:latin typeface="+mn-lt"/>
-                <a:ea typeface="+mn-ea"/>
-                <a:cs typeface="+mn-cs"/>
-              </a:defRPr>
-            </a:lvl6pPr>
-            <a:lvl7pPr marL="2743200" algn="l" defTabSz="914400" rtl="0" eaLnBrk="1" latinLnBrk="0" hangingPunct="1">
-              <a:defRPr sz="1800" kern="1200">
-                <a:solidFill>
-                  <a:schemeClr val="tx1"/>
-                </a:solidFill>
-                <a:latin typeface="+mn-lt"/>
-                <a:ea typeface="+mn-ea"/>
-                <a:cs typeface="+mn-cs"/>
-              </a:defRPr>
-            </a:lvl7pPr>
-            <a:lvl8pPr marL="3200400" algn="l" defTabSz="914400" rtl="0" eaLnBrk="1" latinLnBrk="0" hangingPunct="1">
-              <a:defRPr sz="1800" kern="1200">
-                <a:solidFill>
-                  <a:schemeClr val="tx1"/>
-                </a:solidFill>
-                <a:latin typeface="+mn-lt"/>
-                <a:ea typeface="+mn-ea"/>
-                <a:cs typeface="+mn-cs"/>
-              </a:defRPr>
-            </a:lvl8pPr>
-            <a:lvl9pPr marL="3657600" algn="l" defTabSz="914400" rtl="0" eaLnBrk="1" latinLnBrk="0" hangingPunct="1">
-              <a:defRPr sz="1800" kern="1200">
-                <a:solidFill>
-                  <a:schemeClr val="tx1"/>
-                </a:solidFill>
-                <a:latin typeface="+mn-lt"/>
-                <a:ea typeface="+mn-ea"/>
-                <a:cs typeface="+mn-cs"/>
-              </a:defRPr>
-            </a:lvl9pPr>
-          </a:lstStyle>
-          <a:p>
-            <a:fld id="{D4328D90-2A6F-4F23-88A8-C5DCC2B5F307}" type="slidenum">
-              <a:rPr lang="zh-TW" altLang="en-US" smtClean="0"/>
-              <a:pPr/>
-              <a:t>‹#›</a:t>
-            </a:fld>
-            <a:endParaRPr lang="zh-TW" altLang="en-US"/>
-          </a:p>
-        </p:txBody>
-      </p:sp>
-    </p:spTree>
-    <p:extLst>
-      <p:ext uri="{BB962C8B-B14F-4D97-AF65-F5344CB8AC3E}">
-        <p14:creationId xmlns:p14="http://schemas.microsoft.com/office/powerpoint/2010/main" val="3582466777"/>
-      </p:ext>
-    </p:extLst>
-  </p:cSld>
-  <p:clrMapOvr>
-    <a:masterClrMapping/>
-  </p:clrMapOvr>
-  <p:transition spd="slow">
-    <p:push dir="u"/>
-  </p:transition>
-</p:sldLayout>
-</file>
-
-<file path=ppt/slideLayouts/slideLayout6.xml><?xml version="1.0" encoding="utf-8"?>
 <p:sldLayout xmlns:a="http://schemas.openxmlformats.org/drawingml/2006/main" xmlns:r="http://schemas.openxmlformats.org/officeDocument/2006/relationships" xmlns:p="http://schemas.openxmlformats.org/presentationml/2006/main" type="titleOnly" preserve="1">
   <p:cSld name="只有標題">
     <p:spTree>
@@ -5361,7 +1337,7 @@
             </a:r>
             <a:r>
               <a:rPr lang="zh-TW" altLang="en-US"/>
-              <a:t>桃高資訊社</a:t>
+              <a:t> 桃高資訊社</a:t>
             </a:r>
           </a:p>
         </p:txBody>
@@ -5498,276 +1474,10 @@
           </a:p>
         </p:txBody>
       </p:sp>
-      <p:sp>
-        <p:nvSpPr>
-          <p:cNvPr id="5" name="頁尾版面配置區 4">
-            <a:extLst>
-              <a:ext uri="{FF2B5EF4-FFF2-40B4-BE49-F238E27FC236}">
-                <a16:creationId xmlns:a16="http://schemas.microsoft.com/office/drawing/2014/main" id="{D8E74B65-EAF7-495F-B1FC-F79D9D03475E}"/>
-              </a:ext>
-            </a:extLst>
-          </p:cNvPr>
-          <p:cNvSpPr txBox="1">
-            <a:spLocks/>
-          </p:cNvSpPr>
-          <p:nvPr/>
-        </p:nvSpPr>
-        <p:spPr>
-          <a:xfrm>
-            <a:off x="0" y="6492875"/>
-            <a:ext cx="2743200" cy="365125"/>
-          </a:xfrm>
-          <a:prstGeom prst="rect">
-            <a:avLst/>
-          </a:prstGeom>
-        </p:spPr>
-        <p:txBody>
-          <a:bodyPr vert="horz" lIns="91440" tIns="45720" rIns="91440" bIns="45720" rtlCol="0" anchor="ctr"/>
-          <a:lstStyle>
-            <a:defPPr>
-              <a:defRPr lang="zh-TW"/>
-            </a:defPPr>
-            <a:lvl1pPr marL="0" algn="l" defTabSz="914400" rtl="0" eaLnBrk="1" latinLnBrk="0" hangingPunct="1">
-              <a:defRPr sz="1200" kern="1200">
-                <a:solidFill>
-                  <a:schemeClr val="tx1">
-                    <a:tint val="75000"/>
-                  </a:schemeClr>
-                </a:solidFill>
-                <a:latin typeface="+mn-lt"/>
-                <a:ea typeface="+mn-ea"/>
-                <a:cs typeface="+mn-cs"/>
-              </a:defRPr>
-            </a:lvl1pPr>
-            <a:lvl2pPr marL="457200" algn="l" defTabSz="914400" rtl="0" eaLnBrk="1" latinLnBrk="0" hangingPunct="1">
-              <a:defRPr sz="1800" kern="1200">
-                <a:solidFill>
-                  <a:schemeClr val="tx1"/>
-                </a:solidFill>
-                <a:latin typeface="+mn-lt"/>
-                <a:ea typeface="+mn-ea"/>
-                <a:cs typeface="+mn-cs"/>
-              </a:defRPr>
-            </a:lvl2pPr>
-            <a:lvl3pPr marL="914400" algn="l" defTabSz="914400" rtl="0" eaLnBrk="1" latinLnBrk="0" hangingPunct="1">
-              <a:defRPr sz="1800" kern="1200">
-                <a:solidFill>
-                  <a:schemeClr val="tx1"/>
-                </a:solidFill>
-                <a:latin typeface="+mn-lt"/>
-                <a:ea typeface="+mn-ea"/>
-                <a:cs typeface="+mn-cs"/>
-              </a:defRPr>
-            </a:lvl3pPr>
-            <a:lvl4pPr marL="1371600" algn="l" defTabSz="914400" rtl="0" eaLnBrk="1" latinLnBrk="0" hangingPunct="1">
-              <a:defRPr sz="1800" kern="1200">
-                <a:solidFill>
-                  <a:schemeClr val="tx1"/>
-                </a:solidFill>
-                <a:latin typeface="+mn-lt"/>
-                <a:ea typeface="+mn-ea"/>
-                <a:cs typeface="+mn-cs"/>
-              </a:defRPr>
-            </a:lvl4pPr>
-            <a:lvl5pPr marL="1828800" algn="l" defTabSz="914400" rtl="0" eaLnBrk="1" latinLnBrk="0" hangingPunct="1">
-              <a:defRPr sz="1800" kern="1200">
-                <a:solidFill>
-                  <a:schemeClr val="tx1"/>
-                </a:solidFill>
-                <a:latin typeface="+mn-lt"/>
-                <a:ea typeface="+mn-ea"/>
-                <a:cs typeface="+mn-cs"/>
-              </a:defRPr>
-            </a:lvl5pPr>
-            <a:lvl6pPr marL="2286000" algn="l" defTabSz="914400" rtl="0" eaLnBrk="1" latinLnBrk="0" hangingPunct="1">
-              <a:defRPr sz="1800" kern="1200">
-                <a:solidFill>
-                  <a:schemeClr val="tx1"/>
-                </a:solidFill>
-                <a:latin typeface="+mn-lt"/>
-                <a:ea typeface="+mn-ea"/>
-                <a:cs typeface="+mn-cs"/>
-              </a:defRPr>
-            </a:lvl6pPr>
-            <a:lvl7pPr marL="2743200" algn="l" defTabSz="914400" rtl="0" eaLnBrk="1" latinLnBrk="0" hangingPunct="1">
-              <a:defRPr sz="1800" kern="1200">
-                <a:solidFill>
-                  <a:schemeClr val="tx1"/>
-                </a:solidFill>
-                <a:latin typeface="+mn-lt"/>
-                <a:ea typeface="+mn-ea"/>
-                <a:cs typeface="+mn-cs"/>
-              </a:defRPr>
-            </a:lvl7pPr>
-            <a:lvl8pPr marL="3200400" algn="l" defTabSz="914400" rtl="0" eaLnBrk="1" latinLnBrk="0" hangingPunct="1">
-              <a:defRPr sz="1800" kern="1200">
-                <a:solidFill>
-                  <a:schemeClr val="tx1"/>
-                </a:solidFill>
-                <a:latin typeface="+mn-lt"/>
-                <a:ea typeface="+mn-ea"/>
-                <a:cs typeface="+mn-cs"/>
-              </a:defRPr>
-            </a:lvl8pPr>
-            <a:lvl9pPr marL="3657600" algn="l" defTabSz="914400" rtl="0" eaLnBrk="1" latinLnBrk="0" hangingPunct="1">
-              <a:defRPr sz="1800" kern="1200">
-                <a:solidFill>
-                  <a:schemeClr val="tx1"/>
-                </a:solidFill>
-                <a:latin typeface="+mn-lt"/>
-                <a:ea typeface="+mn-ea"/>
-                <a:cs typeface="+mn-cs"/>
-              </a:defRPr>
-            </a:lvl9pPr>
-          </a:lstStyle>
-          <a:p>
-            <a:r>
-              <a:rPr lang="en-US" altLang="zh-TW" dirty="0"/>
-              <a:t>TYIC</a:t>
-            </a:r>
-            <a:r>
-              <a:rPr lang="zh-TW" altLang="en-US"/>
-              <a:t>桃高資訊社</a:t>
-            </a:r>
-          </a:p>
-        </p:txBody>
-      </p:sp>
-      <p:sp>
-        <p:nvSpPr>
-          <p:cNvPr id="8" name="投影片編號版面配置區 5">
-            <a:extLst>
-              <a:ext uri="{FF2B5EF4-FFF2-40B4-BE49-F238E27FC236}">
-                <a16:creationId xmlns:a16="http://schemas.microsoft.com/office/drawing/2014/main" id="{9D527980-0A68-41A1-8AEA-310C2B755958}"/>
-              </a:ext>
-            </a:extLst>
-          </p:cNvPr>
-          <p:cNvSpPr txBox="1">
-            <a:spLocks/>
-          </p:cNvSpPr>
-          <p:nvPr/>
-        </p:nvSpPr>
-        <p:spPr>
-          <a:xfrm>
-            <a:off x="9448800" y="6492874"/>
-            <a:ext cx="2743200" cy="365125"/>
-          </a:xfrm>
-          <a:prstGeom prst="rect">
-            <a:avLst/>
-          </a:prstGeom>
-        </p:spPr>
-        <p:txBody>
-          <a:bodyPr vert="horz" lIns="91440" tIns="45720" rIns="91440" bIns="45720" rtlCol="0" anchor="ctr"/>
-          <a:lstStyle>
-            <a:defPPr>
-              <a:defRPr lang="zh-TW"/>
-            </a:defPPr>
-            <a:lvl1pPr marL="0" algn="r" defTabSz="914400" rtl="0" eaLnBrk="1" latinLnBrk="0" hangingPunct="1">
-              <a:defRPr sz="1200" kern="1200">
-                <a:solidFill>
-                  <a:schemeClr val="tx1">
-                    <a:tint val="75000"/>
-                  </a:schemeClr>
-                </a:solidFill>
-                <a:latin typeface="+mn-lt"/>
-                <a:ea typeface="+mn-ea"/>
-                <a:cs typeface="+mn-cs"/>
-              </a:defRPr>
-            </a:lvl1pPr>
-            <a:lvl2pPr marL="457200" algn="l" defTabSz="914400" rtl="0" eaLnBrk="1" latinLnBrk="0" hangingPunct="1">
-              <a:defRPr sz="1800" kern="1200">
-                <a:solidFill>
-                  <a:schemeClr val="tx1"/>
-                </a:solidFill>
-                <a:latin typeface="+mn-lt"/>
-                <a:ea typeface="+mn-ea"/>
-                <a:cs typeface="+mn-cs"/>
-              </a:defRPr>
-            </a:lvl2pPr>
-            <a:lvl3pPr marL="914400" algn="l" defTabSz="914400" rtl="0" eaLnBrk="1" latinLnBrk="0" hangingPunct="1">
-              <a:defRPr sz="1800" kern="1200">
-                <a:solidFill>
-                  <a:schemeClr val="tx1"/>
-                </a:solidFill>
-                <a:latin typeface="+mn-lt"/>
-                <a:ea typeface="+mn-ea"/>
-                <a:cs typeface="+mn-cs"/>
-              </a:defRPr>
-            </a:lvl3pPr>
-            <a:lvl4pPr marL="1371600" algn="l" defTabSz="914400" rtl="0" eaLnBrk="1" latinLnBrk="0" hangingPunct="1">
-              <a:defRPr sz="1800" kern="1200">
-                <a:solidFill>
-                  <a:schemeClr val="tx1"/>
-                </a:solidFill>
-                <a:latin typeface="+mn-lt"/>
-                <a:ea typeface="+mn-ea"/>
-                <a:cs typeface="+mn-cs"/>
-              </a:defRPr>
-            </a:lvl4pPr>
-            <a:lvl5pPr marL="1828800" algn="l" defTabSz="914400" rtl="0" eaLnBrk="1" latinLnBrk="0" hangingPunct="1">
-              <a:defRPr sz="1800" kern="1200">
-                <a:solidFill>
-                  <a:schemeClr val="tx1"/>
-                </a:solidFill>
-                <a:latin typeface="+mn-lt"/>
-                <a:ea typeface="+mn-ea"/>
-                <a:cs typeface="+mn-cs"/>
-              </a:defRPr>
-            </a:lvl5pPr>
-            <a:lvl6pPr marL="2286000" algn="l" defTabSz="914400" rtl="0" eaLnBrk="1" latinLnBrk="0" hangingPunct="1">
-              <a:defRPr sz="1800" kern="1200">
-                <a:solidFill>
-                  <a:schemeClr val="tx1"/>
-                </a:solidFill>
-                <a:latin typeface="+mn-lt"/>
-                <a:ea typeface="+mn-ea"/>
-                <a:cs typeface="+mn-cs"/>
-              </a:defRPr>
-            </a:lvl6pPr>
-            <a:lvl7pPr marL="2743200" algn="l" defTabSz="914400" rtl="0" eaLnBrk="1" latinLnBrk="0" hangingPunct="1">
-              <a:defRPr sz="1800" kern="1200">
-                <a:solidFill>
-                  <a:schemeClr val="tx1"/>
-                </a:solidFill>
-                <a:latin typeface="+mn-lt"/>
-                <a:ea typeface="+mn-ea"/>
-                <a:cs typeface="+mn-cs"/>
-              </a:defRPr>
-            </a:lvl7pPr>
-            <a:lvl8pPr marL="3200400" algn="l" defTabSz="914400" rtl="0" eaLnBrk="1" latinLnBrk="0" hangingPunct="1">
-              <a:defRPr sz="1800" kern="1200">
-                <a:solidFill>
-                  <a:schemeClr val="tx1"/>
-                </a:solidFill>
-                <a:latin typeface="+mn-lt"/>
-                <a:ea typeface="+mn-ea"/>
-                <a:cs typeface="+mn-cs"/>
-              </a:defRPr>
-            </a:lvl8pPr>
-            <a:lvl9pPr marL="3657600" algn="l" defTabSz="914400" rtl="0" eaLnBrk="1" latinLnBrk="0" hangingPunct="1">
-              <a:defRPr sz="1800" kern="1200">
-                <a:solidFill>
-                  <a:schemeClr val="tx1"/>
-                </a:solidFill>
-                <a:latin typeface="+mn-lt"/>
-                <a:ea typeface="+mn-ea"/>
-                <a:cs typeface="+mn-cs"/>
-              </a:defRPr>
-            </a:lvl9pPr>
-          </a:lstStyle>
-          <a:p>
-            <a:fld id="{D4328D90-2A6F-4F23-88A8-C5DCC2B5F307}" type="slidenum">
-              <a:rPr lang="zh-TW" altLang="en-US" smtClean="0"/>
-              <a:pPr/>
-              <a:t>‹#›</a:t>
-            </a:fld>
-            <a:endParaRPr lang="zh-TW" altLang="en-US"/>
-          </a:p>
-        </p:txBody>
-      </p:sp>
     </p:spTree>
     <p:extLst>
       <p:ext uri="{BB962C8B-B14F-4D97-AF65-F5344CB8AC3E}">
-        <p14:creationId xmlns:p14="http://schemas.microsoft.com/office/powerpoint/2010/main" val="643437698"/>
+        <p14:creationId xmlns:p14="http://schemas.microsoft.com/office/powerpoint/2010/main" val="2430249321"/>
       </p:ext>
     </p:extLst>
   </p:cSld>
@@ -5780,7 +1490,7 @@
 </p:sldLayout>
 </file>
 
-<file path=ppt/slideLayouts/slideLayout7.xml><?xml version="1.0" encoding="utf-8"?>
+<file path=ppt/slideLayouts/slideLayout4.xml><?xml version="1.0" encoding="utf-8"?>
 <p:sldLayout xmlns:a="http://schemas.openxmlformats.org/drawingml/2006/main" xmlns:r="http://schemas.openxmlformats.org/officeDocument/2006/relationships" xmlns:p="http://schemas.openxmlformats.org/presentationml/2006/main" type="blank" preserve="1">
   <p:cSld name="空白">
     <p:spTree>
@@ -5926,7 +1636,7 @@
             </a:r>
             <a:r>
               <a:rPr lang="zh-TW" altLang="en-US"/>
-              <a:t>桃高資訊社</a:t>
+              <a:t> 桃高資訊社</a:t>
             </a:r>
           </a:p>
         </p:txBody>
@@ -6063,1782 +1773,10 @@
           </a:p>
         </p:txBody>
       </p:sp>
-      <p:sp>
-        <p:nvSpPr>
-          <p:cNvPr id="4" name="頁尾版面配置區 4">
-            <a:extLst>
-              <a:ext uri="{FF2B5EF4-FFF2-40B4-BE49-F238E27FC236}">
-                <a16:creationId xmlns:a16="http://schemas.microsoft.com/office/drawing/2014/main" id="{DE9530A3-8E8B-4035-8447-3C54676CB584}"/>
-              </a:ext>
-            </a:extLst>
-          </p:cNvPr>
-          <p:cNvSpPr txBox="1">
-            <a:spLocks/>
-          </p:cNvSpPr>
-          <p:nvPr/>
-        </p:nvSpPr>
-        <p:spPr>
-          <a:xfrm>
-            <a:off x="0" y="6492875"/>
-            <a:ext cx="2743200" cy="365125"/>
-          </a:xfrm>
-          <a:prstGeom prst="rect">
-            <a:avLst/>
-          </a:prstGeom>
-        </p:spPr>
-        <p:txBody>
-          <a:bodyPr vert="horz" lIns="91440" tIns="45720" rIns="91440" bIns="45720" rtlCol="0" anchor="ctr"/>
-          <a:lstStyle>
-            <a:defPPr>
-              <a:defRPr lang="zh-TW"/>
-            </a:defPPr>
-            <a:lvl1pPr marL="0" algn="l" defTabSz="914400" rtl="0" eaLnBrk="1" latinLnBrk="0" hangingPunct="1">
-              <a:defRPr sz="1200" kern="1200">
-                <a:solidFill>
-                  <a:schemeClr val="tx1">
-                    <a:tint val="75000"/>
-                  </a:schemeClr>
-                </a:solidFill>
-                <a:latin typeface="+mn-lt"/>
-                <a:ea typeface="+mn-ea"/>
-                <a:cs typeface="+mn-cs"/>
-              </a:defRPr>
-            </a:lvl1pPr>
-            <a:lvl2pPr marL="457200" algn="l" defTabSz="914400" rtl="0" eaLnBrk="1" latinLnBrk="0" hangingPunct="1">
-              <a:defRPr sz="1800" kern="1200">
-                <a:solidFill>
-                  <a:schemeClr val="tx1"/>
-                </a:solidFill>
-                <a:latin typeface="+mn-lt"/>
-                <a:ea typeface="+mn-ea"/>
-                <a:cs typeface="+mn-cs"/>
-              </a:defRPr>
-            </a:lvl2pPr>
-            <a:lvl3pPr marL="914400" algn="l" defTabSz="914400" rtl="0" eaLnBrk="1" latinLnBrk="0" hangingPunct="1">
-              <a:defRPr sz="1800" kern="1200">
-                <a:solidFill>
-                  <a:schemeClr val="tx1"/>
-                </a:solidFill>
-                <a:latin typeface="+mn-lt"/>
-                <a:ea typeface="+mn-ea"/>
-                <a:cs typeface="+mn-cs"/>
-              </a:defRPr>
-            </a:lvl3pPr>
-            <a:lvl4pPr marL="1371600" algn="l" defTabSz="914400" rtl="0" eaLnBrk="1" latinLnBrk="0" hangingPunct="1">
-              <a:defRPr sz="1800" kern="1200">
-                <a:solidFill>
-                  <a:schemeClr val="tx1"/>
-                </a:solidFill>
-                <a:latin typeface="+mn-lt"/>
-                <a:ea typeface="+mn-ea"/>
-                <a:cs typeface="+mn-cs"/>
-              </a:defRPr>
-            </a:lvl4pPr>
-            <a:lvl5pPr marL="1828800" algn="l" defTabSz="914400" rtl="0" eaLnBrk="1" latinLnBrk="0" hangingPunct="1">
-              <a:defRPr sz="1800" kern="1200">
-                <a:solidFill>
-                  <a:schemeClr val="tx1"/>
-                </a:solidFill>
-                <a:latin typeface="+mn-lt"/>
-                <a:ea typeface="+mn-ea"/>
-                <a:cs typeface="+mn-cs"/>
-              </a:defRPr>
-            </a:lvl5pPr>
-            <a:lvl6pPr marL="2286000" algn="l" defTabSz="914400" rtl="0" eaLnBrk="1" latinLnBrk="0" hangingPunct="1">
-              <a:defRPr sz="1800" kern="1200">
-                <a:solidFill>
-                  <a:schemeClr val="tx1"/>
-                </a:solidFill>
-                <a:latin typeface="+mn-lt"/>
-                <a:ea typeface="+mn-ea"/>
-                <a:cs typeface="+mn-cs"/>
-              </a:defRPr>
-            </a:lvl6pPr>
-            <a:lvl7pPr marL="2743200" algn="l" defTabSz="914400" rtl="0" eaLnBrk="1" latinLnBrk="0" hangingPunct="1">
-              <a:defRPr sz="1800" kern="1200">
-                <a:solidFill>
-                  <a:schemeClr val="tx1"/>
-                </a:solidFill>
-                <a:latin typeface="+mn-lt"/>
-                <a:ea typeface="+mn-ea"/>
-                <a:cs typeface="+mn-cs"/>
-              </a:defRPr>
-            </a:lvl7pPr>
-            <a:lvl8pPr marL="3200400" algn="l" defTabSz="914400" rtl="0" eaLnBrk="1" latinLnBrk="0" hangingPunct="1">
-              <a:defRPr sz="1800" kern="1200">
-                <a:solidFill>
-                  <a:schemeClr val="tx1"/>
-                </a:solidFill>
-                <a:latin typeface="+mn-lt"/>
-                <a:ea typeface="+mn-ea"/>
-                <a:cs typeface="+mn-cs"/>
-              </a:defRPr>
-            </a:lvl8pPr>
-            <a:lvl9pPr marL="3657600" algn="l" defTabSz="914400" rtl="0" eaLnBrk="1" latinLnBrk="0" hangingPunct="1">
-              <a:defRPr sz="1800" kern="1200">
-                <a:solidFill>
-                  <a:schemeClr val="tx1"/>
-                </a:solidFill>
-                <a:latin typeface="+mn-lt"/>
-                <a:ea typeface="+mn-ea"/>
-                <a:cs typeface="+mn-cs"/>
-              </a:defRPr>
-            </a:lvl9pPr>
-          </a:lstStyle>
-          <a:p>
-            <a:r>
-              <a:rPr lang="en-US" altLang="zh-TW" dirty="0"/>
-              <a:t>TYIC</a:t>
-            </a:r>
-            <a:r>
-              <a:rPr lang="zh-TW" altLang="en-US"/>
-              <a:t>桃高資訊社</a:t>
-            </a:r>
-          </a:p>
-        </p:txBody>
-      </p:sp>
-      <p:sp>
-        <p:nvSpPr>
-          <p:cNvPr id="7" name="投影片編號版面配置區 5">
-            <a:extLst>
-              <a:ext uri="{FF2B5EF4-FFF2-40B4-BE49-F238E27FC236}">
-                <a16:creationId xmlns:a16="http://schemas.microsoft.com/office/drawing/2014/main" id="{A1767755-B60F-4671-8CA1-A778B3D23A26}"/>
-              </a:ext>
-            </a:extLst>
-          </p:cNvPr>
-          <p:cNvSpPr txBox="1">
-            <a:spLocks/>
-          </p:cNvSpPr>
-          <p:nvPr/>
-        </p:nvSpPr>
-        <p:spPr>
-          <a:xfrm>
-            <a:off x="9448800" y="6492874"/>
-            <a:ext cx="2743200" cy="365125"/>
-          </a:xfrm>
-          <a:prstGeom prst="rect">
-            <a:avLst/>
-          </a:prstGeom>
-        </p:spPr>
-        <p:txBody>
-          <a:bodyPr vert="horz" lIns="91440" tIns="45720" rIns="91440" bIns="45720" rtlCol="0" anchor="ctr"/>
-          <a:lstStyle>
-            <a:defPPr>
-              <a:defRPr lang="zh-TW"/>
-            </a:defPPr>
-            <a:lvl1pPr marL="0" algn="r" defTabSz="914400" rtl="0" eaLnBrk="1" latinLnBrk="0" hangingPunct="1">
-              <a:defRPr sz="1200" kern="1200">
-                <a:solidFill>
-                  <a:schemeClr val="tx1">
-                    <a:tint val="75000"/>
-                  </a:schemeClr>
-                </a:solidFill>
-                <a:latin typeface="+mn-lt"/>
-                <a:ea typeface="+mn-ea"/>
-                <a:cs typeface="+mn-cs"/>
-              </a:defRPr>
-            </a:lvl1pPr>
-            <a:lvl2pPr marL="457200" algn="l" defTabSz="914400" rtl="0" eaLnBrk="1" latinLnBrk="0" hangingPunct="1">
-              <a:defRPr sz="1800" kern="1200">
-                <a:solidFill>
-                  <a:schemeClr val="tx1"/>
-                </a:solidFill>
-                <a:latin typeface="+mn-lt"/>
-                <a:ea typeface="+mn-ea"/>
-                <a:cs typeface="+mn-cs"/>
-              </a:defRPr>
-            </a:lvl2pPr>
-            <a:lvl3pPr marL="914400" algn="l" defTabSz="914400" rtl="0" eaLnBrk="1" latinLnBrk="0" hangingPunct="1">
-              <a:defRPr sz="1800" kern="1200">
-                <a:solidFill>
-                  <a:schemeClr val="tx1"/>
-                </a:solidFill>
-                <a:latin typeface="+mn-lt"/>
-                <a:ea typeface="+mn-ea"/>
-                <a:cs typeface="+mn-cs"/>
-              </a:defRPr>
-            </a:lvl3pPr>
-            <a:lvl4pPr marL="1371600" algn="l" defTabSz="914400" rtl="0" eaLnBrk="1" latinLnBrk="0" hangingPunct="1">
-              <a:defRPr sz="1800" kern="1200">
-                <a:solidFill>
-                  <a:schemeClr val="tx1"/>
-                </a:solidFill>
-                <a:latin typeface="+mn-lt"/>
-                <a:ea typeface="+mn-ea"/>
-                <a:cs typeface="+mn-cs"/>
-              </a:defRPr>
-            </a:lvl4pPr>
-            <a:lvl5pPr marL="1828800" algn="l" defTabSz="914400" rtl="0" eaLnBrk="1" latinLnBrk="0" hangingPunct="1">
-              <a:defRPr sz="1800" kern="1200">
-                <a:solidFill>
-                  <a:schemeClr val="tx1"/>
-                </a:solidFill>
-                <a:latin typeface="+mn-lt"/>
-                <a:ea typeface="+mn-ea"/>
-                <a:cs typeface="+mn-cs"/>
-              </a:defRPr>
-            </a:lvl5pPr>
-            <a:lvl6pPr marL="2286000" algn="l" defTabSz="914400" rtl="0" eaLnBrk="1" latinLnBrk="0" hangingPunct="1">
-              <a:defRPr sz="1800" kern="1200">
-                <a:solidFill>
-                  <a:schemeClr val="tx1"/>
-                </a:solidFill>
-                <a:latin typeface="+mn-lt"/>
-                <a:ea typeface="+mn-ea"/>
-                <a:cs typeface="+mn-cs"/>
-              </a:defRPr>
-            </a:lvl6pPr>
-            <a:lvl7pPr marL="2743200" algn="l" defTabSz="914400" rtl="0" eaLnBrk="1" latinLnBrk="0" hangingPunct="1">
-              <a:defRPr sz="1800" kern="1200">
-                <a:solidFill>
-                  <a:schemeClr val="tx1"/>
-                </a:solidFill>
-                <a:latin typeface="+mn-lt"/>
-                <a:ea typeface="+mn-ea"/>
-                <a:cs typeface="+mn-cs"/>
-              </a:defRPr>
-            </a:lvl7pPr>
-            <a:lvl8pPr marL="3200400" algn="l" defTabSz="914400" rtl="0" eaLnBrk="1" latinLnBrk="0" hangingPunct="1">
-              <a:defRPr sz="1800" kern="1200">
-                <a:solidFill>
-                  <a:schemeClr val="tx1"/>
-                </a:solidFill>
-                <a:latin typeface="+mn-lt"/>
-                <a:ea typeface="+mn-ea"/>
-                <a:cs typeface="+mn-cs"/>
-              </a:defRPr>
-            </a:lvl8pPr>
-            <a:lvl9pPr marL="3657600" algn="l" defTabSz="914400" rtl="0" eaLnBrk="1" latinLnBrk="0" hangingPunct="1">
-              <a:defRPr sz="1800" kern="1200">
-                <a:solidFill>
-                  <a:schemeClr val="tx1"/>
-                </a:solidFill>
-                <a:latin typeface="+mn-lt"/>
-                <a:ea typeface="+mn-ea"/>
-                <a:cs typeface="+mn-cs"/>
-              </a:defRPr>
-            </a:lvl9pPr>
-          </a:lstStyle>
-          <a:p>
-            <a:fld id="{D4328D90-2A6F-4F23-88A8-C5DCC2B5F307}" type="slidenum">
-              <a:rPr lang="zh-TW" altLang="en-US" smtClean="0"/>
-              <a:pPr/>
-              <a:t>‹#›</a:t>
-            </a:fld>
-            <a:endParaRPr lang="zh-TW" altLang="en-US"/>
-          </a:p>
-        </p:txBody>
-      </p:sp>
     </p:spTree>
     <p:extLst>
       <p:ext uri="{BB962C8B-B14F-4D97-AF65-F5344CB8AC3E}">
-        <p14:creationId xmlns:p14="http://schemas.microsoft.com/office/powerpoint/2010/main" val="3763423442"/>
-      </p:ext>
-    </p:extLst>
-  </p:cSld>
-  <p:clrMapOvr>
-    <a:masterClrMapping/>
-  </p:clrMapOvr>
-  <p:transition spd="slow">
-    <p:push dir="u"/>
-  </p:transition>
-</p:sldLayout>
-</file>
-
-<file path=ppt/slideLayouts/slideLayout8.xml><?xml version="1.0" encoding="utf-8"?>
-<p:sldLayout xmlns:a="http://schemas.openxmlformats.org/drawingml/2006/main" xmlns:r="http://schemas.openxmlformats.org/officeDocument/2006/relationships" xmlns:p="http://schemas.openxmlformats.org/presentationml/2006/main" type="objTx" preserve="1">
-  <p:cSld name="含輔助字幕的內容">
-    <p:spTree>
-      <p:nvGrpSpPr>
-        <p:cNvPr id="1" name=""/>
-        <p:cNvGrpSpPr/>
-        <p:nvPr/>
-      </p:nvGrpSpPr>
-      <p:grpSpPr>
-        <a:xfrm>
-          <a:off x="0" y="0"/>
-          <a:ext cx="0" cy="0"/>
-          <a:chOff x="0" y="0"/>
-          <a:chExt cx="0" cy="0"/>
-        </a:xfrm>
-      </p:grpSpPr>
-      <p:sp>
-        <p:nvSpPr>
-          <p:cNvPr id="2" name="標題 1">
-            <a:extLst>
-              <a:ext uri="{FF2B5EF4-FFF2-40B4-BE49-F238E27FC236}">
-                <a16:creationId xmlns:a16="http://schemas.microsoft.com/office/drawing/2014/main" id="{B3FF8213-F1BD-48FF-9D09-6E26FB79AEA1}"/>
-              </a:ext>
-            </a:extLst>
-          </p:cNvPr>
-          <p:cNvSpPr>
-            <a:spLocks noGrp="1"/>
-          </p:cNvSpPr>
-          <p:nvPr>
-            <p:ph type="title"/>
-          </p:nvPr>
-        </p:nvSpPr>
-        <p:spPr>
-          <a:xfrm>
-            <a:off x="839788" y="457200"/>
-            <a:ext cx="3932237" cy="1600200"/>
-          </a:xfrm>
-        </p:spPr>
-        <p:txBody>
-          <a:bodyPr anchor="b"/>
-          <a:lstStyle>
-            <a:lvl1pPr>
-              <a:defRPr sz="3200"/>
-            </a:lvl1pPr>
-          </a:lstStyle>
-          <a:p>
-            <a:r>
-              <a:rPr lang="zh-TW" altLang="en-US"/>
-              <a:t>按一下以編輯母片標題樣式</a:t>
-            </a:r>
-          </a:p>
-        </p:txBody>
-      </p:sp>
-      <p:sp>
-        <p:nvSpPr>
-          <p:cNvPr id="3" name="內容版面配置區 2">
-            <a:extLst>
-              <a:ext uri="{FF2B5EF4-FFF2-40B4-BE49-F238E27FC236}">
-                <a16:creationId xmlns:a16="http://schemas.microsoft.com/office/drawing/2014/main" id="{86E10944-F816-4D3C-9D55-2000BE13A95A}"/>
-              </a:ext>
-            </a:extLst>
-          </p:cNvPr>
-          <p:cNvSpPr>
-            <a:spLocks noGrp="1"/>
-          </p:cNvSpPr>
-          <p:nvPr>
-            <p:ph idx="1"/>
-          </p:nvPr>
-        </p:nvSpPr>
-        <p:spPr>
-          <a:xfrm>
-            <a:off x="5183188" y="987425"/>
-            <a:ext cx="6172200" cy="4873625"/>
-          </a:xfrm>
-        </p:spPr>
-        <p:txBody>
-          <a:bodyPr/>
-          <a:lstStyle>
-            <a:lvl1pPr>
-              <a:defRPr sz="3200"/>
-            </a:lvl1pPr>
-            <a:lvl2pPr>
-              <a:defRPr sz="2800"/>
-            </a:lvl2pPr>
-            <a:lvl3pPr>
-              <a:defRPr sz="2400"/>
-            </a:lvl3pPr>
-            <a:lvl4pPr>
-              <a:defRPr sz="2000"/>
-            </a:lvl4pPr>
-            <a:lvl5pPr>
-              <a:defRPr sz="2000"/>
-            </a:lvl5pPr>
-            <a:lvl6pPr>
-              <a:defRPr sz="2000"/>
-            </a:lvl6pPr>
-            <a:lvl7pPr>
-              <a:defRPr sz="2000"/>
-            </a:lvl7pPr>
-            <a:lvl8pPr>
-              <a:defRPr sz="2000"/>
-            </a:lvl8pPr>
-            <a:lvl9pPr>
-              <a:defRPr sz="2000"/>
-            </a:lvl9pPr>
-          </a:lstStyle>
-          <a:p>
-            <a:pPr lvl="0"/>
-            <a:r>
-              <a:rPr lang="zh-TW" altLang="en-US"/>
-              <a:t>按一下以編輯母片文字樣式</a:t>
-            </a:r>
-          </a:p>
-          <a:p>
-            <a:pPr lvl="1"/>
-            <a:r>
-              <a:rPr lang="zh-TW" altLang="en-US"/>
-              <a:t>第二層</a:t>
-            </a:r>
-          </a:p>
-          <a:p>
-            <a:pPr lvl="2"/>
-            <a:r>
-              <a:rPr lang="zh-TW" altLang="en-US"/>
-              <a:t>第三層</a:t>
-            </a:r>
-          </a:p>
-          <a:p>
-            <a:pPr lvl="3"/>
-            <a:r>
-              <a:rPr lang="zh-TW" altLang="en-US"/>
-              <a:t>第四層</a:t>
-            </a:r>
-          </a:p>
-          <a:p>
-            <a:pPr lvl="4"/>
-            <a:r>
-              <a:rPr lang="zh-TW" altLang="en-US"/>
-              <a:t>第五層</a:t>
-            </a:r>
-          </a:p>
-        </p:txBody>
-      </p:sp>
-      <p:sp>
-        <p:nvSpPr>
-          <p:cNvPr id="4" name="文字版面配置區 3">
-            <a:extLst>
-              <a:ext uri="{FF2B5EF4-FFF2-40B4-BE49-F238E27FC236}">
-                <a16:creationId xmlns:a16="http://schemas.microsoft.com/office/drawing/2014/main" id="{39490BF7-1244-48E3-92BD-9B7BCFA0C5CD}"/>
-              </a:ext>
-            </a:extLst>
-          </p:cNvPr>
-          <p:cNvSpPr>
-            <a:spLocks noGrp="1"/>
-          </p:cNvSpPr>
-          <p:nvPr>
-            <p:ph type="body" sz="half" idx="2"/>
-          </p:nvPr>
-        </p:nvSpPr>
-        <p:spPr>
-          <a:xfrm>
-            <a:off x="839788" y="2057400"/>
-            <a:ext cx="3932237" cy="3811588"/>
-          </a:xfrm>
-        </p:spPr>
-        <p:txBody>
-          <a:bodyPr/>
-          <a:lstStyle>
-            <a:lvl1pPr marL="0" indent="0">
-              <a:buNone/>
-              <a:defRPr sz="1600"/>
-            </a:lvl1pPr>
-            <a:lvl2pPr marL="457200" indent="0">
-              <a:buNone/>
-              <a:defRPr sz="1400"/>
-            </a:lvl2pPr>
-            <a:lvl3pPr marL="914400" indent="0">
-              <a:buNone/>
-              <a:defRPr sz="1200"/>
-            </a:lvl3pPr>
-            <a:lvl4pPr marL="1371600" indent="0">
-              <a:buNone/>
-              <a:defRPr sz="1000"/>
-            </a:lvl4pPr>
-            <a:lvl5pPr marL="1828800" indent="0">
-              <a:buNone/>
-              <a:defRPr sz="1000"/>
-            </a:lvl5pPr>
-            <a:lvl6pPr marL="2286000" indent="0">
-              <a:buNone/>
-              <a:defRPr sz="1000"/>
-            </a:lvl6pPr>
-            <a:lvl7pPr marL="2743200" indent="0">
-              <a:buNone/>
-              <a:defRPr sz="1000"/>
-            </a:lvl7pPr>
-            <a:lvl8pPr marL="3200400" indent="0">
-              <a:buNone/>
-              <a:defRPr sz="1000"/>
-            </a:lvl8pPr>
-            <a:lvl9pPr marL="3657600" indent="0">
-              <a:buNone/>
-              <a:defRPr sz="1000"/>
-            </a:lvl9pPr>
-          </a:lstStyle>
-          <a:p>
-            <a:pPr lvl="0"/>
-            <a:r>
-              <a:rPr lang="zh-TW" altLang="en-US"/>
-              <a:t>按一下以編輯母片文字樣式</a:t>
-            </a:r>
-          </a:p>
-        </p:txBody>
-      </p:sp>
-      <p:sp>
-        <p:nvSpPr>
-          <p:cNvPr id="8" name="頁尾版面配置區 4">
-            <a:extLst>
-              <a:ext uri="{FF2B5EF4-FFF2-40B4-BE49-F238E27FC236}">
-                <a16:creationId xmlns:a16="http://schemas.microsoft.com/office/drawing/2014/main" id="{62A376CE-D98D-486D-A1FC-0FAA7CB56CB4}"/>
-              </a:ext>
-            </a:extLst>
-          </p:cNvPr>
-          <p:cNvSpPr txBox="1">
-            <a:spLocks/>
-          </p:cNvSpPr>
-          <p:nvPr/>
-        </p:nvSpPr>
-        <p:spPr>
-          <a:xfrm>
-            <a:off x="0" y="6492875"/>
-            <a:ext cx="2743200" cy="365125"/>
-          </a:xfrm>
-          <a:prstGeom prst="rect">
-            <a:avLst/>
-          </a:prstGeom>
-        </p:spPr>
-        <p:txBody>
-          <a:bodyPr vert="horz" lIns="91440" tIns="45720" rIns="91440" bIns="45720" rtlCol="0" anchor="ctr"/>
-          <a:lstStyle>
-            <a:defPPr>
-              <a:defRPr lang="zh-TW"/>
-            </a:defPPr>
-            <a:lvl1pPr marL="0" algn="l" defTabSz="914400" rtl="0" eaLnBrk="1" latinLnBrk="0" hangingPunct="1">
-              <a:defRPr sz="1200" kern="1200">
-                <a:solidFill>
-                  <a:schemeClr val="tx1">
-                    <a:tint val="75000"/>
-                  </a:schemeClr>
-                </a:solidFill>
-                <a:latin typeface="+mn-lt"/>
-                <a:ea typeface="+mn-ea"/>
-                <a:cs typeface="+mn-cs"/>
-              </a:defRPr>
-            </a:lvl1pPr>
-            <a:lvl2pPr marL="457200" algn="l" defTabSz="914400" rtl="0" eaLnBrk="1" latinLnBrk="0" hangingPunct="1">
-              <a:defRPr sz="1800" kern="1200">
-                <a:solidFill>
-                  <a:schemeClr val="tx1"/>
-                </a:solidFill>
-                <a:latin typeface="+mn-lt"/>
-                <a:ea typeface="+mn-ea"/>
-                <a:cs typeface="+mn-cs"/>
-              </a:defRPr>
-            </a:lvl2pPr>
-            <a:lvl3pPr marL="914400" algn="l" defTabSz="914400" rtl="0" eaLnBrk="1" latinLnBrk="0" hangingPunct="1">
-              <a:defRPr sz="1800" kern="1200">
-                <a:solidFill>
-                  <a:schemeClr val="tx1"/>
-                </a:solidFill>
-                <a:latin typeface="+mn-lt"/>
-                <a:ea typeface="+mn-ea"/>
-                <a:cs typeface="+mn-cs"/>
-              </a:defRPr>
-            </a:lvl3pPr>
-            <a:lvl4pPr marL="1371600" algn="l" defTabSz="914400" rtl="0" eaLnBrk="1" latinLnBrk="0" hangingPunct="1">
-              <a:defRPr sz="1800" kern="1200">
-                <a:solidFill>
-                  <a:schemeClr val="tx1"/>
-                </a:solidFill>
-                <a:latin typeface="+mn-lt"/>
-                <a:ea typeface="+mn-ea"/>
-                <a:cs typeface="+mn-cs"/>
-              </a:defRPr>
-            </a:lvl4pPr>
-            <a:lvl5pPr marL="1828800" algn="l" defTabSz="914400" rtl="0" eaLnBrk="1" latinLnBrk="0" hangingPunct="1">
-              <a:defRPr sz="1800" kern="1200">
-                <a:solidFill>
-                  <a:schemeClr val="tx1"/>
-                </a:solidFill>
-                <a:latin typeface="+mn-lt"/>
-                <a:ea typeface="+mn-ea"/>
-                <a:cs typeface="+mn-cs"/>
-              </a:defRPr>
-            </a:lvl5pPr>
-            <a:lvl6pPr marL="2286000" algn="l" defTabSz="914400" rtl="0" eaLnBrk="1" latinLnBrk="0" hangingPunct="1">
-              <a:defRPr sz="1800" kern="1200">
-                <a:solidFill>
-                  <a:schemeClr val="tx1"/>
-                </a:solidFill>
-                <a:latin typeface="+mn-lt"/>
-                <a:ea typeface="+mn-ea"/>
-                <a:cs typeface="+mn-cs"/>
-              </a:defRPr>
-            </a:lvl6pPr>
-            <a:lvl7pPr marL="2743200" algn="l" defTabSz="914400" rtl="0" eaLnBrk="1" latinLnBrk="0" hangingPunct="1">
-              <a:defRPr sz="1800" kern="1200">
-                <a:solidFill>
-                  <a:schemeClr val="tx1"/>
-                </a:solidFill>
-                <a:latin typeface="+mn-lt"/>
-                <a:ea typeface="+mn-ea"/>
-                <a:cs typeface="+mn-cs"/>
-              </a:defRPr>
-            </a:lvl7pPr>
-            <a:lvl8pPr marL="3200400" algn="l" defTabSz="914400" rtl="0" eaLnBrk="1" latinLnBrk="0" hangingPunct="1">
-              <a:defRPr sz="1800" kern="1200">
-                <a:solidFill>
-                  <a:schemeClr val="tx1"/>
-                </a:solidFill>
-                <a:latin typeface="+mn-lt"/>
-                <a:ea typeface="+mn-ea"/>
-                <a:cs typeface="+mn-cs"/>
-              </a:defRPr>
-            </a:lvl8pPr>
-            <a:lvl9pPr marL="3657600" algn="l" defTabSz="914400" rtl="0" eaLnBrk="1" latinLnBrk="0" hangingPunct="1">
-              <a:defRPr sz="1800" kern="1200">
-                <a:solidFill>
-                  <a:schemeClr val="tx1"/>
-                </a:solidFill>
-                <a:latin typeface="+mn-lt"/>
-                <a:ea typeface="+mn-ea"/>
-                <a:cs typeface="+mn-cs"/>
-              </a:defRPr>
-            </a:lvl9pPr>
-          </a:lstStyle>
-          <a:p>
-            <a:r>
-              <a:rPr lang="en-US" altLang="zh-TW"/>
-              <a:t>TYIC</a:t>
-            </a:r>
-            <a:r>
-              <a:rPr lang="zh-TW" altLang="en-US"/>
-              <a:t>桃高資訊社</a:t>
-            </a:r>
-          </a:p>
-        </p:txBody>
-      </p:sp>
-      <p:sp>
-        <p:nvSpPr>
-          <p:cNvPr id="9" name="投影片編號版面配置區 5">
-            <a:extLst>
-              <a:ext uri="{FF2B5EF4-FFF2-40B4-BE49-F238E27FC236}">
-                <a16:creationId xmlns:a16="http://schemas.microsoft.com/office/drawing/2014/main" id="{2DE69523-299D-4C3A-A754-1550C8F5D7F7}"/>
-              </a:ext>
-            </a:extLst>
-          </p:cNvPr>
-          <p:cNvSpPr txBox="1">
-            <a:spLocks/>
-          </p:cNvSpPr>
-          <p:nvPr/>
-        </p:nvSpPr>
-        <p:spPr>
-          <a:xfrm>
-            <a:off x="9448800" y="6492874"/>
-            <a:ext cx="2743200" cy="365125"/>
-          </a:xfrm>
-          <a:prstGeom prst="rect">
-            <a:avLst/>
-          </a:prstGeom>
-        </p:spPr>
-        <p:txBody>
-          <a:bodyPr vert="horz" lIns="91440" tIns="45720" rIns="91440" bIns="45720" rtlCol="0" anchor="ctr"/>
-          <a:lstStyle>
-            <a:defPPr>
-              <a:defRPr lang="zh-TW"/>
-            </a:defPPr>
-            <a:lvl1pPr marL="0" algn="r" defTabSz="914400" rtl="0" eaLnBrk="1" latinLnBrk="0" hangingPunct="1">
-              <a:defRPr sz="1200" kern="1200">
-                <a:solidFill>
-                  <a:schemeClr val="tx1">
-                    <a:tint val="75000"/>
-                  </a:schemeClr>
-                </a:solidFill>
-                <a:latin typeface="+mn-lt"/>
-                <a:ea typeface="+mn-ea"/>
-                <a:cs typeface="+mn-cs"/>
-              </a:defRPr>
-            </a:lvl1pPr>
-            <a:lvl2pPr marL="457200" algn="l" defTabSz="914400" rtl="0" eaLnBrk="1" latinLnBrk="0" hangingPunct="1">
-              <a:defRPr sz="1800" kern="1200">
-                <a:solidFill>
-                  <a:schemeClr val="tx1"/>
-                </a:solidFill>
-                <a:latin typeface="+mn-lt"/>
-                <a:ea typeface="+mn-ea"/>
-                <a:cs typeface="+mn-cs"/>
-              </a:defRPr>
-            </a:lvl2pPr>
-            <a:lvl3pPr marL="914400" algn="l" defTabSz="914400" rtl="0" eaLnBrk="1" latinLnBrk="0" hangingPunct="1">
-              <a:defRPr sz="1800" kern="1200">
-                <a:solidFill>
-                  <a:schemeClr val="tx1"/>
-                </a:solidFill>
-                <a:latin typeface="+mn-lt"/>
-                <a:ea typeface="+mn-ea"/>
-                <a:cs typeface="+mn-cs"/>
-              </a:defRPr>
-            </a:lvl3pPr>
-            <a:lvl4pPr marL="1371600" algn="l" defTabSz="914400" rtl="0" eaLnBrk="1" latinLnBrk="0" hangingPunct="1">
-              <a:defRPr sz="1800" kern="1200">
-                <a:solidFill>
-                  <a:schemeClr val="tx1"/>
-                </a:solidFill>
-                <a:latin typeface="+mn-lt"/>
-                <a:ea typeface="+mn-ea"/>
-                <a:cs typeface="+mn-cs"/>
-              </a:defRPr>
-            </a:lvl4pPr>
-            <a:lvl5pPr marL="1828800" algn="l" defTabSz="914400" rtl="0" eaLnBrk="1" latinLnBrk="0" hangingPunct="1">
-              <a:defRPr sz="1800" kern="1200">
-                <a:solidFill>
-                  <a:schemeClr val="tx1"/>
-                </a:solidFill>
-                <a:latin typeface="+mn-lt"/>
-                <a:ea typeface="+mn-ea"/>
-                <a:cs typeface="+mn-cs"/>
-              </a:defRPr>
-            </a:lvl5pPr>
-            <a:lvl6pPr marL="2286000" algn="l" defTabSz="914400" rtl="0" eaLnBrk="1" latinLnBrk="0" hangingPunct="1">
-              <a:defRPr sz="1800" kern="1200">
-                <a:solidFill>
-                  <a:schemeClr val="tx1"/>
-                </a:solidFill>
-                <a:latin typeface="+mn-lt"/>
-                <a:ea typeface="+mn-ea"/>
-                <a:cs typeface="+mn-cs"/>
-              </a:defRPr>
-            </a:lvl6pPr>
-            <a:lvl7pPr marL="2743200" algn="l" defTabSz="914400" rtl="0" eaLnBrk="1" latinLnBrk="0" hangingPunct="1">
-              <a:defRPr sz="1800" kern="1200">
-                <a:solidFill>
-                  <a:schemeClr val="tx1"/>
-                </a:solidFill>
-                <a:latin typeface="+mn-lt"/>
-                <a:ea typeface="+mn-ea"/>
-                <a:cs typeface="+mn-cs"/>
-              </a:defRPr>
-            </a:lvl7pPr>
-            <a:lvl8pPr marL="3200400" algn="l" defTabSz="914400" rtl="0" eaLnBrk="1" latinLnBrk="0" hangingPunct="1">
-              <a:defRPr sz="1800" kern="1200">
-                <a:solidFill>
-                  <a:schemeClr val="tx1"/>
-                </a:solidFill>
-                <a:latin typeface="+mn-lt"/>
-                <a:ea typeface="+mn-ea"/>
-                <a:cs typeface="+mn-cs"/>
-              </a:defRPr>
-            </a:lvl8pPr>
-            <a:lvl9pPr marL="3657600" algn="l" defTabSz="914400" rtl="0" eaLnBrk="1" latinLnBrk="0" hangingPunct="1">
-              <a:defRPr sz="1800" kern="1200">
-                <a:solidFill>
-                  <a:schemeClr val="tx1"/>
-                </a:solidFill>
-                <a:latin typeface="+mn-lt"/>
-                <a:ea typeface="+mn-ea"/>
-                <a:cs typeface="+mn-cs"/>
-              </a:defRPr>
-            </a:lvl9pPr>
-          </a:lstStyle>
-          <a:p>
-            <a:fld id="{D4328D90-2A6F-4F23-88A8-C5DCC2B5F307}" type="slidenum">
-              <a:rPr lang="zh-TW" altLang="en-US" smtClean="0"/>
-              <a:pPr/>
-              <a:t>‹#›</a:t>
-            </a:fld>
-            <a:endParaRPr lang="zh-TW" altLang="en-US"/>
-          </a:p>
-        </p:txBody>
-      </p:sp>
-      <p:sp>
-        <p:nvSpPr>
-          <p:cNvPr id="7" name="頁尾版面配置區 4">
-            <a:extLst>
-              <a:ext uri="{FF2B5EF4-FFF2-40B4-BE49-F238E27FC236}">
-                <a16:creationId xmlns:a16="http://schemas.microsoft.com/office/drawing/2014/main" id="{5C61AB5E-1760-475F-A1B8-061721352C76}"/>
-              </a:ext>
-            </a:extLst>
-          </p:cNvPr>
-          <p:cNvSpPr txBox="1">
-            <a:spLocks/>
-          </p:cNvSpPr>
-          <p:nvPr/>
-        </p:nvSpPr>
-        <p:spPr>
-          <a:xfrm>
-            <a:off x="0" y="6492875"/>
-            <a:ext cx="2743200" cy="365125"/>
-          </a:xfrm>
-          <a:prstGeom prst="rect">
-            <a:avLst/>
-          </a:prstGeom>
-        </p:spPr>
-        <p:txBody>
-          <a:bodyPr vert="horz" lIns="91440" tIns="45720" rIns="91440" bIns="45720" rtlCol="0" anchor="ctr"/>
-          <a:lstStyle>
-            <a:defPPr>
-              <a:defRPr lang="zh-TW"/>
-            </a:defPPr>
-            <a:lvl1pPr marL="0" algn="l" defTabSz="914400" rtl="0" eaLnBrk="1" latinLnBrk="0" hangingPunct="1">
-              <a:defRPr sz="1200" kern="1200">
-                <a:solidFill>
-                  <a:schemeClr val="tx1">
-                    <a:tint val="75000"/>
-                  </a:schemeClr>
-                </a:solidFill>
-                <a:latin typeface="+mn-lt"/>
-                <a:ea typeface="+mn-ea"/>
-                <a:cs typeface="+mn-cs"/>
-              </a:defRPr>
-            </a:lvl1pPr>
-            <a:lvl2pPr marL="457200" algn="l" defTabSz="914400" rtl="0" eaLnBrk="1" latinLnBrk="0" hangingPunct="1">
-              <a:defRPr sz="1800" kern="1200">
-                <a:solidFill>
-                  <a:schemeClr val="tx1"/>
-                </a:solidFill>
-                <a:latin typeface="+mn-lt"/>
-                <a:ea typeface="+mn-ea"/>
-                <a:cs typeface="+mn-cs"/>
-              </a:defRPr>
-            </a:lvl2pPr>
-            <a:lvl3pPr marL="914400" algn="l" defTabSz="914400" rtl="0" eaLnBrk="1" latinLnBrk="0" hangingPunct="1">
-              <a:defRPr sz="1800" kern="1200">
-                <a:solidFill>
-                  <a:schemeClr val="tx1"/>
-                </a:solidFill>
-                <a:latin typeface="+mn-lt"/>
-                <a:ea typeface="+mn-ea"/>
-                <a:cs typeface="+mn-cs"/>
-              </a:defRPr>
-            </a:lvl3pPr>
-            <a:lvl4pPr marL="1371600" algn="l" defTabSz="914400" rtl="0" eaLnBrk="1" latinLnBrk="0" hangingPunct="1">
-              <a:defRPr sz="1800" kern="1200">
-                <a:solidFill>
-                  <a:schemeClr val="tx1"/>
-                </a:solidFill>
-                <a:latin typeface="+mn-lt"/>
-                <a:ea typeface="+mn-ea"/>
-                <a:cs typeface="+mn-cs"/>
-              </a:defRPr>
-            </a:lvl4pPr>
-            <a:lvl5pPr marL="1828800" algn="l" defTabSz="914400" rtl="0" eaLnBrk="1" latinLnBrk="0" hangingPunct="1">
-              <a:defRPr sz="1800" kern="1200">
-                <a:solidFill>
-                  <a:schemeClr val="tx1"/>
-                </a:solidFill>
-                <a:latin typeface="+mn-lt"/>
-                <a:ea typeface="+mn-ea"/>
-                <a:cs typeface="+mn-cs"/>
-              </a:defRPr>
-            </a:lvl5pPr>
-            <a:lvl6pPr marL="2286000" algn="l" defTabSz="914400" rtl="0" eaLnBrk="1" latinLnBrk="0" hangingPunct="1">
-              <a:defRPr sz="1800" kern="1200">
-                <a:solidFill>
-                  <a:schemeClr val="tx1"/>
-                </a:solidFill>
-                <a:latin typeface="+mn-lt"/>
-                <a:ea typeface="+mn-ea"/>
-                <a:cs typeface="+mn-cs"/>
-              </a:defRPr>
-            </a:lvl6pPr>
-            <a:lvl7pPr marL="2743200" algn="l" defTabSz="914400" rtl="0" eaLnBrk="1" latinLnBrk="0" hangingPunct="1">
-              <a:defRPr sz="1800" kern="1200">
-                <a:solidFill>
-                  <a:schemeClr val="tx1"/>
-                </a:solidFill>
-                <a:latin typeface="+mn-lt"/>
-                <a:ea typeface="+mn-ea"/>
-                <a:cs typeface="+mn-cs"/>
-              </a:defRPr>
-            </a:lvl7pPr>
-            <a:lvl8pPr marL="3200400" algn="l" defTabSz="914400" rtl="0" eaLnBrk="1" latinLnBrk="0" hangingPunct="1">
-              <a:defRPr sz="1800" kern="1200">
-                <a:solidFill>
-                  <a:schemeClr val="tx1"/>
-                </a:solidFill>
-                <a:latin typeface="+mn-lt"/>
-                <a:ea typeface="+mn-ea"/>
-                <a:cs typeface="+mn-cs"/>
-              </a:defRPr>
-            </a:lvl8pPr>
-            <a:lvl9pPr marL="3657600" algn="l" defTabSz="914400" rtl="0" eaLnBrk="1" latinLnBrk="0" hangingPunct="1">
-              <a:defRPr sz="1800" kern="1200">
-                <a:solidFill>
-                  <a:schemeClr val="tx1"/>
-                </a:solidFill>
-                <a:latin typeface="+mn-lt"/>
-                <a:ea typeface="+mn-ea"/>
-                <a:cs typeface="+mn-cs"/>
-              </a:defRPr>
-            </a:lvl9pPr>
-          </a:lstStyle>
-          <a:p>
-            <a:r>
-              <a:rPr lang="en-US" altLang="zh-TW" dirty="0"/>
-              <a:t>TYIC</a:t>
-            </a:r>
-            <a:r>
-              <a:rPr lang="zh-TW" altLang="en-US"/>
-              <a:t>桃高資訊社</a:t>
-            </a:r>
-          </a:p>
-        </p:txBody>
-      </p:sp>
-      <p:sp>
-        <p:nvSpPr>
-          <p:cNvPr id="10" name="投影片編號版面配置區 5">
-            <a:extLst>
-              <a:ext uri="{FF2B5EF4-FFF2-40B4-BE49-F238E27FC236}">
-                <a16:creationId xmlns:a16="http://schemas.microsoft.com/office/drawing/2014/main" id="{9E366190-11AD-4701-810E-B13A72A655B0}"/>
-              </a:ext>
-            </a:extLst>
-          </p:cNvPr>
-          <p:cNvSpPr txBox="1">
-            <a:spLocks/>
-          </p:cNvSpPr>
-          <p:nvPr/>
-        </p:nvSpPr>
-        <p:spPr>
-          <a:xfrm>
-            <a:off x="9448800" y="6492874"/>
-            <a:ext cx="2743200" cy="365125"/>
-          </a:xfrm>
-          <a:prstGeom prst="rect">
-            <a:avLst/>
-          </a:prstGeom>
-        </p:spPr>
-        <p:txBody>
-          <a:bodyPr vert="horz" lIns="91440" tIns="45720" rIns="91440" bIns="45720" rtlCol="0" anchor="ctr"/>
-          <a:lstStyle>
-            <a:defPPr>
-              <a:defRPr lang="zh-TW"/>
-            </a:defPPr>
-            <a:lvl1pPr marL="0" algn="r" defTabSz="914400" rtl="0" eaLnBrk="1" latinLnBrk="0" hangingPunct="1">
-              <a:defRPr sz="1200" kern="1200">
-                <a:solidFill>
-                  <a:schemeClr val="tx1">
-                    <a:tint val="75000"/>
-                  </a:schemeClr>
-                </a:solidFill>
-                <a:latin typeface="+mn-lt"/>
-                <a:ea typeface="+mn-ea"/>
-                <a:cs typeface="+mn-cs"/>
-              </a:defRPr>
-            </a:lvl1pPr>
-            <a:lvl2pPr marL="457200" algn="l" defTabSz="914400" rtl="0" eaLnBrk="1" latinLnBrk="0" hangingPunct="1">
-              <a:defRPr sz="1800" kern="1200">
-                <a:solidFill>
-                  <a:schemeClr val="tx1"/>
-                </a:solidFill>
-                <a:latin typeface="+mn-lt"/>
-                <a:ea typeface="+mn-ea"/>
-                <a:cs typeface="+mn-cs"/>
-              </a:defRPr>
-            </a:lvl2pPr>
-            <a:lvl3pPr marL="914400" algn="l" defTabSz="914400" rtl="0" eaLnBrk="1" latinLnBrk="0" hangingPunct="1">
-              <a:defRPr sz="1800" kern="1200">
-                <a:solidFill>
-                  <a:schemeClr val="tx1"/>
-                </a:solidFill>
-                <a:latin typeface="+mn-lt"/>
-                <a:ea typeface="+mn-ea"/>
-                <a:cs typeface="+mn-cs"/>
-              </a:defRPr>
-            </a:lvl3pPr>
-            <a:lvl4pPr marL="1371600" algn="l" defTabSz="914400" rtl="0" eaLnBrk="1" latinLnBrk="0" hangingPunct="1">
-              <a:defRPr sz="1800" kern="1200">
-                <a:solidFill>
-                  <a:schemeClr val="tx1"/>
-                </a:solidFill>
-                <a:latin typeface="+mn-lt"/>
-                <a:ea typeface="+mn-ea"/>
-                <a:cs typeface="+mn-cs"/>
-              </a:defRPr>
-            </a:lvl4pPr>
-            <a:lvl5pPr marL="1828800" algn="l" defTabSz="914400" rtl="0" eaLnBrk="1" latinLnBrk="0" hangingPunct="1">
-              <a:defRPr sz="1800" kern="1200">
-                <a:solidFill>
-                  <a:schemeClr val="tx1"/>
-                </a:solidFill>
-                <a:latin typeface="+mn-lt"/>
-                <a:ea typeface="+mn-ea"/>
-                <a:cs typeface="+mn-cs"/>
-              </a:defRPr>
-            </a:lvl5pPr>
-            <a:lvl6pPr marL="2286000" algn="l" defTabSz="914400" rtl="0" eaLnBrk="1" latinLnBrk="0" hangingPunct="1">
-              <a:defRPr sz="1800" kern="1200">
-                <a:solidFill>
-                  <a:schemeClr val="tx1"/>
-                </a:solidFill>
-                <a:latin typeface="+mn-lt"/>
-                <a:ea typeface="+mn-ea"/>
-                <a:cs typeface="+mn-cs"/>
-              </a:defRPr>
-            </a:lvl6pPr>
-            <a:lvl7pPr marL="2743200" algn="l" defTabSz="914400" rtl="0" eaLnBrk="1" latinLnBrk="0" hangingPunct="1">
-              <a:defRPr sz="1800" kern="1200">
-                <a:solidFill>
-                  <a:schemeClr val="tx1"/>
-                </a:solidFill>
-                <a:latin typeface="+mn-lt"/>
-                <a:ea typeface="+mn-ea"/>
-                <a:cs typeface="+mn-cs"/>
-              </a:defRPr>
-            </a:lvl7pPr>
-            <a:lvl8pPr marL="3200400" algn="l" defTabSz="914400" rtl="0" eaLnBrk="1" latinLnBrk="0" hangingPunct="1">
-              <a:defRPr sz="1800" kern="1200">
-                <a:solidFill>
-                  <a:schemeClr val="tx1"/>
-                </a:solidFill>
-                <a:latin typeface="+mn-lt"/>
-                <a:ea typeface="+mn-ea"/>
-                <a:cs typeface="+mn-cs"/>
-              </a:defRPr>
-            </a:lvl8pPr>
-            <a:lvl9pPr marL="3657600" algn="l" defTabSz="914400" rtl="0" eaLnBrk="1" latinLnBrk="0" hangingPunct="1">
-              <a:defRPr sz="1800" kern="1200">
-                <a:solidFill>
-                  <a:schemeClr val="tx1"/>
-                </a:solidFill>
-                <a:latin typeface="+mn-lt"/>
-                <a:ea typeface="+mn-ea"/>
-                <a:cs typeface="+mn-cs"/>
-              </a:defRPr>
-            </a:lvl9pPr>
-          </a:lstStyle>
-          <a:p>
-            <a:fld id="{D4328D90-2A6F-4F23-88A8-C5DCC2B5F307}" type="slidenum">
-              <a:rPr lang="zh-TW" altLang="en-US" smtClean="0"/>
-              <a:pPr/>
-              <a:t>‹#›</a:t>
-            </a:fld>
-            <a:endParaRPr lang="zh-TW" altLang="en-US"/>
-          </a:p>
-        </p:txBody>
-      </p:sp>
-    </p:spTree>
-    <p:extLst>
-      <p:ext uri="{BB962C8B-B14F-4D97-AF65-F5344CB8AC3E}">
-        <p14:creationId xmlns:p14="http://schemas.microsoft.com/office/powerpoint/2010/main" val="3435220160"/>
-      </p:ext>
-    </p:extLst>
-  </p:cSld>
-  <p:clrMapOvr>
-    <a:masterClrMapping/>
-  </p:clrMapOvr>
-  <p:transition spd="slow">
-    <p:push dir="u"/>
-  </p:transition>
-</p:sldLayout>
-</file>
-
-<file path=ppt/slideLayouts/slideLayout9.xml><?xml version="1.0" encoding="utf-8"?>
-<p:sldLayout xmlns:a="http://schemas.openxmlformats.org/drawingml/2006/main" xmlns:r="http://schemas.openxmlformats.org/officeDocument/2006/relationships" xmlns:p="http://schemas.openxmlformats.org/presentationml/2006/main" type="picTx" preserve="1">
-  <p:cSld name="含輔助字幕的圖片">
-    <p:spTree>
-      <p:nvGrpSpPr>
-        <p:cNvPr id="1" name=""/>
-        <p:cNvGrpSpPr/>
-        <p:nvPr/>
-      </p:nvGrpSpPr>
-      <p:grpSpPr>
-        <a:xfrm>
-          <a:off x="0" y="0"/>
-          <a:ext cx="0" cy="0"/>
-          <a:chOff x="0" y="0"/>
-          <a:chExt cx="0" cy="0"/>
-        </a:xfrm>
-      </p:grpSpPr>
-      <p:sp>
-        <p:nvSpPr>
-          <p:cNvPr id="2" name="標題 1">
-            <a:extLst>
-              <a:ext uri="{FF2B5EF4-FFF2-40B4-BE49-F238E27FC236}">
-                <a16:creationId xmlns:a16="http://schemas.microsoft.com/office/drawing/2014/main" id="{BE535801-9853-4F81-918E-E55C33357D57}"/>
-              </a:ext>
-            </a:extLst>
-          </p:cNvPr>
-          <p:cNvSpPr>
-            <a:spLocks noGrp="1"/>
-          </p:cNvSpPr>
-          <p:nvPr>
-            <p:ph type="title"/>
-          </p:nvPr>
-        </p:nvSpPr>
-        <p:spPr>
-          <a:xfrm>
-            <a:off x="839788" y="457200"/>
-            <a:ext cx="3932237" cy="1600200"/>
-          </a:xfrm>
-        </p:spPr>
-        <p:txBody>
-          <a:bodyPr anchor="b"/>
-          <a:lstStyle>
-            <a:lvl1pPr>
-              <a:defRPr sz="3200"/>
-            </a:lvl1pPr>
-          </a:lstStyle>
-          <a:p>
-            <a:r>
-              <a:rPr lang="zh-TW" altLang="en-US"/>
-              <a:t>按一下以編輯母片標題樣式</a:t>
-            </a:r>
-          </a:p>
-        </p:txBody>
-      </p:sp>
-      <p:sp>
-        <p:nvSpPr>
-          <p:cNvPr id="3" name="圖片版面配置區 2">
-            <a:extLst>
-              <a:ext uri="{FF2B5EF4-FFF2-40B4-BE49-F238E27FC236}">
-                <a16:creationId xmlns:a16="http://schemas.microsoft.com/office/drawing/2014/main" id="{7CCBC987-FAA7-4264-8CC0-2E6F221D3AB9}"/>
-              </a:ext>
-            </a:extLst>
-          </p:cNvPr>
-          <p:cNvSpPr>
-            <a:spLocks noGrp="1"/>
-          </p:cNvSpPr>
-          <p:nvPr>
-            <p:ph type="pic" idx="1"/>
-          </p:nvPr>
-        </p:nvSpPr>
-        <p:spPr>
-          <a:xfrm>
-            <a:off x="5183188" y="987425"/>
-            <a:ext cx="6172200" cy="4873625"/>
-          </a:xfrm>
-        </p:spPr>
-        <p:txBody>
-          <a:bodyPr/>
-          <a:lstStyle>
-            <a:lvl1pPr marL="0" indent="0">
-              <a:buNone/>
-              <a:defRPr sz="3200"/>
-            </a:lvl1pPr>
-            <a:lvl2pPr marL="457200" indent="0">
-              <a:buNone/>
-              <a:defRPr sz="2800"/>
-            </a:lvl2pPr>
-            <a:lvl3pPr marL="914400" indent="0">
-              <a:buNone/>
-              <a:defRPr sz="2400"/>
-            </a:lvl3pPr>
-            <a:lvl4pPr marL="1371600" indent="0">
-              <a:buNone/>
-              <a:defRPr sz="2000"/>
-            </a:lvl4pPr>
-            <a:lvl5pPr marL="1828800" indent="0">
-              <a:buNone/>
-              <a:defRPr sz="2000"/>
-            </a:lvl5pPr>
-            <a:lvl6pPr marL="2286000" indent="0">
-              <a:buNone/>
-              <a:defRPr sz="2000"/>
-            </a:lvl6pPr>
-            <a:lvl7pPr marL="2743200" indent="0">
-              <a:buNone/>
-              <a:defRPr sz="2000"/>
-            </a:lvl7pPr>
-            <a:lvl8pPr marL="3200400" indent="0">
-              <a:buNone/>
-              <a:defRPr sz="2000"/>
-            </a:lvl8pPr>
-            <a:lvl9pPr marL="3657600" indent="0">
-              <a:buNone/>
-              <a:defRPr sz="2000"/>
-            </a:lvl9pPr>
-          </a:lstStyle>
-          <a:p>
-            <a:r>
-              <a:rPr lang="zh-TW" altLang="en-US"/>
-              <a:t>按一下圖示以新增圖片</a:t>
-            </a:r>
-          </a:p>
-        </p:txBody>
-      </p:sp>
-      <p:sp>
-        <p:nvSpPr>
-          <p:cNvPr id="4" name="文字版面配置區 3">
-            <a:extLst>
-              <a:ext uri="{FF2B5EF4-FFF2-40B4-BE49-F238E27FC236}">
-                <a16:creationId xmlns:a16="http://schemas.microsoft.com/office/drawing/2014/main" id="{6113A0E9-5B1A-476F-B87A-DD123DA8BFDF}"/>
-              </a:ext>
-            </a:extLst>
-          </p:cNvPr>
-          <p:cNvSpPr>
-            <a:spLocks noGrp="1"/>
-          </p:cNvSpPr>
-          <p:nvPr>
-            <p:ph type="body" sz="half" idx="2"/>
-          </p:nvPr>
-        </p:nvSpPr>
-        <p:spPr>
-          <a:xfrm>
-            <a:off x="839788" y="2057400"/>
-            <a:ext cx="3932237" cy="3811588"/>
-          </a:xfrm>
-        </p:spPr>
-        <p:txBody>
-          <a:bodyPr/>
-          <a:lstStyle>
-            <a:lvl1pPr marL="0" indent="0">
-              <a:buNone/>
-              <a:defRPr sz="1600"/>
-            </a:lvl1pPr>
-            <a:lvl2pPr marL="457200" indent="0">
-              <a:buNone/>
-              <a:defRPr sz="1400"/>
-            </a:lvl2pPr>
-            <a:lvl3pPr marL="914400" indent="0">
-              <a:buNone/>
-              <a:defRPr sz="1200"/>
-            </a:lvl3pPr>
-            <a:lvl4pPr marL="1371600" indent="0">
-              <a:buNone/>
-              <a:defRPr sz="1000"/>
-            </a:lvl4pPr>
-            <a:lvl5pPr marL="1828800" indent="0">
-              <a:buNone/>
-              <a:defRPr sz="1000"/>
-            </a:lvl5pPr>
-            <a:lvl6pPr marL="2286000" indent="0">
-              <a:buNone/>
-              <a:defRPr sz="1000"/>
-            </a:lvl6pPr>
-            <a:lvl7pPr marL="2743200" indent="0">
-              <a:buNone/>
-              <a:defRPr sz="1000"/>
-            </a:lvl7pPr>
-            <a:lvl8pPr marL="3200400" indent="0">
-              <a:buNone/>
-              <a:defRPr sz="1000"/>
-            </a:lvl8pPr>
-            <a:lvl9pPr marL="3657600" indent="0">
-              <a:buNone/>
-              <a:defRPr sz="1000"/>
-            </a:lvl9pPr>
-          </a:lstStyle>
-          <a:p>
-            <a:pPr lvl="0"/>
-            <a:r>
-              <a:rPr lang="zh-TW" altLang="en-US"/>
-              <a:t>按一下以編輯母片文字樣式</a:t>
-            </a:r>
-          </a:p>
-        </p:txBody>
-      </p:sp>
-      <p:sp>
-        <p:nvSpPr>
-          <p:cNvPr id="8" name="頁尾版面配置區 4">
-            <a:extLst>
-              <a:ext uri="{FF2B5EF4-FFF2-40B4-BE49-F238E27FC236}">
-                <a16:creationId xmlns:a16="http://schemas.microsoft.com/office/drawing/2014/main" id="{7B7B89AD-AB9E-48F8-B85F-14FF932E8842}"/>
-              </a:ext>
-            </a:extLst>
-          </p:cNvPr>
-          <p:cNvSpPr txBox="1">
-            <a:spLocks/>
-          </p:cNvSpPr>
-          <p:nvPr/>
-        </p:nvSpPr>
-        <p:spPr>
-          <a:xfrm>
-            <a:off x="0" y="6492875"/>
-            <a:ext cx="2743200" cy="365125"/>
-          </a:xfrm>
-          <a:prstGeom prst="rect">
-            <a:avLst/>
-          </a:prstGeom>
-        </p:spPr>
-        <p:txBody>
-          <a:bodyPr vert="horz" lIns="91440" tIns="45720" rIns="91440" bIns="45720" rtlCol="0" anchor="ctr"/>
-          <a:lstStyle>
-            <a:defPPr>
-              <a:defRPr lang="zh-TW"/>
-            </a:defPPr>
-            <a:lvl1pPr marL="0" algn="l" defTabSz="914400" rtl="0" eaLnBrk="1" latinLnBrk="0" hangingPunct="1">
-              <a:defRPr sz="1200" kern="1200">
-                <a:solidFill>
-                  <a:schemeClr val="tx1">
-                    <a:tint val="75000"/>
-                  </a:schemeClr>
-                </a:solidFill>
-                <a:latin typeface="+mn-lt"/>
-                <a:ea typeface="+mn-ea"/>
-                <a:cs typeface="+mn-cs"/>
-              </a:defRPr>
-            </a:lvl1pPr>
-            <a:lvl2pPr marL="457200" algn="l" defTabSz="914400" rtl="0" eaLnBrk="1" latinLnBrk="0" hangingPunct="1">
-              <a:defRPr sz="1800" kern="1200">
-                <a:solidFill>
-                  <a:schemeClr val="tx1"/>
-                </a:solidFill>
-                <a:latin typeface="+mn-lt"/>
-                <a:ea typeface="+mn-ea"/>
-                <a:cs typeface="+mn-cs"/>
-              </a:defRPr>
-            </a:lvl2pPr>
-            <a:lvl3pPr marL="914400" algn="l" defTabSz="914400" rtl="0" eaLnBrk="1" latinLnBrk="0" hangingPunct="1">
-              <a:defRPr sz="1800" kern="1200">
-                <a:solidFill>
-                  <a:schemeClr val="tx1"/>
-                </a:solidFill>
-                <a:latin typeface="+mn-lt"/>
-                <a:ea typeface="+mn-ea"/>
-                <a:cs typeface="+mn-cs"/>
-              </a:defRPr>
-            </a:lvl3pPr>
-            <a:lvl4pPr marL="1371600" algn="l" defTabSz="914400" rtl="0" eaLnBrk="1" latinLnBrk="0" hangingPunct="1">
-              <a:defRPr sz="1800" kern="1200">
-                <a:solidFill>
-                  <a:schemeClr val="tx1"/>
-                </a:solidFill>
-                <a:latin typeface="+mn-lt"/>
-                <a:ea typeface="+mn-ea"/>
-                <a:cs typeface="+mn-cs"/>
-              </a:defRPr>
-            </a:lvl4pPr>
-            <a:lvl5pPr marL="1828800" algn="l" defTabSz="914400" rtl="0" eaLnBrk="1" latinLnBrk="0" hangingPunct="1">
-              <a:defRPr sz="1800" kern="1200">
-                <a:solidFill>
-                  <a:schemeClr val="tx1"/>
-                </a:solidFill>
-                <a:latin typeface="+mn-lt"/>
-                <a:ea typeface="+mn-ea"/>
-                <a:cs typeface="+mn-cs"/>
-              </a:defRPr>
-            </a:lvl5pPr>
-            <a:lvl6pPr marL="2286000" algn="l" defTabSz="914400" rtl="0" eaLnBrk="1" latinLnBrk="0" hangingPunct="1">
-              <a:defRPr sz="1800" kern="1200">
-                <a:solidFill>
-                  <a:schemeClr val="tx1"/>
-                </a:solidFill>
-                <a:latin typeface="+mn-lt"/>
-                <a:ea typeface="+mn-ea"/>
-                <a:cs typeface="+mn-cs"/>
-              </a:defRPr>
-            </a:lvl6pPr>
-            <a:lvl7pPr marL="2743200" algn="l" defTabSz="914400" rtl="0" eaLnBrk="1" latinLnBrk="0" hangingPunct="1">
-              <a:defRPr sz="1800" kern="1200">
-                <a:solidFill>
-                  <a:schemeClr val="tx1"/>
-                </a:solidFill>
-                <a:latin typeface="+mn-lt"/>
-                <a:ea typeface="+mn-ea"/>
-                <a:cs typeface="+mn-cs"/>
-              </a:defRPr>
-            </a:lvl7pPr>
-            <a:lvl8pPr marL="3200400" algn="l" defTabSz="914400" rtl="0" eaLnBrk="1" latinLnBrk="0" hangingPunct="1">
-              <a:defRPr sz="1800" kern="1200">
-                <a:solidFill>
-                  <a:schemeClr val="tx1"/>
-                </a:solidFill>
-                <a:latin typeface="+mn-lt"/>
-                <a:ea typeface="+mn-ea"/>
-                <a:cs typeface="+mn-cs"/>
-              </a:defRPr>
-            </a:lvl8pPr>
-            <a:lvl9pPr marL="3657600" algn="l" defTabSz="914400" rtl="0" eaLnBrk="1" latinLnBrk="0" hangingPunct="1">
-              <a:defRPr sz="1800" kern="1200">
-                <a:solidFill>
-                  <a:schemeClr val="tx1"/>
-                </a:solidFill>
-                <a:latin typeface="+mn-lt"/>
-                <a:ea typeface="+mn-ea"/>
-                <a:cs typeface="+mn-cs"/>
-              </a:defRPr>
-            </a:lvl9pPr>
-          </a:lstStyle>
-          <a:p>
-            <a:r>
-              <a:rPr lang="en-US" altLang="zh-TW"/>
-              <a:t>TYIC</a:t>
-            </a:r>
-            <a:r>
-              <a:rPr lang="zh-TW" altLang="en-US"/>
-              <a:t>桃高資訊社</a:t>
-            </a:r>
-          </a:p>
-        </p:txBody>
-      </p:sp>
-      <p:sp>
-        <p:nvSpPr>
-          <p:cNvPr id="9" name="投影片編號版面配置區 5">
-            <a:extLst>
-              <a:ext uri="{FF2B5EF4-FFF2-40B4-BE49-F238E27FC236}">
-                <a16:creationId xmlns:a16="http://schemas.microsoft.com/office/drawing/2014/main" id="{462D3499-D09D-4E37-BE04-5CFD293C1093}"/>
-              </a:ext>
-            </a:extLst>
-          </p:cNvPr>
-          <p:cNvSpPr txBox="1">
-            <a:spLocks/>
-          </p:cNvSpPr>
-          <p:nvPr/>
-        </p:nvSpPr>
-        <p:spPr>
-          <a:xfrm>
-            <a:off x="9448800" y="6492874"/>
-            <a:ext cx="2743200" cy="365125"/>
-          </a:xfrm>
-          <a:prstGeom prst="rect">
-            <a:avLst/>
-          </a:prstGeom>
-        </p:spPr>
-        <p:txBody>
-          <a:bodyPr vert="horz" lIns="91440" tIns="45720" rIns="91440" bIns="45720" rtlCol="0" anchor="ctr"/>
-          <a:lstStyle>
-            <a:defPPr>
-              <a:defRPr lang="zh-TW"/>
-            </a:defPPr>
-            <a:lvl1pPr marL="0" algn="r" defTabSz="914400" rtl="0" eaLnBrk="1" latinLnBrk="0" hangingPunct="1">
-              <a:defRPr sz="1200" kern="1200">
-                <a:solidFill>
-                  <a:schemeClr val="tx1">
-                    <a:tint val="75000"/>
-                  </a:schemeClr>
-                </a:solidFill>
-                <a:latin typeface="+mn-lt"/>
-                <a:ea typeface="+mn-ea"/>
-                <a:cs typeface="+mn-cs"/>
-              </a:defRPr>
-            </a:lvl1pPr>
-            <a:lvl2pPr marL="457200" algn="l" defTabSz="914400" rtl="0" eaLnBrk="1" latinLnBrk="0" hangingPunct="1">
-              <a:defRPr sz="1800" kern="1200">
-                <a:solidFill>
-                  <a:schemeClr val="tx1"/>
-                </a:solidFill>
-                <a:latin typeface="+mn-lt"/>
-                <a:ea typeface="+mn-ea"/>
-                <a:cs typeface="+mn-cs"/>
-              </a:defRPr>
-            </a:lvl2pPr>
-            <a:lvl3pPr marL="914400" algn="l" defTabSz="914400" rtl="0" eaLnBrk="1" latinLnBrk="0" hangingPunct="1">
-              <a:defRPr sz="1800" kern="1200">
-                <a:solidFill>
-                  <a:schemeClr val="tx1"/>
-                </a:solidFill>
-                <a:latin typeface="+mn-lt"/>
-                <a:ea typeface="+mn-ea"/>
-                <a:cs typeface="+mn-cs"/>
-              </a:defRPr>
-            </a:lvl3pPr>
-            <a:lvl4pPr marL="1371600" algn="l" defTabSz="914400" rtl="0" eaLnBrk="1" latinLnBrk="0" hangingPunct="1">
-              <a:defRPr sz="1800" kern="1200">
-                <a:solidFill>
-                  <a:schemeClr val="tx1"/>
-                </a:solidFill>
-                <a:latin typeface="+mn-lt"/>
-                <a:ea typeface="+mn-ea"/>
-                <a:cs typeface="+mn-cs"/>
-              </a:defRPr>
-            </a:lvl4pPr>
-            <a:lvl5pPr marL="1828800" algn="l" defTabSz="914400" rtl="0" eaLnBrk="1" latinLnBrk="0" hangingPunct="1">
-              <a:defRPr sz="1800" kern="1200">
-                <a:solidFill>
-                  <a:schemeClr val="tx1"/>
-                </a:solidFill>
-                <a:latin typeface="+mn-lt"/>
-                <a:ea typeface="+mn-ea"/>
-                <a:cs typeface="+mn-cs"/>
-              </a:defRPr>
-            </a:lvl5pPr>
-            <a:lvl6pPr marL="2286000" algn="l" defTabSz="914400" rtl="0" eaLnBrk="1" latinLnBrk="0" hangingPunct="1">
-              <a:defRPr sz="1800" kern="1200">
-                <a:solidFill>
-                  <a:schemeClr val="tx1"/>
-                </a:solidFill>
-                <a:latin typeface="+mn-lt"/>
-                <a:ea typeface="+mn-ea"/>
-                <a:cs typeface="+mn-cs"/>
-              </a:defRPr>
-            </a:lvl6pPr>
-            <a:lvl7pPr marL="2743200" algn="l" defTabSz="914400" rtl="0" eaLnBrk="1" latinLnBrk="0" hangingPunct="1">
-              <a:defRPr sz="1800" kern="1200">
-                <a:solidFill>
-                  <a:schemeClr val="tx1"/>
-                </a:solidFill>
-                <a:latin typeface="+mn-lt"/>
-                <a:ea typeface="+mn-ea"/>
-                <a:cs typeface="+mn-cs"/>
-              </a:defRPr>
-            </a:lvl7pPr>
-            <a:lvl8pPr marL="3200400" algn="l" defTabSz="914400" rtl="0" eaLnBrk="1" latinLnBrk="0" hangingPunct="1">
-              <a:defRPr sz="1800" kern="1200">
-                <a:solidFill>
-                  <a:schemeClr val="tx1"/>
-                </a:solidFill>
-                <a:latin typeface="+mn-lt"/>
-                <a:ea typeface="+mn-ea"/>
-                <a:cs typeface="+mn-cs"/>
-              </a:defRPr>
-            </a:lvl8pPr>
-            <a:lvl9pPr marL="3657600" algn="l" defTabSz="914400" rtl="0" eaLnBrk="1" latinLnBrk="0" hangingPunct="1">
-              <a:defRPr sz="1800" kern="1200">
-                <a:solidFill>
-                  <a:schemeClr val="tx1"/>
-                </a:solidFill>
-                <a:latin typeface="+mn-lt"/>
-                <a:ea typeface="+mn-ea"/>
-                <a:cs typeface="+mn-cs"/>
-              </a:defRPr>
-            </a:lvl9pPr>
-          </a:lstStyle>
-          <a:p>
-            <a:fld id="{D4328D90-2A6F-4F23-88A8-C5DCC2B5F307}" type="slidenum">
-              <a:rPr lang="zh-TW" altLang="en-US" smtClean="0"/>
-              <a:pPr/>
-              <a:t>‹#›</a:t>
-            </a:fld>
-            <a:endParaRPr lang="zh-TW" altLang="en-US"/>
-          </a:p>
-        </p:txBody>
-      </p:sp>
-      <p:sp>
-        <p:nvSpPr>
-          <p:cNvPr id="7" name="頁尾版面配置區 4">
-            <a:extLst>
-              <a:ext uri="{FF2B5EF4-FFF2-40B4-BE49-F238E27FC236}">
-                <a16:creationId xmlns:a16="http://schemas.microsoft.com/office/drawing/2014/main" id="{98EB7A71-ECA5-4881-9036-A2C34C4BD790}"/>
-              </a:ext>
-            </a:extLst>
-          </p:cNvPr>
-          <p:cNvSpPr txBox="1">
-            <a:spLocks/>
-          </p:cNvSpPr>
-          <p:nvPr/>
-        </p:nvSpPr>
-        <p:spPr>
-          <a:xfrm>
-            <a:off x="0" y="6492875"/>
-            <a:ext cx="2743200" cy="365125"/>
-          </a:xfrm>
-          <a:prstGeom prst="rect">
-            <a:avLst/>
-          </a:prstGeom>
-        </p:spPr>
-        <p:txBody>
-          <a:bodyPr vert="horz" lIns="91440" tIns="45720" rIns="91440" bIns="45720" rtlCol="0" anchor="ctr"/>
-          <a:lstStyle>
-            <a:defPPr>
-              <a:defRPr lang="zh-TW"/>
-            </a:defPPr>
-            <a:lvl1pPr marL="0" algn="l" defTabSz="914400" rtl="0" eaLnBrk="1" latinLnBrk="0" hangingPunct="1">
-              <a:defRPr sz="1200" kern="1200">
-                <a:solidFill>
-                  <a:schemeClr val="tx1">
-                    <a:tint val="75000"/>
-                  </a:schemeClr>
-                </a:solidFill>
-                <a:latin typeface="+mn-lt"/>
-                <a:ea typeface="+mn-ea"/>
-                <a:cs typeface="+mn-cs"/>
-              </a:defRPr>
-            </a:lvl1pPr>
-            <a:lvl2pPr marL="457200" algn="l" defTabSz="914400" rtl="0" eaLnBrk="1" latinLnBrk="0" hangingPunct="1">
-              <a:defRPr sz="1800" kern="1200">
-                <a:solidFill>
-                  <a:schemeClr val="tx1"/>
-                </a:solidFill>
-                <a:latin typeface="+mn-lt"/>
-                <a:ea typeface="+mn-ea"/>
-                <a:cs typeface="+mn-cs"/>
-              </a:defRPr>
-            </a:lvl2pPr>
-            <a:lvl3pPr marL="914400" algn="l" defTabSz="914400" rtl="0" eaLnBrk="1" latinLnBrk="0" hangingPunct="1">
-              <a:defRPr sz="1800" kern="1200">
-                <a:solidFill>
-                  <a:schemeClr val="tx1"/>
-                </a:solidFill>
-                <a:latin typeface="+mn-lt"/>
-                <a:ea typeface="+mn-ea"/>
-                <a:cs typeface="+mn-cs"/>
-              </a:defRPr>
-            </a:lvl3pPr>
-            <a:lvl4pPr marL="1371600" algn="l" defTabSz="914400" rtl="0" eaLnBrk="1" latinLnBrk="0" hangingPunct="1">
-              <a:defRPr sz="1800" kern="1200">
-                <a:solidFill>
-                  <a:schemeClr val="tx1"/>
-                </a:solidFill>
-                <a:latin typeface="+mn-lt"/>
-                <a:ea typeface="+mn-ea"/>
-                <a:cs typeface="+mn-cs"/>
-              </a:defRPr>
-            </a:lvl4pPr>
-            <a:lvl5pPr marL="1828800" algn="l" defTabSz="914400" rtl="0" eaLnBrk="1" latinLnBrk="0" hangingPunct="1">
-              <a:defRPr sz="1800" kern="1200">
-                <a:solidFill>
-                  <a:schemeClr val="tx1"/>
-                </a:solidFill>
-                <a:latin typeface="+mn-lt"/>
-                <a:ea typeface="+mn-ea"/>
-                <a:cs typeface="+mn-cs"/>
-              </a:defRPr>
-            </a:lvl5pPr>
-            <a:lvl6pPr marL="2286000" algn="l" defTabSz="914400" rtl="0" eaLnBrk="1" latinLnBrk="0" hangingPunct="1">
-              <a:defRPr sz="1800" kern="1200">
-                <a:solidFill>
-                  <a:schemeClr val="tx1"/>
-                </a:solidFill>
-                <a:latin typeface="+mn-lt"/>
-                <a:ea typeface="+mn-ea"/>
-                <a:cs typeface="+mn-cs"/>
-              </a:defRPr>
-            </a:lvl6pPr>
-            <a:lvl7pPr marL="2743200" algn="l" defTabSz="914400" rtl="0" eaLnBrk="1" latinLnBrk="0" hangingPunct="1">
-              <a:defRPr sz="1800" kern="1200">
-                <a:solidFill>
-                  <a:schemeClr val="tx1"/>
-                </a:solidFill>
-                <a:latin typeface="+mn-lt"/>
-                <a:ea typeface="+mn-ea"/>
-                <a:cs typeface="+mn-cs"/>
-              </a:defRPr>
-            </a:lvl7pPr>
-            <a:lvl8pPr marL="3200400" algn="l" defTabSz="914400" rtl="0" eaLnBrk="1" latinLnBrk="0" hangingPunct="1">
-              <a:defRPr sz="1800" kern="1200">
-                <a:solidFill>
-                  <a:schemeClr val="tx1"/>
-                </a:solidFill>
-                <a:latin typeface="+mn-lt"/>
-                <a:ea typeface="+mn-ea"/>
-                <a:cs typeface="+mn-cs"/>
-              </a:defRPr>
-            </a:lvl8pPr>
-            <a:lvl9pPr marL="3657600" algn="l" defTabSz="914400" rtl="0" eaLnBrk="1" latinLnBrk="0" hangingPunct="1">
-              <a:defRPr sz="1800" kern="1200">
-                <a:solidFill>
-                  <a:schemeClr val="tx1"/>
-                </a:solidFill>
-                <a:latin typeface="+mn-lt"/>
-                <a:ea typeface="+mn-ea"/>
-                <a:cs typeface="+mn-cs"/>
-              </a:defRPr>
-            </a:lvl9pPr>
-          </a:lstStyle>
-          <a:p>
-            <a:r>
-              <a:rPr lang="en-US" altLang="zh-TW" dirty="0"/>
-              <a:t>TYIC</a:t>
-            </a:r>
-            <a:r>
-              <a:rPr lang="zh-TW" altLang="en-US"/>
-              <a:t>桃高資訊社</a:t>
-            </a:r>
-          </a:p>
-        </p:txBody>
-      </p:sp>
-      <p:sp>
-        <p:nvSpPr>
-          <p:cNvPr id="10" name="投影片編號版面配置區 5">
-            <a:extLst>
-              <a:ext uri="{FF2B5EF4-FFF2-40B4-BE49-F238E27FC236}">
-                <a16:creationId xmlns:a16="http://schemas.microsoft.com/office/drawing/2014/main" id="{99F2AF6F-1679-4208-AC9D-B2480349397D}"/>
-              </a:ext>
-            </a:extLst>
-          </p:cNvPr>
-          <p:cNvSpPr txBox="1">
-            <a:spLocks/>
-          </p:cNvSpPr>
-          <p:nvPr/>
-        </p:nvSpPr>
-        <p:spPr>
-          <a:xfrm>
-            <a:off x="9448800" y="6492874"/>
-            <a:ext cx="2743200" cy="365125"/>
-          </a:xfrm>
-          <a:prstGeom prst="rect">
-            <a:avLst/>
-          </a:prstGeom>
-        </p:spPr>
-        <p:txBody>
-          <a:bodyPr vert="horz" lIns="91440" tIns="45720" rIns="91440" bIns="45720" rtlCol="0" anchor="ctr"/>
-          <a:lstStyle>
-            <a:defPPr>
-              <a:defRPr lang="zh-TW"/>
-            </a:defPPr>
-            <a:lvl1pPr marL="0" algn="r" defTabSz="914400" rtl="0" eaLnBrk="1" latinLnBrk="0" hangingPunct="1">
-              <a:defRPr sz="1200" kern="1200">
-                <a:solidFill>
-                  <a:schemeClr val="tx1">
-                    <a:tint val="75000"/>
-                  </a:schemeClr>
-                </a:solidFill>
-                <a:latin typeface="+mn-lt"/>
-                <a:ea typeface="+mn-ea"/>
-                <a:cs typeface="+mn-cs"/>
-              </a:defRPr>
-            </a:lvl1pPr>
-            <a:lvl2pPr marL="457200" algn="l" defTabSz="914400" rtl="0" eaLnBrk="1" latinLnBrk="0" hangingPunct="1">
-              <a:defRPr sz="1800" kern="1200">
-                <a:solidFill>
-                  <a:schemeClr val="tx1"/>
-                </a:solidFill>
-                <a:latin typeface="+mn-lt"/>
-                <a:ea typeface="+mn-ea"/>
-                <a:cs typeface="+mn-cs"/>
-              </a:defRPr>
-            </a:lvl2pPr>
-            <a:lvl3pPr marL="914400" algn="l" defTabSz="914400" rtl="0" eaLnBrk="1" latinLnBrk="0" hangingPunct="1">
-              <a:defRPr sz="1800" kern="1200">
-                <a:solidFill>
-                  <a:schemeClr val="tx1"/>
-                </a:solidFill>
-                <a:latin typeface="+mn-lt"/>
-                <a:ea typeface="+mn-ea"/>
-                <a:cs typeface="+mn-cs"/>
-              </a:defRPr>
-            </a:lvl3pPr>
-            <a:lvl4pPr marL="1371600" algn="l" defTabSz="914400" rtl="0" eaLnBrk="1" latinLnBrk="0" hangingPunct="1">
-              <a:defRPr sz="1800" kern="1200">
-                <a:solidFill>
-                  <a:schemeClr val="tx1"/>
-                </a:solidFill>
-                <a:latin typeface="+mn-lt"/>
-                <a:ea typeface="+mn-ea"/>
-                <a:cs typeface="+mn-cs"/>
-              </a:defRPr>
-            </a:lvl4pPr>
-            <a:lvl5pPr marL="1828800" algn="l" defTabSz="914400" rtl="0" eaLnBrk="1" latinLnBrk="0" hangingPunct="1">
-              <a:defRPr sz="1800" kern="1200">
-                <a:solidFill>
-                  <a:schemeClr val="tx1"/>
-                </a:solidFill>
-                <a:latin typeface="+mn-lt"/>
-                <a:ea typeface="+mn-ea"/>
-                <a:cs typeface="+mn-cs"/>
-              </a:defRPr>
-            </a:lvl5pPr>
-            <a:lvl6pPr marL="2286000" algn="l" defTabSz="914400" rtl="0" eaLnBrk="1" latinLnBrk="0" hangingPunct="1">
-              <a:defRPr sz="1800" kern="1200">
-                <a:solidFill>
-                  <a:schemeClr val="tx1"/>
-                </a:solidFill>
-                <a:latin typeface="+mn-lt"/>
-                <a:ea typeface="+mn-ea"/>
-                <a:cs typeface="+mn-cs"/>
-              </a:defRPr>
-            </a:lvl6pPr>
-            <a:lvl7pPr marL="2743200" algn="l" defTabSz="914400" rtl="0" eaLnBrk="1" latinLnBrk="0" hangingPunct="1">
-              <a:defRPr sz="1800" kern="1200">
-                <a:solidFill>
-                  <a:schemeClr val="tx1"/>
-                </a:solidFill>
-                <a:latin typeface="+mn-lt"/>
-                <a:ea typeface="+mn-ea"/>
-                <a:cs typeface="+mn-cs"/>
-              </a:defRPr>
-            </a:lvl7pPr>
-            <a:lvl8pPr marL="3200400" algn="l" defTabSz="914400" rtl="0" eaLnBrk="1" latinLnBrk="0" hangingPunct="1">
-              <a:defRPr sz="1800" kern="1200">
-                <a:solidFill>
-                  <a:schemeClr val="tx1"/>
-                </a:solidFill>
-                <a:latin typeface="+mn-lt"/>
-                <a:ea typeface="+mn-ea"/>
-                <a:cs typeface="+mn-cs"/>
-              </a:defRPr>
-            </a:lvl8pPr>
-            <a:lvl9pPr marL="3657600" algn="l" defTabSz="914400" rtl="0" eaLnBrk="1" latinLnBrk="0" hangingPunct="1">
-              <a:defRPr sz="1800" kern="1200">
-                <a:solidFill>
-                  <a:schemeClr val="tx1"/>
-                </a:solidFill>
-                <a:latin typeface="+mn-lt"/>
-                <a:ea typeface="+mn-ea"/>
-                <a:cs typeface="+mn-cs"/>
-              </a:defRPr>
-            </a:lvl9pPr>
-          </a:lstStyle>
-          <a:p>
-            <a:fld id="{D4328D90-2A6F-4F23-88A8-C5DCC2B5F307}" type="slidenum">
-              <a:rPr lang="zh-TW" altLang="en-US" smtClean="0"/>
-              <a:pPr/>
-              <a:t>‹#›</a:t>
-            </a:fld>
-            <a:endParaRPr lang="zh-TW" altLang="en-US"/>
-          </a:p>
-        </p:txBody>
-      </p:sp>
-    </p:spTree>
-    <p:extLst>
-      <p:ext uri="{BB962C8B-B14F-4D97-AF65-F5344CB8AC3E}">
-        <p14:creationId xmlns:p14="http://schemas.microsoft.com/office/powerpoint/2010/main" val="2739903612"/>
+        <p14:creationId xmlns:p14="http://schemas.microsoft.com/office/powerpoint/2010/main" val="2894355520"/>
       </p:ext>
     </p:extLst>
   </p:cSld>
@@ -8071,24 +2009,16 @@
     </p:spTree>
     <p:extLst>
       <p:ext uri="{BB962C8B-B14F-4D97-AF65-F5344CB8AC3E}">
-        <p14:creationId xmlns:p14="http://schemas.microsoft.com/office/powerpoint/2010/main" val="2502905171"/>
+        <p14:creationId xmlns:p14="http://schemas.microsoft.com/office/powerpoint/2010/main" val="2971567285"/>
       </p:ext>
     </p:extLst>
   </p:cSld>
   <p:clrMap bg1="dk1" tx1="lt1" bg2="dk2" tx2="lt2" accent1="accent1" accent2="accent2" accent3="accent3" accent4="accent4" accent5="accent5" accent6="accent6" hlink="hlink" folHlink="folHlink"/>
   <p:sldLayoutIdLst>
-    <p:sldLayoutId id="2147483661" r:id="rId1"/>
-    <p:sldLayoutId id="2147483662" r:id="rId2"/>
-    <p:sldLayoutId id="2147483663" r:id="rId3"/>
-    <p:sldLayoutId id="2147483664" r:id="rId4"/>
-    <p:sldLayoutId id="2147483665" r:id="rId5"/>
-    <p:sldLayoutId id="2147483666" r:id="rId6"/>
-    <p:sldLayoutId id="2147483667" r:id="rId7"/>
-    <p:sldLayoutId id="2147483668" r:id="rId8"/>
-    <p:sldLayoutId id="2147483669" r:id="rId9"/>
-    <p:sldLayoutId id="2147483670" r:id="rId10"/>
-    <p:sldLayoutId id="2147483671" r:id="rId11"/>
-    <p:sldLayoutId id="2147483672" r:id="rId12"/>
+    <p:sldLayoutId id="2147483674" r:id="rId1"/>
+    <p:sldLayoutId id="2147483675" r:id="rId2"/>
+    <p:sldLayoutId id="2147483676" r:id="rId3"/>
+    <p:sldLayoutId id="2147483677" r:id="rId4"/>
   </p:sldLayoutIdLst>
   <p:transition spd="slow">
     <p:push dir="u"/>
@@ -8448,7 +2378,7 @@
             </a:r>
             <a:r>
               <a:rPr lang="zh-TW" altLang="en-US"/>
-              <a:t>桃高資訊社</a:t>
+              <a:t> 桃高資訊社</a:t>
             </a:r>
           </a:p>
         </p:txBody>
@@ -9032,12 +2962,7 @@
             <p:ph type="title"/>
           </p:nvPr>
         </p:nvSpPr>
-        <p:spPr>
-          <a:xfrm>
-            <a:off x="838200" y="365125"/>
-            <a:ext cx="10515600" cy="1325563"/>
-          </a:xfrm>
-        </p:spPr>
+        <p:spPr/>
         <p:txBody>
           <a:bodyPr/>
           <a:lstStyle/>
@@ -23743,12 +17668,7 @@
             <p:ph type="title"/>
           </p:nvPr>
         </p:nvSpPr>
-        <p:spPr>
-          <a:xfrm>
-            <a:off x="838200" y="365125"/>
-            <a:ext cx="10515600" cy="1325563"/>
-          </a:xfrm>
-        </p:spPr>
+        <p:spPr/>
         <p:txBody>
           <a:bodyPr/>
           <a:lstStyle/>
@@ -25578,7 +19498,7 @@
   <a:extraClrSchemeLst/>
   <a:extLst>
     <a:ext uri="{05A4C25C-085E-4340-85A3-A5531E510DB2}">
-      <thm15:themeFamily xmlns:thm15="http://schemas.microsoft.com/office/thememl/2012/main" name="TYIC" id="{E2D9765B-27E6-4F7D-BDAB-2CD480706C35}" vid="{D1D4527B-6C29-4E80-850E-305C16F473BE}"/>
+      <thm15:themeFamily xmlns:thm15="http://schemas.microsoft.com/office/thememl/2012/main" name="TYIC" id="{1CBE48E2-41FD-4EDA-8801-606A138B7FC3}" vid="{F6EAACDE-0833-4468-B256-0551E0034979}"/>
     </a:ext>
   </a:extLst>
 </a:theme>
